--- a/Team_Lasso.pptx
+++ b/Team_Lasso.pptx
@@ -1,25 +1,25 @@
 
 <file path=ppt/presentation.xml><?xml version="1.0" encoding="utf-8"?>
-<p:presentation xmlns:a="http://schemas.openxmlformats.org/drawingml/2006/main" xmlns:r="http://schemas.openxmlformats.org/officeDocument/2006/relationships" xmlns:mc="http://schemas.openxmlformats.org/markup-compatibility/2006" xmlns:mv="urn:schemas-microsoft-com:mac:vml" xmlns:p="http://schemas.openxmlformats.org/presentationml/2006/main" xmlns:c="http://schemas.openxmlformats.org/drawingml/2006/chart" xmlns:dgm="http://schemas.openxmlformats.org/drawingml/2006/diagram" xmlns:o="urn:schemas-microsoft-com:office:office" xmlns:v="urn:schemas-microsoft-com:vml" xmlns:pvml="urn:schemas-microsoft-com:office:powerpoint" xmlns:com="http://schemas.openxmlformats.org/drawingml/2006/compatibility" xmlns:p14="http://schemas.microsoft.com/office/powerpoint/2010/main" xmlns:p15="http://schemas.microsoft.com/office/powerpoint/2012/main" xmlns:ahyp="http://schemas.microsoft.com/office/drawing/2018/hyperlinkcolor" autoCompressPictures="0" strictFirstAndLastChars="0" saveSubsetFonts="1">
+<p:presentation xmlns:a="http://schemas.openxmlformats.org/drawingml/2006/main" xmlns:r="http://schemas.openxmlformats.org/officeDocument/2006/relationships" xmlns:p="http://schemas.openxmlformats.org/presentationml/2006/main" strictFirstAndLastChars="0" saveSubsetFonts="1" autoCompressPictures="0">
   <p:sldMasterIdLst>
-    <p:sldMasterId id="2147483659" r:id="rId4"/>
+    <p:sldMasterId id="2147483659" r:id="rId1"/>
   </p:sldMasterIdLst>
   <p:notesMasterIdLst>
-    <p:notesMasterId r:id="rId5"/>
+    <p:notesMasterId r:id="rId9"/>
   </p:notesMasterIdLst>
   <p:sldIdLst>
-    <p:sldId id="256" r:id="rId6"/>
-    <p:sldId id="257" r:id="rId7"/>
-    <p:sldId id="258" r:id="rId8"/>
-    <p:sldId id="259" r:id="rId9"/>
-    <p:sldId id="260" r:id="rId10"/>
-    <p:sldId id="261" r:id="rId11"/>
-    <p:sldId id="262" r:id="rId12"/>
+    <p:sldId id="256" r:id="rId2"/>
+    <p:sldId id="257" r:id="rId3"/>
+    <p:sldId id="258" r:id="rId4"/>
+    <p:sldId id="259" r:id="rId5"/>
+    <p:sldId id="260" r:id="rId6"/>
+    <p:sldId id="261" r:id="rId7"/>
+    <p:sldId id="262" r:id="rId8"/>
   </p:sldIdLst>
-  <p:sldSz cy="5143500" cx="9144000"/>
+  <p:sldSz cx="9144000" cy="5143500" type="screen16x9"/>
   <p:notesSz cx="6858000" cy="9144000"/>
   <p:defaultTextStyle>
-    <a:defPPr lvl="0" marR="0" rtl="0" algn="l">
+    <a:defPPr marR="0" lvl="0" algn="l" rtl="0">
       <a:lnSpc>
         <a:spcPct val="100000"/>
       </a:lnSpc>
@@ -30,7 +30,7 @@
         <a:spcPts val="0"/>
       </a:spcAft>
     </a:defPPr>
-    <a:lvl1pPr lvl="0" marR="0" rtl="0" algn="l">
+    <a:lvl1pPr marR="0" lvl="0" algn="l" rtl="0">
       <a:lnSpc>
         <a:spcPct val="100000"/>
       </a:lnSpc>
@@ -44,7 +44,7 @@
         <a:srgbClr val="000000"/>
       </a:buClr>
       <a:buFont typeface="Arial"/>
-      <a:defRPr b="0" i="0" sz="1400" u="none" cap="none" strike="noStrike">
+      <a:defRPr sz="1400" b="0" i="0" u="none" strike="noStrike" cap="none">
         <a:solidFill>
           <a:srgbClr val="000000"/>
         </a:solidFill>
@@ -54,7 +54,7 @@
         <a:sym typeface="Arial"/>
       </a:defRPr>
     </a:lvl1pPr>
-    <a:lvl2pPr lvl="1" marR="0" rtl="0" algn="l">
+    <a:lvl2pPr marR="0" lvl="1" algn="l" rtl="0">
       <a:lnSpc>
         <a:spcPct val="100000"/>
       </a:lnSpc>
@@ -68,7 +68,7 @@
         <a:srgbClr val="000000"/>
       </a:buClr>
       <a:buFont typeface="Arial"/>
-      <a:defRPr b="0" i="0" sz="1400" u="none" cap="none" strike="noStrike">
+      <a:defRPr sz="1400" b="0" i="0" u="none" strike="noStrike" cap="none">
         <a:solidFill>
           <a:srgbClr val="000000"/>
         </a:solidFill>
@@ -78,7 +78,7 @@
         <a:sym typeface="Arial"/>
       </a:defRPr>
     </a:lvl2pPr>
-    <a:lvl3pPr lvl="2" marR="0" rtl="0" algn="l">
+    <a:lvl3pPr marR="0" lvl="2" algn="l" rtl="0">
       <a:lnSpc>
         <a:spcPct val="100000"/>
       </a:lnSpc>
@@ -92,7 +92,7 @@
         <a:srgbClr val="000000"/>
       </a:buClr>
       <a:buFont typeface="Arial"/>
-      <a:defRPr b="0" i="0" sz="1400" u="none" cap="none" strike="noStrike">
+      <a:defRPr sz="1400" b="0" i="0" u="none" strike="noStrike" cap="none">
         <a:solidFill>
           <a:srgbClr val="000000"/>
         </a:solidFill>
@@ -102,7 +102,7 @@
         <a:sym typeface="Arial"/>
       </a:defRPr>
     </a:lvl3pPr>
-    <a:lvl4pPr lvl="3" marR="0" rtl="0" algn="l">
+    <a:lvl4pPr marR="0" lvl="3" algn="l" rtl="0">
       <a:lnSpc>
         <a:spcPct val="100000"/>
       </a:lnSpc>
@@ -116,7 +116,7 @@
         <a:srgbClr val="000000"/>
       </a:buClr>
       <a:buFont typeface="Arial"/>
-      <a:defRPr b="0" i="0" sz="1400" u="none" cap="none" strike="noStrike">
+      <a:defRPr sz="1400" b="0" i="0" u="none" strike="noStrike" cap="none">
         <a:solidFill>
           <a:srgbClr val="000000"/>
         </a:solidFill>
@@ -126,7 +126,7 @@
         <a:sym typeface="Arial"/>
       </a:defRPr>
     </a:lvl4pPr>
-    <a:lvl5pPr lvl="4" marR="0" rtl="0" algn="l">
+    <a:lvl5pPr marR="0" lvl="4" algn="l" rtl="0">
       <a:lnSpc>
         <a:spcPct val="100000"/>
       </a:lnSpc>
@@ -140,7 +140,7 @@
         <a:srgbClr val="000000"/>
       </a:buClr>
       <a:buFont typeface="Arial"/>
-      <a:defRPr b="0" i="0" sz="1400" u="none" cap="none" strike="noStrike">
+      <a:defRPr sz="1400" b="0" i="0" u="none" strike="noStrike" cap="none">
         <a:solidFill>
           <a:srgbClr val="000000"/>
         </a:solidFill>
@@ -150,7 +150,7 @@
         <a:sym typeface="Arial"/>
       </a:defRPr>
     </a:lvl5pPr>
-    <a:lvl6pPr lvl="5" marR="0" rtl="0" algn="l">
+    <a:lvl6pPr marR="0" lvl="5" algn="l" rtl="0">
       <a:lnSpc>
         <a:spcPct val="100000"/>
       </a:lnSpc>
@@ -164,7 +164,7 @@
         <a:srgbClr val="000000"/>
       </a:buClr>
       <a:buFont typeface="Arial"/>
-      <a:defRPr b="0" i="0" sz="1400" u="none" cap="none" strike="noStrike">
+      <a:defRPr sz="1400" b="0" i="0" u="none" strike="noStrike" cap="none">
         <a:solidFill>
           <a:srgbClr val="000000"/>
         </a:solidFill>
@@ -174,7 +174,7 @@
         <a:sym typeface="Arial"/>
       </a:defRPr>
     </a:lvl6pPr>
-    <a:lvl7pPr lvl="6" marR="0" rtl="0" algn="l">
+    <a:lvl7pPr marR="0" lvl="6" algn="l" rtl="0">
       <a:lnSpc>
         <a:spcPct val="100000"/>
       </a:lnSpc>
@@ -188,7 +188,7 @@
         <a:srgbClr val="000000"/>
       </a:buClr>
       <a:buFont typeface="Arial"/>
-      <a:defRPr b="0" i="0" sz="1400" u="none" cap="none" strike="noStrike">
+      <a:defRPr sz="1400" b="0" i="0" u="none" strike="noStrike" cap="none">
         <a:solidFill>
           <a:srgbClr val="000000"/>
         </a:solidFill>
@@ -198,7 +198,7 @@
         <a:sym typeface="Arial"/>
       </a:defRPr>
     </a:lvl7pPr>
-    <a:lvl8pPr lvl="7" marR="0" rtl="0" algn="l">
+    <a:lvl8pPr marR="0" lvl="7" algn="l" rtl="0">
       <a:lnSpc>
         <a:spcPct val="100000"/>
       </a:lnSpc>
@@ -212,7 +212,7 @@
         <a:srgbClr val="000000"/>
       </a:buClr>
       <a:buFont typeface="Arial"/>
-      <a:defRPr b="0" i="0" sz="1400" u="none" cap="none" strike="noStrike">
+      <a:defRPr sz="1400" b="0" i="0" u="none" strike="noStrike" cap="none">
         <a:solidFill>
           <a:srgbClr val="000000"/>
         </a:solidFill>
@@ -222,7 +222,7 @@
         <a:sym typeface="Arial"/>
       </a:defRPr>
     </a:lvl8pPr>
-    <a:lvl9pPr lvl="8" marR="0" rtl="0" algn="l">
+    <a:lvl9pPr marR="0" lvl="8" algn="l" rtl="0">
       <a:lnSpc>
         <a:spcPct val="100000"/>
       </a:lnSpc>
@@ -236,7 +236,7 @@
         <a:srgbClr val="000000"/>
       </a:buClr>
       <a:buFont typeface="Arial"/>
-      <a:defRPr b="0" i="0" sz="1400" u="none" cap="none" strike="noStrike">
+      <a:defRPr sz="1400" b="0" i="0" u="none" strike="noStrike" cap="none">
         <a:solidFill>
           <a:srgbClr val="000000"/>
         </a:solidFill>
@@ -249,7 +249,7 @@
   </p:defaultTextStyle>
   <p:extLst>
     <p:ext uri="{EFAFB233-063F-42B5-8137-9DF3F51BA10A}">
-      <p15:sldGuideLst>
+      <p15:sldGuideLst xmlns:p15="http://schemas.microsoft.com/office/powerpoint/2012/main">
         <p15:guide id="1" orient="horz" pos="1620">
           <p15:clr>
             <a:srgbClr val="747775"/>
@@ -267,11 +267,16 @@
 </file>
 
 <file path=ppt/notesMasters/notesMaster1.xml><?xml version="1.0" encoding="utf-8"?>
-<p:notesMaster xmlns:a="http://schemas.openxmlformats.org/drawingml/2006/main" xmlns:r="http://schemas.openxmlformats.org/officeDocument/2006/relationships" xmlns:mc="http://schemas.openxmlformats.org/markup-compatibility/2006" xmlns:mv="urn:schemas-microsoft-com:mac:vml" xmlns:p="http://schemas.openxmlformats.org/presentationml/2006/main" xmlns:c="http://schemas.openxmlformats.org/drawingml/2006/chart" xmlns:dgm="http://schemas.openxmlformats.org/drawingml/2006/diagram" xmlns:o="urn:schemas-microsoft-com:office:office" xmlns:v="urn:schemas-microsoft-com:vml" xmlns:pvml="urn:schemas-microsoft-com:office:powerpoint" xmlns:com="http://schemas.openxmlformats.org/drawingml/2006/compatibility" xmlns:p14="http://schemas.microsoft.com/office/powerpoint/2010/main" xmlns:p15="http://schemas.microsoft.com/office/powerpoint/2012/main" xmlns:ahyp="http://schemas.microsoft.com/office/drawing/2018/hyperlinkcolor">
+<p:notesMaster xmlns:a="http://schemas.openxmlformats.org/drawingml/2006/main" xmlns:r="http://schemas.openxmlformats.org/officeDocument/2006/relationships" xmlns:p="http://schemas.openxmlformats.org/presentationml/2006/main">
   <p:cSld>
+    <p:bg>
+      <p:bgRef idx="1001">
+        <a:schemeClr val="bg1"/>
+      </p:bgRef>
+    </p:bg>
     <p:spTree>
       <p:nvGrpSpPr>
-        <p:cNvPr id="2" name="Shape 2"/>
+        <p:cNvPr id="1" name="Shape 2"/>
         <p:cNvGrpSpPr/>
         <p:nvPr/>
       </p:nvGrpSpPr>
@@ -286,9 +291,11 @@
       <p:sp>
         <p:nvSpPr>
           <p:cNvPr id="3" name="Google Shape;3;n"/>
-          <p:cNvSpPr/>
+          <p:cNvSpPr>
+            <a:spLocks noGrp="1" noRot="1" noChangeAspect="1"/>
+          </p:cNvSpPr>
           <p:nvPr>
-            <p:ph idx="2" type="sldImg"/>
+            <p:ph type="sldImg" idx="2"/>
           </p:nvPr>
         </p:nvSpPr>
         <p:spPr>
@@ -297,9 +304,13 @@
             <a:ext cx="6096075" cy="3429000"/>
           </a:xfrm>
           <a:custGeom>
-            <a:rect b="b" l="l" r="r" t="t"/>
+            <a:avLst/>
+            <a:gdLst/>
+            <a:ahLst/>
+            <a:cxnLst/>
+            <a:rect l="l" t="t" r="r" b="b"/>
             <a:pathLst>
-              <a:path extrusionOk="0" h="120000" w="120000">
+              <a:path w="120000" h="120000" extrusionOk="0">
                 <a:moveTo>
                   <a:pt x="0" y="0"/>
                 </a:moveTo>
@@ -317,23 +328,25 @@
             </a:pathLst>
           </a:custGeom>
           <a:noFill/>
-          <a:ln cap="flat" cmpd="sng" w="9525">
+          <a:ln w="9525" cap="flat" cmpd="sng">
             <a:solidFill>
               <a:srgbClr val="000000"/>
             </a:solidFill>
             <a:prstDash val="solid"/>
             <a:round/>
-            <a:headEnd len="sm" w="sm" type="none"/>
-            <a:tailEnd len="sm" w="sm" type="none"/>
+            <a:headEnd type="none" w="sm" len="sm"/>
+            <a:tailEnd type="none" w="sm" len="sm"/>
           </a:ln>
         </p:spPr>
       </p:sp>
       <p:sp>
         <p:nvSpPr>
           <p:cNvPr id="4" name="Google Shape;4;n"/>
-          <p:cNvSpPr txBox="1"/>
+          <p:cNvSpPr txBox="1">
+            <a:spLocks noGrp="1"/>
+          </p:cNvSpPr>
           <p:nvPr>
-            <p:ph idx="1" type="body"/>
+            <p:ph type="body" idx="1"/>
           </p:nvPr>
         </p:nvSpPr>
         <p:spPr>
@@ -350,11 +363,11 @@
           </a:ln>
         </p:spPr>
         <p:txBody>
-          <a:bodyPr anchorCtr="0" anchor="t" bIns="91425" lIns="91425" spcFirstLastPara="1" rIns="91425" wrap="square" tIns="91425">
+          <a:bodyPr spcFirstLastPara="1" wrap="square" lIns="91425" tIns="91425" rIns="91425" bIns="91425" anchor="t" anchorCtr="0">
             <a:noAutofit/>
           </a:bodyPr>
           <a:lstStyle>
-            <a:lvl1pPr indent="-298450" lvl="0" marL="457200">
+            <a:lvl1pPr marL="457200" lvl="0" indent="-298450">
               <a:spcBef>
                 <a:spcPts val="0"/>
               </a:spcBef>
@@ -365,7 +378,7 @@
               <a:buChar char="●"/>
               <a:defRPr sz="1100"/>
             </a:lvl1pPr>
-            <a:lvl2pPr indent="-298450" lvl="1" marL="914400">
+            <a:lvl2pPr marL="914400" lvl="1" indent="-298450">
               <a:spcBef>
                 <a:spcPts val="0"/>
               </a:spcBef>
@@ -376,7 +389,7 @@
               <a:buChar char="○"/>
               <a:defRPr sz="1100"/>
             </a:lvl2pPr>
-            <a:lvl3pPr indent="-298450" lvl="2" marL="1371600">
+            <a:lvl3pPr marL="1371600" lvl="2" indent="-298450">
               <a:spcBef>
                 <a:spcPts val="0"/>
               </a:spcBef>
@@ -387,7 +400,7 @@
               <a:buChar char="■"/>
               <a:defRPr sz="1100"/>
             </a:lvl3pPr>
-            <a:lvl4pPr indent="-298450" lvl="3" marL="1828800">
+            <a:lvl4pPr marL="1828800" lvl="3" indent="-298450">
               <a:spcBef>
                 <a:spcPts val="0"/>
               </a:spcBef>
@@ -398,7 +411,7 @@
               <a:buChar char="●"/>
               <a:defRPr sz="1100"/>
             </a:lvl4pPr>
-            <a:lvl5pPr indent="-298450" lvl="4" marL="2286000">
+            <a:lvl5pPr marL="2286000" lvl="4" indent="-298450">
               <a:spcBef>
                 <a:spcPts val="0"/>
               </a:spcBef>
@@ -409,7 +422,7 @@
               <a:buChar char="○"/>
               <a:defRPr sz="1100"/>
             </a:lvl5pPr>
-            <a:lvl6pPr indent="-298450" lvl="5" marL="2743200">
+            <a:lvl6pPr marL="2743200" lvl="5" indent="-298450">
               <a:spcBef>
                 <a:spcPts val="0"/>
               </a:spcBef>
@@ -420,7 +433,7 @@
               <a:buChar char="■"/>
               <a:defRPr sz="1100"/>
             </a:lvl6pPr>
-            <a:lvl7pPr indent="-298450" lvl="6" marL="3200400">
+            <a:lvl7pPr marL="3200400" lvl="6" indent="-298450">
               <a:spcBef>
                 <a:spcPts val="0"/>
               </a:spcBef>
@@ -431,7 +444,7 @@
               <a:buChar char="●"/>
               <a:defRPr sz="1100"/>
             </a:lvl7pPr>
-            <a:lvl8pPr indent="-298450" lvl="7" marL="3657600">
+            <a:lvl8pPr marL="3657600" lvl="7" indent="-298450">
               <a:spcBef>
                 <a:spcPts val="0"/>
               </a:spcBef>
@@ -442,7 +455,7 @@
               <a:buChar char="○"/>
               <a:defRPr sz="1100"/>
             </a:lvl8pPr>
-            <a:lvl9pPr indent="-298450" lvl="8" marL="4114800">
+            <a:lvl9pPr marL="4114800" lvl="8" indent="-298450">
               <a:spcBef>
                 <a:spcPts val="0"/>
               </a:spcBef>
@@ -454,14 +467,16 @@
               <a:defRPr sz="1100"/>
             </a:lvl9pPr>
           </a:lstStyle>
-          <a:p/>
+          <a:p>
+            <a:endParaRPr/>
+          </a:p>
         </p:txBody>
       </p:sp>
     </p:spTree>
   </p:cSld>
-  <p:clrMap accent1="accent1" accent2="accent2" accent3="accent3" accent4="accent4" accent5="accent5" accent6="accent6" bg1="lt1" bg2="dk2" tx1="dk1" tx2="lt2" folHlink="folHlink" hlink="hlink"/>
+  <p:clrMap bg1="lt1" tx1="dk1" bg2="dk2" tx2="lt2" accent1="accent1" accent2="accent2" accent3="accent3" accent4="accent4" accent5="accent5" accent6="accent6" hlink="hlink" folHlink="folHlink"/>
   <p:notesStyle>
-    <a:defPPr lvl="0" marR="0" rtl="0" algn="l">
+    <a:defPPr marR="0" lvl="0" algn="l" rtl="0">
       <a:lnSpc>
         <a:spcPct val="100000"/>
       </a:lnSpc>
@@ -472,7 +487,7 @@
         <a:spcPts val="0"/>
       </a:spcAft>
     </a:defPPr>
-    <a:lvl1pPr lvl="0" marR="0" rtl="0" algn="l">
+    <a:lvl1pPr marR="0" lvl="0" algn="l" rtl="0">
       <a:lnSpc>
         <a:spcPct val="100000"/>
       </a:lnSpc>
@@ -486,7 +501,7 @@
         <a:srgbClr val="000000"/>
       </a:buClr>
       <a:buFont typeface="Arial"/>
-      <a:defRPr b="0" i="0" sz="1400" u="none" cap="none" strike="noStrike">
+      <a:defRPr sz="1400" b="0" i="0" u="none" strike="noStrike" cap="none">
         <a:solidFill>
           <a:srgbClr val="000000"/>
         </a:solidFill>
@@ -496,7 +511,7 @@
         <a:sym typeface="Arial"/>
       </a:defRPr>
     </a:lvl1pPr>
-    <a:lvl2pPr lvl="1" marR="0" rtl="0" algn="l">
+    <a:lvl2pPr marR="0" lvl="1" algn="l" rtl="0">
       <a:lnSpc>
         <a:spcPct val="100000"/>
       </a:lnSpc>
@@ -510,7 +525,7 @@
         <a:srgbClr val="000000"/>
       </a:buClr>
       <a:buFont typeface="Arial"/>
-      <a:defRPr b="0" i="0" sz="1400" u="none" cap="none" strike="noStrike">
+      <a:defRPr sz="1400" b="0" i="0" u="none" strike="noStrike" cap="none">
         <a:solidFill>
           <a:srgbClr val="000000"/>
         </a:solidFill>
@@ -520,7 +535,7 @@
         <a:sym typeface="Arial"/>
       </a:defRPr>
     </a:lvl2pPr>
-    <a:lvl3pPr lvl="2" marR="0" rtl="0" algn="l">
+    <a:lvl3pPr marR="0" lvl="2" algn="l" rtl="0">
       <a:lnSpc>
         <a:spcPct val="100000"/>
       </a:lnSpc>
@@ -534,7 +549,7 @@
         <a:srgbClr val="000000"/>
       </a:buClr>
       <a:buFont typeface="Arial"/>
-      <a:defRPr b="0" i="0" sz="1400" u="none" cap="none" strike="noStrike">
+      <a:defRPr sz="1400" b="0" i="0" u="none" strike="noStrike" cap="none">
         <a:solidFill>
           <a:srgbClr val="000000"/>
         </a:solidFill>
@@ -544,7 +559,7 @@
         <a:sym typeface="Arial"/>
       </a:defRPr>
     </a:lvl3pPr>
-    <a:lvl4pPr lvl="3" marR="0" rtl="0" algn="l">
+    <a:lvl4pPr marR="0" lvl="3" algn="l" rtl="0">
       <a:lnSpc>
         <a:spcPct val="100000"/>
       </a:lnSpc>
@@ -558,7 +573,7 @@
         <a:srgbClr val="000000"/>
       </a:buClr>
       <a:buFont typeface="Arial"/>
-      <a:defRPr b="0" i="0" sz="1400" u="none" cap="none" strike="noStrike">
+      <a:defRPr sz="1400" b="0" i="0" u="none" strike="noStrike" cap="none">
         <a:solidFill>
           <a:srgbClr val="000000"/>
         </a:solidFill>
@@ -568,7 +583,7 @@
         <a:sym typeface="Arial"/>
       </a:defRPr>
     </a:lvl4pPr>
-    <a:lvl5pPr lvl="4" marR="0" rtl="0" algn="l">
+    <a:lvl5pPr marR="0" lvl="4" algn="l" rtl="0">
       <a:lnSpc>
         <a:spcPct val="100000"/>
       </a:lnSpc>
@@ -582,7 +597,7 @@
         <a:srgbClr val="000000"/>
       </a:buClr>
       <a:buFont typeface="Arial"/>
-      <a:defRPr b="0" i="0" sz="1400" u="none" cap="none" strike="noStrike">
+      <a:defRPr sz="1400" b="0" i="0" u="none" strike="noStrike" cap="none">
         <a:solidFill>
           <a:srgbClr val="000000"/>
         </a:solidFill>
@@ -592,7 +607,7 @@
         <a:sym typeface="Arial"/>
       </a:defRPr>
     </a:lvl5pPr>
-    <a:lvl6pPr lvl="5" marR="0" rtl="0" algn="l">
+    <a:lvl6pPr marR="0" lvl="5" algn="l" rtl="0">
       <a:lnSpc>
         <a:spcPct val="100000"/>
       </a:lnSpc>
@@ -606,7 +621,7 @@
         <a:srgbClr val="000000"/>
       </a:buClr>
       <a:buFont typeface="Arial"/>
-      <a:defRPr b="0" i="0" sz="1400" u="none" cap="none" strike="noStrike">
+      <a:defRPr sz="1400" b="0" i="0" u="none" strike="noStrike" cap="none">
         <a:solidFill>
           <a:srgbClr val="000000"/>
         </a:solidFill>
@@ -616,7 +631,7 @@
         <a:sym typeface="Arial"/>
       </a:defRPr>
     </a:lvl6pPr>
-    <a:lvl7pPr lvl="6" marR="0" rtl="0" algn="l">
+    <a:lvl7pPr marR="0" lvl="6" algn="l" rtl="0">
       <a:lnSpc>
         <a:spcPct val="100000"/>
       </a:lnSpc>
@@ -630,7 +645,7 @@
         <a:srgbClr val="000000"/>
       </a:buClr>
       <a:buFont typeface="Arial"/>
-      <a:defRPr b="0" i="0" sz="1400" u="none" cap="none" strike="noStrike">
+      <a:defRPr sz="1400" b="0" i="0" u="none" strike="noStrike" cap="none">
         <a:solidFill>
           <a:srgbClr val="000000"/>
         </a:solidFill>
@@ -640,7 +655,7 @@
         <a:sym typeface="Arial"/>
       </a:defRPr>
     </a:lvl7pPr>
-    <a:lvl8pPr lvl="7" marR="0" rtl="0" algn="l">
+    <a:lvl8pPr marR="0" lvl="7" algn="l" rtl="0">
       <a:lnSpc>
         <a:spcPct val="100000"/>
       </a:lnSpc>
@@ -654,7 +669,7 @@
         <a:srgbClr val="000000"/>
       </a:buClr>
       <a:buFont typeface="Arial"/>
-      <a:defRPr b="0" i="0" sz="1400" u="none" cap="none" strike="noStrike">
+      <a:defRPr sz="1400" b="0" i="0" u="none" strike="noStrike" cap="none">
         <a:solidFill>
           <a:srgbClr val="000000"/>
         </a:solidFill>
@@ -664,7 +679,7 @@
         <a:sym typeface="Arial"/>
       </a:defRPr>
     </a:lvl8pPr>
-    <a:lvl9pPr lvl="8" marR="0" rtl="0" algn="l">
+    <a:lvl9pPr marR="0" lvl="8" algn="l" rtl="0">
       <a:lnSpc>
         <a:spcPct val="100000"/>
       </a:lnSpc>
@@ -678,7 +693,7 @@
         <a:srgbClr val="000000"/>
       </a:buClr>
       <a:buFont typeface="Arial"/>
-      <a:defRPr b="0" i="0" sz="1400" u="none" cap="none" strike="noStrike">
+      <a:defRPr sz="1400" b="0" i="0" u="none" strike="noStrike" cap="none">
         <a:solidFill>
           <a:srgbClr val="000000"/>
         </a:solidFill>
@@ -693,11 +708,11 @@
 </file>
 
 <file path=ppt/notesSlides/notesSlide1.xml><?xml version="1.0" encoding="utf-8"?>
-<p:notes xmlns:a="http://schemas.openxmlformats.org/drawingml/2006/main" xmlns:r="http://schemas.openxmlformats.org/officeDocument/2006/relationships" xmlns:mc="http://schemas.openxmlformats.org/markup-compatibility/2006" xmlns:mv="urn:schemas-microsoft-com:mac:vml" xmlns:p="http://schemas.openxmlformats.org/presentationml/2006/main" xmlns:c="http://schemas.openxmlformats.org/drawingml/2006/chart" xmlns:dgm="http://schemas.openxmlformats.org/drawingml/2006/diagram" xmlns:o="urn:schemas-microsoft-com:office:office" xmlns:v="urn:schemas-microsoft-com:vml" xmlns:pvml="urn:schemas-microsoft-com:office:powerpoint" xmlns:com="http://schemas.openxmlformats.org/drawingml/2006/compatibility" xmlns:p14="http://schemas.microsoft.com/office/powerpoint/2010/main" xmlns:p15="http://schemas.microsoft.com/office/powerpoint/2012/main" xmlns:ahyp="http://schemas.microsoft.com/office/drawing/2018/hyperlinkcolor" showMasterPhAnim="0" showMasterSp="0">
+<p:notes xmlns:a="http://schemas.openxmlformats.org/drawingml/2006/main" xmlns:r="http://schemas.openxmlformats.org/officeDocument/2006/relationships" xmlns:p="http://schemas.openxmlformats.org/presentationml/2006/main" showMasterSp="0" showMasterPhAnim="0">
   <p:cSld>
     <p:spTree>
       <p:nvGrpSpPr>
-        <p:cNvPr id="50" name="Shape 50"/>
+        <p:cNvPr id="1" name="Shape 50"/>
         <p:cNvGrpSpPr/>
         <p:nvPr/>
       </p:nvGrpSpPr>
@@ -712,20 +727,26 @@
       <p:sp>
         <p:nvSpPr>
           <p:cNvPr id="51" name="Google Shape;51;p:notes"/>
-          <p:cNvSpPr/>
+          <p:cNvSpPr>
+            <a:spLocks noGrp="1" noRot="1" noChangeAspect="1"/>
+          </p:cNvSpPr>
           <p:nvPr>
-            <p:ph idx="2" type="sldImg"/>
+            <p:ph type="sldImg" idx="2"/>
           </p:nvPr>
         </p:nvSpPr>
         <p:spPr>
           <a:xfrm>
-            <a:off x="381300" y="685800"/>
-            <a:ext cx="6096075" cy="3429000"/>
+            <a:off x="381000" y="685800"/>
+            <a:ext cx="6096000" cy="3429000"/>
           </a:xfrm>
           <a:custGeom>
-            <a:rect b="b" l="l" r="r" t="t"/>
+            <a:avLst/>
+            <a:gdLst/>
+            <a:ahLst/>
+            <a:cxnLst/>
+            <a:rect l="l" t="t" r="r" b="b"/>
             <a:pathLst>
-              <a:path extrusionOk="0" h="120000" w="120000">
+              <a:path w="120000" h="120000" extrusionOk="0">
                 <a:moveTo>
                   <a:pt x="0" y="0"/>
                 </a:moveTo>
@@ -747,9 +768,11 @@
       <p:sp>
         <p:nvSpPr>
           <p:cNvPr id="52" name="Google Shape;52;p:notes"/>
-          <p:cNvSpPr txBox="1"/>
+          <p:cNvSpPr txBox="1">
+            <a:spLocks noGrp="1"/>
+          </p:cNvSpPr>
           <p:nvPr>
-            <p:ph idx="1" type="body"/>
+            <p:ph type="body" idx="1"/>
           </p:nvPr>
         </p:nvSpPr>
         <p:spPr>
@@ -762,12 +785,12 @@
           </a:prstGeom>
         </p:spPr>
         <p:txBody>
-          <a:bodyPr anchorCtr="0" anchor="t" bIns="91425" lIns="91425" spcFirstLastPara="1" rIns="91425" wrap="square" tIns="91425">
+          <a:bodyPr spcFirstLastPara="1" wrap="square" lIns="91425" tIns="91425" rIns="91425" bIns="91425" anchor="t" anchorCtr="0">
             <a:noAutofit/>
           </a:bodyPr>
           <a:lstStyle/>
           <a:p>
-            <a:pPr indent="0" lvl="0" marL="0" rtl="0" algn="l">
+            <a:pPr marL="0" lvl="0" indent="0" algn="l" rtl="0">
               <a:spcBef>
                 <a:spcPts val="0"/>
               </a:spcBef>
@@ -776,9 +799,6 @@
               </a:spcAft>
               <a:buNone/>
             </a:pPr>
-            <a:r>
-              <a:t/>
-            </a:r>
             <a:endParaRPr/>
           </a:p>
         </p:txBody>
@@ -792,11 +812,11 @@
 </file>
 
 <file path=ppt/notesSlides/notesSlide2.xml><?xml version="1.0" encoding="utf-8"?>
-<p:notes xmlns:a="http://schemas.openxmlformats.org/drawingml/2006/main" xmlns:r="http://schemas.openxmlformats.org/officeDocument/2006/relationships" xmlns:mc="http://schemas.openxmlformats.org/markup-compatibility/2006" xmlns:mv="urn:schemas-microsoft-com:mac:vml" xmlns:p="http://schemas.openxmlformats.org/presentationml/2006/main" xmlns:c="http://schemas.openxmlformats.org/drawingml/2006/chart" xmlns:dgm="http://schemas.openxmlformats.org/drawingml/2006/diagram" xmlns:o="urn:schemas-microsoft-com:office:office" xmlns:v="urn:schemas-microsoft-com:vml" xmlns:pvml="urn:schemas-microsoft-com:office:powerpoint" xmlns:com="http://schemas.openxmlformats.org/drawingml/2006/compatibility" xmlns:p14="http://schemas.microsoft.com/office/powerpoint/2010/main" xmlns:p15="http://schemas.microsoft.com/office/powerpoint/2012/main" xmlns:ahyp="http://schemas.microsoft.com/office/drawing/2018/hyperlinkcolor" showMasterPhAnim="0" showMasterSp="0">
+<p:notes xmlns:a="http://schemas.openxmlformats.org/drawingml/2006/main" xmlns:r="http://schemas.openxmlformats.org/officeDocument/2006/relationships" xmlns:p="http://schemas.openxmlformats.org/presentationml/2006/main" showMasterSp="0" showMasterPhAnim="0">
   <p:cSld>
     <p:spTree>
       <p:nvGrpSpPr>
-        <p:cNvPr id="56" name="Shape 56"/>
+        <p:cNvPr id="1" name="Shape 56"/>
         <p:cNvGrpSpPr/>
         <p:nvPr/>
       </p:nvGrpSpPr>
@@ -811,9 +831,11 @@
       <p:sp>
         <p:nvSpPr>
           <p:cNvPr id="57" name="Google Shape;57;g329f9f5f1b5_0_0:notes"/>
-          <p:cNvSpPr/>
+          <p:cNvSpPr>
+            <a:spLocks noGrp="1" noRot="1" noChangeAspect="1"/>
+          </p:cNvSpPr>
           <p:nvPr>
-            <p:ph idx="2" type="sldImg"/>
+            <p:ph type="sldImg" idx="2"/>
           </p:nvPr>
         </p:nvSpPr>
         <p:spPr>
@@ -822,9 +844,13 @@
             <a:ext cx="6096000" cy="3429000"/>
           </a:xfrm>
           <a:custGeom>
-            <a:rect b="b" l="l" r="r" t="t"/>
+            <a:avLst/>
+            <a:gdLst/>
+            <a:ahLst/>
+            <a:cxnLst/>
+            <a:rect l="l" t="t" r="r" b="b"/>
             <a:pathLst>
-              <a:path extrusionOk="0" h="120000" w="120000">
+              <a:path w="120000" h="120000" extrusionOk="0">
                 <a:moveTo>
                   <a:pt x="0" y="0"/>
                 </a:moveTo>
@@ -846,9 +872,11 @@
       <p:sp>
         <p:nvSpPr>
           <p:cNvPr id="58" name="Google Shape;58;g329f9f5f1b5_0_0:notes"/>
-          <p:cNvSpPr txBox="1"/>
+          <p:cNvSpPr txBox="1">
+            <a:spLocks noGrp="1"/>
+          </p:cNvSpPr>
           <p:nvPr>
-            <p:ph idx="1" type="body"/>
+            <p:ph type="body" idx="1"/>
           </p:nvPr>
         </p:nvSpPr>
         <p:spPr>
@@ -861,12 +889,12 @@
           </a:prstGeom>
         </p:spPr>
         <p:txBody>
-          <a:bodyPr anchorCtr="0" anchor="t" bIns="91425" lIns="91425" spcFirstLastPara="1" rIns="91425" wrap="square" tIns="91425">
+          <a:bodyPr spcFirstLastPara="1" wrap="square" lIns="91425" tIns="91425" rIns="91425" bIns="91425" anchor="t" anchorCtr="0">
             <a:noAutofit/>
           </a:bodyPr>
           <a:lstStyle/>
           <a:p>
-            <a:pPr indent="0" lvl="0" marL="0" rtl="0" algn="l">
+            <a:pPr marL="0" lvl="0" indent="0" algn="l" rtl="0">
               <a:spcBef>
                 <a:spcPts val="0"/>
               </a:spcBef>
@@ -875,9 +903,6 @@
               </a:spcAft>
               <a:buNone/>
             </a:pPr>
-            <a:r>
-              <a:t/>
-            </a:r>
             <a:endParaRPr/>
           </a:p>
         </p:txBody>
@@ -891,11 +916,11 @@
 </file>
 
 <file path=ppt/notesSlides/notesSlide3.xml><?xml version="1.0" encoding="utf-8"?>
-<p:notes xmlns:a="http://schemas.openxmlformats.org/drawingml/2006/main" xmlns:r="http://schemas.openxmlformats.org/officeDocument/2006/relationships" xmlns:mc="http://schemas.openxmlformats.org/markup-compatibility/2006" xmlns:mv="urn:schemas-microsoft-com:mac:vml" xmlns:p="http://schemas.openxmlformats.org/presentationml/2006/main" xmlns:c="http://schemas.openxmlformats.org/drawingml/2006/chart" xmlns:dgm="http://schemas.openxmlformats.org/drawingml/2006/diagram" xmlns:o="urn:schemas-microsoft-com:office:office" xmlns:v="urn:schemas-microsoft-com:vml" xmlns:pvml="urn:schemas-microsoft-com:office:powerpoint" xmlns:com="http://schemas.openxmlformats.org/drawingml/2006/compatibility" xmlns:p14="http://schemas.microsoft.com/office/powerpoint/2010/main" xmlns:p15="http://schemas.microsoft.com/office/powerpoint/2012/main" xmlns:ahyp="http://schemas.microsoft.com/office/drawing/2018/hyperlinkcolor" showMasterPhAnim="0" showMasterSp="0">
+<p:notes xmlns:a="http://schemas.openxmlformats.org/drawingml/2006/main" xmlns:r="http://schemas.openxmlformats.org/officeDocument/2006/relationships" xmlns:p="http://schemas.openxmlformats.org/presentationml/2006/main" showMasterSp="0" showMasterPhAnim="0">
   <p:cSld>
     <p:spTree>
       <p:nvGrpSpPr>
-        <p:cNvPr id="62" name="Shape 62"/>
+        <p:cNvPr id="1" name="Shape 62"/>
         <p:cNvGrpSpPr/>
         <p:nvPr/>
       </p:nvGrpSpPr>
@@ -910,9 +935,11 @@
       <p:sp>
         <p:nvSpPr>
           <p:cNvPr id="63" name="Google Shape;63;g329f9f5f1b5_0_5:notes"/>
-          <p:cNvSpPr/>
+          <p:cNvSpPr>
+            <a:spLocks noGrp="1" noRot="1" noChangeAspect="1"/>
+          </p:cNvSpPr>
           <p:nvPr>
-            <p:ph idx="2" type="sldImg"/>
+            <p:ph type="sldImg" idx="2"/>
           </p:nvPr>
         </p:nvSpPr>
         <p:spPr>
@@ -921,9 +948,13 @@
             <a:ext cx="6096000" cy="3429000"/>
           </a:xfrm>
           <a:custGeom>
-            <a:rect b="b" l="l" r="r" t="t"/>
+            <a:avLst/>
+            <a:gdLst/>
+            <a:ahLst/>
+            <a:cxnLst/>
+            <a:rect l="l" t="t" r="r" b="b"/>
             <a:pathLst>
-              <a:path extrusionOk="0" h="120000" w="120000">
+              <a:path w="120000" h="120000" extrusionOk="0">
                 <a:moveTo>
                   <a:pt x="0" y="0"/>
                 </a:moveTo>
@@ -945,9 +976,11 @@
       <p:sp>
         <p:nvSpPr>
           <p:cNvPr id="64" name="Google Shape;64;g329f9f5f1b5_0_5:notes"/>
-          <p:cNvSpPr txBox="1"/>
+          <p:cNvSpPr txBox="1">
+            <a:spLocks noGrp="1"/>
+          </p:cNvSpPr>
           <p:nvPr>
-            <p:ph idx="1" type="body"/>
+            <p:ph type="body" idx="1"/>
           </p:nvPr>
         </p:nvSpPr>
         <p:spPr>
@@ -960,12 +993,12 @@
           </a:prstGeom>
         </p:spPr>
         <p:txBody>
-          <a:bodyPr anchorCtr="0" anchor="t" bIns="91425" lIns="91425" spcFirstLastPara="1" rIns="91425" wrap="square" tIns="91425">
+          <a:bodyPr spcFirstLastPara="1" wrap="square" lIns="91425" tIns="91425" rIns="91425" bIns="91425" anchor="t" anchorCtr="0">
             <a:noAutofit/>
           </a:bodyPr>
           <a:lstStyle/>
           <a:p>
-            <a:pPr indent="0" lvl="0" marL="0" rtl="0" algn="l">
+            <a:pPr marL="0" lvl="0" indent="0" algn="l" rtl="0">
               <a:spcBef>
                 <a:spcPts val="0"/>
               </a:spcBef>
@@ -974,9 +1007,6 @@
               </a:spcAft>
               <a:buNone/>
             </a:pPr>
-            <a:r>
-              <a:t/>
-            </a:r>
             <a:endParaRPr/>
           </a:p>
         </p:txBody>
@@ -990,11 +1020,11 @@
 </file>
 
 <file path=ppt/notesSlides/notesSlide4.xml><?xml version="1.0" encoding="utf-8"?>
-<p:notes xmlns:a="http://schemas.openxmlformats.org/drawingml/2006/main" xmlns:r="http://schemas.openxmlformats.org/officeDocument/2006/relationships" xmlns:mc="http://schemas.openxmlformats.org/markup-compatibility/2006" xmlns:mv="urn:schemas-microsoft-com:mac:vml" xmlns:p="http://schemas.openxmlformats.org/presentationml/2006/main" xmlns:c="http://schemas.openxmlformats.org/drawingml/2006/chart" xmlns:dgm="http://schemas.openxmlformats.org/drawingml/2006/diagram" xmlns:o="urn:schemas-microsoft-com:office:office" xmlns:v="urn:schemas-microsoft-com:vml" xmlns:pvml="urn:schemas-microsoft-com:office:powerpoint" xmlns:com="http://schemas.openxmlformats.org/drawingml/2006/compatibility" xmlns:p14="http://schemas.microsoft.com/office/powerpoint/2010/main" xmlns:p15="http://schemas.microsoft.com/office/powerpoint/2012/main" xmlns:ahyp="http://schemas.microsoft.com/office/drawing/2018/hyperlinkcolor" showMasterPhAnim="0" showMasterSp="0">
+<p:notes xmlns:a="http://schemas.openxmlformats.org/drawingml/2006/main" xmlns:r="http://schemas.openxmlformats.org/officeDocument/2006/relationships" xmlns:p="http://schemas.openxmlformats.org/presentationml/2006/main" showMasterSp="0" showMasterPhAnim="0">
   <p:cSld>
     <p:spTree>
       <p:nvGrpSpPr>
-        <p:cNvPr id="68" name="Shape 68"/>
+        <p:cNvPr id="1" name="Shape 68"/>
         <p:cNvGrpSpPr/>
         <p:nvPr/>
       </p:nvGrpSpPr>
@@ -1009,9 +1039,11 @@
       <p:sp>
         <p:nvSpPr>
           <p:cNvPr id="69" name="Google Shape;69;g329f9f5f1b5_0_10:notes"/>
-          <p:cNvSpPr/>
+          <p:cNvSpPr>
+            <a:spLocks noGrp="1" noRot="1" noChangeAspect="1"/>
+          </p:cNvSpPr>
           <p:nvPr>
-            <p:ph idx="2" type="sldImg"/>
+            <p:ph type="sldImg" idx="2"/>
           </p:nvPr>
         </p:nvSpPr>
         <p:spPr>
@@ -1020,9 +1052,13 @@
             <a:ext cx="6096000" cy="3429000"/>
           </a:xfrm>
           <a:custGeom>
-            <a:rect b="b" l="l" r="r" t="t"/>
+            <a:avLst/>
+            <a:gdLst/>
+            <a:ahLst/>
+            <a:cxnLst/>
+            <a:rect l="l" t="t" r="r" b="b"/>
             <a:pathLst>
-              <a:path extrusionOk="0" h="120000" w="120000">
+              <a:path w="120000" h="120000" extrusionOk="0">
                 <a:moveTo>
                   <a:pt x="0" y="0"/>
                 </a:moveTo>
@@ -1044,9 +1080,11 @@
       <p:sp>
         <p:nvSpPr>
           <p:cNvPr id="70" name="Google Shape;70;g329f9f5f1b5_0_10:notes"/>
-          <p:cNvSpPr txBox="1"/>
+          <p:cNvSpPr txBox="1">
+            <a:spLocks noGrp="1"/>
+          </p:cNvSpPr>
           <p:nvPr>
-            <p:ph idx="1" type="body"/>
+            <p:ph type="body" idx="1"/>
           </p:nvPr>
         </p:nvSpPr>
         <p:spPr>
@@ -1059,12 +1097,12 @@
           </a:prstGeom>
         </p:spPr>
         <p:txBody>
-          <a:bodyPr anchorCtr="0" anchor="t" bIns="91425" lIns="91425" spcFirstLastPara="1" rIns="91425" wrap="square" tIns="91425">
+          <a:bodyPr spcFirstLastPara="1" wrap="square" lIns="91425" tIns="91425" rIns="91425" bIns="91425" anchor="t" anchorCtr="0">
             <a:noAutofit/>
           </a:bodyPr>
           <a:lstStyle/>
           <a:p>
-            <a:pPr indent="0" lvl="0" marL="0" rtl="0" algn="l">
+            <a:pPr marL="0" lvl="0" indent="0" algn="l" rtl="0">
               <a:spcBef>
                 <a:spcPts val="0"/>
               </a:spcBef>
@@ -1073,9 +1111,6 @@
               </a:spcAft>
               <a:buNone/>
             </a:pPr>
-            <a:r>
-              <a:t/>
-            </a:r>
             <a:endParaRPr/>
           </a:p>
         </p:txBody>
@@ -1089,11 +1124,11 @@
 </file>
 
 <file path=ppt/notesSlides/notesSlide5.xml><?xml version="1.0" encoding="utf-8"?>
-<p:notes xmlns:a="http://schemas.openxmlformats.org/drawingml/2006/main" xmlns:r="http://schemas.openxmlformats.org/officeDocument/2006/relationships" xmlns:mc="http://schemas.openxmlformats.org/markup-compatibility/2006" xmlns:mv="urn:schemas-microsoft-com:mac:vml" xmlns:p="http://schemas.openxmlformats.org/presentationml/2006/main" xmlns:c="http://schemas.openxmlformats.org/drawingml/2006/chart" xmlns:dgm="http://schemas.openxmlformats.org/drawingml/2006/diagram" xmlns:o="urn:schemas-microsoft-com:office:office" xmlns:v="urn:schemas-microsoft-com:vml" xmlns:pvml="urn:schemas-microsoft-com:office:powerpoint" xmlns:com="http://schemas.openxmlformats.org/drawingml/2006/compatibility" xmlns:p14="http://schemas.microsoft.com/office/powerpoint/2010/main" xmlns:p15="http://schemas.microsoft.com/office/powerpoint/2012/main" xmlns:ahyp="http://schemas.microsoft.com/office/drawing/2018/hyperlinkcolor" showMasterPhAnim="0" showMasterSp="0">
+<p:notes xmlns:a="http://schemas.openxmlformats.org/drawingml/2006/main" xmlns:r="http://schemas.openxmlformats.org/officeDocument/2006/relationships" xmlns:p="http://schemas.openxmlformats.org/presentationml/2006/main" showMasterSp="0" showMasterPhAnim="0">
   <p:cSld>
     <p:spTree>
       <p:nvGrpSpPr>
-        <p:cNvPr id="74" name="Shape 74"/>
+        <p:cNvPr id="1" name="Shape 74"/>
         <p:cNvGrpSpPr/>
         <p:nvPr/>
       </p:nvGrpSpPr>
@@ -1108,9 +1143,11 @@
       <p:sp>
         <p:nvSpPr>
           <p:cNvPr id="75" name="Google Shape;75;g329f9f5f1b5_0_15:notes"/>
-          <p:cNvSpPr/>
+          <p:cNvSpPr>
+            <a:spLocks noGrp="1" noRot="1" noChangeAspect="1"/>
+          </p:cNvSpPr>
           <p:nvPr>
-            <p:ph idx="2" type="sldImg"/>
+            <p:ph type="sldImg" idx="2"/>
           </p:nvPr>
         </p:nvSpPr>
         <p:spPr>
@@ -1119,9 +1156,13 @@
             <a:ext cx="6096000" cy="3429000"/>
           </a:xfrm>
           <a:custGeom>
-            <a:rect b="b" l="l" r="r" t="t"/>
+            <a:avLst/>
+            <a:gdLst/>
+            <a:ahLst/>
+            <a:cxnLst/>
+            <a:rect l="l" t="t" r="r" b="b"/>
             <a:pathLst>
-              <a:path extrusionOk="0" h="120000" w="120000">
+              <a:path w="120000" h="120000" extrusionOk="0">
                 <a:moveTo>
                   <a:pt x="0" y="0"/>
                 </a:moveTo>
@@ -1143,9 +1184,11 @@
       <p:sp>
         <p:nvSpPr>
           <p:cNvPr id="76" name="Google Shape;76;g329f9f5f1b5_0_15:notes"/>
-          <p:cNvSpPr txBox="1"/>
+          <p:cNvSpPr txBox="1">
+            <a:spLocks noGrp="1"/>
+          </p:cNvSpPr>
           <p:nvPr>
-            <p:ph idx="1" type="body"/>
+            <p:ph type="body" idx="1"/>
           </p:nvPr>
         </p:nvSpPr>
         <p:spPr>
@@ -1158,12 +1201,12 @@
           </a:prstGeom>
         </p:spPr>
         <p:txBody>
-          <a:bodyPr anchorCtr="0" anchor="t" bIns="91425" lIns="91425" spcFirstLastPara="1" rIns="91425" wrap="square" tIns="91425">
+          <a:bodyPr spcFirstLastPara="1" wrap="square" lIns="91425" tIns="91425" rIns="91425" bIns="91425" anchor="t" anchorCtr="0">
             <a:noAutofit/>
           </a:bodyPr>
           <a:lstStyle/>
           <a:p>
-            <a:pPr indent="0" lvl="0" marL="0" rtl="0" algn="l">
+            <a:pPr marL="0" lvl="0" indent="0" algn="l" rtl="0">
               <a:spcBef>
                 <a:spcPts val="0"/>
               </a:spcBef>
@@ -1172,9 +1215,6 @@
               </a:spcAft>
               <a:buNone/>
             </a:pPr>
-            <a:r>
-              <a:t/>
-            </a:r>
             <a:endParaRPr/>
           </a:p>
         </p:txBody>
@@ -1188,11 +1228,11 @@
 </file>
 
 <file path=ppt/notesSlides/notesSlide6.xml><?xml version="1.0" encoding="utf-8"?>
-<p:notes xmlns:a="http://schemas.openxmlformats.org/drawingml/2006/main" xmlns:r="http://schemas.openxmlformats.org/officeDocument/2006/relationships" xmlns:mc="http://schemas.openxmlformats.org/markup-compatibility/2006" xmlns:mv="urn:schemas-microsoft-com:mac:vml" xmlns:p="http://schemas.openxmlformats.org/presentationml/2006/main" xmlns:c="http://schemas.openxmlformats.org/drawingml/2006/chart" xmlns:dgm="http://schemas.openxmlformats.org/drawingml/2006/diagram" xmlns:o="urn:schemas-microsoft-com:office:office" xmlns:v="urn:schemas-microsoft-com:vml" xmlns:pvml="urn:schemas-microsoft-com:office:powerpoint" xmlns:com="http://schemas.openxmlformats.org/drawingml/2006/compatibility" xmlns:p14="http://schemas.microsoft.com/office/powerpoint/2010/main" xmlns:p15="http://schemas.microsoft.com/office/powerpoint/2012/main" xmlns:ahyp="http://schemas.microsoft.com/office/drawing/2018/hyperlinkcolor" showMasterPhAnim="0" showMasterSp="0">
+<p:notes xmlns:a="http://schemas.openxmlformats.org/drawingml/2006/main" xmlns:r="http://schemas.openxmlformats.org/officeDocument/2006/relationships" xmlns:p="http://schemas.openxmlformats.org/presentationml/2006/main" showMasterSp="0" showMasterPhAnim="0">
   <p:cSld>
     <p:spTree>
       <p:nvGrpSpPr>
-        <p:cNvPr id="80" name="Shape 80"/>
+        <p:cNvPr id="1" name="Shape 80"/>
         <p:cNvGrpSpPr/>
         <p:nvPr/>
       </p:nvGrpSpPr>
@@ -1207,9 +1247,11 @@
       <p:sp>
         <p:nvSpPr>
           <p:cNvPr id="81" name="Google Shape;81;g329f9f5f1b5_0_20:notes"/>
-          <p:cNvSpPr/>
+          <p:cNvSpPr>
+            <a:spLocks noGrp="1" noRot="1" noChangeAspect="1"/>
+          </p:cNvSpPr>
           <p:nvPr>
-            <p:ph idx="2" type="sldImg"/>
+            <p:ph type="sldImg" idx="2"/>
           </p:nvPr>
         </p:nvSpPr>
         <p:spPr>
@@ -1218,9 +1260,13 @@
             <a:ext cx="6096000" cy="3429000"/>
           </a:xfrm>
           <a:custGeom>
-            <a:rect b="b" l="l" r="r" t="t"/>
+            <a:avLst/>
+            <a:gdLst/>
+            <a:ahLst/>
+            <a:cxnLst/>
+            <a:rect l="l" t="t" r="r" b="b"/>
             <a:pathLst>
-              <a:path extrusionOk="0" h="120000" w="120000">
+              <a:path w="120000" h="120000" extrusionOk="0">
                 <a:moveTo>
                   <a:pt x="0" y="0"/>
                 </a:moveTo>
@@ -1242,9 +1288,11 @@
       <p:sp>
         <p:nvSpPr>
           <p:cNvPr id="82" name="Google Shape;82;g329f9f5f1b5_0_20:notes"/>
-          <p:cNvSpPr txBox="1"/>
+          <p:cNvSpPr txBox="1">
+            <a:spLocks noGrp="1"/>
+          </p:cNvSpPr>
           <p:nvPr>
-            <p:ph idx="1" type="body"/>
+            <p:ph type="body" idx="1"/>
           </p:nvPr>
         </p:nvSpPr>
         <p:spPr>
@@ -1257,12 +1305,12 @@
           </a:prstGeom>
         </p:spPr>
         <p:txBody>
-          <a:bodyPr anchorCtr="0" anchor="t" bIns="91425" lIns="91425" spcFirstLastPara="1" rIns="91425" wrap="square" tIns="91425">
+          <a:bodyPr spcFirstLastPara="1" wrap="square" lIns="91425" tIns="91425" rIns="91425" bIns="91425" anchor="t" anchorCtr="0">
             <a:noAutofit/>
           </a:bodyPr>
           <a:lstStyle/>
           <a:p>
-            <a:pPr indent="0" lvl="0" marL="0" rtl="0" algn="l">
+            <a:pPr marL="0" lvl="0" indent="0" algn="l" rtl="0">
               <a:spcBef>
                 <a:spcPts val="0"/>
               </a:spcBef>
@@ -1271,9 +1319,6 @@
               </a:spcAft>
               <a:buNone/>
             </a:pPr>
-            <a:r>
-              <a:t/>
-            </a:r>
             <a:endParaRPr/>
           </a:p>
         </p:txBody>
@@ -1287,11 +1332,11 @@
 </file>
 
 <file path=ppt/notesSlides/notesSlide7.xml><?xml version="1.0" encoding="utf-8"?>
-<p:notes xmlns:a="http://schemas.openxmlformats.org/drawingml/2006/main" xmlns:r="http://schemas.openxmlformats.org/officeDocument/2006/relationships" xmlns:mc="http://schemas.openxmlformats.org/markup-compatibility/2006" xmlns:mv="urn:schemas-microsoft-com:mac:vml" xmlns:p="http://schemas.openxmlformats.org/presentationml/2006/main" xmlns:c="http://schemas.openxmlformats.org/drawingml/2006/chart" xmlns:dgm="http://schemas.openxmlformats.org/drawingml/2006/diagram" xmlns:o="urn:schemas-microsoft-com:office:office" xmlns:v="urn:schemas-microsoft-com:vml" xmlns:pvml="urn:schemas-microsoft-com:office:powerpoint" xmlns:com="http://schemas.openxmlformats.org/drawingml/2006/compatibility" xmlns:p14="http://schemas.microsoft.com/office/powerpoint/2010/main" xmlns:p15="http://schemas.microsoft.com/office/powerpoint/2012/main" xmlns:ahyp="http://schemas.microsoft.com/office/drawing/2018/hyperlinkcolor" showMasterPhAnim="0" showMasterSp="0">
+<p:notes xmlns:a="http://schemas.openxmlformats.org/drawingml/2006/main" xmlns:r="http://schemas.openxmlformats.org/officeDocument/2006/relationships" xmlns:p="http://schemas.openxmlformats.org/presentationml/2006/main" showMasterSp="0" showMasterPhAnim="0">
   <p:cSld>
     <p:spTree>
       <p:nvGrpSpPr>
-        <p:cNvPr id="86" name="Shape 86"/>
+        <p:cNvPr id="1" name="Shape 86"/>
         <p:cNvGrpSpPr/>
         <p:nvPr/>
       </p:nvGrpSpPr>
@@ -1306,9 +1351,11 @@
       <p:sp>
         <p:nvSpPr>
           <p:cNvPr id="87" name="Google Shape;87;g329f9f5f1b5_0_25:notes"/>
-          <p:cNvSpPr/>
+          <p:cNvSpPr>
+            <a:spLocks noGrp="1" noRot="1" noChangeAspect="1"/>
+          </p:cNvSpPr>
           <p:nvPr>
-            <p:ph idx="2" type="sldImg"/>
+            <p:ph type="sldImg" idx="2"/>
           </p:nvPr>
         </p:nvSpPr>
         <p:spPr>
@@ -1317,9 +1364,13 @@
             <a:ext cx="6096000" cy="3429000"/>
           </a:xfrm>
           <a:custGeom>
-            <a:rect b="b" l="l" r="r" t="t"/>
+            <a:avLst/>
+            <a:gdLst/>
+            <a:ahLst/>
+            <a:cxnLst/>
+            <a:rect l="l" t="t" r="r" b="b"/>
             <a:pathLst>
-              <a:path extrusionOk="0" h="120000" w="120000">
+              <a:path w="120000" h="120000" extrusionOk="0">
                 <a:moveTo>
                   <a:pt x="0" y="0"/>
                 </a:moveTo>
@@ -1341,9 +1392,11 @@
       <p:sp>
         <p:nvSpPr>
           <p:cNvPr id="88" name="Google Shape;88;g329f9f5f1b5_0_25:notes"/>
-          <p:cNvSpPr txBox="1"/>
+          <p:cNvSpPr txBox="1">
+            <a:spLocks noGrp="1"/>
+          </p:cNvSpPr>
           <p:nvPr>
-            <p:ph idx="1" type="body"/>
+            <p:ph type="body" idx="1"/>
           </p:nvPr>
         </p:nvSpPr>
         <p:spPr>
@@ -1356,12 +1409,12 @@
           </a:prstGeom>
         </p:spPr>
         <p:txBody>
-          <a:bodyPr anchorCtr="0" anchor="t" bIns="91425" lIns="91425" spcFirstLastPara="1" rIns="91425" wrap="square" tIns="91425">
+          <a:bodyPr spcFirstLastPara="1" wrap="square" lIns="91425" tIns="91425" rIns="91425" bIns="91425" anchor="t" anchorCtr="0">
             <a:noAutofit/>
           </a:bodyPr>
           <a:lstStyle/>
           <a:p>
-            <a:pPr indent="0" lvl="0" marL="0" rtl="0" algn="l">
+            <a:pPr marL="0" lvl="0" indent="0" algn="l" rtl="0">
               <a:spcBef>
                 <a:spcPts val="0"/>
               </a:spcBef>
@@ -1370,9 +1423,6 @@
               </a:spcAft>
               <a:buNone/>
             </a:pPr>
-            <a:r>
-              <a:t/>
-            </a:r>
             <a:endParaRPr/>
           </a:p>
         </p:txBody>
@@ -1386,11 +1436,11 @@
 </file>
 
 <file path=ppt/slideLayouts/slideLayout1.xml><?xml version="1.0" encoding="utf-8"?>
-<p:sldLayout xmlns:a="http://schemas.openxmlformats.org/drawingml/2006/main" xmlns:r="http://schemas.openxmlformats.org/officeDocument/2006/relationships" xmlns:mc="http://schemas.openxmlformats.org/markup-compatibility/2006" xmlns:mv="urn:schemas-microsoft-com:mac:vml" xmlns:p="http://schemas.openxmlformats.org/presentationml/2006/main" xmlns:c="http://schemas.openxmlformats.org/drawingml/2006/chart" xmlns:dgm="http://schemas.openxmlformats.org/drawingml/2006/diagram" xmlns:o="urn:schemas-microsoft-com:office:office" xmlns:v="urn:schemas-microsoft-com:vml" xmlns:pvml="urn:schemas-microsoft-com:office:powerpoint" xmlns:com="http://schemas.openxmlformats.org/drawingml/2006/compatibility" xmlns:p14="http://schemas.microsoft.com/office/powerpoint/2010/main" xmlns:p15="http://schemas.microsoft.com/office/powerpoint/2012/main" xmlns:ahyp="http://schemas.microsoft.com/office/drawing/2018/hyperlinkcolor" matchingName="Title slide" type="title">
+<p:sldLayout xmlns:a="http://schemas.openxmlformats.org/drawingml/2006/main" xmlns:r="http://schemas.openxmlformats.org/officeDocument/2006/relationships" xmlns:p="http://schemas.openxmlformats.org/presentationml/2006/main" matchingName="Title slide" type="title">
   <p:cSld name="TITLE">
     <p:spTree>
       <p:nvGrpSpPr>
-        <p:cNvPr id="9" name="Shape 9"/>
+        <p:cNvPr id="1" name="Shape 9"/>
         <p:cNvGrpSpPr/>
         <p:nvPr/>
       </p:nvGrpSpPr>
@@ -1405,7 +1455,9 @@
       <p:sp>
         <p:nvSpPr>
           <p:cNvPr id="10" name="Google Shape;10;p2"/>
-          <p:cNvSpPr txBox="1"/>
+          <p:cNvSpPr txBox="1">
+            <a:spLocks noGrp="1"/>
+          </p:cNvSpPr>
           <p:nvPr>
             <p:ph type="ctrTitle"/>
           </p:nvPr>
@@ -1420,7 +1472,7 @@
           </a:prstGeom>
         </p:spPr>
         <p:txBody>
-          <a:bodyPr anchorCtr="0" anchor="b" bIns="91425" lIns="91425" spcFirstLastPara="1" rIns="91425" wrap="square" tIns="91425">
+          <a:bodyPr spcFirstLastPara="1" wrap="square" lIns="91425" tIns="91425" rIns="91425" bIns="91425" anchor="b" anchorCtr="0">
             <a:normAutofit/>
           </a:bodyPr>
           <a:lstStyle>
@@ -1524,15 +1576,19 @@
               <a:defRPr sz="5200"/>
             </a:lvl9pPr>
           </a:lstStyle>
-          <a:p/>
+          <a:p>
+            <a:endParaRPr/>
+          </a:p>
         </p:txBody>
       </p:sp>
       <p:sp>
         <p:nvSpPr>
           <p:cNvPr id="11" name="Google Shape;11;p2"/>
-          <p:cNvSpPr txBox="1"/>
+          <p:cNvSpPr txBox="1">
+            <a:spLocks noGrp="1"/>
+          </p:cNvSpPr>
           <p:nvPr>
-            <p:ph idx="1" type="subTitle"/>
+            <p:ph type="subTitle" idx="1"/>
           </p:nvPr>
         </p:nvSpPr>
         <p:spPr>
@@ -1545,7 +1601,7 @@
           </a:prstGeom>
         </p:spPr>
         <p:txBody>
-          <a:bodyPr anchorCtr="0" anchor="t" bIns="91425" lIns="91425" spcFirstLastPara="1" rIns="91425" wrap="square" tIns="91425">
+          <a:bodyPr spcFirstLastPara="1" wrap="square" lIns="91425" tIns="91425" rIns="91425" bIns="91425" anchor="t" anchorCtr="0">
             <a:normAutofit/>
           </a:bodyPr>
           <a:lstStyle>
@@ -1676,15 +1732,19 @@
               <a:defRPr sz="2800"/>
             </a:lvl9pPr>
           </a:lstStyle>
-          <a:p/>
+          <a:p>
+            <a:endParaRPr/>
+          </a:p>
         </p:txBody>
       </p:sp>
       <p:sp>
         <p:nvSpPr>
           <p:cNvPr id="12" name="Google Shape;12;p2"/>
-          <p:cNvSpPr txBox="1"/>
+          <p:cNvSpPr txBox="1">
+            <a:spLocks noGrp="1"/>
+          </p:cNvSpPr>
           <p:nvPr>
-            <p:ph idx="12" type="sldNum"/>
+            <p:ph type="sldNum" idx="12"/>
           </p:nvPr>
         </p:nvSpPr>
         <p:spPr>
@@ -1697,7 +1757,7 @@
           </a:prstGeom>
         </p:spPr>
         <p:txBody>
-          <a:bodyPr anchorCtr="0" anchor="ctr" bIns="91425" lIns="91425" spcFirstLastPara="1" rIns="91425" wrap="square" tIns="91425">
+          <a:bodyPr spcFirstLastPara="1" wrap="square" lIns="91425" tIns="91425" rIns="91425" bIns="91425" anchor="ctr" anchorCtr="0">
             <a:normAutofit/>
           </a:bodyPr>
           <a:lstStyle>
@@ -1739,7 +1799,7 @@
             </a:lvl9pPr>
           </a:lstStyle>
           <a:p>
-            <a:pPr indent="0" lvl="0" marL="0" rtl="0" algn="r">
+            <a:pPr marL="0" lvl="0" indent="0" algn="r" rtl="0">
               <a:spcBef>
                 <a:spcPts val="0"/>
               </a:spcBef>
@@ -1750,7 +1810,7 @@
             </a:pPr>
             <a:fld id="{00000000-1234-1234-1234-123412341234}" type="slidenum">
               <a:rPr lang="es"/>
-              <a:t>‹#›</a:t>
+              <a:t>‹Nº›</a:t>
             </a:fld>
             <a:endParaRPr/>
           </a:p>
@@ -1765,11 +1825,11 @@
 </file>
 
 <file path=ppt/slideLayouts/slideLayout10.xml><?xml version="1.0" encoding="utf-8"?>
-<p:sldLayout xmlns:a="http://schemas.openxmlformats.org/drawingml/2006/main" xmlns:r="http://schemas.openxmlformats.org/officeDocument/2006/relationships" xmlns:mc="http://schemas.openxmlformats.org/markup-compatibility/2006" xmlns:mv="urn:schemas-microsoft-com:mac:vml" xmlns:p="http://schemas.openxmlformats.org/presentationml/2006/main" xmlns:c="http://schemas.openxmlformats.org/drawingml/2006/chart" xmlns:dgm="http://schemas.openxmlformats.org/drawingml/2006/diagram" xmlns:o="urn:schemas-microsoft-com:office:office" xmlns:v="urn:schemas-microsoft-com:vml" xmlns:pvml="urn:schemas-microsoft-com:office:powerpoint" xmlns:com="http://schemas.openxmlformats.org/drawingml/2006/compatibility" xmlns:p14="http://schemas.microsoft.com/office/powerpoint/2010/main" xmlns:p15="http://schemas.microsoft.com/office/powerpoint/2012/main" xmlns:ahyp="http://schemas.microsoft.com/office/drawing/2018/hyperlinkcolor" matchingName="Big number">
+<p:sldLayout xmlns:a="http://schemas.openxmlformats.org/drawingml/2006/main" xmlns:r="http://schemas.openxmlformats.org/officeDocument/2006/relationships" xmlns:p="http://schemas.openxmlformats.org/presentationml/2006/main" matchingName="Big number">
   <p:cSld name="BIG_NUMBER">
     <p:spTree>
       <p:nvGrpSpPr>
-        <p:cNvPr id="44" name="Shape 44"/>
+        <p:cNvPr id="1" name="Shape 44"/>
         <p:cNvGrpSpPr/>
         <p:nvPr/>
       </p:nvGrpSpPr>
@@ -1784,9 +1844,11 @@
       <p:sp>
         <p:nvSpPr>
           <p:cNvPr id="45" name="Google Shape;45;p11"/>
-          <p:cNvSpPr txBox="1"/>
+          <p:cNvSpPr txBox="1">
+            <a:spLocks noGrp="1"/>
+          </p:cNvSpPr>
           <p:nvPr>
-            <p:ph hasCustomPrompt="1" type="title"/>
+            <p:ph type="title" hasCustomPrompt="1"/>
           </p:nvPr>
         </p:nvSpPr>
         <p:spPr>
@@ -1799,7 +1861,7 @@
           </a:prstGeom>
         </p:spPr>
         <p:txBody>
-          <a:bodyPr anchorCtr="0" anchor="b" bIns="91425" lIns="91425" spcFirstLastPara="1" rIns="91425" wrap="square" tIns="91425">
+          <a:bodyPr spcFirstLastPara="1" wrap="square" lIns="91425" tIns="91425" rIns="91425" bIns="91425" anchor="b" anchorCtr="0">
             <a:normAutofit/>
           </a:bodyPr>
           <a:lstStyle>
@@ -1913,9 +1975,11 @@
       <p:sp>
         <p:nvSpPr>
           <p:cNvPr id="46" name="Google Shape;46;p11"/>
-          <p:cNvSpPr txBox="1"/>
+          <p:cNvSpPr txBox="1">
+            <a:spLocks noGrp="1"/>
+          </p:cNvSpPr>
           <p:nvPr>
-            <p:ph idx="1" type="body"/>
+            <p:ph type="body" idx="1"/>
           </p:nvPr>
         </p:nvSpPr>
         <p:spPr>
@@ -1928,11 +1992,11 @@
           </a:prstGeom>
         </p:spPr>
         <p:txBody>
-          <a:bodyPr anchorCtr="0" anchor="t" bIns="91425" lIns="91425" spcFirstLastPara="1" rIns="91425" wrap="square" tIns="91425">
+          <a:bodyPr spcFirstLastPara="1" wrap="square" lIns="91425" tIns="91425" rIns="91425" bIns="91425" anchor="t" anchorCtr="0">
             <a:normAutofit/>
           </a:bodyPr>
           <a:lstStyle>
-            <a:lvl1pPr indent="-342900" lvl="0" marL="457200" algn="ctr">
+            <a:lvl1pPr marL="457200" lvl="0" indent="-342900" algn="ctr">
               <a:spcBef>
                 <a:spcPts val="0"/>
               </a:spcBef>
@@ -1943,7 +2007,7 @@
               <a:buChar char="●"/>
               <a:defRPr/>
             </a:lvl1pPr>
-            <a:lvl2pPr indent="-317500" lvl="1" marL="914400" algn="ctr">
+            <a:lvl2pPr marL="914400" lvl="1" indent="-317500" algn="ctr">
               <a:spcBef>
                 <a:spcPts val="0"/>
               </a:spcBef>
@@ -1954,7 +2018,7 @@
               <a:buChar char="○"/>
               <a:defRPr/>
             </a:lvl2pPr>
-            <a:lvl3pPr indent="-317500" lvl="2" marL="1371600" algn="ctr">
+            <a:lvl3pPr marL="1371600" lvl="2" indent="-317500" algn="ctr">
               <a:spcBef>
                 <a:spcPts val="0"/>
               </a:spcBef>
@@ -1965,7 +2029,7 @@
               <a:buChar char="■"/>
               <a:defRPr/>
             </a:lvl3pPr>
-            <a:lvl4pPr indent="-317500" lvl="3" marL="1828800" algn="ctr">
+            <a:lvl4pPr marL="1828800" lvl="3" indent="-317500" algn="ctr">
               <a:spcBef>
                 <a:spcPts val="0"/>
               </a:spcBef>
@@ -1976,7 +2040,7 @@
               <a:buChar char="●"/>
               <a:defRPr/>
             </a:lvl4pPr>
-            <a:lvl5pPr indent="-317500" lvl="4" marL="2286000" algn="ctr">
+            <a:lvl5pPr marL="2286000" lvl="4" indent="-317500" algn="ctr">
               <a:spcBef>
                 <a:spcPts val="0"/>
               </a:spcBef>
@@ -1987,7 +2051,7 @@
               <a:buChar char="○"/>
               <a:defRPr/>
             </a:lvl5pPr>
-            <a:lvl6pPr indent="-317500" lvl="5" marL="2743200" algn="ctr">
+            <a:lvl6pPr marL="2743200" lvl="5" indent="-317500" algn="ctr">
               <a:spcBef>
                 <a:spcPts val="0"/>
               </a:spcBef>
@@ -1998,7 +2062,7 @@
               <a:buChar char="■"/>
               <a:defRPr/>
             </a:lvl6pPr>
-            <a:lvl7pPr indent="-317500" lvl="6" marL="3200400" algn="ctr">
+            <a:lvl7pPr marL="3200400" lvl="6" indent="-317500" algn="ctr">
               <a:spcBef>
                 <a:spcPts val="0"/>
               </a:spcBef>
@@ -2009,7 +2073,7 @@
               <a:buChar char="●"/>
               <a:defRPr/>
             </a:lvl7pPr>
-            <a:lvl8pPr indent="-317500" lvl="7" marL="3657600" algn="ctr">
+            <a:lvl8pPr marL="3657600" lvl="7" indent="-317500" algn="ctr">
               <a:spcBef>
                 <a:spcPts val="0"/>
               </a:spcBef>
@@ -2020,7 +2084,7 @@
               <a:buChar char="○"/>
               <a:defRPr/>
             </a:lvl8pPr>
-            <a:lvl9pPr indent="-317500" lvl="8" marL="4114800" algn="ctr">
+            <a:lvl9pPr marL="4114800" lvl="8" indent="-317500" algn="ctr">
               <a:spcBef>
                 <a:spcPts val="0"/>
               </a:spcBef>
@@ -2032,15 +2096,19 @@
               <a:defRPr/>
             </a:lvl9pPr>
           </a:lstStyle>
-          <a:p/>
+          <a:p>
+            <a:endParaRPr/>
+          </a:p>
         </p:txBody>
       </p:sp>
       <p:sp>
         <p:nvSpPr>
           <p:cNvPr id="47" name="Google Shape;47;p11"/>
-          <p:cNvSpPr txBox="1"/>
+          <p:cNvSpPr txBox="1">
+            <a:spLocks noGrp="1"/>
+          </p:cNvSpPr>
           <p:nvPr>
-            <p:ph idx="12" type="sldNum"/>
+            <p:ph type="sldNum" idx="12"/>
           </p:nvPr>
         </p:nvSpPr>
         <p:spPr>
@@ -2053,7 +2121,7 @@
           </a:prstGeom>
         </p:spPr>
         <p:txBody>
-          <a:bodyPr anchorCtr="0" anchor="ctr" bIns="91425" lIns="91425" spcFirstLastPara="1" rIns="91425" wrap="square" tIns="91425">
+          <a:bodyPr spcFirstLastPara="1" wrap="square" lIns="91425" tIns="91425" rIns="91425" bIns="91425" anchor="ctr" anchorCtr="0">
             <a:normAutofit/>
           </a:bodyPr>
           <a:lstStyle>
@@ -2095,7 +2163,7 @@
             </a:lvl9pPr>
           </a:lstStyle>
           <a:p>
-            <a:pPr indent="0" lvl="0" marL="0" rtl="0" algn="r">
+            <a:pPr marL="0" lvl="0" indent="0" algn="r" rtl="0">
               <a:spcBef>
                 <a:spcPts val="0"/>
               </a:spcBef>
@@ -2106,7 +2174,7 @@
             </a:pPr>
             <a:fld id="{00000000-1234-1234-1234-123412341234}" type="slidenum">
               <a:rPr lang="es"/>
-              <a:t>‹#›</a:t>
+              <a:t>‹Nº›</a:t>
             </a:fld>
             <a:endParaRPr/>
           </a:p>
@@ -2121,11 +2189,11 @@
 </file>
 
 <file path=ppt/slideLayouts/slideLayout11.xml><?xml version="1.0" encoding="utf-8"?>
-<p:sldLayout xmlns:a="http://schemas.openxmlformats.org/drawingml/2006/main" xmlns:r="http://schemas.openxmlformats.org/officeDocument/2006/relationships" xmlns:mc="http://schemas.openxmlformats.org/markup-compatibility/2006" xmlns:mv="urn:schemas-microsoft-com:mac:vml" xmlns:p="http://schemas.openxmlformats.org/presentationml/2006/main" xmlns:c="http://schemas.openxmlformats.org/drawingml/2006/chart" xmlns:dgm="http://schemas.openxmlformats.org/drawingml/2006/diagram" xmlns:o="urn:schemas-microsoft-com:office:office" xmlns:v="urn:schemas-microsoft-com:vml" xmlns:pvml="urn:schemas-microsoft-com:office:powerpoint" xmlns:com="http://schemas.openxmlformats.org/drawingml/2006/compatibility" xmlns:p14="http://schemas.microsoft.com/office/powerpoint/2010/main" xmlns:p15="http://schemas.microsoft.com/office/powerpoint/2012/main" xmlns:ahyp="http://schemas.microsoft.com/office/drawing/2018/hyperlinkcolor" matchingName="Blank" type="blank">
+<p:sldLayout xmlns:a="http://schemas.openxmlformats.org/drawingml/2006/main" xmlns:r="http://schemas.openxmlformats.org/officeDocument/2006/relationships" xmlns:p="http://schemas.openxmlformats.org/presentationml/2006/main" matchingName="Blank" type="blank">
   <p:cSld name="BLANK">
     <p:spTree>
       <p:nvGrpSpPr>
-        <p:cNvPr id="48" name="Shape 48"/>
+        <p:cNvPr id="1" name="Shape 48"/>
         <p:cNvGrpSpPr/>
         <p:nvPr/>
       </p:nvGrpSpPr>
@@ -2140,9 +2208,11 @@
       <p:sp>
         <p:nvSpPr>
           <p:cNvPr id="49" name="Google Shape;49;p12"/>
-          <p:cNvSpPr txBox="1"/>
+          <p:cNvSpPr txBox="1">
+            <a:spLocks noGrp="1"/>
+          </p:cNvSpPr>
           <p:nvPr>
-            <p:ph idx="12" type="sldNum"/>
+            <p:ph type="sldNum" idx="12"/>
           </p:nvPr>
         </p:nvSpPr>
         <p:spPr>
@@ -2155,7 +2225,7 @@
           </a:prstGeom>
         </p:spPr>
         <p:txBody>
-          <a:bodyPr anchorCtr="0" anchor="ctr" bIns="91425" lIns="91425" spcFirstLastPara="1" rIns="91425" wrap="square" tIns="91425">
+          <a:bodyPr spcFirstLastPara="1" wrap="square" lIns="91425" tIns="91425" rIns="91425" bIns="91425" anchor="ctr" anchorCtr="0">
             <a:normAutofit/>
           </a:bodyPr>
           <a:lstStyle>
@@ -2197,7 +2267,7 @@
             </a:lvl9pPr>
           </a:lstStyle>
           <a:p>
-            <a:pPr indent="0" lvl="0" marL="0" rtl="0" algn="r">
+            <a:pPr marL="0" lvl="0" indent="0" algn="r" rtl="0">
               <a:spcBef>
                 <a:spcPts val="0"/>
               </a:spcBef>
@@ -2208,7 +2278,7 @@
             </a:pPr>
             <a:fld id="{00000000-1234-1234-1234-123412341234}" type="slidenum">
               <a:rPr lang="es"/>
-              <a:t>‹#›</a:t>
+              <a:t>‹Nº›</a:t>
             </a:fld>
             <a:endParaRPr/>
           </a:p>
@@ -2223,11 +2293,11 @@
 </file>
 
 <file path=ppt/slideLayouts/slideLayout2.xml><?xml version="1.0" encoding="utf-8"?>
-<p:sldLayout xmlns:a="http://schemas.openxmlformats.org/drawingml/2006/main" xmlns:r="http://schemas.openxmlformats.org/officeDocument/2006/relationships" xmlns:mc="http://schemas.openxmlformats.org/markup-compatibility/2006" xmlns:mv="urn:schemas-microsoft-com:mac:vml" xmlns:p="http://schemas.openxmlformats.org/presentationml/2006/main" xmlns:c="http://schemas.openxmlformats.org/drawingml/2006/chart" xmlns:dgm="http://schemas.openxmlformats.org/drawingml/2006/diagram" xmlns:o="urn:schemas-microsoft-com:office:office" xmlns:v="urn:schemas-microsoft-com:vml" xmlns:pvml="urn:schemas-microsoft-com:office:powerpoint" xmlns:com="http://schemas.openxmlformats.org/drawingml/2006/compatibility" xmlns:p14="http://schemas.microsoft.com/office/powerpoint/2010/main" xmlns:p15="http://schemas.microsoft.com/office/powerpoint/2012/main" xmlns:ahyp="http://schemas.microsoft.com/office/drawing/2018/hyperlinkcolor" matchingName="Section header" type="secHead">
+<p:sldLayout xmlns:a="http://schemas.openxmlformats.org/drawingml/2006/main" xmlns:r="http://schemas.openxmlformats.org/officeDocument/2006/relationships" xmlns:p="http://schemas.openxmlformats.org/presentationml/2006/main" matchingName="Section header" type="secHead">
   <p:cSld name="SECTION_HEADER">
     <p:spTree>
       <p:nvGrpSpPr>
-        <p:cNvPr id="13" name="Shape 13"/>
+        <p:cNvPr id="1" name="Shape 13"/>
         <p:cNvGrpSpPr/>
         <p:nvPr/>
       </p:nvGrpSpPr>
@@ -2242,7 +2312,9 @@
       <p:sp>
         <p:nvSpPr>
           <p:cNvPr id="14" name="Google Shape;14;p3"/>
-          <p:cNvSpPr txBox="1"/>
+          <p:cNvSpPr txBox="1">
+            <a:spLocks noGrp="1"/>
+          </p:cNvSpPr>
           <p:nvPr>
             <p:ph type="title"/>
           </p:nvPr>
@@ -2257,7 +2329,7 @@
           </a:prstGeom>
         </p:spPr>
         <p:txBody>
-          <a:bodyPr anchorCtr="0" anchor="ctr" bIns="91425" lIns="91425" spcFirstLastPara="1" rIns="91425" wrap="square" tIns="91425">
+          <a:bodyPr spcFirstLastPara="1" wrap="square" lIns="91425" tIns="91425" rIns="91425" bIns="91425" anchor="ctr" anchorCtr="0">
             <a:normAutofit/>
           </a:bodyPr>
           <a:lstStyle>
@@ -2361,15 +2433,19 @@
               <a:defRPr sz="3600"/>
             </a:lvl9pPr>
           </a:lstStyle>
-          <a:p/>
+          <a:p>
+            <a:endParaRPr/>
+          </a:p>
         </p:txBody>
       </p:sp>
       <p:sp>
         <p:nvSpPr>
           <p:cNvPr id="15" name="Google Shape;15;p3"/>
-          <p:cNvSpPr txBox="1"/>
+          <p:cNvSpPr txBox="1">
+            <a:spLocks noGrp="1"/>
+          </p:cNvSpPr>
           <p:nvPr>
-            <p:ph idx="12" type="sldNum"/>
+            <p:ph type="sldNum" idx="12"/>
           </p:nvPr>
         </p:nvSpPr>
         <p:spPr>
@@ -2382,7 +2458,7 @@
           </a:prstGeom>
         </p:spPr>
         <p:txBody>
-          <a:bodyPr anchorCtr="0" anchor="ctr" bIns="91425" lIns="91425" spcFirstLastPara="1" rIns="91425" wrap="square" tIns="91425">
+          <a:bodyPr spcFirstLastPara="1" wrap="square" lIns="91425" tIns="91425" rIns="91425" bIns="91425" anchor="ctr" anchorCtr="0">
             <a:normAutofit/>
           </a:bodyPr>
           <a:lstStyle>
@@ -2424,7 +2500,7 @@
             </a:lvl9pPr>
           </a:lstStyle>
           <a:p>
-            <a:pPr indent="0" lvl="0" marL="0" rtl="0" algn="r">
+            <a:pPr marL="0" lvl="0" indent="0" algn="r" rtl="0">
               <a:spcBef>
                 <a:spcPts val="0"/>
               </a:spcBef>
@@ -2435,7 +2511,7 @@
             </a:pPr>
             <a:fld id="{00000000-1234-1234-1234-123412341234}" type="slidenum">
               <a:rPr lang="es"/>
-              <a:t>‹#›</a:t>
+              <a:t>‹Nº›</a:t>
             </a:fld>
             <a:endParaRPr/>
           </a:p>
@@ -2450,11 +2526,11 @@
 </file>
 
 <file path=ppt/slideLayouts/slideLayout3.xml><?xml version="1.0" encoding="utf-8"?>
-<p:sldLayout xmlns:a="http://schemas.openxmlformats.org/drawingml/2006/main" xmlns:r="http://schemas.openxmlformats.org/officeDocument/2006/relationships" xmlns:mc="http://schemas.openxmlformats.org/markup-compatibility/2006" xmlns:mv="urn:schemas-microsoft-com:mac:vml" xmlns:p="http://schemas.openxmlformats.org/presentationml/2006/main" xmlns:c="http://schemas.openxmlformats.org/drawingml/2006/chart" xmlns:dgm="http://schemas.openxmlformats.org/drawingml/2006/diagram" xmlns:o="urn:schemas-microsoft-com:office:office" xmlns:v="urn:schemas-microsoft-com:vml" xmlns:pvml="urn:schemas-microsoft-com:office:powerpoint" xmlns:com="http://schemas.openxmlformats.org/drawingml/2006/compatibility" xmlns:p14="http://schemas.microsoft.com/office/powerpoint/2010/main" xmlns:p15="http://schemas.microsoft.com/office/powerpoint/2012/main" xmlns:ahyp="http://schemas.microsoft.com/office/drawing/2018/hyperlinkcolor" matchingName="Title and body" type="tx">
+<p:sldLayout xmlns:a="http://schemas.openxmlformats.org/drawingml/2006/main" xmlns:r="http://schemas.openxmlformats.org/officeDocument/2006/relationships" xmlns:p="http://schemas.openxmlformats.org/presentationml/2006/main" matchingName="Title and body" type="tx">
   <p:cSld name="TITLE_AND_BODY">
     <p:spTree>
       <p:nvGrpSpPr>
-        <p:cNvPr id="16" name="Shape 16"/>
+        <p:cNvPr id="1" name="Shape 16"/>
         <p:cNvGrpSpPr/>
         <p:nvPr/>
       </p:nvGrpSpPr>
@@ -2469,7 +2545,9 @@
       <p:sp>
         <p:nvSpPr>
           <p:cNvPr id="17" name="Google Shape;17;p4"/>
-          <p:cNvSpPr txBox="1"/>
+          <p:cNvSpPr txBox="1">
+            <a:spLocks noGrp="1"/>
+          </p:cNvSpPr>
           <p:nvPr>
             <p:ph type="title"/>
           </p:nvPr>
@@ -2484,7 +2562,7 @@
           </a:prstGeom>
         </p:spPr>
         <p:txBody>
-          <a:bodyPr anchorCtr="0" anchor="t" bIns="91425" lIns="91425" spcFirstLastPara="1" rIns="91425" wrap="square" tIns="91425">
+          <a:bodyPr spcFirstLastPara="1" wrap="square" lIns="91425" tIns="91425" rIns="91425" bIns="91425" anchor="t" anchorCtr="0">
             <a:normAutofit/>
           </a:bodyPr>
           <a:lstStyle>
@@ -2588,15 +2666,19 @@
               <a:defRPr/>
             </a:lvl9pPr>
           </a:lstStyle>
-          <a:p/>
+          <a:p>
+            <a:endParaRPr/>
+          </a:p>
         </p:txBody>
       </p:sp>
       <p:sp>
         <p:nvSpPr>
           <p:cNvPr id="18" name="Google Shape;18;p4"/>
-          <p:cNvSpPr txBox="1"/>
+          <p:cNvSpPr txBox="1">
+            <a:spLocks noGrp="1"/>
+          </p:cNvSpPr>
           <p:nvPr>
-            <p:ph idx="1" type="body"/>
+            <p:ph type="body" idx="1"/>
           </p:nvPr>
         </p:nvSpPr>
         <p:spPr>
@@ -2609,11 +2691,11 @@
           </a:prstGeom>
         </p:spPr>
         <p:txBody>
-          <a:bodyPr anchorCtr="0" anchor="t" bIns="91425" lIns="91425" spcFirstLastPara="1" rIns="91425" wrap="square" tIns="91425">
+          <a:bodyPr spcFirstLastPara="1" wrap="square" lIns="91425" tIns="91425" rIns="91425" bIns="91425" anchor="t" anchorCtr="0">
             <a:normAutofit/>
           </a:bodyPr>
           <a:lstStyle>
-            <a:lvl1pPr indent="-342900" lvl="0" marL="457200">
+            <a:lvl1pPr marL="457200" lvl="0" indent="-342900">
               <a:spcBef>
                 <a:spcPts val="0"/>
               </a:spcBef>
@@ -2624,7 +2706,7 @@
               <a:buChar char="●"/>
               <a:defRPr/>
             </a:lvl1pPr>
-            <a:lvl2pPr indent="-317500" lvl="1" marL="914400">
+            <a:lvl2pPr marL="914400" lvl="1" indent="-317500">
               <a:spcBef>
                 <a:spcPts val="0"/>
               </a:spcBef>
@@ -2635,7 +2717,7 @@
               <a:buChar char="○"/>
               <a:defRPr/>
             </a:lvl2pPr>
-            <a:lvl3pPr indent="-317500" lvl="2" marL="1371600">
+            <a:lvl3pPr marL="1371600" lvl="2" indent="-317500">
               <a:spcBef>
                 <a:spcPts val="0"/>
               </a:spcBef>
@@ -2646,7 +2728,7 @@
               <a:buChar char="■"/>
               <a:defRPr/>
             </a:lvl3pPr>
-            <a:lvl4pPr indent="-317500" lvl="3" marL="1828800">
+            <a:lvl4pPr marL="1828800" lvl="3" indent="-317500">
               <a:spcBef>
                 <a:spcPts val="0"/>
               </a:spcBef>
@@ -2657,7 +2739,7 @@
               <a:buChar char="●"/>
               <a:defRPr/>
             </a:lvl4pPr>
-            <a:lvl5pPr indent="-317500" lvl="4" marL="2286000">
+            <a:lvl5pPr marL="2286000" lvl="4" indent="-317500">
               <a:spcBef>
                 <a:spcPts val="0"/>
               </a:spcBef>
@@ -2668,7 +2750,7 @@
               <a:buChar char="○"/>
               <a:defRPr/>
             </a:lvl5pPr>
-            <a:lvl6pPr indent="-317500" lvl="5" marL="2743200">
+            <a:lvl6pPr marL="2743200" lvl="5" indent="-317500">
               <a:spcBef>
                 <a:spcPts val="0"/>
               </a:spcBef>
@@ -2679,7 +2761,7 @@
               <a:buChar char="■"/>
               <a:defRPr/>
             </a:lvl6pPr>
-            <a:lvl7pPr indent="-317500" lvl="6" marL="3200400">
+            <a:lvl7pPr marL="3200400" lvl="6" indent="-317500">
               <a:spcBef>
                 <a:spcPts val="0"/>
               </a:spcBef>
@@ -2690,7 +2772,7 @@
               <a:buChar char="●"/>
               <a:defRPr/>
             </a:lvl7pPr>
-            <a:lvl8pPr indent="-317500" lvl="7" marL="3657600">
+            <a:lvl8pPr marL="3657600" lvl="7" indent="-317500">
               <a:spcBef>
                 <a:spcPts val="0"/>
               </a:spcBef>
@@ -2701,7 +2783,7 @@
               <a:buChar char="○"/>
               <a:defRPr/>
             </a:lvl8pPr>
-            <a:lvl9pPr indent="-317500" lvl="8" marL="4114800">
+            <a:lvl9pPr marL="4114800" lvl="8" indent="-317500">
               <a:spcBef>
                 <a:spcPts val="0"/>
               </a:spcBef>
@@ -2713,15 +2795,19 @@
               <a:defRPr/>
             </a:lvl9pPr>
           </a:lstStyle>
-          <a:p/>
+          <a:p>
+            <a:endParaRPr/>
+          </a:p>
         </p:txBody>
       </p:sp>
       <p:sp>
         <p:nvSpPr>
           <p:cNvPr id="19" name="Google Shape;19;p4"/>
-          <p:cNvSpPr txBox="1"/>
+          <p:cNvSpPr txBox="1">
+            <a:spLocks noGrp="1"/>
+          </p:cNvSpPr>
           <p:nvPr>
-            <p:ph idx="12" type="sldNum"/>
+            <p:ph type="sldNum" idx="12"/>
           </p:nvPr>
         </p:nvSpPr>
         <p:spPr>
@@ -2734,7 +2820,7 @@
           </a:prstGeom>
         </p:spPr>
         <p:txBody>
-          <a:bodyPr anchorCtr="0" anchor="ctr" bIns="91425" lIns="91425" spcFirstLastPara="1" rIns="91425" wrap="square" tIns="91425">
+          <a:bodyPr spcFirstLastPara="1" wrap="square" lIns="91425" tIns="91425" rIns="91425" bIns="91425" anchor="ctr" anchorCtr="0">
             <a:normAutofit/>
           </a:bodyPr>
           <a:lstStyle>
@@ -2776,7 +2862,7 @@
             </a:lvl9pPr>
           </a:lstStyle>
           <a:p>
-            <a:pPr indent="0" lvl="0" marL="0" rtl="0" algn="r">
+            <a:pPr marL="0" lvl="0" indent="0" algn="r" rtl="0">
               <a:spcBef>
                 <a:spcPts val="0"/>
               </a:spcBef>
@@ -2787,7 +2873,7 @@
             </a:pPr>
             <a:fld id="{00000000-1234-1234-1234-123412341234}" type="slidenum">
               <a:rPr lang="es"/>
-              <a:t>‹#›</a:t>
+              <a:t>‹Nº›</a:t>
             </a:fld>
             <a:endParaRPr/>
           </a:p>
@@ -2802,11 +2888,11 @@
 </file>
 
 <file path=ppt/slideLayouts/slideLayout4.xml><?xml version="1.0" encoding="utf-8"?>
-<p:sldLayout xmlns:a="http://schemas.openxmlformats.org/drawingml/2006/main" xmlns:r="http://schemas.openxmlformats.org/officeDocument/2006/relationships" xmlns:mc="http://schemas.openxmlformats.org/markup-compatibility/2006" xmlns:mv="urn:schemas-microsoft-com:mac:vml" xmlns:p="http://schemas.openxmlformats.org/presentationml/2006/main" xmlns:c="http://schemas.openxmlformats.org/drawingml/2006/chart" xmlns:dgm="http://schemas.openxmlformats.org/drawingml/2006/diagram" xmlns:o="urn:schemas-microsoft-com:office:office" xmlns:v="urn:schemas-microsoft-com:vml" xmlns:pvml="urn:schemas-microsoft-com:office:powerpoint" xmlns:com="http://schemas.openxmlformats.org/drawingml/2006/compatibility" xmlns:p14="http://schemas.microsoft.com/office/powerpoint/2010/main" xmlns:p15="http://schemas.microsoft.com/office/powerpoint/2012/main" xmlns:ahyp="http://schemas.microsoft.com/office/drawing/2018/hyperlinkcolor" matchingName="Title and two columns" type="twoColTx">
+<p:sldLayout xmlns:a="http://schemas.openxmlformats.org/drawingml/2006/main" xmlns:r="http://schemas.openxmlformats.org/officeDocument/2006/relationships" xmlns:p="http://schemas.openxmlformats.org/presentationml/2006/main" matchingName="Title and two columns" type="twoColTx">
   <p:cSld name="TITLE_AND_TWO_COLUMNS">
     <p:spTree>
       <p:nvGrpSpPr>
-        <p:cNvPr id="20" name="Shape 20"/>
+        <p:cNvPr id="1" name="Shape 20"/>
         <p:cNvGrpSpPr/>
         <p:nvPr/>
       </p:nvGrpSpPr>
@@ -2821,7 +2907,9 @@
       <p:sp>
         <p:nvSpPr>
           <p:cNvPr id="21" name="Google Shape;21;p5"/>
-          <p:cNvSpPr txBox="1"/>
+          <p:cNvSpPr txBox="1">
+            <a:spLocks noGrp="1"/>
+          </p:cNvSpPr>
           <p:nvPr>
             <p:ph type="title"/>
           </p:nvPr>
@@ -2836,7 +2924,7 @@
           </a:prstGeom>
         </p:spPr>
         <p:txBody>
-          <a:bodyPr anchorCtr="0" anchor="t" bIns="91425" lIns="91425" spcFirstLastPara="1" rIns="91425" wrap="square" tIns="91425">
+          <a:bodyPr spcFirstLastPara="1" wrap="square" lIns="91425" tIns="91425" rIns="91425" bIns="91425" anchor="t" anchorCtr="0">
             <a:normAutofit/>
           </a:bodyPr>
           <a:lstStyle>
@@ -2940,15 +3028,19 @@
               <a:defRPr/>
             </a:lvl9pPr>
           </a:lstStyle>
-          <a:p/>
+          <a:p>
+            <a:endParaRPr/>
+          </a:p>
         </p:txBody>
       </p:sp>
       <p:sp>
         <p:nvSpPr>
           <p:cNvPr id="22" name="Google Shape;22;p5"/>
-          <p:cNvSpPr txBox="1"/>
+          <p:cNvSpPr txBox="1">
+            <a:spLocks noGrp="1"/>
+          </p:cNvSpPr>
           <p:nvPr>
-            <p:ph idx="1" type="body"/>
+            <p:ph type="body" idx="1"/>
           </p:nvPr>
         </p:nvSpPr>
         <p:spPr>
@@ -2961,11 +3053,11 @@
           </a:prstGeom>
         </p:spPr>
         <p:txBody>
-          <a:bodyPr anchorCtr="0" anchor="t" bIns="91425" lIns="91425" spcFirstLastPara="1" rIns="91425" wrap="square" tIns="91425">
+          <a:bodyPr spcFirstLastPara="1" wrap="square" lIns="91425" tIns="91425" rIns="91425" bIns="91425" anchor="t" anchorCtr="0">
             <a:normAutofit/>
           </a:bodyPr>
           <a:lstStyle>
-            <a:lvl1pPr indent="-317500" lvl="0" marL="457200">
+            <a:lvl1pPr marL="457200" lvl="0" indent="-317500">
               <a:spcBef>
                 <a:spcPts val="0"/>
               </a:spcBef>
@@ -2976,7 +3068,7 @@
               <a:buChar char="●"/>
               <a:defRPr sz="1400"/>
             </a:lvl1pPr>
-            <a:lvl2pPr indent="-304800" lvl="1" marL="914400">
+            <a:lvl2pPr marL="914400" lvl="1" indent="-304800">
               <a:spcBef>
                 <a:spcPts val="0"/>
               </a:spcBef>
@@ -2987,7 +3079,7 @@
               <a:buChar char="○"/>
               <a:defRPr sz="1200"/>
             </a:lvl2pPr>
-            <a:lvl3pPr indent="-304800" lvl="2" marL="1371600">
+            <a:lvl3pPr marL="1371600" lvl="2" indent="-304800">
               <a:spcBef>
                 <a:spcPts val="0"/>
               </a:spcBef>
@@ -2998,7 +3090,7 @@
               <a:buChar char="■"/>
               <a:defRPr sz="1200"/>
             </a:lvl3pPr>
-            <a:lvl4pPr indent="-304800" lvl="3" marL="1828800">
+            <a:lvl4pPr marL="1828800" lvl="3" indent="-304800">
               <a:spcBef>
                 <a:spcPts val="0"/>
               </a:spcBef>
@@ -3009,7 +3101,7 @@
               <a:buChar char="●"/>
               <a:defRPr sz="1200"/>
             </a:lvl4pPr>
-            <a:lvl5pPr indent="-304800" lvl="4" marL="2286000">
+            <a:lvl5pPr marL="2286000" lvl="4" indent="-304800">
               <a:spcBef>
                 <a:spcPts val="0"/>
               </a:spcBef>
@@ -3020,7 +3112,7 @@
               <a:buChar char="○"/>
               <a:defRPr sz="1200"/>
             </a:lvl5pPr>
-            <a:lvl6pPr indent="-304800" lvl="5" marL="2743200">
+            <a:lvl6pPr marL="2743200" lvl="5" indent="-304800">
               <a:spcBef>
                 <a:spcPts val="0"/>
               </a:spcBef>
@@ -3031,7 +3123,7 @@
               <a:buChar char="■"/>
               <a:defRPr sz="1200"/>
             </a:lvl6pPr>
-            <a:lvl7pPr indent="-304800" lvl="6" marL="3200400">
+            <a:lvl7pPr marL="3200400" lvl="6" indent="-304800">
               <a:spcBef>
                 <a:spcPts val="0"/>
               </a:spcBef>
@@ -3042,7 +3134,7 @@
               <a:buChar char="●"/>
               <a:defRPr sz="1200"/>
             </a:lvl7pPr>
-            <a:lvl8pPr indent="-304800" lvl="7" marL="3657600">
+            <a:lvl8pPr marL="3657600" lvl="7" indent="-304800">
               <a:spcBef>
                 <a:spcPts val="0"/>
               </a:spcBef>
@@ -3053,7 +3145,7 @@
               <a:buChar char="○"/>
               <a:defRPr sz="1200"/>
             </a:lvl8pPr>
-            <a:lvl9pPr indent="-304800" lvl="8" marL="4114800">
+            <a:lvl9pPr marL="4114800" lvl="8" indent="-304800">
               <a:spcBef>
                 <a:spcPts val="0"/>
               </a:spcBef>
@@ -3065,15 +3157,19 @@
               <a:defRPr sz="1200"/>
             </a:lvl9pPr>
           </a:lstStyle>
-          <a:p/>
+          <a:p>
+            <a:endParaRPr/>
+          </a:p>
         </p:txBody>
       </p:sp>
       <p:sp>
         <p:nvSpPr>
           <p:cNvPr id="23" name="Google Shape;23;p5"/>
-          <p:cNvSpPr txBox="1"/>
+          <p:cNvSpPr txBox="1">
+            <a:spLocks noGrp="1"/>
+          </p:cNvSpPr>
           <p:nvPr>
-            <p:ph idx="2" type="body"/>
+            <p:ph type="body" idx="2"/>
           </p:nvPr>
         </p:nvSpPr>
         <p:spPr>
@@ -3086,11 +3182,11 @@
           </a:prstGeom>
         </p:spPr>
         <p:txBody>
-          <a:bodyPr anchorCtr="0" anchor="t" bIns="91425" lIns="91425" spcFirstLastPara="1" rIns="91425" wrap="square" tIns="91425">
+          <a:bodyPr spcFirstLastPara="1" wrap="square" lIns="91425" tIns="91425" rIns="91425" bIns="91425" anchor="t" anchorCtr="0">
             <a:normAutofit/>
           </a:bodyPr>
           <a:lstStyle>
-            <a:lvl1pPr indent="-317500" lvl="0" marL="457200">
+            <a:lvl1pPr marL="457200" lvl="0" indent="-317500">
               <a:spcBef>
                 <a:spcPts val="0"/>
               </a:spcBef>
@@ -3101,7 +3197,7 @@
               <a:buChar char="●"/>
               <a:defRPr sz="1400"/>
             </a:lvl1pPr>
-            <a:lvl2pPr indent="-304800" lvl="1" marL="914400">
+            <a:lvl2pPr marL="914400" lvl="1" indent="-304800">
               <a:spcBef>
                 <a:spcPts val="0"/>
               </a:spcBef>
@@ -3112,7 +3208,7 @@
               <a:buChar char="○"/>
               <a:defRPr sz="1200"/>
             </a:lvl2pPr>
-            <a:lvl3pPr indent="-304800" lvl="2" marL="1371600">
+            <a:lvl3pPr marL="1371600" lvl="2" indent="-304800">
               <a:spcBef>
                 <a:spcPts val="0"/>
               </a:spcBef>
@@ -3123,7 +3219,7 @@
               <a:buChar char="■"/>
               <a:defRPr sz="1200"/>
             </a:lvl3pPr>
-            <a:lvl4pPr indent="-304800" lvl="3" marL="1828800">
+            <a:lvl4pPr marL="1828800" lvl="3" indent="-304800">
               <a:spcBef>
                 <a:spcPts val="0"/>
               </a:spcBef>
@@ -3134,7 +3230,7 @@
               <a:buChar char="●"/>
               <a:defRPr sz="1200"/>
             </a:lvl4pPr>
-            <a:lvl5pPr indent="-304800" lvl="4" marL="2286000">
+            <a:lvl5pPr marL="2286000" lvl="4" indent="-304800">
               <a:spcBef>
                 <a:spcPts val="0"/>
               </a:spcBef>
@@ -3145,7 +3241,7 @@
               <a:buChar char="○"/>
               <a:defRPr sz="1200"/>
             </a:lvl5pPr>
-            <a:lvl6pPr indent="-304800" lvl="5" marL="2743200">
+            <a:lvl6pPr marL="2743200" lvl="5" indent="-304800">
               <a:spcBef>
                 <a:spcPts val="0"/>
               </a:spcBef>
@@ -3156,7 +3252,7 @@
               <a:buChar char="■"/>
               <a:defRPr sz="1200"/>
             </a:lvl6pPr>
-            <a:lvl7pPr indent="-304800" lvl="6" marL="3200400">
+            <a:lvl7pPr marL="3200400" lvl="6" indent="-304800">
               <a:spcBef>
                 <a:spcPts val="0"/>
               </a:spcBef>
@@ -3167,7 +3263,7 @@
               <a:buChar char="●"/>
               <a:defRPr sz="1200"/>
             </a:lvl7pPr>
-            <a:lvl8pPr indent="-304800" lvl="7" marL="3657600">
+            <a:lvl8pPr marL="3657600" lvl="7" indent="-304800">
               <a:spcBef>
                 <a:spcPts val="0"/>
               </a:spcBef>
@@ -3178,7 +3274,7 @@
               <a:buChar char="○"/>
               <a:defRPr sz="1200"/>
             </a:lvl8pPr>
-            <a:lvl9pPr indent="-304800" lvl="8" marL="4114800">
+            <a:lvl9pPr marL="4114800" lvl="8" indent="-304800">
               <a:spcBef>
                 <a:spcPts val="0"/>
               </a:spcBef>
@@ -3190,15 +3286,19 @@
               <a:defRPr sz="1200"/>
             </a:lvl9pPr>
           </a:lstStyle>
-          <a:p/>
+          <a:p>
+            <a:endParaRPr/>
+          </a:p>
         </p:txBody>
       </p:sp>
       <p:sp>
         <p:nvSpPr>
           <p:cNvPr id="24" name="Google Shape;24;p5"/>
-          <p:cNvSpPr txBox="1"/>
+          <p:cNvSpPr txBox="1">
+            <a:spLocks noGrp="1"/>
+          </p:cNvSpPr>
           <p:nvPr>
-            <p:ph idx="12" type="sldNum"/>
+            <p:ph type="sldNum" idx="12"/>
           </p:nvPr>
         </p:nvSpPr>
         <p:spPr>
@@ -3211,7 +3311,7 @@
           </a:prstGeom>
         </p:spPr>
         <p:txBody>
-          <a:bodyPr anchorCtr="0" anchor="ctr" bIns="91425" lIns="91425" spcFirstLastPara="1" rIns="91425" wrap="square" tIns="91425">
+          <a:bodyPr spcFirstLastPara="1" wrap="square" lIns="91425" tIns="91425" rIns="91425" bIns="91425" anchor="ctr" anchorCtr="0">
             <a:normAutofit/>
           </a:bodyPr>
           <a:lstStyle>
@@ -3253,7 +3353,7 @@
             </a:lvl9pPr>
           </a:lstStyle>
           <a:p>
-            <a:pPr indent="0" lvl="0" marL="0" rtl="0" algn="r">
+            <a:pPr marL="0" lvl="0" indent="0" algn="r" rtl="0">
               <a:spcBef>
                 <a:spcPts val="0"/>
               </a:spcBef>
@@ -3264,7 +3364,7 @@
             </a:pPr>
             <a:fld id="{00000000-1234-1234-1234-123412341234}" type="slidenum">
               <a:rPr lang="es"/>
-              <a:t>‹#›</a:t>
+              <a:t>‹Nº›</a:t>
             </a:fld>
             <a:endParaRPr/>
           </a:p>
@@ -3279,11 +3379,11 @@
 </file>
 
 <file path=ppt/slideLayouts/slideLayout5.xml><?xml version="1.0" encoding="utf-8"?>
-<p:sldLayout xmlns:a="http://schemas.openxmlformats.org/drawingml/2006/main" xmlns:r="http://schemas.openxmlformats.org/officeDocument/2006/relationships" xmlns:mc="http://schemas.openxmlformats.org/markup-compatibility/2006" xmlns:mv="urn:schemas-microsoft-com:mac:vml" xmlns:p="http://schemas.openxmlformats.org/presentationml/2006/main" xmlns:c="http://schemas.openxmlformats.org/drawingml/2006/chart" xmlns:dgm="http://schemas.openxmlformats.org/drawingml/2006/diagram" xmlns:o="urn:schemas-microsoft-com:office:office" xmlns:v="urn:schemas-microsoft-com:vml" xmlns:pvml="urn:schemas-microsoft-com:office:powerpoint" xmlns:com="http://schemas.openxmlformats.org/drawingml/2006/compatibility" xmlns:p14="http://schemas.microsoft.com/office/powerpoint/2010/main" xmlns:p15="http://schemas.microsoft.com/office/powerpoint/2012/main" xmlns:ahyp="http://schemas.microsoft.com/office/drawing/2018/hyperlinkcolor" matchingName="Title only" type="titleOnly">
+<p:sldLayout xmlns:a="http://schemas.openxmlformats.org/drawingml/2006/main" xmlns:r="http://schemas.openxmlformats.org/officeDocument/2006/relationships" xmlns:p="http://schemas.openxmlformats.org/presentationml/2006/main" matchingName="Title only" type="titleOnly">
   <p:cSld name="TITLE_ONLY">
     <p:spTree>
       <p:nvGrpSpPr>
-        <p:cNvPr id="25" name="Shape 25"/>
+        <p:cNvPr id="1" name="Shape 25"/>
         <p:cNvGrpSpPr/>
         <p:nvPr/>
       </p:nvGrpSpPr>
@@ -3298,7 +3398,9 @@
       <p:sp>
         <p:nvSpPr>
           <p:cNvPr id="26" name="Google Shape;26;p6"/>
-          <p:cNvSpPr txBox="1"/>
+          <p:cNvSpPr txBox="1">
+            <a:spLocks noGrp="1"/>
+          </p:cNvSpPr>
           <p:nvPr>
             <p:ph type="title"/>
           </p:nvPr>
@@ -3313,7 +3415,7 @@
           </a:prstGeom>
         </p:spPr>
         <p:txBody>
-          <a:bodyPr anchorCtr="0" anchor="t" bIns="91425" lIns="91425" spcFirstLastPara="1" rIns="91425" wrap="square" tIns="91425">
+          <a:bodyPr spcFirstLastPara="1" wrap="square" lIns="91425" tIns="91425" rIns="91425" bIns="91425" anchor="t" anchorCtr="0">
             <a:normAutofit/>
           </a:bodyPr>
           <a:lstStyle>
@@ -3417,15 +3519,19 @@
               <a:defRPr/>
             </a:lvl9pPr>
           </a:lstStyle>
-          <a:p/>
+          <a:p>
+            <a:endParaRPr/>
+          </a:p>
         </p:txBody>
       </p:sp>
       <p:sp>
         <p:nvSpPr>
           <p:cNvPr id="27" name="Google Shape;27;p6"/>
-          <p:cNvSpPr txBox="1"/>
+          <p:cNvSpPr txBox="1">
+            <a:spLocks noGrp="1"/>
+          </p:cNvSpPr>
           <p:nvPr>
-            <p:ph idx="12" type="sldNum"/>
+            <p:ph type="sldNum" idx="12"/>
           </p:nvPr>
         </p:nvSpPr>
         <p:spPr>
@@ -3438,7 +3544,7 @@
           </a:prstGeom>
         </p:spPr>
         <p:txBody>
-          <a:bodyPr anchorCtr="0" anchor="ctr" bIns="91425" lIns="91425" spcFirstLastPara="1" rIns="91425" wrap="square" tIns="91425">
+          <a:bodyPr spcFirstLastPara="1" wrap="square" lIns="91425" tIns="91425" rIns="91425" bIns="91425" anchor="ctr" anchorCtr="0">
             <a:normAutofit/>
           </a:bodyPr>
           <a:lstStyle>
@@ -3480,7 +3586,7 @@
             </a:lvl9pPr>
           </a:lstStyle>
           <a:p>
-            <a:pPr indent="0" lvl="0" marL="0" rtl="0" algn="r">
+            <a:pPr marL="0" lvl="0" indent="0" algn="r" rtl="0">
               <a:spcBef>
                 <a:spcPts val="0"/>
               </a:spcBef>
@@ -3491,7 +3597,7 @@
             </a:pPr>
             <a:fld id="{00000000-1234-1234-1234-123412341234}" type="slidenum">
               <a:rPr lang="es"/>
-              <a:t>‹#›</a:t>
+              <a:t>‹Nº›</a:t>
             </a:fld>
             <a:endParaRPr/>
           </a:p>
@@ -3506,11 +3612,11 @@
 </file>
 
 <file path=ppt/slideLayouts/slideLayout6.xml><?xml version="1.0" encoding="utf-8"?>
-<p:sldLayout xmlns:a="http://schemas.openxmlformats.org/drawingml/2006/main" xmlns:r="http://schemas.openxmlformats.org/officeDocument/2006/relationships" xmlns:mc="http://schemas.openxmlformats.org/markup-compatibility/2006" xmlns:mv="urn:schemas-microsoft-com:mac:vml" xmlns:p="http://schemas.openxmlformats.org/presentationml/2006/main" xmlns:c="http://schemas.openxmlformats.org/drawingml/2006/chart" xmlns:dgm="http://schemas.openxmlformats.org/drawingml/2006/diagram" xmlns:o="urn:schemas-microsoft-com:office:office" xmlns:v="urn:schemas-microsoft-com:vml" xmlns:pvml="urn:schemas-microsoft-com:office:powerpoint" xmlns:com="http://schemas.openxmlformats.org/drawingml/2006/compatibility" xmlns:p14="http://schemas.microsoft.com/office/powerpoint/2010/main" xmlns:p15="http://schemas.microsoft.com/office/powerpoint/2012/main" xmlns:ahyp="http://schemas.microsoft.com/office/drawing/2018/hyperlinkcolor" matchingName="One column text">
+<p:sldLayout xmlns:a="http://schemas.openxmlformats.org/drawingml/2006/main" xmlns:r="http://schemas.openxmlformats.org/officeDocument/2006/relationships" xmlns:p="http://schemas.openxmlformats.org/presentationml/2006/main" matchingName="One column text">
   <p:cSld name="ONE_COLUMN_TEXT">
     <p:spTree>
       <p:nvGrpSpPr>
-        <p:cNvPr id="28" name="Shape 28"/>
+        <p:cNvPr id="1" name="Shape 28"/>
         <p:cNvGrpSpPr/>
         <p:nvPr/>
       </p:nvGrpSpPr>
@@ -3525,7 +3631,9 @@
       <p:sp>
         <p:nvSpPr>
           <p:cNvPr id="29" name="Google Shape;29;p7"/>
-          <p:cNvSpPr txBox="1"/>
+          <p:cNvSpPr txBox="1">
+            <a:spLocks noGrp="1"/>
+          </p:cNvSpPr>
           <p:nvPr>
             <p:ph type="title"/>
           </p:nvPr>
@@ -3540,7 +3648,7 @@
           </a:prstGeom>
         </p:spPr>
         <p:txBody>
-          <a:bodyPr anchorCtr="0" anchor="b" bIns="91425" lIns="91425" spcFirstLastPara="1" rIns="91425" wrap="square" tIns="91425">
+          <a:bodyPr spcFirstLastPara="1" wrap="square" lIns="91425" tIns="91425" rIns="91425" bIns="91425" anchor="b" anchorCtr="0">
             <a:normAutofit/>
           </a:bodyPr>
           <a:lstStyle>
@@ -3644,15 +3752,19 @@
               <a:defRPr sz="2400"/>
             </a:lvl9pPr>
           </a:lstStyle>
-          <a:p/>
+          <a:p>
+            <a:endParaRPr/>
+          </a:p>
         </p:txBody>
       </p:sp>
       <p:sp>
         <p:nvSpPr>
           <p:cNvPr id="30" name="Google Shape;30;p7"/>
-          <p:cNvSpPr txBox="1"/>
+          <p:cNvSpPr txBox="1">
+            <a:spLocks noGrp="1"/>
+          </p:cNvSpPr>
           <p:nvPr>
-            <p:ph idx="1" type="body"/>
+            <p:ph type="body" idx="1"/>
           </p:nvPr>
         </p:nvSpPr>
         <p:spPr>
@@ -3665,11 +3777,11 @@
           </a:prstGeom>
         </p:spPr>
         <p:txBody>
-          <a:bodyPr anchorCtr="0" anchor="t" bIns="91425" lIns="91425" spcFirstLastPara="1" rIns="91425" wrap="square" tIns="91425">
+          <a:bodyPr spcFirstLastPara="1" wrap="square" lIns="91425" tIns="91425" rIns="91425" bIns="91425" anchor="t" anchorCtr="0">
             <a:normAutofit/>
           </a:bodyPr>
           <a:lstStyle>
-            <a:lvl1pPr indent="-304800" lvl="0" marL="457200">
+            <a:lvl1pPr marL="457200" lvl="0" indent="-304800">
               <a:spcBef>
                 <a:spcPts val="0"/>
               </a:spcBef>
@@ -3680,7 +3792,7 @@
               <a:buChar char="●"/>
               <a:defRPr sz="1200"/>
             </a:lvl1pPr>
-            <a:lvl2pPr indent="-304800" lvl="1" marL="914400">
+            <a:lvl2pPr marL="914400" lvl="1" indent="-304800">
               <a:spcBef>
                 <a:spcPts val="0"/>
               </a:spcBef>
@@ -3691,7 +3803,7 @@
               <a:buChar char="○"/>
               <a:defRPr sz="1200"/>
             </a:lvl2pPr>
-            <a:lvl3pPr indent="-304800" lvl="2" marL="1371600">
+            <a:lvl3pPr marL="1371600" lvl="2" indent="-304800">
               <a:spcBef>
                 <a:spcPts val="0"/>
               </a:spcBef>
@@ -3702,7 +3814,7 @@
               <a:buChar char="■"/>
               <a:defRPr sz="1200"/>
             </a:lvl3pPr>
-            <a:lvl4pPr indent="-304800" lvl="3" marL="1828800">
+            <a:lvl4pPr marL="1828800" lvl="3" indent="-304800">
               <a:spcBef>
                 <a:spcPts val="0"/>
               </a:spcBef>
@@ -3713,7 +3825,7 @@
               <a:buChar char="●"/>
               <a:defRPr sz="1200"/>
             </a:lvl4pPr>
-            <a:lvl5pPr indent="-304800" lvl="4" marL="2286000">
+            <a:lvl5pPr marL="2286000" lvl="4" indent="-304800">
               <a:spcBef>
                 <a:spcPts val="0"/>
               </a:spcBef>
@@ -3724,7 +3836,7 @@
               <a:buChar char="○"/>
               <a:defRPr sz="1200"/>
             </a:lvl5pPr>
-            <a:lvl6pPr indent="-304800" lvl="5" marL="2743200">
+            <a:lvl6pPr marL="2743200" lvl="5" indent="-304800">
               <a:spcBef>
                 <a:spcPts val="0"/>
               </a:spcBef>
@@ -3735,7 +3847,7 @@
               <a:buChar char="■"/>
               <a:defRPr sz="1200"/>
             </a:lvl6pPr>
-            <a:lvl7pPr indent="-304800" lvl="6" marL="3200400">
+            <a:lvl7pPr marL="3200400" lvl="6" indent="-304800">
               <a:spcBef>
                 <a:spcPts val="0"/>
               </a:spcBef>
@@ -3746,7 +3858,7 @@
               <a:buChar char="●"/>
               <a:defRPr sz="1200"/>
             </a:lvl7pPr>
-            <a:lvl8pPr indent="-304800" lvl="7" marL="3657600">
+            <a:lvl8pPr marL="3657600" lvl="7" indent="-304800">
               <a:spcBef>
                 <a:spcPts val="0"/>
               </a:spcBef>
@@ -3757,7 +3869,7 @@
               <a:buChar char="○"/>
               <a:defRPr sz="1200"/>
             </a:lvl8pPr>
-            <a:lvl9pPr indent="-304800" lvl="8" marL="4114800">
+            <a:lvl9pPr marL="4114800" lvl="8" indent="-304800">
               <a:spcBef>
                 <a:spcPts val="0"/>
               </a:spcBef>
@@ -3769,15 +3881,19 @@
               <a:defRPr sz="1200"/>
             </a:lvl9pPr>
           </a:lstStyle>
-          <a:p/>
+          <a:p>
+            <a:endParaRPr/>
+          </a:p>
         </p:txBody>
       </p:sp>
       <p:sp>
         <p:nvSpPr>
           <p:cNvPr id="31" name="Google Shape;31;p7"/>
-          <p:cNvSpPr txBox="1"/>
+          <p:cNvSpPr txBox="1">
+            <a:spLocks noGrp="1"/>
+          </p:cNvSpPr>
           <p:nvPr>
-            <p:ph idx="12" type="sldNum"/>
+            <p:ph type="sldNum" idx="12"/>
           </p:nvPr>
         </p:nvSpPr>
         <p:spPr>
@@ -3790,7 +3906,7 @@
           </a:prstGeom>
         </p:spPr>
         <p:txBody>
-          <a:bodyPr anchorCtr="0" anchor="ctr" bIns="91425" lIns="91425" spcFirstLastPara="1" rIns="91425" wrap="square" tIns="91425">
+          <a:bodyPr spcFirstLastPara="1" wrap="square" lIns="91425" tIns="91425" rIns="91425" bIns="91425" anchor="ctr" anchorCtr="0">
             <a:normAutofit/>
           </a:bodyPr>
           <a:lstStyle>
@@ -3832,7 +3948,7 @@
             </a:lvl9pPr>
           </a:lstStyle>
           <a:p>
-            <a:pPr indent="0" lvl="0" marL="0" rtl="0" algn="r">
+            <a:pPr marL="0" lvl="0" indent="0" algn="r" rtl="0">
               <a:spcBef>
                 <a:spcPts val="0"/>
               </a:spcBef>
@@ -3843,7 +3959,7 @@
             </a:pPr>
             <a:fld id="{00000000-1234-1234-1234-123412341234}" type="slidenum">
               <a:rPr lang="es"/>
-              <a:t>‹#›</a:t>
+              <a:t>‹Nº›</a:t>
             </a:fld>
             <a:endParaRPr/>
           </a:p>
@@ -3858,11 +3974,11 @@
 </file>
 
 <file path=ppt/slideLayouts/slideLayout7.xml><?xml version="1.0" encoding="utf-8"?>
-<p:sldLayout xmlns:a="http://schemas.openxmlformats.org/drawingml/2006/main" xmlns:r="http://schemas.openxmlformats.org/officeDocument/2006/relationships" xmlns:mc="http://schemas.openxmlformats.org/markup-compatibility/2006" xmlns:mv="urn:schemas-microsoft-com:mac:vml" xmlns:p="http://schemas.openxmlformats.org/presentationml/2006/main" xmlns:c="http://schemas.openxmlformats.org/drawingml/2006/chart" xmlns:dgm="http://schemas.openxmlformats.org/drawingml/2006/diagram" xmlns:o="urn:schemas-microsoft-com:office:office" xmlns:v="urn:schemas-microsoft-com:vml" xmlns:pvml="urn:schemas-microsoft-com:office:powerpoint" xmlns:com="http://schemas.openxmlformats.org/drawingml/2006/compatibility" xmlns:p14="http://schemas.microsoft.com/office/powerpoint/2010/main" xmlns:p15="http://schemas.microsoft.com/office/powerpoint/2012/main" xmlns:ahyp="http://schemas.microsoft.com/office/drawing/2018/hyperlinkcolor" matchingName="Main point">
+<p:sldLayout xmlns:a="http://schemas.openxmlformats.org/drawingml/2006/main" xmlns:r="http://schemas.openxmlformats.org/officeDocument/2006/relationships" xmlns:p="http://schemas.openxmlformats.org/presentationml/2006/main" matchingName="Main point">
   <p:cSld name="MAIN_POINT">
     <p:spTree>
       <p:nvGrpSpPr>
-        <p:cNvPr id="32" name="Shape 32"/>
+        <p:cNvPr id="1" name="Shape 32"/>
         <p:cNvGrpSpPr/>
         <p:nvPr/>
       </p:nvGrpSpPr>
@@ -3877,7 +3993,9 @@
       <p:sp>
         <p:nvSpPr>
           <p:cNvPr id="33" name="Google Shape;33;p8"/>
-          <p:cNvSpPr txBox="1"/>
+          <p:cNvSpPr txBox="1">
+            <a:spLocks noGrp="1"/>
+          </p:cNvSpPr>
           <p:nvPr>
             <p:ph type="title"/>
           </p:nvPr>
@@ -3892,7 +4010,7 @@
           </a:prstGeom>
         </p:spPr>
         <p:txBody>
-          <a:bodyPr anchorCtr="0" anchor="ctr" bIns="91425" lIns="91425" spcFirstLastPara="1" rIns="91425" wrap="square" tIns="91425">
+          <a:bodyPr spcFirstLastPara="1" wrap="square" lIns="91425" tIns="91425" rIns="91425" bIns="91425" anchor="ctr" anchorCtr="0">
             <a:normAutofit/>
           </a:bodyPr>
           <a:lstStyle>
@@ -3996,15 +4114,19 @@
               <a:defRPr sz="4800"/>
             </a:lvl9pPr>
           </a:lstStyle>
-          <a:p/>
+          <a:p>
+            <a:endParaRPr/>
+          </a:p>
         </p:txBody>
       </p:sp>
       <p:sp>
         <p:nvSpPr>
           <p:cNvPr id="34" name="Google Shape;34;p8"/>
-          <p:cNvSpPr txBox="1"/>
+          <p:cNvSpPr txBox="1">
+            <a:spLocks noGrp="1"/>
+          </p:cNvSpPr>
           <p:nvPr>
-            <p:ph idx="12" type="sldNum"/>
+            <p:ph type="sldNum" idx="12"/>
           </p:nvPr>
         </p:nvSpPr>
         <p:spPr>
@@ -4017,7 +4139,7 @@
           </a:prstGeom>
         </p:spPr>
         <p:txBody>
-          <a:bodyPr anchorCtr="0" anchor="ctr" bIns="91425" lIns="91425" spcFirstLastPara="1" rIns="91425" wrap="square" tIns="91425">
+          <a:bodyPr spcFirstLastPara="1" wrap="square" lIns="91425" tIns="91425" rIns="91425" bIns="91425" anchor="ctr" anchorCtr="0">
             <a:normAutofit/>
           </a:bodyPr>
           <a:lstStyle>
@@ -4059,7 +4181,7 @@
             </a:lvl9pPr>
           </a:lstStyle>
           <a:p>
-            <a:pPr indent="0" lvl="0" marL="0" rtl="0" algn="r">
+            <a:pPr marL="0" lvl="0" indent="0" algn="r" rtl="0">
               <a:spcBef>
                 <a:spcPts val="0"/>
               </a:spcBef>
@@ -4070,7 +4192,7 @@
             </a:pPr>
             <a:fld id="{00000000-1234-1234-1234-123412341234}" type="slidenum">
               <a:rPr lang="es"/>
-              <a:t>‹#›</a:t>
+              <a:t>‹Nº›</a:t>
             </a:fld>
             <a:endParaRPr/>
           </a:p>
@@ -4085,11 +4207,11 @@
 </file>
 
 <file path=ppt/slideLayouts/slideLayout8.xml><?xml version="1.0" encoding="utf-8"?>
-<p:sldLayout xmlns:a="http://schemas.openxmlformats.org/drawingml/2006/main" xmlns:r="http://schemas.openxmlformats.org/officeDocument/2006/relationships" xmlns:mc="http://schemas.openxmlformats.org/markup-compatibility/2006" xmlns:mv="urn:schemas-microsoft-com:mac:vml" xmlns:p="http://schemas.openxmlformats.org/presentationml/2006/main" xmlns:c="http://schemas.openxmlformats.org/drawingml/2006/chart" xmlns:dgm="http://schemas.openxmlformats.org/drawingml/2006/diagram" xmlns:o="urn:schemas-microsoft-com:office:office" xmlns:v="urn:schemas-microsoft-com:vml" xmlns:pvml="urn:schemas-microsoft-com:office:powerpoint" xmlns:com="http://schemas.openxmlformats.org/drawingml/2006/compatibility" xmlns:p14="http://schemas.microsoft.com/office/powerpoint/2010/main" xmlns:p15="http://schemas.microsoft.com/office/powerpoint/2012/main" xmlns:ahyp="http://schemas.microsoft.com/office/drawing/2018/hyperlinkcolor" matchingName="Section title and description">
+<p:sldLayout xmlns:a="http://schemas.openxmlformats.org/drawingml/2006/main" xmlns:r="http://schemas.openxmlformats.org/officeDocument/2006/relationships" xmlns:p="http://schemas.openxmlformats.org/presentationml/2006/main" matchingName="Section title and description">
   <p:cSld name="SECTION_TITLE_AND_DESCRIPTION">
     <p:spTree>
       <p:nvGrpSpPr>
-        <p:cNvPr id="35" name="Shape 35"/>
+        <p:cNvPr id="1" name="Shape 35"/>
         <p:cNvGrpSpPr/>
         <p:nvPr/>
       </p:nvGrpSpPr>
@@ -4123,12 +4245,12 @@
           </a:ln>
         </p:spPr>
         <p:txBody>
-          <a:bodyPr anchorCtr="0" anchor="ctr" bIns="91425" lIns="91425" spcFirstLastPara="1" rIns="91425" wrap="square" tIns="91425">
+          <a:bodyPr spcFirstLastPara="1" wrap="square" lIns="91425" tIns="91425" rIns="91425" bIns="91425" anchor="ctr" anchorCtr="0">
             <a:noAutofit/>
           </a:bodyPr>
           <a:lstStyle/>
           <a:p>
-            <a:pPr indent="0" lvl="0" marL="0" rtl="0" algn="l">
+            <a:pPr marL="0" lvl="0" indent="0" algn="l" rtl="0">
               <a:spcBef>
                 <a:spcPts val="0"/>
               </a:spcBef>
@@ -4137,9 +4259,6 @@
               </a:spcAft>
               <a:buNone/>
             </a:pPr>
-            <a:r>
-              <a:t/>
-            </a:r>
             <a:endParaRPr/>
           </a:p>
         </p:txBody>
@@ -4147,7 +4266,9 @@
       <p:sp>
         <p:nvSpPr>
           <p:cNvPr id="37" name="Google Shape;37;p9"/>
-          <p:cNvSpPr txBox="1"/>
+          <p:cNvSpPr txBox="1">
+            <a:spLocks noGrp="1"/>
+          </p:cNvSpPr>
           <p:nvPr>
             <p:ph type="title"/>
           </p:nvPr>
@@ -4162,7 +4283,7 @@
           </a:prstGeom>
         </p:spPr>
         <p:txBody>
-          <a:bodyPr anchorCtr="0" anchor="b" bIns="91425" lIns="91425" spcFirstLastPara="1" rIns="91425" wrap="square" tIns="91425">
+          <a:bodyPr spcFirstLastPara="1" wrap="square" lIns="91425" tIns="91425" rIns="91425" bIns="91425" anchor="b" anchorCtr="0">
             <a:normAutofit/>
           </a:bodyPr>
           <a:lstStyle>
@@ -4266,15 +4387,19 @@
               <a:defRPr sz="4200"/>
             </a:lvl9pPr>
           </a:lstStyle>
-          <a:p/>
+          <a:p>
+            <a:endParaRPr/>
+          </a:p>
         </p:txBody>
       </p:sp>
       <p:sp>
         <p:nvSpPr>
           <p:cNvPr id="38" name="Google Shape;38;p9"/>
-          <p:cNvSpPr txBox="1"/>
+          <p:cNvSpPr txBox="1">
+            <a:spLocks noGrp="1"/>
+          </p:cNvSpPr>
           <p:nvPr>
-            <p:ph idx="1" type="subTitle"/>
+            <p:ph type="subTitle" idx="1"/>
           </p:nvPr>
         </p:nvSpPr>
         <p:spPr>
@@ -4287,7 +4412,7 @@
           </a:prstGeom>
         </p:spPr>
         <p:txBody>
-          <a:bodyPr anchorCtr="0" anchor="t" bIns="91425" lIns="91425" spcFirstLastPara="1" rIns="91425" wrap="square" tIns="91425">
+          <a:bodyPr spcFirstLastPara="1" wrap="square" lIns="91425" tIns="91425" rIns="91425" bIns="91425" anchor="t" anchorCtr="0">
             <a:normAutofit/>
           </a:bodyPr>
           <a:lstStyle>
@@ -4418,15 +4543,19 @@
               <a:defRPr sz="2100"/>
             </a:lvl9pPr>
           </a:lstStyle>
-          <a:p/>
+          <a:p>
+            <a:endParaRPr/>
+          </a:p>
         </p:txBody>
       </p:sp>
       <p:sp>
         <p:nvSpPr>
           <p:cNvPr id="39" name="Google Shape;39;p9"/>
-          <p:cNvSpPr txBox="1"/>
+          <p:cNvSpPr txBox="1">
+            <a:spLocks noGrp="1"/>
+          </p:cNvSpPr>
           <p:nvPr>
-            <p:ph idx="2" type="body"/>
+            <p:ph type="body" idx="2"/>
           </p:nvPr>
         </p:nvSpPr>
         <p:spPr>
@@ -4439,11 +4568,11 @@
           </a:prstGeom>
         </p:spPr>
         <p:txBody>
-          <a:bodyPr anchorCtr="0" anchor="ctr" bIns="91425" lIns="91425" spcFirstLastPara="1" rIns="91425" wrap="square" tIns="91425">
+          <a:bodyPr spcFirstLastPara="1" wrap="square" lIns="91425" tIns="91425" rIns="91425" bIns="91425" anchor="ctr" anchorCtr="0">
             <a:normAutofit/>
           </a:bodyPr>
           <a:lstStyle>
-            <a:lvl1pPr indent="-342900" lvl="0" marL="457200">
+            <a:lvl1pPr marL="457200" lvl="0" indent="-342900">
               <a:spcBef>
                 <a:spcPts val="0"/>
               </a:spcBef>
@@ -4454,7 +4583,7 @@
               <a:buChar char="●"/>
               <a:defRPr/>
             </a:lvl1pPr>
-            <a:lvl2pPr indent="-317500" lvl="1" marL="914400">
+            <a:lvl2pPr marL="914400" lvl="1" indent="-317500">
               <a:spcBef>
                 <a:spcPts val="0"/>
               </a:spcBef>
@@ -4465,7 +4594,7 @@
               <a:buChar char="○"/>
               <a:defRPr/>
             </a:lvl2pPr>
-            <a:lvl3pPr indent="-317500" lvl="2" marL="1371600">
+            <a:lvl3pPr marL="1371600" lvl="2" indent="-317500">
               <a:spcBef>
                 <a:spcPts val="0"/>
               </a:spcBef>
@@ -4476,7 +4605,7 @@
               <a:buChar char="■"/>
               <a:defRPr/>
             </a:lvl3pPr>
-            <a:lvl4pPr indent="-317500" lvl="3" marL="1828800">
+            <a:lvl4pPr marL="1828800" lvl="3" indent="-317500">
               <a:spcBef>
                 <a:spcPts val="0"/>
               </a:spcBef>
@@ -4487,7 +4616,7 @@
               <a:buChar char="●"/>
               <a:defRPr/>
             </a:lvl4pPr>
-            <a:lvl5pPr indent="-317500" lvl="4" marL="2286000">
+            <a:lvl5pPr marL="2286000" lvl="4" indent="-317500">
               <a:spcBef>
                 <a:spcPts val="0"/>
               </a:spcBef>
@@ -4498,7 +4627,7 @@
               <a:buChar char="○"/>
               <a:defRPr/>
             </a:lvl5pPr>
-            <a:lvl6pPr indent="-317500" lvl="5" marL="2743200">
+            <a:lvl6pPr marL="2743200" lvl="5" indent="-317500">
               <a:spcBef>
                 <a:spcPts val="0"/>
               </a:spcBef>
@@ -4509,7 +4638,7 @@
               <a:buChar char="■"/>
               <a:defRPr/>
             </a:lvl6pPr>
-            <a:lvl7pPr indent="-317500" lvl="6" marL="3200400">
+            <a:lvl7pPr marL="3200400" lvl="6" indent="-317500">
               <a:spcBef>
                 <a:spcPts val="0"/>
               </a:spcBef>
@@ -4520,7 +4649,7 @@
               <a:buChar char="●"/>
               <a:defRPr/>
             </a:lvl7pPr>
-            <a:lvl8pPr indent="-317500" lvl="7" marL="3657600">
+            <a:lvl8pPr marL="3657600" lvl="7" indent="-317500">
               <a:spcBef>
                 <a:spcPts val="0"/>
               </a:spcBef>
@@ -4531,7 +4660,7 @@
               <a:buChar char="○"/>
               <a:defRPr/>
             </a:lvl8pPr>
-            <a:lvl9pPr indent="-317500" lvl="8" marL="4114800">
+            <a:lvl9pPr marL="4114800" lvl="8" indent="-317500">
               <a:spcBef>
                 <a:spcPts val="0"/>
               </a:spcBef>
@@ -4543,15 +4672,19 @@
               <a:defRPr/>
             </a:lvl9pPr>
           </a:lstStyle>
-          <a:p/>
+          <a:p>
+            <a:endParaRPr/>
+          </a:p>
         </p:txBody>
       </p:sp>
       <p:sp>
         <p:nvSpPr>
           <p:cNvPr id="40" name="Google Shape;40;p9"/>
-          <p:cNvSpPr txBox="1"/>
+          <p:cNvSpPr txBox="1">
+            <a:spLocks noGrp="1"/>
+          </p:cNvSpPr>
           <p:nvPr>
-            <p:ph idx="12" type="sldNum"/>
+            <p:ph type="sldNum" idx="12"/>
           </p:nvPr>
         </p:nvSpPr>
         <p:spPr>
@@ -4564,7 +4697,7 @@
           </a:prstGeom>
         </p:spPr>
         <p:txBody>
-          <a:bodyPr anchorCtr="0" anchor="ctr" bIns="91425" lIns="91425" spcFirstLastPara="1" rIns="91425" wrap="square" tIns="91425">
+          <a:bodyPr spcFirstLastPara="1" wrap="square" lIns="91425" tIns="91425" rIns="91425" bIns="91425" anchor="ctr" anchorCtr="0">
             <a:normAutofit/>
           </a:bodyPr>
           <a:lstStyle>
@@ -4606,7 +4739,7 @@
             </a:lvl9pPr>
           </a:lstStyle>
           <a:p>
-            <a:pPr indent="0" lvl="0" marL="0" rtl="0" algn="r">
+            <a:pPr marL="0" lvl="0" indent="0" algn="r" rtl="0">
               <a:spcBef>
                 <a:spcPts val="0"/>
               </a:spcBef>
@@ -4617,7 +4750,7 @@
             </a:pPr>
             <a:fld id="{00000000-1234-1234-1234-123412341234}" type="slidenum">
               <a:rPr lang="es"/>
-              <a:t>‹#›</a:t>
+              <a:t>‹Nº›</a:t>
             </a:fld>
             <a:endParaRPr/>
           </a:p>
@@ -4632,11 +4765,11 @@
 </file>
 
 <file path=ppt/slideLayouts/slideLayout9.xml><?xml version="1.0" encoding="utf-8"?>
-<p:sldLayout xmlns:a="http://schemas.openxmlformats.org/drawingml/2006/main" xmlns:r="http://schemas.openxmlformats.org/officeDocument/2006/relationships" xmlns:mc="http://schemas.openxmlformats.org/markup-compatibility/2006" xmlns:mv="urn:schemas-microsoft-com:mac:vml" xmlns:p="http://schemas.openxmlformats.org/presentationml/2006/main" xmlns:c="http://schemas.openxmlformats.org/drawingml/2006/chart" xmlns:dgm="http://schemas.openxmlformats.org/drawingml/2006/diagram" xmlns:o="urn:schemas-microsoft-com:office:office" xmlns:v="urn:schemas-microsoft-com:vml" xmlns:pvml="urn:schemas-microsoft-com:office:powerpoint" xmlns:com="http://schemas.openxmlformats.org/drawingml/2006/compatibility" xmlns:p14="http://schemas.microsoft.com/office/powerpoint/2010/main" xmlns:p15="http://schemas.microsoft.com/office/powerpoint/2012/main" xmlns:ahyp="http://schemas.microsoft.com/office/drawing/2018/hyperlinkcolor" matchingName="Caption">
+<p:sldLayout xmlns:a="http://schemas.openxmlformats.org/drawingml/2006/main" xmlns:r="http://schemas.openxmlformats.org/officeDocument/2006/relationships" xmlns:p="http://schemas.openxmlformats.org/presentationml/2006/main" matchingName="Caption">
   <p:cSld name="CAPTION_ONLY">
     <p:spTree>
       <p:nvGrpSpPr>
-        <p:cNvPr id="41" name="Shape 41"/>
+        <p:cNvPr id="1" name="Shape 41"/>
         <p:cNvGrpSpPr/>
         <p:nvPr/>
       </p:nvGrpSpPr>
@@ -4651,9 +4784,11 @@
       <p:sp>
         <p:nvSpPr>
           <p:cNvPr id="42" name="Google Shape;42;p10"/>
-          <p:cNvSpPr txBox="1"/>
+          <p:cNvSpPr txBox="1">
+            <a:spLocks noGrp="1"/>
+          </p:cNvSpPr>
           <p:nvPr>
-            <p:ph idx="1" type="body"/>
+            <p:ph type="body" idx="1"/>
           </p:nvPr>
         </p:nvSpPr>
         <p:spPr>
@@ -4666,11 +4801,11 @@
           </a:prstGeom>
         </p:spPr>
         <p:txBody>
-          <a:bodyPr anchorCtr="0" anchor="ctr" bIns="91425" lIns="91425" spcFirstLastPara="1" rIns="91425" wrap="square" tIns="91425">
+          <a:bodyPr spcFirstLastPara="1" wrap="square" lIns="91425" tIns="91425" rIns="91425" bIns="91425" anchor="ctr" anchorCtr="0">
             <a:normAutofit/>
           </a:bodyPr>
           <a:lstStyle>
-            <a:lvl1pPr indent="-228600" lvl="0" marL="457200">
+            <a:lvl1pPr marL="457200" lvl="0" indent="-228600">
               <a:lnSpc>
                 <a:spcPct val="100000"/>
               </a:lnSpc>
@@ -4685,15 +4820,19 @@
               <a:defRPr/>
             </a:lvl1pPr>
           </a:lstStyle>
-          <a:p/>
+          <a:p>
+            <a:endParaRPr/>
+          </a:p>
         </p:txBody>
       </p:sp>
       <p:sp>
         <p:nvSpPr>
           <p:cNvPr id="43" name="Google Shape;43;p10"/>
-          <p:cNvSpPr txBox="1"/>
+          <p:cNvSpPr txBox="1">
+            <a:spLocks noGrp="1"/>
+          </p:cNvSpPr>
           <p:nvPr>
-            <p:ph idx="12" type="sldNum"/>
+            <p:ph type="sldNum" idx="12"/>
           </p:nvPr>
         </p:nvSpPr>
         <p:spPr>
@@ -4706,7 +4845,7 @@
           </a:prstGeom>
         </p:spPr>
         <p:txBody>
-          <a:bodyPr anchorCtr="0" anchor="ctr" bIns="91425" lIns="91425" spcFirstLastPara="1" rIns="91425" wrap="square" tIns="91425">
+          <a:bodyPr spcFirstLastPara="1" wrap="square" lIns="91425" tIns="91425" rIns="91425" bIns="91425" anchor="ctr" anchorCtr="0">
             <a:normAutofit/>
           </a:bodyPr>
           <a:lstStyle>
@@ -4748,7 +4887,7 @@
             </a:lvl9pPr>
           </a:lstStyle>
           <a:p>
-            <a:pPr indent="0" lvl="0" marL="0" rtl="0" algn="r">
+            <a:pPr marL="0" lvl="0" indent="0" algn="r" rtl="0">
               <a:spcBef>
                 <a:spcPts val="0"/>
               </a:spcBef>
@@ -4759,7 +4898,7 @@
             </a:pPr>
             <a:fld id="{00000000-1234-1234-1234-123412341234}" type="slidenum">
               <a:rPr lang="es"/>
-              <a:t>‹#›</a:t>
+              <a:t>‹Nº›</a:t>
             </a:fld>
             <a:endParaRPr/>
           </a:p>
@@ -4774,18 +4913,19 @@
 </file>
 
 <file path=ppt/slideMasters/slideMaster1.xml><?xml version="1.0" encoding="utf-8"?>
-<p:sldMaster xmlns:a="http://schemas.openxmlformats.org/drawingml/2006/main" xmlns:r="http://schemas.openxmlformats.org/officeDocument/2006/relationships" xmlns:mc="http://schemas.openxmlformats.org/markup-compatibility/2006" xmlns:mv="urn:schemas-microsoft-com:mac:vml" xmlns:p="http://schemas.openxmlformats.org/presentationml/2006/main" xmlns:c="http://schemas.openxmlformats.org/drawingml/2006/chart" xmlns:dgm="http://schemas.openxmlformats.org/drawingml/2006/diagram" xmlns:o="urn:schemas-microsoft-com:office:office" xmlns:v="urn:schemas-microsoft-com:vml" xmlns:pvml="urn:schemas-microsoft-com:office:powerpoint" xmlns:com="http://schemas.openxmlformats.org/drawingml/2006/compatibility" xmlns:p14="http://schemas.microsoft.com/office/powerpoint/2010/main" xmlns:p15="http://schemas.microsoft.com/office/powerpoint/2012/main" xmlns:ahyp="http://schemas.microsoft.com/office/drawing/2018/hyperlinkcolor">
+<p:sldMaster xmlns:a="http://schemas.openxmlformats.org/drawingml/2006/main" xmlns:r="http://schemas.openxmlformats.org/officeDocument/2006/relationships" xmlns:p="http://schemas.openxmlformats.org/presentationml/2006/main">
   <p:cSld name="simple-light-2">
     <p:bg>
       <p:bgPr>
         <a:solidFill>
           <a:schemeClr val="lt1"/>
         </a:solidFill>
+        <a:effectLst/>
       </p:bgPr>
     </p:bg>
     <p:spTree>
       <p:nvGrpSpPr>
-        <p:cNvPr id="5" name="Shape 5"/>
+        <p:cNvPr id="1" name="Shape 5"/>
         <p:cNvGrpSpPr/>
         <p:nvPr/>
       </p:nvGrpSpPr>
@@ -4800,7 +4940,9 @@
       <p:sp>
         <p:nvSpPr>
           <p:cNvPr id="6" name="Google Shape;6;p1"/>
-          <p:cNvSpPr txBox="1"/>
+          <p:cNvSpPr txBox="1">
+            <a:spLocks noGrp="1"/>
+          </p:cNvSpPr>
           <p:nvPr>
             <p:ph type="title"/>
           </p:nvPr>
@@ -4819,7 +4961,7 @@
           </a:ln>
         </p:spPr>
         <p:txBody>
-          <a:bodyPr anchorCtr="0" anchor="t" bIns="91425" lIns="91425" spcFirstLastPara="1" rIns="91425" wrap="square" tIns="91425">
+          <a:bodyPr spcFirstLastPara="1" wrap="square" lIns="91425" tIns="91425" rIns="91425" bIns="91425" anchor="t" anchorCtr="0">
             <a:normAutofit/>
           </a:bodyPr>
           <a:lstStyle>
@@ -4986,15 +5128,19 @@
               </a:defRPr>
             </a:lvl9pPr>
           </a:lstStyle>
-          <a:p/>
+          <a:p>
+            <a:endParaRPr/>
+          </a:p>
         </p:txBody>
       </p:sp>
       <p:sp>
         <p:nvSpPr>
           <p:cNvPr id="7" name="Google Shape;7;p1"/>
-          <p:cNvSpPr txBox="1"/>
+          <p:cNvSpPr txBox="1">
+            <a:spLocks noGrp="1"/>
+          </p:cNvSpPr>
           <p:nvPr>
-            <p:ph idx="1" type="body"/>
+            <p:ph type="body" idx="1"/>
           </p:nvPr>
         </p:nvSpPr>
         <p:spPr>
@@ -5011,11 +5157,11 @@
           </a:ln>
         </p:spPr>
         <p:txBody>
-          <a:bodyPr anchorCtr="0" anchor="t" bIns="91425" lIns="91425" spcFirstLastPara="1" rIns="91425" wrap="square" tIns="91425">
+          <a:bodyPr spcFirstLastPara="1" wrap="square" lIns="91425" tIns="91425" rIns="91425" bIns="91425" anchor="t" anchorCtr="0">
             <a:normAutofit/>
           </a:bodyPr>
           <a:lstStyle>
-            <a:lvl1pPr indent="-342900" lvl="0" marL="457200">
+            <a:lvl1pPr marL="457200" lvl="0" indent="-342900">
               <a:lnSpc>
                 <a:spcPct val="115000"/>
               </a:lnSpc>
@@ -5036,7 +5182,7 @@
                 </a:solidFill>
               </a:defRPr>
             </a:lvl1pPr>
-            <a:lvl2pPr indent="-317500" lvl="1" marL="914400">
+            <a:lvl2pPr marL="914400" lvl="1" indent="-317500">
               <a:lnSpc>
                 <a:spcPct val="115000"/>
               </a:lnSpc>
@@ -5057,7 +5203,7 @@
                 </a:solidFill>
               </a:defRPr>
             </a:lvl2pPr>
-            <a:lvl3pPr indent="-317500" lvl="2" marL="1371600">
+            <a:lvl3pPr marL="1371600" lvl="2" indent="-317500">
               <a:lnSpc>
                 <a:spcPct val="115000"/>
               </a:lnSpc>
@@ -5078,7 +5224,7 @@
                 </a:solidFill>
               </a:defRPr>
             </a:lvl3pPr>
-            <a:lvl4pPr indent="-317500" lvl="3" marL="1828800">
+            <a:lvl4pPr marL="1828800" lvl="3" indent="-317500">
               <a:lnSpc>
                 <a:spcPct val="115000"/>
               </a:lnSpc>
@@ -5099,7 +5245,7 @@
                 </a:solidFill>
               </a:defRPr>
             </a:lvl4pPr>
-            <a:lvl5pPr indent="-317500" lvl="4" marL="2286000">
+            <a:lvl5pPr marL="2286000" lvl="4" indent="-317500">
               <a:lnSpc>
                 <a:spcPct val="115000"/>
               </a:lnSpc>
@@ -5120,7 +5266,7 @@
                 </a:solidFill>
               </a:defRPr>
             </a:lvl5pPr>
-            <a:lvl6pPr indent="-317500" lvl="5" marL="2743200">
+            <a:lvl6pPr marL="2743200" lvl="5" indent="-317500">
               <a:lnSpc>
                 <a:spcPct val="115000"/>
               </a:lnSpc>
@@ -5141,7 +5287,7 @@
                 </a:solidFill>
               </a:defRPr>
             </a:lvl6pPr>
-            <a:lvl7pPr indent="-317500" lvl="6" marL="3200400">
+            <a:lvl7pPr marL="3200400" lvl="6" indent="-317500">
               <a:lnSpc>
                 <a:spcPct val="115000"/>
               </a:lnSpc>
@@ -5162,7 +5308,7 @@
                 </a:solidFill>
               </a:defRPr>
             </a:lvl7pPr>
-            <a:lvl8pPr indent="-317500" lvl="7" marL="3657600">
+            <a:lvl8pPr marL="3657600" lvl="7" indent="-317500">
               <a:lnSpc>
                 <a:spcPct val="115000"/>
               </a:lnSpc>
@@ -5183,7 +5329,7 @@
                 </a:solidFill>
               </a:defRPr>
             </a:lvl8pPr>
-            <a:lvl9pPr indent="-317500" lvl="8" marL="4114800">
+            <a:lvl9pPr marL="4114800" lvl="8" indent="-317500">
               <a:lnSpc>
                 <a:spcPct val="115000"/>
               </a:lnSpc>
@@ -5205,15 +5351,19 @@
               </a:defRPr>
             </a:lvl9pPr>
           </a:lstStyle>
-          <a:p/>
+          <a:p>
+            <a:endParaRPr/>
+          </a:p>
         </p:txBody>
       </p:sp>
       <p:sp>
         <p:nvSpPr>
           <p:cNvPr id="8" name="Google Shape;8;p1"/>
-          <p:cNvSpPr txBox="1"/>
+          <p:cNvSpPr txBox="1">
+            <a:spLocks noGrp="1"/>
+          </p:cNvSpPr>
           <p:nvPr>
-            <p:ph idx="12" type="sldNum"/>
+            <p:ph type="sldNum" idx="12"/>
           </p:nvPr>
         </p:nvSpPr>
         <p:spPr>
@@ -5230,7 +5380,7 @@
           </a:ln>
         </p:spPr>
         <p:txBody>
-          <a:bodyPr anchorCtr="0" anchor="ctr" bIns="91425" lIns="91425" spcFirstLastPara="1" rIns="91425" wrap="square" tIns="91425">
+          <a:bodyPr spcFirstLastPara="1" wrap="square" lIns="91425" tIns="91425" rIns="91425" bIns="91425" anchor="ctr" anchorCtr="0">
             <a:normAutofit/>
           </a:bodyPr>
           <a:lstStyle>
@@ -5308,7 +5458,7 @@
             </a:lvl9pPr>
           </a:lstStyle>
           <a:p>
-            <a:pPr indent="0" lvl="0" marL="0" rtl="0" algn="r">
+            <a:pPr marL="0" lvl="0" indent="0" algn="r" rtl="0">
               <a:spcBef>
                 <a:spcPts val="0"/>
               </a:spcBef>
@@ -5319,7 +5469,7 @@
             </a:pPr>
             <a:fld id="{00000000-1234-1234-1234-123412341234}" type="slidenum">
               <a:rPr lang="es"/>
-              <a:t>‹#›</a:t>
+              <a:t>‹Nº›</a:t>
             </a:fld>
             <a:endParaRPr/>
           </a:p>
@@ -5327,7 +5477,7 @@
       </p:sp>
     </p:spTree>
   </p:cSld>
-  <p:clrMap accent1="accent1" accent2="accent2" accent3="accent3" accent4="accent4" accent5="accent5" accent6="accent6" bg1="lt1" bg2="dk2" tx1="dk1" tx2="lt2" folHlink="folHlink" hlink="hlink"/>
+  <p:clrMap bg1="lt1" tx1="dk1" bg2="dk2" tx2="lt2" accent1="accent1" accent2="accent2" accent3="accent3" accent4="accent4" accent5="accent5" accent6="accent6" hlink="hlink" folHlink="folHlink"/>
   <p:sldLayoutIdLst>
     <p:sldLayoutId id="2147483648" r:id="rId1"/>
     <p:sldLayoutId id="2147483649" r:id="rId2"/>
@@ -5341,10 +5491,10 @@
     <p:sldLayoutId id="2147483657" r:id="rId10"/>
     <p:sldLayoutId id="2147483658" r:id="rId11"/>
   </p:sldLayoutIdLst>
-  <p:hf dt="0" ftr="0" hdr="0" sldNum="0"/>
+  <p:hf sldNum="0" hdr="0" ftr="0" dt="0"/>
   <p:txStyles>
     <p:titleStyle>
-      <a:defPPr lvl="0" marR="0" rtl="0" algn="l">
+      <a:defPPr marR="0" lvl="0" algn="l" rtl="0">
         <a:lnSpc>
           <a:spcPct val="100000"/>
         </a:lnSpc>
@@ -5355,7 +5505,7 @@
           <a:spcPts val="0"/>
         </a:spcAft>
       </a:defPPr>
-      <a:lvl1pPr lvl="0" marR="0" rtl="0" algn="l">
+      <a:lvl1pPr marR="0" lvl="0" algn="l" rtl="0">
         <a:lnSpc>
           <a:spcPct val="100000"/>
         </a:lnSpc>
@@ -5369,7 +5519,7 @@
           <a:srgbClr val="000000"/>
         </a:buClr>
         <a:buFont typeface="Arial"/>
-        <a:defRPr b="0" i="0" sz="1400" u="none" cap="none" strike="noStrike">
+        <a:defRPr sz="1400" b="0" i="0" u="none" strike="noStrike" cap="none">
           <a:solidFill>
             <a:srgbClr val="000000"/>
           </a:solidFill>
@@ -5379,7 +5529,7 @@
           <a:sym typeface="Arial"/>
         </a:defRPr>
       </a:lvl1pPr>
-      <a:lvl2pPr lvl="1" marR="0" rtl="0" algn="l">
+      <a:lvl2pPr marR="0" lvl="1" algn="l" rtl="0">
         <a:lnSpc>
           <a:spcPct val="100000"/>
         </a:lnSpc>
@@ -5393,7 +5543,7 @@
           <a:srgbClr val="000000"/>
         </a:buClr>
         <a:buFont typeface="Arial"/>
-        <a:defRPr b="0" i="0" sz="1400" u="none" cap="none" strike="noStrike">
+        <a:defRPr sz="1400" b="0" i="0" u="none" strike="noStrike" cap="none">
           <a:solidFill>
             <a:srgbClr val="000000"/>
           </a:solidFill>
@@ -5403,7 +5553,7 @@
           <a:sym typeface="Arial"/>
         </a:defRPr>
       </a:lvl2pPr>
-      <a:lvl3pPr lvl="2" marR="0" rtl="0" algn="l">
+      <a:lvl3pPr marR="0" lvl="2" algn="l" rtl="0">
         <a:lnSpc>
           <a:spcPct val="100000"/>
         </a:lnSpc>
@@ -5417,7 +5567,7 @@
           <a:srgbClr val="000000"/>
         </a:buClr>
         <a:buFont typeface="Arial"/>
-        <a:defRPr b="0" i="0" sz="1400" u="none" cap="none" strike="noStrike">
+        <a:defRPr sz="1400" b="0" i="0" u="none" strike="noStrike" cap="none">
           <a:solidFill>
             <a:srgbClr val="000000"/>
           </a:solidFill>
@@ -5427,7 +5577,7 @@
           <a:sym typeface="Arial"/>
         </a:defRPr>
       </a:lvl3pPr>
-      <a:lvl4pPr lvl="3" marR="0" rtl="0" algn="l">
+      <a:lvl4pPr marR="0" lvl="3" algn="l" rtl="0">
         <a:lnSpc>
           <a:spcPct val="100000"/>
         </a:lnSpc>
@@ -5441,7 +5591,7 @@
           <a:srgbClr val="000000"/>
         </a:buClr>
         <a:buFont typeface="Arial"/>
-        <a:defRPr b="0" i="0" sz="1400" u="none" cap="none" strike="noStrike">
+        <a:defRPr sz="1400" b="0" i="0" u="none" strike="noStrike" cap="none">
           <a:solidFill>
             <a:srgbClr val="000000"/>
           </a:solidFill>
@@ -5451,7 +5601,7 @@
           <a:sym typeface="Arial"/>
         </a:defRPr>
       </a:lvl4pPr>
-      <a:lvl5pPr lvl="4" marR="0" rtl="0" algn="l">
+      <a:lvl5pPr marR="0" lvl="4" algn="l" rtl="0">
         <a:lnSpc>
           <a:spcPct val="100000"/>
         </a:lnSpc>
@@ -5465,7 +5615,7 @@
           <a:srgbClr val="000000"/>
         </a:buClr>
         <a:buFont typeface="Arial"/>
-        <a:defRPr b="0" i="0" sz="1400" u="none" cap="none" strike="noStrike">
+        <a:defRPr sz="1400" b="0" i="0" u="none" strike="noStrike" cap="none">
           <a:solidFill>
             <a:srgbClr val="000000"/>
           </a:solidFill>
@@ -5475,7 +5625,7 @@
           <a:sym typeface="Arial"/>
         </a:defRPr>
       </a:lvl5pPr>
-      <a:lvl6pPr lvl="5" marR="0" rtl="0" algn="l">
+      <a:lvl6pPr marR="0" lvl="5" algn="l" rtl="0">
         <a:lnSpc>
           <a:spcPct val="100000"/>
         </a:lnSpc>
@@ -5489,7 +5639,7 @@
           <a:srgbClr val="000000"/>
         </a:buClr>
         <a:buFont typeface="Arial"/>
-        <a:defRPr b="0" i="0" sz="1400" u="none" cap="none" strike="noStrike">
+        <a:defRPr sz="1400" b="0" i="0" u="none" strike="noStrike" cap="none">
           <a:solidFill>
             <a:srgbClr val="000000"/>
           </a:solidFill>
@@ -5499,7 +5649,7 @@
           <a:sym typeface="Arial"/>
         </a:defRPr>
       </a:lvl6pPr>
-      <a:lvl7pPr lvl="6" marR="0" rtl="0" algn="l">
+      <a:lvl7pPr marR="0" lvl="6" algn="l" rtl="0">
         <a:lnSpc>
           <a:spcPct val="100000"/>
         </a:lnSpc>
@@ -5513,7 +5663,7 @@
           <a:srgbClr val="000000"/>
         </a:buClr>
         <a:buFont typeface="Arial"/>
-        <a:defRPr b="0" i="0" sz="1400" u="none" cap="none" strike="noStrike">
+        <a:defRPr sz="1400" b="0" i="0" u="none" strike="noStrike" cap="none">
           <a:solidFill>
             <a:srgbClr val="000000"/>
           </a:solidFill>
@@ -5523,7 +5673,7 @@
           <a:sym typeface="Arial"/>
         </a:defRPr>
       </a:lvl7pPr>
-      <a:lvl8pPr lvl="7" marR="0" rtl="0" algn="l">
+      <a:lvl8pPr marR="0" lvl="7" algn="l" rtl="0">
         <a:lnSpc>
           <a:spcPct val="100000"/>
         </a:lnSpc>
@@ -5537,7 +5687,7 @@
           <a:srgbClr val="000000"/>
         </a:buClr>
         <a:buFont typeface="Arial"/>
-        <a:defRPr b="0" i="0" sz="1400" u="none" cap="none" strike="noStrike">
+        <a:defRPr sz="1400" b="0" i="0" u="none" strike="noStrike" cap="none">
           <a:solidFill>
             <a:srgbClr val="000000"/>
           </a:solidFill>
@@ -5547,7 +5697,7 @@
           <a:sym typeface="Arial"/>
         </a:defRPr>
       </a:lvl8pPr>
-      <a:lvl9pPr lvl="8" marR="0" rtl="0" algn="l">
+      <a:lvl9pPr marR="0" lvl="8" algn="l" rtl="0">
         <a:lnSpc>
           <a:spcPct val="100000"/>
         </a:lnSpc>
@@ -5561,7 +5711,7 @@
           <a:srgbClr val="000000"/>
         </a:buClr>
         <a:buFont typeface="Arial"/>
-        <a:defRPr b="0" i="0" sz="1400" u="none" cap="none" strike="noStrike">
+        <a:defRPr sz="1400" b="0" i="0" u="none" strike="noStrike" cap="none">
           <a:solidFill>
             <a:srgbClr val="000000"/>
           </a:solidFill>
@@ -5573,7 +5723,7 @@
       </a:lvl9pPr>
     </p:titleStyle>
     <p:bodyStyle>
-      <a:defPPr lvl="0" marR="0" rtl="0" algn="l">
+      <a:defPPr marR="0" lvl="0" algn="l" rtl="0">
         <a:lnSpc>
           <a:spcPct val="100000"/>
         </a:lnSpc>
@@ -5584,7 +5734,7 @@
           <a:spcPts val="0"/>
         </a:spcAft>
       </a:defPPr>
-      <a:lvl1pPr lvl="0" marR="0" rtl="0" algn="l">
+      <a:lvl1pPr marR="0" lvl="0" algn="l" rtl="0">
         <a:lnSpc>
           <a:spcPct val="100000"/>
         </a:lnSpc>
@@ -5598,7 +5748,7 @@
           <a:srgbClr val="000000"/>
         </a:buClr>
         <a:buFont typeface="Arial"/>
-        <a:defRPr b="0" i="0" sz="1400" u="none" cap="none" strike="noStrike">
+        <a:defRPr sz="1400" b="0" i="0" u="none" strike="noStrike" cap="none">
           <a:solidFill>
             <a:srgbClr val="000000"/>
           </a:solidFill>
@@ -5608,7 +5758,7 @@
           <a:sym typeface="Arial"/>
         </a:defRPr>
       </a:lvl1pPr>
-      <a:lvl2pPr lvl="1" marR="0" rtl="0" algn="l">
+      <a:lvl2pPr marR="0" lvl="1" algn="l" rtl="0">
         <a:lnSpc>
           <a:spcPct val="100000"/>
         </a:lnSpc>
@@ -5622,7 +5772,7 @@
           <a:srgbClr val="000000"/>
         </a:buClr>
         <a:buFont typeface="Arial"/>
-        <a:defRPr b="0" i="0" sz="1400" u="none" cap="none" strike="noStrike">
+        <a:defRPr sz="1400" b="0" i="0" u="none" strike="noStrike" cap="none">
           <a:solidFill>
             <a:srgbClr val="000000"/>
           </a:solidFill>
@@ -5632,7 +5782,7 @@
           <a:sym typeface="Arial"/>
         </a:defRPr>
       </a:lvl2pPr>
-      <a:lvl3pPr lvl="2" marR="0" rtl="0" algn="l">
+      <a:lvl3pPr marR="0" lvl="2" algn="l" rtl="0">
         <a:lnSpc>
           <a:spcPct val="100000"/>
         </a:lnSpc>
@@ -5646,7 +5796,7 @@
           <a:srgbClr val="000000"/>
         </a:buClr>
         <a:buFont typeface="Arial"/>
-        <a:defRPr b="0" i="0" sz="1400" u="none" cap="none" strike="noStrike">
+        <a:defRPr sz="1400" b="0" i="0" u="none" strike="noStrike" cap="none">
           <a:solidFill>
             <a:srgbClr val="000000"/>
           </a:solidFill>
@@ -5656,7 +5806,7 @@
           <a:sym typeface="Arial"/>
         </a:defRPr>
       </a:lvl3pPr>
-      <a:lvl4pPr lvl="3" marR="0" rtl="0" algn="l">
+      <a:lvl4pPr marR="0" lvl="3" algn="l" rtl="0">
         <a:lnSpc>
           <a:spcPct val="100000"/>
         </a:lnSpc>
@@ -5670,7 +5820,7 @@
           <a:srgbClr val="000000"/>
         </a:buClr>
         <a:buFont typeface="Arial"/>
-        <a:defRPr b="0" i="0" sz="1400" u="none" cap="none" strike="noStrike">
+        <a:defRPr sz="1400" b="0" i="0" u="none" strike="noStrike" cap="none">
           <a:solidFill>
             <a:srgbClr val="000000"/>
           </a:solidFill>
@@ -5680,7 +5830,7 @@
           <a:sym typeface="Arial"/>
         </a:defRPr>
       </a:lvl4pPr>
-      <a:lvl5pPr lvl="4" marR="0" rtl="0" algn="l">
+      <a:lvl5pPr marR="0" lvl="4" algn="l" rtl="0">
         <a:lnSpc>
           <a:spcPct val="100000"/>
         </a:lnSpc>
@@ -5694,7 +5844,7 @@
           <a:srgbClr val="000000"/>
         </a:buClr>
         <a:buFont typeface="Arial"/>
-        <a:defRPr b="0" i="0" sz="1400" u="none" cap="none" strike="noStrike">
+        <a:defRPr sz="1400" b="0" i="0" u="none" strike="noStrike" cap="none">
           <a:solidFill>
             <a:srgbClr val="000000"/>
           </a:solidFill>
@@ -5704,7 +5854,7 @@
           <a:sym typeface="Arial"/>
         </a:defRPr>
       </a:lvl5pPr>
-      <a:lvl6pPr lvl="5" marR="0" rtl="0" algn="l">
+      <a:lvl6pPr marR="0" lvl="5" algn="l" rtl="0">
         <a:lnSpc>
           <a:spcPct val="100000"/>
         </a:lnSpc>
@@ -5718,7 +5868,7 @@
           <a:srgbClr val="000000"/>
         </a:buClr>
         <a:buFont typeface="Arial"/>
-        <a:defRPr b="0" i="0" sz="1400" u="none" cap="none" strike="noStrike">
+        <a:defRPr sz="1400" b="0" i="0" u="none" strike="noStrike" cap="none">
           <a:solidFill>
             <a:srgbClr val="000000"/>
           </a:solidFill>
@@ -5728,7 +5878,7 @@
           <a:sym typeface="Arial"/>
         </a:defRPr>
       </a:lvl6pPr>
-      <a:lvl7pPr lvl="6" marR="0" rtl="0" algn="l">
+      <a:lvl7pPr marR="0" lvl="6" algn="l" rtl="0">
         <a:lnSpc>
           <a:spcPct val="100000"/>
         </a:lnSpc>
@@ -5742,7 +5892,7 @@
           <a:srgbClr val="000000"/>
         </a:buClr>
         <a:buFont typeface="Arial"/>
-        <a:defRPr b="0" i="0" sz="1400" u="none" cap="none" strike="noStrike">
+        <a:defRPr sz="1400" b="0" i="0" u="none" strike="noStrike" cap="none">
           <a:solidFill>
             <a:srgbClr val="000000"/>
           </a:solidFill>
@@ -5752,7 +5902,7 @@
           <a:sym typeface="Arial"/>
         </a:defRPr>
       </a:lvl7pPr>
-      <a:lvl8pPr lvl="7" marR="0" rtl="0" algn="l">
+      <a:lvl8pPr marR="0" lvl="7" algn="l" rtl="0">
         <a:lnSpc>
           <a:spcPct val="100000"/>
         </a:lnSpc>
@@ -5766,7 +5916,7 @@
           <a:srgbClr val="000000"/>
         </a:buClr>
         <a:buFont typeface="Arial"/>
-        <a:defRPr b="0" i="0" sz="1400" u="none" cap="none" strike="noStrike">
+        <a:defRPr sz="1400" b="0" i="0" u="none" strike="noStrike" cap="none">
           <a:solidFill>
             <a:srgbClr val="000000"/>
           </a:solidFill>
@@ -5776,7 +5926,7 @@
           <a:sym typeface="Arial"/>
         </a:defRPr>
       </a:lvl8pPr>
-      <a:lvl9pPr lvl="8" marR="0" rtl="0" algn="l">
+      <a:lvl9pPr marR="0" lvl="8" algn="l" rtl="0">
         <a:lnSpc>
           <a:spcPct val="100000"/>
         </a:lnSpc>
@@ -5790,7 +5940,7 @@
           <a:srgbClr val="000000"/>
         </a:buClr>
         <a:buFont typeface="Arial"/>
-        <a:defRPr b="0" i="0" sz="1400" u="none" cap="none" strike="noStrike">
+        <a:defRPr sz="1400" b="0" i="0" u="none" strike="noStrike" cap="none">
           <a:solidFill>
             <a:srgbClr val="000000"/>
           </a:solidFill>
@@ -5802,7 +5952,7 @@
       </a:lvl9pPr>
     </p:bodyStyle>
     <p:otherStyle>
-      <a:defPPr lvl="0" marR="0" rtl="0" algn="l">
+      <a:defPPr marR="0" lvl="0" algn="l" rtl="0">
         <a:lnSpc>
           <a:spcPct val="100000"/>
         </a:lnSpc>
@@ -5813,7 +5963,7 @@
           <a:spcPts val="0"/>
         </a:spcAft>
       </a:defPPr>
-      <a:lvl1pPr lvl="0" marR="0" rtl="0" algn="l">
+      <a:lvl1pPr marR="0" lvl="0" algn="l" rtl="0">
         <a:lnSpc>
           <a:spcPct val="100000"/>
         </a:lnSpc>
@@ -5827,7 +5977,7 @@
           <a:srgbClr val="000000"/>
         </a:buClr>
         <a:buFont typeface="Arial"/>
-        <a:defRPr b="0" i="0" sz="1400" u="none" cap="none" strike="noStrike">
+        <a:defRPr sz="1400" b="0" i="0" u="none" strike="noStrike" cap="none">
           <a:solidFill>
             <a:srgbClr val="000000"/>
           </a:solidFill>
@@ -5837,7 +5987,7 @@
           <a:sym typeface="Arial"/>
         </a:defRPr>
       </a:lvl1pPr>
-      <a:lvl2pPr lvl="1" marR="0" rtl="0" algn="l">
+      <a:lvl2pPr marR="0" lvl="1" algn="l" rtl="0">
         <a:lnSpc>
           <a:spcPct val="100000"/>
         </a:lnSpc>
@@ -5851,7 +6001,7 @@
           <a:srgbClr val="000000"/>
         </a:buClr>
         <a:buFont typeface="Arial"/>
-        <a:defRPr b="0" i="0" sz="1400" u="none" cap="none" strike="noStrike">
+        <a:defRPr sz="1400" b="0" i="0" u="none" strike="noStrike" cap="none">
           <a:solidFill>
             <a:srgbClr val="000000"/>
           </a:solidFill>
@@ -5861,7 +6011,7 @@
           <a:sym typeface="Arial"/>
         </a:defRPr>
       </a:lvl2pPr>
-      <a:lvl3pPr lvl="2" marR="0" rtl="0" algn="l">
+      <a:lvl3pPr marR="0" lvl="2" algn="l" rtl="0">
         <a:lnSpc>
           <a:spcPct val="100000"/>
         </a:lnSpc>
@@ -5875,7 +6025,7 @@
           <a:srgbClr val="000000"/>
         </a:buClr>
         <a:buFont typeface="Arial"/>
-        <a:defRPr b="0" i="0" sz="1400" u="none" cap="none" strike="noStrike">
+        <a:defRPr sz="1400" b="0" i="0" u="none" strike="noStrike" cap="none">
           <a:solidFill>
             <a:srgbClr val="000000"/>
           </a:solidFill>
@@ -5885,7 +6035,7 @@
           <a:sym typeface="Arial"/>
         </a:defRPr>
       </a:lvl3pPr>
-      <a:lvl4pPr lvl="3" marR="0" rtl="0" algn="l">
+      <a:lvl4pPr marR="0" lvl="3" algn="l" rtl="0">
         <a:lnSpc>
           <a:spcPct val="100000"/>
         </a:lnSpc>
@@ -5899,7 +6049,7 @@
           <a:srgbClr val="000000"/>
         </a:buClr>
         <a:buFont typeface="Arial"/>
-        <a:defRPr b="0" i="0" sz="1400" u="none" cap="none" strike="noStrike">
+        <a:defRPr sz="1400" b="0" i="0" u="none" strike="noStrike" cap="none">
           <a:solidFill>
             <a:srgbClr val="000000"/>
           </a:solidFill>
@@ -5909,7 +6059,7 @@
           <a:sym typeface="Arial"/>
         </a:defRPr>
       </a:lvl4pPr>
-      <a:lvl5pPr lvl="4" marR="0" rtl="0" algn="l">
+      <a:lvl5pPr marR="0" lvl="4" algn="l" rtl="0">
         <a:lnSpc>
           <a:spcPct val="100000"/>
         </a:lnSpc>
@@ -5923,7 +6073,7 @@
           <a:srgbClr val="000000"/>
         </a:buClr>
         <a:buFont typeface="Arial"/>
-        <a:defRPr b="0" i="0" sz="1400" u="none" cap="none" strike="noStrike">
+        <a:defRPr sz="1400" b="0" i="0" u="none" strike="noStrike" cap="none">
           <a:solidFill>
             <a:srgbClr val="000000"/>
           </a:solidFill>
@@ -5933,7 +6083,7 @@
           <a:sym typeface="Arial"/>
         </a:defRPr>
       </a:lvl5pPr>
-      <a:lvl6pPr lvl="5" marR="0" rtl="0" algn="l">
+      <a:lvl6pPr marR="0" lvl="5" algn="l" rtl="0">
         <a:lnSpc>
           <a:spcPct val="100000"/>
         </a:lnSpc>
@@ -5947,7 +6097,7 @@
           <a:srgbClr val="000000"/>
         </a:buClr>
         <a:buFont typeface="Arial"/>
-        <a:defRPr b="0" i="0" sz="1400" u="none" cap="none" strike="noStrike">
+        <a:defRPr sz="1400" b="0" i="0" u="none" strike="noStrike" cap="none">
           <a:solidFill>
             <a:srgbClr val="000000"/>
           </a:solidFill>
@@ -5957,7 +6107,7 @@
           <a:sym typeface="Arial"/>
         </a:defRPr>
       </a:lvl6pPr>
-      <a:lvl7pPr lvl="6" marR="0" rtl="0" algn="l">
+      <a:lvl7pPr marR="0" lvl="6" algn="l" rtl="0">
         <a:lnSpc>
           <a:spcPct val="100000"/>
         </a:lnSpc>
@@ -5971,7 +6121,7 @@
           <a:srgbClr val="000000"/>
         </a:buClr>
         <a:buFont typeface="Arial"/>
-        <a:defRPr b="0" i="0" sz="1400" u="none" cap="none" strike="noStrike">
+        <a:defRPr sz="1400" b="0" i="0" u="none" strike="noStrike" cap="none">
           <a:solidFill>
             <a:srgbClr val="000000"/>
           </a:solidFill>
@@ -5981,7 +6131,7 @@
           <a:sym typeface="Arial"/>
         </a:defRPr>
       </a:lvl7pPr>
-      <a:lvl8pPr lvl="7" marR="0" rtl="0" algn="l">
+      <a:lvl8pPr marR="0" lvl="7" algn="l" rtl="0">
         <a:lnSpc>
           <a:spcPct val="100000"/>
         </a:lnSpc>
@@ -5995,7 +6145,7 @@
           <a:srgbClr val="000000"/>
         </a:buClr>
         <a:buFont typeface="Arial"/>
-        <a:defRPr b="0" i="0" sz="1400" u="none" cap="none" strike="noStrike">
+        <a:defRPr sz="1400" b="0" i="0" u="none" strike="noStrike" cap="none">
           <a:solidFill>
             <a:srgbClr val="000000"/>
           </a:solidFill>
@@ -6005,7 +6155,7 @@
           <a:sym typeface="Arial"/>
         </a:defRPr>
       </a:lvl8pPr>
-      <a:lvl9pPr lvl="8" marR="0" rtl="0" algn="l">
+      <a:lvl9pPr marR="0" lvl="8" algn="l" rtl="0">
         <a:lnSpc>
           <a:spcPct val="100000"/>
         </a:lnSpc>
@@ -6019,7 +6169,7 @@
           <a:srgbClr val="000000"/>
         </a:buClr>
         <a:buFont typeface="Arial"/>
-        <a:defRPr b="0" i="0" sz="1400" u="none" cap="none" strike="noStrike">
+        <a:defRPr sz="1400" b="0" i="0" u="none" strike="noStrike" cap="none">
           <a:solidFill>
             <a:srgbClr val="000000"/>
           </a:solidFill>
@@ -6035,11 +6185,11 @@
 </file>
 
 <file path=ppt/slides/slide1.xml><?xml version="1.0" encoding="utf-8"?>
-<p:sld xmlns:a="http://schemas.openxmlformats.org/drawingml/2006/main" xmlns:r="http://schemas.openxmlformats.org/officeDocument/2006/relationships" xmlns:mc="http://schemas.openxmlformats.org/markup-compatibility/2006" xmlns:mv="urn:schemas-microsoft-com:mac:vml" xmlns:p="http://schemas.openxmlformats.org/presentationml/2006/main" xmlns:c="http://schemas.openxmlformats.org/drawingml/2006/chart" xmlns:dgm="http://schemas.openxmlformats.org/drawingml/2006/diagram" xmlns:o="urn:schemas-microsoft-com:office:office" xmlns:v="urn:schemas-microsoft-com:vml" xmlns:pvml="urn:schemas-microsoft-com:office:powerpoint" xmlns:com="http://schemas.openxmlformats.org/drawingml/2006/compatibility" xmlns:p14="http://schemas.microsoft.com/office/powerpoint/2010/main" xmlns:p15="http://schemas.microsoft.com/office/powerpoint/2012/main" xmlns:ahyp="http://schemas.microsoft.com/office/drawing/2018/hyperlinkcolor">
+<p:sld xmlns:a="http://schemas.openxmlformats.org/drawingml/2006/main" xmlns:r="http://schemas.openxmlformats.org/officeDocument/2006/relationships" xmlns:p="http://schemas.openxmlformats.org/presentationml/2006/main">
   <p:cSld>
     <p:spTree>
       <p:nvGrpSpPr>
-        <p:cNvPr id="53" name="Shape 53"/>
+        <p:cNvPr id="1" name="Shape 53"/>
         <p:cNvGrpSpPr/>
         <p:nvPr/>
       </p:nvGrpSpPr>
@@ -6054,7 +6204,9 @@
       <p:sp>
         <p:nvSpPr>
           <p:cNvPr id="54" name="Google Shape;54;p13"/>
-          <p:cNvSpPr txBox="1"/>
+          <p:cNvSpPr txBox="1">
+            <a:spLocks noGrp="1"/>
+          </p:cNvSpPr>
           <p:nvPr>
             <p:ph type="ctrTitle"/>
           </p:nvPr>
@@ -6069,12 +6221,12 @@
           </a:prstGeom>
         </p:spPr>
         <p:txBody>
-          <a:bodyPr anchorCtr="0" anchor="b" bIns="91425" lIns="91425" spcFirstLastPara="1" rIns="91425" wrap="square" tIns="91425">
+          <a:bodyPr spcFirstLastPara="1" wrap="square" lIns="91425" tIns="91425" rIns="91425" bIns="91425" anchor="b" anchorCtr="0">
             <a:normAutofit/>
           </a:bodyPr>
           <a:lstStyle/>
           <a:p>
-            <a:pPr indent="0" lvl="0" marL="0" rtl="0" algn="ctr">
+            <a:pPr marL="0" lvl="0" indent="0" algn="ctr" rtl="0">
               <a:spcBef>
                 <a:spcPts val="0"/>
               </a:spcBef>
@@ -6094,9 +6246,11 @@
       <p:sp>
         <p:nvSpPr>
           <p:cNvPr id="55" name="Google Shape;55;p13"/>
-          <p:cNvSpPr txBox="1"/>
+          <p:cNvSpPr txBox="1">
+            <a:spLocks noGrp="1"/>
+          </p:cNvSpPr>
           <p:nvPr>
-            <p:ph idx="1" type="subTitle"/>
+            <p:ph type="subTitle" idx="1"/>
           </p:nvPr>
         </p:nvSpPr>
         <p:spPr>
@@ -6109,12 +6263,12 @@
           </a:prstGeom>
         </p:spPr>
         <p:txBody>
-          <a:bodyPr anchorCtr="0" anchor="t" bIns="91425" lIns="91425" spcFirstLastPara="1" rIns="91425" wrap="square" tIns="91425">
+          <a:bodyPr spcFirstLastPara="1" wrap="square" lIns="91425" tIns="91425" rIns="91425" bIns="91425" anchor="t" anchorCtr="0">
             <a:normAutofit/>
           </a:bodyPr>
           <a:lstStyle/>
           <a:p>
-            <a:pPr indent="0" lvl="0" marL="0" rtl="0" algn="ctr">
+            <a:pPr marL="0" lvl="0" indent="0" algn="ctr" rtl="0">
               <a:spcBef>
                 <a:spcPts val="0"/>
               </a:spcBef>
@@ -6123,10 +6277,7 @@
               </a:spcAft>
               <a:buNone/>
             </a:pPr>
-            <a:r>
-              <a:t/>
-            </a:r>
-            <a:endParaRPr/>
+            <a:endParaRPr dirty="0"/>
           </a:p>
         </p:txBody>
       </p:sp>
@@ -6139,11 +6290,11 @@
 </file>
 
 <file path=ppt/slides/slide2.xml><?xml version="1.0" encoding="utf-8"?>
-<p:sld xmlns:a="http://schemas.openxmlformats.org/drawingml/2006/main" xmlns:r="http://schemas.openxmlformats.org/officeDocument/2006/relationships" xmlns:mc="http://schemas.openxmlformats.org/markup-compatibility/2006" xmlns:mv="urn:schemas-microsoft-com:mac:vml" xmlns:p="http://schemas.openxmlformats.org/presentationml/2006/main" xmlns:c="http://schemas.openxmlformats.org/drawingml/2006/chart" xmlns:dgm="http://schemas.openxmlformats.org/drawingml/2006/diagram" xmlns:o="urn:schemas-microsoft-com:office:office" xmlns:v="urn:schemas-microsoft-com:vml" xmlns:pvml="urn:schemas-microsoft-com:office:powerpoint" xmlns:com="http://schemas.openxmlformats.org/drawingml/2006/compatibility" xmlns:p14="http://schemas.microsoft.com/office/powerpoint/2010/main" xmlns:p15="http://schemas.microsoft.com/office/powerpoint/2012/main" xmlns:ahyp="http://schemas.microsoft.com/office/drawing/2018/hyperlinkcolor">
+<p:sld xmlns:a="http://schemas.openxmlformats.org/drawingml/2006/main" xmlns:r="http://schemas.openxmlformats.org/officeDocument/2006/relationships" xmlns:p="http://schemas.openxmlformats.org/presentationml/2006/main">
   <p:cSld>
     <p:spTree>
       <p:nvGrpSpPr>
-        <p:cNvPr id="59" name="Shape 59"/>
+        <p:cNvPr id="1" name="Shape 59"/>
         <p:cNvGrpSpPr/>
         <p:nvPr/>
       </p:nvGrpSpPr>
@@ -6158,7 +6309,9 @@
       <p:sp>
         <p:nvSpPr>
           <p:cNvPr id="60" name="Google Shape;60;p14"/>
-          <p:cNvSpPr txBox="1"/>
+          <p:cNvSpPr txBox="1">
+            <a:spLocks noGrp="1"/>
+          </p:cNvSpPr>
           <p:nvPr>
             <p:ph type="title"/>
           </p:nvPr>
@@ -6173,12 +6326,12 @@
           </a:prstGeom>
         </p:spPr>
         <p:txBody>
-          <a:bodyPr anchorCtr="0" anchor="t" bIns="91425" lIns="91425" spcFirstLastPara="1" rIns="91425" wrap="square" tIns="91425">
+          <a:bodyPr spcFirstLastPara="1" wrap="square" lIns="91425" tIns="91425" rIns="91425" bIns="91425" anchor="t" anchorCtr="0">
             <a:normAutofit fontScale="90000"/>
           </a:bodyPr>
           <a:lstStyle/>
           <a:p>
-            <a:pPr indent="0" lvl="0" marL="0" rtl="0" algn="l">
+            <a:pPr marL="0" lvl="0" indent="0" algn="l" rtl="0">
               <a:spcBef>
                 <a:spcPts val="0"/>
               </a:spcBef>
@@ -6198,9 +6351,11 @@
       <p:sp>
         <p:nvSpPr>
           <p:cNvPr id="61" name="Google Shape;61;p14"/>
-          <p:cNvSpPr txBox="1"/>
+          <p:cNvSpPr txBox="1">
+            <a:spLocks noGrp="1"/>
+          </p:cNvSpPr>
           <p:nvPr>
-            <p:ph idx="1" type="body"/>
+            <p:ph type="body" idx="1"/>
           </p:nvPr>
         </p:nvSpPr>
         <p:spPr>
@@ -6213,12 +6368,12 @@
           </a:prstGeom>
         </p:spPr>
         <p:txBody>
-          <a:bodyPr anchorCtr="0" anchor="t" bIns="91425" lIns="91425" spcFirstLastPara="1" rIns="91425" wrap="square" tIns="91425">
+          <a:bodyPr spcFirstLastPara="1" wrap="square" lIns="91425" tIns="91425" rIns="91425" bIns="91425" anchor="t" anchorCtr="0">
             <a:normAutofit/>
           </a:bodyPr>
           <a:lstStyle/>
           <a:p>
-            <a:pPr indent="0" lvl="0" marL="0" rtl="0" algn="l">
+            <a:pPr marL="0" lvl="0" indent="0" algn="l" rtl="0">
               <a:spcBef>
                 <a:spcPts val="0"/>
               </a:spcBef>
@@ -6227,9 +6382,6 @@
               </a:spcAft>
               <a:buNone/>
             </a:pPr>
-            <a:r>
-              <a:t/>
-            </a:r>
             <a:endParaRPr/>
           </a:p>
         </p:txBody>
@@ -6243,11 +6395,11 @@
 </file>
 
 <file path=ppt/slides/slide3.xml><?xml version="1.0" encoding="utf-8"?>
-<p:sld xmlns:a="http://schemas.openxmlformats.org/drawingml/2006/main" xmlns:r="http://schemas.openxmlformats.org/officeDocument/2006/relationships" xmlns:mc="http://schemas.openxmlformats.org/markup-compatibility/2006" xmlns:mv="urn:schemas-microsoft-com:mac:vml" xmlns:p="http://schemas.openxmlformats.org/presentationml/2006/main" xmlns:c="http://schemas.openxmlformats.org/drawingml/2006/chart" xmlns:dgm="http://schemas.openxmlformats.org/drawingml/2006/diagram" xmlns:o="urn:schemas-microsoft-com:office:office" xmlns:v="urn:schemas-microsoft-com:vml" xmlns:pvml="urn:schemas-microsoft-com:office:powerpoint" xmlns:com="http://schemas.openxmlformats.org/drawingml/2006/compatibility" xmlns:p14="http://schemas.microsoft.com/office/powerpoint/2010/main" xmlns:p15="http://schemas.microsoft.com/office/powerpoint/2012/main" xmlns:ahyp="http://schemas.microsoft.com/office/drawing/2018/hyperlinkcolor">
+<p:sld xmlns:a="http://schemas.openxmlformats.org/drawingml/2006/main" xmlns:r="http://schemas.openxmlformats.org/officeDocument/2006/relationships" xmlns:p="http://schemas.openxmlformats.org/presentationml/2006/main">
   <p:cSld>
     <p:spTree>
       <p:nvGrpSpPr>
-        <p:cNvPr id="65" name="Shape 65"/>
+        <p:cNvPr id="1" name="Shape 65"/>
         <p:cNvGrpSpPr/>
         <p:nvPr/>
       </p:nvGrpSpPr>
@@ -6262,7 +6414,9 @@
       <p:sp>
         <p:nvSpPr>
           <p:cNvPr id="66" name="Google Shape;66;p15"/>
-          <p:cNvSpPr txBox="1"/>
+          <p:cNvSpPr txBox="1">
+            <a:spLocks noGrp="1"/>
+          </p:cNvSpPr>
           <p:nvPr>
             <p:ph type="title"/>
           </p:nvPr>
@@ -6277,12 +6431,12 @@
           </a:prstGeom>
         </p:spPr>
         <p:txBody>
-          <a:bodyPr anchorCtr="0" anchor="t" bIns="91425" lIns="91425" spcFirstLastPara="1" rIns="91425" wrap="square" tIns="91425">
+          <a:bodyPr spcFirstLastPara="1" wrap="square" lIns="91425" tIns="91425" rIns="91425" bIns="91425" anchor="t" anchorCtr="0">
             <a:normAutofit fontScale="90000"/>
           </a:bodyPr>
           <a:lstStyle/>
           <a:p>
-            <a:pPr indent="0" lvl="0" marL="0" rtl="0" algn="l">
+            <a:pPr marL="0" lvl="0" indent="0" algn="l" rtl="0">
               <a:spcBef>
                 <a:spcPts val="0"/>
               </a:spcBef>
@@ -6302,9 +6456,11 @@
       <p:sp>
         <p:nvSpPr>
           <p:cNvPr id="67" name="Google Shape;67;p15"/>
-          <p:cNvSpPr txBox="1"/>
+          <p:cNvSpPr txBox="1">
+            <a:spLocks noGrp="1"/>
+          </p:cNvSpPr>
           <p:nvPr>
-            <p:ph idx="1" type="body"/>
+            <p:ph type="body" idx="1"/>
           </p:nvPr>
         </p:nvSpPr>
         <p:spPr>
@@ -6317,12 +6473,12 @@
           </a:prstGeom>
         </p:spPr>
         <p:txBody>
-          <a:bodyPr anchorCtr="0" anchor="t" bIns="91425" lIns="91425" spcFirstLastPara="1" rIns="91425" wrap="square" tIns="91425">
+          <a:bodyPr spcFirstLastPara="1" wrap="square" lIns="91425" tIns="91425" rIns="91425" bIns="91425" anchor="t" anchorCtr="0">
             <a:normAutofit/>
           </a:bodyPr>
           <a:lstStyle/>
           <a:p>
-            <a:pPr indent="0" lvl="0" marL="0" rtl="0" algn="l">
+            <a:pPr marL="0" lvl="0" indent="0" algn="l" rtl="0">
               <a:spcBef>
                 <a:spcPts val="0"/>
               </a:spcBef>
@@ -6331,9 +6487,6 @@
               </a:spcAft>
               <a:buNone/>
             </a:pPr>
-            <a:r>
-              <a:t/>
-            </a:r>
             <a:endParaRPr/>
           </a:p>
         </p:txBody>
@@ -6347,11 +6500,11 @@
 </file>
 
 <file path=ppt/slides/slide4.xml><?xml version="1.0" encoding="utf-8"?>
-<p:sld xmlns:a="http://schemas.openxmlformats.org/drawingml/2006/main" xmlns:r="http://schemas.openxmlformats.org/officeDocument/2006/relationships" xmlns:mc="http://schemas.openxmlformats.org/markup-compatibility/2006" xmlns:mv="urn:schemas-microsoft-com:mac:vml" xmlns:p="http://schemas.openxmlformats.org/presentationml/2006/main" xmlns:c="http://schemas.openxmlformats.org/drawingml/2006/chart" xmlns:dgm="http://schemas.openxmlformats.org/drawingml/2006/diagram" xmlns:o="urn:schemas-microsoft-com:office:office" xmlns:v="urn:schemas-microsoft-com:vml" xmlns:pvml="urn:schemas-microsoft-com:office:powerpoint" xmlns:com="http://schemas.openxmlformats.org/drawingml/2006/compatibility" xmlns:p14="http://schemas.microsoft.com/office/powerpoint/2010/main" xmlns:p15="http://schemas.microsoft.com/office/powerpoint/2012/main" xmlns:ahyp="http://schemas.microsoft.com/office/drawing/2018/hyperlinkcolor">
+<p:sld xmlns:a="http://schemas.openxmlformats.org/drawingml/2006/main" xmlns:r="http://schemas.openxmlformats.org/officeDocument/2006/relationships" xmlns:p="http://schemas.openxmlformats.org/presentationml/2006/main">
   <p:cSld>
     <p:spTree>
       <p:nvGrpSpPr>
-        <p:cNvPr id="71" name="Shape 71"/>
+        <p:cNvPr id="1" name="Shape 71"/>
         <p:cNvGrpSpPr/>
         <p:nvPr/>
       </p:nvGrpSpPr>
@@ -6366,7 +6519,9 @@
       <p:sp>
         <p:nvSpPr>
           <p:cNvPr id="72" name="Google Shape;72;p16"/>
-          <p:cNvSpPr txBox="1"/>
+          <p:cNvSpPr txBox="1">
+            <a:spLocks noGrp="1"/>
+          </p:cNvSpPr>
           <p:nvPr>
             <p:ph type="title"/>
           </p:nvPr>
@@ -6381,12 +6536,12 @@
           </a:prstGeom>
         </p:spPr>
         <p:txBody>
-          <a:bodyPr anchorCtr="0" anchor="t" bIns="91425" lIns="91425" spcFirstLastPara="1" rIns="91425" wrap="square" tIns="91425">
+          <a:bodyPr spcFirstLastPara="1" wrap="square" lIns="91425" tIns="91425" rIns="91425" bIns="91425" anchor="t" anchorCtr="0">
             <a:normAutofit fontScale="90000"/>
           </a:bodyPr>
           <a:lstStyle/>
           <a:p>
-            <a:pPr indent="0" lvl="0" marL="0" rtl="0" algn="l">
+            <a:pPr marL="0" lvl="0" indent="0" algn="l" rtl="0">
               <a:spcBef>
                 <a:spcPts val="0"/>
               </a:spcBef>
@@ -6406,9 +6561,11 @@
       <p:sp>
         <p:nvSpPr>
           <p:cNvPr id="73" name="Google Shape;73;p16"/>
-          <p:cNvSpPr txBox="1"/>
+          <p:cNvSpPr txBox="1">
+            <a:spLocks noGrp="1"/>
+          </p:cNvSpPr>
           <p:nvPr>
-            <p:ph idx="1" type="body"/>
+            <p:ph type="body" idx="1"/>
           </p:nvPr>
         </p:nvSpPr>
         <p:spPr>
@@ -6421,12 +6578,12 @@
           </a:prstGeom>
         </p:spPr>
         <p:txBody>
-          <a:bodyPr anchorCtr="0" anchor="t" bIns="91425" lIns="91425" spcFirstLastPara="1" rIns="91425" wrap="square" tIns="91425">
+          <a:bodyPr spcFirstLastPara="1" wrap="square" lIns="91425" tIns="91425" rIns="91425" bIns="91425" anchor="t" anchorCtr="0">
             <a:normAutofit/>
           </a:bodyPr>
           <a:lstStyle/>
           <a:p>
-            <a:pPr indent="0" lvl="0" marL="0" rtl="0" algn="l">
+            <a:pPr marL="0" lvl="0" indent="0" algn="l" rtl="0">
               <a:spcBef>
                 <a:spcPts val="0"/>
               </a:spcBef>
@@ -6435,9 +6592,6 @@
               </a:spcAft>
               <a:buNone/>
             </a:pPr>
-            <a:r>
-              <a:t/>
-            </a:r>
             <a:endParaRPr/>
           </a:p>
         </p:txBody>
@@ -6451,11 +6605,11 @@
 </file>
 
 <file path=ppt/slides/slide5.xml><?xml version="1.0" encoding="utf-8"?>
-<p:sld xmlns:a="http://schemas.openxmlformats.org/drawingml/2006/main" xmlns:r="http://schemas.openxmlformats.org/officeDocument/2006/relationships" xmlns:mc="http://schemas.openxmlformats.org/markup-compatibility/2006" xmlns:mv="urn:schemas-microsoft-com:mac:vml" xmlns:p="http://schemas.openxmlformats.org/presentationml/2006/main" xmlns:c="http://schemas.openxmlformats.org/drawingml/2006/chart" xmlns:dgm="http://schemas.openxmlformats.org/drawingml/2006/diagram" xmlns:o="urn:schemas-microsoft-com:office:office" xmlns:v="urn:schemas-microsoft-com:vml" xmlns:pvml="urn:schemas-microsoft-com:office:powerpoint" xmlns:com="http://schemas.openxmlformats.org/drawingml/2006/compatibility" xmlns:p14="http://schemas.microsoft.com/office/powerpoint/2010/main" xmlns:p15="http://schemas.microsoft.com/office/powerpoint/2012/main" xmlns:ahyp="http://schemas.microsoft.com/office/drawing/2018/hyperlinkcolor">
+<p:sld xmlns:a="http://schemas.openxmlformats.org/drawingml/2006/main" xmlns:r="http://schemas.openxmlformats.org/officeDocument/2006/relationships" xmlns:p="http://schemas.openxmlformats.org/presentationml/2006/main">
   <p:cSld>
     <p:spTree>
       <p:nvGrpSpPr>
-        <p:cNvPr id="77" name="Shape 77"/>
+        <p:cNvPr id="1" name="Shape 77"/>
         <p:cNvGrpSpPr/>
         <p:nvPr/>
       </p:nvGrpSpPr>
@@ -6470,7 +6624,9 @@
       <p:sp>
         <p:nvSpPr>
           <p:cNvPr id="78" name="Google Shape;78;p17"/>
-          <p:cNvSpPr txBox="1"/>
+          <p:cNvSpPr txBox="1">
+            <a:spLocks noGrp="1"/>
+          </p:cNvSpPr>
           <p:nvPr>
             <p:ph type="title"/>
           </p:nvPr>
@@ -6485,12 +6641,12 @@
           </a:prstGeom>
         </p:spPr>
         <p:txBody>
-          <a:bodyPr anchorCtr="0" anchor="t" bIns="91425" lIns="91425" spcFirstLastPara="1" rIns="91425" wrap="square" tIns="91425">
+          <a:bodyPr spcFirstLastPara="1" wrap="square" lIns="91425" tIns="91425" rIns="91425" bIns="91425" anchor="t" anchorCtr="0">
             <a:normAutofit fontScale="90000"/>
           </a:bodyPr>
           <a:lstStyle/>
           <a:p>
-            <a:pPr indent="0" lvl="0" marL="0" rtl="0" algn="l">
+            <a:pPr marL="0" lvl="0" indent="0" algn="l" rtl="0">
               <a:spcBef>
                 <a:spcPts val="0"/>
               </a:spcBef>
@@ -6506,11 +6662,7 @@
             </a:pPr>
             <a:r>
               <a:rPr lang="es"/>
-              <a:t>Plot</a:t>
-            </a:r>
-            <a:r>
-              <a:rPr lang="es"/>
-              <a:t>_features_num_regression</a:t>
+              <a:t>Plot_features_num_regression</a:t>
             </a:r>
             <a:endParaRPr/>
           </a:p>
@@ -6519,9 +6671,11 @@
       <p:sp>
         <p:nvSpPr>
           <p:cNvPr id="79" name="Google Shape;79;p17"/>
-          <p:cNvSpPr txBox="1"/>
+          <p:cNvSpPr txBox="1">
+            <a:spLocks noGrp="1"/>
+          </p:cNvSpPr>
           <p:nvPr>
-            <p:ph idx="1" type="body"/>
+            <p:ph type="body" idx="1"/>
           </p:nvPr>
         </p:nvSpPr>
         <p:spPr>
@@ -6534,12 +6688,12 @@
           </a:prstGeom>
         </p:spPr>
         <p:txBody>
-          <a:bodyPr anchorCtr="0" anchor="t" bIns="91425" lIns="91425" spcFirstLastPara="1" rIns="91425" wrap="square" tIns="91425">
+          <a:bodyPr spcFirstLastPara="1" wrap="square" lIns="91425" tIns="91425" rIns="91425" bIns="91425" anchor="t" anchorCtr="0">
             <a:normAutofit/>
           </a:bodyPr>
           <a:lstStyle/>
           <a:p>
-            <a:pPr indent="0" lvl="0" marL="0" rtl="0" algn="l">
+            <a:pPr marL="0" lvl="0" indent="0" algn="l" rtl="0">
               <a:spcBef>
                 <a:spcPts val="0"/>
               </a:spcBef>
@@ -6548,9 +6702,6 @@
               </a:spcAft>
               <a:buNone/>
             </a:pPr>
-            <a:r>
-              <a:t/>
-            </a:r>
             <a:endParaRPr/>
           </a:p>
         </p:txBody>
@@ -6564,11 +6715,11 @@
 </file>
 
 <file path=ppt/slides/slide6.xml><?xml version="1.0" encoding="utf-8"?>
-<p:sld xmlns:a="http://schemas.openxmlformats.org/drawingml/2006/main" xmlns:r="http://schemas.openxmlformats.org/officeDocument/2006/relationships" xmlns:mc="http://schemas.openxmlformats.org/markup-compatibility/2006" xmlns:mv="urn:schemas-microsoft-com:mac:vml" xmlns:p="http://schemas.openxmlformats.org/presentationml/2006/main" xmlns:c="http://schemas.openxmlformats.org/drawingml/2006/chart" xmlns:dgm="http://schemas.openxmlformats.org/drawingml/2006/diagram" xmlns:o="urn:schemas-microsoft-com:office:office" xmlns:v="urn:schemas-microsoft-com:vml" xmlns:pvml="urn:schemas-microsoft-com:office:powerpoint" xmlns:com="http://schemas.openxmlformats.org/drawingml/2006/compatibility" xmlns:p14="http://schemas.microsoft.com/office/powerpoint/2010/main" xmlns:p15="http://schemas.microsoft.com/office/powerpoint/2012/main" xmlns:ahyp="http://schemas.microsoft.com/office/drawing/2018/hyperlinkcolor">
+<p:sld xmlns:a="http://schemas.openxmlformats.org/drawingml/2006/main" xmlns:r="http://schemas.openxmlformats.org/officeDocument/2006/relationships" xmlns:p="http://schemas.openxmlformats.org/presentationml/2006/main">
   <p:cSld>
     <p:spTree>
       <p:nvGrpSpPr>
-        <p:cNvPr id="83" name="Shape 83"/>
+        <p:cNvPr id="1" name="Shape 83"/>
         <p:cNvGrpSpPr/>
         <p:nvPr/>
       </p:nvGrpSpPr>
@@ -6583,7 +6734,9 @@
       <p:sp>
         <p:nvSpPr>
           <p:cNvPr id="84" name="Google Shape;84;p18"/>
-          <p:cNvSpPr txBox="1"/>
+          <p:cNvSpPr txBox="1">
+            <a:spLocks noGrp="1"/>
+          </p:cNvSpPr>
           <p:nvPr>
             <p:ph type="title"/>
           </p:nvPr>
@@ -6598,12 +6751,12 @@
           </a:prstGeom>
         </p:spPr>
         <p:txBody>
-          <a:bodyPr anchorCtr="0" anchor="t" bIns="91425" lIns="91425" spcFirstLastPara="1" rIns="91425" wrap="square" tIns="91425">
+          <a:bodyPr spcFirstLastPara="1" wrap="square" lIns="91425" tIns="91425" rIns="91425" bIns="91425" anchor="t" anchorCtr="0">
             <a:normAutofit fontScale="90000"/>
           </a:bodyPr>
           <a:lstStyle/>
           <a:p>
-            <a:pPr indent="0" lvl="0" marL="0" rtl="0" algn="l">
+            <a:pPr marL="0" lvl="0" indent="0" algn="l" rtl="0">
               <a:spcBef>
                 <a:spcPts val="0"/>
               </a:spcBef>
@@ -6628,9 +6781,11 @@
       <p:sp>
         <p:nvSpPr>
           <p:cNvPr id="85" name="Google Shape;85;p18"/>
-          <p:cNvSpPr txBox="1"/>
+          <p:cNvSpPr txBox="1">
+            <a:spLocks noGrp="1"/>
+          </p:cNvSpPr>
           <p:nvPr>
-            <p:ph idx="1" type="body"/>
+            <p:ph type="body" idx="1"/>
           </p:nvPr>
         </p:nvSpPr>
         <p:spPr>
@@ -6643,12 +6798,12 @@
           </a:prstGeom>
         </p:spPr>
         <p:txBody>
-          <a:bodyPr anchorCtr="0" anchor="t" bIns="91425" lIns="91425" spcFirstLastPara="1" rIns="91425" wrap="square" tIns="91425">
+          <a:bodyPr spcFirstLastPara="1" wrap="square" lIns="91425" tIns="91425" rIns="91425" bIns="91425" anchor="t" anchorCtr="0">
             <a:normAutofit/>
           </a:bodyPr>
           <a:lstStyle/>
           <a:p>
-            <a:pPr indent="0" lvl="0" marL="0" rtl="0" algn="l">
+            <a:pPr marL="0" lvl="0" indent="0" algn="l" rtl="0">
               <a:spcBef>
                 <a:spcPts val="0"/>
               </a:spcBef>
@@ -6657,9 +6812,6 @@
               </a:spcAft>
               <a:buNone/>
             </a:pPr>
-            <a:r>
-              <a:t/>
-            </a:r>
             <a:endParaRPr/>
           </a:p>
         </p:txBody>
@@ -6673,11 +6825,11 @@
 </file>
 
 <file path=ppt/slides/slide7.xml><?xml version="1.0" encoding="utf-8"?>
-<p:sld xmlns:a="http://schemas.openxmlformats.org/drawingml/2006/main" xmlns:r="http://schemas.openxmlformats.org/officeDocument/2006/relationships" xmlns:mc="http://schemas.openxmlformats.org/markup-compatibility/2006" xmlns:mv="urn:schemas-microsoft-com:mac:vml" xmlns:p="http://schemas.openxmlformats.org/presentationml/2006/main" xmlns:c="http://schemas.openxmlformats.org/drawingml/2006/chart" xmlns:dgm="http://schemas.openxmlformats.org/drawingml/2006/diagram" xmlns:o="urn:schemas-microsoft-com:office:office" xmlns:v="urn:schemas-microsoft-com:vml" xmlns:pvml="urn:schemas-microsoft-com:office:powerpoint" xmlns:com="http://schemas.openxmlformats.org/drawingml/2006/compatibility" xmlns:p14="http://schemas.microsoft.com/office/powerpoint/2010/main" xmlns:p15="http://schemas.microsoft.com/office/powerpoint/2012/main" xmlns:ahyp="http://schemas.microsoft.com/office/drawing/2018/hyperlinkcolor">
+<p:sld xmlns:a="http://schemas.openxmlformats.org/drawingml/2006/main" xmlns:r="http://schemas.openxmlformats.org/officeDocument/2006/relationships" xmlns:p="http://schemas.openxmlformats.org/presentationml/2006/main">
   <p:cSld>
     <p:spTree>
       <p:nvGrpSpPr>
-        <p:cNvPr id="89" name="Shape 89"/>
+        <p:cNvPr id="1" name="Shape 89"/>
         <p:cNvGrpSpPr/>
         <p:nvPr/>
       </p:nvGrpSpPr>
@@ -6692,7 +6844,9 @@
       <p:sp>
         <p:nvSpPr>
           <p:cNvPr id="90" name="Google Shape;90;p19"/>
-          <p:cNvSpPr txBox="1"/>
+          <p:cNvSpPr txBox="1">
+            <a:spLocks noGrp="1"/>
+          </p:cNvSpPr>
           <p:nvPr>
             <p:ph type="title"/>
           </p:nvPr>
@@ -6707,12 +6861,12 @@
           </a:prstGeom>
         </p:spPr>
         <p:txBody>
-          <a:bodyPr anchorCtr="0" anchor="t" bIns="91425" lIns="91425" spcFirstLastPara="1" rIns="91425" wrap="square" tIns="91425">
+          <a:bodyPr spcFirstLastPara="1" wrap="square" lIns="91425" tIns="91425" rIns="91425" bIns="91425" anchor="t" anchorCtr="0">
             <a:normAutofit fontScale="90000"/>
           </a:bodyPr>
           <a:lstStyle/>
           <a:p>
-            <a:pPr indent="0" lvl="0" marL="0" rtl="0" algn="l">
+            <a:pPr marL="0" lvl="0" indent="0" algn="l" rtl="0">
               <a:spcBef>
                 <a:spcPts val="0"/>
               </a:spcBef>
@@ -6728,11 +6882,7 @@
             </a:pPr>
             <a:r>
               <a:rPr lang="es"/>
-              <a:t>Plot</a:t>
-            </a:r>
-            <a:r>
-              <a:rPr lang="es"/>
-              <a:t>_features_cat_regression</a:t>
+              <a:t>Plot_features_cat_regression</a:t>
             </a:r>
             <a:endParaRPr/>
           </a:p>
@@ -6741,9 +6891,11 @@
       <p:sp>
         <p:nvSpPr>
           <p:cNvPr id="91" name="Google Shape;91;p19"/>
-          <p:cNvSpPr txBox="1"/>
+          <p:cNvSpPr txBox="1">
+            <a:spLocks noGrp="1"/>
+          </p:cNvSpPr>
           <p:nvPr>
-            <p:ph idx="1" type="body"/>
+            <p:ph type="body" idx="1"/>
           </p:nvPr>
         </p:nvSpPr>
         <p:spPr>
@@ -6756,12 +6908,12 @@
           </a:prstGeom>
         </p:spPr>
         <p:txBody>
-          <a:bodyPr anchorCtr="0" anchor="t" bIns="91425" lIns="91425" spcFirstLastPara="1" rIns="91425" wrap="square" tIns="91425">
+          <a:bodyPr spcFirstLastPara="1" wrap="square" lIns="91425" tIns="91425" rIns="91425" bIns="91425" anchor="t" anchorCtr="0">
             <a:normAutofit/>
           </a:bodyPr>
           <a:lstStyle/>
           <a:p>
-            <a:pPr indent="0" lvl="0" marL="0" rtl="0" algn="l">
+            <a:pPr marL="0" lvl="0" indent="0" algn="l" rtl="0">
               <a:spcBef>
                 <a:spcPts val="0"/>
               </a:spcBef>
@@ -6770,9 +6922,6 @@
               </a:spcAft>
               <a:buNone/>
             </a:pPr>
-            <a:r>
-              <a:t/>
-            </a:r>
             <a:endParaRPr/>
           </a:p>
         </p:txBody>
@@ -6786,7 +6935,7 @@
 </file>
 
 <file path=ppt/theme/theme1.xml><?xml version="1.0" encoding="utf-8"?>
-<a:theme xmlns:a="http://schemas.openxmlformats.org/drawingml/2006/main" xmlns:r="http://schemas.openxmlformats.org/officeDocument/2006/relationships" name="Simple Light">
+<a:theme xmlns:a="http://schemas.openxmlformats.org/drawingml/2006/main" name="Simple Light">
   <a:themeElements>
     <a:clrScheme name="Simple Light">
       <a:dk1>
@@ -7061,11 +7210,13 @@
       </a:bgFillStyleLst>
     </a:fmtScheme>
   </a:themeElements>
+  <a:objectDefaults/>
+  <a:extraClrSchemeLst/>
 </a:theme>
 </file>
 
 <file path=ppt/theme/theme2.xml><?xml version="1.0" encoding="utf-8"?>
-<a:theme xmlns:a="http://schemas.openxmlformats.org/drawingml/2006/main" xmlns:r="http://schemas.openxmlformats.org/officeDocument/2006/relationships">
+<a:theme xmlns:a="http://schemas.openxmlformats.org/drawingml/2006/main">
   <a:themeElements>
     <a:clrScheme name="Default">
       <a:dk1>
@@ -7340,5 +7491,7 @@
       </a:bgFillStyleLst>
     </a:fmtScheme>
   </a:themeElements>
+  <a:objectDefaults/>
+  <a:extraClrSchemeLst/>
 </a:theme>
 </file>
--- a/Team_Lasso.pptx
+++ b/Team_Lasso.pptx
@@ -1,25 +1,25 @@
 
 <file path=ppt/presentation.xml><?xml version="1.0" encoding="utf-8"?>
-<p:presentation xmlns:a="http://schemas.openxmlformats.org/drawingml/2006/main" xmlns:r="http://schemas.openxmlformats.org/officeDocument/2006/relationships" xmlns:mc="http://schemas.openxmlformats.org/markup-compatibility/2006" xmlns:mv="urn:schemas-microsoft-com:mac:vml" xmlns:p="http://schemas.openxmlformats.org/presentationml/2006/main" xmlns:c="http://schemas.openxmlformats.org/drawingml/2006/chart" xmlns:dgm="http://schemas.openxmlformats.org/drawingml/2006/diagram" xmlns:o="urn:schemas-microsoft-com:office:office" xmlns:v="urn:schemas-microsoft-com:vml" xmlns:pvml="urn:schemas-microsoft-com:office:powerpoint" xmlns:com="http://schemas.openxmlformats.org/drawingml/2006/compatibility" xmlns:p14="http://schemas.microsoft.com/office/powerpoint/2010/main" xmlns:p15="http://schemas.microsoft.com/office/powerpoint/2012/main" xmlns:ahyp="http://schemas.microsoft.com/office/drawing/2018/hyperlinkcolor" autoCompressPictures="0" strictFirstAndLastChars="0" saveSubsetFonts="1">
+<p:presentation xmlns:a="http://schemas.openxmlformats.org/drawingml/2006/main" xmlns:r="http://schemas.openxmlformats.org/officeDocument/2006/relationships" xmlns:p="http://schemas.openxmlformats.org/presentationml/2006/main" strictFirstAndLastChars="0" saveSubsetFonts="1" autoCompressPictures="0">
   <p:sldMasterIdLst>
-    <p:sldMasterId id="2147483659" r:id="rId4"/>
+    <p:sldMasterId id="2147483659" r:id="rId1"/>
   </p:sldMasterIdLst>
   <p:notesMasterIdLst>
-    <p:notesMasterId r:id="rId5"/>
+    <p:notesMasterId r:id="rId9"/>
   </p:notesMasterIdLst>
   <p:sldIdLst>
-    <p:sldId id="256" r:id="rId6"/>
-    <p:sldId id="257" r:id="rId7"/>
-    <p:sldId id="258" r:id="rId8"/>
-    <p:sldId id="259" r:id="rId9"/>
-    <p:sldId id="260" r:id="rId10"/>
-    <p:sldId id="261" r:id="rId11"/>
-    <p:sldId id="262" r:id="rId12"/>
+    <p:sldId id="256" r:id="rId2"/>
+    <p:sldId id="257" r:id="rId3"/>
+    <p:sldId id="258" r:id="rId4"/>
+    <p:sldId id="259" r:id="rId5"/>
+    <p:sldId id="260" r:id="rId6"/>
+    <p:sldId id="261" r:id="rId7"/>
+    <p:sldId id="262" r:id="rId8"/>
   </p:sldIdLst>
-  <p:sldSz cy="5143500" cx="9144000"/>
+  <p:sldSz cx="9144000" cy="5143500" type="screen16x9"/>
   <p:notesSz cx="6858000" cy="9144000"/>
   <p:defaultTextStyle>
-    <a:defPPr lvl="0" marR="0" rtl="0" algn="l">
+    <a:defPPr marR="0" lvl="0" algn="l" rtl="0">
       <a:lnSpc>
         <a:spcPct val="100000"/>
       </a:lnSpc>
@@ -30,7 +30,7 @@
         <a:spcPts val="0"/>
       </a:spcAft>
     </a:defPPr>
-    <a:lvl1pPr lvl="0" marR="0" rtl="0" algn="l">
+    <a:lvl1pPr marR="0" lvl="0" algn="l" rtl="0">
       <a:lnSpc>
         <a:spcPct val="100000"/>
       </a:lnSpc>
@@ -44,7 +44,7 @@
         <a:srgbClr val="000000"/>
       </a:buClr>
       <a:buFont typeface="Arial"/>
-      <a:defRPr b="0" i="0" sz="1400" u="none" cap="none" strike="noStrike">
+      <a:defRPr sz="1400" b="0" i="0" u="none" strike="noStrike" cap="none">
         <a:solidFill>
           <a:srgbClr val="000000"/>
         </a:solidFill>
@@ -54,7 +54,7 @@
         <a:sym typeface="Arial"/>
       </a:defRPr>
     </a:lvl1pPr>
-    <a:lvl2pPr lvl="1" marR="0" rtl="0" algn="l">
+    <a:lvl2pPr marR="0" lvl="1" algn="l" rtl="0">
       <a:lnSpc>
         <a:spcPct val="100000"/>
       </a:lnSpc>
@@ -68,7 +68,7 @@
         <a:srgbClr val="000000"/>
       </a:buClr>
       <a:buFont typeface="Arial"/>
-      <a:defRPr b="0" i="0" sz="1400" u="none" cap="none" strike="noStrike">
+      <a:defRPr sz="1400" b="0" i="0" u="none" strike="noStrike" cap="none">
         <a:solidFill>
           <a:srgbClr val="000000"/>
         </a:solidFill>
@@ -78,7 +78,7 @@
         <a:sym typeface="Arial"/>
       </a:defRPr>
     </a:lvl2pPr>
-    <a:lvl3pPr lvl="2" marR="0" rtl="0" algn="l">
+    <a:lvl3pPr marR="0" lvl="2" algn="l" rtl="0">
       <a:lnSpc>
         <a:spcPct val="100000"/>
       </a:lnSpc>
@@ -92,7 +92,7 @@
         <a:srgbClr val="000000"/>
       </a:buClr>
       <a:buFont typeface="Arial"/>
-      <a:defRPr b="0" i="0" sz="1400" u="none" cap="none" strike="noStrike">
+      <a:defRPr sz="1400" b="0" i="0" u="none" strike="noStrike" cap="none">
         <a:solidFill>
           <a:srgbClr val="000000"/>
         </a:solidFill>
@@ -102,7 +102,7 @@
         <a:sym typeface="Arial"/>
       </a:defRPr>
     </a:lvl3pPr>
-    <a:lvl4pPr lvl="3" marR="0" rtl="0" algn="l">
+    <a:lvl4pPr marR="0" lvl="3" algn="l" rtl="0">
       <a:lnSpc>
         <a:spcPct val="100000"/>
       </a:lnSpc>
@@ -116,7 +116,7 @@
         <a:srgbClr val="000000"/>
       </a:buClr>
       <a:buFont typeface="Arial"/>
-      <a:defRPr b="0" i="0" sz="1400" u="none" cap="none" strike="noStrike">
+      <a:defRPr sz="1400" b="0" i="0" u="none" strike="noStrike" cap="none">
         <a:solidFill>
           <a:srgbClr val="000000"/>
         </a:solidFill>
@@ -126,7 +126,7 @@
         <a:sym typeface="Arial"/>
       </a:defRPr>
     </a:lvl4pPr>
-    <a:lvl5pPr lvl="4" marR="0" rtl="0" algn="l">
+    <a:lvl5pPr marR="0" lvl="4" algn="l" rtl="0">
       <a:lnSpc>
         <a:spcPct val="100000"/>
       </a:lnSpc>
@@ -140,7 +140,7 @@
         <a:srgbClr val="000000"/>
       </a:buClr>
       <a:buFont typeface="Arial"/>
-      <a:defRPr b="0" i="0" sz="1400" u="none" cap="none" strike="noStrike">
+      <a:defRPr sz="1400" b="0" i="0" u="none" strike="noStrike" cap="none">
         <a:solidFill>
           <a:srgbClr val="000000"/>
         </a:solidFill>
@@ -150,7 +150,7 @@
         <a:sym typeface="Arial"/>
       </a:defRPr>
     </a:lvl5pPr>
-    <a:lvl6pPr lvl="5" marR="0" rtl="0" algn="l">
+    <a:lvl6pPr marR="0" lvl="5" algn="l" rtl="0">
       <a:lnSpc>
         <a:spcPct val="100000"/>
       </a:lnSpc>
@@ -164,7 +164,7 @@
         <a:srgbClr val="000000"/>
       </a:buClr>
       <a:buFont typeface="Arial"/>
-      <a:defRPr b="0" i="0" sz="1400" u="none" cap="none" strike="noStrike">
+      <a:defRPr sz="1400" b="0" i="0" u="none" strike="noStrike" cap="none">
         <a:solidFill>
           <a:srgbClr val="000000"/>
         </a:solidFill>
@@ -174,7 +174,7 @@
         <a:sym typeface="Arial"/>
       </a:defRPr>
     </a:lvl6pPr>
-    <a:lvl7pPr lvl="6" marR="0" rtl="0" algn="l">
+    <a:lvl7pPr marR="0" lvl="6" algn="l" rtl="0">
       <a:lnSpc>
         <a:spcPct val="100000"/>
       </a:lnSpc>
@@ -188,7 +188,7 @@
         <a:srgbClr val="000000"/>
       </a:buClr>
       <a:buFont typeface="Arial"/>
-      <a:defRPr b="0" i="0" sz="1400" u="none" cap="none" strike="noStrike">
+      <a:defRPr sz="1400" b="0" i="0" u="none" strike="noStrike" cap="none">
         <a:solidFill>
           <a:srgbClr val="000000"/>
         </a:solidFill>
@@ -198,7 +198,7 @@
         <a:sym typeface="Arial"/>
       </a:defRPr>
     </a:lvl7pPr>
-    <a:lvl8pPr lvl="7" marR="0" rtl="0" algn="l">
+    <a:lvl8pPr marR="0" lvl="7" algn="l" rtl="0">
       <a:lnSpc>
         <a:spcPct val="100000"/>
       </a:lnSpc>
@@ -212,7 +212,7 @@
         <a:srgbClr val="000000"/>
       </a:buClr>
       <a:buFont typeface="Arial"/>
-      <a:defRPr b="0" i="0" sz="1400" u="none" cap="none" strike="noStrike">
+      <a:defRPr sz="1400" b="0" i="0" u="none" strike="noStrike" cap="none">
         <a:solidFill>
           <a:srgbClr val="000000"/>
         </a:solidFill>
@@ -222,7 +222,7 @@
         <a:sym typeface="Arial"/>
       </a:defRPr>
     </a:lvl8pPr>
-    <a:lvl9pPr lvl="8" marR="0" rtl="0" algn="l">
+    <a:lvl9pPr marR="0" lvl="8" algn="l" rtl="0">
       <a:lnSpc>
         <a:spcPct val="100000"/>
       </a:lnSpc>
@@ -236,7 +236,7 @@
         <a:srgbClr val="000000"/>
       </a:buClr>
       <a:buFont typeface="Arial"/>
-      <a:defRPr b="0" i="0" sz="1400" u="none" cap="none" strike="noStrike">
+      <a:defRPr sz="1400" b="0" i="0" u="none" strike="noStrike" cap="none">
         <a:solidFill>
           <a:srgbClr val="000000"/>
         </a:solidFill>
@@ -249,7 +249,7 @@
   </p:defaultTextStyle>
   <p:extLst>
     <p:ext uri="{EFAFB233-063F-42B5-8137-9DF3F51BA10A}">
-      <p15:sldGuideLst>
+      <p15:sldGuideLst xmlns:p15="http://schemas.microsoft.com/office/powerpoint/2012/main">
         <p15:guide id="1" orient="horz" pos="1620">
           <p15:clr>
             <a:srgbClr val="747775"/>
@@ -267,11 +267,16 @@
 </file>
 
 <file path=ppt/notesMasters/notesMaster1.xml><?xml version="1.0" encoding="utf-8"?>
-<p:notesMaster xmlns:a="http://schemas.openxmlformats.org/drawingml/2006/main" xmlns:r="http://schemas.openxmlformats.org/officeDocument/2006/relationships" xmlns:mc="http://schemas.openxmlformats.org/markup-compatibility/2006" xmlns:mv="urn:schemas-microsoft-com:mac:vml" xmlns:p="http://schemas.openxmlformats.org/presentationml/2006/main" xmlns:c="http://schemas.openxmlformats.org/drawingml/2006/chart" xmlns:dgm="http://schemas.openxmlformats.org/drawingml/2006/diagram" xmlns:o="urn:schemas-microsoft-com:office:office" xmlns:v="urn:schemas-microsoft-com:vml" xmlns:pvml="urn:schemas-microsoft-com:office:powerpoint" xmlns:com="http://schemas.openxmlformats.org/drawingml/2006/compatibility" xmlns:p14="http://schemas.microsoft.com/office/powerpoint/2010/main" xmlns:p15="http://schemas.microsoft.com/office/powerpoint/2012/main" xmlns:ahyp="http://schemas.microsoft.com/office/drawing/2018/hyperlinkcolor">
+<p:notesMaster xmlns:a="http://schemas.openxmlformats.org/drawingml/2006/main" xmlns:r="http://schemas.openxmlformats.org/officeDocument/2006/relationships" xmlns:p="http://schemas.openxmlformats.org/presentationml/2006/main">
   <p:cSld>
+    <p:bg>
+      <p:bgRef idx="1001">
+        <a:schemeClr val="bg1"/>
+      </p:bgRef>
+    </p:bg>
     <p:spTree>
       <p:nvGrpSpPr>
-        <p:cNvPr id="2" name="Shape 2"/>
+        <p:cNvPr id="1" name="Shape 2"/>
         <p:cNvGrpSpPr/>
         <p:nvPr/>
       </p:nvGrpSpPr>
@@ -286,9 +291,11 @@
       <p:sp>
         <p:nvSpPr>
           <p:cNvPr id="3" name="Google Shape;3;n"/>
-          <p:cNvSpPr/>
+          <p:cNvSpPr>
+            <a:spLocks noGrp="1" noRot="1" noChangeAspect="1"/>
+          </p:cNvSpPr>
           <p:nvPr>
-            <p:ph idx="2" type="sldImg"/>
+            <p:ph type="sldImg" idx="2"/>
           </p:nvPr>
         </p:nvSpPr>
         <p:spPr>
@@ -297,9 +304,13 @@
             <a:ext cx="6096075" cy="3429000"/>
           </a:xfrm>
           <a:custGeom>
-            <a:rect b="b" l="l" r="r" t="t"/>
+            <a:avLst/>
+            <a:gdLst/>
+            <a:ahLst/>
+            <a:cxnLst/>
+            <a:rect l="l" t="t" r="r" b="b"/>
             <a:pathLst>
-              <a:path extrusionOk="0" h="120000" w="120000">
+              <a:path w="120000" h="120000" extrusionOk="0">
                 <a:moveTo>
                   <a:pt x="0" y="0"/>
                 </a:moveTo>
@@ -317,23 +328,25 @@
             </a:pathLst>
           </a:custGeom>
           <a:noFill/>
-          <a:ln cap="flat" cmpd="sng" w="9525">
+          <a:ln w="9525" cap="flat" cmpd="sng">
             <a:solidFill>
               <a:srgbClr val="000000"/>
             </a:solidFill>
             <a:prstDash val="solid"/>
             <a:round/>
-            <a:headEnd len="sm" w="sm" type="none"/>
-            <a:tailEnd len="sm" w="sm" type="none"/>
+            <a:headEnd type="none" w="sm" len="sm"/>
+            <a:tailEnd type="none" w="sm" len="sm"/>
           </a:ln>
         </p:spPr>
       </p:sp>
       <p:sp>
         <p:nvSpPr>
           <p:cNvPr id="4" name="Google Shape;4;n"/>
-          <p:cNvSpPr txBox="1"/>
+          <p:cNvSpPr txBox="1">
+            <a:spLocks noGrp="1"/>
+          </p:cNvSpPr>
           <p:nvPr>
-            <p:ph idx="1" type="body"/>
+            <p:ph type="body" idx="1"/>
           </p:nvPr>
         </p:nvSpPr>
         <p:spPr>
@@ -350,11 +363,11 @@
           </a:ln>
         </p:spPr>
         <p:txBody>
-          <a:bodyPr anchorCtr="0" anchor="t" bIns="91425" lIns="91425" spcFirstLastPara="1" rIns="91425" wrap="square" tIns="91425">
+          <a:bodyPr spcFirstLastPara="1" wrap="square" lIns="91425" tIns="91425" rIns="91425" bIns="91425" anchor="t" anchorCtr="0">
             <a:noAutofit/>
           </a:bodyPr>
           <a:lstStyle>
-            <a:lvl1pPr indent="-298450" lvl="0" marL="457200">
+            <a:lvl1pPr marL="457200" lvl="0" indent="-298450">
               <a:spcBef>
                 <a:spcPts val="0"/>
               </a:spcBef>
@@ -365,7 +378,7 @@
               <a:buChar char="●"/>
               <a:defRPr sz="1100"/>
             </a:lvl1pPr>
-            <a:lvl2pPr indent="-298450" lvl="1" marL="914400">
+            <a:lvl2pPr marL="914400" lvl="1" indent="-298450">
               <a:spcBef>
                 <a:spcPts val="0"/>
               </a:spcBef>
@@ -376,7 +389,7 @@
               <a:buChar char="○"/>
               <a:defRPr sz="1100"/>
             </a:lvl2pPr>
-            <a:lvl3pPr indent="-298450" lvl="2" marL="1371600">
+            <a:lvl3pPr marL="1371600" lvl="2" indent="-298450">
               <a:spcBef>
                 <a:spcPts val="0"/>
               </a:spcBef>
@@ -387,7 +400,7 @@
               <a:buChar char="■"/>
               <a:defRPr sz="1100"/>
             </a:lvl3pPr>
-            <a:lvl4pPr indent="-298450" lvl="3" marL="1828800">
+            <a:lvl4pPr marL="1828800" lvl="3" indent="-298450">
               <a:spcBef>
                 <a:spcPts val="0"/>
               </a:spcBef>
@@ -398,7 +411,7 @@
               <a:buChar char="●"/>
               <a:defRPr sz="1100"/>
             </a:lvl4pPr>
-            <a:lvl5pPr indent="-298450" lvl="4" marL="2286000">
+            <a:lvl5pPr marL="2286000" lvl="4" indent="-298450">
               <a:spcBef>
                 <a:spcPts val="0"/>
               </a:spcBef>
@@ -409,7 +422,7 @@
               <a:buChar char="○"/>
               <a:defRPr sz="1100"/>
             </a:lvl5pPr>
-            <a:lvl6pPr indent="-298450" lvl="5" marL="2743200">
+            <a:lvl6pPr marL="2743200" lvl="5" indent="-298450">
               <a:spcBef>
                 <a:spcPts val="0"/>
               </a:spcBef>
@@ -420,7 +433,7 @@
               <a:buChar char="■"/>
               <a:defRPr sz="1100"/>
             </a:lvl6pPr>
-            <a:lvl7pPr indent="-298450" lvl="6" marL="3200400">
+            <a:lvl7pPr marL="3200400" lvl="6" indent="-298450">
               <a:spcBef>
                 <a:spcPts val="0"/>
               </a:spcBef>
@@ -431,7 +444,7 @@
               <a:buChar char="●"/>
               <a:defRPr sz="1100"/>
             </a:lvl7pPr>
-            <a:lvl8pPr indent="-298450" lvl="7" marL="3657600">
+            <a:lvl8pPr marL="3657600" lvl="7" indent="-298450">
               <a:spcBef>
                 <a:spcPts val="0"/>
               </a:spcBef>
@@ -442,7 +455,7 @@
               <a:buChar char="○"/>
               <a:defRPr sz="1100"/>
             </a:lvl8pPr>
-            <a:lvl9pPr indent="-298450" lvl="8" marL="4114800">
+            <a:lvl9pPr marL="4114800" lvl="8" indent="-298450">
               <a:spcBef>
                 <a:spcPts val="0"/>
               </a:spcBef>
@@ -454,14 +467,16 @@
               <a:defRPr sz="1100"/>
             </a:lvl9pPr>
           </a:lstStyle>
-          <a:p/>
+          <a:p>
+            <a:endParaRPr/>
+          </a:p>
         </p:txBody>
       </p:sp>
     </p:spTree>
   </p:cSld>
-  <p:clrMap accent1="accent1" accent2="accent2" accent3="accent3" accent4="accent4" accent5="accent5" accent6="accent6" bg1="lt1" bg2="dk2" tx1="dk1" tx2="lt2" folHlink="folHlink" hlink="hlink"/>
+  <p:clrMap bg1="lt1" tx1="dk1" bg2="dk2" tx2="lt2" accent1="accent1" accent2="accent2" accent3="accent3" accent4="accent4" accent5="accent5" accent6="accent6" hlink="hlink" folHlink="folHlink"/>
   <p:notesStyle>
-    <a:defPPr lvl="0" marR="0" rtl="0" algn="l">
+    <a:defPPr marR="0" lvl="0" algn="l" rtl="0">
       <a:lnSpc>
         <a:spcPct val="100000"/>
       </a:lnSpc>
@@ -472,7 +487,7 @@
         <a:spcPts val="0"/>
       </a:spcAft>
     </a:defPPr>
-    <a:lvl1pPr lvl="0" marR="0" rtl="0" algn="l">
+    <a:lvl1pPr marR="0" lvl="0" algn="l" rtl="0">
       <a:lnSpc>
         <a:spcPct val="100000"/>
       </a:lnSpc>
@@ -486,7 +501,7 @@
         <a:srgbClr val="000000"/>
       </a:buClr>
       <a:buFont typeface="Arial"/>
-      <a:defRPr b="0" i="0" sz="1400" u="none" cap="none" strike="noStrike">
+      <a:defRPr sz="1400" b="0" i="0" u="none" strike="noStrike" cap="none">
         <a:solidFill>
           <a:srgbClr val="000000"/>
         </a:solidFill>
@@ -496,7 +511,7 @@
         <a:sym typeface="Arial"/>
       </a:defRPr>
     </a:lvl1pPr>
-    <a:lvl2pPr lvl="1" marR="0" rtl="0" algn="l">
+    <a:lvl2pPr marR="0" lvl="1" algn="l" rtl="0">
       <a:lnSpc>
         <a:spcPct val="100000"/>
       </a:lnSpc>
@@ -510,7 +525,7 @@
         <a:srgbClr val="000000"/>
       </a:buClr>
       <a:buFont typeface="Arial"/>
-      <a:defRPr b="0" i="0" sz="1400" u="none" cap="none" strike="noStrike">
+      <a:defRPr sz="1400" b="0" i="0" u="none" strike="noStrike" cap="none">
         <a:solidFill>
           <a:srgbClr val="000000"/>
         </a:solidFill>
@@ -520,7 +535,7 @@
         <a:sym typeface="Arial"/>
       </a:defRPr>
     </a:lvl2pPr>
-    <a:lvl3pPr lvl="2" marR="0" rtl="0" algn="l">
+    <a:lvl3pPr marR="0" lvl="2" algn="l" rtl="0">
       <a:lnSpc>
         <a:spcPct val="100000"/>
       </a:lnSpc>
@@ -534,7 +549,7 @@
         <a:srgbClr val="000000"/>
       </a:buClr>
       <a:buFont typeface="Arial"/>
-      <a:defRPr b="0" i="0" sz="1400" u="none" cap="none" strike="noStrike">
+      <a:defRPr sz="1400" b="0" i="0" u="none" strike="noStrike" cap="none">
         <a:solidFill>
           <a:srgbClr val="000000"/>
         </a:solidFill>
@@ -544,7 +559,7 @@
         <a:sym typeface="Arial"/>
       </a:defRPr>
     </a:lvl3pPr>
-    <a:lvl4pPr lvl="3" marR="0" rtl="0" algn="l">
+    <a:lvl4pPr marR="0" lvl="3" algn="l" rtl="0">
       <a:lnSpc>
         <a:spcPct val="100000"/>
       </a:lnSpc>
@@ -558,7 +573,7 @@
         <a:srgbClr val="000000"/>
       </a:buClr>
       <a:buFont typeface="Arial"/>
-      <a:defRPr b="0" i="0" sz="1400" u="none" cap="none" strike="noStrike">
+      <a:defRPr sz="1400" b="0" i="0" u="none" strike="noStrike" cap="none">
         <a:solidFill>
           <a:srgbClr val="000000"/>
         </a:solidFill>
@@ -568,7 +583,7 @@
         <a:sym typeface="Arial"/>
       </a:defRPr>
     </a:lvl4pPr>
-    <a:lvl5pPr lvl="4" marR="0" rtl="0" algn="l">
+    <a:lvl5pPr marR="0" lvl="4" algn="l" rtl="0">
       <a:lnSpc>
         <a:spcPct val="100000"/>
       </a:lnSpc>
@@ -582,7 +597,7 @@
         <a:srgbClr val="000000"/>
       </a:buClr>
       <a:buFont typeface="Arial"/>
-      <a:defRPr b="0" i="0" sz="1400" u="none" cap="none" strike="noStrike">
+      <a:defRPr sz="1400" b="0" i="0" u="none" strike="noStrike" cap="none">
         <a:solidFill>
           <a:srgbClr val="000000"/>
         </a:solidFill>
@@ -592,7 +607,7 @@
         <a:sym typeface="Arial"/>
       </a:defRPr>
     </a:lvl5pPr>
-    <a:lvl6pPr lvl="5" marR="0" rtl="0" algn="l">
+    <a:lvl6pPr marR="0" lvl="5" algn="l" rtl="0">
       <a:lnSpc>
         <a:spcPct val="100000"/>
       </a:lnSpc>
@@ -606,7 +621,7 @@
         <a:srgbClr val="000000"/>
       </a:buClr>
       <a:buFont typeface="Arial"/>
-      <a:defRPr b="0" i="0" sz="1400" u="none" cap="none" strike="noStrike">
+      <a:defRPr sz="1400" b="0" i="0" u="none" strike="noStrike" cap="none">
         <a:solidFill>
           <a:srgbClr val="000000"/>
         </a:solidFill>
@@ -616,7 +631,7 @@
         <a:sym typeface="Arial"/>
       </a:defRPr>
     </a:lvl6pPr>
-    <a:lvl7pPr lvl="6" marR="0" rtl="0" algn="l">
+    <a:lvl7pPr marR="0" lvl="6" algn="l" rtl="0">
       <a:lnSpc>
         <a:spcPct val="100000"/>
       </a:lnSpc>
@@ -630,7 +645,7 @@
         <a:srgbClr val="000000"/>
       </a:buClr>
       <a:buFont typeface="Arial"/>
-      <a:defRPr b="0" i="0" sz="1400" u="none" cap="none" strike="noStrike">
+      <a:defRPr sz="1400" b="0" i="0" u="none" strike="noStrike" cap="none">
         <a:solidFill>
           <a:srgbClr val="000000"/>
         </a:solidFill>
@@ -640,7 +655,7 @@
         <a:sym typeface="Arial"/>
       </a:defRPr>
     </a:lvl7pPr>
-    <a:lvl8pPr lvl="7" marR="0" rtl="0" algn="l">
+    <a:lvl8pPr marR="0" lvl="7" algn="l" rtl="0">
       <a:lnSpc>
         <a:spcPct val="100000"/>
       </a:lnSpc>
@@ -654,7 +669,7 @@
         <a:srgbClr val="000000"/>
       </a:buClr>
       <a:buFont typeface="Arial"/>
-      <a:defRPr b="0" i="0" sz="1400" u="none" cap="none" strike="noStrike">
+      <a:defRPr sz="1400" b="0" i="0" u="none" strike="noStrike" cap="none">
         <a:solidFill>
           <a:srgbClr val="000000"/>
         </a:solidFill>
@@ -664,7 +679,7 @@
         <a:sym typeface="Arial"/>
       </a:defRPr>
     </a:lvl8pPr>
-    <a:lvl9pPr lvl="8" marR="0" rtl="0" algn="l">
+    <a:lvl9pPr marR="0" lvl="8" algn="l" rtl="0">
       <a:lnSpc>
         <a:spcPct val="100000"/>
       </a:lnSpc>
@@ -678,7 +693,7 @@
         <a:srgbClr val="000000"/>
       </a:buClr>
       <a:buFont typeface="Arial"/>
-      <a:defRPr b="0" i="0" sz="1400" u="none" cap="none" strike="noStrike">
+      <a:defRPr sz="1400" b="0" i="0" u="none" strike="noStrike" cap="none">
         <a:solidFill>
           <a:srgbClr val="000000"/>
         </a:solidFill>
@@ -693,11 +708,11 @@
 </file>
 
 <file path=ppt/notesSlides/notesSlide1.xml><?xml version="1.0" encoding="utf-8"?>
-<p:notes xmlns:a="http://schemas.openxmlformats.org/drawingml/2006/main" xmlns:r="http://schemas.openxmlformats.org/officeDocument/2006/relationships" xmlns:mc="http://schemas.openxmlformats.org/markup-compatibility/2006" xmlns:mv="urn:schemas-microsoft-com:mac:vml" xmlns:p="http://schemas.openxmlformats.org/presentationml/2006/main" xmlns:c="http://schemas.openxmlformats.org/drawingml/2006/chart" xmlns:dgm="http://schemas.openxmlformats.org/drawingml/2006/diagram" xmlns:o="urn:schemas-microsoft-com:office:office" xmlns:v="urn:schemas-microsoft-com:vml" xmlns:pvml="urn:schemas-microsoft-com:office:powerpoint" xmlns:com="http://schemas.openxmlformats.org/drawingml/2006/compatibility" xmlns:p14="http://schemas.microsoft.com/office/powerpoint/2010/main" xmlns:p15="http://schemas.microsoft.com/office/powerpoint/2012/main" xmlns:ahyp="http://schemas.microsoft.com/office/drawing/2018/hyperlinkcolor" showMasterPhAnim="0" showMasterSp="0">
+<p:notes xmlns:a="http://schemas.openxmlformats.org/drawingml/2006/main" xmlns:r="http://schemas.openxmlformats.org/officeDocument/2006/relationships" xmlns:p="http://schemas.openxmlformats.org/presentationml/2006/main" showMasterSp="0" showMasterPhAnim="0">
   <p:cSld>
     <p:spTree>
       <p:nvGrpSpPr>
-        <p:cNvPr id="50" name="Shape 50"/>
+        <p:cNvPr id="1" name="Shape 50"/>
         <p:cNvGrpSpPr/>
         <p:nvPr/>
       </p:nvGrpSpPr>
@@ -712,9 +727,11 @@
       <p:sp>
         <p:nvSpPr>
           <p:cNvPr id="51" name="Google Shape;51;p:notes"/>
-          <p:cNvSpPr/>
+          <p:cNvSpPr>
+            <a:spLocks noGrp="1" noRot="1" noChangeAspect="1"/>
+          </p:cNvSpPr>
           <p:nvPr>
-            <p:ph idx="2" type="sldImg"/>
+            <p:ph type="sldImg" idx="2"/>
           </p:nvPr>
         </p:nvSpPr>
         <p:spPr>
@@ -723,9 +740,13 @@
             <a:ext cx="6096075" cy="3429000"/>
           </a:xfrm>
           <a:custGeom>
-            <a:rect b="b" l="l" r="r" t="t"/>
+            <a:avLst/>
+            <a:gdLst/>
+            <a:ahLst/>
+            <a:cxnLst/>
+            <a:rect l="l" t="t" r="r" b="b"/>
             <a:pathLst>
-              <a:path extrusionOk="0" h="120000" w="120000">
+              <a:path w="120000" h="120000" extrusionOk="0">
                 <a:moveTo>
                   <a:pt x="0" y="0"/>
                 </a:moveTo>
@@ -747,9 +768,11 @@
       <p:sp>
         <p:nvSpPr>
           <p:cNvPr id="52" name="Google Shape;52;p:notes"/>
-          <p:cNvSpPr txBox="1"/>
+          <p:cNvSpPr txBox="1">
+            <a:spLocks noGrp="1"/>
+          </p:cNvSpPr>
           <p:nvPr>
-            <p:ph idx="1" type="body"/>
+            <p:ph type="body" idx="1"/>
           </p:nvPr>
         </p:nvSpPr>
         <p:spPr>
@@ -762,12 +785,12 @@
           </a:prstGeom>
         </p:spPr>
         <p:txBody>
-          <a:bodyPr anchorCtr="0" anchor="t" bIns="91425" lIns="91425" spcFirstLastPara="1" rIns="91425" wrap="square" tIns="91425">
+          <a:bodyPr spcFirstLastPara="1" wrap="square" lIns="91425" tIns="91425" rIns="91425" bIns="91425" anchor="t" anchorCtr="0">
             <a:noAutofit/>
           </a:bodyPr>
           <a:lstStyle/>
           <a:p>
-            <a:pPr indent="0" lvl="0" marL="0" rtl="0" algn="l">
+            <a:pPr marL="0" lvl="0" indent="0" algn="l" rtl="0">
               <a:spcBef>
                 <a:spcPts val="0"/>
               </a:spcBef>
@@ -776,9 +799,6 @@
               </a:spcAft>
               <a:buNone/>
             </a:pPr>
-            <a:r>
-              <a:t/>
-            </a:r>
             <a:endParaRPr/>
           </a:p>
         </p:txBody>
@@ -792,11 +812,11 @@
 </file>
 
 <file path=ppt/notesSlides/notesSlide2.xml><?xml version="1.0" encoding="utf-8"?>
-<p:notes xmlns:a="http://schemas.openxmlformats.org/drawingml/2006/main" xmlns:r="http://schemas.openxmlformats.org/officeDocument/2006/relationships" xmlns:mc="http://schemas.openxmlformats.org/markup-compatibility/2006" xmlns:mv="urn:schemas-microsoft-com:mac:vml" xmlns:p="http://schemas.openxmlformats.org/presentationml/2006/main" xmlns:c="http://schemas.openxmlformats.org/drawingml/2006/chart" xmlns:dgm="http://schemas.openxmlformats.org/drawingml/2006/diagram" xmlns:o="urn:schemas-microsoft-com:office:office" xmlns:v="urn:schemas-microsoft-com:vml" xmlns:pvml="urn:schemas-microsoft-com:office:powerpoint" xmlns:com="http://schemas.openxmlformats.org/drawingml/2006/compatibility" xmlns:p14="http://schemas.microsoft.com/office/powerpoint/2010/main" xmlns:p15="http://schemas.microsoft.com/office/powerpoint/2012/main" xmlns:ahyp="http://schemas.microsoft.com/office/drawing/2018/hyperlinkcolor" showMasterPhAnim="0" showMasterSp="0">
+<p:notes xmlns:a="http://schemas.openxmlformats.org/drawingml/2006/main" xmlns:r="http://schemas.openxmlformats.org/officeDocument/2006/relationships" xmlns:p="http://schemas.openxmlformats.org/presentationml/2006/main" showMasterSp="0" showMasterPhAnim="0">
   <p:cSld>
     <p:spTree>
       <p:nvGrpSpPr>
-        <p:cNvPr id="56" name="Shape 56"/>
+        <p:cNvPr id="1" name="Shape 56"/>
         <p:cNvGrpSpPr/>
         <p:nvPr/>
       </p:nvGrpSpPr>
@@ -811,9 +831,11 @@
       <p:sp>
         <p:nvSpPr>
           <p:cNvPr id="57" name="Google Shape;57;g329f9f5f1b5_0_0:notes"/>
-          <p:cNvSpPr/>
+          <p:cNvSpPr>
+            <a:spLocks noGrp="1" noRot="1" noChangeAspect="1"/>
+          </p:cNvSpPr>
           <p:nvPr>
-            <p:ph idx="2" type="sldImg"/>
+            <p:ph type="sldImg" idx="2"/>
           </p:nvPr>
         </p:nvSpPr>
         <p:spPr>
@@ -822,9 +844,13 @@
             <a:ext cx="6096000" cy="3429000"/>
           </a:xfrm>
           <a:custGeom>
-            <a:rect b="b" l="l" r="r" t="t"/>
+            <a:avLst/>
+            <a:gdLst/>
+            <a:ahLst/>
+            <a:cxnLst/>
+            <a:rect l="l" t="t" r="r" b="b"/>
             <a:pathLst>
-              <a:path extrusionOk="0" h="120000" w="120000">
+              <a:path w="120000" h="120000" extrusionOk="0">
                 <a:moveTo>
                   <a:pt x="0" y="0"/>
                 </a:moveTo>
@@ -846,9 +872,11 @@
       <p:sp>
         <p:nvSpPr>
           <p:cNvPr id="58" name="Google Shape;58;g329f9f5f1b5_0_0:notes"/>
-          <p:cNvSpPr txBox="1"/>
+          <p:cNvSpPr txBox="1">
+            <a:spLocks noGrp="1"/>
+          </p:cNvSpPr>
           <p:nvPr>
-            <p:ph idx="1" type="body"/>
+            <p:ph type="body" idx="1"/>
           </p:nvPr>
         </p:nvSpPr>
         <p:spPr>
@@ -861,12 +889,12 @@
           </a:prstGeom>
         </p:spPr>
         <p:txBody>
-          <a:bodyPr anchorCtr="0" anchor="t" bIns="91425" lIns="91425" spcFirstLastPara="1" rIns="91425" wrap="square" tIns="91425">
+          <a:bodyPr spcFirstLastPara="1" wrap="square" lIns="91425" tIns="91425" rIns="91425" bIns="91425" anchor="t" anchorCtr="0">
             <a:noAutofit/>
           </a:bodyPr>
           <a:lstStyle/>
           <a:p>
-            <a:pPr indent="0" lvl="0" marL="0" rtl="0" algn="l">
+            <a:pPr marL="0" lvl="0" indent="0" algn="l" rtl="0">
               <a:spcBef>
                 <a:spcPts val="0"/>
               </a:spcBef>
@@ -875,9 +903,6 @@
               </a:spcAft>
               <a:buNone/>
             </a:pPr>
-            <a:r>
-              <a:t/>
-            </a:r>
             <a:endParaRPr/>
           </a:p>
         </p:txBody>
@@ -891,11 +916,11 @@
 </file>
 
 <file path=ppt/notesSlides/notesSlide3.xml><?xml version="1.0" encoding="utf-8"?>
-<p:notes xmlns:a="http://schemas.openxmlformats.org/drawingml/2006/main" xmlns:r="http://schemas.openxmlformats.org/officeDocument/2006/relationships" xmlns:mc="http://schemas.openxmlformats.org/markup-compatibility/2006" xmlns:mv="urn:schemas-microsoft-com:mac:vml" xmlns:p="http://schemas.openxmlformats.org/presentationml/2006/main" xmlns:c="http://schemas.openxmlformats.org/drawingml/2006/chart" xmlns:dgm="http://schemas.openxmlformats.org/drawingml/2006/diagram" xmlns:o="urn:schemas-microsoft-com:office:office" xmlns:v="urn:schemas-microsoft-com:vml" xmlns:pvml="urn:schemas-microsoft-com:office:powerpoint" xmlns:com="http://schemas.openxmlformats.org/drawingml/2006/compatibility" xmlns:p14="http://schemas.microsoft.com/office/powerpoint/2010/main" xmlns:p15="http://schemas.microsoft.com/office/powerpoint/2012/main" xmlns:ahyp="http://schemas.microsoft.com/office/drawing/2018/hyperlinkcolor" showMasterPhAnim="0" showMasterSp="0">
+<p:notes xmlns:a="http://schemas.openxmlformats.org/drawingml/2006/main" xmlns:r="http://schemas.openxmlformats.org/officeDocument/2006/relationships" xmlns:p="http://schemas.openxmlformats.org/presentationml/2006/main" showMasterSp="0" showMasterPhAnim="0">
   <p:cSld>
     <p:spTree>
       <p:nvGrpSpPr>
-        <p:cNvPr id="62" name="Shape 62"/>
+        <p:cNvPr id="1" name="Shape 62"/>
         <p:cNvGrpSpPr/>
         <p:nvPr/>
       </p:nvGrpSpPr>
@@ -910,9 +935,11 @@
       <p:sp>
         <p:nvSpPr>
           <p:cNvPr id="63" name="Google Shape;63;g329f9f5f1b5_0_5:notes"/>
-          <p:cNvSpPr/>
+          <p:cNvSpPr>
+            <a:spLocks noGrp="1" noRot="1" noChangeAspect="1"/>
+          </p:cNvSpPr>
           <p:nvPr>
-            <p:ph idx="2" type="sldImg"/>
+            <p:ph type="sldImg" idx="2"/>
           </p:nvPr>
         </p:nvSpPr>
         <p:spPr>
@@ -921,9 +948,13 @@
             <a:ext cx="6096000" cy="3429000"/>
           </a:xfrm>
           <a:custGeom>
-            <a:rect b="b" l="l" r="r" t="t"/>
+            <a:avLst/>
+            <a:gdLst/>
+            <a:ahLst/>
+            <a:cxnLst/>
+            <a:rect l="l" t="t" r="r" b="b"/>
             <a:pathLst>
-              <a:path extrusionOk="0" h="120000" w="120000">
+              <a:path w="120000" h="120000" extrusionOk="0">
                 <a:moveTo>
                   <a:pt x="0" y="0"/>
                 </a:moveTo>
@@ -945,9 +976,11 @@
       <p:sp>
         <p:nvSpPr>
           <p:cNvPr id="64" name="Google Shape;64;g329f9f5f1b5_0_5:notes"/>
-          <p:cNvSpPr txBox="1"/>
+          <p:cNvSpPr txBox="1">
+            <a:spLocks noGrp="1"/>
+          </p:cNvSpPr>
           <p:nvPr>
-            <p:ph idx="1" type="body"/>
+            <p:ph type="body" idx="1"/>
           </p:nvPr>
         </p:nvSpPr>
         <p:spPr>
@@ -960,12 +993,12 @@
           </a:prstGeom>
         </p:spPr>
         <p:txBody>
-          <a:bodyPr anchorCtr="0" anchor="t" bIns="91425" lIns="91425" spcFirstLastPara="1" rIns="91425" wrap="square" tIns="91425">
+          <a:bodyPr spcFirstLastPara="1" wrap="square" lIns="91425" tIns="91425" rIns="91425" bIns="91425" anchor="t" anchorCtr="0">
             <a:noAutofit/>
           </a:bodyPr>
           <a:lstStyle/>
           <a:p>
-            <a:pPr indent="0" lvl="0" marL="0" rtl="0" algn="l">
+            <a:pPr marL="0" lvl="0" indent="0" algn="l" rtl="0">
               <a:spcBef>
                 <a:spcPts val="0"/>
               </a:spcBef>
@@ -974,9 +1007,6 @@
               </a:spcAft>
               <a:buNone/>
             </a:pPr>
-            <a:r>
-              <a:t/>
-            </a:r>
             <a:endParaRPr/>
           </a:p>
         </p:txBody>
@@ -990,11 +1020,11 @@
 </file>
 
 <file path=ppt/notesSlides/notesSlide4.xml><?xml version="1.0" encoding="utf-8"?>
-<p:notes xmlns:a="http://schemas.openxmlformats.org/drawingml/2006/main" xmlns:r="http://schemas.openxmlformats.org/officeDocument/2006/relationships" xmlns:mc="http://schemas.openxmlformats.org/markup-compatibility/2006" xmlns:mv="urn:schemas-microsoft-com:mac:vml" xmlns:p="http://schemas.openxmlformats.org/presentationml/2006/main" xmlns:c="http://schemas.openxmlformats.org/drawingml/2006/chart" xmlns:dgm="http://schemas.openxmlformats.org/drawingml/2006/diagram" xmlns:o="urn:schemas-microsoft-com:office:office" xmlns:v="urn:schemas-microsoft-com:vml" xmlns:pvml="urn:schemas-microsoft-com:office:powerpoint" xmlns:com="http://schemas.openxmlformats.org/drawingml/2006/compatibility" xmlns:p14="http://schemas.microsoft.com/office/powerpoint/2010/main" xmlns:p15="http://schemas.microsoft.com/office/powerpoint/2012/main" xmlns:ahyp="http://schemas.microsoft.com/office/drawing/2018/hyperlinkcolor" showMasterPhAnim="0" showMasterSp="0">
+<p:notes xmlns:a="http://schemas.openxmlformats.org/drawingml/2006/main" xmlns:r="http://schemas.openxmlformats.org/officeDocument/2006/relationships" xmlns:p="http://schemas.openxmlformats.org/presentationml/2006/main" showMasterSp="0" showMasterPhAnim="0">
   <p:cSld>
     <p:spTree>
       <p:nvGrpSpPr>
-        <p:cNvPr id="68" name="Shape 68"/>
+        <p:cNvPr id="1" name="Shape 68"/>
         <p:cNvGrpSpPr/>
         <p:nvPr/>
       </p:nvGrpSpPr>
@@ -1009,9 +1039,11 @@
       <p:sp>
         <p:nvSpPr>
           <p:cNvPr id="69" name="Google Shape;69;g329f9f5f1b5_0_10:notes"/>
-          <p:cNvSpPr/>
+          <p:cNvSpPr>
+            <a:spLocks noGrp="1" noRot="1" noChangeAspect="1"/>
+          </p:cNvSpPr>
           <p:nvPr>
-            <p:ph idx="2" type="sldImg"/>
+            <p:ph type="sldImg" idx="2"/>
           </p:nvPr>
         </p:nvSpPr>
         <p:spPr>
@@ -1020,9 +1052,13 @@
             <a:ext cx="6096000" cy="3429000"/>
           </a:xfrm>
           <a:custGeom>
-            <a:rect b="b" l="l" r="r" t="t"/>
+            <a:avLst/>
+            <a:gdLst/>
+            <a:ahLst/>
+            <a:cxnLst/>
+            <a:rect l="l" t="t" r="r" b="b"/>
             <a:pathLst>
-              <a:path extrusionOk="0" h="120000" w="120000">
+              <a:path w="120000" h="120000" extrusionOk="0">
                 <a:moveTo>
                   <a:pt x="0" y="0"/>
                 </a:moveTo>
@@ -1044,9 +1080,11 @@
       <p:sp>
         <p:nvSpPr>
           <p:cNvPr id="70" name="Google Shape;70;g329f9f5f1b5_0_10:notes"/>
-          <p:cNvSpPr txBox="1"/>
+          <p:cNvSpPr txBox="1">
+            <a:spLocks noGrp="1"/>
+          </p:cNvSpPr>
           <p:nvPr>
-            <p:ph idx="1" type="body"/>
+            <p:ph type="body" idx="1"/>
           </p:nvPr>
         </p:nvSpPr>
         <p:spPr>
@@ -1059,12 +1097,12 @@
           </a:prstGeom>
         </p:spPr>
         <p:txBody>
-          <a:bodyPr anchorCtr="0" anchor="t" bIns="91425" lIns="91425" spcFirstLastPara="1" rIns="91425" wrap="square" tIns="91425">
+          <a:bodyPr spcFirstLastPara="1" wrap="square" lIns="91425" tIns="91425" rIns="91425" bIns="91425" anchor="t" anchorCtr="0">
             <a:noAutofit/>
           </a:bodyPr>
           <a:lstStyle/>
           <a:p>
-            <a:pPr indent="0" lvl="0" marL="0" rtl="0" algn="l">
+            <a:pPr marL="0" lvl="0" indent="0" algn="l" rtl="0">
               <a:spcBef>
                 <a:spcPts val="0"/>
               </a:spcBef>
@@ -1073,9 +1111,6 @@
               </a:spcAft>
               <a:buNone/>
             </a:pPr>
-            <a:r>
-              <a:t/>
-            </a:r>
             <a:endParaRPr/>
           </a:p>
         </p:txBody>
@@ -1089,11 +1124,11 @@
 </file>
 
 <file path=ppt/notesSlides/notesSlide5.xml><?xml version="1.0" encoding="utf-8"?>
-<p:notes xmlns:a="http://schemas.openxmlformats.org/drawingml/2006/main" xmlns:r="http://schemas.openxmlformats.org/officeDocument/2006/relationships" xmlns:mc="http://schemas.openxmlformats.org/markup-compatibility/2006" xmlns:mv="urn:schemas-microsoft-com:mac:vml" xmlns:p="http://schemas.openxmlformats.org/presentationml/2006/main" xmlns:c="http://schemas.openxmlformats.org/drawingml/2006/chart" xmlns:dgm="http://schemas.openxmlformats.org/drawingml/2006/diagram" xmlns:o="urn:schemas-microsoft-com:office:office" xmlns:v="urn:schemas-microsoft-com:vml" xmlns:pvml="urn:schemas-microsoft-com:office:powerpoint" xmlns:com="http://schemas.openxmlformats.org/drawingml/2006/compatibility" xmlns:p14="http://schemas.microsoft.com/office/powerpoint/2010/main" xmlns:p15="http://schemas.microsoft.com/office/powerpoint/2012/main" xmlns:ahyp="http://schemas.microsoft.com/office/drawing/2018/hyperlinkcolor" showMasterPhAnim="0" showMasterSp="0">
+<p:notes xmlns:a="http://schemas.openxmlformats.org/drawingml/2006/main" xmlns:r="http://schemas.openxmlformats.org/officeDocument/2006/relationships" xmlns:p="http://schemas.openxmlformats.org/presentationml/2006/main" showMasterSp="0" showMasterPhAnim="0">
   <p:cSld>
     <p:spTree>
       <p:nvGrpSpPr>
-        <p:cNvPr id="74" name="Shape 74"/>
+        <p:cNvPr id="1" name="Shape 74"/>
         <p:cNvGrpSpPr/>
         <p:nvPr/>
       </p:nvGrpSpPr>
@@ -1108,20 +1143,26 @@
       <p:sp>
         <p:nvSpPr>
           <p:cNvPr id="75" name="Google Shape;75;g329f9f5f1b5_0_15:notes"/>
-          <p:cNvSpPr/>
+          <p:cNvSpPr>
+            <a:spLocks noGrp="1" noRot="1" noChangeAspect="1"/>
+          </p:cNvSpPr>
           <p:nvPr>
-            <p:ph idx="2" type="sldImg"/>
+            <p:ph type="sldImg" idx="2"/>
           </p:nvPr>
         </p:nvSpPr>
         <p:spPr>
           <a:xfrm>
-            <a:off x="381300" y="685800"/>
+            <a:off x="381000" y="685800"/>
             <a:ext cx="6096000" cy="3429000"/>
           </a:xfrm>
           <a:custGeom>
-            <a:rect b="b" l="l" r="r" t="t"/>
+            <a:avLst/>
+            <a:gdLst/>
+            <a:ahLst/>
+            <a:cxnLst/>
+            <a:rect l="l" t="t" r="r" b="b"/>
             <a:pathLst>
-              <a:path extrusionOk="0" h="120000" w="120000">
+              <a:path w="120000" h="120000" extrusionOk="0">
                 <a:moveTo>
                   <a:pt x="0" y="0"/>
                 </a:moveTo>
@@ -1143,9 +1184,11 @@
       <p:sp>
         <p:nvSpPr>
           <p:cNvPr id="76" name="Google Shape;76;g329f9f5f1b5_0_15:notes"/>
-          <p:cNvSpPr txBox="1"/>
+          <p:cNvSpPr txBox="1">
+            <a:spLocks noGrp="1"/>
+          </p:cNvSpPr>
           <p:nvPr>
-            <p:ph idx="1" type="body"/>
+            <p:ph type="body" idx="1"/>
           </p:nvPr>
         </p:nvSpPr>
         <p:spPr>
@@ -1158,12 +1201,12 @@
           </a:prstGeom>
         </p:spPr>
         <p:txBody>
-          <a:bodyPr anchorCtr="0" anchor="t" bIns="91425" lIns="91425" spcFirstLastPara="1" rIns="91425" wrap="square" tIns="91425">
+          <a:bodyPr spcFirstLastPara="1" wrap="square" lIns="91425" tIns="91425" rIns="91425" bIns="91425" anchor="t" anchorCtr="0">
             <a:noAutofit/>
           </a:bodyPr>
           <a:lstStyle/>
           <a:p>
-            <a:pPr indent="0" lvl="0" marL="0" rtl="0" algn="l">
+            <a:pPr marL="0" lvl="0" indent="0" algn="l" rtl="0">
               <a:spcBef>
                 <a:spcPts val="0"/>
               </a:spcBef>
@@ -1172,9 +1215,6 @@
               </a:spcAft>
               <a:buNone/>
             </a:pPr>
-            <a:r>
-              <a:t/>
-            </a:r>
             <a:endParaRPr/>
           </a:p>
         </p:txBody>
@@ -1188,11 +1228,11 @@
 </file>
 
 <file path=ppt/notesSlides/notesSlide6.xml><?xml version="1.0" encoding="utf-8"?>
-<p:notes xmlns:a="http://schemas.openxmlformats.org/drawingml/2006/main" xmlns:r="http://schemas.openxmlformats.org/officeDocument/2006/relationships" xmlns:mc="http://schemas.openxmlformats.org/markup-compatibility/2006" xmlns:mv="urn:schemas-microsoft-com:mac:vml" xmlns:p="http://schemas.openxmlformats.org/presentationml/2006/main" xmlns:c="http://schemas.openxmlformats.org/drawingml/2006/chart" xmlns:dgm="http://schemas.openxmlformats.org/drawingml/2006/diagram" xmlns:o="urn:schemas-microsoft-com:office:office" xmlns:v="urn:schemas-microsoft-com:vml" xmlns:pvml="urn:schemas-microsoft-com:office:powerpoint" xmlns:com="http://schemas.openxmlformats.org/drawingml/2006/compatibility" xmlns:p14="http://schemas.microsoft.com/office/powerpoint/2010/main" xmlns:p15="http://schemas.microsoft.com/office/powerpoint/2012/main" xmlns:ahyp="http://schemas.microsoft.com/office/drawing/2018/hyperlinkcolor" showMasterPhAnim="0" showMasterSp="0">
+<p:notes xmlns:a="http://schemas.openxmlformats.org/drawingml/2006/main" xmlns:r="http://schemas.openxmlformats.org/officeDocument/2006/relationships" xmlns:p="http://schemas.openxmlformats.org/presentationml/2006/main" showMasterSp="0" showMasterPhAnim="0">
   <p:cSld>
     <p:spTree>
       <p:nvGrpSpPr>
-        <p:cNvPr id="80" name="Shape 80"/>
+        <p:cNvPr id="1" name="Shape 80"/>
         <p:cNvGrpSpPr/>
         <p:nvPr/>
       </p:nvGrpSpPr>
@@ -1207,9 +1247,11 @@
       <p:sp>
         <p:nvSpPr>
           <p:cNvPr id="81" name="Google Shape;81;g329f9f5f1b5_0_20:notes"/>
-          <p:cNvSpPr/>
+          <p:cNvSpPr>
+            <a:spLocks noGrp="1" noRot="1" noChangeAspect="1"/>
+          </p:cNvSpPr>
           <p:nvPr>
-            <p:ph idx="2" type="sldImg"/>
+            <p:ph type="sldImg" idx="2"/>
           </p:nvPr>
         </p:nvSpPr>
         <p:spPr>
@@ -1218,9 +1260,13 @@
             <a:ext cx="6096000" cy="3429000"/>
           </a:xfrm>
           <a:custGeom>
-            <a:rect b="b" l="l" r="r" t="t"/>
+            <a:avLst/>
+            <a:gdLst/>
+            <a:ahLst/>
+            <a:cxnLst/>
+            <a:rect l="l" t="t" r="r" b="b"/>
             <a:pathLst>
-              <a:path extrusionOk="0" h="120000" w="120000">
+              <a:path w="120000" h="120000" extrusionOk="0">
                 <a:moveTo>
                   <a:pt x="0" y="0"/>
                 </a:moveTo>
@@ -1242,9 +1288,11 @@
       <p:sp>
         <p:nvSpPr>
           <p:cNvPr id="82" name="Google Shape;82;g329f9f5f1b5_0_20:notes"/>
-          <p:cNvSpPr txBox="1"/>
+          <p:cNvSpPr txBox="1">
+            <a:spLocks noGrp="1"/>
+          </p:cNvSpPr>
           <p:nvPr>
-            <p:ph idx="1" type="body"/>
+            <p:ph type="body" idx="1"/>
           </p:nvPr>
         </p:nvSpPr>
         <p:spPr>
@@ -1257,12 +1305,12 @@
           </a:prstGeom>
         </p:spPr>
         <p:txBody>
-          <a:bodyPr anchorCtr="0" anchor="t" bIns="91425" lIns="91425" spcFirstLastPara="1" rIns="91425" wrap="square" tIns="91425">
+          <a:bodyPr spcFirstLastPara="1" wrap="square" lIns="91425" tIns="91425" rIns="91425" bIns="91425" anchor="t" anchorCtr="0">
             <a:noAutofit/>
           </a:bodyPr>
           <a:lstStyle/>
           <a:p>
-            <a:pPr indent="0" lvl="0" marL="0" rtl="0" algn="l">
+            <a:pPr marL="0" lvl="0" indent="0" algn="l" rtl="0">
               <a:spcBef>
                 <a:spcPts val="0"/>
               </a:spcBef>
@@ -1271,9 +1319,6 @@
               </a:spcAft>
               <a:buNone/>
             </a:pPr>
-            <a:r>
-              <a:t/>
-            </a:r>
             <a:endParaRPr/>
           </a:p>
         </p:txBody>
@@ -1287,11 +1332,11 @@
 </file>
 
 <file path=ppt/notesSlides/notesSlide7.xml><?xml version="1.0" encoding="utf-8"?>
-<p:notes xmlns:a="http://schemas.openxmlformats.org/drawingml/2006/main" xmlns:r="http://schemas.openxmlformats.org/officeDocument/2006/relationships" xmlns:mc="http://schemas.openxmlformats.org/markup-compatibility/2006" xmlns:mv="urn:schemas-microsoft-com:mac:vml" xmlns:p="http://schemas.openxmlformats.org/presentationml/2006/main" xmlns:c="http://schemas.openxmlformats.org/drawingml/2006/chart" xmlns:dgm="http://schemas.openxmlformats.org/drawingml/2006/diagram" xmlns:o="urn:schemas-microsoft-com:office:office" xmlns:v="urn:schemas-microsoft-com:vml" xmlns:pvml="urn:schemas-microsoft-com:office:powerpoint" xmlns:com="http://schemas.openxmlformats.org/drawingml/2006/compatibility" xmlns:p14="http://schemas.microsoft.com/office/powerpoint/2010/main" xmlns:p15="http://schemas.microsoft.com/office/powerpoint/2012/main" xmlns:ahyp="http://schemas.microsoft.com/office/drawing/2018/hyperlinkcolor" showMasterPhAnim="0" showMasterSp="0">
+<p:notes xmlns:a="http://schemas.openxmlformats.org/drawingml/2006/main" xmlns:r="http://schemas.openxmlformats.org/officeDocument/2006/relationships" xmlns:p="http://schemas.openxmlformats.org/presentationml/2006/main" showMasterSp="0" showMasterPhAnim="0">
   <p:cSld>
     <p:spTree>
       <p:nvGrpSpPr>
-        <p:cNvPr id="86" name="Shape 86"/>
+        <p:cNvPr id="1" name="Shape 86"/>
         <p:cNvGrpSpPr/>
         <p:nvPr/>
       </p:nvGrpSpPr>
@@ -1306,9 +1351,11 @@
       <p:sp>
         <p:nvSpPr>
           <p:cNvPr id="87" name="Google Shape;87;g329f9f5f1b5_0_25:notes"/>
-          <p:cNvSpPr/>
+          <p:cNvSpPr>
+            <a:spLocks noGrp="1" noRot="1" noChangeAspect="1"/>
+          </p:cNvSpPr>
           <p:nvPr>
-            <p:ph idx="2" type="sldImg"/>
+            <p:ph type="sldImg" idx="2"/>
           </p:nvPr>
         </p:nvSpPr>
         <p:spPr>
@@ -1317,9 +1364,13 @@
             <a:ext cx="6096000" cy="3429000"/>
           </a:xfrm>
           <a:custGeom>
-            <a:rect b="b" l="l" r="r" t="t"/>
+            <a:avLst/>
+            <a:gdLst/>
+            <a:ahLst/>
+            <a:cxnLst/>
+            <a:rect l="l" t="t" r="r" b="b"/>
             <a:pathLst>
-              <a:path extrusionOk="0" h="120000" w="120000">
+              <a:path w="120000" h="120000" extrusionOk="0">
                 <a:moveTo>
                   <a:pt x="0" y="0"/>
                 </a:moveTo>
@@ -1341,9 +1392,11 @@
       <p:sp>
         <p:nvSpPr>
           <p:cNvPr id="88" name="Google Shape;88;g329f9f5f1b5_0_25:notes"/>
-          <p:cNvSpPr txBox="1"/>
+          <p:cNvSpPr txBox="1">
+            <a:spLocks noGrp="1"/>
+          </p:cNvSpPr>
           <p:nvPr>
-            <p:ph idx="1" type="body"/>
+            <p:ph type="body" idx="1"/>
           </p:nvPr>
         </p:nvSpPr>
         <p:spPr>
@@ -1356,12 +1409,12 @@
           </a:prstGeom>
         </p:spPr>
         <p:txBody>
-          <a:bodyPr anchorCtr="0" anchor="t" bIns="91425" lIns="91425" spcFirstLastPara="1" rIns="91425" wrap="square" tIns="91425">
+          <a:bodyPr spcFirstLastPara="1" wrap="square" lIns="91425" tIns="91425" rIns="91425" bIns="91425" anchor="t" anchorCtr="0">
             <a:noAutofit/>
           </a:bodyPr>
           <a:lstStyle/>
           <a:p>
-            <a:pPr indent="0" lvl="0" marL="0" rtl="0" algn="l">
+            <a:pPr marL="0" lvl="0" indent="0" algn="l" rtl="0">
               <a:spcBef>
                 <a:spcPts val="0"/>
               </a:spcBef>
@@ -1370,9 +1423,6 @@
               </a:spcAft>
               <a:buNone/>
             </a:pPr>
-            <a:r>
-              <a:t/>
-            </a:r>
             <a:endParaRPr/>
           </a:p>
         </p:txBody>
@@ -1386,11 +1436,11 @@
 </file>
 
 <file path=ppt/slideLayouts/slideLayout1.xml><?xml version="1.0" encoding="utf-8"?>
-<p:sldLayout xmlns:a="http://schemas.openxmlformats.org/drawingml/2006/main" xmlns:r="http://schemas.openxmlformats.org/officeDocument/2006/relationships" xmlns:mc="http://schemas.openxmlformats.org/markup-compatibility/2006" xmlns:mv="urn:schemas-microsoft-com:mac:vml" xmlns:p="http://schemas.openxmlformats.org/presentationml/2006/main" xmlns:c="http://schemas.openxmlformats.org/drawingml/2006/chart" xmlns:dgm="http://schemas.openxmlformats.org/drawingml/2006/diagram" xmlns:o="urn:schemas-microsoft-com:office:office" xmlns:v="urn:schemas-microsoft-com:vml" xmlns:pvml="urn:schemas-microsoft-com:office:powerpoint" xmlns:com="http://schemas.openxmlformats.org/drawingml/2006/compatibility" xmlns:p14="http://schemas.microsoft.com/office/powerpoint/2010/main" xmlns:p15="http://schemas.microsoft.com/office/powerpoint/2012/main" xmlns:ahyp="http://schemas.microsoft.com/office/drawing/2018/hyperlinkcolor" matchingName="Title slide" type="title">
+<p:sldLayout xmlns:a="http://schemas.openxmlformats.org/drawingml/2006/main" xmlns:r="http://schemas.openxmlformats.org/officeDocument/2006/relationships" xmlns:p="http://schemas.openxmlformats.org/presentationml/2006/main" matchingName="Title slide" type="title">
   <p:cSld name="TITLE">
     <p:spTree>
       <p:nvGrpSpPr>
-        <p:cNvPr id="9" name="Shape 9"/>
+        <p:cNvPr id="1" name="Shape 9"/>
         <p:cNvGrpSpPr/>
         <p:nvPr/>
       </p:nvGrpSpPr>
@@ -1405,7 +1455,9 @@
       <p:sp>
         <p:nvSpPr>
           <p:cNvPr id="10" name="Google Shape;10;p2"/>
-          <p:cNvSpPr txBox="1"/>
+          <p:cNvSpPr txBox="1">
+            <a:spLocks noGrp="1"/>
+          </p:cNvSpPr>
           <p:nvPr>
             <p:ph type="ctrTitle"/>
           </p:nvPr>
@@ -1420,7 +1472,7 @@
           </a:prstGeom>
         </p:spPr>
         <p:txBody>
-          <a:bodyPr anchorCtr="0" anchor="b" bIns="91425" lIns="91425" spcFirstLastPara="1" rIns="91425" wrap="square" tIns="91425">
+          <a:bodyPr spcFirstLastPara="1" wrap="square" lIns="91425" tIns="91425" rIns="91425" bIns="91425" anchor="b" anchorCtr="0">
             <a:normAutofit/>
           </a:bodyPr>
           <a:lstStyle>
@@ -1524,15 +1576,19 @@
               <a:defRPr sz="5200"/>
             </a:lvl9pPr>
           </a:lstStyle>
-          <a:p/>
+          <a:p>
+            <a:endParaRPr/>
+          </a:p>
         </p:txBody>
       </p:sp>
       <p:sp>
         <p:nvSpPr>
           <p:cNvPr id="11" name="Google Shape;11;p2"/>
-          <p:cNvSpPr txBox="1"/>
+          <p:cNvSpPr txBox="1">
+            <a:spLocks noGrp="1"/>
+          </p:cNvSpPr>
           <p:nvPr>
-            <p:ph idx="1" type="subTitle"/>
+            <p:ph type="subTitle" idx="1"/>
           </p:nvPr>
         </p:nvSpPr>
         <p:spPr>
@@ -1545,7 +1601,7 @@
           </a:prstGeom>
         </p:spPr>
         <p:txBody>
-          <a:bodyPr anchorCtr="0" anchor="t" bIns="91425" lIns="91425" spcFirstLastPara="1" rIns="91425" wrap="square" tIns="91425">
+          <a:bodyPr spcFirstLastPara="1" wrap="square" lIns="91425" tIns="91425" rIns="91425" bIns="91425" anchor="t" anchorCtr="0">
             <a:normAutofit/>
           </a:bodyPr>
           <a:lstStyle>
@@ -1676,15 +1732,19 @@
               <a:defRPr sz="2800"/>
             </a:lvl9pPr>
           </a:lstStyle>
-          <a:p/>
+          <a:p>
+            <a:endParaRPr/>
+          </a:p>
         </p:txBody>
       </p:sp>
       <p:sp>
         <p:nvSpPr>
           <p:cNvPr id="12" name="Google Shape;12;p2"/>
-          <p:cNvSpPr txBox="1"/>
+          <p:cNvSpPr txBox="1">
+            <a:spLocks noGrp="1"/>
+          </p:cNvSpPr>
           <p:nvPr>
-            <p:ph idx="12" type="sldNum"/>
+            <p:ph type="sldNum" idx="12"/>
           </p:nvPr>
         </p:nvSpPr>
         <p:spPr>
@@ -1697,7 +1757,7 @@
           </a:prstGeom>
         </p:spPr>
         <p:txBody>
-          <a:bodyPr anchorCtr="0" anchor="ctr" bIns="91425" lIns="91425" spcFirstLastPara="1" rIns="91425" wrap="square" tIns="91425">
+          <a:bodyPr spcFirstLastPara="1" wrap="square" lIns="91425" tIns="91425" rIns="91425" bIns="91425" anchor="ctr" anchorCtr="0">
             <a:normAutofit/>
           </a:bodyPr>
           <a:lstStyle>
@@ -1739,7 +1799,7 @@
             </a:lvl9pPr>
           </a:lstStyle>
           <a:p>
-            <a:pPr indent="0" lvl="0" marL="0" rtl="0" algn="r">
+            <a:pPr marL="0" lvl="0" indent="0" algn="r" rtl="0">
               <a:spcBef>
                 <a:spcPts val="0"/>
               </a:spcBef>
@@ -1765,11 +1825,11 @@
 </file>
 
 <file path=ppt/slideLayouts/slideLayout10.xml><?xml version="1.0" encoding="utf-8"?>
-<p:sldLayout xmlns:a="http://schemas.openxmlformats.org/drawingml/2006/main" xmlns:r="http://schemas.openxmlformats.org/officeDocument/2006/relationships" xmlns:mc="http://schemas.openxmlformats.org/markup-compatibility/2006" xmlns:mv="urn:schemas-microsoft-com:mac:vml" xmlns:p="http://schemas.openxmlformats.org/presentationml/2006/main" xmlns:c="http://schemas.openxmlformats.org/drawingml/2006/chart" xmlns:dgm="http://schemas.openxmlformats.org/drawingml/2006/diagram" xmlns:o="urn:schemas-microsoft-com:office:office" xmlns:v="urn:schemas-microsoft-com:vml" xmlns:pvml="urn:schemas-microsoft-com:office:powerpoint" xmlns:com="http://schemas.openxmlformats.org/drawingml/2006/compatibility" xmlns:p14="http://schemas.microsoft.com/office/powerpoint/2010/main" xmlns:p15="http://schemas.microsoft.com/office/powerpoint/2012/main" xmlns:ahyp="http://schemas.microsoft.com/office/drawing/2018/hyperlinkcolor" matchingName="Big number">
+<p:sldLayout xmlns:a="http://schemas.openxmlformats.org/drawingml/2006/main" xmlns:r="http://schemas.openxmlformats.org/officeDocument/2006/relationships" xmlns:p="http://schemas.openxmlformats.org/presentationml/2006/main" matchingName="Big number">
   <p:cSld name="BIG_NUMBER">
     <p:spTree>
       <p:nvGrpSpPr>
-        <p:cNvPr id="44" name="Shape 44"/>
+        <p:cNvPr id="1" name="Shape 44"/>
         <p:cNvGrpSpPr/>
         <p:nvPr/>
       </p:nvGrpSpPr>
@@ -1784,9 +1844,11 @@
       <p:sp>
         <p:nvSpPr>
           <p:cNvPr id="45" name="Google Shape;45;p11"/>
-          <p:cNvSpPr txBox="1"/>
+          <p:cNvSpPr txBox="1">
+            <a:spLocks noGrp="1"/>
+          </p:cNvSpPr>
           <p:nvPr>
-            <p:ph hasCustomPrompt="1" type="title"/>
+            <p:ph type="title" hasCustomPrompt="1"/>
           </p:nvPr>
         </p:nvSpPr>
         <p:spPr>
@@ -1799,7 +1861,7 @@
           </a:prstGeom>
         </p:spPr>
         <p:txBody>
-          <a:bodyPr anchorCtr="0" anchor="b" bIns="91425" lIns="91425" spcFirstLastPara="1" rIns="91425" wrap="square" tIns="91425">
+          <a:bodyPr spcFirstLastPara="1" wrap="square" lIns="91425" tIns="91425" rIns="91425" bIns="91425" anchor="b" anchorCtr="0">
             <a:normAutofit/>
           </a:bodyPr>
           <a:lstStyle>
@@ -1913,9 +1975,11 @@
       <p:sp>
         <p:nvSpPr>
           <p:cNvPr id="46" name="Google Shape;46;p11"/>
-          <p:cNvSpPr txBox="1"/>
+          <p:cNvSpPr txBox="1">
+            <a:spLocks noGrp="1"/>
+          </p:cNvSpPr>
           <p:nvPr>
-            <p:ph idx="1" type="body"/>
+            <p:ph type="body" idx="1"/>
           </p:nvPr>
         </p:nvSpPr>
         <p:spPr>
@@ -1928,11 +1992,11 @@
           </a:prstGeom>
         </p:spPr>
         <p:txBody>
-          <a:bodyPr anchorCtr="0" anchor="t" bIns="91425" lIns="91425" spcFirstLastPara="1" rIns="91425" wrap="square" tIns="91425">
+          <a:bodyPr spcFirstLastPara="1" wrap="square" lIns="91425" tIns="91425" rIns="91425" bIns="91425" anchor="t" anchorCtr="0">
             <a:normAutofit/>
           </a:bodyPr>
           <a:lstStyle>
-            <a:lvl1pPr indent="-342900" lvl="0" marL="457200" algn="ctr">
+            <a:lvl1pPr marL="457200" lvl="0" indent="-342900" algn="ctr">
               <a:spcBef>
                 <a:spcPts val="0"/>
               </a:spcBef>
@@ -1943,7 +2007,7 @@
               <a:buChar char="●"/>
               <a:defRPr/>
             </a:lvl1pPr>
-            <a:lvl2pPr indent="-317500" lvl="1" marL="914400" algn="ctr">
+            <a:lvl2pPr marL="914400" lvl="1" indent="-317500" algn="ctr">
               <a:spcBef>
                 <a:spcPts val="0"/>
               </a:spcBef>
@@ -1954,7 +2018,7 @@
               <a:buChar char="○"/>
               <a:defRPr/>
             </a:lvl2pPr>
-            <a:lvl3pPr indent="-317500" lvl="2" marL="1371600" algn="ctr">
+            <a:lvl3pPr marL="1371600" lvl="2" indent="-317500" algn="ctr">
               <a:spcBef>
                 <a:spcPts val="0"/>
               </a:spcBef>
@@ -1965,7 +2029,7 @@
               <a:buChar char="■"/>
               <a:defRPr/>
             </a:lvl3pPr>
-            <a:lvl4pPr indent="-317500" lvl="3" marL="1828800" algn="ctr">
+            <a:lvl4pPr marL="1828800" lvl="3" indent="-317500" algn="ctr">
               <a:spcBef>
                 <a:spcPts val="0"/>
               </a:spcBef>
@@ -1976,7 +2040,7 @@
               <a:buChar char="●"/>
               <a:defRPr/>
             </a:lvl4pPr>
-            <a:lvl5pPr indent="-317500" lvl="4" marL="2286000" algn="ctr">
+            <a:lvl5pPr marL="2286000" lvl="4" indent="-317500" algn="ctr">
               <a:spcBef>
                 <a:spcPts val="0"/>
               </a:spcBef>
@@ -1987,7 +2051,7 @@
               <a:buChar char="○"/>
               <a:defRPr/>
             </a:lvl5pPr>
-            <a:lvl6pPr indent="-317500" lvl="5" marL="2743200" algn="ctr">
+            <a:lvl6pPr marL="2743200" lvl="5" indent="-317500" algn="ctr">
               <a:spcBef>
                 <a:spcPts val="0"/>
               </a:spcBef>
@@ -1998,7 +2062,7 @@
               <a:buChar char="■"/>
               <a:defRPr/>
             </a:lvl6pPr>
-            <a:lvl7pPr indent="-317500" lvl="6" marL="3200400" algn="ctr">
+            <a:lvl7pPr marL="3200400" lvl="6" indent="-317500" algn="ctr">
               <a:spcBef>
                 <a:spcPts val="0"/>
               </a:spcBef>
@@ -2009,7 +2073,7 @@
               <a:buChar char="●"/>
               <a:defRPr/>
             </a:lvl7pPr>
-            <a:lvl8pPr indent="-317500" lvl="7" marL="3657600" algn="ctr">
+            <a:lvl8pPr marL="3657600" lvl="7" indent="-317500" algn="ctr">
               <a:spcBef>
                 <a:spcPts val="0"/>
               </a:spcBef>
@@ -2020,7 +2084,7 @@
               <a:buChar char="○"/>
               <a:defRPr/>
             </a:lvl8pPr>
-            <a:lvl9pPr indent="-317500" lvl="8" marL="4114800" algn="ctr">
+            <a:lvl9pPr marL="4114800" lvl="8" indent="-317500" algn="ctr">
               <a:spcBef>
                 <a:spcPts val="0"/>
               </a:spcBef>
@@ -2032,15 +2096,19 @@
               <a:defRPr/>
             </a:lvl9pPr>
           </a:lstStyle>
-          <a:p/>
+          <a:p>
+            <a:endParaRPr/>
+          </a:p>
         </p:txBody>
       </p:sp>
       <p:sp>
         <p:nvSpPr>
           <p:cNvPr id="47" name="Google Shape;47;p11"/>
-          <p:cNvSpPr txBox="1"/>
+          <p:cNvSpPr txBox="1">
+            <a:spLocks noGrp="1"/>
+          </p:cNvSpPr>
           <p:nvPr>
-            <p:ph idx="12" type="sldNum"/>
+            <p:ph type="sldNum" idx="12"/>
           </p:nvPr>
         </p:nvSpPr>
         <p:spPr>
@@ -2053,7 +2121,7 @@
           </a:prstGeom>
         </p:spPr>
         <p:txBody>
-          <a:bodyPr anchorCtr="0" anchor="ctr" bIns="91425" lIns="91425" spcFirstLastPara="1" rIns="91425" wrap="square" tIns="91425">
+          <a:bodyPr spcFirstLastPara="1" wrap="square" lIns="91425" tIns="91425" rIns="91425" bIns="91425" anchor="ctr" anchorCtr="0">
             <a:normAutofit/>
           </a:bodyPr>
           <a:lstStyle>
@@ -2095,7 +2163,7 @@
             </a:lvl9pPr>
           </a:lstStyle>
           <a:p>
-            <a:pPr indent="0" lvl="0" marL="0" rtl="0" algn="r">
+            <a:pPr marL="0" lvl="0" indent="0" algn="r" rtl="0">
               <a:spcBef>
                 <a:spcPts val="0"/>
               </a:spcBef>
@@ -2121,11 +2189,11 @@
 </file>
 
 <file path=ppt/slideLayouts/slideLayout11.xml><?xml version="1.0" encoding="utf-8"?>
-<p:sldLayout xmlns:a="http://schemas.openxmlformats.org/drawingml/2006/main" xmlns:r="http://schemas.openxmlformats.org/officeDocument/2006/relationships" xmlns:mc="http://schemas.openxmlformats.org/markup-compatibility/2006" xmlns:mv="urn:schemas-microsoft-com:mac:vml" xmlns:p="http://schemas.openxmlformats.org/presentationml/2006/main" xmlns:c="http://schemas.openxmlformats.org/drawingml/2006/chart" xmlns:dgm="http://schemas.openxmlformats.org/drawingml/2006/diagram" xmlns:o="urn:schemas-microsoft-com:office:office" xmlns:v="urn:schemas-microsoft-com:vml" xmlns:pvml="urn:schemas-microsoft-com:office:powerpoint" xmlns:com="http://schemas.openxmlformats.org/drawingml/2006/compatibility" xmlns:p14="http://schemas.microsoft.com/office/powerpoint/2010/main" xmlns:p15="http://schemas.microsoft.com/office/powerpoint/2012/main" xmlns:ahyp="http://schemas.microsoft.com/office/drawing/2018/hyperlinkcolor" matchingName="Blank" type="blank">
+<p:sldLayout xmlns:a="http://schemas.openxmlformats.org/drawingml/2006/main" xmlns:r="http://schemas.openxmlformats.org/officeDocument/2006/relationships" xmlns:p="http://schemas.openxmlformats.org/presentationml/2006/main" matchingName="Blank" type="blank">
   <p:cSld name="BLANK">
     <p:spTree>
       <p:nvGrpSpPr>
-        <p:cNvPr id="48" name="Shape 48"/>
+        <p:cNvPr id="1" name="Shape 48"/>
         <p:cNvGrpSpPr/>
         <p:nvPr/>
       </p:nvGrpSpPr>
@@ -2140,9 +2208,11 @@
       <p:sp>
         <p:nvSpPr>
           <p:cNvPr id="49" name="Google Shape;49;p12"/>
-          <p:cNvSpPr txBox="1"/>
+          <p:cNvSpPr txBox="1">
+            <a:spLocks noGrp="1"/>
+          </p:cNvSpPr>
           <p:nvPr>
-            <p:ph idx="12" type="sldNum"/>
+            <p:ph type="sldNum" idx="12"/>
           </p:nvPr>
         </p:nvSpPr>
         <p:spPr>
@@ -2155,7 +2225,7 @@
           </a:prstGeom>
         </p:spPr>
         <p:txBody>
-          <a:bodyPr anchorCtr="0" anchor="ctr" bIns="91425" lIns="91425" spcFirstLastPara="1" rIns="91425" wrap="square" tIns="91425">
+          <a:bodyPr spcFirstLastPara="1" wrap="square" lIns="91425" tIns="91425" rIns="91425" bIns="91425" anchor="ctr" anchorCtr="0">
             <a:normAutofit/>
           </a:bodyPr>
           <a:lstStyle>
@@ -2197,7 +2267,7 @@
             </a:lvl9pPr>
           </a:lstStyle>
           <a:p>
-            <a:pPr indent="0" lvl="0" marL="0" rtl="0" algn="r">
+            <a:pPr marL="0" lvl="0" indent="0" algn="r" rtl="0">
               <a:spcBef>
                 <a:spcPts val="0"/>
               </a:spcBef>
@@ -2223,11 +2293,11 @@
 </file>
 
 <file path=ppt/slideLayouts/slideLayout2.xml><?xml version="1.0" encoding="utf-8"?>
-<p:sldLayout xmlns:a="http://schemas.openxmlformats.org/drawingml/2006/main" xmlns:r="http://schemas.openxmlformats.org/officeDocument/2006/relationships" xmlns:mc="http://schemas.openxmlformats.org/markup-compatibility/2006" xmlns:mv="urn:schemas-microsoft-com:mac:vml" xmlns:p="http://schemas.openxmlformats.org/presentationml/2006/main" xmlns:c="http://schemas.openxmlformats.org/drawingml/2006/chart" xmlns:dgm="http://schemas.openxmlformats.org/drawingml/2006/diagram" xmlns:o="urn:schemas-microsoft-com:office:office" xmlns:v="urn:schemas-microsoft-com:vml" xmlns:pvml="urn:schemas-microsoft-com:office:powerpoint" xmlns:com="http://schemas.openxmlformats.org/drawingml/2006/compatibility" xmlns:p14="http://schemas.microsoft.com/office/powerpoint/2010/main" xmlns:p15="http://schemas.microsoft.com/office/powerpoint/2012/main" xmlns:ahyp="http://schemas.microsoft.com/office/drawing/2018/hyperlinkcolor" matchingName="Section header" type="secHead">
+<p:sldLayout xmlns:a="http://schemas.openxmlformats.org/drawingml/2006/main" xmlns:r="http://schemas.openxmlformats.org/officeDocument/2006/relationships" xmlns:p="http://schemas.openxmlformats.org/presentationml/2006/main" matchingName="Section header" type="secHead">
   <p:cSld name="SECTION_HEADER">
     <p:spTree>
       <p:nvGrpSpPr>
-        <p:cNvPr id="13" name="Shape 13"/>
+        <p:cNvPr id="1" name="Shape 13"/>
         <p:cNvGrpSpPr/>
         <p:nvPr/>
       </p:nvGrpSpPr>
@@ -2242,7 +2312,9 @@
       <p:sp>
         <p:nvSpPr>
           <p:cNvPr id="14" name="Google Shape;14;p3"/>
-          <p:cNvSpPr txBox="1"/>
+          <p:cNvSpPr txBox="1">
+            <a:spLocks noGrp="1"/>
+          </p:cNvSpPr>
           <p:nvPr>
             <p:ph type="title"/>
           </p:nvPr>
@@ -2257,7 +2329,7 @@
           </a:prstGeom>
         </p:spPr>
         <p:txBody>
-          <a:bodyPr anchorCtr="0" anchor="ctr" bIns="91425" lIns="91425" spcFirstLastPara="1" rIns="91425" wrap="square" tIns="91425">
+          <a:bodyPr spcFirstLastPara="1" wrap="square" lIns="91425" tIns="91425" rIns="91425" bIns="91425" anchor="ctr" anchorCtr="0">
             <a:normAutofit/>
           </a:bodyPr>
           <a:lstStyle>
@@ -2361,15 +2433,19 @@
               <a:defRPr sz="3600"/>
             </a:lvl9pPr>
           </a:lstStyle>
-          <a:p/>
+          <a:p>
+            <a:endParaRPr/>
+          </a:p>
         </p:txBody>
       </p:sp>
       <p:sp>
         <p:nvSpPr>
           <p:cNvPr id="15" name="Google Shape;15;p3"/>
-          <p:cNvSpPr txBox="1"/>
+          <p:cNvSpPr txBox="1">
+            <a:spLocks noGrp="1"/>
+          </p:cNvSpPr>
           <p:nvPr>
-            <p:ph idx="12" type="sldNum"/>
+            <p:ph type="sldNum" idx="12"/>
           </p:nvPr>
         </p:nvSpPr>
         <p:spPr>
@@ -2382,7 +2458,7 @@
           </a:prstGeom>
         </p:spPr>
         <p:txBody>
-          <a:bodyPr anchorCtr="0" anchor="ctr" bIns="91425" lIns="91425" spcFirstLastPara="1" rIns="91425" wrap="square" tIns="91425">
+          <a:bodyPr spcFirstLastPara="1" wrap="square" lIns="91425" tIns="91425" rIns="91425" bIns="91425" anchor="ctr" anchorCtr="0">
             <a:normAutofit/>
           </a:bodyPr>
           <a:lstStyle>
@@ -2424,7 +2500,7 @@
             </a:lvl9pPr>
           </a:lstStyle>
           <a:p>
-            <a:pPr indent="0" lvl="0" marL="0" rtl="0" algn="r">
+            <a:pPr marL="0" lvl="0" indent="0" algn="r" rtl="0">
               <a:spcBef>
                 <a:spcPts val="0"/>
               </a:spcBef>
@@ -2450,11 +2526,11 @@
 </file>
 
 <file path=ppt/slideLayouts/slideLayout3.xml><?xml version="1.0" encoding="utf-8"?>
-<p:sldLayout xmlns:a="http://schemas.openxmlformats.org/drawingml/2006/main" xmlns:r="http://schemas.openxmlformats.org/officeDocument/2006/relationships" xmlns:mc="http://schemas.openxmlformats.org/markup-compatibility/2006" xmlns:mv="urn:schemas-microsoft-com:mac:vml" xmlns:p="http://schemas.openxmlformats.org/presentationml/2006/main" xmlns:c="http://schemas.openxmlformats.org/drawingml/2006/chart" xmlns:dgm="http://schemas.openxmlformats.org/drawingml/2006/diagram" xmlns:o="urn:schemas-microsoft-com:office:office" xmlns:v="urn:schemas-microsoft-com:vml" xmlns:pvml="urn:schemas-microsoft-com:office:powerpoint" xmlns:com="http://schemas.openxmlformats.org/drawingml/2006/compatibility" xmlns:p14="http://schemas.microsoft.com/office/powerpoint/2010/main" xmlns:p15="http://schemas.microsoft.com/office/powerpoint/2012/main" xmlns:ahyp="http://schemas.microsoft.com/office/drawing/2018/hyperlinkcolor" matchingName="Title and body" type="tx">
+<p:sldLayout xmlns:a="http://schemas.openxmlformats.org/drawingml/2006/main" xmlns:r="http://schemas.openxmlformats.org/officeDocument/2006/relationships" xmlns:p="http://schemas.openxmlformats.org/presentationml/2006/main" matchingName="Title and body" type="tx">
   <p:cSld name="TITLE_AND_BODY">
     <p:spTree>
       <p:nvGrpSpPr>
-        <p:cNvPr id="16" name="Shape 16"/>
+        <p:cNvPr id="1" name="Shape 16"/>
         <p:cNvGrpSpPr/>
         <p:nvPr/>
       </p:nvGrpSpPr>
@@ -2469,7 +2545,9 @@
       <p:sp>
         <p:nvSpPr>
           <p:cNvPr id="17" name="Google Shape;17;p4"/>
-          <p:cNvSpPr txBox="1"/>
+          <p:cNvSpPr txBox="1">
+            <a:spLocks noGrp="1"/>
+          </p:cNvSpPr>
           <p:nvPr>
             <p:ph type="title"/>
           </p:nvPr>
@@ -2484,7 +2562,7 @@
           </a:prstGeom>
         </p:spPr>
         <p:txBody>
-          <a:bodyPr anchorCtr="0" anchor="t" bIns="91425" lIns="91425" spcFirstLastPara="1" rIns="91425" wrap="square" tIns="91425">
+          <a:bodyPr spcFirstLastPara="1" wrap="square" lIns="91425" tIns="91425" rIns="91425" bIns="91425" anchor="t" anchorCtr="0">
             <a:normAutofit/>
           </a:bodyPr>
           <a:lstStyle>
@@ -2588,15 +2666,19 @@
               <a:defRPr/>
             </a:lvl9pPr>
           </a:lstStyle>
-          <a:p/>
+          <a:p>
+            <a:endParaRPr/>
+          </a:p>
         </p:txBody>
       </p:sp>
       <p:sp>
         <p:nvSpPr>
           <p:cNvPr id="18" name="Google Shape;18;p4"/>
-          <p:cNvSpPr txBox="1"/>
+          <p:cNvSpPr txBox="1">
+            <a:spLocks noGrp="1"/>
+          </p:cNvSpPr>
           <p:nvPr>
-            <p:ph idx="1" type="body"/>
+            <p:ph type="body" idx="1"/>
           </p:nvPr>
         </p:nvSpPr>
         <p:spPr>
@@ -2609,11 +2691,11 @@
           </a:prstGeom>
         </p:spPr>
         <p:txBody>
-          <a:bodyPr anchorCtr="0" anchor="t" bIns="91425" lIns="91425" spcFirstLastPara="1" rIns="91425" wrap="square" tIns="91425">
+          <a:bodyPr spcFirstLastPara="1" wrap="square" lIns="91425" tIns="91425" rIns="91425" bIns="91425" anchor="t" anchorCtr="0">
             <a:normAutofit/>
           </a:bodyPr>
           <a:lstStyle>
-            <a:lvl1pPr indent="-342900" lvl="0" marL="457200">
+            <a:lvl1pPr marL="457200" lvl="0" indent="-342900">
               <a:spcBef>
                 <a:spcPts val="0"/>
               </a:spcBef>
@@ -2624,7 +2706,7 @@
               <a:buChar char="●"/>
               <a:defRPr/>
             </a:lvl1pPr>
-            <a:lvl2pPr indent="-317500" lvl="1" marL="914400">
+            <a:lvl2pPr marL="914400" lvl="1" indent="-317500">
               <a:spcBef>
                 <a:spcPts val="0"/>
               </a:spcBef>
@@ -2635,7 +2717,7 @@
               <a:buChar char="○"/>
               <a:defRPr/>
             </a:lvl2pPr>
-            <a:lvl3pPr indent="-317500" lvl="2" marL="1371600">
+            <a:lvl3pPr marL="1371600" lvl="2" indent="-317500">
               <a:spcBef>
                 <a:spcPts val="0"/>
               </a:spcBef>
@@ -2646,7 +2728,7 @@
               <a:buChar char="■"/>
               <a:defRPr/>
             </a:lvl3pPr>
-            <a:lvl4pPr indent="-317500" lvl="3" marL="1828800">
+            <a:lvl4pPr marL="1828800" lvl="3" indent="-317500">
               <a:spcBef>
                 <a:spcPts val="0"/>
               </a:spcBef>
@@ -2657,7 +2739,7 @@
               <a:buChar char="●"/>
               <a:defRPr/>
             </a:lvl4pPr>
-            <a:lvl5pPr indent="-317500" lvl="4" marL="2286000">
+            <a:lvl5pPr marL="2286000" lvl="4" indent="-317500">
               <a:spcBef>
                 <a:spcPts val="0"/>
               </a:spcBef>
@@ -2668,7 +2750,7 @@
               <a:buChar char="○"/>
               <a:defRPr/>
             </a:lvl5pPr>
-            <a:lvl6pPr indent="-317500" lvl="5" marL="2743200">
+            <a:lvl6pPr marL="2743200" lvl="5" indent="-317500">
               <a:spcBef>
                 <a:spcPts val="0"/>
               </a:spcBef>
@@ -2679,7 +2761,7 @@
               <a:buChar char="■"/>
               <a:defRPr/>
             </a:lvl6pPr>
-            <a:lvl7pPr indent="-317500" lvl="6" marL="3200400">
+            <a:lvl7pPr marL="3200400" lvl="6" indent="-317500">
               <a:spcBef>
                 <a:spcPts val="0"/>
               </a:spcBef>
@@ -2690,7 +2772,7 @@
               <a:buChar char="●"/>
               <a:defRPr/>
             </a:lvl7pPr>
-            <a:lvl8pPr indent="-317500" lvl="7" marL="3657600">
+            <a:lvl8pPr marL="3657600" lvl="7" indent="-317500">
               <a:spcBef>
                 <a:spcPts val="0"/>
               </a:spcBef>
@@ -2701,7 +2783,7 @@
               <a:buChar char="○"/>
               <a:defRPr/>
             </a:lvl8pPr>
-            <a:lvl9pPr indent="-317500" lvl="8" marL="4114800">
+            <a:lvl9pPr marL="4114800" lvl="8" indent="-317500">
               <a:spcBef>
                 <a:spcPts val="0"/>
               </a:spcBef>
@@ -2713,15 +2795,19 @@
               <a:defRPr/>
             </a:lvl9pPr>
           </a:lstStyle>
-          <a:p/>
+          <a:p>
+            <a:endParaRPr/>
+          </a:p>
         </p:txBody>
       </p:sp>
       <p:sp>
         <p:nvSpPr>
           <p:cNvPr id="19" name="Google Shape;19;p4"/>
-          <p:cNvSpPr txBox="1"/>
+          <p:cNvSpPr txBox="1">
+            <a:spLocks noGrp="1"/>
+          </p:cNvSpPr>
           <p:nvPr>
-            <p:ph idx="12" type="sldNum"/>
+            <p:ph type="sldNum" idx="12"/>
           </p:nvPr>
         </p:nvSpPr>
         <p:spPr>
@@ -2734,7 +2820,7 @@
           </a:prstGeom>
         </p:spPr>
         <p:txBody>
-          <a:bodyPr anchorCtr="0" anchor="ctr" bIns="91425" lIns="91425" spcFirstLastPara="1" rIns="91425" wrap="square" tIns="91425">
+          <a:bodyPr spcFirstLastPara="1" wrap="square" lIns="91425" tIns="91425" rIns="91425" bIns="91425" anchor="ctr" anchorCtr="0">
             <a:normAutofit/>
           </a:bodyPr>
           <a:lstStyle>
@@ -2776,7 +2862,7 @@
             </a:lvl9pPr>
           </a:lstStyle>
           <a:p>
-            <a:pPr indent="0" lvl="0" marL="0" rtl="0" algn="r">
+            <a:pPr marL="0" lvl="0" indent="0" algn="r" rtl="0">
               <a:spcBef>
                 <a:spcPts val="0"/>
               </a:spcBef>
@@ -2802,11 +2888,11 @@
 </file>
 
 <file path=ppt/slideLayouts/slideLayout4.xml><?xml version="1.0" encoding="utf-8"?>
-<p:sldLayout xmlns:a="http://schemas.openxmlformats.org/drawingml/2006/main" xmlns:r="http://schemas.openxmlformats.org/officeDocument/2006/relationships" xmlns:mc="http://schemas.openxmlformats.org/markup-compatibility/2006" xmlns:mv="urn:schemas-microsoft-com:mac:vml" xmlns:p="http://schemas.openxmlformats.org/presentationml/2006/main" xmlns:c="http://schemas.openxmlformats.org/drawingml/2006/chart" xmlns:dgm="http://schemas.openxmlformats.org/drawingml/2006/diagram" xmlns:o="urn:schemas-microsoft-com:office:office" xmlns:v="urn:schemas-microsoft-com:vml" xmlns:pvml="urn:schemas-microsoft-com:office:powerpoint" xmlns:com="http://schemas.openxmlformats.org/drawingml/2006/compatibility" xmlns:p14="http://schemas.microsoft.com/office/powerpoint/2010/main" xmlns:p15="http://schemas.microsoft.com/office/powerpoint/2012/main" xmlns:ahyp="http://schemas.microsoft.com/office/drawing/2018/hyperlinkcolor" matchingName="Title and two columns" type="twoColTx">
+<p:sldLayout xmlns:a="http://schemas.openxmlformats.org/drawingml/2006/main" xmlns:r="http://schemas.openxmlformats.org/officeDocument/2006/relationships" xmlns:p="http://schemas.openxmlformats.org/presentationml/2006/main" matchingName="Title and two columns" type="twoColTx">
   <p:cSld name="TITLE_AND_TWO_COLUMNS">
     <p:spTree>
       <p:nvGrpSpPr>
-        <p:cNvPr id="20" name="Shape 20"/>
+        <p:cNvPr id="1" name="Shape 20"/>
         <p:cNvGrpSpPr/>
         <p:nvPr/>
       </p:nvGrpSpPr>
@@ -2821,7 +2907,9 @@
       <p:sp>
         <p:nvSpPr>
           <p:cNvPr id="21" name="Google Shape;21;p5"/>
-          <p:cNvSpPr txBox="1"/>
+          <p:cNvSpPr txBox="1">
+            <a:spLocks noGrp="1"/>
+          </p:cNvSpPr>
           <p:nvPr>
             <p:ph type="title"/>
           </p:nvPr>
@@ -2836,7 +2924,7 @@
           </a:prstGeom>
         </p:spPr>
         <p:txBody>
-          <a:bodyPr anchorCtr="0" anchor="t" bIns="91425" lIns="91425" spcFirstLastPara="1" rIns="91425" wrap="square" tIns="91425">
+          <a:bodyPr spcFirstLastPara="1" wrap="square" lIns="91425" tIns="91425" rIns="91425" bIns="91425" anchor="t" anchorCtr="0">
             <a:normAutofit/>
           </a:bodyPr>
           <a:lstStyle>
@@ -2940,15 +3028,19 @@
               <a:defRPr/>
             </a:lvl9pPr>
           </a:lstStyle>
-          <a:p/>
+          <a:p>
+            <a:endParaRPr/>
+          </a:p>
         </p:txBody>
       </p:sp>
       <p:sp>
         <p:nvSpPr>
           <p:cNvPr id="22" name="Google Shape;22;p5"/>
-          <p:cNvSpPr txBox="1"/>
+          <p:cNvSpPr txBox="1">
+            <a:spLocks noGrp="1"/>
+          </p:cNvSpPr>
           <p:nvPr>
-            <p:ph idx="1" type="body"/>
+            <p:ph type="body" idx="1"/>
           </p:nvPr>
         </p:nvSpPr>
         <p:spPr>
@@ -2961,11 +3053,11 @@
           </a:prstGeom>
         </p:spPr>
         <p:txBody>
-          <a:bodyPr anchorCtr="0" anchor="t" bIns="91425" lIns="91425" spcFirstLastPara="1" rIns="91425" wrap="square" tIns="91425">
+          <a:bodyPr spcFirstLastPara="1" wrap="square" lIns="91425" tIns="91425" rIns="91425" bIns="91425" anchor="t" anchorCtr="0">
             <a:normAutofit/>
           </a:bodyPr>
           <a:lstStyle>
-            <a:lvl1pPr indent="-317500" lvl="0" marL="457200">
+            <a:lvl1pPr marL="457200" lvl="0" indent="-317500">
               <a:spcBef>
                 <a:spcPts val="0"/>
               </a:spcBef>
@@ -2976,7 +3068,7 @@
               <a:buChar char="●"/>
               <a:defRPr sz="1400"/>
             </a:lvl1pPr>
-            <a:lvl2pPr indent="-304800" lvl="1" marL="914400">
+            <a:lvl2pPr marL="914400" lvl="1" indent="-304800">
               <a:spcBef>
                 <a:spcPts val="0"/>
               </a:spcBef>
@@ -2987,7 +3079,7 @@
               <a:buChar char="○"/>
               <a:defRPr sz="1200"/>
             </a:lvl2pPr>
-            <a:lvl3pPr indent="-304800" lvl="2" marL="1371600">
+            <a:lvl3pPr marL="1371600" lvl="2" indent="-304800">
               <a:spcBef>
                 <a:spcPts val="0"/>
               </a:spcBef>
@@ -2998,7 +3090,7 @@
               <a:buChar char="■"/>
               <a:defRPr sz="1200"/>
             </a:lvl3pPr>
-            <a:lvl4pPr indent="-304800" lvl="3" marL="1828800">
+            <a:lvl4pPr marL="1828800" lvl="3" indent="-304800">
               <a:spcBef>
                 <a:spcPts val="0"/>
               </a:spcBef>
@@ -3009,7 +3101,7 @@
               <a:buChar char="●"/>
               <a:defRPr sz="1200"/>
             </a:lvl4pPr>
-            <a:lvl5pPr indent="-304800" lvl="4" marL="2286000">
+            <a:lvl5pPr marL="2286000" lvl="4" indent="-304800">
               <a:spcBef>
                 <a:spcPts val="0"/>
               </a:spcBef>
@@ -3020,7 +3112,7 @@
               <a:buChar char="○"/>
               <a:defRPr sz="1200"/>
             </a:lvl5pPr>
-            <a:lvl6pPr indent="-304800" lvl="5" marL="2743200">
+            <a:lvl6pPr marL="2743200" lvl="5" indent="-304800">
               <a:spcBef>
                 <a:spcPts val="0"/>
               </a:spcBef>
@@ -3031,7 +3123,7 @@
               <a:buChar char="■"/>
               <a:defRPr sz="1200"/>
             </a:lvl6pPr>
-            <a:lvl7pPr indent="-304800" lvl="6" marL="3200400">
+            <a:lvl7pPr marL="3200400" lvl="6" indent="-304800">
               <a:spcBef>
                 <a:spcPts val="0"/>
               </a:spcBef>
@@ -3042,7 +3134,7 @@
               <a:buChar char="●"/>
               <a:defRPr sz="1200"/>
             </a:lvl7pPr>
-            <a:lvl8pPr indent="-304800" lvl="7" marL="3657600">
+            <a:lvl8pPr marL="3657600" lvl="7" indent="-304800">
               <a:spcBef>
                 <a:spcPts val="0"/>
               </a:spcBef>
@@ -3053,7 +3145,7 @@
               <a:buChar char="○"/>
               <a:defRPr sz="1200"/>
             </a:lvl8pPr>
-            <a:lvl9pPr indent="-304800" lvl="8" marL="4114800">
+            <a:lvl9pPr marL="4114800" lvl="8" indent="-304800">
               <a:spcBef>
                 <a:spcPts val="0"/>
               </a:spcBef>
@@ -3065,15 +3157,19 @@
               <a:defRPr sz="1200"/>
             </a:lvl9pPr>
           </a:lstStyle>
-          <a:p/>
+          <a:p>
+            <a:endParaRPr/>
+          </a:p>
         </p:txBody>
       </p:sp>
       <p:sp>
         <p:nvSpPr>
           <p:cNvPr id="23" name="Google Shape;23;p5"/>
-          <p:cNvSpPr txBox="1"/>
+          <p:cNvSpPr txBox="1">
+            <a:spLocks noGrp="1"/>
+          </p:cNvSpPr>
           <p:nvPr>
-            <p:ph idx="2" type="body"/>
+            <p:ph type="body" idx="2"/>
           </p:nvPr>
         </p:nvSpPr>
         <p:spPr>
@@ -3086,11 +3182,11 @@
           </a:prstGeom>
         </p:spPr>
         <p:txBody>
-          <a:bodyPr anchorCtr="0" anchor="t" bIns="91425" lIns="91425" spcFirstLastPara="1" rIns="91425" wrap="square" tIns="91425">
+          <a:bodyPr spcFirstLastPara="1" wrap="square" lIns="91425" tIns="91425" rIns="91425" bIns="91425" anchor="t" anchorCtr="0">
             <a:normAutofit/>
           </a:bodyPr>
           <a:lstStyle>
-            <a:lvl1pPr indent="-317500" lvl="0" marL="457200">
+            <a:lvl1pPr marL="457200" lvl="0" indent="-317500">
               <a:spcBef>
                 <a:spcPts val="0"/>
               </a:spcBef>
@@ -3101,7 +3197,7 @@
               <a:buChar char="●"/>
               <a:defRPr sz="1400"/>
             </a:lvl1pPr>
-            <a:lvl2pPr indent="-304800" lvl="1" marL="914400">
+            <a:lvl2pPr marL="914400" lvl="1" indent="-304800">
               <a:spcBef>
                 <a:spcPts val="0"/>
               </a:spcBef>
@@ -3112,7 +3208,7 @@
               <a:buChar char="○"/>
               <a:defRPr sz="1200"/>
             </a:lvl2pPr>
-            <a:lvl3pPr indent="-304800" lvl="2" marL="1371600">
+            <a:lvl3pPr marL="1371600" lvl="2" indent="-304800">
               <a:spcBef>
                 <a:spcPts val="0"/>
               </a:spcBef>
@@ -3123,7 +3219,7 @@
               <a:buChar char="■"/>
               <a:defRPr sz="1200"/>
             </a:lvl3pPr>
-            <a:lvl4pPr indent="-304800" lvl="3" marL="1828800">
+            <a:lvl4pPr marL="1828800" lvl="3" indent="-304800">
               <a:spcBef>
                 <a:spcPts val="0"/>
               </a:spcBef>
@@ -3134,7 +3230,7 @@
               <a:buChar char="●"/>
               <a:defRPr sz="1200"/>
             </a:lvl4pPr>
-            <a:lvl5pPr indent="-304800" lvl="4" marL="2286000">
+            <a:lvl5pPr marL="2286000" lvl="4" indent="-304800">
               <a:spcBef>
                 <a:spcPts val="0"/>
               </a:spcBef>
@@ -3145,7 +3241,7 @@
               <a:buChar char="○"/>
               <a:defRPr sz="1200"/>
             </a:lvl5pPr>
-            <a:lvl6pPr indent="-304800" lvl="5" marL="2743200">
+            <a:lvl6pPr marL="2743200" lvl="5" indent="-304800">
               <a:spcBef>
                 <a:spcPts val="0"/>
               </a:spcBef>
@@ -3156,7 +3252,7 @@
               <a:buChar char="■"/>
               <a:defRPr sz="1200"/>
             </a:lvl6pPr>
-            <a:lvl7pPr indent="-304800" lvl="6" marL="3200400">
+            <a:lvl7pPr marL="3200400" lvl="6" indent="-304800">
               <a:spcBef>
                 <a:spcPts val="0"/>
               </a:spcBef>
@@ -3167,7 +3263,7 @@
               <a:buChar char="●"/>
               <a:defRPr sz="1200"/>
             </a:lvl7pPr>
-            <a:lvl8pPr indent="-304800" lvl="7" marL="3657600">
+            <a:lvl8pPr marL="3657600" lvl="7" indent="-304800">
               <a:spcBef>
                 <a:spcPts val="0"/>
               </a:spcBef>
@@ -3178,7 +3274,7 @@
               <a:buChar char="○"/>
               <a:defRPr sz="1200"/>
             </a:lvl8pPr>
-            <a:lvl9pPr indent="-304800" lvl="8" marL="4114800">
+            <a:lvl9pPr marL="4114800" lvl="8" indent="-304800">
               <a:spcBef>
                 <a:spcPts val="0"/>
               </a:spcBef>
@@ -3190,15 +3286,19 @@
               <a:defRPr sz="1200"/>
             </a:lvl9pPr>
           </a:lstStyle>
-          <a:p/>
+          <a:p>
+            <a:endParaRPr/>
+          </a:p>
         </p:txBody>
       </p:sp>
       <p:sp>
         <p:nvSpPr>
           <p:cNvPr id="24" name="Google Shape;24;p5"/>
-          <p:cNvSpPr txBox="1"/>
+          <p:cNvSpPr txBox="1">
+            <a:spLocks noGrp="1"/>
+          </p:cNvSpPr>
           <p:nvPr>
-            <p:ph idx="12" type="sldNum"/>
+            <p:ph type="sldNum" idx="12"/>
           </p:nvPr>
         </p:nvSpPr>
         <p:spPr>
@@ -3211,7 +3311,7 @@
           </a:prstGeom>
         </p:spPr>
         <p:txBody>
-          <a:bodyPr anchorCtr="0" anchor="ctr" bIns="91425" lIns="91425" spcFirstLastPara="1" rIns="91425" wrap="square" tIns="91425">
+          <a:bodyPr spcFirstLastPara="1" wrap="square" lIns="91425" tIns="91425" rIns="91425" bIns="91425" anchor="ctr" anchorCtr="0">
             <a:normAutofit/>
           </a:bodyPr>
           <a:lstStyle>
@@ -3253,7 +3353,7 @@
             </a:lvl9pPr>
           </a:lstStyle>
           <a:p>
-            <a:pPr indent="0" lvl="0" marL="0" rtl="0" algn="r">
+            <a:pPr marL="0" lvl="0" indent="0" algn="r" rtl="0">
               <a:spcBef>
                 <a:spcPts val="0"/>
               </a:spcBef>
@@ -3279,11 +3379,11 @@
 </file>
 
 <file path=ppt/slideLayouts/slideLayout5.xml><?xml version="1.0" encoding="utf-8"?>
-<p:sldLayout xmlns:a="http://schemas.openxmlformats.org/drawingml/2006/main" xmlns:r="http://schemas.openxmlformats.org/officeDocument/2006/relationships" xmlns:mc="http://schemas.openxmlformats.org/markup-compatibility/2006" xmlns:mv="urn:schemas-microsoft-com:mac:vml" xmlns:p="http://schemas.openxmlformats.org/presentationml/2006/main" xmlns:c="http://schemas.openxmlformats.org/drawingml/2006/chart" xmlns:dgm="http://schemas.openxmlformats.org/drawingml/2006/diagram" xmlns:o="urn:schemas-microsoft-com:office:office" xmlns:v="urn:schemas-microsoft-com:vml" xmlns:pvml="urn:schemas-microsoft-com:office:powerpoint" xmlns:com="http://schemas.openxmlformats.org/drawingml/2006/compatibility" xmlns:p14="http://schemas.microsoft.com/office/powerpoint/2010/main" xmlns:p15="http://schemas.microsoft.com/office/powerpoint/2012/main" xmlns:ahyp="http://schemas.microsoft.com/office/drawing/2018/hyperlinkcolor" matchingName="Title only" type="titleOnly">
+<p:sldLayout xmlns:a="http://schemas.openxmlformats.org/drawingml/2006/main" xmlns:r="http://schemas.openxmlformats.org/officeDocument/2006/relationships" xmlns:p="http://schemas.openxmlformats.org/presentationml/2006/main" matchingName="Title only" type="titleOnly">
   <p:cSld name="TITLE_ONLY">
     <p:spTree>
       <p:nvGrpSpPr>
-        <p:cNvPr id="25" name="Shape 25"/>
+        <p:cNvPr id="1" name="Shape 25"/>
         <p:cNvGrpSpPr/>
         <p:nvPr/>
       </p:nvGrpSpPr>
@@ -3298,7 +3398,9 @@
       <p:sp>
         <p:nvSpPr>
           <p:cNvPr id="26" name="Google Shape;26;p6"/>
-          <p:cNvSpPr txBox="1"/>
+          <p:cNvSpPr txBox="1">
+            <a:spLocks noGrp="1"/>
+          </p:cNvSpPr>
           <p:nvPr>
             <p:ph type="title"/>
           </p:nvPr>
@@ -3313,7 +3415,7 @@
           </a:prstGeom>
         </p:spPr>
         <p:txBody>
-          <a:bodyPr anchorCtr="0" anchor="t" bIns="91425" lIns="91425" spcFirstLastPara="1" rIns="91425" wrap="square" tIns="91425">
+          <a:bodyPr spcFirstLastPara="1" wrap="square" lIns="91425" tIns="91425" rIns="91425" bIns="91425" anchor="t" anchorCtr="0">
             <a:normAutofit/>
           </a:bodyPr>
           <a:lstStyle>
@@ -3417,15 +3519,19 @@
               <a:defRPr/>
             </a:lvl9pPr>
           </a:lstStyle>
-          <a:p/>
+          <a:p>
+            <a:endParaRPr/>
+          </a:p>
         </p:txBody>
       </p:sp>
       <p:sp>
         <p:nvSpPr>
           <p:cNvPr id="27" name="Google Shape;27;p6"/>
-          <p:cNvSpPr txBox="1"/>
+          <p:cNvSpPr txBox="1">
+            <a:spLocks noGrp="1"/>
+          </p:cNvSpPr>
           <p:nvPr>
-            <p:ph idx="12" type="sldNum"/>
+            <p:ph type="sldNum" idx="12"/>
           </p:nvPr>
         </p:nvSpPr>
         <p:spPr>
@@ -3438,7 +3544,7 @@
           </a:prstGeom>
         </p:spPr>
         <p:txBody>
-          <a:bodyPr anchorCtr="0" anchor="ctr" bIns="91425" lIns="91425" spcFirstLastPara="1" rIns="91425" wrap="square" tIns="91425">
+          <a:bodyPr spcFirstLastPara="1" wrap="square" lIns="91425" tIns="91425" rIns="91425" bIns="91425" anchor="ctr" anchorCtr="0">
             <a:normAutofit/>
           </a:bodyPr>
           <a:lstStyle>
@@ -3480,7 +3586,7 @@
             </a:lvl9pPr>
           </a:lstStyle>
           <a:p>
-            <a:pPr indent="0" lvl="0" marL="0" rtl="0" algn="r">
+            <a:pPr marL="0" lvl="0" indent="0" algn="r" rtl="0">
               <a:spcBef>
                 <a:spcPts val="0"/>
               </a:spcBef>
@@ -3506,11 +3612,11 @@
 </file>
 
 <file path=ppt/slideLayouts/slideLayout6.xml><?xml version="1.0" encoding="utf-8"?>
-<p:sldLayout xmlns:a="http://schemas.openxmlformats.org/drawingml/2006/main" xmlns:r="http://schemas.openxmlformats.org/officeDocument/2006/relationships" xmlns:mc="http://schemas.openxmlformats.org/markup-compatibility/2006" xmlns:mv="urn:schemas-microsoft-com:mac:vml" xmlns:p="http://schemas.openxmlformats.org/presentationml/2006/main" xmlns:c="http://schemas.openxmlformats.org/drawingml/2006/chart" xmlns:dgm="http://schemas.openxmlformats.org/drawingml/2006/diagram" xmlns:o="urn:schemas-microsoft-com:office:office" xmlns:v="urn:schemas-microsoft-com:vml" xmlns:pvml="urn:schemas-microsoft-com:office:powerpoint" xmlns:com="http://schemas.openxmlformats.org/drawingml/2006/compatibility" xmlns:p14="http://schemas.microsoft.com/office/powerpoint/2010/main" xmlns:p15="http://schemas.microsoft.com/office/powerpoint/2012/main" xmlns:ahyp="http://schemas.microsoft.com/office/drawing/2018/hyperlinkcolor" matchingName="One column text">
+<p:sldLayout xmlns:a="http://schemas.openxmlformats.org/drawingml/2006/main" xmlns:r="http://schemas.openxmlformats.org/officeDocument/2006/relationships" xmlns:p="http://schemas.openxmlformats.org/presentationml/2006/main" matchingName="One column text">
   <p:cSld name="ONE_COLUMN_TEXT">
     <p:spTree>
       <p:nvGrpSpPr>
-        <p:cNvPr id="28" name="Shape 28"/>
+        <p:cNvPr id="1" name="Shape 28"/>
         <p:cNvGrpSpPr/>
         <p:nvPr/>
       </p:nvGrpSpPr>
@@ -3525,7 +3631,9 @@
       <p:sp>
         <p:nvSpPr>
           <p:cNvPr id="29" name="Google Shape;29;p7"/>
-          <p:cNvSpPr txBox="1"/>
+          <p:cNvSpPr txBox="1">
+            <a:spLocks noGrp="1"/>
+          </p:cNvSpPr>
           <p:nvPr>
             <p:ph type="title"/>
           </p:nvPr>
@@ -3540,7 +3648,7 @@
           </a:prstGeom>
         </p:spPr>
         <p:txBody>
-          <a:bodyPr anchorCtr="0" anchor="b" bIns="91425" lIns="91425" spcFirstLastPara="1" rIns="91425" wrap="square" tIns="91425">
+          <a:bodyPr spcFirstLastPara="1" wrap="square" lIns="91425" tIns="91425" rIns="91425" bIns="91425" anchor="b" anchorCtr="0">
             <a:normAutofit/>
           </a:bodyPr>
           <a:lstStyle>
@@ -3644,15 +3752,19 @@
               <a:defRPr sz="2400"/>
             </a:lvl9pPr>
           </a:lstStyle>
-          <a:p/>
+          <a:p>
+            <a:endParaRPr/>
+          </a:p>
         </p:txBody>
       </p:sp>
       <p:sp>
         <p:nvSpPr>
           <p:cNvPr id="30" name="Google Shape;30;p7"/>
-          <p:cNvSpPr txBox="1"/>
+          <p:cNvSpPr txBox="1">
+            <a:spLocks noGrp="1"/>
+          </p:cNvSpPr>
           <p:nvPr>
-            <p:ph idx="1" type="body"/>
+            <p:ph type="body" idx="1"/>
           </p:nvPr>
         </p:nvSpPr>
         <p:spPr>
@@ -3665,11 +3777,11 @@
           </a:prstGeom>
         </p:spPr>
         <p:txBody>
-          <a:bodyPr anchorCtr="0" anchor="t" bIns="91425" lIns="91425" spcFirstLastPara="1" rIns="91425" wrap="square" tIns="91425">
+          <a:bodyPr spcFirstLastPara="1" wrap="square" lIns="91425" tIns="91425" rIns="91425" bIns="91425" anchor="t" anchorCtr="0">
             <a:normAutofit/>
           </a:bodyPr>
           <a:lstStyle>
-            <a:lvl1pPr indent="-304800" lvl="0" marL="457200">
+            <a:lvl1pPr marL="457200" lvl="0" indent="-304800">
               <a:spcBef>
                 <a:spcPts val="0"/>
               </a:spcBef>
@@ -3680,7 +3792,7 @@
               <a:buChar char="●"/>
               <a:defRPr sz="1200"/>
             </a:lvl1pPr>
-            <a:lvl2pPr indent="-304800" lvl="1" marL="914400">
+            <a:lvl2pPr marL="914400" lvl="1" indent="-304800">
               <a:spcBef>
                 <a:spcPts val="0"/>
               </a:spcBef>
@@ -3691,7 +3803,7 @@
               <a:buChar char="○"/>
               <a:defRPr sz="1200"/>
             </a:lvl2pPr>
-            <a:lvl3pPr indent="-304800" lvl="2" marL="1371600">
+            <a:lvl3pPr marL="1371600" lvl="2" indent="-304800">
               <a:spcBef>
                 <a:spcPts val="0"/>
               </a:spcBef>
@@ -3702,7 +3814,7 @@
               <a:buChar char="■"/>
               <a:defRPr sz="1200"/>
             </a:lvl3pPr>
-            <a:lvl4pPr indent="-304800" lvl="3" marL="1828800">
+            <a:lvl4pPr marL="1828800" lvl="3" indent="-304800">
               <a:spcBef>
                 <a:spcPts val="0"/>
               </a:spcBef>
@@ -3713,7 +3825,7 @@
               <a:buChar char="●"/>
               <a:defRPr sz="1200"/>
             </a:lvl4pPr>
-            <a:lvl5pPr indent="-304800" lvl="4" marL="2286000">
+            <a:lvl5pPr marL="2286000" lvl="4" indent="-304800">
               <a:spcBef>
                 <a:spcPts val="0"/>
               </a:spcBef>
@@ -3724,7 +3836,7 @@
               <a:buChar char="○"/>
               <a:defRPr sz="1200"/>
             </a:lvl5pPr>
-            <a:lvl6pPr indent="-304800" lvl="5" marL="2743200">
+            <a:lvl6pPr marL="2743200" lvl="5" indent="-304800">
               <a:spcBef>
                 <a:spcPts val="0"/>
               </a:spcBef>
@@ -3735,7 +3847,7 @@
               <a:buChar char="■"/>
               <a:defRPr sz="1200"/>
             </a:lvl6pPr>
-            <a:lvl7pPr indent="-304800" lvl="6" marL="3200400">
+            <a:lvl7pPr marL="3200400" lvl="6" indent="-304800">
               <a:spcBef>
                 <a:spcPts val="0"/>
               </a:spcBef>
@@ -3746,7 +3858,7 @@
               <a:buChar char="●"/>
               <a:defRPr sz="1200"/>
             </a:lvl7pPr>
-            <a:lvl8pPr indent="-304800" lvl="7" marL="3657600">
+            <a:lvl8pPr marL="3657600" lvl="7" indent="-304800">
               <a:spcBef>
                 <a:spcPts val="0"/>
               </a:spcBef>
@@ -3757,7 +3869,7 @@
               <a:buChar char="○"/>
               <a:defRPr sz="1200"/>
             </a:lvl8pPr>
-            <a:lvl9pPr indent="-304800" lvl="8" marL="4114800">
+            <a:lvl9pPr marL="4114800" lvl="8" indent="-304800">
               <a:spcBef>
                 <a:spcPts val="0"/>
               </a:spcBef>
@@ -3769,15 +3881,19 @@
               <a:defRPr sz="1200"/>
             </a:lvl9pPr>
           </a:lstStyle>
-          <a:p/>
+          <a:p>
+            <a:endParaRPr/>
+          </a:p>
         </p:txBody>
       </p:sp>
       <p:sp>
         <p:nvSpPr>
           <p:cNvPr id="31" name="Google Shape;31;p7"/>
-          <p:cNvSpPr txBox="1"/>
+          <p:cNvSpPr txBox="1">
+            <a:spLocks noGrp="1"/>
+          </p:cNvSpPr>
           <p:nvPr>
-            <p:ph idx="12" type="sldNum"/>
+            <p:ph type="sldNum" idx="12"/>
           </p:nvPr>
         </p:nvSpPr>
         <p:spPr>
@@ -3790,7 +3906,7 @@
           </a:prstGeom>
         </p:spPr>
         <p:txBody>
-          <a:bodyPr anchorCtr="0" anchor="ctr" bIns="91425" lIns="91425" spcFirstLastPara="1" rIns="91425" wrap="square" tIns="91425">
+          <a:bodyPr spcFirstLastPara="1" wrap="square" lIns="91425" tIns="91425" rIns="91425" bIns="91425" anchor="ctr" anchorCtr="0">
             <a:normAutofit/>
           </a:bodyPr>
           <a:lstStyle>
@@ -3832,7 +3948,7 @@
             </a:lvl9pPr>
           </a:lstStyle>
           <a:p>
-            <a:pPr indent="0" lvl="0" marL="0" rtl="0" algn="r">
+            <a:pPr marL="0" lvl="0" indent="0" algn="r" rtl="0">
               <a:spcBef>
                 <a:spcPts val="0"/>
               </a:spcBef>
@@ -3858,11 +3974,11 @@
 </file>
 
 <file path=ppt/slideLayouts/slideLayout7.xml><?xml version="1.0" encoding="utf-8"?>
-<p:sldLayout xmlns:a="http://schemas.openxmlformats.org/drawingml/2006/main" xmlns:r="http://schemas.openxmlformats.org/officeDocument/2006/relationships" xmlns:mc="http://schemas.openxmlformats.org/markup-compatibility/2006" xmlns:mv="urn:schemas-microsoft-com:mac:vml" xmlns:p="http://schemas.openxmlformats.org/presentationml/2006/main" xmlns:c="http://schemas.openxmlformats.org/drawingml/2006/chart" xmlns:dgm="http://schemas.openxmlformats.org/drawingml/2006/diagram" xmlns:o="urn:schemas-microsoft-com:office:office" xmlns:v="urn:schemas-microsoft-com:vml" xmlns:pvml="urn:schemas-microsoft-com:office:powerpoint" xmlns:com="http://schemas.openxmlformats.org/drawingml/2006/compatibility" xmlns:p14="http://schemas.microsoft.com/office/powerpoint/2010/main" xmlns:p15="http://schemas.microsoft.com/office/powerpoint/2012/main" xmlns:ahyp="http://schemas.microsoft.com/office/drawing/2018/hyperlinkcolor" matchingName="Main point">
+<p:sldLayout xmlns:a="http://schemas.openxmlformats.org/drawingml/2006/main" xmlns:r="http://schemas.openxmlformats.org/officeDocument/2006/relationships" xmlns:p="http://schemas.openxmlformats.org/presentationml/2006/main" matchingName="Main point">
   <p:cSld name="MAIN_POINT">
     <p:spTree>
       <p:nvGrpSpPr>
-        <p:cNvPr id="32" name="Shape 32"/>
+        <p:cNvPr id="1" name="Shape 32"/>
         <p:cNvGrpSpPr/>
         <p:nvPr/>
       </p:nvGrpSpPr>
@@ -3877,7 +3993,9 @@
       <p:sp>
         <p:nvSpPr>
           <p:cNvPr id="33" name="Google Shape;33;p8"/>
-          <p:cNvSpPr txBox="1"/>
+          <p:cNvSpPr txBox="1">
+            <a:spLocks noGrp="1"/>
+          </p:cNvSpPr>
           <p:nvPr>
             <p:ph type="title"/>
           </p:nvPr>
@@ -3892,7 +4010,7 @@
           </a:prstGeom>
         </p:spPr>
         <p:txBody>
-          <a:bodyPr anchorCtr="0" anchor="ctr" bIns="91425" lIns="91425" spcFirstLastPara="1" rIns="91425" wrap="square" tIns="91425">
+          <a:bodyPr spcFirstLastPara="1" wrap="square" lIns="91425" tIns="91425" rIns="91425" bIns="91425" anchor="ctr" anchorCtr="0">
             <a:normAutofit/>
           </a:bodyPr>
           <a:lstStyle>
@@ -3996,15 +4114,19 @@
               <a:defRPr sz="4800"/>
             </a:lvl9pPr>
           </a:lstStyle>
-          <a:p/>
+          <a:p>
+            <a:endParaRPr/>
+          </a:p>
         </p:txBody>
       </p:sp>
       <p:sp>
         <p:nvSpPr>
           <p:cNvPr id="34" name="Google Shape;34;p8"/>
-          <p:cNvSpPr txBox="1"/>
+          <p:cNvSpPr txBox="1">
+            <a:spLocks noGrp="1"/>
+          </p:cNvSpPr>
           <p:nvPr>
-            <p:ph idx="12" type="sldNum"/>
+            <p:ph type="sldNum" idx="12"/>
           </p:nvPr>
         </p:nvSpPr>
         <p:spPr>
@@ -4017,7 +4139,7 @@
           </a:prstGeom>
         </p:spPr>
         <p:txBody>
-          <a:bodyPr anchorCtr="0" anchor="ctr" bIns="91425" lIns="91425" spcFirstLastPara="1" rIns="91425" wrap="square" tIns="91425">
+          <a:bodyPr spcFirstLastPara="1" wrap="square" lIns="91425" tIns="91425" rIns="91425" bIns="91425" anchor="ctr" anchorCtr="0">
             <a:normAutofit/>
           </a:bodyPr>
           <a:lstStyle>
@@ -4059,7 +4181,7 @@
             </a:lvl9pPr>
           </a:lstStyle>
           <a:p>
-            <a:pPr indent="0" lvl="0" marL="0" rtl="0" algn="r">
+            <a:pPr marL="0" lvl="0" indent="0" algn="r" rtl="0">
               <a:spcBef>
                 <a:spcPts val="0"/>
               </a:spcBef>
@@ -4085,11 +4207,11 @@
 </file>
 
 <file path=ppt/slideLayouts/slideLayout8.xml><?xml version="1.0" encoding="utf-8"?>
-<p:sldLayout xmlns:a="http://schemas.openxmlformats.org/drawingml/2006/main" xmlns:r="http://schemas.openxmlformats.org/officeDocument/2006/relationships" xmlns:mc="http://schemas.openxmlformats.org/markup-compatibility/2006" xmlns:mv="urn:schemas-microsoft-com:mac:vml" xmlns:p="http://schemas.openxmlformats.org/presentationml/2006/main" xmlns:c="http://schemas.openxmlformats.org/drawingml/2006/chart" xmlns:dgm="http://schemas.openxmlformats.org/drawingml/2006/diagram" xmlns:o="urn:schemas-microsoft-com:office:office" xmlns:v="urn:schemas-microsoft-com:vml" xmlns:pvml="urn:schemas-microsoft-com:office:powerpoint" xmlns:com="http://schemas.openxmlformats.org/drawingml/2006/compatibility" xmlns:p14="http://schemas.microsoft.com/office/powerpoint/2010/main" xmlns:p15="http://schemas.microsoft.com/office/powerpoint/2012/main" xmlns:ahyp="http://schemas.microsoft.com/office/drawing/2018/hyperlinkcolor" matchingName="Section title and description">
+<p:sldLayout xmlns:a="http://schemas.openxmlformats.org/drawingml/2006/main" xmlns:r="http://schemas.openxmlformats.org/officeDocument/2006/relationships" xmlns:p="http://schemas.openxmlformats.org/presentationml/2006/main" matchingName="Section title and description">
   <p:cSld name="SECTION_TITLE_AND_DESCRIPTION">
     <p:spTree>
       <p:nvGrpSpPr>
-        <p:cNvPr id="35" name="Shape 35"/>
+        <p:cNvPr id="1" name="Shape 35"/>
         <p:cNvGrpSpPr/>
         <p:nvPr/>
       </p:nvGrpSpPr>
@@ -4123,12 +4245,12 @@
           </a:ln>
         </p:spPr>
         <p:txBody>
-          <a:bodyPr anchorCtr="0" anchor="ctr" bIns="91425" lIns="91425" spcFirstLastPara="1" rIns="91425" wrap="square" tIns="91425">
+          <a:bodyPr spcFirstLastPara="1" wrap="square" lIns="91425" tIns="91425" rIns="91425" bIns="91425" anchor="ctr" anchorCtr="0">
             <a:noAutofit/>
           </a:bodyPr>
           <a:lstStyle/>
           <a:p>
-            <a:pPr indent="0" lvl="0" marL="0" rtl="0" algn="l">
+            <a:pPr marL="0" lvl="0" indent="0" algn="l" rtl="0">
               <a:spcBef>
                 <a:spcPts val="0"/>
               </a:spcBef>
@@ -4137,9 +4259,6 @@
               </a:spcAft>
               <a:buNone/>
             </a:pPr>
-            <a:r>
-              <a:t/>
-            </a:r>
             <a:endParaRPr/>
           </a:p>
         </p:txBody>
@@ -4147,7 +4266,9 @@
       <p:sp>
         <p:nvSpPr>
           <p:cNvPr id="37" name="Google Shape;37;p9"/>
-          <p:cNvSpPr txBox="1"/>
+          <p:cNvSpPr txBox="1">
+            <a:spLocks noGrp="1"/>
+          </p:cNvSpPr>
           <p:nvPr>
             <p:ph type="title"/>
           </p:nvPr>
@@ -4162,7 +4283,7 @@
           </a:prstGeom>
         </p:spPr>
         <p:txBody>
-          <a:bodyPr anchorCtr="0" anchor="b" bIns="91425" lIns="91425" spcFirstLastPara="1" rIns="91425" wrap="square" tIns="91425">
+          <a:bodyPr spcFirstLastPara="1" wrap="square" lIns="91425" tIns="91425" rIns="91425" bIns="91425" anchor="b" anchorCtr="0">
             <a:normAutofit/>
           </a:bodyPr>
           <a:lstStyle>
@@ -4266,15 +4387,19 @@
               <a:defRPr sz="4200"/>
             </a:lvl9pPr>
           </a:lstStyle>
-          <a:p/>
+          <a:p>
+            <a:endParaRPr/>
+          </a:p>
         </p:txBody>
       </p:sp>
       <p:sp>
         <p:nvSpPr>
           <p:cNvPr id="38" name="Google Shape;38;p9"/>
-          <p:cNvSpPr txBox="1"/>
+          <p:cNvSpPr txBox="1">
+            <a:spLocks noGrp="1"/>
+          </p:cNvSpPr>
           <p:nvPr>
-            <p:ph idx="1" type="subTitle"/>
+            <p:ph type="subTitle" idx="1"/>
           </p:nvPr>
         </p:nvSpPr>
         <p:spPr>
@@ -4287,7 +4412,7 @@
           </a:prstGeom>
         </p:spPr>
         <p:txBody>
-          <a:bodyPr anchorCtr="0" anchor="t" bIns="91425" lIns="91425" spcFirstLastPara="1" rIns="91425" wrap="square" tIns="91425">
+          <a:bodyPr spcFirstLastPara="1" wrap="square" lIns="91425" tIns="91425" rIns="91425" bIns="91425" anchor="t" anchorCtr="0">
             <a:normAutofit/>
           </a:bodyPr>
           <a:lstStyle>
@@ -4418,15 +4543,19 @@
               <a:defRPr sz="2100"/>
             </a:lvl9pPr>
           </a:lstStyle>
-          <a:p/>
+          <a:p>
+            <a:endParaRPr/>
+          </a:p>
         </p:txBody>
       </p:sp>
       <p:sp>
         <p:nvSpPr>
           <p:cNvPr id="39" name="Google Shape;39;p9"/>
-          <p:cNvSpPr txBox="1"/>
+          <p:cNvSpPr txBox="1">
+            <a:spLocks noGrp="1"/>
+          </p:cNvSpPr>
           <p:nvPr>
-            <p:ph idx="2" type="body"/>
+            <p:ph type="body" idx="2"/>
           </p:nvPr>
         </p:nvSpPr>
         <p:spPr>
@@ -4439,11 +4568,11 @@
           </a:prstGeom>
         </p:spPr>
         <p:txBody>
-          <a:bodyPr anchorCtr="0" anchor="ctr" bIns="91425" lIns="91425" spcFirstLastPara="1" rIns="91425" wrap="square" tIns="91425">
+          <a:bodyPr spcFirstLastPara="1" wrap="square" lIns="91425" tIns="91425" rIns="91425" bIns="91425" anchor="ctr" anchorCtr="0">
             <a:normAutofit/>
           </a:bodyPr>
           <a:lstStyle>
-            <a:lvl1pPr indent="-342900" lvl="0" marL="457200">
+            <a:lvl1pPr marL="457200" lvl="0" indent="-342900">
               <a:spcBef>
                 <a:spcPts val="0"/>
               </a:spcBef>
@@ -4454,7 +4583,7 @@
               <a:buChar char="●"/>
               <a:defRPr/>
             </a:lvl1pPr>
-            <a:lvl2pPr indent="-317500" lvl="1" marL="914400">
+            <a:lvl2pPr marL="914400" lvl="1" indent="-317500">
               <a:spcBef>
                 <a:spcPts val="0"/>
               </a:spcBef>
@@ -4465,7 +4594,7 @@
               <a:buChar char="○"/>
               <a:defRPr/>
             </a:lvl2pPr>
-            <a:lvl3pPr indent="-317500" lvl="2" marL="1371600">
+            <a:lvl3pPr marL="1371600" lvl="2" indent="-317500">
               <a:spcBef>
                 <a:spcPts val="0"/>
               </a:spcBef>
@@ -4476,7 +4605,7 @@
               <a:buChar char="■"/>
               <a:defRPr/>
             </a:lvl3pPr>
-            <a:lvl4pPr indent="-317500" lvl="3" marL="1828800">
+            <a:lvl4pPr marL="1828800" lvl="3" indent="-317500">
               <a:spcBef>
                 <a:spcPts val="0"/>
               </a:spcBef>
@@ -4487,7 +4616,7 @@
               <a:buChar char="●"/>
               <a:defRPr/>
             </a:lvl4pPr>
-            <a:lvl5pPr indent="-317500" lvl="4" marL="2286000">
+            <a:lvl5pPr marL="2286000" lvl="4" indent="-317500">
               <a:spcBef>
                 <a:spcPts val="0"/>
               </a:spcBef>
@@ -4498,7 +4627,7 @@
               <a:buChar char="○"/>
               <a:defRPr/>
             </a:lvl5pPr>
-            <a:lvl6pPr indent="-317500" lvl="5" marL="2743200">
+            <a:lvl6pPr marL="2743200" lvl="5" indent="-317500">
               <a:spcBef>
                 <a:spcPts val="0"/>
               </a:spcBef>
@@ -4509,7 +4638,7 @@
               <a:buChar char="■"/>
               <a:defRPr/>
             </a:lvl6pPr>
-            <a:lvl7pPr indent="-317500" lvl="6" marL="3200400">
+            <a:lvl7pPr marL="3200400" lvl="6" indent="-317500">
               <a:spcBef>
                 <a:spcPts val="0"/>
               </a:spcBef>
@@ -4520,7 +4649,7 @@
               <a:buChar char="●"/>
               <a:defRPr/>
             </a:lvl7pPr>
-            <a:lvl8pPr indent="-317500" lvl="7" marL="3657600">
+            <a:lvl8pPr marL="3657600" lvl="7" indent="-317500">
               <a:spcBef>
                 <a:spcPts val="0"/>
               </a:spcBef>
@@ -4531,7 +4660,7 @@
               <a:buChar char="○"/>
               <a:defRPr/>
             </a:lvl8pPr>
-            <a:lvl9pPr indent="-317500" lvl="8" marL="4114800">
+            <a:lvl9pPr marL="4114800" lvl="8" indent="-317500">
               <a:spcBef>
                 <a:spcPts val="0"/>
               </a:spcBef>
@@ -4543,15 +4672,19 @@
               <a:defRPr/>
             </a:lvl9pPr>
           </a:lstStyle>
-          <a:p/>
+          <a:p>
+            <a:endParaRPr/>
+          </a:p>
         </p:txBody>
       </p:sp>
       <p:sp>
         <p:nvSpPr>
           <p:cNvPr id="40" name="Google Shape;40;p9"/>
-          <p:cNvSpPr txBox="1"/>
+          <p:cNvSpPr txBox="1">
+            <a:spLocks noGrp="1"/>
+          </p:cNvSpPr>
           <p:nvPr>
-            <p:ph idx="12" type="sldNum"/>
+            <p:ph type="sldNum" idx="12"/>
           </p:nvPr>
         </p:nvSpPr>
         <p:spPr>
@@ -4564,7 +4697,7 @@
           </a:prstGeom>
         </p:spPr>
         <p:txBody>
-          <a:bodyPr anchorCtr="0" anchor="ctr" bIns="91425" lIns="91425" spcFirstLastPara="1" rIns="91425" wrap="square" tIns="91425">
+          <a:bodyPr spcFirstLastPara="1" wrap="square" lIns="91425" tIns="91425" rIns="91425" bIns="91425" anchor="ctr" anchorCtr="0">
             <a:normAutofit/>
           </a:bodyPr>
           <a:lstStyle>
@@ -4606,7 +4739,7 @@
             </a:lvl9pPr>
           </a:lstStyle>
           <a:p>
-            <a:pPr indent="0" lvl="0" marL="0" rtl="0" algn="r">
+            <a:pPr marL="0" lvl="0" indent="0" algn="r" rtl="0">
               <a:spcBef>
                 <a:spcPts val="0"/>
               </a:spcBef>
@@ -4632,11 +4765,11 @@
 </file>
 
 <file path=ppt/slideLayouts/slideLayout9.xml><?xml version="1.0" encoding="utf-8"?>
-<p:sldLayout xmlns:a="http://schemas.openxmlformats.org/drawingml/2006/main" xmlns:r="http://schemas.openxmlformats.org/officeDocument/2006/relationships" xmlns:mc="http://schemas.openxmlformats.org/markup-compatibility/2006" xmlns:mv="urn:schemas-microsoft-com:mac:vml" xmlns:p="http://schemas.openxmlformats.org/presentationml/2006/main" xmlns:c="http://schemas.openxmlformats.org/drawingml/2006/chart" xmlns:dgm="http://schemas.openxmlformats.org/drawingml/2006/diagram" xmlns:o="urn:schemas-microsoft-com:office:office" xmlns:v="urn:schemas-microsoft-com:vml" xmlns:pvml="urn:schemas-microsoft-com:office:powerpoint" xmlns:com="http://schemas.openxmlformats.org/drawingml/2006/compatibility" xmlns:p14="http://schemas.microsoft.com/office/powerpoint/2010/main" xmlns:p15="http://schemas.microsoft.com/office/powerpoint/2012/main" xmlns:ahyp="http://schemas.microsoft.com/office/drawing/2018/hyperlinkcolor" matchingName="Caption">
+<p:sldLayout xmlns:a="http://schemas.openxmlformats.org/drawingml/2006/main" xmlns:r="http://schemas.openxmlformats.org/officeDocument/2006/relationships" xmlns:p="http://schemas.openxmlformats.org/presentationml/2006/main" matchingName="Caption">
   <p:cSld name="CAPTION_ONLY">
     <p:spTree>
       <p:nvGrpSpPr>
-        <p:cNvPr id="41" name="Shape 41"/>
+        <p:cNvPr id="1" name="Shape 41"/>
         <p:cNvGrpSpPr/>
         <p:nvPr/>
       </p:nvGrpSpPr>
@@ -4651,9 +4784,11 @@
       <p:sp>
         <p:nvSpPr>
           <p:cNvPr id="42" name="Google Shape;42;p10"/>
-          <p:cNvSpPr txBox="1"/>
+          <p:cNvSpPr txBox="1">
+            <a:spLocks noGrp="1"/>
+          </p:cNvSpPr>
           <p:nvPr>
-            <p:ph idx="1" type="body"/>
+            <p:ph type="body" idx="1"/>
           </p:nvPr>
         </p:nvSpPr>
         <p:spPr>
@@ -4666,11 +4801,11 @@
           </a:prstGeom>
         </p:spPr>
         <p:txBody>
-          <a:bodyPr anchorCtr="0" anchor="ctr" bIns="91425" lIns="91425" spcFirstLastPara="1" rIns="91425" wrap="square" tIns="91425">
+          <a:bodyPr spcFirstLastPara="1" wrap="square" lIns="91425" tIns="91425" rIns="91425" bIns="91425" anchor="ctr" anchorCtr="0">
             <a:normAutofit/>
           </a:bodyPr>
           <a:lstStyle>
-            <a:lvl1pPr indent="-228600" lvl="0" marL="457200">
+            <a:lvl1pPr marL="457200" lvl="0" indent="-228600">
               <a:lnSpc>
                 <a:spcPct val="100000"/>
               </a:lnSpc>
@@ -4685,15 +4820,19 @@
               <a:defRPr/>
             </a:lvl1pPr>
           </a:lstStyle>
-          <a:p/>
+          <a:p>
+            <a:endParaRPr/>
+          </a:p>
         </p:txBody>
       </p:sp>
       <p:sp>
         <p:nvSpPr>
           <p:cNvPr id="43" name="Google Shape;43;p10"/>
-          <p:cNvSpPr txBox="1"/>
+          <p:cNvSpPr txBox="1">
+            <a:spLocks noGrp="1"/>
+          </p:cNvSpPr>
           <p:nvPr>
-            <p:ph idx="12" type="sldNum"/>
+            <p:ph type="sldNum" idx="12"/>
           </p:nvPr>
         </p:nvSpPr>
         <p:spPr>
@@ -4706,7 +4845,7 @@
           </a:prstGeom>
         </p:spPr>
         <p:txBody>
-          <a:bodyPr anchorCtr="0" anchor="ctr" bIns="91425" lIns="91425" spcFirstLastPara="1" rIns="91425" wrap="square" tIns="91425">
+          <a:bodyPr spcFirstLastPara="1" wrap="square" lIns="91425" tIns="91425" rIns="91425" bIns="91425" anchor="ctr" anchorCtr="0">
             <a:normAutofit/>
           </a:bodyPr>
           <a:lstStyle>
@@ -4748,7 +4887,7 @@
             </a:lvl9pPr>
           </a:lstStyle>
           <a:p>
-            <a:pPr indent="0" lvl="0" marL="0" rtl="0" algn="r">
+            <a:pPr marL="0" lvl="0" indent="0" algn="r" rtl="0">
               <a:spcBef>
                 <a:spcPts val="0"/>
               </a:spcBef>
@@ -4774,18 +4913,19 @@
 </file>
 
 <file path=ppt/slideMasters/slideMaster1.xml><?xml version="1.0" encoding="utf-8"?>
-<p:sldMaster xmlns:a="http://schemas.openxmlformats.org/drawingml/2006/main" xmlns:r="http://schemas.openxmlformats.org/officeDocument/2006/relationships" xmlns:mc="http://schemas.openxmlformats.org/markup-compatibility/2006" xmlns:mv="urn:schemas-microsoft-com:mac:vml" xmlns:p="http://schemas.openxmlformats.org/presentationml/2006/main" xmlns:c="http://schemas.openxmlformats.org/drawingml/2006/chart" xmlns:dgm="http://schemas.openxmlformats.org/drawingml/2006/diagram" xmlns:o="urn:schemas-microsoft-com:office:office" xmlns:v="urn:schemas-microsoft-com:vml" xmlns:pvml="urn:schemas-microsoft-com:office:powerpoint" xmlns:com="http://schemas.openxmlformats.org/drawingml/2006/compatibility" xmlns:p14="http://schemas.microsoft.com/office/powerpoint/2010/main" xmlns:p15="http://schemas.microsoft.com/office/powerpoint/2012/main" xmlns:ahyp="http://schemas.microsoft.com/office/drawing/2018/hyperlinkcolor">
+<p:sldMaster xmlns:a="http://schemas.openxmlformats.org/drawingml/2006/main" xmlns:r="http://schemas.openxmlformats.org/officeDocument/2006/relationships" xmlns:p="http://schemas.openxmlformats.org/presentationml/2006/main">
   <p:cSld name="simple-light-2">
     <p:bg>
       <p:bgPr>
         <a:solidFill>
           <a:schemeClr val="lt1"/>
         </a:solidFill>
+        <a:effectLst/>
       </p:bgPr>
     </p:bg>
     <p:spTree>
       <p:nvGrpSpPr>
-        <p:cNvPr id="5" name="Shape 5"/>
+        <p:cNvPr id="1" name="Shape 5"/>
         <p:cNvGrpSpPr/>
         <p:nvPr/>
       </p:nvGrpSpPr>
@@ -4800,7 +4940,9 @@
       <p:sp>
         <p:nvSpPr>
           <p:cNvPr id="6" name="Google Shape;6;p1"/>
-          <p:cNvSpPr txBox="1"/>
+          <p:cNvSpPr txBox="1">
+            <a:spLocks noGrp="1"/>
+          </p:cNvSpPr>
           <p:nvPr>
             <p:ph type="title"/>
           </p:nvPr>
@@ -4819,7 +4961,7 @@
           </a:ln>
         </p:spPr>
         <p:txBody>
-          <a:bodyPr anchorCtr="0" anchor="t" bIns="91425" lIns="91425" spcFirstLastPara="1" rIns="91425" wrap="square" tIns="91425">
+          <a:bodyPr spcFirstLastPara="1" wrap="square" lIns="91425" tIns="91425" rIns="91425" bIns="91425" anchor="t" anchorCtr="0">
             <a:normAutofit/>
           </a:bodyPr>
           <a:lstStyle>
@@ -4986,15 +5128,19 @@
               </a:defRPr>
             </a:lvl9pPr>
           </a:lstStyle>
-          <a:p/>
+          <a:p>
+            <a:endParaRPr/>
+          </a:p>
         </p:txBody>
       </p:sp>
       <p:sp>
         <p:nvSpPr>
           <p:cNvPr id="7" name="Google Shape;7;p1"/>
-          <p:cNvSpPr txBox="1"/>
+          <p:cNvSpPr txBox="1">
+            <a:spLocks noGrp="1"/>
+          </p:cNvSpPr>
           <p:nvPr>
-            <p:ph idx="1" type="body"/>
+            <p:ph type="body" idx="1"/>
           </p:nvPr>
         </p:nvSpPr>
         <p:spPr>
@@ -5011,11 +5157,11 @@
           </a:ln>
         </p:spPr>
         <p:txBody>
-          <a:bodyPr anchorCtr="0" anchor="t" bIns="91425" lIns="91425" spcFirstLastPara="1" rIns="91425" wrap="square" tIns="91425">
+          <a:bodyPr spcFirstLastPara="1" wrap="square" lIns="91425" tIns="91425" rIns="91425" bIns="91425" anchor="t" anchorCtr="0">
             <a:normAutofit/>
           </a:bodyPr>
           <a:lstStyle>
-            <a:lvl1pPr indent="-342900" lvl="0" marL="457200">
+            <a:lvl1pPr marL="457200" lvl="0" indent="-342900">
               <a:lnSpc>
                 <a:spcPct val="115000"/>
               </a:lnSpc>
@@ -5036,7 +5182,7 @@
                 </a:solidFill>
               </a:defRPr>
             </a:lvl1pPr>
-            <a:lvl2pPr indent="-317500" lvl="1" marL="914400">
+            <a:lvl2pPr marL="914400" lvl="1" indent="-317500">
               <a:lnSpc>
                 <a:spcPct val="115000"/>
               </a:lnSpc>
@@ -5057,7 +5203,7 @@
                 </a:solidFill>
               </a:defRPr>
             </a:lvl2pPr>
-            <a:lvl3pPr indent="-317500" lvl="2" marL="1371600">
+            <a:lvl3pPr marL="1371600" lvl="2" indent="-317500">
               <a:lnSpc>
                 <a:spcPct val="115000"/>
               </a:lnSpc>
@@ -5078,7 +5224,7 @@
                 </a:solidFill>
               </a:defRPr>
             </a:lvl3pPr>
-            <a:lvl4pPr indent="-317500" lvl="3" marL="1828800">
+            <a:lvl4pPr marL="1828800" lvl="3" indent="-317500">
               <a:lnSpc>
                 <a:spcPct val="115000"/>
               </a:lnSpc>
@@ -5099,7 +5245,7 @@
                 </a:solidFill>
               </a:defRPr>
             </a:lvl4pPr>
-            <a:lvl5pPr indent="-317500" lvl="4" marL="2286000">
+            <a:lvl5pPr marL="2286000" lvl="4" indent="-317500">
               <a:lnSpc>
                 <a:spcPct val="115000"/>
               </a:lnSpc>
@@ -5120,7 +5266,7 @@
                 </a:solidFill>
               </a:defRPr>
             </a:lvl5pPr>
-            <a:lvl6pPr indent="-317500" lvl="5" marL="2743200">
+            <a:lvl6pPr marL="2743200" lvl="5" indent="-317500">
               <a:lnSpc>
                 <a:spcPct val="115000"/>
               </a:lnSpc>
@@ -5141,7 +5287,7 @@
                 </a:solidFill>
               </a:defRPr>
             </a:lvl6pPr>
-            <a:lvl7pPr indent="-317500" lvl="6" marL="3200400">
+            <a:lvl7pPr marL="3200400" lvl="6" indent="-317500">
               <a:lnSpc>
                 <a:spcPct val="115000"/>
               </a:lnSpc>
@@ -5162,7 +5308,7 @@
                 </a:solidFill>
               </a:defRPr>
             </a:lvl7pPr>
-            <a:lvl8pPr indent="-317500" lvl="7" marL="3657600">
+            <a:lvl8pPr marL="3657600" lvl="7" indent="-317500">
               <a:lnSpc>
                 <a:spcPct val="115000"/>
               </a:lnSpc>
@@ -5183,7 +5329,7 @@
                 </a:solidFill>
               </a:defRPr>
             </a:lvl8pPr>
-            <a:lvl9pPr indent="-317500" lvl="8" marL="4114800">
+            <a:lvl9pPr marL="4114800" lvl="8" indent="-317500">
               <a:lnSpc>
                 <a:spcPct val="115000"/>
               </a:lnSpc>
@@ -5205,15 +5351,19 @@
               </a:defRPr>
             </a:lvl9pPr>
           </a:lstStyle>
-          <a:p/>
+          <a:p>
+            <a:endParaRPr/>
+          </a:p>
         </p:txBody>
       </p:sp>
       <p:sp>
         <p:nvSpPr>
           <p:cNvPr id="8" name="Google Shape;8;p1"/>
-          <p:cNvSpPr txBox="1"/>
+          <p:cNvSpPr txBox="1">
+            <a:spLocks noGrp="1"/>
+          </p:cNvSpPr>
           <p:nvPr>
-            <p:ph idx="12" type="sldNum"/>
+            <p:ph type="sldNum" idx="12"/>
           </p:nvPr>
         </p:nvSpPr>
         <p:spPr>
@@ -5230,7 +5380,7 @@
           </a:ln>
         </p:spPr>
         <p:txBody>
-          <a:bodyPr anchorCtr="0" anchor="ctr" bIns="91425" lIns="91425" spcFirstLastPara="1" rIns="91425" wrap="square" tIns="91425">
+          <a:bodyPr spcFirstLastPara="1" wrap="square" lIns="91425" tIns="91425" rIns="91425" bIns="91425" anchor="ctr" anchorCtr="0">
             <a:normAutofit/>
           </a:bodyPr>
           <a:lstStyle>
@@ -5308,7 +5458,7 @@
             </a:lvl9pPr>
           </a:lstStyle>
           <a:p>
-            <a:pPr indent="0" lvl="0" marL="0" rtl="0" algn="r">
+            <a:pPr marL="0" lvl="0" indent="0" algn="r" rtl="0">
               <a:spcBef>
                 <a:spcPts val="0"/>
               </a:spcBef>
@@ -5327,7 +5477,7 @@
       </p:sp>
     </p:spTree>
   </p:cSld>
-  <p:clrMap accent1="accent1" accent2="accent2" accent3="accent3" accent4="accent4" accent5="accent5" accent6="accent6" bg1="lt1" bg2="dk2" tx1="dk1" tx2="lt2" folHlink="folHlink" hlink="hlink"/>
+  <p:clrMap bg1="lt1" tx1="dk1" bg2="dk2" tx2="lt2" accent1="accent1" accent2="accent2" accent3="accent3" accent4="accent4" accent5="accent5" accent6="accent6" hlink="hlink" folHlink="folHlink"/>
   <p:sldLayoutIdLst>
     <p:sldLayoutId id="2147483648" r:id="rId1"/>
     <p:sldLayoutId id="2147483649" r:id="rId2"/>
@@ -5341,10 +5491,10 @@
     <p:sldLayoutId id="2147483657" r:id="rId10"/>
     <p:sldLayoutId id="2147483658" r:id="rId11"/>
   </p:sldLayoutIdLst>
-  <p:hf dt="0" ftr="0" hdr="0" sldNum="0"/>
+  <p:hf sldNum="0" hdr="0" ftr="0" dt="0"/>
   <p:txStyles>
     <p:titleStyle>
-      <a:defPPr lvl="0" marR="0" rtl="0" algn="l">
+      <a:defPPr marR="0" lvl="0" algn="l" rtl="0">
         <a:lnSpc>
           <a:spcPct val="100000"/>
         </a:lnSpc>
@@ -5355,7 +5505,7 @@
           <a:spcPts val="0"/>
         </a:spcAft>
       </a:defPPr>
-      <a:lvl1pPr lvl="0" marR="0" rtl="0" algn="l">
+      <a:lvl1pPr marR="0" lvl="0" algn="l" rtl="0">
         <a:lnSpc>
           <a:spcPct val="100000"/>
         </a:lnSpc>
@@ -5369,7 +5519,7 @@
           <a:srgbClr val="000000"/>
         </a:buClr>
         <a:buFont typeface="Arial"/>
-        <a:defRPr b="0" i="0" sz="1400" u="none" cap="none" strike="noStrike">
+        <a:defRPr sz="1400" b="0" i="0" u="none" strike="noStrike" cap="none">
           <a:solidFill>
             <a:srgbClr val="000000"/>
           </a:solidFill>
@@ -5379,7 +5529,7 @@
           <a:sym typeface="Arial"/>
         </a:defRPr>
       </a:lvl1pPr>
-      <a:lvl2pPr lvl="1" marR="0" rtl="0" algn="l">
+      <a:lvl2pPr marR="0" lvl="1" algn="l" rtl="0">
         <a:lnSpc>
           <a:spcPct val="100000"/>
         </a:lnSpc>
@@ -5393,7 +5543,7 @@
           <a:srgbClr val="000000"/>
         </a:buClr>
         <a:buFont typeface="Arial"/>
-        <a:defRPr b="0" i="0" sz="1400" u="none" cap="none" strike="noStrike">
+        <a:defRPr sz="1400" b="0" i="0" u="none" strike="noStrike" cap="none">
           <a:solidFill>
             <a:srgbClr val="000000"/>
           </a:solidFill>
@@ -5403,7 +5553,7 @@
           <a:sym typeface="Arial"/>
         </a:defRPr>
       </a:lvl2pPr>
-      <a:lvl3pPr lvl="2" marR="0" rtl="0" algn="l">
+      <a:lvl3pPr marR="0" lvl="2" algn="l" rtl="0">
         <a:lnSpc>
           <a:spcPct val="100000"/>
         </a:lnSpc>
@@ -5417,7 +5567,7 @@
           <a:srgbClr val="000000"/>
         </a:buClr>
         <a:buFont typeface="Arial"/>
-        <a:defRPr b="0" i="0" sz="1400" u="none" cap="none" strike="noStrike">
+        <a:defRPr sz="1400" b="0" i="0" u="none" strike="noStrike" cap="none">
           <a:solidFill>
             <a:srgbClr val="000000"/>
           </a:solidFill>
@@ -5427,7 +5577,7 @@
           <a:sym typeface="Arial"/>
         </a:defRPr>
       </a:lvl3pPr>
-      <a:lvl4pPr lvl="3" marR="0" rtl="0" algn="l">
+      <a:lvl4pPr marR="0" lvl="3" algn="l" rtl="0">
         <a:lnSpc>
           <a:spcPct val="100000"/>
         </a:lnSpc>
@@ -5441,7 +5591,7 @@
           <a:srgbClr val="000000"/>
         </a:buClr>
         <a:buFont typeface="Arial"/>
-        <a:defRPr b="0" i="0" sz="1400" u="none" cap="none" strike="noStrike">
+        <a:defRPr sz="1400" b="0" i="0" u="none" strike="noStrike" cap="none">
           <a:solidFill>
             <a:srgbClr val="000000"/>
           </a:solidFill>
@@ -5451,7 +5601,7 @@
           <a:sym typeface="Arial"/>
         </a:defRPr>
       </a:lvl4pPr>
-      <a:lvl5pPr lvl="4" marR="0" rtl="0" algn="l">
+      <a:lvl5pPr marR="0" lvl="4" algn="l" rtl="0">
         <a:lnSpc>
           <a:spcPct val="100000"/>
         </a:lnSpc>
@@ -5465,7 +5615,7 @@
           <a:srgbClr val="000000"/>
         </a:buClr>
         <a:buFont typeface="Arial"/>
-        <a:defRPr b="0" i="0" sz="1400" u="none" cap="none" strike="noStrike">
+        <a:defRPr sz="1400" b="0" i="0" u="none" strike="noStrike" cap="none">
           <a:solidFill>
             <a:srgbClr val="000000"/>
           </a:solidFill>
@@ -5475,7 +5625,7 @@
           <a:sym typeface="Arial"/>
         </a:defRPr>
       </a:lvl5pPr>
-      <a:lvl6pPr lvl="5" marR="0" rtl="0" algn="l">
+      <a:lvl6pPr marR="0" lvl="5" algn="l" rtl="0">
         <a:lnSpc>
           <a:spcPct val="100000"/>
         </a:lnSpc>
@@ -5489,7 +5639,7 @@
           <a:srgbClr val="000000"/>
         </a:buClr>
         <a:buFont typeface="Arial"/>
-        <a:defRPr b="0" i="0" sz="1400" u="none" cap="none" strike="noStrike">
+        <a:defRPr sz="1400" b="0" i="0" u="none" strike="noStrike" cap="none">
           <a:solidFill>
             <a:srgbClr val="000000"/>
           </a:solidFill>
@@ -5499,7 +5649,7 @@
           <a:sym typeface="Arial"/>
         </a:defRPr>
       </a:lvl6pPr>
-      <a:lvl7pPr lvl="6" marR="0" rtl="0" algn="l">
+      <a:lvl7pPr marR="0" lvl="6" algn="l" rtl="0">
         <a:lnSpc>
           <a:spcPct val="100000"/>
         </a:lnSpc>
@@ -5513,7 +5663,7 @@
           <a:srgbClr val="000000"/>
         </a:buClr>
         <a:buFont typeface="Arial"/>
-        <a:defRPr b="0" i="0" sz="1400" u="none" cap="none" strike="noStrike">
+        <a:defRPr sz="1400" b="0" i="0" u="none" strike="noStrike" cap="none">
           <a:solidFill>
             <a:srgbClr val="000000"/>
           </a:solidFill>
@@ -5523,7 +5673,7 @@
           <a:sym typeface="Arial"/>
         </a:defRPr>
       </a:lvl7pPr>
-      <a:lvl8pPr lvl="7" marR="0" rtl="0" algn="l">
+      <a:lvl8pPr marR="0" lvl="7" algn="l" rtl="0">
         <a:lnSpc>
           <a:spcPct val="100000"/>
         </a:lnSpc>
@@ -5537,7 +5687,7 @@
           <a:srgbClr val="000000"/>
         </a:buClr>
         <a:buFont typeface="Arial"/>
-        <a:defRPr b="0" i="0" sz="1400" u="none" cap="none" strike="noStrike">
+        <a:defRPr sz="1400" b="0" i="0" u="none" strike="noStrike" cap="none">
           <a:solidFill>
             <a:srgbClr val="000000"/>
           </a:solidFill>
@@ -5547,7 +5697,7 @@
           <a:sym typeface="Arial"/>
         </a:defRPr>
       </a:lvl8pPr>
-      <a:lvl9pPr lvl="8" marR="0" rtl="0" algn="l">
+      <a:lvl9pPr marR="0" lvl="8" algn="l" rtl="0">
         <a:lnSpc>
           <a:spcPct val="100000"/>
         </a:lnSpc>
@@ -5561,7 +5711,7 @@
           <a:srgbClr val="000000"/>
         </a:buClr>
         <a:buFont typeface="Arial"/>
-        <a:defRPr b="0" i="0" sz="1400" u="none" cap="none" strike="noStrike">
+        <a:defRPr sz="1400" b="0" i="0" u="none" strike="noStrike" cap="none">
           <a:solidFill>
             <a:srgbClr val="000000"/>
           </a:solidFill>
@@ -5573,7 +5723,7 @@
       </a:lvl9pPr>
     </p:titleStyle>
     <p:bodyStyle>
-      <a:defPPr lvl="0" marR="0" rtl="0" algn="l">
+      <a:defPPr marR="0" lvl="0" algn="l" rtl="0">
         <a:lnSpc>
           <a:spcPct val="100000"/>
         </a:lnSpc>
@@ -5584,7 +5734,7 @@
           <a:spcPts val="0"/>
         </a:spcAft>
       </a:defPPr>
-      <a:lvl1pPr lvl="0" marR="0" rtl="0" algn="l">
+      <a:lvl1pPr marR="0" lvl="0" algn="l" rtl="0">
         <a:lnSpc>
           <a:spcPct val="100000"/>
         </a:lnSpc>
@@ -5598,7 +5748,7 @@
           <a:srgbClr val="000000"/>
         </a:buClr>
         <a:buFont typeface="Arial"/>
-        <a:defRPr b="0" i="0" sz="1400" u="none" cap="none" strike="noStrike">
+        <a:defRPr sz="1400" b="0" i="0" u="none" strike="noStrike" cap="none">
           <a:solidFill>
             <a:srgbClr val="000000"/>
           </a:solidFill>
@@ -5608,7 +5758,7 @@
           <a:sym typeface="Arial"/>
         </a:defRPr>
       </a:lvl1pPr>
-      <a:lvl2pPr lvl="1" marR="0" rtl="0" algn="l">
+      <a:lvl2pPr marR="0" lvl="1" algn="l" rtl="0">
         <a:lnSpc>
           <a:spcPct val="100000"/>
         </a:lnSpc>
@@ -5622,7 +5772,7 @@
           <a:srgbClr val="000000"/>
         </a:buClr>
         <a:buFont typeface="Arial"/>
-        <a:defRPr b="0" i="0" sz="1400" u="none" cap="none" strike="noStrike">
+        <a:defRPr sz="1400" b="0" i="0" u="none" strike="noStrike" cap="none">
           <a:solidFill>
             <a:srgbClr val="000000"/>
           </a:solidFill>
@@ -5632,7 +5782,7 @@
           <a:sym typeface="Arial"/>
         </a:defRPr>
       </a:lvl2pPr>
-      <a:lvl3pPr lvl="2" marR="0" rtl="0" algn="l">
+      <a:lvl3pPr marR="0" lvl="2" algn="l" rtl="0">
         <a:lnSpc>
           <a:spcPct val="100000"/>
         </a:lnSpc>
@@ -5646,7 +5796,7 @@
           <a:srgbClr val="000000"/>
         </a:buClr>
         <a:buFont typeface="Arial"/>
-        <a:defRPr b="0" i="0" sz="1400" u="none" cap="none" strike="noStrike">
+        <a:defRPr sz="1400" b="0" i="0" u="none" strike="noStrike" cap="none">
           <a:solidFill>
             <a:srgbClr val="000000"/>
           </a:solidFill>
@@ -5656,7 +5806,7 @@
           <a:sym typeface="Arial"/>
         </a:defRPr>
       </a:lvl3pPr>
-      <a:lvl4pPr lvl="3" marR="0" rtl="0" algn="l">
+      <a:lvl4pPr marR="0" lvl="3" algn="l" rtl="0">
         <a:lnSpc>
           <a:spcPct val="100000"/>
         </a:lnSpc>
@@ -5670,7 +5820,7 @@
           <a:srgbClr val="000000"/>
         </a:buClr>
         <a:buFont typeface="Arial"/>
-        <a:defRPr b="0" i="0" sz="1400" u="none" cap="none" strike="noStrike">
+        <a:defRPr sz="1400" b="0" i="0" u="none" strike="noStrike" cap="none">
           <a:solidFill>
             <a:srgbClr val="000000"/>
           </a:solidFill>
@@ -5680,7 +5830,7 @@
           <a:sym typeface="Arial"/>
         </a:defRPr>
       </a:lvl4pPr>
-      <a:lvl5pPr lvl="4" marR="0" rtl="0" algn="l">
+      <a:lvl5pPr marR="0" lvl="4" algn="l" rtl="0">
         <a:lnSpc>
           <a:spcPct val="100000"/>
         </a:lnSpc>
@@ -5694,7 +5844,7 @@
           <a:srgbClr val="000000"/>
         </a:buClr>
         <a:buFont typeface="Arial"/>
-        <a:defRPr b="0" i="0" sz="1400" u="none" cap="none" strike="noStrike">
+        <a:defRPr sz="1400" b="0" i="0" u="none" strike="noStrike" cap="none">
           <a:solidFill>
             <a:srgbClr val="000000"/>
           </a:solidFill>
@@ -5704,7 +5854,7 @@
           <a:sym typeface="Arial"/>
         </a:defRPr>
       </a:lvl5pPr>
-      <a:lvl6pPr lvl="5" marR="0" rtl="0" algn="l">
+      <a:lvl6pPr marR="0" lvl="5" algn="l" rtl="0">
         <a:lnSpc>
           <a:spcPct val="100000"/>
         </a:lnSpc>
@@ -5718,7 +5868,7 @@
           <a:srgbClr val="000000"/>
         </a:buClr>
         <a:buFont typeface="Arial"/>
-        <a:defRPr b="0" i="0" sz="1400" u="none" cap="none" strike="noStrike">
+        <a:defRPr sz="1400" b="0" i="0" u="none" strike="noStrike" cap="none">
           <a:solidFill>
             <a:srgbClr val="000000"/>
           </a:solidFill>
@@ -5728,7 +5878,7 @@
           <a:sym typeface="Arial"/>
         </a:defRPr>
       </a:lvl6pPr>
-      <a:lvl7pPr lvl="6" marR="0" rtl="0" algn="l">
+      <a:lvl7pPr marR="0" lvl="6" algn="l" rtl="0">
         <a:lnSpc>
           <a:spcPct val="100000"/>
         </a:lnSpc>
@@ -5742,7 +5892,7 @@
           <a:srgbClr val="000000"/>
         </a:buClr>
         <a:buFont typeface="Arial"/>
-        <a:defRPr b="0" i="0" sz="1400" u="none" cap="none" strike="noStrike">
+        <a:defRPr sz="1400" b="0" i="0" u="none" strike="noStrike" cap="none">
           <a:solidFill>
             <a:srgbClr val="000000"/>
           </a:solidFill>
@@ -5752,7 +5902,7 @@
           <a:sym typeface="Arial"/>
         </a:defRPr>
       </a:lvl7pPr>
-      <a:lvl8pPr lvl="7" marR="0" rtl="0" algn="l">
+      <a:lvl8pPr marR="0" lvl="7" algn="l" rtl="0">
         <a:lnSpc>
           <a:spcPct val="100000"/>
         </a:lnSpc>
@@ -5766,7 +5916,7 @@
           <a:srgbClr val="000000"/>
         </a:buClr>
         <a:buFont typeface="Arial"/>
-        <a:defRPr b="0" i="0" sz="1400" u="none" cap="none" strike="noStrike">
+        <a:defRPr sz="1400" b="0" i="0" u="none" strike="noStrike" cap="none">
           <a:solidFill>
             <a:srgbClr val="000000"/>
           </a:solidFill>
@@ -5776,7 +5926,7 @@
           <a:sym typeface="Arial"/>
         </a:defRPr>
       </a:lvl8pPr>
-      <a:lvl9pPr lvl="8" marR="0" rtl="0" algn="l">
+      <a:lvl9pPr marR="0" lvl="8" algn="l" rtl="0">
         <a:lnSpc>
           <a:spcPct val="100000"/>
         </a:lnSpc>
@@ -5790,7 +5940,7 @@
           <a:srgbClr val="000000"/>
         </a:buClr>
         <a:buFont typeface="Arial"/>
-        <a:defRPr b="0" i="0" sz="1400" u="none" cap="none" strike="noStrike">
+        <a:defRPr sz="1400" b="0" i="0" u="none" strike="noStrike" cap="none">
           <a:solidFill>
             <a:srgbClr val="000000"/>
           </a:solidFill>
@@ -5802,7 +5952,7 @@
       </a:lvl9pPr>
     </p:bodyStyle>
     <p:otherStyle>
-      <a:defPPr lvl="0" marR="0" rtl="0" algn="l">
+      <a:defPPr marR="0" lvl="0" algn="l" rtl="0">
         <a:lnSpc>
           <a:spcPct val="100000"/>
         </a:lnSpc>
@@ -5813,7 +5963,7 @@
           <a:spcPts val="0"/>
         </a:spcAft>
       </a:defPPr>
-      <a:lvl1pPr lvl="0" marR="0" rtl="0" algn="l">
+      <a:lvl1pPr marR="0" lvl="0" algn="l" rtl="0">
         <a:lnSpc>
           <a:spcPct val="100000"/>
         </a:lnSpc>
@@ -5827,7 +5977,7 @@
           <a:srgbClr val="000000"/>
         </a:buClr>
         <a:buFont typeface="Arial"/>
-        <a:defRPr b="0" i="0" sz="1400" u="none" cap="none" strike="noStrike">
+        <a:defRPr sz="1400" b="0" i="0" u="none" strike="noStrike" cap="none">
           <a:solidFill>
             <a:srgbClr val="000000"/>
           </a:solidFill>
@@ -5837,7 +5987,7 @@
           <a:sym typeface="Arial"/>
         </a:defRPr>
       </a:lvl1pPr>
-      <a:lvl2pPr lvl="1" marR="0" rtl="0" algn="l">
+      <a:lvl2pPr marR="0" lvl="1" algn="l" rtl="0">
         <a:lnSpc>
           <a:spcPct val="100000"/>
         </a:lnSpc>
@@ -5851,7 +6001,7 @@
           <a:srgbClr val="000000"/>
         </a:buClr>
         <a:buFont typeface="Arial"/>
-        <a:defRPr b="0" i="0" sz="1400" u="none" cap="none" strike="noStrike">
+        <a:defRPr sz="1400" b="0" i="0" u="none" strike="noStrike" cap="none">
           <a:solidFill>
             <a:srgbClr val="000000"/>
           </a:solidFill>
@@ -5861,7 +6011,7 @@
           <a:sym typeface="Arial"/>
         </a:defRPr>
       </a:lvl2pPr>
-      <a:lvl3pPr lvl="2" marR="0" rtl="0" algn="l">
+      <a:lvl3pPr marR="0" lvl="2" algn="l" rtl="0">
         <a:lnSpc>
           <a:spcPct val="100000"/>
         </a:lnSpc>
@@ -5875,7 +6025,7 @@
           <a:srgbClr val="000000"/>
         </a:buClr>
         <a:buFont typeface="Arial"/>
-        <a:defRPr b="0" i="0" sz="1400" u="none" cap="none" strike="noStrike">
+        <a:defRPr sz="1400" b="0" i="0" u="none" strike="noStrike" cap="none">
           <a:solidFill>
             <a:srgbClr val="000000"/>
           </a:solidFill>
@@ -5885,7 +6035,7 @@
           <a:sym typeface="Arial"/>
         </a:defRPr>
       </a:lvl3pPr>
-      <a:lvl4pPr lvl="3" marR="0" rtl="0" algn="l">
+      <a:lvl4pPr marR="0" lvl="3" algn="l" rtl="0">
         <a:lnSpc>
           <a:spcPct val="100000"/>
         </a:lnSpc>
@@ -5899,7 +6049,7 @@
           <a:srgbClr val="000000"/>
         </a:buClr>
         <a:buFont typeface="Arial"/>
-        <a:defRPr b="0" i="0" sz="1400" u="none" cap="none" strike="noStrike">
+        <a:defRPr sz="1400" b="0" i="0" u="none" strike="noStrike" cap="none">
           <a:solidFill>
             <a:srgbClr val="000000"/>
           </a:solidFill>
@@ -5909,7 +6059,7 @@
           <a:sym typeface="Arial"/>
         </a:defRPr>
       </a:lvl4pPr>
-      <a:lvl5pPr lvl="4" marR="0" rtl="0" algn="l">
+      <a:lvl5pPr marR="0" lvl="4" algn="l" rtl="0">
         <a:lnSpc>
           <a:spcPct val="100000"/>
         </a:lnSpc>
@@ -5923,7 +6073,7 @@
           <a:srgbClr val="000000"/>
         </a:buClr>
         <a:buFont typeface="Arial"/>
-        <a:defRPr b="0" i="0" sz="1400" u="none" cap="none" strike="noStrike">
+        <a:defRPr sz="1400" b="0" i="0" u="none" strike="noStrike" cap="none">
           <a:solidFill>
             <a:srgbClr val="000000"/>
           </a:solidFill>
@@ -5933,7 +6083,7 @@
           <a:sym typeface="Arial"/>
         </a:defRPr>
       </a:lvl5pPr>
-      <a:lvl6pPr lvl="5" marR="0" rtl="0" algn="l">
+      <a:lvl6pPr marR="0" lvl="5" algn="l" rtl="0">
         <a:lnSpc>
           <a:spcPct val="100000"/>
         </a:lnSpc>
@@ -5947,7 +6097,7 @@
           <a:srgbClr val="000000"/>
         </a:buClr>
         <a:buFont typeface="Arial"/>
-        <a:defRPr b="0" i="0" sz="1400" u="none" cap="none" strike="noStrike">
+        <a:defRPr sz="1400" b="0" i="0" u="none" strike="noStrike" cap="none">
           <a:solidFill>
             <a:srgbClr val="000000"/>
           </a:solidFill>
@@ -5957,7 +6107,7 @@
           <a:sym typeface="Arial"/>
         </a:defRPr>
       </a:lvl6pPr>
-      <a:lvl7pPr lvl="6" marR="0" rtl="0" algn="l">
+      <a:lvl7pPr marR="0" lvl="6" algn="l" rtl="0">
         <a:lnSpc>
           <a:spcPct val="100000"/>
         </a:lnSpc>
@@ -5971,7 +6121,7 @@
           <a:srgbClr val="000000"/>
         </a:buClr>
         <a:buFont typeface="Arial"/>
-        <a:defRPr b="0" i="0" sz="1400" u="none" cap="none" strike="noStrike">
+        <a:defRPr sz="1400" b="0" i="0" u="none" strike="noStrike" cap="none">
           <a:solidFill>
             <a:srgbClr val="000000"/>
           </a:solidFill>
@@ -5981,7 +6131,7 @@
           <a:sym typeface="Arial"/>
         </a:defRPr>
       </a:lvl7pPr>
-      <a:lvl8pPr lvl="7" marR="0" rtl="0" algn="l">
+      <a:lvl8pPr marR="0" lvl="7" algn="l" rtl="0">
         <a:lnSpc>
           <a:spcPct val="100000"/>
         </a:lnSpc>
@@ -5995,7 +6145,7 @@
           <a:srgbClr val="000000"/>
         </a:buClr>
         <a:buFont typeface="Arial"/>
-        <a:defRPr b="0" i="0" sz="1400" u="none" cap="none" strike="noStrike">
+        <a:defRPr sz="1400" b="0" i="0" u="none" strike="noStrike" cap="none">
           <a:solidFill>
             <a:srgbClr val="000000"/>
           </a:solidFill>
@@ -6005,7 +6155,7 @@
           <a:sym typeface="Arial"/>
         </a:defRPr>
       </a:lvl8pPr>
-      <a:lvl9pPr lvl="8" marR="0" rtl="0" algn="l">
+      <a:lvl9pPr marR="0" lvl="8" algn="l" rtl="0">
         <a:lnSpc>
           <a:spcPct val="100000"/>
         </a:lnSpc>
@@ -6019,7 +6169,7 @@
           <a:srgbClr val="000000"/>
         </a:buClr>
         <a:buFont typeface="Arial"/>
-        <a:defRPr b="0" i="0" sz="1400" u="none" cap="none" strike="noStrike">
+        <a:defRPr sz="1400" b="0" i="0" u="none" strike="noStrike" cap="none">
           <a:solidFill>
             <a:srgbClr val="000000"/>
           </a:solidFill>
@@ -6035,11 +6185,11 @@
 </file>
 
 <file path=ppt/slides/slide1.xml><?xml version="1.0" encoding="utf-8"?>
-<p:sld xmlns:a="http://schemas.openxmlformats.org/drawingml/2006/main" xmlns:r="http://schemas.openxmlformats.org/officeDocument/2006/relationships" xmlns:mc="http://schemas.openxmlformats.org/markup-compatibility/2006" xmlns:mv="urn:schemas-microsoft-com:mac:vml" xmlns:p="http://schemas.openxmlformats.org/presentationml/2006/main" xmlns:c="http://schemas.openxmlformats.org/drawingml/2006/chart" xmlns:dgm="http://schemas.openxmlformats.org/drawingml/2006/diagram" xmlns:o="urn:schemas-microsoft-com:office:office" xmlns:v="urn:schemas-microsoft-com:vml" xmlns:pvml="urn:schemas-microsoft-com:office:powerpoint" xmlns:com="http://schemas.openxmlformats.org/drawingml/2006/compatibility" xmlns:p14="http://schemas.microsoft.com/office/powerpoint/2010/main" xmlns:p15="http://schemas.microsoft.com/office/powerpoint/2012/main" xmlns:ahyp="http://schemas.microsoft.com/office/drawing/2018/hyperlinkcolor">
+<p:sld xmlns:a="http://schemas.openxmlformats.org/drawingml/2006/main" xmlns:r="http://schemas.openxmlformats.org/officeDocument/2006/relationships" xmlns:p="http://schemas.openxmlformats.org/presentationml/2006/main">
   <p:cSld>
     <p:spTree>
       <p:nvGrpSpPr>
-        <p:cNvPr id="53" name="Shape 53"/>
+        <p:cNvPr id="1" name="Shape 53"/>
         <p:cNvGrpSpPr/>
         <p:nvPr/>
       </p:nvGrpSpPr>
@@ -6054,7 +6204,9 @@
       <p:sp>
         <p:nvSpPr>
           <p:cNvPr id="54" name="Google Shape;54;p13"/>
-          <p:cNvSpPr txBox="1"/>
+          <p:cNvSpPr txBox="1">
+            <a:spLocks noGrp="1"/>
+          </p:cNvSpPr>
           <p:nvPr>
             <p:ph type="ctrTitle"/>
           </p:nvPr>
@@ -6069,12 +6221,12 @@
           </a:prstGeom>
         </p:spPr>
         <p:txBody>
-          <a:bodyPr anchorCtr="0" anchor="b" bIns="91425" lIns="91425" spcFirstLastPara="1" rIns="91425" wrap="square" tIns="91425">
+          <a:bodyPr spcFirstLastPara="1" wrap="square" lIns="91425" tIns="91425" rIns="91425" bIns="91425" anchor="b" anchorCtr="0">
             <a:normAutofit/>
           </a:bodyPr>
           <a:lstStyle/>
           <a:p>
-            <a:pPr indent="0" lvl="0" marL="0" rtl="0" algn="ctr">
+            <a:pPr marL="0" lvl="0" indent="0" algn="ctr" rtl="0">
               <a:spcBef>
                 <a:spcPts val="0"/>
               </a:spcBef>
@@ -6094,9 +6246,11 @@
       <p:sp>
         <p:nvSpPr>
           <p:cNvPr id="55" name="Google Shape;55;p13"/>
-          <p:cNvSpPr txBox="1"/>
+          <p:cNvSpPr txBox="1">
+            <a:spLocks noGrp="1"/>
+          </p:cNvSpPr>
           <p:nvPr>
-            <p:ph idx="1" type="subTitle"/>
+            <p:ph type="subTitle" idx="1"/>
           </p:nvPr>
         </p:nvSpPr>
         <p:spPr>
@@ -6109,12 +6263,12 @@
           </a:prstGeom>
         </p:spPr>
         <p:txBody>
-          <a:bodyPr anchorCtr="0" anchor="t" bIns="91425" lIns="91425" spcFirstLastPara="1" rIns="91425" wrap="square" tIns="91425">
+          <a:bodyPr spcFirstLastPara="1" wrap="square" lIns="91425" tIns="91425" rIns="91425" bIns="91425" anchor="t" anchorCtr="0">
             <a:normAutofit/>
           </a:bodyPr>
           <a:lstStyle/>
           <a:p>
-            <a:pPr indent="0" lvl="0" marL="0" rtl="0" algn="ctr">
+            <a:pPr marL="0" lvl="0" indent="0" algn="ctr" rtl="0">
               <a:spcBef>
                 <a:spcPts val="0"/>
               </a:spcBef>
@@ -6123,9 +6277,6 @@
               </a:spcAft>
               <a:buNone/>
             </a:pPr>
-            <a:r>
-              <a:t/>
-            </a:r>
             <a:endParaRPr/>
           </a:p>
         </p:txBody>
@@ -6139,11 +6290,11 @@
 </file>
 
 <file path=ppt/slides/slide2.xml><?xml version="1.0" encoding="utf-8"?>
-<p:sld xmlns:a="http://schemas.openxmlformats.org/drawingml/2006/main" xmlns:r="http://schemas.openxmlformats.org/officeDocument/2006/relationships" xmlns:mc="http://schemas.openxmlformats.org/markup-compatibility/2006" xmlns:mv="urn:schemas-microsoft-com:mac:vml" xmlns:p="http://schemas.openxmlformats.org/presentationml/2006/main" xmlns:c="http://schemas.openxmlformats.org/drawingml/2006/chart" xmlns:dgm="http://schemas.openxmlformats.org/drawingml/2006/diagram" xmlns:o="urn:schemas-microsoft-com:office:office" xmlns:v="urn:schemas-microsoft-com:vml" xmlns:pvml="urn:schemas-microsoft-com:office:powerpoint" xmlns:com="http://schemas.openxmlformats.org/drawingml/2006/compatibility" xmlns:p14="http://schemas.microsoft.com/office/powerpoint/2010/main" xmlns:p15="http://schemas.microsoft.com/office/powerpoint/2012/main" xmlns:ahyp="http://schemas.microsoft.com/office/drawing/2018/hyperlinkcolor">
+<p:sld xmlns:a="http://schemas.openxmlformats.org/drawingml/2006/main" xmlns:r="http://schemas.openxmlformats.org/officeDocument/2006/relationships" xmlns:p="http://schemas.openxmlformats.org/presentationml/2006/main">
   <p:cSld>
     <p:spTree>
       <p:nvGrpSpPr>
-        <p:cNvPr id="59" name="Shape 59"/>
+        <p:cNvPr id="1" name="Shape 59"/>
         <p:cNvGrpSpPr/>
         <p:nvPr/>
       </p:nvGrpSpPr>
@@ -6158,7 +6309,9 @@
       <p:sp>
         <p:nvSpPr>
           <p:cNvPr id="60" name="Google Shape;60;p14"/>
-          <p:cNvSpPr txBox="1"/>
+          <p:cNvSpPr txBox="1">
+            <a:spLocks noGrp="1"/>
+          </p:cNvSpPr>
           <p:nvPr>
             <p:ph type="title"/>
           </p:nvPr>
@@ -6173,12 +6326,12 @@
           </a:prstGeom>
         </p:spPr>
         <p:txBody>
-          <a:bodyPr anchorCtr="0" anchor="t" bIns="91425" lIns="91425" spcFirstLastPara="1" rIns="91425" wrap="square" tIns="91425">
+          <a:bodyPr spcFirstLastPara="1" wrap="square" lIns="91425" tIns="91425" rIns="91425" bIns="91425" anchor="t" anchorCtr="0">
             <a:normAutofit fontScale="90000"/>
           </a:bodyPr>
           <a:lstStyle/>
           <a:p>
-            <a:pPr indent="0" lvl="0" marL="0" rtl="0" algn="l">
+            <a:pPr marL="0" lvl="0" indent="0" algn="l" rtl="0">
               <a:spcBef>
                 <a:spcPts val="0"/>
               </a:spcBef>
@@ -6198,9 +6351,11 @@
       <p:sp>
         <p:nvSpPr>
           <p:cNvPr id="61" name="Google Shape;61;p14"/>
-          <p:cNvSpPr txBox="1"/>
+          <p:cNvSpPr txBox="1">
+            <a:spLocks noGrp="1"/>
+          </p:cNvSpPr>
           <p:nvPr>
-            <p:ph idx="1" type="body"/>
+            <p:ph type="body" idx="1"/>
           </p:nvPr>
         </p:nvSpPr>
         <p:spPr>
@@ -6213,12 +6368,12 @@
           </a:prstGeom>
         </p:spPr>
         <p:txBody>
-          <a:bodyPr anchorCtr="0" anchor="t" bIns="91425" lIns="91425" spcFirstLastPara="1" rIns="91425" wrap="square" tIns="91425">
+          <a:bodyPr spcFirstLastPara="1" wrap="square" lIns="91425" tIns="91425" rIns="91425" bIns="91425" anchor="t" anchorCtr="0">
             <a:normAutofit/>
           </a:bodyPr>
           <a:lstStyle/>
           <a:p>
-            <a:pPr indent="0" lvl="0" marL="0" rtl="0" algn="l">
+            <a:pPr marL="0" lvl="0" indent="0" algn="l" rtl="0">
               <a:spcBef>
                 <a:spcPts val="0"/>
               </a:spcBef>
@@ -6227,9 +6382,6 @@
               </a:spcAft>
               <a:buNone/>
             </a:pPr>
-            <a:r>
-              <a:t/>
-            </a:r>
             <a:endParaRPr/>
           </a:p>
         </p:txBody>
@@ -6243,11 +6395,11 @@
 </file>
 
 <file path=ppt/slides/slide3.xml><?xml version="1.0" encoding="utf-8"?>
-<p:sld xmlns:a="http://schemas.openxmlformats.org/drawingml/2006/main" xmlns:r="http://schemas.openxmlformats.org/officeDocument/2006/relationships" xmlns:mc="http://schemas.openxmlformats.org/markup-compatibility/2006" xmlns:mv="urn:schemas-microsoft-com:mac:vml" xmlns:p="http://schemas.openxmlformats.org/presentationml/2006/main" xmlns:c="http://schemas.openxmlformats.org/drawingml/2006/chart" xmlns:dgm="http://schemas.openxmlformats.org/drawingml/2006/diagram" xmlns:o="urn:schemas-microsoft-com:office:office" xmlns:v="urn:schemas-microsoft-com:vml" xmlns:pvml="urn:schemas-microsoft-com:office:powerpoint" xmlns:com="http://schemas.openxmlformats.org/drawingml/2006/compatibility" xmlns:p14="http://schemas.microsoft.com/office/powerpoint/2010/main" xmlns:p15="http://schemas.microsoft.com/office/powerpoint/2012/main" xmlns:ahyp="http://schemas.microsoft.com/office/drawing/2018/hyperlinkcolor">
+<p:sld xmlns:a="http://schemas.openxmlformats.org/drawingml/2006/main" xmlns:r="http://schemas.openxmlformats.org/officeDocument/2006/relationships" xmlns:p="http://schemas.openxmlformats.org/presentationml/2006/main">
   <p:cSld>
     <p:spTree>
       <p:nvGrpSpPr>
-        <p:cNvPr id="65" name="Shape 65"/>
+        <p:cNvPr id="1" name="Shape 65"/>
         <p:cNvGrpSpPr/>
         <p:nvPr/>
       </p:nvGrpSpPr>
@@ -6262,7 +6414,9 @@
       <p:sp>
         <p:nvSpPr>
           <p:cNvPr id="66" name="Google Shape;66;p15"/>
-          <p:cNvSpPr txBox="1"/>
+          <p:cNvSpPr txBox="1">
+            <a:spLocks noGrp="1"/>
+          </p:cNvSpPr>
           <p:nvPr>
             <p:ph type="title"/>
           </p:nvPr>
@@ -6277,12 +6431,12 @@
           </a:prstGeom>
         </p:spPr>
         <p:txBody>
-          <a:bodyPr anchorCtr="0" anchor="t" bIns="91425" lIns="91425" spcFirstLastPara="1" rIns="91425" wrap="square" tIns="91425">
+          <a:bodyPr spcFirstLastPara="1" wrap="square" lIns="91425" tIns="91425" rIns="91425" bIns="91425" anchor="t" anchorCtr="0">
             <a:normAutofit fontScale="90000"/>
           </a:bodyPr>
           <a:lstStyle/>
           <a:p>
-            <a:pPr indent="0" lvl="0" marL="0" rtl="0" algn="l">
+            <a:pPr marL="0" lvl="0" indent="0" algn="l" rtl="0">
               <a:spcBef>
                 <a:spcPts val="0"/>
               </a:spcBef>
@@ -6302,9 +6456,11 @@
       <p:sp>
         <p:nvSpPr>
           <p:cNvPr id="67" name="Google Shape;67;p15"/>
-          <p:cNvSpPr txBox="1"/>
+          <p:cNvSpPr txBox="1">
+            <a:spLocks noGrp="1"/>
+          </p:cNvSpPr>
           <p:nvPr>
-            <p:ph idx="1" type="body"/>
+            <p:ph type="body" idx="1"/>
           </p:nvPr>
         </p:nvSpPr>
         <p:spPr>
@@ -6317,12 +6473,12 @@
           </a:prstGeom>
         </p:spPr>
         <p:txBody>
-          <a:bodyPr anchorCtr="0" anchor="t" bIns="91425" lIns="91425" spcFirstLastPara="1" rIns="91425" wrap="square" tIns="91425">
+          <a:bodyPr spcFirstLastPara="1" wrap="square" lIns="91425" tIns="91425" rIns="91425" bIns="91425" anchor="t" anchorCtr="0">
             <a:normAutofit/>
           </a:bodyPr>
           <a:lstStyle/>
           <a:p>
-            <a:pPr indent="0" lvl="0" marL="0" rtl="0" algn="l">
+            <a:pPr marL="0" lvl="0" indent="0" algn="l" rtl="0">
               <a:spcBef>
                 <a:spcPts val="0"/>
               </a:spcBef>
@@ -6331,9 +6487,6 @@
               </a:spcAft>
               <a:buNone/>
             </a:pPr>
-            <a:r>
-              <a:t/>
-            </a:r>
             <a:endParaRPr/>
           </a:p>
         </p:txBody>
@@ -6347,11 +6500,11 @@
 </file>
 
 <file path=ppt/slides/slide4.xml><?xml version="1.0" encoding="utf-8"?>
-<p:sld xmlns:a="http://schemas.openxmlformats.org/drawingml/2006/main" xmlns:r="http://schemas.openxmlformats.org/officeDocument/2006/relationships" xmlns:mc="http://schemas.openxmlformats.org/markup-compatibility/2006" xmlns:mv="urn:schemas-microsoft-com:mac:vml" xmlns:p="http://schemas.openxmlformats.org/presentationml/2006/main" xmlns:c="http://schemas.openxmlformats.org/drawingml/2006/chart" xmlns:dgm="http://schemas.openxmlformats.org/drawingml/2006/diagram" xmlns:o="urn:schemas-microsoft-com:office:office" xmlns:v="urn:schemas-microsoft-com:vml" xmlns:pvml="urn:schemas-microsoft-com:office:powerpoint" xmlns:com="http://schemas.openxmlformats.org/drawingml/2006/compatibility" xmlns:p14="http://schemas.microsoft.com/office/powerpoint/2010/main" xmlns:p15="http://schemas.microsoft.com/office/powerpoint/2012/main" xmlns:ahyp="http://schemas.microsoft.com/office/drawing/2018/hyperlinkcolor">
+<p:sld xmlns:a="http://schemas.openxmlformats.org/drawingml/2006/main" xmlns:r="http://schemas.openxmlformats.org/officeDocument/2006/relationships" xmlns:p="http://schemas.openxmlformats.org/presentationml/2006/main">
   <p:cSld>
     <p:spTree>
       <p:nvGrpSpPr>
-        <p:cNvPr id="71" name="Shape 71"/>
+        <p:cNvPr id="1" name="Shape 71"/>
         <p:cNvGrpSpPr/>
         <p:nvPr/>
       </p:nvGrpSpPr>
@@ -6366,7 +6519,9 @@
       <p:sp>
         <p:nvSpPr>
           <p:cNvPr id="72" name="Google Shape;72;p16"/>
-          <p:cNvSpPr txBox="1"/>
+          <p:cNvSpPr txBox="1">
+            <a:spLocks noGrp="1"/>
+          </p:cNvSpPr>
           <p:nvPr>
             <p:ph type="title"/>
           </p:nvPr>
@@ -6381,12 +6536,12 @@
           </a:prstGeom>
         </p:spPr>
         <p:txBody>
-          <a:bodyPr anchorCtr="0" anchor="t" bIns="91425" lIns="91425" spcFirstLastPara="1" rIns="91425" wrap="square" tIns="91425">
+          <a:bodyPr spcFirstLastPara="1" wrap="square" lIns="91425" tIns="91425" rIns="91425" bIns="91425" anchor="t" anchorCtr="0">
             <a:normAutofit fontScale="90000"/>
           </a:bodyPr>
           <a:lstStyle/>
           <a:p>
-            <a:pPr indent="0" lvl="0" marL="0" rtl="0" algn="l">
+            <a:pPr marL="0" lvl="0" indent="0" algn="l" rtl="0">
               <a:spcBef>
                 <a:spcPts val="0"/>
               </a:spcBef>
@@ -6406,9 +6561,11 @@
       <p:sp>
         <p:nvSpPr>
           <p:cNvPr id="73" name="Google Shape;73;p16"/>
-          <p:cNvSpPr txBox="1"/>
+          <p:cNvSpPr txBox="1">
+            <a:spLocks noGrp="1"/>
+          </p:cNvSpPr>
           <p:nvPr>
-            <p:ph idx="1" type="body"/>
+            <p:ph type="body" idx="1"/>
           </p:nvPr>
         </p:nvSpPr>
         <p:spPr>
@@ -6421,12 +6578,12 @@
           </a:prstGeom>
         </p:spPr>
         <p:txBody>
-          <a:bodyPr anchorCtr="0" anchor="t" bIns="91425" lIns="91425" spcFirstLastPara="1" rIns="91425" wrap="square" tIns="91425">
+          <a:bodyPr spcFirstLastPara="1" wrap="square" lIns="91425" tIns="91425" rIns="91425" bIns="91425" anchor="t" anchorCtr="0">
             <a:normAutofit/>
           </a:bodyPr>
           <a:lstStyle/>
           <a:p>
-            <a:pPr indent="0" lvl="0" marL="0" rtl="0" algn="l">
+            <a:pPr marL="0" lvl="0" indent="0" algn="l" rtl="0">
               <a:spcBef>
                 <a:spcPts val="0"/>
               </a:spcBef>
@@ -6435,9 +6592,6 @@
               </a:spcAft>
               <a:buNone/>
             </a:pPr>
-            <a:r>
-              <a:t/>
-            </a:r>
             <a:endParaRPr/>
           </a:p>
         </p:txBody>
@@ -6451,11 +6605,11 @@
 </file>
 
 <file path=ppt/slides/slide5.xml><?xml version="1.0" encoding="utf-8"?>
-<p:sld xmlns:a="http://schemas.openxmlformats.org/drawingml/2006/main" xmlns:r="http://schemas.openxmlformats.org/officeDocument/2006/relationships" xmlns:mc="http://schemas.openxmlformats.org/markup-compatibility/2006" xmlns:mv="urn:schemas-microsoft-com:mac:vml" xmlns:p="http://schemas.openxmlformats.org/presentationml/2006/main" xmlns:c="http://schemas.openxmlformats.org/drawingml/2006/chart" xmlns:dgm="http://schemas.openxmlformats.org/drawingml/2006/diagram" xmlns:o="urn:schemas-microsoft-com:office:office" xmlns:v="urn:schemas-microsoft-com:vml" xmlns:pvml="urn:schemas-microsoft-com:office:powerpoint" xmlns:com="http://schemas.openxmlformats.org/drawingml/2006/compatibility" xmlns:p14="http://schemas.microsoft.com/office/powerpoint/2010/main" xmlns:p15="http://schemas.microsoft.com/office/powerpoint/2012/main" xmlns:ahyp="http://schemas.microsoft.com/office/drawing/2018/hyperlinkcolor">
+<p:sld xmlns:a="http://schemas.openxmlformats.org/drawingml/2006/main" xmlns:r="http://schemas.openxmlformats.org/officeDocument/2006/relationships" xmlns:p="http://schemas.openxmlformats.org/presentationml/2006/main">
   <p:cSld>
     <p:spTree>
       <p:nvGrpSpPr>
-        <p:cNvPr id="77" name="Shape 77"/>
+        <p:cNvPr id="1" name="Shape 77"/>
         <p:cNvGrpSpPr/>
         <p:nvPr/>
       </p:nvGrpSpPr>
@@ -6470,7 +6624,9 @@
       <p:sp>
         <p:nvSpPr>
           <p:cNvPr id="78" name="Google Shape;78;p17"/>
-          <p:cNvSpPr txBox="1"/>
+          <p:cNvSpPr txBox="1">
+            <a:spLocks noGrp="1"/>
+          </p:cNvSpPr>
           <p:nvPr>
             <p:ph type="title"/>
           </p:nvPr>
@@ -6485,12 +6641,12 @@
           </a:prstGeom>
         </p:spPr>
         <p:txBody>
-          <a:bodyPr anchorCtr="0" anchor="t" bIns="91425" lIns="91425" spcFirstLastPara="1" rIns="91425" wrap="square" tIns="91425">
+          <a:bodyPr spcFirstLastPara="1" wrap="square" lIns="91425" tIns="91425" rIns="91425" bIns="91425" anchor="t" anchorCtr="0">
             <a:normAutofit fontScale="90000"/>
           </a:bodyPr>
           <a:lstStyle/>
           <a:p>
-            <a:pPr indent="0" lvl="0" marL="0" rtl="0" algn="l">
+            <a:pPr marL="0" lvl="0" indent="0" algn="l" rtl="0">
               <a:spcBef>
                 <a:spcPts val="0"/>
               </a:spcBef>
@@ -6506,55 +6662,36 @@
             </a:pPr>
             <a:r>
               <a:rPr lang="es"/>
-              <a:t>Plot</a:t>
-            </a:r>
-            <a:r>
-              <a:rPr lang="es"/>
-              <a:t>_features_num_regression</a:t>
+              <a:t>Plot_features_num_regression</a:t>
             </a:r>
             <a:endParaRPr/>
           </a:p>
         </p:txBody>
       </p:sp>
-      <p:sp>
-        <p:nvSpPr>
-          <p:cNvPr id="79" name="Google Shape;79;p17"/>
-          <p:cNvSpPr txBox="1"/>
-          <p:nvPr>
-            <p:ph idx="1" type="body"/>
-          </p:nvPr>
-        </p:nvSpPr>
+      <p:pic>
+        <p:nvPicPr>
+          <p:cNvPr id="2" name="Picture 1"/>
+          <p:cNvPicPr>
+            <a:picLocks noChangeAspect="1"/>
+          </p:cNvPicPr>
+          <p:nvPr/>
+        </p:nvPicPr>
+        <p:blipFill>
+          <a:blip r:embed="rId3"/>
+          <a:stretch>
+            <a:fillRect/>
+          </a:stretch>
+        </p:blipFill>
         <p:spPr>
           <a:xfrm>
-            <a:off x="311700" y="1152475"/>
-            <a:ext cx="8520600" cy="3416400"/>
+            <a:off x="1179419" y="1017725"/>
+            <a:ext cx="6231031" cy="3867720"/>
           </a:xfrm>
           <a:prstGeom prst="rect">
             <a:avLst/>
           </a:prstGeom>
         </p:spPr>
-        <p:txBody>
-          <a:bodyPr anchorCtr="0" anchor="t" bIns="91425" lIns="91425" spcFirstLastPara="1" rIns="91425" wrap="square" tIns="91425">
-            <a:normAutofit/>
-          </a:bodyPr>
-          <a:lstStyle/>
-          <a:p>
-            <a:pPr indent="0" lvl="0" marL="0" rtl="0" algn="l">
-              <a:spcBef>
-                <a:spcPts val="0"/>
-              </a:spcBef>
-              <a:spcAft>
-                <a:spcPts val="1200"/>
-              </a:spcAft>
-              <a:buNone/>
-            </a:pPr>
-            <a:r>
-              <a:t/>
-            </a:r>
-            <a:endParaRPr/>
-          </a:p>
-        </p:txBody>
-      </p:sp>
+      </p:pic>
     </p:spTree>
   </p:cSld>
   <p:clrMapOvr>
@@ -6564,11 +6701,11 @@
 </file>
 
 <file path=ppt/slides/slide6.xml><?xml version="1.0" encoding="utf-8"?>
-<p:sld xmlns:a="http://schemas.openxmlformats.org/drawingml/2006/main" xmlns:r="http://schemas.openxmlformats.org/officeDocument/2006/relationships" xmlns:mc="http://schemas.openxmlformats.org/markup-compatibility/2006" xmlns:mv="urn:schemas-microsoft-com:mac:vml" xmlns:p="http://schemas.openxmlformats.org/presentationml/2006/main" xmlns:c="http://schemas.openxmlformats.org/drawingml/2006/chart" xmlns:dgm="http://schemas.openxmlformats.org/drawingml/2006/diagram" xmlns:o="urn:schemas-microsoft-com:office:office" xmlns:v="urn:schemas-microsoft-com:vml" xmlns:pvml="urn:schemas-microsoft-com:office:powerpoint" xmlns:com="http://schemas.openxmlformats.org/drawingml/2006/compatibility" xmlns:p14="http://schemas.microsoft.com/office/powerpoint/2010/main" xmlns:p15="http://schemas.microsoft.com/office/powerpoint/2012/main" xmlns:ahyp="http://schemas.microsoft.com/office/drawing/2018/hyperlinkcolor">
+<p:sld xmlns:a="http://schemas.openxmlformats.org/drawingml/2006/main" xmlns:r="http://schemas.openxmlformats.org/officeDocument/2006/relationships" xmlns:p="http://schemas.openxmlformats.org/presentationml/2006/main">
   <p:cSld>
     <p:spTree>
       <p:nvGrpSpPr>
-        <p:cNvPr id="83" name="Shape 83"/>
+        <p:cNvPr id="1" name="Shape 83"/>
         <p:cNvGrpSpPr/>
         <p:nvPr/>
       </p:nvGrpSpPr>
@@ -6583,7 +6720,9 @@
       <p:sp>
         <p:nvSpPr>
           <p:cNvPr id="84" name="Google Shape;84;p18"/>
-          <p:cNvSpPr txBox="1"/>
+          <p:cNvSpPr txBox="1">
+            <a:spLocks noGrp="1"/>
+          </p:cNvSpPr>
           <p:nvPr>
             <p:ph type="title"/>
           </p:nvPr>
@@ -6598,12 +6737,12 @@
           </a:prstGeom>
         </p:spPr>
         <p:txBody>
-          <a:bodyPr anchorCtr="0" anchor="t" bIns="91425" lIns="91425" spcFirstLastPara="1" rIns="91425" wrap="square" tIns="91425">
+          <a:bodyPr spcFirstLastPara="1" wrap="square" lIns="91425" tIns="91425" rIns="91425" bIns="91425" anchor="t" anchorCtr="0">
             <a:normAutofit fontScale="90000"/>
           </a:bodyPr>
           <a:lstStyle/>
           <a:p>
-            <a:pPr indent="0" lvl="0" marL="0" rtl="0" algn="l">
+            <a:pPr marL="0" lvl="0" indent="0" algn="l" rtl="0">
               <a:spcBef>
                 <a:spcPts val="0"/>
               </a:spcBef>
@@ -6628,9 +6767,11 @@
       <p:sp>
         <p:nvSpPr>
           <p:cNvPr id="85" name="Google Shape;85;p18"/>
-          <p:cNvSpPr txBox="1"/>
+          <p:cNvSpPr txBox="1">
+            <a:spLocks noGrp="1"/>
+          </p:cNvSpPr>
           <p:nvPr>
-            <p:ph idx="1" type="body"/>
+            <p:ph type="body" idx="1"/>
           </p:nvPr>
         </p:nvSpPr>
         <p:spPr>
@@ -6643,12 +6784,12 @@
           </a:prstGeom>
         </p:spPr>
         <p:txBody>
-          <a:bodyPr anchorCtr="0" anchor="t" bIns="91425" lIns="91425" spcFirstLastPara="1" rIns="91425" wrap="square" tIns="91425">
+          <a:bodyPr spcFirstLastPara="1" wrap="square" lIns="91425" tIns="91425" rIns="91425" bIns="91425" anchor="t" anchorCtr="0">
             <a:normAutofit/>
           </a:bodyPr>
           <a:lstStyle/>
           <a:p>
-            <a:pPr indent="0" lvl="0" marL="0" rtl="0" algn="l">
+            <a:pPr marL="0" lvl="0" indent="0" algn="l" rtl="0">
               <a:spcBef>
                 <a:spcPts val="0"/>
               </a:spcBef>
@@ -6657,9 +6798,6 @@
               </a:spcAft>
               <a:buNone/>
             </a:pPr>
-            <a:r>
-              <a:t/>
-            </a:r>
             <a:endParaRPr/>
           </a:p>
         </p:txBody>
@@ -6673,11 +6811,11 @@
 </file>
 
 <file path=ppt/slides/slide7.xml><?xml version="1.0" encoding="utf-8"?>
-<p:sld xmlns:a="http://schemas.openxmlformats.org/drawingml/2006/main" xmlns:r="http://schemas.openxmlformats.org/officeDocument/2006/relationships" xmlns:mc="http://schemas.openxmlformats.org/markup-compatibility/2006" xmlns:mv="urn:schemas-microsoft-com:mac:vml" xmlns:p="http://schemas.openxmlformats.org/presentationml/2006/main" xmlns:c="http://schemas.openxmlformats.org/drawingml/2006/chart" xmlns:dgm="http://schemas.openxmlformats.org/drawingml/2006/diagram" xmlns:o="urn:schemas-microsoft-com:office:office" xmlns:v="urn:schemas-microsoft-com:vml" xmlns:pvml="urn:schemas-microsoft-com:office:powerpoint" xmlns:com="http://schemas.openxmlformats.org/drawingml/2006/compatibility" xmlns:p14="http://schemas.microsoft.com/office/powerpoint/2010/main" xmlns:p15="http://schemas.microsoft.com/office/powerpoint/2012/main" xmlns:ahyp="http://schemas.microsoft.com/office/drawing/2018/hyperlinkcolor">
+<p:sld xmlns:a="http://schemas.openxmlformats.org/drawingml/2006/main" xmlns:r="http://schemas.openxmlformats.org/officeDocument/2006/relationships" xmlns:p="http://schemas.openxmlformats.org/presentationml/2006/main">
   <p:cSld>
     <p:spTree>
       <p:nvGrpSpPr>
-        <p:cNvPr id="89" name="Shape 89"/>
+        <p:cNvPr id="1" name="Shape 89"/>
         <p:cNvGrpSpPr/>
         <p:nvPr/>
       </p:nvGrpSpPr>
@@ -6692,7 +6830,9 @@
       <p:sp>
         <p:nvSpPr>
           <p:cNvPr id="90" name="Google Shape;90;p19"/>
-          <p:cNvSpPr txBox="1"/>
+          <p:cNvSpPr txBox="1">
+            <a:spLocks noGrp="1"/>
+          </p:cNvSpPr>
           <p:nvPr>
             <p:ph type="title"/>
           </p:nvPr>
@@ -6707,12 +6847,12 @@
           </a:prstGeom>
         </p:spPr>
         <p:txBody>
-          <a:bodyPr anchorCtr="0" anchor="t" bIns="91425" lIns="91425" spcFirstLastPara="1" rIns="91425" wrap="square" tIns="91425">
+          <a:bodyPr spcFirstLastPara="1" wrap="square" lIns="91425" tIns="91425" rIns="91425" bIns="91425" anchor="t" anchorCtr="0">
             <a:normAutofit fontScale="90000"/>
           </a:bodyPr>
           <a:lstStyle/>
           <a:p>
-            <a:pPr indent="0" lvl="0" marL="0" rtl="0" algn="l">
+            <a:pPr marL="0" lvl="0" indent="0" algn="l" rtl="0">
               <a:spcBef>
                 <a:spcPts val="0"/>
               </a:spcBef>
@@ -6728,11 +6868,7 @@
             </a:pPr>
             <a:r>
               <a:rPr lang="es"/>
-              <a:t>Plot</a:t>
-            </a:r>
-            <a:r>
-              <a:rPr lang="es"/>
-              <a:t>_features_cat_regression</a:t>
+              <a:t>Plot_features_cat_regression</a:t>
             </a:r>
             <a:endParaRPr/>
           </a:p>
@@ -6741,9 +6877,11 @@
       <p:sp>
         <p:nvSpPr>
           <p:cNvPr id="91" name="Google Shape;91;p19"/>
-          <p:cNvSpPr txBox="1"/>
+          <p:cNvSpPr txBox="1">
+            <a:spLocks noGrp="1"/>
+          </p:cNvSpPr>
           <p:nvPr>
-            <p:ph idx="1" type="body"/>
+            <p:ph type="body" idx="1"/>
           </p:nvPr>
         </p:nvSpPr>
         <p:spPr>
@@ -6756,12 +6894,12 @@
           </a:prstGeom>
         </p:spPr>
         <p:txBody>
-          <a:bodyPr anchorCtr="0" anchor="t" bIns="91425" lIns="91425" spcFirstLastPara="1" rIns="91425" wrap="square" tIns="91425">
+          <a:bodyPr spcFirstLastPara="1" wrap="square" lIns="91425" tIns="91425" rIns="91425" bIns="91425" anchor="t" anchorCtr="0">
             <a:normAutofit/>
           </a:bodyPr>
           <a:lstStyle/>
           <a:p>
-            <a:pPr indent="0" lvl="0" marL="0" rtl="0" algn="l">
+            <a:pPr marL="0" lvl="0" indent="0" algn="l" rtl="0">
               <a:spcBef>
                 <a:spcPts val="0"/>
               </a:spcBef>
@@ -6770,9 +6908,6 @@
               </a:spcAft>
               <a:buNone/>
             </a:pPr>
-            <a:r>
-              <a:t/>
-            </a:r>
             <a:endParaRPr/>
           </a:p>
         </p:txBody>
@@ -6786,7 +6921,7 @@
 </file>
 
 <file path=ppt/theme/theme1.xml><?xml version="1.0" encoding="utf-8"?>
-<a:theme xmlns:a="http://schemas.openxmlformats.org/drawingml/2006/main" xmlns:r="http://schemas.openxmlformats.org/officeDocument/2006/relationships" name="Simple Light">
+<a:theme xmlns:a="http://schemas.openxmlformats.org/drawingml/2006/main" name="Simple Light">
   <a:themeElements>
     <a:clrScheme name="Simple Light">
       <a:dk1>
@@ -7061,11 +7196,13 @@
       </a:bgFillStyleLst>
     </a:fmtScheme>
   </a:themeElements>
+  <a:objectDefaults/>
+  <a:extraClrSchemeLst/>
 </a:theme>
 </file>
 
 <file path=ppt/theme/theme2.xml><?xml version="1.0" encoding="utf-8"?>
-<a:theme xmlns:a="http://schemas.openxmlformats.org/drawingml/2006/main" xmlns:r="http://schemas.openxmlformats.org/officeDocument/2006/relationships">
+<a:theme xmlns:a="http://schemas.openxmlformats.org/drawingml/2006/main">
   <a:themeElements>
     <a:clrScheme name="Default">
       <a:dk1>
@@ -7340,5 +7477,7 @@
       </a:bgFillStyleLst>
     </a:fmtScheme>
   </a:themeElements>
+  <a:objectDefaults/>
+  <a:extraClrSchemeLst/>
 </a:theme>
 </file>
--- a/Team_Lasso.pptx
+++ b/Team_Lasso.pptx
@@ -5,16 +5,17 @@
     <p:sldMasterId id="2147483659" r:id="rId1"/>
   </p:sldMasterIdLst>
   <p:notesMasterIdLst>
-    <p:notesMasterId r:id="rId9"/>
+    <p:notesMasterId r:id="rId10"/>
   </p:notesMasterIdLst>
   <p:sldIdLst>
     <p:sldId id="256" r:id="rId2"/>
     <p:sldId id="257" r:id="rId3"/>
-    <p:sldId id="258" r:id="rId4"/>
-    <p:sldId id="259" r:id="rId5"/>
-    <p:sldId id="260" r:id="rId6"/>
+    <p:sldId id="263" r:id="rId4"/>
+    <p:sldId id="264" r:id="rId5"/>
+    <p:sldId id="265" r:id="rId6"/>
     <p:sldId id="261" r:id="rId7"/>
-    <p:sldId id="262" r:id="rId8"/>
+    <p:sldId id="266" r:id="rId8"/>
+    <p:sldId id="267" r:id="rId9"/>
   </p:sldIdLst>
   <p:sldSz cx="9144000" cy="5143500" type="screen16x9"/>
   <p:notesSz cx="6858000" cy="9144000"/>
@@ -840,7 +841,7 @@
         </p:nvSpPr>
         <p:spPr>
           <a:xfrm>
-            <a:off x="381300" y="685800"/>
+            <a:off x="381000" y="685800"/>
             <a:ext cx="6096000" cy="3429000"/>
           </a:xfrm>
           <a:custGeom>
@@ -920,7 +921,7 @@
   <p:cSld>
     <p:spTree>
       <p:nvGrpSpPr>
-        <p:cNvPr id="1" name="Shape 62"/>
+        <p:cNvPr id="1" name="Shape 56"/>
         <p:cNvGrpSpPr/>
         <p:nvPr/>
       </p:nvGrpSpPr>
@@ -934,7 +935,7 @@
       </p:grpSpPr>
       <p:sp>
         <p:nvSpPr>
-          <p:cNvPr id="63" name="Google Shape;63;g329f9f5f1b5_0_5:notes"/>
+          <p:cNvPr id="57" name="Google Shape;57;g329f9f5f1b5_0_0:notes"/>
           <p:cNvSpPr>
             <a:spLocks noGrp="1" noRot="1" noChangeAspect="1"/>
           </p:cNvSpPr>
@@ -944,7 +945,7 @@
         </p:nvSpPr>
         <p:spPr>
           <a:xfrm>
-            <a:off x="381300" y="685800"/>
+            <a:off x="381000" y="685800"/>
             <a:ext cx="6096000" cy="3429000"/>
           </a:xfrm>
           <a:custGeom>
@@ -975,7 +976,7 @@
       </p:sp>
       <p:sp>
         <p:nvSpPr>
-          <p:cNvPr id="64" name="Google Shape;64;g329f9f5f1b5_0_5:notes"/>
+          <p:cNvPr id="58" name="Google Shape;58;g329f9f5f1b5_0_0:notes"/>
           <p:cNvSpPr txBox="1">
             <a:spLocks noGrp="1"/>
           </p:cNvSpPr>
@@ -1012,6 +1013,11 @@
         </p:txBody>
       </p:sp>
     </p:spTree>
+    <p:extLst>
+      <p:ext uri="{BB962C8B-B14F-4D97-AF65-F5344CB8AC3E}">
+        <p14:creationId xmlns:p14="http://schemas.microsoft.com/office/powerpoint/2010/main" val="2365019605"/>
+      </p:ext>
+    </p:extLst>
   </p:cSld>
   <p:clrMapOvr>
     <a:masterClrMapping/>
@@ -1024,7 +1030,7 @@
   <p:cSld>
     <p:spTree>
       <p:nvGrpSpPr>
-        <p:cNvPr id="1" name="Shape 68"/>
+        <p:cNvPr id="1" name="Shape 56"/>
         <p:cNvGrpSpPr/>
         <p:nvPr/>
       </p:nvGrpSpPr>
@@ -1038,7 +1044,7 @@
       </p:grpSpPr>
       <p:sp>
         <p:nvSpPr>
-          <p:cNvPr id="69" name="Google Shape;69;g329f9f5f1b5_0_10:notes"/>
+          <p:cNvPr id="57" name="Google Shape;57;g329f9f5f1b5_0_0:notes"/>
           <p:cNvSpPr>
             <a:spLocks noGrp="1" noRot="1" noChangeAspect="1"/>
           </p:cNvSpPr>
@@ -1048,7 +1054,7 @@
         </p:nvSpPr>
         <p:spPr>
           <a:xfrm>
-            <a:off x="381300" y="685800"/>
+            <a:off x="381000" y="685800"/>
             <a:ext cx="6096000" cy="3429000"/>
           </a:xfrm>
           <a:custGeom>
@@ -1079,7 +1085,7 @@
       </p:sp>
       <p:sp>
         <p:nvSpPr>
-          <p:cNvPr id="70" name="Google Shape;70;g329f9f5f1b5_0_10:notes"/>
+          <p:cNvPr id="58" name="Google Shape;58;g329f9f5f1b5_0_0:notes"/>
           <p:cNvSpPr txBox="1">
             <a:spLocks noGrp="1"/>
           </p:cNvSpPr>
@@ -1116,6 +1122,11 @@
         </p:txBody>
       </p:sp>
     </p:spTree>
+    <p:extLst>
+      <p:ext uri="{BB962C8B-B14F-4D97-AF65-F5344CB8AC3E}">
+        <p14:creationId xmlns:p14="http://schemas.microsoft.com/office/powerpoint/2010/main" val="1074163770"/>
+      </p:ext>
+    </p:extLst>
   </p:cSld>
   <p:clrMapOvr>
     <a:masterClrMapping/>
@@ -1128,7 +1139,7 @@
   <p:cSld>
     <p:spTree>
       <p:nvGrpSpPr>
-        <p:cNvPr id="1" name="Shape 74"/>
+        <p:cNvPr id="1" name="Shape 56"/>
         <p:cNvGrpSpPr/>
         <p:nvPr/>
       </p:nvGrpSpPr>
@@ -1142,7 +1153,7 @@
       </p:grpSpPr>
       <p:sp>
         <p:nvSpPr>
-          <p:cNvPr id="75" name="Google Shape;75;g329f9f5f1b5_0_15:notes"/>
+          <p:cNvPr id="57" name="Google Shape;57;g329f9f5f1b5_0_0:notes"/>
           <p:cNvSpPr>
             <a:spLocks noGrp="1" noRot="1" noChangeAspect="1"/>
           </p:cNvSpPr>
@@ -1152,7 +1163,7 @@
         </p:nvSpPr>
         <p:spPr>
           <a:xfrm>
-            <a:off x="381300" y="685800"/>
+            <a:off x="381000" y="685800"/>
             <a:ext cx="6096000" cy="3429000"/>
           </a:xfrm>
           <a:custGeom>
@@ -1183,7 +1194,7 @@
       </p:sp>
       <p:sp>
         <p:nvSpPr>
-          <p:cNvPr id="76" name="Google Shape;76;g329f9f5f1b5_0_15:notes"/>
+          <p:cNvPr id="58" name="Google Shape;58;g329f9f5f1b5_0_0:notes"/>
           <p:cNvSpPr txBox="1">
             <a:spLocks noGrp="1"/>
           </p:cNvSpPr>
@@ -1220,6 +1231,11 @@
         </p:txBody>
       </p:sp>
     </p:spTree>
+    <p:extLst>
+      <p:ext uri="{BB962C8B-B14F-4D97-AF65-F5344CB8AC3E}">
+        <p14:creationId xmlns:p14="http://schemas.microsoft.com/office/powerpoint/2010/main" val="1568817450"/>
+      </p:ext>
+    </p:extLst>
   </p:cSld>
   <p:clrMapOvr>
     <a:masterClrMapping/>
@@ -1256,7 +1272,7 @@
         </p:nvSpPr>
         <p:spPr>
           <a:xfrm>
-            <a:off x="381300" y="685800"/>
+            <a:off x="381000" y="685800"/>
             <a:ext cx="6096000" cy="3429000"/>
           </a:xfrm>
           <a:custGeom>
@@ -1336,7 +1352,7 @@
   <p:cSld>
     <p:spTree>
       <p:nvGrpSpPr>
-        <p:cNvPr id="1" name="Shape 86"/>
+        <p:cNvPr id="1" name="Shape 80"/>
         <p:cNvGrpSpPr/>
         <p:nvPr/>
       </p:nvGrpSpPr>
@@ -1350,7 +1366,7 @@
       </p:grpSpPr>
       <p:sp>
         <p:nvSpPr>
-          <p:cNvPr id="87" name="Google Shape;87;g329f9f5f1b5_0_25:notes"/>
+          <p:cNvPr id="81" name="Google Shape;81;g329f9f5f1b5_0_20:notes"/>
           <p:cNvSpPr>
             <a:spLocks noGrp="1" noRot="1" noChangeAspect="1"/>
           </p:cNvSpPr>
@@ -1360,7 +1376,7 @@
         </p:nvSpPr>
         <p:spPr>
           <a:xfrm>
-            <a:off x="381300" y="685800"/>
+            <a:off x="381000" y="685800"/>
             <a:ext cx="6096000" cy="3429000"/>
           </a:xfrm>
           <a:custGeom>
@@ -1391,7 +1407,7 @@
       </p:sp>
       <p:sp>
         <p:nvSpPr>
-          <p:cNvPr id="88" name="Google Shape;88;g329f9f5f1b5_0_25:notes"/>
+          <p:cNvPr id="82" name="Google Shape;82;g329f9f5f1b5_0_20:notes"/>
           <p:cNvSpPr txBox="1">
             <a:spLocks noGrp="1"/>
           </p:cNvSpPr>
@@ -1428,6 +1444,120 @@
         </p:txBody>
       </p:sp>
     </p:spTree>
+    <p:extLst>
+      <p:ext uri="{BB962C8B-B14F-4D97-AF65-F5344CB8AC3E}">
+        <p14:creationId xmlns:p14="http://schemas.microsoft.com/office/powerpoint/2010/main" val="3055815108"/>
+      </p:ext>
+    </p:extLst>
+  </p:cSld>
+  <p:clrMapOvr>
+    <a:masterClrMapping/>
+  </p:clrMapOvr>
+</p:notes>
+</file>
+
+<file path=ppt/notesSlides/notesSlide8.xml><?xml version="1.0" encoding="utf-8"?>
+<p:notes xmlns:a="http://schemas.openxmlformats.org/drawingml/2006/main" xmlns:r="http://schemas.openxmlformats.org/officeDocument/2006/relationships" xmlns:p="http://schemas.openxmlformats.org/presentationml/2006/main" showMasterSp="0" showMasterPhAnim="0">
+  <p:cSld>
+    <p:spTree>
+      <p:nvGrpSpPr>
+        <p:cNvPr id="1" name="Shape 50"/>
+        <p:cNvGrpSpPr/>
+        <p:nvPr/>
+      </p:nvGrpSpPr>
+      <p:grpSpPr>
+        <a:xfrm>
+          <a:off x="0" y="0"/>
+          <a:ext cx="0" cy="0"/>
+          <a:chOff x="0" y="0"/>
+          <a:chExt cx="0" cy="0"/>
+        </a:xfrm>
+      </p:grpSpPr>
+      <p:sp>
+        <p:nvSpPr>
+          <p:cNvPr id="51" name="Google Shape;51;p:notes"/>
+          <p:cNvSpPr>
+            <a:spLocks noGrp="1" noRot="1" noChangeAspect="1"/>
+          </p:cNvSpPr>
+          <p:nvPr>
+            <p:ph type="sldImg" idx="2"/>
+          </p:nvPr>
+        </p:nvSpPr>
+        <p:spPr>
+          <a:xfrm>
+            <a:off x="381000" y="685800"/>
+            <a:ext cx="6096000" cy="3429000"/>
+          </a:xfrm>
+          <a:custGeom>
+            <a:avLst/>
+            <a:gdLst/>
+            <a:ahLst/>
+            <a:cxnLst/>
+            <a:rect l="l" t="t" r="r" b="b"/>
+            <a:pathLst>
+              <a:path w="120000" h="120000" extrusionOk="0">
+                <a:moveTo>
+                  <a:pt x="0" y="0"/>
+                </a:moveTo>
+                <a:lnTo>
+                  <a:pt x="120000" y="0"/>
+                </a:lnTo>
+                <a:lnTo>
+                  <a:pt x="120000" y="120000"/>
+                </a:lnTo>
+                <a:lnTo>
+                  <a:pt x="0" y="120000"/>
+                </a:lnTo>
+                <a:close/>
+              </a:path>
+            </a:pathLst>
+          </a:custGeom>
+        </p:spPr>
+      </p:sp>
+      <p:sp>
+        <p:nvSpPr>
+          <p:cNvPr id="52" name="Google Shape;52;p:notes"/>
+          <p:cNvSpPr txBox="1">
+            <a:spLocks noGrp="1"/>
+          </p:cNvSpPr>
+          <p:nvPr>
+            <p:ph type="body" idx="1"/>
+          </p:nvPr>
+        </p:nvSpPr>
+        <p:spPr>
+          <a:xfrm>
+            <a:off x="685800" y="4343400"/>
+            <a:ext cx="5486400" cy="4114800"/>
+          </a:xfrm>
+          <a:prstGeom prst="rect">
+            <a:avLst/>
+          </a:prstGeom>
+        </p:spPr>
+        <p:txBody>
+          <a:bodyPr spcFirstLastPara="1" wrap="square" lIns="91425" tIns="91425" rIns="91425" bIns="91425" anchor="t" anchorCtr="0">
+            <a:noAutofit/>
+          </a:bodyPr>
+          <a:lstStyle/>
+          <a:p>
+            <a:pPr marL="0" lvl="0" indent="0" algn="l" rtl="0">
+              <a:spcBef>
+                <a:spcPts val="0"/>
+              </a:spcBef>
+              <a:spcAft>
+                <a:spcPts val="0"/>
+              </a:spcAft>
+              <a:buNone/>
+            </a:pPr>
+            <a:endParaRPr/>
+          </a:p>
+        </p:txBody>
+      </p:sp>
+    </p:spTree>
+    <p:extLst>
+      <p:ext uri="{BB962C8B-B14F-4D97-AF65-F5344CB8AC3E}">
+        <p14:creationId xmlns:p14="http://schemas.microsoft.com/office/powerpoint/2010/main" val="2562777758"/>
+      </p:ext>
+    </p:extLst>
   </p:cSld>
   <p:clrMapOvr>
     <a:masterClrMapping/>
@@ -4917,9 +5047,16 @@
   <p:cSld name="simple-light-2">
     <p:bg>
       <p:bgPr>
-        <a:solidFill>
-          <a:schemeClr val="lt1"/>
-        </a:solidFill>
+        <a:blipFill dpi="0" rotWithShape="1">
+          <a:blip r:embed="rId13">
+            <a:alphaModFix amt="80000"/>
+            <a:lum/>
+          </a:blip>
+          <a:srcRect/>
+          <a:stretch>
+            <a:fillRect t="-9000" b="-9000"/>
+          </a:stretch>
+        </a:blipFill>
         <a:effectLst/>
       </p:bgPr>
     </p:bg>
@@ -6187,6 +6324,21 @@
 <file path=ppt/slides/slide1.xml><?xml version="1.0" encoding="utf-8"?>
 <p:sld xmlns:a="http://schemas.openxmlformats.org/drawingml/2006/main" xmlns:r="http://schemas.openxmlformats.org/officeDocument/2006/relationships" xmlns:p="http://schemas.openxmlformats.org/presentationml/2006/main">
   <p:cSld>
+    <p:bg>
+      <p:bgPr>
+        <a:blipFill dpi="0" rotWithShape="1">
+          <a:blip r:embed="rId3">
+            <a:alphaModFix amt="75000"/>
+            <a:lum/>
+          </a:blip>
+          <a:srcRect/>
+          <a:stretch>
+            <a:fillRect t="-9000" b="-9000"/>
+          </a:stretch>
+        </a:blipFill>
+        <a:effectLst/>
+      </p:bgPr>
+    </p:bg>
     <p:spTree>
       <p:nvGrpSpPr>
         <p:cNvPr id="1" name="Shape 53"/>
@@ -6236,10 +6388,44 @@
               <a:buNone/>
             </a:pPr>
             <a:r>
-              <a:rPr lang="es"/>
+              <a:rPr lang="es" sz="6000" dirty="0">
+                <a:ln w="3175">
+                  <a:solidFill>
+                    <a:schemeClr val="tx1"/>
+                  </a:solidFill>
+                </a:ln>
+                <a:solidFill>
+                  <a:schemeClr val="bg1"/>
+                </a:solidFill>
+                <a:effectLst>
+                  <a:outerShdw blurRad="38100" dist="38100" dir="2700000" algn="tl">
+                    <a:srgbClr val="000000">
+                      <a:alpha val="43137"/>
+                    </a:srgbClr>
+                  </a:outerShdw>
+                </a:effectLst>
+                <a:latin typeface="Arial Black" panose="020B0A04020102020204" pitchFamily="34" charset="0"/>
+              </a:rPr>
               <a:t>Team Lasso</a:t>
             </a:r>
-            <a:endParaRPr/>
+            <a:endParaRPr sz="6000" dirty="0">
+              <a:ln w="3175">
+                <a:solidFill>
+                  <a:schemeClr val="tx1"/>
+                </a:solidFill>
+              </a:ln>
+              <a:solidFill>
+                <a:schemeClr val="bg1"/>
+              </a:solidFill>
+              <a:effectLst>
+                <a:outerShdw blurRad="38100" dist="38100" dir="2700000" algn="tl">
+                  <a:srgbClr val="000000">
+                    <a:alpha val="43137"/>
+                  </a:srgbClr>
+                </a:outerShdw>
+              </a:effectLst>
+              <a:latin typeface="Arial Black" panose="020B0A04020102020204" pitchFamily="34" charset="0"/>
+            </a:endParaRPr>
           </a:p>
         </p:txBody>
       </p:sp>
@@ -6277,7 +6463,148 @@
               </a:spcAft>
               <a:buNone/>
             </a:pPr>
-            <a:endParaRPr dirty="0"/>
+            <a:r>
+              <a:rPr lang="es-ES" sz="1800" dirty="0" err="1">
+                <a:ln w="3175">
+                  <a:solidFill>
+                    <a:schemeClr val="tx1"/>
+                  </a:solidFill>
+                </a:ln>
+                <a:solidFill>
+                  <a:schemeClr val="accent6">
+                    <a:lumMod val="60000"/>
+                    <a:lumOff val="40000"/>
+                  </a:schemeClr>
+                </a:solidFill>
+                <a:effectLst>
+                  <a:outerShdw blurRad="38100" dist="38100" dir="2700000" algn="tl">
+                    <a:srgbClr val="000000">
+                      <a:alpha val="43137"/>
+                    </a:srgbClr>
+                  </a:outerShdw>
+                </a:effectLst>
+                <a:latin typeface="Arial Black" panose="020B0A04020102020204" pitchFamily="34" charset="0"/>
+              </a:rPr>
+              <a:t>Team</a:t>
+            </a:r>
+            <a:r>
+              <a:rPr lang="es-ES" sz="1800" dirty="0">
+                <a:ln w="3175">
+                  <a:solidFill>
+                    <a:schemeClr val="tx1"/>
+                  </a:solidFill>
+                </a:ln>
+                <a:solidFill>
+                  <a:schemeClr val="accent6">
+                    <a:lumMod val="60000"/>
+                    <a:lumOff val="40000"/>
+                  </a:schemeClr>
+                </a:solidFill>
+                <a:effectLst>
+                  <a:outerShdw blurRad="38100" dist="38100" dir="2700000" algn="tl">
+                    <a:srgbClr val="000000">
+                      <a:alpha val="43137"/>
+                    </a:srgbClr>
+                  </a:outerShdw>
+                </a:effectLst>
+                <a:latin typeface="Arial Black" panose="020B0A04020102020204" pitchFamily="34" charset="0"/>
+              </a:rPr>
+              <a:t> </a:t>
+            </a:r>
+            <a:r>
+              <a:rPr lang="es-ES" sz="1800" dirty="0" err="1">
+                <a:ln w="3175">
+                  <a:solidFill>
+                    <a:schemeClr val="tx1"/>
+                  </a:solidFill>
+                </a:ln>
+                <a:solidFill>
+                  <a:schemeClr val="accent6">
+                    <a:lumMod val="60000"/>
+                    <a:lumOff val="40000"/>
+                  </a:schemeClr>
+                </a:solidFill>
+                <a:effectLst>
+                  <a:outerShdw blurRad="38100" dist="38100" dir="2700000" algn="tl">
+                    <a:srgbClr val="000000">
+                      <a:alpha val="43137"/>
+                    </a:srgbClr>
+                  </a:outerShdw>
+                </a:effectLst>
+                <a:latin typeface="Arial Black" panose="020B0A04020102020204" pitchFamily="34" charset="0"/>
+              </a:rPr>
+              <a:t>Challenge</a:t>
+            </a:r>
+            <a:r>
+              <a:rPr lang="es-ES" sz="1800" dirty="0">
+                <a:ln w="3175">
+                  <a:solidFill>
+                    <a:schemeClr val="tx1"/>
+                  </a:solidFill>
+                </a:ln>
+                <a:solidFill>
+                  <a:schemeClr val="accent6">
+                    <a:lumMod val="60000"/>
+                    <a:lumOff val="40000"/>
+                  </a:schemeClr>
+                </a:solidFill>
+                <a:effectLst>
+                  <a:outerShdw blurRad="38100" dist="38100" dir="2700000" algn="tl">
+                    <a:srgbClr val="000000">
+                      <a:alpha val="43137"/>
+                    </a:srgbClr>
+                  </a:outerShdw>
+                </a:effectLst>
+                <a:latin typeface="Arial Black" panose="020B0A04020102020204" pitchFamily="34" charset="0"/>
+              </a:rPr>
+              <a:t> </a:t>
+            </a:r>
+            <a:r>
+              <a:rPr lang="es-ES" sz="1800" dirty="0">
+                <a:ln w="3175">
+                  <a:solidFill>
+                    <a:schemeClr val="tx1"/>
+                  </a:solidFill>
+                </a:ln>
+                <a:solidFill>
+                  <a:schemeClr val="accent6">
+                    <a:lumMod val="60000"/>
+                    <a:lumOff val="40000"/>
+                  </a:schemeClr>
+                </a:solidFill>
+                <a:effectLst>
+                  <a:outerShdw blurRad="38100" dist="38100" dir="2700000" algn="tl">
+                    <a:srgbClr val="000000">
+                      <a:alpha val="43137"/>
+                    </a:srgbClr>
+                  </a:outerShdw>
+                </a:effectLst>
+                <a:latin typeface="Arial Black" panose="020B0A04020102020204" pitchFamily="34" charset="0"/>
+                <a:sym typeface="Wingdings" panose="05000000000000000000" pitchFamily="2" charset="2"/>
+              </a:rPr>
+              <a:t> Funciones.</a:t>
+            </a:r>
+            <a:endParaRPr sz="1800" dirty="0">
+              <a:ln w="3175">
+                <a:solidFill>
+                  <a:schemeClr val="tx1"/>
+                </a:solidFill>
+              </a:ln>
+              <a:solidFill>
+                <a:schemeClr val="accent6">
+                  <a:lumMod val="60000"/>
+                  <a:lumOff val="40000"/>
+                </a:schemeClr>
+              </a:solidFill>
+              <a:effectLst>
+                <a:outerShdw blurRad="38100" dist="38100" dir="2700000" algn="tl">
+                  <a:srgbClr val="000000">
+                    <a:alpha val="43137"/>
+                  </a:srgbClr>
+                </a:outerShdw>
+              </a:effectLst>
+              <a:latin typeface="Arial Black" panose="020B0A04020102020204" pitchFamily="34" charset="0"/>
+            </a:endParaRPr>
           </a:p>
         </p:txBody>
       </p:sp>
@@ -6318,7 +6645,7 @@
         </p:nvSpPr>
         <p:spPr>
           <a:xfrm>
-            <a:off x="311700" y="445025"/>
+            <a:off x="311700" y="333156"/>
             <a:ext cx="8520600" cy="572700"/>
           </a:xfrm>
           <a:prstGeom prst="rect">
@@ -6327,7 +6654,7 @@
         </p:spPr>
         <p:txBody>
           <a:bodyPr spcFirstLastPara="1" wrap="square" lIns="91425" tIns="91425" rIns="91425" bIns="91425" anchor="t" anchorCtr="0">
-            <a:normAutofit fontScale="90000"/>
+            <a:noAutofit/>
           </a:bodyPr>
           <a:lstStyle/>
           <a:p>
@@ -6341,51 +6668,121 @@
               <a:buNone/>
             </a:pPr>
             <a:r>
-              <a:rPr lang="es"/>
-              <a:t>Describe_df</a:t>
+              <a:rPr lang="es" sz="2500" b="1" dirty="0">
+                <a:ln w="6350">
+                  <a:solidFill>
+                    <a:schemeClr val="tx1"/>
+                  </a:solidFill>
+                </a:ln>
+                <a:solidFill>
+                  <a:schemeClr val="bg1"/>
+                </a:solidFill>
+                <a:effectLst>
+                  <a:outerShdw blurRad="50800" dist="38100" dir="2700000" algn="tl" rotWithShape="0">
+                    <a:prstClr val="black">
+                      <a:alpha val="40000"/>
+                    </a:prstClr>
+                  </a:outerShdw>
+                </a:effectLst>
+                <a:latin typeface="Arial Black" panose="020B0A04020102020204" pitchFamily="34" charset="0"/>
+                <a:ea typeface="MS Gothic" panose="020B0609070205080204" pitchFamily="49" charset="-128"/>
+              </a:rPr>
+              <a:t>describe_df</a:t>
             </a:r>
-            <a:endParaRPr/>
+            <a:endParaRPr sz="2500" b="1" dirty="0">
+              <a:ln w="6350">
+                <a:solidFill>
+                  <a:schemeClr val="tx1"/>
+                </a:solidFill>
+              </a:ln>
+              <a:solidFill>
+                <a:schemeClr val="bg1"/>
+              </a:solidFill>
+              <a:effectLst>
+                <a:outerShdw blurRad="50800" dist="38100" dir="2700000" algn="tl" rotWithShape="0">
+                  <a:prstClr val="black">
+                    <a:alpha val="40000"/>
+                  </a:prstClr>
+                </a:outerShdw>
+              </a:effectLst>
+              <a:latin typeface="Arial Black" panose="020B0A04020102020204" pitchFamily="34" charset="0"/>
+              <a:ea typeface="MS Gothic" panose="020B0609070205080204" pitchFamily="49" charset="-128"/>
+            </a:endParaRPr>
           </a:p>
         </p:txBody>
       </p:sp>
-      <p:sp>
-        <p:nvSpPr>
-          <p:cNvPr id="61" name="Google Shape;61;p14"/>
-          <p:cNvSpPr txBox="1">
-            <a:spLocks noGrp="1"/>
-          </p:cNvSpPr>
-          <p:nvPr>
-            <p:ph type="body" idx="1"/>
-          </p:nvPr>
-        </p:nvSpPr>
-        <p:spPr>
+      <p:pic>
+        <p:nvPicPr>
+          <p:cNvPr id="2050" name="Picture 2">
+            <a:extLst>
+              <a:ext uri="{FF2B5EF4-FFF2-40B4-BE49-F238E27FC236}">
+                <a16:creationId xmlns:a16="http://schemas.microsoft.com/office/drawing/2014/main" id="{73A03C0F-46EA-43DC-BA99-2E98484846D8}"/>
+              </a:ext>
+            </a:extLst>
+          </p:cNvPr>
+          <p:cNvPicPr>
+            <a:picLocks noChangeAspect="1" noChangeArrowheads="1"/>
+          </p:cNvPicPr>
+          <p:nvPr/>
+        </p:nvPicPr>
+        <p:blipFill>
+          <a:blip r:embed="rId3">
+            <a:extLst>
+              <a:ext uri="{28A0092B-C50C-407E-A947-70E740481C1C}">
+                <a14:useLocalDpi xmlns:a14="http://schemas.microsoft.com/office/drawing/2010/main" val="0"/>
+              </a:ext>
+            </a:extLst>
+          </a:blip>
+          <a:srcRect/>
+          <a:stretch>
+            <a:fillRect/>
+          </a:stretch>
+        </p:blipFill>
+        <p:spPr bwMode="auto">
           <a:xfrm>
-            <a:off x="311700" y="1152475"/>
-            <a:ext cx="8520600" cy="3416400"/>
+            <a:off x="934417" y="1551563"/>
+            <a:ext cx="7275165" cy="1672277"/>
           </a:xfrm>
-          <a:prstGeom prst="rect">
-            <a:avLst/>
+          <a:prstGeom prst="roundRect">
+            <a:avLst>
+              <a:gd name="adj" fmla="val 4167"/>
+            </a:avLst>
           </a:prstGeom>
+          <a:solidFill>
+            <a:srgbClr val="FFFFFF"/>
+          </a:solidFill>
+          <a:ln w="6350" cap="sq">
+            <a:solidFill>
+              <a:srgbClr val="EAEAEA"/>
+            </a:solidFill>
+            <a:miter lim="800000"/>
+          </a:ln>
+          <a:effectLst>
+            <a:reflection blurRad="12700" stA="33000" endPos="28000" dist="5000" dir="5400000" sy="-100000" algn="bl" rotWithShape="0"/>
+          </a:effectLst>
+          <a:scene3d>
+            <a:camera prst="orthographicFront"/>
+            <a:lightRig rig="threePt" dir="t">
+              <a:rot lat="0" lon="0" rev="2700000"/>
+            </a:lightRig>
+          </a:scene3d>
+          <a:sp3d contourW="6350">
+            <a:bevelT h="38100"/>
+            <a:contourClr>
+              <a:srgbClr val="C0C0C0"/>
+            </a:contourClr>
+          </a:sp3d>
+          <a:extLst>
+            <a:ext uri="{909E8E84-426E-40DD-AFC4-6F175D3DCCD1}">
+              <a14:hiddenFill xmlns:a14="http://schemas.microsoft.com/office/drawing/2010/main">
+                <a:solidFill>
+                  <a:srgbClr val="FFFFFF"/>
+                </a:solidFill>
+              </a14:hiddenFill>
+            </a:ext>
+          </a:extLst>
         </p:spPr>
-        <p:txBody>
-          <a:bodyPr spcFirstLastPara="1" wrap="square" lIns="91425" tIns="91425" rIns="91425" bIns="91425" anchor="t" anchorCtr="0">
-            <a:normAutofit/>
-          </a:bodyPr>
-          <a:lstStyle/>
-          <a:p>
-            <a:pPr marL="0" lvl="0" indent="0" algn="l" rtl="0">
-              <a:spcBef>
-                <a:spcPts val="0"/>
-              </a:spcBef>
-              <a:spcAft>
-                <a:spcPts val="1200"/>
-              </a:spcAft>
-              <a:buNone/>
-            </a:pPr>
-            <a:endParaRPr/>
-          </a:p>
-        </p:txBody>
-      </p:sp>
+      </p:pic>
     </p:spTree>
   </p:cSld>
   <p:clrMapOvr>
@@ -6399,7 +6796,7 @@
   <p:cSld>
     <p:spTree>
       <p:nvGrpSpPr>
-        <p:cNvPr id="1" name="Shape 65"/>
+        <p:cNvPr id="1" name="Shape 59"/>
         <p:cNvGrpSpPr/>
         <p:nvPr/>
       </p:nvGrpSpPr>
@@ -6413,7 +6810,7 @@
       </p:grpSpPr>
       <p:sp>
         <p:nvSpPr>
-          <p:cNvPr id="66" name="Google Shape;66;p15"/>
+          <p:cNvPr id="60" name="Google Shape;60;p14"/>
           <p:cNvSpPr txBox="1">
             <a:spLocks noGrp="1"/>
           </p:cNvSpPr>
@@ -6423,7 +6820,7 @@
         </p:nvSpPr>
         <p:spPr>
           <a:xfrm>
-            <a:off x="311700" y="445025"/>
+            <a:off x="311700" y="333156"/>
             <a:ext cx="8520600" cy="572700"/>
           </a:xfrm>
           <a:prstGeom prst="rect">
@@ -6432,7 +6829,7 @@
         </p:spPr>
         <p:txBody>
           <a:bodyPr spcFirstLastPara="1" wrap="square" lIns="91425" tIns="91425" rIns="91425" bIns="91425" anchor="t" anchorCtr="0">
-            <a:normAutofit fontScale="90000"/>
+            <a:noAutofit/>
           </a:bodyPr>
           <a:lstStyle/>
           <a:p>
@@ -6446,52 +6843,149 @@
               <a:buNone/>
             </a:pPr>
             <a:r>
-              <a:rPr lang="es"/>
-              <a:t>Tipifica_variables</a:t>
+              <a:rPr lang="es-ES" sz="2500" b="1" dirty="0">
+                <a:ln w="6350">
+                  <a:solidFill>
+                    <a:schemeClr val="tx1"/>
+                  </a:solidFill>
+                </a:ln>
+                <a:solidFill>
+                  <a:schemeClr val="bg1"/>
+                </a:solidFill>
+                <a:effectLst>
+                  <a:outerShdw blurRad="50800" dist="38100" dir="2700000" algn="tl" rotWithShape="0">
+                    <a:prstClr val="black">
+                      <a:alpha val="40000"/>
+                    </a:prstClr>
+                  </a:outerShdw>
+                </a:effectLst>
+                <a:latin typeface="Arial Black" panose="020B0A04020102020204" pitchFamily="34" charset="0"/>
+                <a:ea typeface="MS Gothic" panose="020B0609070205080204" pitchFamily="49" charset="-128"/>
+              </a:rPr>
+              <a:t>t</a:t>
             </a:r>
-            <a:endParaRPr/>
+            <a:r>
+              <a:rPr lang="es" sz="2500" b="1" dirty="0">
+                <a:ln w="6350">
+                  <a:solidFill>
+                    <a:schemeClr val="tx1"/>
+                  </a:solidFill>
+                </a:ln>
+                <a:solidFill>
+                  <a:schemeClr val="bg1"/>
+                </a:solidFill>
+                <a:effectLst>
+                  <a:outerShdw blurRad="50800" dist="38100" dir="2700000" algn="tl" rotWithShape="0">
+                    <a:prstClr val="black">
+                      <a:alpha val="40000"/>
+                    </a:prstClr>
+                  </a:outerShdw>
+                </a:effectLst>
+                <a:latin typeface="Arial Black" panose="020B0A04020102020204" pitchFamily="34" charset="0"/>
+                <a:ea typeface="MS Gothic" panose="020B0609070205080204" pitchFamily="49" charset="-128"/>
+              </a:rPr>
+              <a:t>ipifica_variables</a:t>
+            </a:r>
+            <a:endParaRPr sz="2500" b="1" dirty="0">
+              <a:ln w="6350">
+                <a:solidFill>
+                  <a:schemeClr val="tx1"/>
+                </a:solidFill>
+              </a:ln>
+              <a:solidFill>
+                <a:schemeClr val="bg1"/>
+              </a:solidFill>
+              <a:effectLst>
+                <a:outerShdw blurRad="50800" dist="38100" dir="2700000" algn="tl" rotWithShape="0">
+                  <a:prstClr val="black">
+                    <a:alpha val="40000"/>
+                  </a:prstClr>
+                </a:outerShdw>
+              </a:effectLst>
+              <a:latin typeface="Arial Black" panose="020B0A04020102020204" pitchFamily="34" charset="0"/>
+              <a:ea typeface="MS Gothic" panose="020B0609070205080204" pitchFamily="49" charset="-128"/>
+            </a:endParaRPr>
           </a:p>
         </p:txBody>
       </p:sp>
-      <p:sp>
-        <p:nvSpPr>
-          <p:cNvPr id="67" name="Google Shape;67;p15"/>
-          <p:cNvSpPr txBox="1">
-            <a:spLocks noGrp="1"/>
-          </p:cNvSpPr>
-          <p:nvPr>
-            <p:ph type="body" idx="1"/>
-          </p:nvPr>
-        </p:nvSpPr>
-        <p:spPr>
+      <p:pic>
+        <p:nvPicPr>
+          <p:cNvPr id="3074" name="Picture 2">
+            <a:extLst>
+              <a:ext uri="{FF2B5EF4-FFF2-40B4-BE49-F238E27FC236}">
+                <a16:creationId xmlns:a16="http://schemas.microsoft.com/office/drawing/2014/main" id="{BCA9B0E1-B5B8-4C1B-8A2B-B461F0756CC4}"/>
+              </a:ext>
+            </a:extLst>
+          </p:cNvPr>
+          <p:cNvPicPr>
+            <a:picLocks noChangeAspect="1" noChangeArrowheads="1"/>
+          </p:cNvPicPr>
+          <p:nvPr/>
+        </p:nvPicPr>
+        <p:blipFill>
+          <a:blip r:embed="rId3">
+            <a:extLst>
+              <a:ext uri="{28A0092B-C50C-407E-A947-70E740481C1C}">
+                <a14:useLocalDpi xmlns:a14="http://schemas.microsoft.com/office/drawing/2010/main" val="0"/>
+              </a:ext>
+            </a:extLst>
+          </a:blip>
+          <a:srcRect/>
+          <a:stretch>
+            <a:fillRect/>
+          </a:stretch>
+        </p:blipFill>
+        <p:spPr bwMode="auto">
           <a:xfrm>
-            <a:off x="311700" y="1152475"/>
-            <a:ext cx="8520600" cy="3416400"/>
+            <a:off x="2206135" y="905856"/>
+            <a:ext cx="4731730" cy="3589512"/>
           </a:xfrm>
-          <a:prstGeom prst="rect">
-            <a:avLst/>
+          <a:prstGeom prst="roundRect">
+            <a:avLst>
+              <a:gd name="adj" fmla="val 4167"/>
+            </a:avLst>
           </a:prstGeom>
+          <a:solidFill>
+            <a:srgbClr val="FFFFFF"/>
+          </a:solidFill>
+          <a:ln w="6350" cap="sq">
+            <a:solidFill>
+              <a:srgbClr val="EAEAEA"/>
+            </a:solidFill>
+            <a:miter lim="800000"/>
+          </a:ln>
+          <a:effectLst>
+            <a:reflection blurRad="12700" stA="33000" endPos="28000" dist="5000" dir="5400000" sy="-100000" algn="bl" rotWithShape="0"/>
+          </a:effectLst>
+          <a:scene3d>
+            <a:camera prst="orthographicFront"/>
+            <a:lightRig rig="threePt" dir="t">
+              <a:rot lat="0" lon="0" rev="2700000"/>
+            </a:lightRig>
+          </a:scene3d>
+          <a:sp3d contourW="6350">
+            <a:bevelT h="38100"/>
+            <a:contourClr>
+              <a:srgbClr val="C0C0C0"/>
+            </a:contourClr>
+          </a:sp3d>
+          <a:extLst>
+            <a:ext uri="{909E8E84-426E-40DD-AFC4-6F175D3DCCD1}">
+              <a14:hiddenFill xmlns:a14="http://schemas.microsoft.com/office/drawing/2010/main">
+                <a:solidFill>
+                  <a:srgbClr val="FFFFFF"/>
+                </a:solidFill>
+              </a14:hiddenFill>
+            </a:ext>
+          </a:extLst>
         </p:spPr>
-        <p:txBody>
-          <a:bodyPr spcFirstLastPara="1" wrap="square" lIns="91425" tIns="91425" rIns="91425" bIns="91425" anchor="t" anchorCtr="0">
-            <a:normAutofit/>
-          </a:bodyPr>
-          <a:lstStyle/>
-          <a:p>
-            <a:pPr marL="0" lvl="0" indent="0" algn="l" rtl="0">
-              <a:spcBef>
-                <a:spcPts val="0"/>
-              </a:spcBef>
-              <a:spcAft>
-                <a:spcPts val="1200"/>
-              </a:spcAft>
-              <a:buNone/>
-            </a:pPr>
-            <a:endParaRPr/>
-          </a:p>
-        </p:txBody>
-      </p:sp>
+      </p:pic>
     </p:spTree>
+    <p:extLst>
+      <p:ext uri="{BB962C8B-B14F-4D97-AF65-F5344CB8AC3E}">
+        <p14:creationId xmlns:p14="http://schemas.microsoft.com/office/powerpoint/2010/main" val="4144257259"/>
+      </p:ext>
+    </p:extLst>
   </p:cSld>
   <p:clrMapOvr>
     <a:masterClrMapping/>
@@ -6504,7 +6998,7 @@
   <p:cSld>
     <p:spTree>
       <p:nvGrpSpPr>
-        <p:cNvPr id="1" name="Shape 71"/>
+        <p:cNvPr id="1" name="Shape 59"/>
         <p:cNvGrpSpPr/>
         <p:nvPr/>
       </p:nvGrpSpPr>
@@ -6518,7 +7012,7 @@
       </p:grpSpPr>
       <p:sp>
         <p:nvSpPr>
-          <p:cNvPr id="72" name="Google Shape;72;p16"/>
+          <p:cNvPr id="60" name="Google Shape;60;p14"/>
           <p:cNvSpPr txBox="1">
             <a:spLocks noGrp="1"/>
           </p:cNvSpPr>
@@ -6528,7 +7022,7 @@
         </p:nvSpPr>
         <p:spPr>
           <a:xfrm>
-            <a:off x="311700" y="445025"/>
+            <a:off x="311700" y="333156"/>
             <a:ext cx="8520600" cy="572700"/>
           </a:xfrm>
           <a:prstGeom prst="rect">
@@ -6537,7 +7031,7 @@
         </p:spPr>
         <p:txBody>
           <a:bodyPr spcFirstLastPara="1" wrap="square" lIns="91425" tIns="91425" rIns="91425" bIns="91425" anchor="t" anchorCtr="0">
-            <a:normAutofit fontScale="90000"/>
+            <a:noAutofit/>
           </a:bodyPr>
           <a:lstStyle/>
           <a:p>
@@ -6551,52 +7045,55 @@
               <a:buNone/>
             </a:pPr>
             <a:r>
-              <a:rPr lang="es"/>
-              <a:t>Get_features_num_regression</a:t>
+              <a:rPr lang="es-ES" sz="2500" b="1" dirty="0">
+                <a:ln w="6350">
+                  <a:solidFill>
+                    <a:schemeClr val="tx1"/>
+                  </a:solidFill>
+                </a:ln>
+                <a:solidFill>
+                  <a:schemeClr val="bg1"/>
+                </a:solidFill>
+                <a:effectLst>
+                  <a:outerShdw blurRad="50800" dist="38100" dir="2700000" algn="tl" rotWithShape="0">
+                    <a:prstClr val="black">
+                      <a:alpha val="40000"/>
+                    </a:prstClr>
+                  </a:outerShdw>
+                </a:effectLst>
+                <a:latin typeface="Arial Black" panose="020B0A04020102020204" pitchFamily="34" charset="0"/>
+                <a:ea typeface="MS Gothic" panose="020B0609070205080204" pitchFamily="49" charset="-128"/>
+              </a:rPr>
+              <a:t>get_features_num_regression</a:t>
             </a:r>
-            <a:endParaRPr/>
-          </a:p>
-        </p:txBody>
-      </p:sp>
-      <p:sp>
-        <p:nvSpPr>
-          <p:cNvPr id="73" name="Google Shape;73;p16"/>
-          <p:cNvSpPr txBox="1">
-            <a:spLocks noGrp="1"/>
-          </p:cNvSpPr>
-          <p:nvPr>
-            <p:ph type="body" idx="1"/>
-          </p:nvPr>
-        </p:nvSpPr>
-        <p:spPr>
-          <a:xfrm>
-            <a:off x="311700" y="1152475"/>
-            <a:ext cx="8520600" cy="3416400"/>
-          </a:xfrm>
-          <a:prstGeom prst="rect">
-            <a:avLst/>
-          </a:prstGeom>
-        </p:spPr>
-        <p:txBody>
-          <a:bodyPr spcFirstLastPara="1" wrap="square" lIns="91425" tIns="91425" rIns="91425" bIns="91425" anchor="t" anchorCtr="0">
-            <a:normAutofit/>
-          </a:bodyPr>
-          <a:lstStyle/>
-          <a:p>
-            <a:pPr marL="0" lvl="0" indent="0" algn="l" rtl="0">
-              <a:spcBef>
-                <a:spcPts val="0"/>
-              </a:spcBef>
-              <a:spcAft>
-                <a:spcPts val="1200"/>
-              </a:spcAft>
-              <a:buNone/>
-            </a:pPr>
-            <a:endParaRPr/>
+            <a:endParaRPr sz="2500" b="1" dirty="0">
+              <a:ln w="6350">
+                <a:solidFill>
+                  <a:schemeClr val="tx1"/>
+                </a:solidFill>
+              </a:ln>
+              <a:solidFill>
+                <a:schemeClr val="bg1"/>
+              </a:solidFill>
+              <a:effectLst>
+                <a:outerShdw blurRad="50800" dist="38100" dir="2700000" algn="tl" rotWithShape="0">
+                  <a:prstClr val="black">
+                    <a:alpha val="40000"/>
+                  </a:prstClr>
+                </a:outerShdw>
+              </a:effectLst>
+              <a:latin typeface="Arial Black" panose="020B0A04020102020204" pitchFamily="34" charset="0"/>
+              <a:ea typeface="MS Gothic" panose="020B0609070205080204" pitchFamily="49" charset="-128"/>
+            </a:endParaRPr>
           </a:p>
         </p:txBody>
       </p:sp>
     </p:spTree>
+    <p:extLst>
+      <p:ext uri="{BB962C8B-B14F-4D97-AF65-F5344CB8AC3E}">
+        <p14:creationId xmlns:p14="http://schemas.microsoft.com/office/powerpoint/2010/main" val="766536930"/>
+      </p:ext>
+    </p:extLst>
   </p:cSld>
   <p:clrMapOvr>
     <a:masterClrMapping/>
@@ -6609,7 +7106,7 @@
   <p:cSld>
     <p:spTree>
       <p:nvGrpSpPr>
-        <p:cNvPr id="1" name="Shape 77"/>
+        <p:cNvPr id="1" name="Shape 59"/>
         <p:cNvGrpSpPr/>
         <p:nvPr/>
       </p:nvGrpSpPr>
@@ -6623,7 +7120,7 @@
       </p:grpSpPr>
       <p:sp>
         <p:nvSpPr>
-          <p:cNvPr id="78" name="Google Shape;78;p17"/>
+          <p:cNvPr id="60" name="Google Shape;60;p14"/>
           <p:cNvSpPr txBox="1">
             <a:spLocks noGrp="1"/>
           </p:cNvSpPr>
@@ -6633,7 +7130,7 @@
         </p:nvSpPr>
         <p:spPr>
           <a:xfrm>
-            <a:off x="311700" y="445025"/>
+            <a:off x="311700" y="333156"/>
             <a:ext cx="8520600" cy="572700"/>
           </a:xfrm>
           <a:prstGeom prst="rect">
@@ -6642,7 +7139,7 @@
         </p:spPr>
         <p:txBody>
           <a:bodyPr spcFirstLastPara="1" wrap="square" lIns="91425" tIns="91425" rIns="91425" bIns="91425" anchor="t" anchorCtr="0">
-            <a:normAutofit fontScale="90000"/>
+            <a:noAutofit/>
           </a:bodyPr>
           <a:lstStyle/>
           <a:p>
@@ -6653,60 +7150,202 @@
               <a:spcAft>
                 <a:spcPts val="0"/>
               </a:spcAft>
-              <a:buClr>
-                <a:schemeClr val="dk1"/>
-              </a:buClr>
-              <a:buSzPct val="39285"/>
-              <a:buFont typeface="Arial"/>
               <a:buNone/>
             </a:pPr>
             <a:r>
-              <a:rPr lang="es"/>
-              <a:t>Plot_features_num_regression</a:t>
+              <a:rPr lang="es-ES" sz="2500" b="1" dirty="0">
+                <a:ln w="6350">
+                  <a:solidFill>
+                    <a:schemeClr val="tx1"/>
+                  </a:solidFill>
+                </a:ln>
+                <a:solidFill>
+                  <a:schemeClr val="bg1"/>
+                </a:solidFill>
+                <a:effectLst>
+                  <a:outerShdw blurRad="50800" dist="38100" dir="2700000" algn="tl" rotWithShape="0">
+                    <a:prstClr val="black">
+                      <a:alpha val="40000"/>
+                    </a:prstClr>
+                  </a:outerShdw>
+                </a:effectLst>
+                <a:latin typeface="Arial Black" panose="020B0A04020102020204" pitchFamily="34" charset="0"/>
+                <a:ea typeface="MS Gothic" panose="020B0609070205080204" pitchFamily="49" charset="-128"/>
+              </a:rPr>
+              <a:t>plot_features_num_regression</a:t>
             </a:r>
-            <a:endParaRPr/>
+            <a:endParaRPr sz="2500" b="1" dirty="0">
+              <a:ln w="6350">
+                <a:solidFill>
+                  <a:schemeClr val="tx1"/>
+                </a:solidFill>
+              </a:ln>
+              <a:solidFill>
+                <a:schemeClr val="bg1"/>
+              </a:solidFill>
+              <a:effectLst>
+                <a:outerShdw blurRad="50800" dist="38100" dir="2700000" algn="tl" rotWithShape="0">
+                  <a:prstClr val="black">
+                    <a:alpha val="40000"/>
+                  </a:prstClr>
+                </a:outerShdw>
+              </a:effectLst>
+              <a:latin typeface="Arial Black" panose="020B0A04020102020204" pitchFamily="34" charset="0"/>
+              <a:ea typeface="MS Gothic" panose="020B0609070205080204" pitchFamily="49" charset="-128"/>
+            </a:endParaRPr>
           </a:p>
         </p:txBody>
       </p:sp>
-      <p:sp>
-        <p:nvSpPr>
-          <p:cNvPr id="79" name="Google Shape;79;p17"/>
-          <p:cNvSpPr txBox="1">
-            <a:spLocks noGrp="1"/>
-          </p:cNvSpPr>
-          <p:nvPr>
-            <p:ph type="body" idx="1"/>
-          </p:nvPr>
-        </p:nvSpPr>
-        <p:spPr>
+      <p:pic>
+        <p:nvPicPr>
+          <p:cNvPr id="4104" name="Picture 8">
+            <a:extLst>
+              <a:ext uri="{FF2B5EF4-FFF2-40B4-BE49-F238E27FC236}">
+                <a16:creationId xmlns:a16="http://schemas.microsoft.com/office/drawing/2014/main" id="{D5BACBB0-F92A-480F-9823-52528D837880}"/>
+              </a:ext>
+            </a:extLst>
+          </p:cNvPr>
+          <p:cNvPicPr>
+            <a:picLocks noChangeAspect="1" noChangeArrowheads="1"/>
+          </p:cNvPicPr>
+          <p:nvPr/>
+        </p:nvPicPr>
+        <p:blipFill>
+          <a:blip r:embed="rId3">
+            <a:extLst>
+              <a:ext uri="{28A0092B-C50C-407E-A947-70E740481C1C}">
+                <a14:useLocalDpi xmlns:a14="http://schemas.microsoft.com/office/drawing/2010/main" val="0"/>
+              </a:ext>
+            </a:extLst>
+          </a:blip>
+          <a:srcRect/>
+          <a:stretch>
+            <a:fillRect/>
+          </a:stretch>
+        </p:blipFill>
+        <p:spPr bwMode="auto">
           <a:xfrm>
-            <a:off x="311700" y="1152475"/>
-            <a:ext cx="8520600" cy="3416400"/>
+            <a:off x="457200" y="916157"/>
+            <a:ext cx="4366751" cy="1537460"/>
           </a:xfrm>
-          <a:prstGeom prst="rect">
-            <a:avLst/>
+          <a:prstGeom prst="roundRect">
+            <a:avLst>
+              <a:gd name="adj" fmla="val 4167"/>
+            </a:avLst>
           </a:prstGeom>
+          <a:solidFill>
+            <a:srgbClr val="FFFFFF"/>
+          </a:solidFill>
+          <a:ln w="6350" cap="sq">
+            <a:solidFill>
+              <a:srgbClr val="EAEAEA"/>
+            </a:solidFill>
+            <a:miter lim="800000"/>
+          </a:ln>
+          <a:effectLst>
+            <a:reflection blurRad="12700" stA="33000" endPos="28000" dist="5000" dir="5400000" sy="-100000" algn="bl" rotWithShape="0"/>
+          </a:effectLst>
+          <a:scene3d>
+            <a:camera prst="orthographicFront"/>
+            <a:lightRig rig="threePt" dir="t">
+              <a:rot lat="0" lon="0" rev="2700000"/>
+            </a:lightRig>
+          </a:scene3d>
+          <a:sp3d contourW="6350">
+            <a:bevelT h="38100"/>
+            <a:contourClr>
+              <a:srgbClr val="C0C0C0"/>
+            </a:contourClr>
+          </a:sp3d>
+          <a:extLst>
+            <a:ext uri="{909E8E84-426E-40DD-AFC4-6F175D3DCCD1}">
+              <a14:hiddenFill xmlns:a14="http://schemas.microsoft.com/office/drawing/2010/main">
+                <a:solidFill>
+                  <a:srgbClr val="FFFFFF"/>
+                </a:solidFill>
+              </a14:hiddenFill>
+            </a:ext>
+          </a:extLst>
         </p:spPr>
-        <p:txBody>
-          <a:bodyPr spcFirstLastPara="1" wrap="square" lIns="91425" tIns="91425" rIns="91425" bIns="91425" anchor="t" anchorCtr="0">
-            <a:normAutofit/>
-          </a:bodyPr>
-          <a:lstStyle/>
-          <a:p>
-            <a:pPr marL="0" lvl="0" indent="0" algn="l" rtl="0">
-              <a:spcBef>
-                <a:spcPts val="0"/>
-              </a:spcBef>
-              <a:spcAft>
-                <a:spcPts val="1200"/>
-              </a:spcAft>
-              <a:buNone/>
-            </a:pPr>
-            <a:endParaRPr/>
-          </a:p>
-        </p:txBody>
-      </p:sp>
+      </p:pic>
+      <p:pic>
+        <p:nvPicPr>
+          <p:cNvPr id="4106" name="Picture 10">
+            <a:extLst>
+              <a:ext uri="{FF2B5EF4-FFF2-40B4-BE49-F238E27FC236}">
+                <a16:creationId xmlns:a16="http://schemas.microsoft.com/office/drawing/2014/main" id="{CEAF4BA5-721D-4B89-90E1-5D3A937F2731}"/>
+              </a:ext>
+            </a:extLst>
+          </p:cNvPr>
+          <p:cNvPicPr>
+            <a:picLocks noChangeAspect="1" noChangeArrowheads="1"/>
+          </p:cNvPicPr>
+          <p:nvPr/>
+        </p:nvPicPr>
+        <p:blipFill>
+          <a:blip r:embed="rId4">
+            <a:extLst>
+              <a:ext uri="{28A0092B-C50C-407E-A947-70E740481C1C}">
+                <a14:useLocalDpi xmlns:a14="http://schemas.microsoft.com/office/drawing/2010/main" val="0"/>
+              </a:ext>
+            </a:extLst>
+          </a:blip>
+          <a:srcRect/>
+          <a:stretch>
+            <a:fillRect/>
+          </a:stretch>
+        </p:blipFill>
+        <p:spPr bwMode="auto">
+          <a:xfrm>
+            <a:off x="4386206" y="2228021"/>
+            <a:ext cx="4154033" cy="2582323"/>
+          </a:xfrm>
+          <a:prstGeom prst="roundRect">
+            <a:avLst>
+              <a:gd name="adj" fmla="val 4167"/>
+            </a:avLst>
+          </a:prstGeom>
+          <a:solidFill>
+            <a:srgbClr val="FFFFFF"/>
+          </a:solidFill>
+          <a:ln w="6350" cap="sq">
+            <a:solidFill>
+              <a:srgbClr val="EAEAEA"/>
+            </a:solidFill>
+            <a:miter lim="800000"/>
+          </a:ln>
+          <a:effectLst>
+            <a:reflection blurRad="12700" stA="33000" endPos="28000" dist="5000" dir="5400000" sy="-100000" algn="bl" rotWithShape="0"/>
+          </a:effectLst>
+          <a:scene3d>
+            <a:camera prst="orthographicFront"/>
+            <a:lightRig rig="threePt" dir="t">
+              <a:rot lat="0" lon="0" rev="2700000"/>
+            </a:lightRig>
+          </a:scene3d>
+          <a:sp3d contourW="6350">
+            <a:bevelT h="38100"/>
+            <a:contourClr>
+              <a:srgbClr val="C0C0C0"/>
+            </a:contourClr>
+          </a:sp3d>
+          <a:extLst>
+            <a:ext uri="{909E8E84-426E-40DD-AFC4-6F175D3DCCD1}">
+              <a14:hiddenFill xmlns:a14="http://schemas.microsoft.com/office/drawing/2010/main">
+                <a:solidFill>
+                  <a:srgbClr val="FFFFFF"/>
+                </a:solidFill>
+              </a14:hiddenFill>
+            </a:ext>
+          </a:extLst>
+        </p:spPr>
+      </p:pic>
     </p:spTree>
+    <p:extLst>
+      <p:ext uri="{BB962C8B-B14F-4D97-AF65-F5344CB8AC3E}">
+        <p14:creationId xmlns:p14="http://schemas.microsoft.com/office/powerpoint/2010/main" val="3971239319"/>
+      </p:ext>
+    </p:extLst>
   </p:cSld>
   <p:clrMapOvr>
     <a:masterClrMapping/>
@@ -6743,7 +7382,7 @@
         </p:nvSpPr>
         <p:spPr>
           <a:xfrm>
-            <a:off x="311700" y="445025"/>
+            <a:off x="311700" y="326494"/>
             <a:ext cx="8520600" cy="572700"/>
           </a:xfrm>
           <a:prstGeom prst="rect">
@@ -6771,51 +7410,191 @@
               <a:buNone/>
             </a:pPr>
             <a:r>
-              <a:rPr lang="es"/>
-              <a:t>Get_features_cat_regression</a:t>
+              <a:rPr lang="es" dirty="0">
+                <a:ln w="3175">
+                  <a:solidFill>
+                    <a:schemeClr val="tx1"/>
+                  </a:solidFill>
+                </a:ln>
+                <a:solidFill>
+                  <a:schemeClr val="bg1"/>
+                </a:solidFill>
+                <a:effectLst>
+                  <a:outerShdw blurRad="50800" dist="38100" dir="2700000" algn="tl" rotWithShape="0">
+                    <a:prstClr val="black">
+                      <a:alpha val="40000"/>
+                    </a:prstClr>
+                  </a:outerShdw>
+                </a:effectLst>
+                <a:latin typeface="Arial Black" panose="020B0A04020102020204" pitchFamily="34" charset="0"/>
+              </a:rPr>
+              <a:t>get_features_cat_regression</a:t>
             </a:r>
-            <a:endParaRPr b="1"/>
+            <a:endParaRPr b="1" dirty="0">
+              <a:ln w="3175">
+                <a:solidFill>
+                  <a:schemeClr val="tx1"/>
+                </a:solidFill>
+              </a:ln>
+              <a:solidFill>
+                <a:schemeClr val="bg1"/>
+              </a:solidFill>
+              <a:effectLst>
+                <a:outerShdw blurRad="50800" dist="38100" dir="2700000" algn="tl" rotWithShape="0">
+                  <a:prstClr val="black">
+                    <a:alpha val="40000"/>
+                  </a:prstClr>
+                </a:outerShdw>
+              </a:effectLst>
+              <a:latin typeface="Arial Black" panose="020B0A04020102020204" pitchFamily="34" charset="0"/>
+            </a:endParaRPr>
           </a:p>
         </p:txBody>
       </p:sp>
-      <p:sp>
-        <p:nvSpPr>
-          <p:cNvPr id="85" name="Google Shape;85;p18"/>
-          <p:cNvSpPr txBox="1">
-            <a:spLocks noGrp="1"/>
-          </p:cNvSpPr>
-          <p:nvPr>
-            <p:ph type="body" idx="1"/>
-          </p:nvPr>
-        </p:nvSpPr>
-        <p:spPr>
+      <p:pic>
+        <p:nvPicPr>
+          <p:cNvPr id="1028" name="Picture 4">
+            <a:extLst>
+              <a:ext uri="{FF2B5EF4-FFF2-40B4-BE49-F238E27FC236}">
+                <a16:creationId xmlns:a16="http://schemas.microsoft.com/office/drawing/2014/main" id="{6656A6AE-E0AA-43E9-97C0-BE6FE62329EA}"/>
+              </a:ext>
+            </a:extLst>
+          </p:cNvPr>
+          <p:cNvPicPr>
+            <a:picLocks noChangeAspect="1" noChangeArrowheads="1"/>
+          </p:cNvPicPr>
+          <p:nvPr/>
+        </p:nvPicPr>
+        <p:blipFill>
+          <a:blip r:embed="rId3">
+            <a:extLst>
+              <a:ext uri="{28A0092B-C50C-407E-A947-70E740481C1C}">
+                <a14:useLocalDpi xmlns:a14="http://schemas.microsoft.com/office/drawing/2010/main" val="0"/>
+              </a:ext>
+            </a:extLst>
+          </a:blip>
+          <a:srcRect/>
+          <a:stretch>
+            <a:fillRect/>
+          </a:stretch>
+        </p:blipFill>
+        <p:spPr bwMode="auto">
           <a:xfrm>
-            <a:off x="311700" y="1152475"/>
-            <a:ext cx="8520600" cy="3416400"/>
+            <a:off x="447472" y="1094361"/>
+            <a:ext cx="4000777" cy="3475206"/>
           </a:xfrm>
-          <a:prstGeom prst="rect">
-            <a:avLst/>
+          <a:prstGeom prst="roundRect">
+            <a:avLst>
+              <a:gd name="adj" fmla="val 4167"/>
+            </a:avLst>
           </a:prstGeom>
+          <a:solidFill>
+            <a:srgbClr val="FFFFFF"/>
+          </a:solidFill>
+          <a:ln w="3175" cap="sq">
+            <a:solidFill>
+              <a:srgbClr val="EAEAEA"/>
+            </a:solidFill>
+            <a:miter lim="800000"/>
+          </a:ln>
+          <a:effectLst>
+            <a:reflection blurRad="12700" stA="33000" endPos="28000" dist="5000" dir="5400000" sy="-100000" algn="bl" rotWithShape="0"/>
+          </a:effectLst>
+          <a:scene3d>
+            <a:camera prst="orthographicFront"/>
+            <a:lightRig rig="threePt" dir="t">
+              <a:rot lat="0" lon="0" rev="2700000"/>
+            </a:lightRig>
+          </a:scene3d>
+          <a:sp3d contourW="6350">
+            <a:bevelT h="38100"/>
+            <a:contourClr>
+              <a:srgbClr val="C0C0C0"/>
+            </a:contourClr>
+          </a:sp3d>
+          <a:extLst>
+            <a:ext uri="{909E8E84-426E-40DD-AFC4-6F175D3DCCD1}">
+              <a14:hiddenFill xmlns:a14="http://schemas.microsoft.com/office/drawing/2010/main">
+                <a:solidFill>
+                  <a:srgbClr val="FFFFFF"/>
+                </a:solidFill>
+              </a14:hiddenFill>
+            </a:ext>
+          </a:extLst>
         </p:spPr>
-        <p:txBody>
-          <a:bodyPr spcFirstLastPara="1" wrap="square" lIns="91425" tIns="91425" rIns="91425" bIns="91425" anchor="t" anchorCtr="0">
-            <a:normAutofit/>
-          </a:bodyPr>
-          <a:lstStyle/>
-          <a:p>
-            <a:pPr marL="0" lvl="0" indent="0" algn="l" rtl="0">
-              <a:spcBef>
-                <a:spcPts val="0"/>
-              </a:spcBef>
-              <a:spcAft>
-                <a:spcPts val="1200"/>
-              </a:spcAft>
-              <a:buNone/>
-            </a:pPr>
-            <a:endParaRPr/>
-          </a:p>
-        </p:txBody>
-      </p:sp>
+      </p:pic>
+      <p:pic>
+        <p:nvPicPr>
+          <p:cNvPr id="1030" name="Picture 6">
+            <a:extLst>
+              <a:ext uri="{FF2B5EF4-FFF2-40B4-BE49-F238E27FC236}">
+                <a16:creationId xmlns:a16="http://schemas.microsoft.com/office/drawing/2014/main" id="{914BBCD3-6AF6-42F1-AE11-CDE82657C7B6}"/>
+              </a:ext>
+            </a:extLst>
+          </p:cNvPr>
+          <p:cNvPicPr>
+            <a:picLocks noChangeAspect="1" noChangeArrowheads="1"/>
+          </p:cNvPicPr>
+          <p:nvPr/>
+        </p:nvPicPr>
+        <p:blipFill>
+          <a:blip r:embed="rId4">
+            <a:extLst>
+              <a:ext uri="{28A0092B-C50C-407E-A947-70E740481C1C}">
+                <a14:useLocalDpi xmlns:a14="http://schemas.microsoft.com/office/drawing/2010/main" val="0"/>
+              </a:ext>
+            </a:extLst>
+          </a:blip>
+          <a:srcRect/>
+          <a:stretch>
+            <a:fillRect/>
+          </a:stretch>
+        </p:blipFill>
+        <p:spPr bwMode="auto">
+          <a:xfrm>
+            <a:off x="5471809" y="326494"/>
+            <a:ext cx="3025302" cy="4362251"/>
+          </a:xfrm>
+          <a:prstGeom prst="roundRect">
+            <a:avLst>
+              <a:gd name="adj" fmla="val 4167"/>
+            </a:avLst>
+          </a:prstGeom>
+          <a:solidFill>
+            <a:srgbClr val="FFFFFF"/>
+          </a:solidFill>
+          <a:ln w="3175" cap="sq">
+            <a:solidFill>
+              <a:srgbClr val="EAEAEA"/>
+            </a:solidFill>
+            <a:miter lim="800000"/>
+          </a:ln>
+          <a:effectLst>
+            <a:reflection blurRad="12700" stA="33000" endPos="28000" dist="5000" dir="5400000" sy="-100000" algn="bl" rotWithShape="0"/>
+          </a:effectLst>
+          <a:scene3d>
+            <a:camera prst="orthographicFront"/>
+            <a:lightRig rig="threePt" dir="t">
+              <a:rot lat="0" lon="0" rev="2700000"/>
+            </a:lightRig>
+          </a:scene3d>
+          <a:sp3d contourW="6350">
+            <a:bevelT h="38100"/>
+            <a:contourClr>
+              <a:srgbClr val="C0C0C0"/>
+            </a:contourClr>
+          </a:sp3d>
+          <a:extLst>
+            <a:ext uri="{909E8E84-426E-40DD-AFC4-6F175D3DCCD1}">
+              <a14:hiddenFill xmlns:a14="http://schemas.microsoft.com/office/drawing/2010/main">
+                <a:solidFill>
+                  <a:srgbClr val="FFFFFF"/>
+                </a:solidFill>
+              </a14:hiddenFill>
+            </a:ext>
+          </a:extLst>
+        </p:spPr>
+      </p:pic>
     </p:spTree>
   </p:cSld>
   <p:clrMapOvr>
@@ -6829,7 +7608,7 @@
   <p:cSld>
     <p:spTree>
       <p:nvGrpSpPr>
-        <p:cNvPr id="1" name="Shape 89"/>
+        <p:cNvPr id="1" name="Shape 83"/>
         <p:cNvGrpSpPr/>
         <p:nvPr/>
       </p:nvGrpSpPr>
@@ -6843,7 +7622,7 @@
       </p:grpSpPr>
       <p:sp>
         <p:nvSpPr>
-          <p:cNvPr id="90" name="Google Shape;90;p19"/>
+          <p:cNvPr id="84" name="Google Shape;84;p18"/>
           <p:cNvSpPr txBox="1">
             <a:spLocks noGrp="1"/>
           </p:cNvSpPr>
@@ -6853,7 +7632,7 @@
         </p:nvSpPr>
         <p:spPr>
           <a:xfrm>
-            <a:off x="311700" y="445025"/>
+            <a:off x="311700" y="326494"/>
             <a:ext cx="8520600" cy="572700"/>
           </a:xfrm>
           <a:prstGeom prst="rect">
@@ -6881,27 +7660,518 @@
               <a:buNone/>
             </a:pPr>
             <a:r>
-              <a:rPr lang="es"/>
-              <a:t>Plot_features_cat_regression</a:t>
+              <a:rPr lang="es" dirty="0">
+                <a:ln w="3175">
+                  <a:solidFill>
+                    <a:schemeClr val="tx1"/>
+                  </a:solidFill>
+                </a:ln>
+                <a:solidFill>
+                  <a:schemeClr val="bg1"/>
+                </a:solidFill>
+                <a:effectLst>
+                  <a:outerShdw blurRad="50800" dist="38100" dir="2700000" algn="tl" rotWithShape="0">
+                    <a:prstClr val="black">
+                      <a:alpha val="40000"/>
+                    </a:prstClr>
+                  </a:outerShdw>
+                </a:effectLst>
+                <a:latin typeface="Arial Black" panose="020B0A04020102020204" pitchFamily="34" charset="0"/>
+              </a:rPr>
+              <a:t>plot_features_cat_regression</a:t>
             </a:r>
-            <a:endParaRPr/>
+            <a:endParaRPr b="1" dirty="0">
+              <a:ln w="3175">
+                <a:solidFill>
+                  <a:schemeClr val="tx1"/>
+                </a:solidFill>
+              </a:ln>
+              <a:solidFill>
+                <a:schemeClr val="bg1"/>
+              </a:solidFill>
+              <a:effectLst>
+                <a:outerShdw blurRad="50800" dist="38100" dir="2700000" algn="tl" rotWithShape="0">
+                  <a:prstClr val="black">
+                    <a:alpha val="40000"/>
+                  </a:prstClr>
+                </a:outerShdw>
+              </a:effectLst>
+              <a:latin typeface="Arial Black" panose="020B0A04020102020204" pitchFamily="34" charset="0"/>
+            </a:endParaRPr>
+          </a:p>
+        </p:txBody>
+      </p:sp>
+      <p:pic>
+        <p:nvPicPr>
+          <p:cNvPr id="5122" name="Picture 2">
+            <a:extLst>
+              <a:ext uri="{FF2B5EF4-FFF2-40B4-BE49-F238E27FC236}">
+                <a16:creationId xmlns:a16="http://schemas.microsoft.com/office/drawing/2014/main" id="{C9D5E90F-40D0-45D2-A77E-E36303249C49}"/>
+              </a:ext>
+            </a:extLst>
+          </p:cNvPr>
+          <p:cNvPicPr>
+            <a:picLocks noChangeAspect="1" noChangeArrowheads="1"/>
+          </p:cNvPicPr>
+          <p:nvPr/>
+        </p:nvPicPr>
+        <p:blipFill>
+          <a:blip r:embed="rId3">
+            <a:extLst>
+              <a:ext uri="{28A0092B-C50C-407E-A947-70E740481C1C}">
+                <a14:useLocalDpi xmlns:a14="http://schemas.microsoft.com/office/drawing/2010/main" val="0"/>
+              </a:ext>
+            </a:extLst>
+          </a:blip>
+          <a:srcRect/>
+          <a:stretch>
+            <a:fillRect/>
+          </a:stretch>
+        </p:blipFill>
+        <p:spPr bwMode="auto">
+          <a:xfrm>
+            <a:off x="389107" y="899194"/>
+            <a:ext cx="4373284" cy="2013532"/>
+          </a:xfrm>
+          <a:prstGeom prst="roundRect">
+            <a:avLst>
+              <a:gd name="adj" fmla="val 4167"/>
+            </a:avLst>
+          </a:prstGeom>
+          <a:solidFill>
+            <a:srgbClr val="FFFFFF"/>
+          </a:solidFill>
+          <a:ln w="6350" cap="sq">
+            <a:solidFill>
+              <a:srgbClr val="EAEAEA"/>
+            </a:solidFill>
+            <a:miter lim="800000"/>
+          </a:ln>
+          <a:effectLst>
+            <a:reflection blurRad="12700" stA="33000" endPos="28000" dist="5000" dir="5400000" sy="-100000" algn="bl" rotWithShape="0"/>
+          </a:effectLst>
+          <a:scene3d>
+            <a:camera prst="orthographicFront"/>
+            <a:lightRig rig="threePt" dir="t">
+              <a:rot lat="0" lon="0" rev="2700000"/>
+            </a:lightRig>
+          </a:scene3d>
+          <a:sp3d contourW="6350">
+            <a:bevelT h="38100"/>
+            <a:contourClr>
+              <a:srgbClr val="C0C0C0"/>
+            </a:contourClr>
+          </a:sp3d>
+          <a:extLst>
+            <a:ext uri="{909E8E84-426E-40DD-AFC4-6F175D3DCCD1}">
+              <a14:hiddenFill xmlns:a14="http://schemas.microsoft.com/office/drawing/2010/main">
+                <a:solidFill>
+                  <a:srgbClr val="FFFFFF"/>
+                </a:solidFill>
+              </a14:hiddenFill>
+            </a:ext>
+          </a:extLst>
+        </p:spPr>
+      </p:pic>
+      <p:pic>
+        <p:nvPicPr>
+          <p:cNvPr id="5124" name="Picture 4">
+            <a:extLst>
+              <a:ext uri="{FF2B5EF4-FFF2-40B4-BE49-F238E27FC236}">
+                <a16:creationId xmlns:a16="http://schemas.microsoft.com/office/drawing/2014/main" id="{E63978B9-7086-48FA-8ADF-507EA355C217}"/>
+              </a:ext>
+            </a:extLst>
+          </p:cNvPr>
+          <p:cNvPicPr>
+            <a:picLocks noChangeAspect="1" noChangeArrowheads="1"/>
+          </p:cNvPicPr>
+          <p:nvPr/>
+        </p:nvPicPr>
+        <p:blipFill>
+          <a:blip r:embed="rId4">
+            <a:extLst>
+              <a:ext uri="{28A0092B-C50C-407E-A947-70E740481C1C}">
+                <a14:useLocalDpi xmlns:a14="http://schemas.microsoft.com/office/drawing/2010/main" val="0"/>
+              </a:ext>
+            </a:extLst>
+          </a:blip>
+          <a:srcRect/>
+          <a:stretch>
+            <a:fillRect/>
+          </a:stretch>
+        </p:blipFill>
+        <p:spPr bwMode="auto">
+          <a:xfrm>
+            <a:off x="3078390" y="1847056"/>
+            <a:ext cx="2816826" cy="3159057"/>
+          </a:xfrm>
+          <a:prstGeom prst="roundRect">
+            <a:avLst>
+              <a:gd name="adj" fmla="val 4167"/>
+            </a:avLst>
+          </a:prstGeom>
+          <a:solidFill>
+            <a:srgbClr val="FFFFFF"/>
+          </a:solidFill>
+          <a:ln w="6350" cap="sq">
+            <a:solidFill>
+              <a:srgbClr val="EAEAEA"/>
+            </a:solidFill>
+            <a:miter lim="800000"/>
+          </a:ln>
+          <a:effectLst>
+            <a:reflection blurRad="12700" stA="33000" endPos="28000" dist="5000" dir="5400000" sy="-100000" algn="bl" rotWithShape="0"/>
+          </a:effectLst>
+          <a:scene3d>
+            <a:camera prst="orthographicFront"/>
+            <a:lightRig rig="threePt" dir="t">
+              <a:rot lat="0" lon="0" rev="2700000"/>
+            </a:lightRig>
+          </a:scene3d>
+          <a:sp3d contourW="6350">
+            <a:bevelT h="38100"/>
+            <a:contourClr>
+              <a:srgbClr val="C0C0C0"/>
+            </a:contourClr>
+          </a:sp3d>
+          <a:extLst>
+            <a:ext uri="{909E8E84-426E-40DD-AFC4-6F175D3DCCD1}">
+              <a14:hiddenFill xmlns:a14="http://schemas.microsoft.com/office/drawing/2010/main">
+                <a:solidFill>
+                  <a:srgbClr val="FFFFFF"/>
+                </a:solidFill>
+              </a14:hiddenFill>
+            </a:ext>
+          </a:extLst>
+        </p:spPr>
+      </p:pic>
+      <p:pic>
+        <p:nvPicPr>
+          <p:cNvPr id="5126" name="Picture 6">
+            <a:extLst>
+              <a:ext uri="{FF2B5EF4-FFF2-40B4-BE49-F238E27FC236}">
+                <a16:creationId xmlns:a16="http://schemas.microsoft.com/office/drawing/2014/main" id="{0E09DF36-B1F2-4218-8E64-743EBECA6215}"/>
+              </a:ext>
+            </a:extLst>
+          </p:cNvPr>
+          <p:cNvPicPr>
+            <a:picLocks noChangeAspect="1" noChangeArrowheads="1"/>
+          </p:cNvPicPr>
+          <p:nvPr/>
+        </p:nvPicPr>
+        <p:blipFill>
+          <a:blip r:embed="rId5">
+            <a:extLst>
+              <a:ext uri="{28A0092B-C50C-407E-A947-70E740481C1C}">
+                <a14:useLocalDpi xmlns:a14="http://schemas.microsoft.com/office/drawing/2010/main" val="0"/>
+              </a:ext>
+            </a:extLst>
+          </a:blip>
+          <a:srcRect/>
+          <a:stretch>
+            <a:fillRect/>
+          </a:stretch>
+        </p:blipFill>
+        <p:spPr bwMode="auto">
+          <a:xfrm>
+            <a:off x="5689121" y="868195"/>
+            <a:ext cx="3220586" cy="2121736"/>
+          </a:xfrm>
+          <a:prstGeom prst="roundRect">
+            <a:avLst>
+              <a:gd name="adj" fmla="val 4167"/>
+            </a:avLst>
+          </a:prstGeom>
+          <a:solidFill>
+            <a:srgbClr val="FFFFFF"/>
+          </a:solidFill>
+          <a:ln w="6350" cap="sq">
+            <a:solidFill>
+              <a:srgbClr val="EAEAEA"/>
+            </a:solidFill>
+            <a:miter lim="800000"/>
+          </a:ln>
+          <a:effectLst>
+            <a:reflection blurRad="12700" stA="33000" endPos="28000" dist="5000" dir="5400000" sy="-100000" algn="bl" rotWithShape="0"/>
+          </a:effectLst>
+          <a:scene3d>
+            <a:camera prst="orthographicFront"/>
+            <a:lightRig rig="threePt" dir="t">
+              <a:rot lat="0" lon="0" rev="2700000"/>
+            </a:lightRig>
+          </a:scene3d>
+          <a:sp3d contourW="6350">
+            <a:bevelT h="38100"/>
+            <a:contourClr>
+              <a:srgbClr val="C0C0C0"/>
+            </a:contourClr>
+          </a:sp3d>
+          <a:extLst>
+            <a:ext uri="{909E8E84-426E-40DD-AFC4-6F175D3DCCD1}">
+              <a14:hiddenFill xmlns:a14="http://schemas.microsoft.com/office/drawing/2010/main">
+                <a:solidFill>
+                  <a:srgbClr val="FFFFFF"/>
+                </a:solidFill>
+              </a14:hiddenFill>
+            </a:ext>
+          </a:extLst>
+        </p:spPr>
+      </p:pic>
+      <p:sp>
+        <p:nvSpPr>
+          <p:cNvPr id="2" name="CuadroTexto 1">
+            <a:extLst>
+              <a:ext uri="{FF2B5EF4-FFF2-40B4-BE49-F238E27FC236}">
+                <a16:creationId xmlns:a16="http://schemas.microsoft.com/office/drawing/2014/main" id="{8568F945-ADFA-4D87-BABE-1680E6E82366}"/>
+              </a:ext>
+            </a:extLst>
+          </p:cNvPr>
+          <p:cNvSpPr txBox="1"/>
+          <p:nvPr/>
+        </p:nvSpPr>
+        <p:spPr>
+          <a:xfrm>
+            <a:off x="4486803" y="1022083"/>
+            <a:ext cx="304892" cy="307777"/>
+          </a:xfrm>
+          <a:prstGeom prst="rect">
+            <a:avLst/>
+          </a:prstGeom>
+          <a:noFill/>
+        </p:spPr>
+        <p:txBody>
+          <a:bodyPr wrap="square" rtlCol="0">
+            <a:spAutoFit/>
+          </a:bodyPr>
+          <a:lstStyle/>
+          <a:p>
+            <a:r>
+              <a:rPr lang="es-ES" b="1" dirty="0">
+                <a:solidFill>
+                  <a:schemeClr val="bg1"/>
+                </a:solidFill>
+                <a:latin typeface="Arial Black" panose="020B0A04020102020204" pitchFamily="34" charset="0"/>
+              </a:rPr>
+              <a:t>1</a:t>
+            </a:r>
           </a:p>
         </p:txBody>
       </p:sp>
       <p:sp>
         <p:nvSpPr>
-          <p:cNvPr id="91" name="Google Shape;91;p19"/>
+          <p:cNvPr id="10" name="CuadroTexto 9">
+            <a:extLst>
+              <a:ext uri="{FF2B5EF4-FFF2-40B4-BE49-F238E27FC236}">
+                <a16:creationId xmlns:a16="http://schemas.microsoft.com/office/drawing/2014/main" id="{63FE5218-F3DA-481F-889D-50E94FBA545C}"/>
+              </a:ext>
+            </a:extLst>
+          </p:cNvPr>
+          <p:cNvSpPr txBox="1"/>
+          <p:nvPr/>
+        </p:nvSpPr>
+        <p:spPr>
+          <a:xfrm>
+            <a:off x="5291846" y="1820919"/>
+            <a:ext cx="316149" cy="307777"/>
+          </a:xfrm>
+          <a:prstGeom prst="rect">
+            <a:avLst/>
+          </a:prstGeom>
+          <a:noFill/>
+        </p:spPr>
+        <p:txBody>
+          <a:bodyPr wrap="square">
+            <a:spAutoFit/>
+          </a:bodyPr>
+          <a:lstStyle/>
+          <a:p>
+            <a:r>
+              <a:rPr lang="es-ES" b="1" dirty="0">
+                <a:solidFill>
+                  <a:schemeClr val="bg1"/>
+                </a:solidFill>
+                <a:latin typeface="Arial Black" panose="020B0A04020102020204" pitchFamily="34" charset="0"/>
+              </a:rPr>
+              <a:t>2</a:t>
+            </a:r>
+          </a:p>
+        </p:txBody>
+      </p:sp>
+      <p:sp>
+        <p:nvSpPr>
+          <p:cNvPr id="12" name="CuadroTexto 11">
+            <a:extLst>
+              <a:ext uri="{FF2B5EF4-FFF2-40B4-BE49-F238E27FC236}">
+                <a16:creationId xmlns:a16="http://schemas.microsoft.com/office/drawing/2014/main" id="{CF3FDF2B-9698-4A49-B614-F1B2A80C9D47}"/>
+              </a:ext>
+            </a:extLst>
+          </p:cNvPr>
+          <p:cNvSpPr txBox="1"/>
+          <p:nvPr/>
+        </p:nvSpPr>
+        <p:spPr>
+          <a:xfrm>
+            <a:off x="8488779" y="868195"/>
+            <a:ext cx="306421" cy="307777"/>
+          </a:xfrm>
+          <a:prstGeom prst="rect">
+            <a:avLst/>
+          </a:prstGeom>
+          <a:noFill/>
+        </p:spPr>
+        <p:txBody>
+          <a:bodyPr wrap="square">
+            <a:spAutoFit/>
+          </a:bodyPr>
+          <a:lstStyle/>
+          <a:p>
+            <a:r>
+              <a:rPr lang="es-ES" b="1" dirty="0">
+                <a:solidFill>
+                  <a:schemeClr val="bg1"/>
+                </a:solidFill>
+                <a:latin typeface="Arial Black" panose="020B0A04020102020204" pitchFamily="34" charset="0"/>
+              </a:rPr>
+              <a:t>3</a:t>
+            </a:r>
+          </a:p>
+        </p:txBody>
+      </p:sp>
+    </p:spTree>
+    <p:extLst>
+      <p:ext uri="{BB962C8B-B14F-4D97-AF65-F5344CB8AC3E}">
+        <p14:creationId xmlns:p14="http://schemas.microsoft.com/office/powerpoint/2010/main" val="3295582424"/>
+      </p:ext>
+    </p:extLst>
+  </p:cSld>
+  <p:clrMapOvr>
+    <a:masterClrMapping/>
+  </p:clrMapOvr>
+</p:sld>
+</file>
+
+<file path=ppt/slides/slide8.xml><?xml version="1.0" encoding="utf-8"?>
+<p:sld xmlns:a="http://schemas.openxmlformats.org/drawingml/2006/main" xmlns:r="http://schemas.openxmlformats.org/officeDocument/2006/relationships" xmlns:p="http://schemas.openxmlformats.org/presentationml/2006/main">
+  <p:cSld>
+    <p:bg>
+      <p:bgPr>
+        <a:blipFill dpi="0" rotWithShape="1">
+          <a:blip r:embed="rId3">
+            <a:alphaModFix amt="75000"/>
+            <a:lum/>
+          </a:blip>
+          <a:srcRect/>
+          <a:stretch>
+            <a:fillRect t="-9000" b="-9000"/>
+          </a:stretch>
+        </a:blipFill>
+        <a:effectLst/>
+      </p:bgPr>
+    </p:bg>
+    <p:spTree>
+      <p:nvGrpSpPr>
+        <p:cNvPr id="1" name="Shape 53"/>
+        <p:cNvGrpSpPr/>
+        <p:nvPr/>
+      </p:nvGrpSpPr>
+      <p:grpSpPr>
+        <a:xfrm>
+          <a:off x="0" y="0"/>
+          <a:ext cx="0" cy="0"/>
+          <a:chOff x="0" y="0"/>
+          <a:chExt cx="0" cy="0"/>
+        </a:xfrm>
+      </p:grpSpPr>
+      <p:sp>
+        <p:nvSpPr>
+          <p:cNvPr id="54" name="Google Shape;54;p13"/>
           <p:cNvSpPr txBox="1">
             <a:spLocks noGrp="1"/>
           </p:cNvSpPr>
           <p:nvPr>
-            <p:ph type="body" idx="1"/>
+            <p:ph type="ctrTitle"/>
           </p:nvPr>
         </p:nvSpPr>
         <p:spPr>
           <a:xfrm>
-            <a:off x="311700" y="1152475"/>
-            <a:ext cx="8520600" cy="3416400"/>
+            <a:off x="311708" y="744575"/>
+            <a:ext cx="8520600" cy="2052600"/>
+          </a:xfrm>
+          <a:prstGeom prst="rect">
+            <a:avLst/>
+          </a:prstGeom>
+        </p:spPr>
+        <p:txBody>
+          <a:bodyPr spcFirstLastPara="1" wrap="square" lIns="91425" tIns="91425" rIns="91425" bIns="91425" anchor="b" anchorCtr="0">
+            <a:normAutofit/>
+          </a:bodyPr>
+          <a:lstStyle/>
+          <a:p>
+            <a:pPr marL="0" lvl="0" indent="0" algn="ctr" rtl="0">
+              <a:spcBef>
+                <a:spcPts val="0"/>
+              </a:spcBef>
+              <a:spcAft>
+                <a:spcPts val="0"/>
+              </a:spcAft>
+              <a:buNone/>
+            </a:pPr>
+            <a:r>
+              <a:rPr lang="es" sz="6000" dirty="0">
+                <a:ln w="3175">
+                  <a:solidFill>
+                    <a:schemeClr val="tx1"/>
+                  </a:solidFill>
+                </a:ln>
+                <a:solidFill>
+                  <a:schemeClr val="bg1"/>
+                </a:solidFill>
+                <a:effectLst>
+                  <a:outerShdw blurRad="38100" dist="38100" dir="2700000" algn="tl">
+                    <a:srgbClr val="000000">
+                      <a:alpha val="43137"/>
+                    </a:srgbClr>
+                  </a:outerShdw>
+                </a:effectLst>
+                <a:latin typeface="Arial Black" panose="020B0A04020102020204" pitchFamily="34" charset="0"/>
+              </a:rPr>
+              <a:t>Team Lasso</a:t>
+            </a:r>
+            <a:endParaRPr sz="6000" dirty="0">
+              <a:ln w="3175">
+                <a:solidFill>
+                  <a:schemeClr val="tx1"/>
+                </a:solidFill>
+              </a:ln>
+              <a:solidFill>
+                <a:schemeClr val="bg1"/>
+              </a:solidFill>
+              <a:effectLst>
+                <a:outerShdw blurRad="38100" dist="38100" dir="2700000" algn="tl">
+                  <a:srgbClr val="000000">
+                    <a:alpha val="43137"/>
+                  </a:srgbClr>
+                </a:outerShdw>
+              </a:effectLst>
+              <a:latin typeface="Arial Black" panose="020B0A04020102020204" pitchFamily="34" charset="0"/>
+            </a:endParaRPr>
+          </a:p>
+        </p:txBody>
+      </p:sp>
+      <p:sp>
+        <p:nvSpPr>
+          <p:cNvPr id="55" name="Google Shape;55;p13"/>
+          <p:cNvSpPr txBox="1">
+            <a:spLocks noGrp="1"/>
+          </p:cNvSpPr>
+          <p:nvPr>
+            <p:ph type="subTitle" idx="1"/>
+          </p:nvPr>
+        </p:nvSpPr>
+        <p:spPr>
+          <a:xfrm>
+            <a:off x="311700" y="2834125"/>
+            <a:ext cx="8520600" cy="1309858"/>
           </a:xfrm>
           <a:prstGeom prst="rect">
             <a:avLst/>
@@ -6909,24 +8179,248 @@
         </p:spPr>
         <p:txBody>
           <a:bodyPr spcFirstLastPara="1" wrap="square" lIns="91425" tIns="91425" rIns="91425" bIns="91425" anchor="t" anchorCtr="0">
-            <a:normAutofit/>
+            <a:normAutofit fontScale="85000" lnSpcReduction="20000"/>
           </a:bodyPr>
           <a:lstStyle/>
           <a:p>
-            <a:pPr marL="0" lvl="0" indent="0" algn="l" rtl="0">
-              <a:spcBef>
-                <a:spcPts val="0"/>
-              </a:spcBef>
-              <a:spcAft>
-                <a:spcPts val="1200"/>
+            <a:pPr marL="0" lvl="0" indent="0" algn="ctr" rtl="0">
+              <a:spcBef>
+                <a:spcPts val="0"/>
+              </a:spcBef>
+              <a:spcAft>
+                <a:spcPts val="0"/>
               </a:spcAft>
               <a:buNone/>
             </a:pPr>
-            <a:endParaRPr/>
+            <a:r>
+              <a:rPr lang="es-ES" sz="1800" dirty="0">
+                <a:ln w="3175">
+                  <a:solidFill>
+                    <a:schemeClr val="tx1"/>
+                  </a:solidFill>
+                </a:ln>
+                <a:solidFill>
+                  <a:schemeClr val="accent6">
+                    <a:lumMod val="60000"/>
+                    <a:lumOff val="40000"/>
+                  </a:schemeClr>
+                </a:solidFill>
+                <a:effectLst>
+                  <a:outerShdw blurRad="38100" dist="38100" dir="2700000" algn="tl">
+                    <a:srgbClr val="000000">
+                      <a:alpha val="43137"/>
+                    </a:srgbClr>
+                  </a:outerShdw>
+                </a:effectLst>
+                <a:latin typeface="Arial Black" panose="020B0A04020102020204" pitchFamily="34" charset="0"/>
+              </a:rPr>
+              <a:t>Mariano Puchades</a:t>
+            </a:r>
+          </a:p>
+          <a:p>
+            <a:pPr marL="0" lvl="0" indent="0" algn="ctr" rtl="0">
+              <a:spcBef>
+                <a:spcPts val="0"/>
+              </a:spcBef>
+              <a:spcAft>
+                <a:spcPts val="0"/>
+              </a:spcAft>
+              <a:buNone/>
+            </a:pPr>
+            <a:r>
+              <a:rPr lang="es-ES" sz="1800" dirty="0">
+                <a:ln w="3175">
+                  <a:solidFill>
+                    <a:schemeClr val="tx1"/>
+                  </a:solidFill>
+                </a:ln>
+                <a:solidFill>
+                  <a:schemeClr val="accent6">
+                    <a:lumMod val="60000"/>
+                    <a:lumOff val="40000"/>
+                  </a:schemeClr>
+                </a:solidFill>
+                <a:effectLst>
+                  <a:outerShdw blurRad="38100" dist="38100" dir="2700000" algn="tl">
+                    <a:srgbClr val="000000">
+                      <a:alpha val="43137"/>
+                    </a:srgbClr>
+                  </a:outerShdw>
+                </a:effectLst>
+                <a:latin typeface="Arial Black" panose="020B0A04020102020204" pitchFamily="34" charset="0"/>
+              </a:rPr>
+              <a:t>Patricia Diez</a:t>
+            </a:r>
+          </a:p>
+          <a:p>
+            <a:pPr marL="0" lvl="0" indent="0" algn="ctr" rtl="0">
+              <a:spcBef>
+                <a:spcPts val="0"/>
+              </a:spcBef>
+              <a:spcAft>
+                <a:spcPts val="0"/>
+              </a:spcAft>
+              <a:buNone/>
+            </a:pPr>
+            <a:r>
+              <a:rPr lang="es-ES" sz="1800" dirty="0">
+                <a:ln w="3175">
+                  <a:solidFill>
+                    <a:schemeClr val="tx1"/>
+                  </a:solidFill>
+                </a:ln>
+                <a:solidFill>
+                  <a:schemeClr val="accent6">
+                    <a:lumMod val="60000"/>
+                    <a:lumOff val="40000"/>
+                  </a:schemeClr>
+                </a:solidFill>
+                <a:effectLst>
+                  <a:outerShdw blurRad="38100" dist="38100" dir="2700000" algn="tl">
+                    <a:srgbClr val="000000">
+                      <a:alpha val="43137"/>
+                    </a:srgbClr>
+                  </a:outerShdw>
+                </a:effectLst>
+                <a:latin typeface="Arial Black" panose="020B0A04020102020204" pitchFamily="34" charset="0"/>
+              </a:rPr>
+              <a:t>Chiara</a:t>
+            </a:r>
+          </a:p>
+          <a:p>
+            <a:pPr marL="0" lvl="0" indent="0" algn="ctr" rtl="0">
+              <a:spcBef>
+                <a:spcPts val="0"/>
+              </a:spcBef>
+              <a:spcAft>
+                <a:spcPts val="0"/>
+              </a:spcAft>
+              <a:buNone/>
+            </a:pPr>
+            <a:r>
+              <a:rPr lang="es-ES" sz="1800" dirty="0">
+                <a:ln w="3175">
+                  <a:solidFill>
+                    <a:schemeClr val="tx1"/>
+                  </a:solidFill>
+                </a:ln>
+                <a:solidFill>
+                  <a:schemeClr val="accent6">
+                    <a:lumMod val="60000"/>
+                    <a:lumOff val="40000"/>
+                  </a:schemeClr>
+                </a:solidFill>
+                <a:effectLst>
+                  <a:outerShdw blurRad="38100" dist="38100" dir="2700000" algn="tl">
+                    <a:srgbClr val="000000">
+                      <a:alpha val="43137"/>
+                    </a:srgbClr>
+                  </a:outerShdw>
+                </a:effectLst>
+                <a:latin typeface="Arial Black" panose="020B0A04020102020204" pitchFamily="34" charset="0"/>
+              </a:rPr>
+              <a:t>Justo Barco</a:t>
+            </a:r>
+          </a:p>
+          <a:p>
+            <a:pPr marL="0" lvl="0" indent="0" algn="ctr" rtl="0">
+              <a:spcBef>
+                <a:spcPts val="0"/>
+              </a:spcBef>
+              <a:spcAft>
+                <a:spcPts val="0"/>
+              </a:spcAft>
+              <a:buNone/>
+            </a:pPr>
+            <a:r>
+              <a:rPr lang="es-ES" sz="1800" dirty="0">
+                <a:ln w="3175">
+                  <a:solidFill>
+                    <a:schemeClr val="tx1"/>
+                  </a:solidFill>
+                </a:ln>
+                <a:solidFill>
+                  <a:schemeClr val="accent6">
+                    <a:lumMod val="60000"/>
+                    <a:lumOff val="40000"/>
+                  </a:schemeClr>
+                </a:solidFill>
+                <a:effectLst>
+                  <a:outerShdw blurRad="38100" dist="38100" dir="2700000" algn="tl">
+                    <a:srgbClr val="000000">
+                      <a:alpha val="43137"/>
+                    </a:srgbClr>
+                  </a:outerShdw>
+                </a:effectLst>
+                <a:latin typeface="Arial Black" panose="020B0A04020102020204" pitchFamily="34" charset="0"/>
+              </a:rPr>
+              <a:t>Eva Mañas</a:t>
+            </a:r>
+          </a:p>
+          <a:p>
+            <a:pPr marL="0" lvl="0" indent="0" algn="ctr" rtl="0">
+              <a:spcBef>
+                <a:spcPts val="0"/>
+              </a:spcBef>
+              <a:spcAft>
+                <a:spcPts val="0"/>
+              </a:spcAft>
+              <a:buNone/>
+            </a:pPr>
+            <a:r>
+              <a:rPr lang="es-ES" sz="1800" dirty="0">
+                <a:ln w="3175">
+                  <a:solidFill>
+                    <a:schemeClr val="tx1"/>
+                  </a:solidFill>
+                </a:ln>
+                <a:solidFill>
+                  <a:schemeClr val="accent6">
+                    <a:lumMod val="60000"/>
+                    <a:lumOff val="40000"/>
+                  </a:schemeClr>
+                </a:solidFill>
+                <a:effectLst>
+                  <a:outerShdw blurRad="38100" dist="38100" dir="2700000" algn="tl">
+                    <a:srgbClr val="000000">
+                      <a:alpha val="43137"/>
+                    </a:srgbClr>
+                  </a:outerShdw>
+                </a:effectLst>
+                <a:latin typeface="Arial Black" panose="020B0A04020102020204" pitchFamily="34" charset="0"/>
+              </a:rPr>
+              <a:t>Antonio Herrera</a:t>
+            </a:r>
+            <a:endParaRPr sz="1800" dirty="0">
+              <a:ln w="3175">
+                <a:solidFill>
+                  <a:schemeClr val="tx1"/>
+                </a:solidFill>
+              </a:ln>
+              <a:solidFill>
+                <a:schemeClr val="accent6">
+                  <a:lumMod val="60000"/>
+                  <a:lumOff val="40000"/>
+                </a:schemeClr>
+              </a:solidFill>
+              <a:effectLst>
+                <a:outerShdw blurRad="38100" dist="38100" dir="2700000" algn="tl">
+                  <a:srgbClr val="000000">
+                    <a:alpha val="43137"/>
+                  </a:srgbClr>
+                </a:outerShdw>
+              </a:effectLst>
+              <a:latin typeface="Arial Black" panose="020B0A04020102020204" pitchFamily="34" charset="0"/>
+            </a:endParaRPr>
           </a:p>
         </p:txBody>
       </p:sp>
     </p:spTree>
+    <p:extLst>
+      <p:ext uri="{BB962C8B-B14F-4D97-AF65-F5344CB8AC3E}">
+        <p14:creationId xmlns:p14="http://schemas.microsoft.com/office/powerpoint/2010/main" val="1280947665"/>
+      </p:ext>
+    </p:extLst>
   </p:cSld>
   <p:clrMapOvr>
     <a:masterClrMapping/>

--- a/Team_Lasso.pptx
+++ b/Team_Lasso.pptx
@@ -5,17 +5,18 @@
     <p:sldMasterId id="2147483659" r:id="rId1"/>
   </p:sldMasterIdLst>
   <p:notesMasterIdLst>
-    <p:notesMasterId r:id="rId10"/>
+    <p:notesMasterId r:id="rId11"/>
   </p:notesMasterIdLst>
   <p:sldIdLst>
     <p:sldId id="256" r:id="rId2"/>
     <p:sldId id="257" r:id="rId3"/>
     <p:sldId id="263" r:id="rId4"/>
     <p:sldId id="264" r:id="rId5"/>
-    <p:sldId id="265" r:id="rId6"/>
-    <p:sldId id="261" r:id="rId7"/>
-    <p:sldId id="266" r:id="rId8"/>
-    <p:sldId id="267" r:id="rId9"/>
+    <p:sldId id="268" r:id="rId6"/>
+    <p:sldId id="265" r:id="rId7"/>
+    <p:sldId id="261" r:id="rId8"/>
+    <p:sldId id="266" r:id="rId9"/>
+    <p:sldId id="267" r:id="rId10"/>
   </p:sldIdLst>
   <p:sldSz cx="9144000" cy="5143500" type="screen16x9"/>
   <p:notesSz cx="6858000" cy="9144000"/>
@@ -1233,7 +1234,7 @@
     </p:spTree>
     <p:extLst>
       <p:ext uri="{BB962C8B-B14F-4D97-AF65-F5344CB8AC3E}">
-        <p14:creationId xmlns:p14="http://schemas.microsoft.com/office/powerpoint/2010/main" val="1568817450"/>
+        <p14:creationId xmlns:p14="http://schemas.microsoft.com/office/powerpoint/2010/main" val="3291421751"/>
       </p:ext>
     </p:extLst>
   </p:cSld>
@@ -1248,7 +1249,7 @@
   <p:cSld>
     <p:spTree>
       <p:nvGrpSpPr>
-        <p:cNvPr id="1" name="Shape 80"/>
+        <p:cNvPr id="1" name="Shape 56"/>
         <p:cNvGrpSpPr/>
         <p:nvPr/>
       </p:nvGrpSpPr>
@@ -1262,7 +1263,7 @@
       </p:grpSpPr>
       <p:sp>
         <p:nvSpPr>
-          <p:cNvPr id="81" name="Google Shape;81;g329f9f5f1b5_0_20:notes"/>
+          <p:cNvPr id="57" name="Google Shape;57;g329f9f5f1b5_0_0:notes"/>
           <p:cNvSpPr>
             <a:spLocks noGrp="1" noRot="1" noChangeAspect="1"/>
           </p:cNvSpPr>
@@ -1303,7 +1304,7 @@
       </p:sp>
       <p:sp>
         <p:nvSpPr>
-          <p:cNvPr id="82" name="Google Shape;82;g329f9f5f1b5_0_20:notes"/>
+          <p:cNvPr id="58" name="Google Shape;58;g329f9f5f1b5_0_0:notes"/>
           <p:cNvSpPr txBox="1">
             <a:spLocks noGrp="1"/>
           </p:cNvSpPr>
@@ -1340,6 +1341,11 @@
         </p:txBody>
       </p:sp>
     </p:spTree>
+    <p:extLst>
+      <p:ext uri="{BB962C8B-B14F-4D97-AF65-F5344CB8AC3E}">
+        <p14:creationId xmlns:p14="http://schemas.microsoft.com/office/powerpoint/2010/main" val="1568817450"/>
+      </p:ext>
+    </p:extLst>
   </p:cSld>
   <p:clrMapOvr>
     <a:masterClrMapping/>
@@ -1444,6 +1450,110 @@
         </p:txBody>
       </p:sp>
     </p:spTree>
+  </p:cSld>
+  <p:clrMapOvr>
+    <a:masterClrMapping/>
+  </p:clrMapOvr>
+</p:notes>
+</file>
+
+<file path=ppt/notesSlides/notesSlide8.xml><?xml version="1.0" encoding="utf-8"?>
+<p:notes xmlns:a="http://schemas.openxmlformats.org/drawingml/2006/main" xmlns:r="http://schemas.openxmlformats.org/officeDocument/2006/relationships" xmlns:p="http://schemas.openxmlformats.org/presentationml/2006/main" showMasterSp="0" showMasterPhAnim="0">
+  <p:cSld>
+    <p:spTree>
+      <p:nvGrpSpPr>
+        <p:cNvPr id="1" name="Shape 80"/>
+        <p:cNvGrpSpPr/>
+        <p:nvPr/>
+      </p:nvGrpSpPr>
+      <p:grpSpPr>
+        <a:xfrm>
+          <a:off x="0" y="0"/>
+          <a:ext cx="0" cy="0"/>
+          <a:chOff x="0" y="0"/>
+          <a:chExt cx="0" cy="0"/>
+        </a:xfrm>
+      </p:grpSpPr>
+      <p:sp>
+        <p:nvSpPr>
+          <p:cNvPr id="81" name="Google Shape;81;g329f9f5f1b5_0_20:notes"/>
+          <p:cNvSpPr>
+            <a:spLocks noGrp="1" noRot="1" noChangeAspect="1"/>
+          </p:cNvSpPr>
+          <p:nvPr>
+            <p:ph type="sldImg" idx="2"/>
+          </p:nvPr>
+        </p:nvSpPr>
+        <p:spPr>
+          <a:xfrm>
+            <a:off x="381000" y="685800"/>
+            <a:ext cx="6096000" cy="3429000"/>
+          </a:xfrm>
+          <a:custGeom>
+            <a:avLst/>
+            <a:gdLst/>
+            <a:ahLst/>
+            <a:cxnLst/>
+            <a:rect l="l" t="t" r="r" b="b"/>
+            <a:pathLst>
+              <a:path w="120000" h="120000" extrusionOk="0">
+                <a:moveTo>
+                  <a:pt x="0" y="0"/>
+                </a:moveTo>
+                <a:lnTo>
+                  <a:pt x="120000" y="0"/>
+                </a:lnTo>
+                <a:lnTo>
+                  <a:pt x="120000" y="120000"/>
+                </a:lnTo>
+                <a:lnTo>
+                  <a:pt x="0" y="120000"/>
+                </a:lnTo>
+                <a:close/>
+              </a:path>
+            </a:pathLst>
+          </a:custGeom>
+        </p:spPr>
+      </p:sp>
+      <p:sp>
+        <p:nvSpPr>
+          <p:cNvPr id="82" name="Google Shape;82;g329f9f5f1b5_0_20:notes"/>
+          <p:cNvSpPr txBox="1">
+            <a:spLocks noGrp="1"/>
+          </p:cNvSpPr>
+          <p:nvPr>
+            <p:ph type="body" idx="1"/>
+          </p:nvPr>
+        </p:nvSpPr>
+        <p:spPr>
+          <a:xfrm>
+            <a:off x="685800" y="4343400"/>
+            <a:ext cx="5486400" cy="4114800"/>
+          </a:xfrm>
+          <a:prstGeom prst="rect">
+            <a:avLst/>
+          </a:prstGeom>
+        </p:spPr>
+        <p:txBody>
+          <a:bodyPr spcFirstLastPara="1" wrap="square" lIns="91425" tIns="91425" rIns="91425" bIns="91425" anchor="t" anchorCtr="0">
+            <a:noAutofit/>
+          </a:bodyPr>
+          <a:lstStyle/>
+          <a:p>
+            <a:pPr marL="0" lvl="0" indent="0" algn="l" rtl="0">
+              <a:spcBef>
+                <a:spcPts val="0"/>
+              </a:spcBef>
+              <a:spcAft>
+                <a:spcPts val="0"/>
+              </a:spcAft>
+              <a:buNone/>
+            </a:pPr>
+            <a:endParaRPr/>
+          </a:p>
+        </p:txBody>
+      </p:sp>
+    </p:spTree>
     <p:extLst>
       <p:ext uri="{BB962C8B-B14F-4D97-AF65-F5344CB8AC3E}">
         <p14:creationId xmlns:p14="http://schemas.microsoft.com/office/powerpoint/2010/main" val="3055815108"/>
@@ -1456,7 +1566,7 @@
 </p:notes>
 </file>
 
-<file path=ppt/notesSlides/notesSlide8.xml><?xml version="1.0" encoding="utf-8"?>
+<file path=ppt/notesSlides/notesSlide9.xml><?xml version="1.0" encoding="utf-8"?>
 <p:notes xmlns:a="http://schemas.openxmlformats.org/drawingml/2006/main" xmlns:r="http://schemas.openxmlformats.org/officeDocument/2006/relationships" xmlns:p="http://schemas.openxmlformats.org/presentationml/2006/main" showMasterSp="0" showMasterPhAnim="0">
   <p:cSld>
     <p:spTree>
@@ -1940,7 +2050,7 @@
             </a:pPr>
             <a:fld id="{00000000-1234-1234-1234-123412341234}" type="slidenum">
               <a:rPr lang="es"/>
-              <a:t>‹Nº›</a:t>
+              <a:t>‹#›</a:t>
             </a:fld>
             <a:endParaRPr/>
           </a:p>
@@ -2304,7 +2414,7 @@
             </a:pPr>
             <a:fld id="{00000000-1234-1234-1234-123412341234}" type="slidenum">
               <a:rPr lang="es"/>
-              <a:t>‹Nº›</a:t>
+              <a:t>‹#›</a:t>
             </a:fld>
             <a:endParaRPr/>
           </a:p>
@@ -2408,7 +2518,7 @@
             </a:pPr>
             <a:fld id="{00000000-1234-1234-1234-123412341234}" type="slidenum">
               <a:rPr lang="es"/>
-              <a:t>‹Nº›</a:t>
+              <a:t>‹#›</a:t>
             </a:fld>
             <a:endParaRPr/>
           </a:p>
@@ -2641,7 +2751,7 @@
             </a:pPr>
             <a:fld id="{00000000-1234-1234-1234-123412341234}" type="slidenum">
               <a:rPr lang="es"/>
-              <a:t>‹Nº›</a:t>
+              <a:t>‹#›</a:t>
             </a:fld>
             <a:endParaRPr/>
           </a:p>
@@ -3003,7 +3113,7 @@
             </a:pPr>
             <a:fld id="{00000000-1234-1234-1234-123412341234}" type="slidenum">
               <a:rPr lang="es"/>
-              <a:t>‹Nº›</a:t>
+              <a:t>‹#›</a:t>
             </a:fld>
             <a:endParaRPr/>
           </a:p>
@@ -3494,7 +3604,7 @@
             </a:pPr>
             <a:fld id="{00000000-1234-1234-1234-123412341234}" type="slidenum">
               <a:rPr lang="es"/>
-              <a:t>‹Nº›</a:t>
+              <a:t>‹#›</a:t>
             </a:fld>
             <a:endParaRPr/>
           </a:p>
@@ -3727,7 +3837,7 @@
             </a:pPr>
             <a:fld id="{00000000-1234-1234-1234-123412341234}" type="slidenum">
               <a:rPr lang="es"/>
-              <a:t>‹Nº›</a:t>
+              <a:t>‹#›</a:t>
             </a:fld>
             <a:endParaRPr/>
           </a:p>
@@ -4089,7 +4199,7 @@
             </a:pPr>
             <a:fld id="{00000000-1234-1234-1234-123412341234}" type="slidenum">
               <a:rPr lang="es"/>
-              <a:t>‹Nº›</a:t>
+              <a:t>‹#›</a:t>
             </a:fld>
             <a:endParaRPr/>
           </a:p>
@@ -4322,7 +4432,7 @@
             </a:pPr>
             <a:fld id="{00000000-1234-1234-1234-123412341234}" type="slidenum">
               <a:rPr lang="es"/>
-              <a:t>‹Nº›</a:t>
+              <a:t>‹#›</a:t>
             </a:fld>
             <a:endParaRPr/>
           </a:p>
@@ -4880,7 +4990,7 @@
             </a:pPr>
             <a:fld id="{00000000-1234-1234-1234-123412341234}" type="slidenum">
               <a:rPr lang="es"/>
-              <a:t>‹Nº›</a:t>
+              <a:t>‹#›</a:t>
             </a:fld>
             <a:endParaRPr/>
           </a:p>
@@ -5028,7 +5138,7 @@
             </a:pPr>
             <a:fld id="{00000000-1234-1234-1234-123412341234}" type="slidenum">
               <a:rPr lang="es"/>
-              <a:t>‹Nº›</a:t>
+              <a:t>‹#›</a:t>
             </a:fld>
             <a:endParaRPr/>
           </a:p>
@@ -5606,7 +5716,7 @@
             </a:pPr>
             <a:fld id="{00000000-1234-1234-1234-123412341234}" type="slidenum">
               <a:rPr lang="es"/>
-              <a:t>‹Nº›</a:t>
+              <a:t>‹#›</a:t>
             </a:fld>
             <a:endParaRPr/>
           </a:p>
@@ -6365,7 +6475,7 @@
         </p:nvSpPr>
         <p:spPr>
           <a:xfrm>
-            <a:off x="311708" y="744575"/>
+            <a:off x="228580" y="176540"/>
             <a:ext cx="8520600" cy="2052600"/>
           </a:xfrm>
           <a:prstGeom prst="rect">
@@ -6441,7 +6551,7 @@
         </p:nvSpPr>
         <p:spPr>
           <a:xfrm>
-            <a:off x="311700" y="2834125"/>
+            <a:off x="228572" y="2266090"/>
             <a:ext cx="8520600" cy="792600"/>
           </a:xfrm>
           <a:prstGeom prst="rect">
@@ -6608,6 +6718,463 @@
           </a:p>
         </p:txBody>
       </p:sp>
+      <p:sp>
+        <p:nvSpPr>
+          <p:cNvPr id="5" name="Google Shape;55;p13"/>
+          <p:cNvSpPr txBox="1">
+            <a:spLocks/>
+          </p:cNvSpPr>
+          <p:nvPr/>
+        </p:nvSpPr>
+        <p:spPr>
+          <a:xfrm>
+            <a:off x="0" y="3095640"/>
+            <a:ext cx="9144000" cy="1309858"/>
+          </a:xfrm>
+          <a:prstGeom prst="rect">
+            <a:avLst/>
+          </a:prstGeom>
+          <a:noFill/>
+          <a:ln>
+            <a:noFill/>
+          </a:ln>
+        </p:spPr>
+        <p:txBody>
+          <a:bodyPr spcFirstLastPara="1" wrap="square" lIns="91425" tIns="91425" rIns="91425" bIns="91425" anchor="t" anchorCtr="0">
+            <a:normAutofit fontScale="85000" lnSpcReduction="20000"/>
+          </a:bodyPr>
+          <a:lstStyle>
+            <a:defPPr marR="0" lvl="0" algn="l" rtl="0">
+              <a:lnSpc>
+                <a:spcPct val="100000"/>
+              </a:lnSpc>
+              <a:spcBef>
+                <a:spcPts val="0"/>
+              </a:spcBef>
+              <a:spcAft>
+                <a:spcPts val="0"/>
+              </a:spcAft>
+            </a:defPPr>
+            <a:lvl1pPr marL="457200" marR="0" lvl="0" indent="-342900" algn="ctr" rtl="0">
+              <a:lnSpc>
+                <a:spcPct val="100000"/>
+              </a:lnSpc>
+              <a:spcBef>
+                <a:spcPts val="0"/>
+              </a:spcBef>
+              <a:spcAft>
+                <a:spcPts val="0"/>
+              </a:spcAft>
+              <a:buClr>
+                <a:schemeClr val="dk2"/>
+              </a:buClr>
+              <a:buSzPts val="2800"/>
+              <a:buFont typeface="Arial"/>
+              <a:buNone/>
+              <a:defRPr sz="2800" b="0" i="0" u="none" strike="noStrike" cap="none">
+                <a:solidFill>
+                  <a:schemeClr val="dk2"/>
+                </a:solidFill>
+                <a:latin typeface="Arial"/>
+                <a:ea typeface="Arial"/>
+                <a:cs typeface="Arial"/>
+                <a:sym typeface="Arial"/>
+              </a:defRPr>
+            </a:lvl1pPr>
+            <a:lvl2pPr marL="914400" marR="0" lvl="1" indent="-317500" algn="ctr" rtl="0">
+              <a:lnSpc>
+                <a:spcPct val="100000"/>
+              </a:lnSpc>
+              <a:spcBef>
+                <a:spcPts val="0"/>
+              </a:spcBef>
+              <a:spcAft>
+                <a:spcPts val="0"/>
+              </a:spcAft>
+              <a:buClr>
+                <a:schemeClr val="dk2"/>
+              </a:buClr>
+              <a:buSzPts val="2800"/>
+              <a:buFont typeface="Arial"/>
+              <a:buNone/>
+              <a:defRPr sz="2800" b="0" i="0" u="none" strike="noStrike" cap="none">
+                <a:solidFill>
+                  <a:schemeClr val="dk2"/>
+                </a:solidFill>
+                <a:latin typeface="Arial"/>
+                <a:ea typeface="Arial"/>
+                <a:cs typeface="Arial"/>
+                <a:sym typeface="Arial"/>
+              </a:defRPr>
+            </a:lvl2pPr>
+            <a:lvl3pPr marL="1371600" marR="0" lvl="2" indent="-317500" algn="ctr" rtl="0">
+              <a:lnSpc>
+                <a:spcPct val="100000"/>
+              </a:lnSpc>
+              <a:spcBef>
+                <a:spcPts val="0"/>
+              </a:spcBef>
+              <a:spcAft>
+                <a:spcPts val="0"/>
+              </a:spcAft>
+              <a:buClr>
+                <a:schemeClr val="dk2"/>
+              </a:buClr>
+              <a:buSzPts val="2800"/>
+              <a:buFont typeface="Arial"/>
+              <a:buNone/>
+              <a:defRPr sz="2800" b="0" i="0" u="none" strike="noStrike" cap="none">
+                <a:solidFill>
+                  <a:schemeClr val="dk2"/>
+                </a:solidFill>
+                <a:latin typeface="Arial"/>
+                <a:ea typeface="Arial"/>
+                <a:cs typeface="Arial"/>
+                <a:sym typeface="Arial"/>
+              </a:defRPr>
+            </a:lvl3pPr>
+            <a:lvl4pPr marL="1828800" marR="0" lvl="3" indent="-317500" algn="ctr" rtl="0">
+              <a:lnSpc>
+                <a:spcPct val="100000"/>
+              </a:lnSpc>
+              <a:spcBef>
+                <a:spcPts val="0"/>
+              </a:spcBef>
+              <a:spcAft>
+                <a:spcPts val="0"/>
+              </a:spcAft>
+              <a:buClr>
+                <a:schemeClr val="dk2"/>
+              </a:buClr>
+              <a:buSzPts val="2800"/>
+              <a:buFont typeface="Arial"/>
+              <a:buNone/>
+              <a:defRPr sz="2800" b="0" i="0" u="none" strike="noStrike" cap="none">
+                <a:solidFill>
+                  <a:schemeClr val="dk2"/>
+                </a:solidFill>
+                <a:latin typeface="Arial"/>
+                <a:ea typeface="Arial"/>
+                <a:cs typeface="Arial"/>
+                <a:sym typeface="Arial"/>
+              </a:defRPr>
+            </a:lvl4pPr>
+            <a:lvl5pPr marL="2286000" marR="0" lvl="4" indent="-317500" algn="ctr" rtl="0">
+              <a:lnSpc>
+                <a:spcPct val="100000"/>
+              </a:lnSpc>
+              <a:spcBef>
+                <a:spcPts val="0"/>
+              </a:spcBef>
+              <a:spcAft>
+                <a:spcPts val="0"/>
+              </a:spcAft>
+              <a:buClr>
+                <a:schemeClr val="dk2"/>
+              </a:buClr>
+              <a:buSzPts val="2800"/>
+              <a:buFont typeface="Arial"/>
+              <a:buNone/>
+              <a:defRPr sz="2800" b="0" i="0" u="none" strike="noStrike" cap="none">
+                <a:solidFill>
+                  <a:schemeClr val="dk2"/>
+                </a:solidFill>
+                <a:latin typeface="Arial"/>
+                <a:ea typeface="Arial"/>
+                <a:cs typeface="Arial"/>
+                <a:sym typeface="Arial"/>
+              </a:defRPr>
+            </a:lvl5pPr>
+            <a:lvl6pPr marL="2743200" marR="0" lvl="5" indent="-317500" algn="ctr" rtl="0">
+              <a:lnSpc>
+                <a:spcPct val="100000"/>
+              </a:lnSpc>
+              <a:spcBef>
+                <a:spcPts val="0"/>
+              </a:spcBef>
+              <a:spcAft>
+                <a:spcPts val="0"/>
+              </a:spcAft>
+              <a:buClr>
+                <a:schemeClr val="dk2"/>
+              </a:buClr>
+              <a:buSzPts val="2800"/>
+              <a:buFont typeface="Arial"/>
+              <a:buNone/>
+              <a:defRPr sz="2800" b="0" i="0" u="none" strike="noStrike" cap="none">
+                <a:solidFill>
+                  <a:schemeClr val="dk2"/>
+                </a:solidFill>
+                <a:latin typeface="Arial"/>
+                <a:ea typeface="Arial"/>
+                <a:cs typeface="Arial"/>
+                <a:sym typeface="Arial"/>
+              </a:defRPr>
+            </a:lvl6pPr>
+            <a:lvl7pPr marL="3200400" marR="0" lvl="6" indent="-317500" algn="ctr" rtl="0">
+              <a:lnSpc>
+                <a:spcPct val="100000"/>
+              </a:lnSpc>
+              <a:spcBef>
+                <a:spcPts val="0"/>
+              </a:spcBef>
+              <a:spcAft>
+                <a:spcPts val="0"/>
+              </a:spcAft>
+              <a:buClr>
+                <a:schemeClr val="dk2"/>
+              </a:buClr>
+              <a:buSzPts val="2800"/>
+              <a:buFont typeface="Arial"/>
+              <a:buNone/>
+              <a:defRPr sz="2800" b="0" i="0" u="none" strike="noStrike" cap="none">
+                <a:solidFill>
+                  <a:schemeClr val="dk2"/>
+                </a:solidFill>
+                <a:latin typeface="Arial"/>
+                <a:ea typeface="Arial"/>
+                <a:cs typeface="Arial"/>
+                <a:sym typeface="Arial"/>
+              </a:defRPr>
+            </a:lvl7pPr>
+            <a:lvl8pPr marL="3657600" marR="0" lvl="7" indent="-317500" algn="ctr" rtl="0">
+              <a:lnSpc>
+                <a:spcPct val="100000"/>
+              </a:lnSpc>
+              <a:spcBef>
+                <a:spcPts val="0"/>
+              </a:spcBef>
+              <a:spcAft>
+                <a:spcPts val="0"/>
+              </a:spcAft>
+              <a:buClr>
+                <a:schemeClr val="dk2"/>
+              </a:buClr>
+              <a:buSzPts val="2800"/>
+              <a:buFont typeface="Arial"/>
+              <a:buNone/>
+              <a:defRPr sz="2800" b="0" i="0" u="none" strike="noStrike" cap="none">
+                <a:solidFill>
+                  <a:schemeClr val="dk2"/>
+                </a:solidFill>
+                <a:latin typeface="Arial"/>
+                <a:ea typeface="Arial"/>
+                <a:cs typeface="Arial"/>
+                <a:sym typeface="Arial"/>
+              </a:defRPr>
+            </a:lvl8pPr>
+            <a:lvl9pPr marL="4114800" marR="0" lvl="8" indent="-317500" algn="ctr" rtl="0">
+              <a:lnSpc>
+                <a:spcPct val="100000"/>
+              </a:lnSpc>
+              <a:spcBef>
+                <a:spcPts val="0"/>
+              </a:spcBef>
+              <a:spcAft>
+                <a:spcPts val="0"/>
+              </a:spcAft>
+              <a:buClr>
+                <a:schemeClr val="dk2"/>
+              </a:buClr>
+              <a:buSzPts val="2800"/>
+              <a:buFont typeface="Arial"/>
+              <a:buNone/>
+              <a:defRPr sz="2800" b="0" i="0" u="none" strike="noStrike" cap="none">
+                <a:solidFill>
+                  <a:schemeClr val="dk2"/>
+                </a:solidFill>
+                <a:latin typeface="Arial"/>
+                <a:ea typeface="Arial"/>
+                <a:cs typeface="Arial"/>
+                <a:sym typeface="Arial"/>
+              </a:defRPr>
+            </a:lvl9pPr>
+          </a:lstStyle>
+          <a:p>
+            <a:pPr marL="0" indent="0"/>
+            <a:r>
+              <a:rPr lang="es-ES" sz="1800" smtClean="0">
+                <a:ln w="3175">
+                  <a:solidFill>
+                    <a:schemeClr val="tx1"/>
+                  </a:solidFill>
+                </a:ln>
+                <a:solidFill>
+                  <a:schemeClr val="accent6">
+                    <a:lumMod val="60000"/>
+                    <a:lumOff val="40000"/>
+                  </a:schemeClr>
+                </a:solidFill>
+                <a:effectLst>
+                  <a:outerShdw blurRad="38100" dist="38100" dir="2700000" algn="tl">
+                    <a:srgbClr val="000000">
+                      <a:alpha val="43137"/>
+                    </a:srgbClr>
+                  </a:outerShdw>
+                </a:effectLst>
+                <a:latin typeface="Arial Black" panose="020B0A04020102020204" pitchFamily="34" charset="0"/>
+              </a:rPr>
+              <a:t>Mariano Puchades</a:t>
+            </a:r>
+          </a:p>
+          <a:p>
+            <a:pPr marL="0" indent="0"/>
+            <a:r>
+              <a:rPr lang="es-ES" sz="1800" smtClean="0">
+                <a:ln w="3175">
+                  <a:solidFill>
+                    <a:schemeClr val="tx1"/>
+                  </a:solidFill>
+                </a:ln>
+                <a:solidFill>
+                  <a:schemeClr val="accent6">
+                    <a:lumMod val="60000"/>
+                    <a:lumOff val="40000"/>
+                  </a:schemeClr>
+                </a:solidFill>
+                <a:effectLst>
+                  <a:outerShdw blurRad="38100" dist="38100" dir="2700000" algn="tl">
+                    <a:srgbClr val="000000">
+                      <a:alpha val="43137"/>
+                    </a:srgbClr>
+                  </a:outerShdw>
+                </a:effectLst>
+                <a:latin typeface="Arial Black" panose="020B0A04020102020204" pitchFamily="34" charset="0"/>
+              </a:rPr>
+              <a:t>Patricia Diez</a:t>
+            </a:r>
+          </a:p>
+          <a:p>
+            <a:pPr marL="0" indent="0"/>
+            <a:r>
+              <a:rPr lang="es-ES" sz="1800" smtClean="0">
+                <a:ln w="3175">
+                  <a:solidFill>
+                    <a:schemeClr val="tx1"/>
+                  </a:solidFill>
+                </a:ln>
+                <a:solidFill>
+                  <a:schemeClr val="accent6">
+                    <a:lumMod val="60000"/>
+                    <a:lumOff val="40000"/>
+                  </a:schemeClr>
+                </a:solidFill>
+                <a:effectLst>
+                  <a:outerShdw blurRad="38100" dist="38100" dir="2700000" algn="tl">
+                    <a:srgbClr val="000000">
+                      <a:alpha val="43137"/>
+                    </a:srgbClr>
+                  </a:outerShdw>
+                </a:effectLst>
+                <a:latin typeface="Arial Black" panose="020B0A04020102020204" pitchFamily="34" charset="0"/>
+              </a:rPr>
+              <a:t>Chiara</a:t>
+            </a:r>
+          </a:p>
+          <a:p>
+            <a:pPr marL="0" indent="0"/>
+            <a:r>
+              <a:rPr lang="es-ES" sz="1800" smtClean="0">
+                <a:ln w="3175">
+                  <a:solidFill>
+                    <a:schemeClr val="tx1"/>
+                  </a:solidFill>
+                </a:ln>
+                <a:solidFill>
+                  <a:schemeClr val="accent6">
+                    <a:lumMod val="60000"/>
+                    <a:lumOff val="40000"/>
+                  </a:schemeClr>
+                </a:solidFill>
+                <a:effectLst>
+                  <a:outerShdw blurRad="38100" dist="38100" dir="2700000" algn="tl">
+                    <a:srgbClr val="000000">
+                      <a:alpha val="43137"/>
+                    </a:srgbClr>
+                  </a:outerShdw>
+                </a:effectLst>
+                <a:latin typeface="Arial Black" panose="020B0A04020102020204" pitchFamily="34" charset="0"/>
+              </a:rPr>
+              <a:t>Justo Barco</a:t>
+            </a:r>
+          </a:p>
+          <a:p>
+            <a:pPr marL="0" indent="0"/>
+            <a:r>
+              <a:rPr lang="es-ES" sz="1800" smtClean="0">
+                <a:ln w="3175">
+                  <a:solidFill>
+                    <a:schemeClr val="tx1"/>
+                  </a:solidFill>
+                </a:ln>
+                <a:solidFill>
+                  <a:schemeClr val="accent6">
+                    <a:lumMod val="60000"/>
+                    <a:lumOff val="40000"/>
+                  </a:schemeClr>
+                </a:solidFill>
+                <a:effectLst>
+                  <a:outerShdw blurRad="38100" dist="38100" dir="2700000" algn="tl">
+                    <a:srgbClr val="000000">
+                      <a:alpha val="43137"/>
+                    </a:srgbClr>
+                  </a:outerShdw>
+                </a:effectLst>
+                <a:latin typeface="Arial Black" panose="020B0A04020102020204" pitchFamily="34" charset="0"/>
+              </a:rPr>
+              <a:t>Eva Mañas</a:t>
+            </a:r>
+          </a:p>
+          <a:p>
+            <a:pPr marL="0" indent="0"/>
+            <a:r>
+              <a:rPr lang="es-ES" sz="1800" smtClean="0">
+                <a:ln w="3175">
+                  <a:solidFill>
+                    <a:schemeClr val="tx1"/>
+                  </a:solidFill>
+                </a:ln>
+                <a:solidFill>
+                  <a:schemeClr val="accent6">
+                    <a:lumMod val="60000"/>
+                    <a:lumOff val="40000"/>
+                  </a:schemeClr>
+                </a:solidFill>
+                <a:effectLst>
+                  <a:outerShdw blurRad="38100" dist="38100" dir="2700000" algn="tl">
+                    <a:srgbClr val="000000">
+                      <a:alpha val="43137"/>
+                    </a:srgbClr>
+                  </a:outerShdw>
+                </a:effectLst>
+                <a:latin typeface="Arial Black" panose="020B0A04020102020204" pitchFamily="34" charset="0"/>
+              </a:rPr>
+              <a:t>Antonio Herrera</a:t>
+            </a:r>
+            <a:endParaRPr lang="es-ES" sz="1800" dirty="0">
+              <a:ln w="3175">
+                <a:solidFill>
+                  <a:schemeClr val="tx1"/>
+                </a:solidFill>
+              </a:ln>
+              <a:solidFill>
+                <a:schemeClr val="accent6">
+                  <a:lumMod val="60000"/>
+                  <a:lumOff val="40000"/>
+                </a:schemeClr>
+              </a:solidFill>
+              <a:effectLst>
+                <a:outerShdw blurRad="38100" dist="38100" dir="2700000" algn="tl">
+                  <a:srgbClr val="000000">
+                    <a:alpha val="43137"/>
+                  </a:srgbClr>
+                </a:outerShdw>
+              </a:effectLst>
+              <a:latin typeface="Arial Black" panose="020B0A04020102020204" pitchFamily="34" charset="0"/>
+            </a:endParaRPr>
+          </a:p>
+        </p:txBody>
+      </p:sp>
     </p:spTree>
   </p:cSld>
   <p:clrMapOvr>
@@ -6772,15 +7339,7 @@
               <a:srgbClr val="C0C0C0"/>
             </a:contourClr>
           </a:sp3d>
-          <a:extLst>
-            <a:ext uri="{909E8E84-426E-40DD-AFC4-6F175D3DCCD1}">
-              <a14:hiddenFill xmlns:a14="http://schemas.microsoft.com/office/drawing/2010/main">
-                <a:solidFill>
-                  <a:srgbClr val="FFFFFF"/>
-                </a:solidFill>
-              </a14:hiddenFill>
-            </a:ext>
-          </a:extLst>
+          <a:extLst/>
         </p:spPr>
       </p:pic>
     </p:spTree>
@@ -6969,15 +7528,7 @@
               <a:srgbClr val="C0C0C0"/>
             </a:contourClr>
           </a:sp3d>
-          <a:extLst>
-            <a:ext uri="{909E8E84-426E-40DD-AFC4-6F175D3DCCD1}">
-              <a14:hiddenFill xmlns:a14="http://schemas.microsoft.com/office/drawing/2010/main">
-                <a:solidFill>
-                  <a:srgbClr val="FFFFFF"/>
-                </a:solidFill>
-              </a14:hiddenFill>
-            </a:ext>
-          </a:extLst>
+          <a:extLst/>
         </p:spPr>
       </p:pic>
     </p:spTree>
@@ -7196,12 +7747,222 @@
           </a:p>
         </p:txBody>
       </p:sp>
+      <p:grpSp>
+        <p:nvGrpSpPr>
+          <p:cNvPr id="3" name="Group 2"/>
+          <p:cNvGrpSpPr/>
+          <p:nvPr/>
+        </p:nvGrpSpPr>
+        <p:grpSpPr>
+          <a:xfrm>
+            <a:off x="720436" y="1262521"/>
+            <a:ext cx="7703127" cy="2712142"/>
+            <a:chOff x="720436" y="1262521"/>
+            <a:chExt cx="7703127" cy="2712142"/>
+          </a:xfrm>
+        </p:grpSpPr>
+        <p:pic>
+          <p:nvPicPr>
+            <p:cNvPr id="4104" name="Picture 8">
+              <a:extLst>
+                <a:ext uri="{FF2B5EF4-FFF2-40B4-BE49-F238E27FC236}">
+                  <a16:creationId xmlns:a16="http://schemas.microsoft.com/office/drawing/2014/main" id="{D5BACBB0-F92A-480F-9823-52528D837880}"/>
+                </a:ext>
+              </a:extLst>
+            </p:cNvPr>
+            <p:cNvPicPr>
+              <a:picLocks noChangeAspect="1" noChangeArrowheads="1"/>
+            </p:cNvPicPr>
+            <p:nvPr/>
+          </p:nvPicPr>
+          <p:blipFill>
+            <a:blip r:embed="rId3">
+              <a:extLst>
+                <a:ext uri="{28A0092B-C50C-407E-A947-70E740481C1C}">
+                  <a14:useLocalDpi xmlns:a14="http://schemas.microsoft.com/office/drawing/2010/main" val="0"/>
+                </a:ext>
+              </a:extLst>
+            </a:blip>
+            <a:srcRect/>
+            <a:stretch>
+              <a:fillRect/>
+            </a:stretch>
+          </p:blipFill>
+          <p:spPr bwMode="auto">
+            <a:xfrm>
+              <a:off x="720436" y="1262521"/>
+              <a:ext cx="7703127" cy="2712142"/>
+            </a:xfrm>
+            <a:prstGeom prst="roundRect">
+              <a:avLst>
+                <a:gd name="adj" fmla="val 4167"/>
+              </a:avLst>
+            </a:prstGeom>
+            <a:solidFill>
+              <a:srgbClr val="FFFFFF"/>
+            </a:solidFill>
+            <a:ln w="6350" cap="sq">
+              <a:solidFill>
+                <a:srgbClr val="EAEAEA"/>
+              </a:solidFill>
+              <a:miter lim="800000"/>
+            </a:ln>
+            <a:effectLst>
+              <a:reflection blurRad="12700" stA="33000" endPos="28000" dist="5000" dir="5400000" sy="-100000" algn="bl" rotWithShape="0"/>
+            </a:effectLst>
+            <a:scene3d>
+              <a:camera prst="orthographicFront"/>
+              <a:lightRig rig="threePt" dir="t">
+                <a:rot lat="0" lon="0" rev="2700000"/>
+              </a:lightRig>
+            </a:scene3d>
+            <a:sp3d contourW="6350">
+              <a:bevelT h="38100"/>
+              <a:contourClr>
+                <a:srgbClr val="C0C0C0"/>
+              </a:contourClr>
+            </a:sp3d>
+            <a:extLst/>
+          </p:spPr>
+        </p:pic>
+        <p:pic>
+          <p:nvPicPr>
+            <p:cNvPr id="2" name="Picture 1"/>
+            <p:cNvPicPr>
+              <a:picLocks noChangeAspect="1"/>
+            </p:cNvPicPr>
+            <p:nvPr/>
+          </p:nvPicPr>
+          <p:blipFill rotWithShape="1">
+            <a:blip r:embed="rId4"/>
+            <a:srcRect l="1647" t="46068" r="5831" b="52548"/>
+            <a:stretch/>
+          </p:blipFill>
+          <p:spPr>
+            <a:xfrm>
+              <a:off x="1392382" y="3588328"/>
+              <a:ext cx="6553198" cy="180108"/>
+            </a:xfrm>
+            <a:prstGeom prst="rect">
+              <a:avLst/>
+            </a:prstGeom>
+          </p:spPr>
+        </p:pic>
+      </p:grpSp>
+    </p:spTree>
+    <p:extLst>
+      <p:ext uri="{BB962C8B-B14F-4D97-AF65-F5344CB8AC3E}">
+        <p14:creationId xmlns:p14="http://schemas.microsoft.com/office/powerpoint/2010/main" val="3443934370"/>
+      </p:ext>
+    </p:extLst>
+  </p:cSld>
+  <p:clrMapOvr>
+    <a:masterClrMapping/>
+  </p:clrMapOvr>
+</p:sld>
+</file>
+
+<file path=ppt/slides/slide6.xml><?xml version="1.0" encoding="utf-8"?>
+<p:sld xmlns:a="http://schemas.openxmlformats.org/drawingml/2006/main" xmlns:r="http://schemas.openxmlformats.org/officeDocument/2006/relationships" xmlns:p="http://schemas.openxmlformats.org/presentationml/2006/main">
+  <p:cSld>
+    <p:spTree>
+      <p:nvGrpSpPr>
+        <p:cNvPr id="1" name="Shape 59"/>
+        <p:cNvGrpSpPr/>
+        <p:nvPr/>
+      </p:nvGrpSpPr>
+      <p:grpSpPr>
+        <a:xfrm>
+          <a:off x="0" y="0"/>
+          <a:ext cx="0" cy="0"/>
+          <a:chOff x="0" y="0"/>
+          <a:chExt cx="0" cy="0"/>
+        </a:xfrm>
+      </p:grpSpPr>
+      <p:sp>
+        <p:nvSpPr>
+          <p:cNvPr id="60" name="Google Shape;60;p14"/>
+          <p:cNvSpPr txBox="1">
+            <a:spLocks noGrp="1"/>
+          </p:cNvSpPr>
+          <p:nvPr>
+            <p:ph type="title"/>
+          </p:nvPr>
+        </p:nvSpPr>
+        <p:spPr>
+          <a:xfrm>
+            <a:off x="311700" y="333156"/>
+            <a:ext cx="8520600" cy="572700"/>
+          </a:xfrm>
+          <a:prstGeom prst="rect">
+            <a:avLst/>
+          </a:prstGeom>
+        </p:spPr>
+        <p:txBody>
+          <a:bodyPr spcFirstLastPara="1" wrap="square" lIns="91425" tIns="91425" rIns="91425" bIns="91425" anchor="t" anchorCtr="0">
+            <a:noAutofit/>
+          </a:bodyPr>
+          <a:lstStyle/>
+          <a:p>
+            <a:pPr marL="0" lvl="0" indent="0" algn="l" rtl="0">
+              <a:spcBef>
+                <a:spcPts val="0"/>
+              </a:spcBef>
+              <a:spcAft>
+                <a:spcPts val="0"/>
+              </a:spcAft>
+              <a:buNone/>
+            </a:pPr>
+            <a:r>
+              <a:rPr lang="es-ES" sz="2500" b="1" dirty="0">
+                <a:ln w="6350">
+                  <a:solidFill>
+                    <a:schemeClr val="tx1"/>
+                  </a:solidFill>
+                </a:ln>
+                <a:solidFill>
+                  <a:schemeClr val="bg1"/>
+                </a:solidFill>
+                <a:effectLst>
+                  <a:outerShdw blurRad="50800" dist="38100" dir="2700000" algn="tl" rotWithShape="0">
+                    <a:prstClr val="black">
+                      <a:alpha val="40000"/>
+                    </a:prstClr>
+                  </a:outerShdw>
+                </a:effectLst>
+                <a:latin typeface="Arial Black" panose="020B0A04020102020204" pitchFamily="34" charset="0"/>
+                <a:ea typeface="MS Gothic" panose="020B0609070205080204" pitchFamily="49" charset="-128"/>
+              </a:rPr>
+              <a:t>plot_features_num_regression</a:t>
+            </a:r>
+            <a:endParaRPr sz="2500" b="1" dirty="0">
+              <a:ln w="6350">
+                <a:solidFill>
+                  <a:schemeClr val="tx1"/>
+                </a:solidFill>
+              </a:ln>
+              <a:solidFill>
+                <a:schemeClr val="bg1"/>
+              </a:solidFill>
+              <a:effectLst>
+                <a:outerShdw blurRad="50800" dist="38100" dir="2700000" algn="tl" rotWithShape="0">
+                  <a:prstClr val="black">
+                    <a:alpha val="40000"/>
+                  </a:prstClr>
+                </a:outerShdw>
+              </a:effectLst>
+              <a:latin typeface="Arial Black" panose="020B0A04020102020204" pitchFamily="34" charset="0"/>
+              <a:ea typeface="MS Gothic" panose="020B0609070205080204" pitchFamily="49" charset="-128"/>
+            </a:endParaRPr>
+          </a:p>
+        </p:txBody>
+      </p:sp>
       <p:pic>
         <p:nvPicPr>
-          <p:cNvPr id="4104" name="Picture 8">
+          <p:cNvPr id="4106" name="Picture 10">
             <a:extLst>
               <a:ext uri="{FF2B5EF4-FFF2-40B4-BE49-F238E27FC236}">
-                <a16:creationId xmlns:a16="http://schemas.microsoft.com/office/drawing/2014/main" id="{D5BACBB0-F92A-480F-9823-52528D837880}"/>
+                <a16:creationId xmlns:a16="http://schemas.microsoft.com/office/drawing/2014/main" id="{CEAF4BA5-721D-4B89-90E1-5D3A937F2731}"/>
               </a:ext>
             </a:extLst>
           </p:cNvPr>
@@ -7225,8 +7986,8 @@
         </p:blipFill>
         <p:spPr bwMode="auto">
           <a:xfrm>
-            <a:off x="457200" y="916157"/>
-            <a:ext cx="4366751" cy="1537460"/>
+            <a:off x="1274618" y="905856"/>
+            <a:ext cx="6295804" cy="3913739"/>
           </a:xfrm>
           <a:prstGeom prst="roundRect">
             <a:avLst>
@@ -7257,89 +8018,258 @@
               <a:srgbClr val="C0C0C0"/>
             </a:contourClr>
           </a:sp3d>
-          <a:extLst>
-            <a:ext uri="{909E8E84-426E-40DD-AFC4-6F175D3DCCD1}">
-              <a14:hiddenFill xmlns:a14="http://schemas.microsoft.com/office/drawing/2010/main">
-                <a:solidFill>
-                  <a:srgbClr val="FFFFFF"/>
-                </a:solidFill>
-              </a14:hiddenFill>
-            </a:ext>
-          </a:extLst>
+          <a:extLst/>
         </p:spPr>
       </p:pic>
-      <p:pic>
-        <p:nvPicPr>
-          <p:cNvPr id="4106" name="Picture 10">
+      <p:sp>
+        <p:nvSpPr>
+          <p:cNvPr id="2" name="Right Brace 1"/>
+          <p:cNvSpPr/>
+          <p:nvPr/>
+        </p:nvSpPr>
+        <p:spPr>
+          <a:xfrm flipH="1">
+            <a:off x="955963" y="1080653"/>
+            <a:ext cx="387927" cy="2001983"/>
+          </a:xfrm>
+          <a:prstGeom prst="rightBrace">
+            <a:avLst>
+              <a:gd name="adj1" fmla="val 8333"/>
+              <a:gd name="adj2" fmla="val 50680"/>
+            </a:avLst>
+          </a:prstGeom>
+          <a:ln w="28575">
+            <a:solidFill>
+              <a:schemeClr val="bg1"/>
+            </a:solidFill>
+          </a:ln>
+        </p:spPr>
+        <p:style>
+          <a:lnRef idx="1">
+            <a:schemeClr val="accent1"/>
+          </a:lnRef>
+          <a:fillRef idx="0">
+            <a:schemeClr val="accent1"/>
+          </a:fillRef>
+          <a:effectRef idx="0">
+            <a:schemeClr val="accent1"/>
+          </a:effectRef>
+          <a:fontRef idx="minor">
+            <a:schemeClr val="tx1"/>
+          </a:fontRef>
+        </p:style>
+        <p:txBody>
+          <a:bodyPr rtlCol="0" anchor="ctr"/>
+          <a:lstStyle/>
+          <a:p>
+            <a:pPr algn="ctr"/>
+            <a:endParaRPr lang="en-US"/>
+          </a:p>
+        </p:txBody>
+      </p:sp>
+      <p:sp>
+        <p:nvSpPr>
+          <p:cNvPr id="6" name="CuadroTexto 1">
             <a:extLst>
               <a:ext uri="{FF2B5EF4-FFF2-40B4-BE49-F238E27FC236}">
-                <a16:creationId xmlns:a16="http://schemas.microsoft.com/office/drawing/2014/main" id="{CEAF4BA5-721D-4B89-90E1-5D3A937F2731}"/>
+                <a16:creationId xmlns:a16="http://schemas.microsoft.com/office/drawing/2014/main" id="{8568F945-ADFA-4D87-BABE-1680E6E82366}"/>
               </a:ext>
             </a:extLst>
           </p:cNvPr>
-          <p:cNvPicPr>
-            <a:picLocks noChangeAspect="1" noChangeArrowheads="1"/>
-          </p:cNvPicPr>
+          <p:cNvSpPr txBox="1"/>
           <p:nvPr/>
-        </p:nvPicPr>
-        <p:blipFill>
-          <a:blip r:embed="rId4">
+        </p:nvSpPr>
+        <p:spPr>
+          <a:xfrm>
+            <a:off x="639813" y="1952968"/>
+            <a:ext cx="304892" cy="307777"/>
+          </a:xfrm>
+          <a:prstGeom prst="rect">
+            <a:avLst/>
+          </a:prstGeom>
+          <a:noFill/>
+        </p:spPr>
+        <p:txBody>
+          <a:bodyPr wrap="square" rtlCol="0">
+            <a:spAutoFit/>
+          </a:bodyPr>
+          <a:lstStyle/>
+          <a:p>
+            <a:r>
+              <a:rPr lang="es-ES" b="1" dirty="0">
+                <a:solidFill>
+                  <a:schemeClr val="bg1"/>
+                </a:solidFill>
+                <a:latin typeface="Arial Black" panose="020B0A04020102020204" pitchFamily="34" charset="0"/>
+              </a:rPr>
+              <a:t>1</a:t>
+            </a:r>
+          </a:p>
+        </p:txBody>
+      </p:sp>
+      <p:sp>
+        <p:nvSpPr>
+          <p:cNvPr id="7" name="CuadroTexto 9">
             <a:extLst>
-              <a:ext uri="{28A0092B-C50C-407E-A947-70E740481C1C}">
-                <a14:useLocalDpi xmlns:a14="http://schemas.microsoft.com/office/drawing/2010/main" val="0"/>
+              <a:ext uri="{FF2B5EF4-FFF2-40B4-BE49-F238E27FC236}">
+                <a16:creationId xmlns:a16="http://schemas.microsoft.com/office/drawing/2014/main" id="{63FE5218-F3DA-481F-889D-50E94FBA545C}"/>
               </a:ext>
             </a:extLst>
-          </a:blip>
-          <a:srcRect/>
-          <a:stretch>
-            <a:fillRect/>
-          </a:stretch>
-        </p:blipFill>
-        <p:spPr bwMode="auto">
+          </p:cNvPr>
+          <p:cNvSpPr txBox="1"/>
+          <p:nvPr/>
+        </p:nvSpPr>
+        <p:spPr>
           <a:xfrm>
-            <a:off x="4386206" y="2228021"/>
-            <a:ext cx="4154033" cy="2582323"/>
+            <a:off x="639813" y="3103544"/>
+            <a:ext cx="316149" cy="307777"/>
           </a:xfrm>
-          <a:prstGeom prst="roundRect">
+          <a:prstGeom prst="rect">
+            <a:avLst/>
+          </a:prstGeom>
+          <a:noFill/>
+        </p:spPr>
+        <p:txBody>
+          <a:bodyPr wrap="square">
+            <a:spAutoFit/>
+          </a:bodyPr>
+          <a:lstStyle/>
+          <a:p>
+            <a:r>
+              <a:rPr lang="es-ES" b="1" dirty="0">
+                <a:solidFill>
+                  <a:schemeClr val="bg1"/>
+                </a:solidFill>
+                <a:latin typeface="Arial Black" panose="020B0A04020102020204" pitchFamily="34" charset="0"/>
+              </a:rPr>
+              <a:t>2</a:t>
+            </a:r>
+          </a:p>
+        </p:txBody>
+      </p:sp>
+      <p:cxnSp>
+        <p:nvCxnSpPr>
+          <p:cNvPr id="4" name="Straight Arrow Connector 3"/>
+          <p:cNvCxnSpPr>
+            <a:endCxn id="7" idx="3"/>
+          </p:cNvCxnSpPr>
+          <p:nvPr/>
+        </p:nvCxnSpPr>
+        <p:spPr>
+          <a:xfrm flipH="1">
+            <a:off x="955962" y="3257432"/>
+            <a:ext cx="387927" cy="1"/>
+          </a:xfrm>
+          <a:prstGeom prst="straightConnector1">
+            <a:avLst/>
+          </a:prstGeom>
+          <a:ln w="28575">
+            <a:solidFill>
+              <a:schemeClr val="bg1"/>
+            </a:solidFill>
+          </a:ln>
+        </p:spPr>
+        <p:style>
+          <a:lnRef idx="1">
+            <a:schemeClr val="accent1"/>
+          </a:lnRef>
+          <a:fillRef idx="0">
+            <a:schemeClr val="accent1"/>
+          </a:fillRef>
+          <a:effectRef idx="0">
+            <a:schemeClr val="accent1"/>
+          </a:effectRef>
+          <a:fontRef idx="minor">
+            <a:schemeClr val="tx1"/>
+          </a:fontRef>
+        </p:style>
+      </p:cxnSp>
+      <p:sp>
+        <p:nvSpPr>
+          <p:cNvPr id="12" name="Right Brace 11"/>
+          <p:cNvSpPr/>
+          <p:nvPr/>
+        </p:nvSpPr>
+        <p:spPr>
+          <a:xfrm flipH="1">
+            <a:off x="955962" y="3498273"/>
+            <a:ext cx="387927" cy="1158054"/>
+          </a:xfrm>
+          <a:prstGeom prst="rightBrace">
             <a:avLst>
-              <a:gd name="adj" fmla="val 4167"/>
+              <a:gd name="adj1" fmla="val 8333"/>
+              <a:gd name="adj2" fmla="val 50680"/>
             </a:avLst>
           </a:prstGeom>
-          <a:solidFill>
-            <a:srgbClr val="FFFFFF"/>
-          </a:solidFill>
-          <a:ln w="6350" cap="sq">
+          <a:ln w="28575">
             <a:solidFill>
-              <a:srgbClr val="EAEAEA"/>
+              <a:schemeClr val="bg1"/>
             </a:solidFill>
-            <a:miter lim="800000"/>
           </a:ln>
-          <a:effectLst>
-            <a:reflection blurRad="12700" stA="33000" endPos="28000" dist="5000" dir="5400000" sy="-100000" algn="bl" rotWithShape="0"/>
-          </a:effectLst>
-          <a:scene3d>
-            <a:camera prst="orthographicFront"/>
-            <a:lightRig rig="threePt" dir="t">
-              <a:rot lat="0" lon="0" rev="2700000"/>
-            </a:lightRig>
-          </a:scene3d>
-          <a:sp3d contourW="6350">
-            <a:bevelT h="38100"/>
-            <a:contourClr>
-              <a:srgbClr val="C0C0C0"/>
-            </a:contourClr>
-          </a:sp3d>
-          <a:extLst>
-            <a:ext uri="{909E8E84-426E-40DD-AFC4-6F175D3DCCD1}">
-              <a14:hiddenFill xmlns:a14="http://schemas.microsoft.com/office/drawing/2010/main">
+        </p:spPr>
+        <p:style>
+          <a:lnRef idx="1">
+            <a:schemeClr val="accent1"/>
+          </a:lnRef>
+          <a:fillRef idx="0">
+            <a:schemeClr val="accent1"/>
+          </a:fillRef>
+          <a:effectRef idx="0">
+            <a:schemeClr val="accent1"/>
+          </a:effectRef>
+          <a:fontRef idx="minor">
+            <a:schemeClr val="tx1"/>
+          </a:fontRef>
+        </p:style>
+        <p:txBody>
+          <a:bodyPr rtlCol="0" anchor="ctr"/>
+          <a:lstStyle/>
+          <a:p>
+            <a:pPr algn="ctr"/>
+            <a:endParaRPr lang="en-US"/>
+          </a:p>
+        </p:txBody>
+      </p:sp>
+      <p:sp>
+        <p:nvSpPr>
+          <p:cNvPr id="13" name="CuadroTexto 11">
+            <a:extLst>
+              <a:ext uri="{FF2B5EF4-FFF2-40B4-BE49-F238E27FC236}">
+                <a16:creationId xmlns:a16="http://schemas.microsoft.com/office/drawing/2014/main" id="{CF3FDF2B-9698-4A49-B614-F1B2A80C9D47}"/>
+              </a:ext>
+            </a:extLst>
+          </p:cNvPr>
+          <p:cNvSpPr txBox="1"/>
+          <p:nvPr/>
+        </p:nvSpPr>
+        <p:spPr>
+          <a:xfrm>
+            <a:off x="639949" y="3923411"/>
+            <a:ext cx="306421" cy="307777"/>
+          </a:xfrm>
+          <a:prstGeom prst="rect">
+            <a:avLst/>
+          </a:prstGeom>
+          <a:noFill/>
+        </p:spPr>
+        <p:txBody>
+          <a:bodyPr wrap="square">
+            <a:spAutoFit/>
+          </a:bodyPr>
+          <a:lstStyle/>
+          <a:p>
+            <a:r>
+              <a:rPr lang="es-ES" b="1" dirty="0">
                 <a:solidFill>
-                  <a:srgbClr val="FFFFFF"/>
+                  <a:schemeClr val="bg1"/>
                 </a:solidFill>
-              </a14:hiddenFill>
-            </a:ext>
-          </a:extLst>
-        </p:spPr>
-      </p:pic>
+                <a:latin typeface="Arial Black" panose="020B0A04020102020204" pitchFamily="34" charset="0"/>
+              </a:rPr>
+              <a:t>3</a:t>
+            </a:r>
+          </a:p>
+        </p:txBody>
+      </p:sp>
     </p:spTree>
     <p:extLst>
       <p:ext uri="{BB962C8B-B14F-4D97-AF65-F5344CB8AC3E}">
@@ -7353,7 +8283,7 @@
 </p:sld>
 </file>
 
-<file path=ppt/slides/slide6.xml><?xml version="1.0" encoding="utf-8"?>
+<file path=ppt/slides/slide7.xml><?xml version="1.0" encoding="utf-8"?>
 <p:sld xmlns:a="http://schemas.openxmlformats.org/drawingml/2006/main" xmlns:r="http://schemas.openxmlformats.org/officeDocument/2006/relationships" xmlns:p="http://schemas.openxmlformats.org/presentationml/2006/main">
   <p:cSld>
     <p:spTree>
@@ -7512,15 +8442,7 @@
               <a:srgbClr val="C0C0C0"/>
             </a:contourClr>
           </a:sp3d>
-          <a:extLst>
-            <a:ext uri="{909E8E84-426E-40DD-AFC4-6F175D3DCCD1}">
-              <a14:hiddenFill xmlns:a14="http://schemas.microsoft.com/office/drawing/2010/main">
-                <a:solidFill>
-                  <a:srgbClr val="FFFFFF"/>
-                </a:solidFill>
-              </a14:hiddenFill>
-            </a:ext>
-          </a:extLst>
+          <a:extLst/>
         </p:spPr>
       </p:pic>
       <p:pic>
@@ -7584,15 +8506,7 @@
               <a:srgbClr val="C0C0C0"/>
             </a:contourClr>
           </a:sp3d>
-          <a:extLst>
-            <a:ext uri="{909E8E84-426E-40DD-AFC4-6F175D3DCCD1}">
-              <a14:hiddenFill xmlns:a14="http://schemas.microsoft.com/office/drawing/2010/main">
-                <a:solidFill>
-                  <a:srgbClr val="FFFFFF"/>
-                </a:solidFill>
-              </a14:hiddenFill>
-            </a:ext>
-          </a:extLst>
+          <a:extLst/>
         </p:spPr>
       </p:pic>
     </p:spTree>
@@ -7603,7 +8517,7 @@
 </p:sld>
 </file>
 
-<file path=ppt/slides/slide7.xml><?xml version="1.0" encoding="utf-8"?>
+<file path=ppt/slides/slide8.xml><?xml version="1.0" encoding="utf-8"?>
 <p:sld xmlns:a="http://schemas.openxmlformats.org/drawingml/2006/main" xmlns:r="http://schemas.openxmlformats.org/officeDocument/2006/relationships" xmlns:p="http://schemas.openxmlformats.org/presentationml/2006/main">
   <p:cSld>
     <p:spTree>
@@ -7762,15 +8676,7 @@
               <a:srgbClr val="C0C0C0"/>
             </a:contourClr>
           </a:sp3d>
-          <a:extLst>
-            <a:ext uri="{909E8E84-426E-40DD-AFC4-6F175D3DCCD1}">
-              <a14:hiddenFill xmlns:a14="http://schemas.microsoft.com/office/drawing/2010/main">
-                <a:solidFill>
-                  <a:srgbClr val="FFFFFF"/>
-                </a:solidFill>
-              </a14:hiddenFill>
-            </a:ext>
-          </a:extLst>
+          <a:extLst/>
         </p:spPr>
       </p:pic>
       <p:pic>
@@ -7834,15 +8740,7 @@
               <a:srgbClr val="C0C0C0"/>
             </a:contourClr>
           </a:sp3d>
-          <a:extLst>
-            <a:ext uri="{909E8E84-426E-40DD-AFC4-6F175D3DCCD1}">
-              <a14:hiddenFill xmlns:a14="http://schemas.microsoft.com/office/drawing/2010/main">
-                <a:solidFill>
-                  <a:srgbClr val="FFFFFF"/>
-                </a:solidFill>
-              </a14:hiddenFill>
-            </a:ext>
-          </a:extLst>
+          <a:extLst/>
         </p:spPr>
       </p:pic>
       <p:pic>
@@ -7906,15 +8804,7 @@
               <a:srgbClr val="C0C0C0"/>
             </a:contourClr>
           </a:sp3d>
-          <a:extLst>
-            <a:ext uri="{909E8E84-426E-40DD-AFC4-6F175D3DCCD1}">
-              <a14:hiddenFill xmlns:a14="http://schemas.microsoft.com/office/drawing/2010/main">
-                <a:solidFill>
-                  <a:srgbClr val="FFFFFF"/>
-                </a:solidFill>
-              </a14:hiddenFill>
-            </a:ext>
-          </a:extLst>
+          <a:extLst/>
         </p:spPr>
       </p:pic>
       <p:sp>
@@ -8050,7 +8940,7 @@
 </p:sld>
 </file>
 
-<file path=ppt/slides/slide8.xml><?xml version="1.0" encoding="utf-8"?>
+<file path=ppt/slides/slide9.xml><?xml version="1.0" encoding="utf-8"?>
 <p:sld xmlns:a="http://schemas.openxmlformats.org/drawingml/2006/main" xmlns:r="http://schemas.openxmlformats.org/officeDocument/2006/relationships" xmlns:p="http://schemas.openxmlformats.org/presentationml/2006/main">
   <p:cSld>
     <p:bg>

--- a/Team_Lasso.pptx
+++ b/Team_Lasso.pptx
@@ -1,34 +1,35 @@
 
 <file path=ppt/presentation.xml><?xml version="1.0" encoding="utf-8"?>
-<p:presentation xmlns:a="http://schemas.openxmlformats.org/drawingml/2006/main" xmlns:r="http://schemas.openxmlformats.org/officeDocument/2006/relationships" xmlns:mc="http://schemas.openxmlformats.org/markup-compatibility/2006" xmlns:mv="urn:schemas-microsoft-com:mac:vml" xmlns:p="http://schemas.openxmlformats.org/presentationml/2006/main" xmlns:c="http://schemas.openxmlformats.org/drawingml/2006/chart" xmlns:dgm="http://schemas.openxmlformats.org/drawingml/2006/diagram" xmlns:o="urn:schemas-microsoft-com:office:office" xmlns:v="urn:schemas-microsoft-com:vml" xmlns:pvml="urn:schemas-microsoft-com:office:powerpoint" xmlns:com="http://schemas.openxmlformats.org/drawingml/2006/compatibility" xmlns:p14="http://schemas.microsoft.com/office/powerpoint/2010/main" xmlns:p15="http://schemas.microsoft.com/office/powerpoint/2012/main" xmlns:ahyp="http://schemas.microsoft.com/office/drawing/2018/hyperlinkcolor" autoCompressPictures="0" embedTrueTypeFonts="1" strictFirstAndLastChars="0" saveSubsetFonts="1">
+<p:presentation xmlns:a="http://schemas.openxmlformats.org/drawingml/2006/main" xmlns:r="http://schemas.openxmlformats.org/officeDocument/2006/relationships" xmlns:p="http://schemas.openxmlformats.org/presentationml/2006/main" strictFirstAndLastChars="0" embedTrueTypeFonts="1" saveSubsetFonts="1" autoCompressPictures="0">
   <p:sldMasterIdLst>
-    <p:sldMasterId id="2147483648" r:id="rId4"/>
+    <p:sldMasterId id="2147483648" r:id="rId1"/>
   </p:sldMasterIdLst>
   <p:notesMasterIdLst>
-    <p:notesMasterId r:id="rId5"/>
+    <p:notesMasterId r:id="rId12"/>
   </p:notesMasterIdLst>
   <p:sldIdLst>
-    <p:sldId id="256" r:id="rId6"/>
-    <p:sldId id="257" r:id="rId7"/>
-    <p:sldId id="258" r:id="rId8"/>
-    <p:sldId id="259" r:id="rId9"/>
-    <p:sldId id="260" r:id="rId10"/>
-    <p:sldId id="261" r:id="rId11"/>
-    <p:sldId id="262" r:id="rId12"/>
-    <p:sldId id="263" r:id="rId13"/>
-    <p:sldId id="264" r:id="rId14"/>
-    <p:sldId id="265" r:id="rId15"/>
+    <p:sldId id="256" r:id="rId2"/>
+    <p:sldId id="257" r:id="rId3"/>
+    <p:sldId id="258" r:id="rId4"/>
+    <p:sldId id="259" r:id="rId5"/>
+    <p:sldId id="260" r:id="rId6"/>
+    <p:sldId id="261" r:id="rId7"/>
+    <p:sldId id="262" r:id="rId8"/>
+    <p:sldId id="263" r:id="rId9"/>
+    <p:sldId id="264" r:id="rId10"/>
+    <p:sldId id="265" r:id="rId11"/>
   </p:sldIdLst>
-  <p:sldSz cy="5143500" cx="9144000"/>
+  <p:sldSz cx="9144000" cy="5143500" type="screen16x9"/>
   <p:notesSz cx="6858000" cy="9144000"/>
   <p:embeddedFontLst>
     <p:embeddedFont>
-      <p:font typeface="Arial Black"/>
-      <p:regular r:id="rId16"/>
+      <p:font typeface="Arial Black" panose="020B0A04020102020204" pitchFamily="34" charset="0"/>
+      <p:regular r:id="rId13"/>
+      <p:bold r:id="rId14"/>
     </p:embeddedFont>
   </p:embeddedFontLst>
   <p:defaultTextStyle>
-    <a:defPPr lvl="0" marR="0" rtl="0" algn="l">
+    <a:defPPr marR="0" lvl="0" algn="l" rtl="0">
       <a:lnSpc>
         <a:spcPct val="100000"/>
       </a:lnSpc>
@@ -39,7 +40,7 @@
         <a:spcPts val="0"/>
       </a:spcAft>
     </a:defPPr>
-    <a:lvl1pPr lvl="0" marR="0" rtl="0" algn="l">
+    <a:lvl1pPr marR="0" lvl="0" algn="l" rtl="0">
       <a:lnSpc>
         <a:spcPct val="100000"/>
       </a:lnSpc>
@@ -53,7 +54,7 @@
         <a:srgbClr val="000000"/>
       </a:buClr>
       <a:buFont typeface="Arial"/>
-      <a:defRPr b="0" i="0" sz="1400" u="none" cap="none" strike="noStrike">
+      <a:defRPr sz="1400" b="0" i="0" u="none" strike="noStrike" cap="none">
         <a:solidFill>
           <a:srgbClr val="000000"/>
         </a:solidFill>
@@ -63,7 +64,7 @@
         <a:sym typeface="Arial"/>
       </a:defRPr>
     </a:lvl1pPr>
-    <a:lvl2pPr lvl="1" marR="0" rtl="0" algn="l">
+    <a:lvl2pPr marR="0" lvl="1" algn="l" rtl="0">
       <a:lnSpc>
         <a:spcPct val="100000"/>
       </a:lnSpc>
@@ -77,7 +78,7 @@
         <a:srgbClr val="000000"/>
       </a:buClr>
       <a:buFont typeface="Arial"/>
-      <a:defRPr b="0" i="0" sz="1400" u="none" cap="none" strike="noStrike">
+      <a:defRPr sz="1400" b="0" i="0" u="none" strike="noStrike" cap="none">
         <a:solidFill>
           <a:srgbClr val="000000"/>
         </a:solidFill>
@@ -87,7 +88,7 @@
         <a:sym typeface="Arial"/>
       </a:defRPr>
     </a:lvl2pPr>
-    <a:lvl3pPr lvl="2" marR="0" rtl="0" algn="l">
+    <a:lvl3pPr marR="0" lvl="2" algn="l" rtl="0">
       <a:lnSpc>
         <a:spcPct val="100000"/>
       </a:lnSpc>
@@ -101,7 +102,7 @@
         <a:srgbClr val="000000"/>
       </a:buClr>
       <a:buFont typeface="Arial"/>
-      <a:defRPr b="0" i="0" sz="1400" u="none" cap="none" strike="noStrike">
+      <a:defRPr sz="1400" b="0" i="0" u="none" strike="noStrike" cap="none">
         <a:solidFill>
           <a:srgbClr val="000000"/>
         </a:solidFill>
@@ -111,7 +112,7 @@
         <a:sym typeface="Arial"/>
       </a:defRPr>
     </a:lvl3pPr>
-    <a:lvl4pPr lvl="3" marR="0" rtl="0" algn="l">
+    <a:lvl4pPr marR="0" lvl="3" algn="l" rtl="0">
       <a:lnSpc>
         <a:spcPct val="100000"/>
       </a:lnSpc>
@@ -125,7 +126,7 @@
         <a:srgbClr val="000000"/>
       </a:buClr>
       <a:buFont typeface="Arial"/>
-      <a:defRPr b="0" i="0" sz="1400" u="none" cap="none" strike="noStrike">
+      <a:defRPr sz="1400" b="0" i="0" u="none" strike="noStrike" cap="none">
         <a:solidFill>
           <a:srgbClr val="000000"/>
         </a:solidFill>
@@ -135,7 +136,7 @@
         <a:sym typeface="Arial"/>
       </a:defRPr>
     </a:lvl4pPr>
-    <a:lvl5pPr lvl="4" marR="0" rtl="0" algn="l">
+    <a:lvl5pPr marR="0" lvl="4" algn="l" rtl="0">
       <a:lnSpc>
         <a:spcPct val="100000"/>
       </a:lnSpc>
@@ -149,7 +150,7 @@
         <a:srgbClr val="000000"/>
       </a:buClr>
       <a:buFont typeface="Arial"/>
-      <a:defRPr b="0" i="0" sz="1400" u="none" cap="none" strike="noStrike">
+      <a:defRPr sz="1400" b="0" i="0" u="none" strike="noStrike" cap="none">
         <a:solidFill>
           <a:srgbClr val="000000"/>
         </a:solidFill>
@@ -159,7 +160,7 @@
         <a:sym typeface="Arial"/>
       </a:defRPr>
     </a:lvl5pPr>
-    <a:lvl6pPr lvl="5" marR="0" rtl="0" algn="l">
+    <a:lvl6pPr marR="0" lvl="5" algn="l" rtl="0">
       <a:lnSpc>
         <a:spcPct val="100000"/>
       </a:lnSpc>
@@ -173,7 +174,7 @@
         <a:srgbClr val="000000"/>
       </a:buClr>
       <a:buFont typeface="Arial"/>
-      <a:defRPr b="0" i="0" sz="1400" u="none" cap="none" strike="noStrike">
+      <a:defRPr sz="1400" b="0" i="0" u="none" strike="noStrike" cap="none">
         <a:solidFill>
           <a:srgbClr val="000000"/>
         </a:solidFill>
@@ -183,7 +184,7 @@
         <a:sym typeface="Arial"/>
       </a:defRPr>
     </a:lvl6pPr>
-    <a:lvl7pPr lvl="6" marR="0" rtl="0" algn="l">
+    <a:lvl7pPr marR="0" lvl="6" algn="l" rtl="0">
       <a:lnSpc>
         <a:spcPct val="100000"/>
       </a:lnSpc>
@@ -197,7 +198,7 @@
         <a:srgbClr val="000000"/>
       </a:buClr>
       <a:buFont typeface="Arial"/>
-      <a:defRPr b="0" i="0" sz="1400" u="none" cap="none" strike="noStrike">
+      <a:defRPr sz="1400" b="0" i="0" u="none" strike="noStrike" cap="none">
         <a:solidFill>
           <a:srgbClr val="000000"/>
         </a:solidFill>
@@ -207,7 +208,7 @@
         <a:sym typeface="Arial"/>
       </a:defRPr>
     </a:lvl7pPr>
-    <a:lvl8pPr lvl="7" marR="0" rtl="0" algn="l">
+    <a:lvl8pPr marR="0" lvl="7" algn="l" rtl="0">
       <a:lnSpc>
         <a:spcPct val="100000"/>
       </a:lnSpc>
@@ -221,7 +222,7 @@
         <a:srgbClr val="000000"/>
       </a:buClr>
       <a:buFont typeface="Arial"/>
-      <a:defRPr b="0" i="0" sz="1400" u="none" cap="none" strike="noStrike">
+      <a:defRPr sz="1400" b="0" i="0" u="none" strike="noStrike" cap="none">
         <a:solidFill>
           <a:srgbClr val="000000"/>
         </a:solidFill>
@@ -231,7 +232,7 @@
         <a:sym typeface="Arial"/>
       </a:defRPr>
     </a:lvl8pPr>
-    <a:lvl9pPr lvl="8" marR="0" rtl="0" algn="l">
+    <a:lvl9pPr marR="0" lvl="8" algn="l" rtl="0">
       <a:lnSpc>
         <a:spcPct val="100000"/>
       </a:lnSpc>
@@ -245,7 +246,7 @@
         <a:srgbClr val="000000"/>
       </a:buClr>
       <a:buFont typeface="Arial"/>
-      <a:defRPr b="0" i="0" sz="1400" u="none" cap="none" strike="noStrike">
+      <a:defRPr sz="1400" b="0" i="0" u="none" strike="noStrike" cap="none">
         <a:solidFill>
           <a:srgbClr val="000000"/>
         </a:solidFill>
@@ -258,7 +259,7 @@
   </p:defaultTextStyle>
   <p:extLst>
     <p:ext uri="{EFAFB233-063F-42B5-8137-9DF3F51BA10A}">
-      <p15:sldGuideLst>
+      <p15:sldGuideLst xmlns:p15="http://schemas.microsoft.com/office/powerpoint/2012/main">
         <p15:guide id="1" orient="horz" pos="1620">
           <p15:clr>
             <a:srgbClr val="747775"/>
@@ -272,25 +273,26 @@
       </p15:sldGuideLst>
     </p:ext>
     <p:ext uri="GoogleSlidesCustomDataVersion2">
-      <go:slidesCustomData xmlns:go="http://customooxmlschemas.google.com/" r:id="rId17" roundtripDataSignature="AMtx7mig9ZvPOMZkaIT4abj+H+A+LBpkpQ=="/>
+      <go:slidesCustomData xmlns:go="http://customooxmlschemas.google.com/" xmlns:ahyp="http://schemas.microsoft.com/office/drawing/2018/hyperlinkcolor" xmlns:p15="http://schemas.microsoft.com/office/powerpoint/2012/main" xmlns:p14="http://schemas.microsoft.com/office/powerpoint/2010/main" xmlns:com="http://schemas.openxmlformats.org/drawingml/2006/compatibility" xmlns:pvml="urn:schemas-microsoft-com:office:powerpoint" xmlns:v="urn:schemas-microsoft-com:vml" xmlns:o="urn:schemas-microsoft-com:office:office" xmlns:dgm="http://schemas.openxmlformats.org/drawingml/2006/diagram" xmlns:c="http://schemas.openxmlformats.org/drawingml/2006/chart" xmlns:mv="urn:schemas-microsoft-com:mac:vml" xmlns:mc="http://schemas.openxmlformats.org/markup-compatibility/2006" xmlns="" r:id="rId17" roundtripDataSignature="AMtx7mig9ZvPOMZkaIT4abj+H+A+LBpkpQ=="/>
     </p:ext>
   </p:extLst>
 </p:presentation>
 </file>
 
 <file path=ppt/notesMasters/notesMaster1.xml><?xml version="1.0" encoding="utf-8"?>
-<p:notesMaster xmlns:a="http://schemas.openxmlformats.org/drawingml/2006/main" xmlns:r="http://schemas.openxmlformats.org/officeDocument/2006/relationships" xmlns:mc="http://schemas.openxmlformats.org/markup-compatibility/2006" xmlns:mv="urn:schemas-microsoft-com:mac:vml" xmlns:p="http://schemas.openxmlformats.org/presentationml/2006/main" xmlns:c="http://schemas.openxmlformats.org/drawingml/2006/chart" xmlns:dgm="http://schemas.openxmlformats.org/drawingml/2006/diagram" xmlns:o="urn:schemas-microsoft-com:office:office" xmlns:v="urn:schemas-microsoft-com:vml" xmlns:pvml="urn:schemas-microsoft-com:office:powerpoint" xmlns:com="http://schemas.openxmlformats.org/drawingml/2006/compatibility" xmlns:p14="http://schemas.microsoft.com/office/powerpoint/2010/main" xmlns:p15="http://schemas.microsoft.com/office/powerpoint/2012/main" xmlns:ahyp="http://schemas.microsoft.com/office/drawing/2018/hyperlinkcolor">
+<p:notesMaster xmlns:a="http://schemas.openxmlformats.org/drawingml/2006/main" xmlns:r="http://schemas.openxmlformats.org/officeDocument/2006/relationships" xmlns:p="http://schemas.openxmlformats.org/presentationml/2006/main">
   <p:cSld>
     <p:bg>
       <p:bgPr>
         <a:solidFill>
           <a:schemeClr val="lt1"/>
         </a:solidFill>
+        <a:effectLst/>
       </p:bgPr>
     </p:bg>
     <p:spTree>
       <p:nvGrpSpPr>
-        <p:cNvPr id="2" name="Shape 2"/>
+        <p:cNvPr id="1" name="Shape 2"/>
         <p:cNvGrpSpPr/>
         <p:nvPr/>
       </p:nvGrpSpPr>
@@ -305,9 +307,11 @@
       <p:sp>
         <p:nvSpPr>
           <p:cNvPr id="3" name="Google Shape;3;n"/>
-          <p:cNvSpPr/>
+          <p:cNvSpPr>
+            <a:spLocks noGrp="1" noRot="1" noChangeAspect="1"/>
+          </p:cNvSpPr>
           <p:nvPr>
-            <p:ph idx="2" type="sldImg"/>
+            <p:ph type="sldImg" idx="2"/>
           </p:nvPr>
         </p:nvSpPr>
         <p:spPr>
@@ -316,9 +320,13 @@
             <a:ext cx="6096075" cy="3429000"/>
           </a:xfrm>
           <a:custGeom>
-            <a:rect b="b" l="l" r="r" t="t"/>
+            <a:avLst/>
+            <a:gdLst/>
+            <a:ahLst/>
+            <a:cxnLst/>
+            <a:rect l="l" t="t" r="r" b="b"/>
             <a:pathLst>
-              <a:path extrusionOk="0" h="120000" w="120000">
+              <a:path w="120000" h="120000" extrusionOk="0">
                 <a:moveTo>
                   <a:pt x="0" y="0"/>
                 </a:moveTo>
@@ -336,23 +344,25 @@
             </a:pathLst>
           </a:custGeom>
           <a:noFill/>
-          <a:ln cap="flat" cmpd="sng" w="9525">
+          <a:ln w="9525" cap="flat" cmpd="sng">
             <a:solidFill>
               <a:srgbClr val="000000"/>
             </a:solidFill>
             <a:prstDash val="solid"/>
             <a:round/>
-            <a:headEnd len="sm" w="sm" type="none"/>
-            <a:tailEnd len="sm" w="sm" type="none"/>
+            <a:headEnd type="none" w="sm" len="sm"/>
+            <a:tailEnd type="none" w="sm" len="sm"/>
           </a:ln>
         </p:spPr>
       </p:sp>
       <p:sp>
         <p:nvSpPr>
           <p:cNvPr id="4" name="Google Shape;4;n"/>
-          <p:cNvSpPr txBox="1"/>
+          <p:cNvSpPr txBox="1">
+            <a:spLocks noGrp="1"/>
+          </p:cNvSpPr>
           <p:nvPr>
-            <p:ph idx="1" type="body"/>
+            <p:ph type="body" idx="1"/>
           </p:nvPr>
         </p:nvSpPr>
         <p:spPr>
@@ -369,11 +379,11 @@
           </a:ln>
         </p:spPr>
         <p:txBody>
-          <a:bodyPr anchorCtr="0" anchor="t" bIns="91425" lIns="91425" spcFirstLastPara="1" rIns="91425" wrap="square" tIns="91425">
+          <a:bodyPr spcFirstLastPara="1" wrap="square" lIns="91425" tIns="91425" rIns="91425" bIns="91425" anchor="t" anchorCtr="0">
             <a:noAutofit/>
           </a:bodyPr>
           <a:lstStyle>
-            <a:lvl1pPr indent="-298450" lvl="0" marL="457200" marR="0" rtl="0" algn="l">
+            <a:lvl1pPr marL="457200" marR="0" lvl="0" indent="-298450" algn="l" rtl="0">
               <a:lnSpc>
                 <a:spcPct val="100000"/>
               </a:lnSpc>
@@ -389,7 +399,7 @@
               <a:buSzPts val="1100"/>
               <a:buFont typeface="Arial"/>
               <a:buChar char="●"/>
-              <a:defRPr b="0" i="0" sz="1100" u="none" cap="none" strike="noStrike">
+              <a:defRPr sz="1100" b="0" i="0" u="none" strike="noStrike" cap="none">
                 <a:solidFill>
                   <a:srgbClr val="000000"/>
                 </a:solidFill>
@@ -399,7 +409,7 @@
                 <a:sym typeface="Arial"/>
               </a:defRPr>
             </a:lvl1pPr>
-            <a:lvl2pPr indent="-298450" lvl="1" marL="914400" marR="0" rtl="0" algn="l">
+            <a:lvl2pPr marL="914400" marR="0" lvl="1" indent="-298450" algn="l" rtl="0">
               <a:lnSpc>
                 <a:spcPct val="100000"/>
               </a:lnSpc>
@@ -415,7 +425,7 @@
               <a:buSzPts val="1100"/>
               <a:buFont typeface="Arial"/>
               <a:buChar char="○"/>
-              <a:defRPr b="0" i="0" sz="1100" u="none" cap="none" strike="noStrike">
+              <a:defRPr sz="1100" b="0" i="0" u="none" strike="noStrike" cap="none">
                 <a:solidFill>
                   <a:srgbClr val="000000"/>
                 </a:solidFill>
@@ -425,7 +435,7 @@
                 <a:sym typeface="Arial"/>
               </a:defRPr>
             </a:lvl2pPr>
-            <a:lvl3pPr indent="-298450" lvl="2" marL="1371600" marR="0" rtl="0" algn="l">
+            <a:lvl3pPr marL="1371600" marR="0" lvl="2" indent="-298450" algn="l" rtl="0">
               <a:lnSpc>
                 <a:spcPct val="100000"/>
               </a:lnSpc>
@@ -441,7 +451,7 @@
               <a:buSzPts val="1100"/>
               <a:buFont typeface="Arial"/>
               <a:buChar char="■"/>
-              <a:defRPr b="0" i="0" sz="1100" u="none" cap="none" strike="noStrike">
+              <a:defRPr sz="1100" b="0" i="0" u="none" strike="noStrike" cap="none">
                 <a:solidFill>
                   <a:srgbClr val="000000"/>
                 </a:solidFill>
@@ -451,7 +461,7 @@
                 <a:sym typeface="Arial"/>
               </a:defRPr>
             </a:lvl3pPr>
-            <a:lvl4pPr indent="-298450" lvl="3" marL="1828800" marR="0" rtl="0" algn="l">
+            <a:lvl4pPr marL="1828800" marR="0" lvl="3" indent="-298450" algn="l" rtl="0">
               <a:lnSpc>
                 <a:spcPct val="100000"/>
               </a:lnSpc>
@@ -467,7 +477,7 @@
               <a:buSzPts val="1100"/>
               <a:buFont typeface="Arial"/>
               <a:buChar char="●"/>
-              <a:defRPr b="0" i="0" sz="1100" u="none" cap="none" strike="noStrike">
+              <a:defRPr sz="1100" b="0" i="0" u="none" strike="noStrike" cap="none">
                 <a:solidFill>
                   <a:srgbClr val="000000"/>
                 </a:solidFill>
@@ -477,7 +487,7 @@
                 <a:sym typeface="Arial"/>
               </a:defRPr>
             </a:lvl4pPr>
-            <a:lvl5pPr indent="-298450" lvl="4" marL="2286000" marR="0" rtl="0" algn="l">
+            <a:lvl5pPr marL="2286000" marR="0" lvl="4" indent="-298450" algn="l" rtl="0">
               <a:lnSpc>
                 <a:spcPct val="100000"/>
               </a:lnSpc>
@@ -493,7 +503,7 @@
               <a:buSzPts val="1100"/>
               <a:buFont typeface="Arial"/>
               <a:buChar char="○"/>
-              <a:defRPr b="0" i="0" sz="1100" u="none" cap="none" strike="noStrike">
+              <a:defRPr sz="1100" b="0" i="0" u="none" strike="noStrike" cap="none">
                 <a:solidFill>
                   <a:srgbClr val="000000"/>
                 </a:solidFill>
@@ -503,7 +513,7 @@
                 <a:sym typeface="Arial"/>
               </a:defRPr>
             </a:lvl5pPr>
-            <a:lvl6pPr indent="-298450" lvl="5" marL="2743200" marR="0" rtl="0" algn="l">
+            <a:lvl6pPr marL="2743200" marR="0" lvl="5" indent="-298450" algn="l" rtl="0">
               <a:lnSpc>
                 <a:spcPct val="100000"/>
               </a:lnSpc>
@@ -519,7 +529,7 @@
               <a:buSzPts val="1100"/>
               <a:buFont typeface="Arial"/>
               <a:buChar char="■"/>
-              <a:defRPr b="0" i="0" sz="1100" u="none" cap="none" strike="noStrike">
+              <a:defRPr sz="1100" b="0" i="0" u="none" strike="noStrike" cap="none">
                 <a:solidFill>
                   <a:srgbClr val="000000"/>
                 </a:solidFill>
@@ -529,7 +539,7 @@
                 <a:sym typeface="Arial"/>
               </a:defRPr>
             </a:lvl6pPr>
-            <a:lvl7pPr indent="-298450" lvl="6" marL="3200400" marR="0" rtl="0" algn="l">
+            <a:lvl7pPr marL="3200400" marR="0" lvl="6" indent="-298450" algn="l" rtl="0">
               <a:lnSpc>
                 <a:spcPct val="100000"/>
               </a:lnSpc>
@@ -545,7 +555,7 @@
               <a:buSzPts val="1100"/>
               <a:buFont typeface="Arial"/>
               <a:buChar char="●"/>
-              <a:defRPr b="0" i="0" sz="1100" u="none" cap="none" strike="noStrike">
+              <a:defRPr sz="1100" b="0" i="0" u="none" strike="noStrike" cap="none">
                 <a:solidFill>
                   <a:srgbClr val="000000"/>
                 </a:solidFill>
@@ -555,7 +565,7 @@
                 <a:sym typeface="Arial"/>
               </a:defRPr>
             </a:lvl7pPr>
-            <a:lvl8pPr indent="-298450" lvl="7" marL="3657600" marR="0" rtl="0" algn="l">
+            <a:lvl8pPr marL="3657600" marR="0" lvl="7" indent="-298450" algn="l" rtl="0">
               <a:lnSpc>
                 <a:spcPct val="100000"/>
               </a:lnSpc>
@@ -571,7 +581,7 @@
               <a:buSzPts val="1100"/>
               <a:buFont typeface="Arial"/>
               <a:buChar char="○"/>
-              <a:defRPr b="0" i="0" sz="1100" u="none" cap="none" strike="noStrike">
+              <a:defRPr sz="1100" b="0" i="0" u="none" strike="noStrike" cap="none">
                 <a:solidFill>
                   <a:srgbClr val="000000"/>
                 </a:solidFill>
@@ -581,7 +591,7 @@
                 <a:sym typeface="Arial"/>
               </a:defRPr>
             </a:lvl8pPr>
-            <a:lvl9pPr indent="-298450" lvl="8" marL="4114800" marR="0" rtl="0" algn="l">
+            <a:lvl9pPr marL="4114800" marR="0" lvl="8" indent="-298450" algn="l" rtl="0">
               <a:lnSpc>
                 <a:spcPct val="100000"/>
               </a:lnSpc>
@@ -597,7 +607,7 @@
               <a:buSzPts val="1100"/>
               <a:buFont typeface="Arial"/>
               <a:buChar char="■"/>
-              <a:defRPr b="0" i="0" sz="1100" u="none" cap="none" strike="noStrike">
+              <a:defRPr sz="1100" b="0" i="0" u="none" strike="noStrike" cap="none">
                 <a:solidFill>
                   <a:srgbClr val="000000"/>
                 </a:solidFill>
@@ -608,14 +618,16 @@
               </a:defRPr>
             </a:lvl9pPr>
           </a:lstStyle>
-          <a:p/>
+          <a:p>
+            <a:endParaRPr/>
+          </a:p>
         </p:txBody>
       </p:sp>
     </p:spTree>
   </p:cSld>
-  <p:clrMap accent1="accent1" accent2="accent2" accent3="accent3" accent4="accent4" accent5="accent5" accent6="accent6" bg1="lt1" bg2="dk2" tx1="dk1" tx2="lt2" folHlink="folHlink" hlink="hlink"/>
+  <p:clrMap bg1="lt1" tx1="dk1" bg2="dk2" tx2="lt2" accent1="accent1" accent2="accent2" accent3="accent3" accent4="accent4" accent5="accent5" accent6="accent6" hlink="hlink" folHlink="folHlink"/>
   <p:notesStyle>
-    <a:defPPr lvl="0" marR="0" rtl="0" algn="l">
+    <a:defPPr marR="0" lvl="0" algn="l" rtl="0">
       <a:lnSpc>
         <a:spcPct val="100000"/>
       </a:lnSpc>
@@ -626,7 +638,7 @@
         <a:spcPts val="0"/>
       </a:spcAft>
     </a:defPPr>
-    <a:lvl1pPr lvl="0" marR="0" rtl="0" algn="l">
+    <a:lvl1pPr marR="0" lvl="0" algn="l" rtl="0">
       <a:lnSpc>
         <a:spcPct val="100000"/>
       </a:lnSpc>
@@ -640,7 +652,7 @@
         <a:srgbClr val="000000"/>
       </a:buClr>
       <a:buFont typeface="Arial"/>
-      <a:defRPr b="0" i="0" sz="1400" u="none" cap="none" strike="noStrike">
+      <a:defRPr sz="1400" b="0" i="0" u="none" strike="noStrike" cap="none">
         <a:solidFill>
           <a:srgbClr val="000000"/>
         </a:solidFill>
@@ -650,7 +662,7 @@
         <a:sym typeface="Arial"/>
       </a:defRPr>
     </a:lvl1pPr>
-    <a:lvl2pPr lvl="1" marR="0" rtl="0" algn="l">
+    <a:lvl2pPr marR="0" lvl="1" algn="l" rtl="0">
       <a:lnSpc>
         <a:spcPct val="100000"/>
       </a:lnSpc>
@@ -664,7 +676,7 @@
         <a:srgbClr val="000000"/>
       </a:buClr>
       <a:buFont typeface="Arial"/>
-      <a:defRPr b="0" i="0" sz="1400" u="none" cap="none" strike="noStrike">
+      <a:defRPr sz="1400" b="0" i="0" u="none" strike="noStrike" cap="none">
         <a:solidFill>
           <a:srgbClr val="000000"/>
         </a:solidFill>
@@ -674,7 +686,7 @@
         <a:sym typeface="Arial"/>
       </a:defRPr>
     </a:lvl2pPr>
-    <a:lvl3pPr lvl="2" marR="0" rtl="0" algn="l">
+    <a:lvl3pPr marR="0" lvl="2" algn="l" rtl="0">
       <a:lnSpc>
         <a:spcPct val="100000"/>
       </a:lnSpc>
@@ -688,7 +700,7 @@
         <a:srgbClr val="000000"/>
       </a:buClr>
       <a:buFont typeface="Arial"/>
-      <a:defRPr b="0" i="0" sz="1400" u="none" cap="none" strike="noStrike">
+      <a:defRPr sz="1400" b="0" i="0" u="none" strike="noStrike" cap="none">
         <a:solidFill>
           <a:srgbClr val="000000"/>
         </a:solidFill>
@@ -698,7 +710,7 @@
         <a:sym typeface="Arial"/>
       </a:defRPr>
     </a:lvl3pPr>
-    <a:lvl4pPr lvl="3" marR="0" rtl="0" algn="l">
+    <a:lvl4pPr marR="0" lvl="3" algn="l" rtl="0">
       <a:lnSpc>
         <a:spcPct val="100000"/>
       </a:lnSpc>
@@ -712,7 +724,7 @@
         <a:srgbClr val="000000"/>
       </a:buClr>
       <a:buFont typeface="Arial"/>
-      <a:defRPr b="0" i="0" sz="1400" u="none" cap="none" strike="noStrike">
+      <a:defRPr sz="1400" b="0" i="0" u="none" strike="noStrike" cap="none">
         <a:solidFill>
           <a:srgbClr val="000000"/>
         </a:solidFill>
@@ -722,7 +734,7 @@
         <a:sym typeface="Arial"/>
       </a:defRPr>
     </a:lvl4pPr>
-    <a:lvl5pPr lvl="4" marR="0" rtl="0" algn="l">
+    <a:lvl5pPr marR="0" lvl="4" algn="l" rtl="0">
       <a:lnSpc>
         <a:spcPct val="100000"/>
       </a:lnSpc>
@@ -736,7 +748,7 @@
         <a:srgbClr val="000000"/>
       </a:buClr>
       <a:buFont typeface="Arial"/>
-      <a:defRPr b="0" i="0" sz="1400" u="none" cap="none" strike="noStrike">
+      <a:defRPr sz="1400" b="0" i="0" u="none" strike="noStrike" cap="none">
         <a:solidFill>
           <a:srgbClr val="000000"/>
         </a:solidFill>
@@ -746,7 +758,7 @@
         <a:sym typeface="Arial"/>
       </a:defRPr>
     </a:lvl5pPr>
-    <a:lvl6pPr lvl="5" marR="0" rtl="0" algn="l">
+    <a:lvl6pPr marR="0" lvl="5" algn="l" rtl="0">
       <a:lnSpc>
         <a:spcPct val="100000"/>
       </a:lnSpc>
@@ -760,7 +772,7 @@
         <a:srgbClr val="000000"/>
       </a:buClr>
       <a:buFont typeface="Arial"/>
-      <a:defRPr b="0" i="0" sz="1400" u="none" cap="none" strike="noStrike">
+      <a:defRPr sz="1400" b="0" i="0" u="none" strike="noStrike" cap="none">
         <a:solidFill>
           <a:srgbClr val="000000"/>
         </a:solidFill>
@@ -770,7 +782,7 @@
         <a:sym typeface="Arial"/>
       </a:defRPr>
     </a:lvl6pPr>
-    <a:lvl7pPr lvl="6" marR="0" rtl="0" algn="l">
+    <a:lvl7pPr marR="0" lvl="6" algn="l" rtl="0">
       <a:lnSpc>
         <a:spcPct val="100000"/>
       </a:lnSpc>
@@ -784,7 +796,7 @@
         <a:srgbClr val="000000"/>
       </a:buClr>
       <a:buFont typeface="Arial"/>
-      <a:defRPr b="0" i="0" sz="1400" u="none" cap="none" strike="noStrike">
+      <a:defRPr sz="1400" b="0" i="0" u="none" strike="noStrike" cap="none">
         <a:solidFill>
           <a:srgbClr val="000000"/>
         </a:solidFill>
@@ -794,7 +806,7 @@
         <a:sym typeface="Arial"/>
       </a:defRPr>
     </a:lvl7pPr>
-    <a:lvl8pPr lvl="7" marR="0" rtl="0" algn="l">
+    <a:lvl8pPr marR="0" lvl="7" algn="l" rtl="0">
       <a:lnSpc>
         <a:spcPct val="100000"/>
       </a:lnSpc>
@@ -808,7 +820,7 @@
         <a:srgbClr val="000000"/>
       </a:buClr>
       <a:buFont typeface="Arial"/>
-      <a:defRPr b="0" i="0" sz="1400" u="none" cap="none" strike="noStrike">
+      <a:defRPr sz="1400" b="0" i="0" u="none" strike="noStrike" cap="none">
         <a:solidFill>
           <a:srgbClr val="000000"/>
         </a:solidFill>
@@ -818,7 +830,7 @@
         <a:sym typeface="Arial"/>
       </a:defRPr>
     </a:lvl8pPr>
-    <a:lvl9pPr lvl="8" marR="0" rtl="0" algn="l">
+    <a:lvl9pPr marR="0" lvl="8" algn="l" rtl="0">
       <a:lnSpc>
         <a:spcPct val="100000"/>
       </a:lnSpc>
@@ -832,7 +844,7 @@
         <a:srgbClr val="000000"/>
       </a:buClr>
       <a:buFont typeface="Arial"/>
-      <a:defRPr b="0" i="0" sz="1400" u="none" cap="none" strike="noStrike">
+      <a:defRPr sz="1400" b="0" i="0" u="none" strike="noStrike" cap="none">
         <a:solidFill>
           <a:srgbClr val="000000"/>
         </a:solidFill>
@@ -847,11 +859,11 @@
 </file>
 
 <file path=ppt/notesSlides/notesSlide1.xml><?xml version="1.0" encoding="utf-8"?>
-<p:notes xmlns:a="http://schemas.openxmlformats.org/drawingml/2006/main" xmlns:r="http://schemas.openxmlformats.org/officeDocument/2006/relationships" xmlns:mc="http://schemas.openxmlformats.org/markup-compatibility/2006" xmlns:mv="urn:schemas-microsoft-com:mac:vml" xmlns:p="http://schemas.openxmlformats.org/presentationml/2006/main" xmlns:c="http://schemas.openxmlformats.org/drawingml/2006/chart" xmlns:dgm="http://schemas.openxmlformats.org/drawingml/2006/diagram" xmlns:o="urn:schemas-microsoft-com:office:office" xmlns:v="urn:schemas-microsoft-com:vml" xmlns:pvml="urn:schemas-microsoft-com:office:powerpoint" xmlns:com="http://schemas.openxmlformats.org/drawingml/2006/compatibility" xmlns:p14="http://schemas.microsoft.com/office/powerpoint/2010/main" xmlns:p15="http://schemas.microsoft.com/office/powerpoint/2012/main" xmlns:ahyp="http://schemas.microsoft.com/office/drawing/2018/hyperlinkcolor" showMasterPhAnim="0" showMasterSp="0">
+<p:notes xmlns:a="http://schemas.openxmlformats.org/drawingml/2006/main" xmlns:r="http://schemas.openxmlformats.org/officeDocument/2006/relationships" xmlns:p="http://schemas.openxmlformats.org/presentationml/2006/main" showMasterSp="0" showMasterPhAnim="0">
   <p:cSld>
     <p:spTree>
       <p:nvGrpSpPr>
-        <p:cNvPr id="50" name="Shape 50"/>
+        <p:cNvPr id="1" name="Shape 50"/>
         <p:cNvGrpSpPr/>
         <p:nvPr/>
       </p:nvGrpSpPr>
@@ -866,9 +878,11 @@
       <p:sp>
         <p:nvSpPr>
           <p:cNvPr id="51" name="Google Shape;51;p1:notes"/>
-          <p:cNvSpPr/>
+          <p:cNvSpPr>
+            <a:spLocks noGrp="1" noRot="1" noChangeAspect="1"/>
+          </p:cNvSpPr>
           <p:nvPr>
-            <p:ph idx="2" type="sldImg"/>
+            <p:ph type="sldImg" idx="2"/>
           </p:nvPr>
         </p:nvSpPr>
         <p:spPr>
@@ -877,9 +891,13 @@
             <a:ext cx="6096000" cy="3429000"/>
           </a:xfrm>
           <a:custGeom>
-            <a:rect b="b" l="l" r="r" t="t"/>
+            <a:avLst/>
+            <a:gdLst/>
+            <a:ahLst/>
+            <a:cxnLst/>
+            <a:rect l="l" t="t" r="r" b="b"/>
             <a:pathLst>
-              <a:path extrusionOk="0" h="120000" w="120000">
+              <a:path w="120000" h="120000" extrusionOk="0">
                 <a:moveTo>
                   <a:pt x="0" y="0"/>
                 </a:moveTo>
@@ -897,23 +915,25 @@
             </a:pathLst>
           </a:custGeom>
           <a:noFill/>
-          <a:ln cap="flat" cmpd="sng" w="9525">
+          <a:ln w="9525" cap="flat" cmpd="sng">
             <a:solidFill>
               <a:srgbClr val="000000"/>
             </a:solidFill>
             <a:prstDash val="solid"/>
             <a:round/>
-            <a:headEnd len="sm" w="sm" type="none"/>
-            <a:tailEnd len="sm" w="sm" type="none"/>
+            <a:headEnd type="none" w="sm" len="sm"/>
+            <a:tailEnd type="none" w="sm" len="sm"/>
           </a:ln>
         </p:spPr>
       </p:sp>
       <p:sp>
         <p:nvSpPr>
           <p:cNvPr id="52" name="Google Shape;52;p1:notes"/>
-          <p:cNvSpPr txBox="1"/>
+          <p:cNvSpPr txBox="1">
+            <a:spLocks noGrp="1"/>
+          </p:cNvSpPr>
           <p:nvPr>
-            <p:ph idx="1" type="body"/>
+            <p:ph type="body" idx="1"/>
           </p:nvPr>
         </p:nvSpPr>
         <p:spPr>
@@ -930,12 +950,12 @@
           </a:ln>
         </p:spPr>
         <p:txBody>
-          <a:bodyPr anchorCtr="0" anchor="t" bIns="91425" lIns="91425" spcFirstLastPara="1" rIns="91425" wrap="square" tIns="91425">
+          <a:bodyPr spcFirstLastPara="1" wrap="square" lIns="91425" tIns="91425" rIns="91425" bIns="91425" anchor="t" anchorCtr="0">
             <a:noAutofit/>
           </a:bodyPr>
           <a:lstStyle/>
           <a:p>
-            <a:pPr indent="0" lvl="0" marL="0" rtl="0" algn="l">
+            <a:pPr marL="0" lvl="0" indent="0" algn="l" rtl="0">
               <a:lnSpc>
                 <a:spcPct val="100000"/>
               </a:lnSpc>
@@ -948,9 +968,6 @@
               <a:buSzPts val="1100"/>
               <a:buNone/>
             </a:pPr>
-            <a:r>
-              <a:t/>
-            </a:r>
             <a:endParaRPr/>
           </a:p>
         </p:txBody>
@@ -964,11 +981,11 @@
 </file>
 
 <file path=ppt/notesSlides/notesSlide10.xml><?xml version="1.0" encoding="utf-8"?>
-<p:notes xmlns:a="http://schemas.openxmlformats.org/drawingml/2006/main" xmlns:r="http://schemas.openxmlformats.org/officeDocument/2006/relationships" xmlns:mc="http://schemas.openxmlformats.org/markup-compatibility/2006" xmlns:mv="urn:schemas-microsoft-com:mac:vml" xmlns:p="http://schemas.openxmlformats.org/presentationml/2006/main" xmlns:c="http://schemas.openxmlformats.org/drawingml/2006/chart" xmlns:dgm="http://schemas.openxmlformats.org/drawingml/2006/diagram" xmlns:o="urn:schemas-microsoft-com:office:office" xmlns:v="urn:schemas-microsoft-com:vml" xmlns:pvml="urn:schemas-microsoft-com:office:powerpoint" xmlns:com="http://schemas.openxmlformats.org/drawingml/2006/compatibility" xmlns:p14="http://schemas.microsoft.com/office/powerpoint/2010/main" xmlns:p15="http://schemas.microsoft.com/office/powerpoint/2012/main" xmlns:ahyp="http://schemas.microsoft.com/office/drawing/2018/hyperlinkcolor" showMasterPhAnim="0" showMasterSp="0">
+<p:notes xmlns:a="http://schemas.openxmlformats.org/drawingml/2006/main" xmlns:r="http://schemas.openxmlformats.org/officeDocument/2006/relationships" xmlns:p="http://schemas.openxmlformats.org/presentationml/2006/main" showMasterSp="0" showMasterPhAnim="0">
   <p:cSld>
     <p:spTree>
       <p:nvGrpSpPr>
-        <p:cNvPr id="123" name="Shape 123"/>
+        <p:cNvPr id="1" name="Shape 123"/>
         <p:cNvGrpSpPr/>
         <p:nvPr/>
       </p:nvGrpSpPr>
@@ -983,9 +1000,11 @@
       <p:sp>
         <p:nvSpPr>
           <p:cNvPr id="124" name="Google Shape;124;p9:notes"/>
-          <p:cNvSpPr/>
+          <p:cNvSpPr>
+            <a:spLocks noGrp="1" noRot="1" noChangeAspect="1"/>
+          </p:cNvSpPr>
           <p:nvPr>
-            <p:ph idx="2" type="sldImg"/>
+            <p:ph type="sldImg" idx="2"/>
           </p:nvPr>
         </p:nvSpPr>
         <p:spPr>
@@ -994,9 +1013,13 @@
             <a:ext cx="6096000" cy="3429000"/>
           </a:xfrm>
           <a:custGeom>
-            <a:rect b="b" l="l" r="r" t="t"/>
+            <a:avLst/>
+            <a:gdLst/>
+            <a:ahLst/>
+            <a:cxnLst/>
+            <a:rect l="l" t="t" r="r" b="b"/>
             <a:pathLst>
-              <a:path extrusionOk="0" h="120000" w="120000">
+              <a:path w="120000" h="120000" extrusionOk="0">
                 <a:moveTo>
                   <a:pt x="0" y="0"/>
                 </a:moveTo>
@@ -1014,23 +1037,25 @@
             </a:pathLst>
           </a:custGeom>
           <a:noFill/>
-          <a:ln cap="flat" cmpd="sng" w="9525">
+          <a:ln w="9525" cap="flat" cmpd="sng">
             <a:solidFill>
               <a:srgbClr val="000000"/>
             </a:solidFill>
             <a:prstDash val="solid"/>
             <a:round/>
-            <a:headEnd len="sm" w="sm" type="none"/>
-            <a:tailEnd len="sm" w="sm" type="none"/>
+            <a:headEnd type="none" w="sm" len="sm"/>
+            <a:tailEnd type="none" w="sm" len="sm"/>
           </a:ln>
         </p:spPr>
       </p:sp>
       <p:sp>
         <p:nvSpPr>
           <p:cNvPr id="125" name="Google Shape;125;p9:notes"/>
-          <p:cNvSpPr txBox="1"/>
+          <p:cNvSpPr txBox="1">
+            <a:spLocks noGrp="1"/>
+          </p:cNvSpPr>
           <p:nvPr>
-            <p:ph idx="1" type="body"/>
+            <p:ph type="body" idx="1"/>
           </p:nvPr>
         </p:nvSpPr>
         <p:spPr>
@@ -1047,12 +1072,12 @@
           </a:ln>
         </p:spPr>
         <p:txBody>
-          <a:bodyPr anchorCtr="0" anchor="t" bIns="91425" lIns="91425" spcFirstLastPara="1" rIns="91425" wrap="square" tIns="91425">
+          <a:bodyPr spcFirstLastPara="1" wrap="square" lIns="91425" tIns="91425" rIns="91425" bIns="91425" anchor="t" anchorCtr="0">
             <a:noAutofit/>
           </a:bodyPr>
           <a:lstStyle/>
           <a:p>
-            <a:pPr indent="0" lvl="0" marL="0" rtl="0" algn="l">
+            <a:pPr marL="0" lvl="0" indent="0" algn="l" rtl="0">
               <a:lnSpc>
                 <a:spcPct val="100000"/>
               </a:lnSpc>
@@ -1065,9 +1090,6 @@
               <a:buSzPts val="1100"/>
               <a:buNone/>
             </a:pPr>
-            <a:r>
-              <a:t/>
-            </a:r>
             <a:endParaRPr/>
           </a:p>
         </p:txBody>
@@ -1081,11 +1103,11 @@
 </file>
 
 <file path=ppt/notesSlides/notesSlide2.xml><?xml version="1.0" encoding="utf-8"?>
-<p:notes xmlns:a="http://schemas.openxmlformats.org/drawingml/2006/main" xmlns:r="http://schemas.openxmlformats.org/officeDocument/2006/relationships" xmlns:mc="http://schemas.openxmlformats.org/markup-compatibility/2006" xmlns:mv="urn:schemas-microsoft-com:mac:vml" xmlns:p="http://schemas.openxmlformats.org/presentationml/2006/main" xmlns:c="http://schemas.openxmlformats.org/drawingml/2006/chart" xmlns:dgm="http://schemas.openxmlformats.org/drawingml/2006/diagram" xmlns:o="urn:schemas-microsoft-com:office:office" xmlns:v="urn:schemas-microsoft-com:vml" xmlns:pvml="urn:schemas-microsoft-com:office:powerpoint" xmlns:com="http://schemas.openxmlformats.org/drawingml/2006/compatibility" xmlns:p14="http://schemas.microsoft.com/office/powerpoint/2010/main" xmlns:p15="http://schemas.microsoft.com/office/powerpoint/2012/main" xmlns:ahyp="http://schemas.microsoft.com/office/drawing/2018/hyperlinkcolor" showMasterPhAnim="0" showMasterSp="0">
+<p:notes xmlns:a="http://schemas.openxmlformats.org/drawingml/2006/main" xmlns:r="http://schemas.openxmlformats.org/officeDocument/2006/relationships" xmlns:p="http://schemas.openxmlformats.org/presentationml/2006/main" showMasterSp="0" showMasterPhAnim="0">
   <p:cSld>
     <p:spTree>
       <p:nvGrpSpPr>
-        <p:cNvPr id="57" name="Shape 57"/>
+        <p:cNvPr id="1" name="Shape 57"/>
         <p:cNvGrpSpPr/>
         <p:nvPr/>
       </p:nvGrpSpPr>
@@ -1100,9 +1122,11 @@
       <p:sp>
         <p:nvSpPr>
           <p:cNvPr id="58" name="Google Shape;58;p2:notes"/>
-          <p:cNvSpPr/>
+          <p:cNvSpPr>
+            <a:spLocks noGrp="1" noRot="1" noChangeAspect="1"/>
+          </p:cNvSpPr>
           <p:nvPr>
-            <p:ph idx="2" type="sldImg"/>
+            <p:ph type="sldImg" idx="2"/>
           </p:nvPr>
         </p:nvSpPr>
         <p:spPr>
@@ -1111,9 +1135,13 @@
             <a:ext cx="6096000" cy="3429000"/>
           </a:xfrm>
           <a:custGeom>
-            <a:rect b="b" l="l" r="r" t="t"/>
+            <a:avLst/>
+            <a:gdLst/>
+            <a:ahLst/>
+            <a:cxnLst/>
+            <a:rect l="l" t="t" r="r" b="b"/>
             <a:pathLst>
-              <a:path extrusionOk="0" h="120000" w="120000">
+              <a:path w="120000" h="120000" extrusionOk="0">
                 <a:moveTo>
                   <a:pt x="0" y="0"/>
                 </a:moveTo>
@@ -1131,23 +1159,25 @@
             </a:pathLst>
           </a:custGeom>
           <a:noFill/>
-          <a:ln cap="flat" cmpd="sng" w="9525">
+          <a:ln w="9525" cap="flat" cmpd="sng">
             <a:solidFill>
               <a:srgbClr val="000000"/>
             </a:solidFill>
             <a:prstDash val="solid"/>
             <a:round/>
-            <a:headEnd len="sm" w="sm" type="none"/>
-            <a:tailEnd len="sm" w="sm" type="none"/>
+            <a:headEnd type="none" w="sm" len="sm"/>
+            <a:tailEnd type="none" w="sm" len="sm"/>
           </a:ln>
         </p:spPr>
       </p:sp>
       <p:sp>
         <p:nvSpPr>
           <p:cNvPr id="59" name="Google Shape;59;p2:notes"/>
-          <p:cNvSpPr txBox="1"/>
+          <p:cNvSpPr txBox="1">
+            <a:spLocks noGrp="1"/>
+          </p:cNvSpPr>
           <p:nvPr>
-            <p:ph idx="1" type="body"/>
+            <p:ph type="body" idx="1"/>
           </p:nvPr>
         </p:nvSpPr>
         <p:spPr>
@@ -1164,12 +1194,12 @@
           </a:ln>
         </p:spPr>
         <p:txBody>
-          <a:bodyPr anchorCtr="0" anchor="t" bIns="91425" lIns="91425" spcFirstLastPara="1" rIns="91425" wrap="square" tIns="91425">
+          <a:bodyPr spcFirstLastPara="1" wrap="square" lIns="91425" tIns="91425" rIns="91425" bIns="91425" anchor="t" anchorCtr="0">
             <a:noAutofit/>
           </a:bodyPr>
           <a:lstStyle/>
           <a:p>
-            <a:pPr indent="0" lvl="0" marL="0" rtl="0" algn="l">
+            <a:pPr marL="0" lvl="0" indent="0" algn="l" rtl="0">
               <a:lnSpc>
                 <a:spcPct val="100000"/>
               </a:lnSpc>
@@ -1182,9 +1212,6 @@
               <a:buSzPts val="1100"/>
               <a:buNone/>
             </a:pPr>
-            <a:r>
-              <a:t/>
-            </a:r>
             <a:endParaRPr/>
           </a:p>
         </p:txBody>
@@ -1198,11 +1225,11 @@
 </file>
 
 <file path=ppt/notesSlides/notesSlide3.xml><?xml version="1.0" encoding="utf-8"?>
-<p:notes xmlns:a="http://schemas.openxmlformats.org/drawingml/2006/main" xmlns:r="http://schemas.openxmlformats.org/officeDocument/2006/relationships" xmlns:mc="http://schemas.openxmlformats.org/markup-compatibility/2006" xmlns:mv="urn:schemas-microsoft-com:mac:vml" xmlns:p="http://schemas.openxmlformats.org/presentationml/2006/main" xmlns:c="http://schemas.openxmlformats.org/drawingml/2006/chart" xmlns:dgm="http://schemas.openxmlformats.org/drawingml/2006/diagram" xmlns:o="urn:schemas-microsoft-com:office:office" xmlns:v="urn:schemas-microsoft-com:vml" xmlns:pvml="urn:schemas-microsoft-com:office:powerpoint" xmlns:com="http://schemas.openxmlformats.org/drawingml/2006/compatibility" xmlns:p14="http://schemas.microsoft.com/office/powerpoint/2010/main" xmlns:p15="http://schemas.microsoft.com/office/powerpoint/2012/main" xmlns:ahyp="http://schemas.microsoft.com/office/drawing/2018/hyperlinkcolor" showMasterPhAnim="0" showMasterSp="0">
+<p:notes xmlns:a="http://schemas.openxmlformats.org/drawingml/2006/main" xmlns:r="http://schemas.openxmlformats.org/officeDocument/2006/relationships" xmlns:p="http://schemas.openxmlformats.org/presentationml/2006/main" showMasterSp="0" showMasterPhAnim="0">
   <p:cSld>
     <p:spTree>
       <p:nvGrpSpPr>
-        <p:cNvPr id="63" name="Shape 63"/>
+        <p:cNvPr id="1" name="Shape 63"/>
         <p:cNvGrpSpPr/>
         <p:nvPr/>
       </p:nvGrpSpPr>
@@ -1217,9 +1244,11 @@
       <p:sp>
         <p:nvSpPr>
           <p:cNvPr id="64" name="Google Shape;64;p3:notes"/>
-          <p:cNvSpPr/>
+          <p:cNvSpPr>
+            <a:spLocks noGrp="1" noRot="1" noChangeAspect="1"/>
+          </p:cNvSpPr>
           <p:nvPr>
-            <p:ph idx="2" type="sldImg"/>
+            <p:ph type="sldImg" idx="2"/>
           </p:nvPr>
         </p:nvSpPr>
         <p:spPr>
@@ -1228,9 +1257,13 @@
             <a:ext cx="6096000" cy="3429000"/>
           </a:xfrm>
           <a:custGeom>
-            <a:rect b="b" l="l" r="r" t="t"/>
+            <a:avLst/>
+            <a:gdLst/>
+            <a:ahLst/>
+            <a:cxnLst/>
+            <a:rect l="l" t="t" r="r" b="b"/>
             <a:pathLst>
-              <a:path extrusionOk="0" h="120000" w="120000">
+              <a:path w="120000" h="120000" extrusionOk="0">
                 <a:moveTo>
                   <a:pt x="0" y="0"/>
                 </a:moveTo>
@@ -1248,23 +1281,25 @@
             </a:pathLst>
           </a:custGeom>
           <a:noFill/>
-          <a:ln cap="flat" cmpd="sng" w="9525">
+          <a:ln w="9525" cap="flat" cmpd="sng">
             <a:solidFill>
               <a:srgbClr val="000000"/>
             </a:solidFill>
             <a:prstDash val="solid"/>
             <a:round/>
-            <a:headEnd len="sm" w="sm" type="none"/>
-            <a:tailEnd len="sm" w="sm" type="none"/>
+            <a:headEnd type="none" w="sm" len="sm"/>
+            <a:tailEnd type="none" w="sm" len="sm"/>
           </a:ln>
         </p:spPr>
       </p:sp>
       <p:sp>
         <p:nvSpPr>
           <p:cNvPr id="65" name="Google Shape;65;p3:notes"/>
-          <p:cNvSpPr txBox="1"/>
+          <p:cNvSpPr txBox="1">
+            <a:spLocks noGrp="1"/>
+          </p:cNvSpPr>
           <p:nvPr>
-            <p:ph idx="1" type="body"/>
+            <p:ph type="body" idx="1"/>
           </p:nvPr>
         </p:nvSpPr>
         <p:spPr>
@@ -1281,12 +1316,12 @@
           </a:ln>
         </p:spPr>
         <p:txBody>
-          <a:bodyPr anchorCtr="0" anchor="t" bIns="91425" lIns="91425" spcFirstLastPara="1" rIns="91425" wrap="square" tIns="91425">
+          <a:bodyPr spcFirstLastPara="1" wrap="square" lIns="91425" tIns="91425" rIns="91425" bIns="91425" anchor="t" anchorCtr="0">
             <a:noAutofit/>
           </a:bodyPr>
           <a:lstStyle/>
           <a:p>
-            <a:pPr indent="0" lvl="0" marL="0" rtl="0" algn="l">
+            <a:pPr marL="0" lvl="0" indent="0" algn="l" rtl="0">
               <a:lnSpc>
                 <a:spcPct val="100000"/>
               </a:lnSpc>
@@ -1299,9 +1334,6 @@
               <a:buSzPts val="1100"/>
               <a:buNone/>
             </a:pPr>
-            <a:r>
-              <a:t/>
-            </a:r>
             <a:endParaRPr/>
           </a:p>
         </p:txBody>
@@ -1315,11 +1347,11 @@
 </file>
 
 <file path=ppt/notesSlides/notesSlide4.xml><?xml version="1.0" encoding="utf-8"?>
-<p:notes xmlns:a="http://schemas.openxmlformats.org/drawingml/2006/main" xmlns:r="http://schemas.openxmlformats.org/officeDocument/2006/relationships" xmlns:mc="http://schemas.openxmlformats.org/markup-compatibility/2006" xmlns:mv="urn:schemas-microsoft-com:mac:vml" xmlns:p="http://schemas.openxmlformats.org/presentationml/2006/main" xmlns:c="http://schemas.openxmlformats.org/drawingml/2006/chart" xmlns:dgm="http://schemas.openxmlformats.org/drawingml/2006/diagram" xmlns:o="urn:schemas-microsoft-com:office:office" xmlns:v="urn:schemas-microsoft-com:vml" xmlns:pvml="urn:schemas-microsoft-com:office:powerpoint" xmlns:com="http://schemas.openxmlformats.org/drawingml/2006/compatibility" xmlns:p14="http://schemas.microsoft.com/office/powerpoint/2010/main" xmlns:p15="http://schemas.microsoft.com/office/powerpoint/2012/main" xmlns:ahyp="http://schemas.microsoft.com/office/drawing/2018/hyperlinkcolor" showMasterPhAnim="0" showMasterSp="0">
+<p:notes xmlns:a="http://schemas.openxmlformats.org/drawingml/2006/main" xmlns:r="http://schemas.openxmlformats.org/officeDocument/2006/relationships" xmlns:p="http://schemas.openxmlformats.org/presentationml/2006/main" showMasterSp="0" showMasterPhAnim="0">
   <p:cSld>
     <p:spTree>
       <p:nvGrpSpPr>
-        <p:cNvPr id="69" name="Shape 69"/>
+        <p:cNvPr id="1" name="Shape 69"/>
         <p:cNvGrpSpPr/>
         <p:nvPr/>
       </p:nvGrpSpPr>
@@ -1334,9 +1366,11 @@
       <p:sp>
         <p:nvSpPr>
           <p:cNvPr id="70" name="Google Shape;70;p4:notes"/>
-          <p:cNvSpPr/>
+          <p:cNvSpPr>
+            <a:spLocks noGrp="1" noRot="1" noChangeAspect="1"/>
+          </p:cNvSpPr>
           <p:nvPr>
-            <p:ph idx="2" type="sldImg"/>
+            <p:ph type="sldImg" idx="2"/>
           </p:nvPr>
         </p:nvSpPr>
         <p:spPr>
@@ -1345,9 +1379,13 @@
             <a:ext cx="6096000" cy="3429000"/>
           </a:xfrm>
           <a:custGeom>
-            <a:rect b="b" l="l" r="r" t="t"/>
+            <a:avLst/>
+            <a:gdLst/>
+            <a:ahLst/>
+            <a:cxnLst/>
+            <a:rect l="l" t="t" r="r" b="b"/>
             <a:pathLst>
-              <a:path extrusionOk="0" h="120000" w="120000">
+              <a:path w="120000" h="120000" extrusionOk="0">
                 <a:moveTo>
                   <a:pt x="0" y="0"/>
                 </a:moveTo>
@@ -1365,23 +1403,25 @@
             </a:pathLst>
           </a:custGeom>
           <a:noFill/>
-          <a:ln cap="flat" cmpd="sng" w="9525">
+          <a:ln w="9525" cap="flat" cmpd="sng">
             <a:solidFill>
               <a:srgbClr val="000000"/>
             </a:solidFill>
             <a:prstDash val="solid"/>
             <a:round/>
-            <a:headEnd len="sm" w="sm" type="none"/>
-            <a:tailEnd len="sm" w="sm" type="none"/>
+            <a:headEnd type="none" w="sm" len="sm"/>
+            <a:tailEnd type="none" w="sm" len="sm"/>
           </a:ln>
         </p:spPr>
       </p:sp>
       <p:sp>
         <p:nvSpPr>
           <p:cNvPr id="71" name="Google Shape;71;p4:notes"/>
-          <p:cNvSpPr txBox="1"/>
+          <p:cNvSpPr txBox="1">
+            <a:spLocks noGrp="1"/>
+          </p:cNvSpPr>
           <p:nvPr>
-            <p:ph idx="1" type="body"/>
+            <p:ph type="body" idx="1"/>
           </p:nvPr>
         </p:nvSpPr>
         <p:spPr>
@@ -1398,12 +1438,12 @@
           </a:ln>
         </p:spPr>
         <p:txBody>
-          <a:bodyPr anchorCtr="0" anchor="t" bIns="91425" lIns="91425" spcFirstLastPara="1" rIns="91425" wrap="square" tIns="91425">
+          <a:bodyPr spcFirstLastPara="1" wrap="square" lIns="91425" tIns="91425" rIns="91425" bIns="91425" anchor="t" anchorCtr="0">
             <a:noAutofit/>
           </a:bodyPr>
           <a:lstStyle/>
           <a:p>
-            <a:pPr indent="0" lvl="0" marL="0" rtl="0" algn="l">
+            <a:pPr marL="0" lvl="0" indent="0" algn="l" rtl="0">
               <a:lnSpc>
                 <a:spcPct val="100000"/>
               </a:lnSpc>
@@ -1416,9 +1456,6 @@
               <a:buSzPts val="1100"/>
               <a:buNone/>
             </a:pPr>
-            <a:r>
-              <a:t/>
-            </a:r>
             <a:endParaRPr/>
           </a:p>
         </p:txBody>
@@ -1432,11 +1469,11 @@
 </file>
 
 <file path=ppt/notesSlides/notesSlide5.xml><?xml version="1.0" encoding="utf-8"?>
-<p:notes xmlns:a="http://schemas.openxmlformats.org/drawingml/2006/main" xmlns:r="http://schemas.openxmlformats.org/officeDocument/2006/relationships" xmlns:mc="http://schemas.openxmlformats.org/markup-compatibility/2006" xmlns:mv="urn:schemas-microsoft-com:mac:vml" xmlns:p="http://schemas.openxmlformats.org/presentationml/2006/main" xmlns:c="http://schemas.openxmlformats.org/drawingml/2006/chart" xmlns:dgm="http://schemas.openxmlformats.org/drawingml/2006/diagram" xmlns:o="urn:schemas-microsoft-com:office:office" xmlns:v="urn:schemas-microsoft-com:vml" xmlns:pvml="urn:schemas-microsoft-com:office:powerpoint" xmlns:com="http://schemas.openxmlformats.org/drawingml/2006/compatibility" xmlns:p14="http://schemas.microsoft.com/office/powerpoint/2010/main" xmlns:p15="http://schemas.microsoft.com/office/powerpoint/2012/main" xmlns:ahyp="http://schemas.microsoft.com/office/drawing/2018/hyperlinkcolor" showMasterPhAnim="0" showMasterSp="0">
+<p:notes xmlns:a="http://schemas.openxmlformats.org/drawingml/2006/main" xmlns:r="http://schemas.openxmlformats.org/officeDocument/2006/relationships" xmlns:p="http://schemas.openxmlformats.org/presentationml/2006/main" showMasterSp="0" showMasterPhAnim="0">
   <p:cSld>
     <p:spTree>
       <p:nvGrpSpPr>
-        <p:cNvPr id="76" name="Shape 76"/>
+        <p:cNvPr id="1" name="Shape 76"/>
         <p:cNvGrpSpPr/>
         <p:nvPr/>
       </p:nvGrpSpPr>
@@ -1451,9 +1488,11 @@
       <p:sp>
         <p:nvSpPr>
           <p:cNvPr id="77" name="Google Shape;77;g32a2a586186_0_5:notes"/>
-          <p:cNvSpPr/>
+          <p:cNvSpPr>
+            <a:spLocks noGrp="1" noRot="1" noChangeAspect="1"/>
+          </p:cNvSpPr>
           <p:nvPr>
-            <p:ph idx="2" type="sldImg"/>
+            <p:ph type="sldImg" idx="2"/>
           </p:nvPr>
         </p:nvSpPr>
         <p:spPr>
@@ -1462,9 +1501,13 @@
             <a:ext cx="6096000" cy="3429000"/>
           </a:xfrm>
           <a:custGeom>
-            <a:rect b="b" l="l" r="r" t="t"/>
+            <a:avLst/>
+            <a:gdLst/>
+            <a:ahLst/>
+            <a:cxnLst/>
+            <a:rect l="l" t="t" r="r" b="b"/>
             <a:pathLst>
-              <a:path extrusionOk="0" h="120000" w="120000">
+              <a:path w="120000" h="120000" extrusionOk="0">
                 <a:moveTo>
                   <a:pt x="0" y="0"/>
                 </a:moveTo>
@@ -1482,23 +1525,25 @@
             </a:pathLst>
           </a:custGeom>
           <a:noFill/>
-          <a:ln cap="flat" cmpd="sng" w="9525">
+          <a:ln w="9525" cap="flat" cmpd="sng">
             <a:solidFill>
               <a:srgbClr val="000000"/>
             </a:solidFill>
             <a:prstDash val="solid"/>
             <a:round/>
-            <a:headEnd len="sm" w="sm" type="none"/>
-            <a:tailEnd len="sm" w="sm" type="none"/>
+            <a:headEnd type="none" w="sm" len="sm"/>
+            <a:tailEnd type="none" w="sm" len="sm"/>
           </a:ln>
         </p:spPr>
       </p:sp>
       <p:sp>
         <p:nvSpPr>
           <p:cNvPr id="78" name="Google Shape;78;g32a2a586186_0_5:notes"/>
-          <p:cNvSpPr txBox="1"/>
+          <p:cNvSpPr txBox="1">
+            <a:spLocks noGrp="1"/>
+          </p:cNvSpPr>
           <p:nvPr>
-            <p:ph idx="1" type="body"/>
+            <p:ph type="body" idx="1"/>
           </p:nvPr>
         </p:nvSpPr>
         <p:spPr>
@@ -1515,12 +1560,12 @@
           </a:ln>
         </p:spPr>
         <p:txBody>
-          <a:bodyPr anchorCtr="0" anchor="t" bIns="91425" lIns="91425" spcFirstLastPara="1" rIns="91425" wrap="square" tIns="91425">
+          <a:bodyPr spcFirstLastPara="1" wrap="square" lIns="91425" tIns="91425" rIns="91425" bIns="91425" anchor="t" anchorCtr="0">
             <a:noAutofit/>
           </a:bodyPr>
           <a:lstStyle/>
           <a:p>
-            <a:pPr indent="0" lvl="0" marL="0" rtl="0" algn="l">
+            <a:pPr marL="0" lvl="0" indent="0" algn="l" rtl="0">
               <a:lnSpc>
                 <a:spcPct val="100000"/>
               </a:lnSpc>
@@ -1533,9 +1578,6 @@
               <a:buSzPts val="1100"/>
               <a:buNone/>
             </a:pPr>
-            <a:r>
-              <a:t/>
-            </a:r>
             <a:endParaRPr/>
           </a:p>
         </p:txBody>
@@ -1549,11 +1591,11 @@
 </file>
 
 <file path=ppt/notesSlides/notesSlide6.xml><?xml version="1.0" encoding="utf-8"?>
-<p:notes xmlns:a="http://schemas.openxmlformats.org/drawingml/2006/main" xmlns:r="http://schemas.openxmlformats.org/officeDocument/2006/relationships" xmlns:mc="http://schemas.openxmlformats.org/markup-compatibility/2006" xmlns:mv="urn:schemas-microsoft-com:mac:vml" xmlns:p="http://schemas.openxmlformats.org/presentationml/2006/main" xmlns:c="http://schemas.openxmlformats.org/drawingml/2006/chart" xmlns:dgm="http://schemas.openxmlformats.org/drawingml/2006/diagram" xmlns:o="urn:schemas-microsoft-com:office:office" xmlns:v="urn:schemas-microsoft-com:vml" xmlns:pvml="urn:schemas-microsoft-com:office:powerpoint" xmlns:com="http://schemas.openxmlformats.org/drawingml/2006/compatibility" xmlns:p14="http://schemas.microsoft.com/office/powerpoint/2010/main" xmlns:p15="http://schemas.microsoft.com/office/powerpoint/2012/main" xmlns:ahyp="http://schemas.microsoft.com/office/drawing/2018/hyperlinkcolor" showMasterPhAnim="0" showMasterSp="0">
+<p:notes xmlns:a="http://schemas.openxmlformats.org/drawingml/2006/main" xmlns:r="http://schemas.openxmlformats.org/officeDocument/2006/relationships" xmlns:p="http://schemas.openxmlformats.org/presentationml/2006/main" showMasterSp="0" showMasterPhAnim="0">
   <p:cSld>
     <p:spTree>
       <p:nvGrpSpPr>
-        <p:cNvPr id="85" name="Shape 85"/>
+        <p:cNvPr id="1" name="Shape 85"/>
         <p:cNvGrpSpPr/>
         <p:nvPr/>
       </p:nvGrpSpPr>
@@ -1568,9 +1610,11 @@
       <p:sp>
         <p:nvSpPr>
           <p:cNvPr id="86" name="Google Shape;86;p5:notes"/>
-          <p:cNvSpPr/>
+          <p:cNvSpPr>
+            <a:spLocks noGrp="1" noRot="1" noChangeAspect="1"/>
+          </p:cNvSpPr>
           <p:nvPr>
-            <p:ph idx="2" type="sldImg"/>
+            <p:ph type="sldImg" idx="2"/>
           </p:nvPr>
         </p:nvSpPr>
         <p:spPr>
@@ -1579,9 +1623,13 @@
             <a:ext cx="6096000" cy="3429000"/>
           </a:xfrm>
           <a:custGeom>
-            <a:rect b="b" l="l" r="r" t="t"/>
+            <a:avLst/>
+            <a:gdLst/>
+            <a:ahLst/>
+            <a:cxnLst/>
+            <a:rect l="l" t="t" r="r" b="b"/>
             <a:pathLst>
-              <a:path extrusionOk="0" h="120000" w="120000">
+              <a:path w="120000" h="120000" extrusionOk="0">
                 <a:moveTo>
                   <a:pt x="0" y="0"/>
                 </a:moveTo>
@@ -1599,23 +1647,25 @@
             </a:pathLst>
           </a:custGeom>
           <a:noFill/>
-          <a:ln cap="flat" cmpd="sng" w="9525">
+          <a:ln w="9525" cap="flat" cmpd="sng">
             <a:solidFill>
               <a:srgbClr val="000000"/>
             </a:solidFill>
             <a:prstDash val="solid"/>
             <a:round/>
-            <a:headEnd len="sm" w="sm" type="none"/>
-            <a:tailEnd len="sm" w="sm" type="none"/>
+            <a:headEnd type="none" w="sm" len="sm"/>
+            <a:tailEnd type="none" w="sm" len="sm"/>
           </a:ln>
         </p:spPr>
       </p:sp>
       <p:sp>
         <p:nvSpPr>
           <p:cNvPr id="87" name="Google Shape;87;p5:notes"/>
-          <p:cNvSpPr txBox="1"/>
+          <p:cNvSpPr txBox="1">
+            <a:spLocks noGrp="1"/>
+          </p:cNvSpPr>
           <p:nvPr>
-            <p:ph idx="1" type="body"/>
+            <p:ph type="body" idx="1"/>
           </p:nvPr>
         </p:nvSpPr>
         <p:spPr>
@@ -1632,12 +1682,12 @@
           </a:ln>
         </p:spPr>
         <p:txBody>
-          <a:bodyPr anchorCtr="0" anchor="t" bIns="91425" lIns="91425" spcFirstLastPara="1" rIns="91425" wrap="square" tIns="91425">
+          <a:bodyPr spcFirstLastPara="1" wrap="square" lIns="91425" tIns="91425" rIns="91425" bIns="91425" anchor="t" anchorCtr="0">
             <a:noAutofit/>
           </a:bodyPr>
           <a:lstStyle/>
           <a:p>
-            <a:pPr indent="0" lvl="0" marL="0" rtl="0" algn="l">
+            <a:pPr marL="0" lvl="0" indent="0" algn="l" rtl="0">
               <a:lnSpc>
                 <a:spcPct val="100000"/>
               </a:lnSpc>
@@ -1650,9 +1700,6 @@
               <a:buSzPts val="1100"/>
               <a:buNone/>
             </a:pPr>
-            <a:r>
-              <a:t/>
-            </a:r>
             <a:endParaRPr/>
           </a:p>
         </p:txBody>
@@ -1666,11 +1713,11 @@
 </file>
 
 <file path=ppt/notesSlides/notesSlide7.xml><?xml version="1.0" encoding="utf-8"?>
-<p:notes xmlns:a="http://schemas.openxmlformats.org/drawingml/2006/main" xmlns:r="http://schemas.openxmlformats.org/officeDocument/2006/relationships" xmlns:mc="http://schemas.openxmlformats.org/markup-compatibility/2006" xmlns:mv="urn:schemas-microsoft-com:mac:vml" xmlns:p="http://schemas.openxmlformats.org/presentationml/2006/main" xmlns:c="http://schemas.openxmlformats.org/drawingml/2006/chart" xmlns:dgm="http://schemas.openxmlformats.org/drawingml/2006/diagram" xmlns:o="urn:schemas-microsoft-com:office:office" xmlns:v="urn:schemas-microsoft-com:vml" xmlns:pvml="urn:schemas-microsoft-com:office:powerpoint" xmlns:com="http://schemas.openxmlformats.org/drawingml/2006/compatibility" xmlns:p14="http://schemas.microsoft.com/office/powerpoint/2010/main" xmlns:p15="http://schemas.microsoft.com/office/powerpoint/2012/main" xmlns:ahyp="http://schemas.microsoft.com/office/drawing/2018/hyperlinkcolor" showMasterPhAnim="0" showMasterSp="0">
+<p:notes xmlns:a="http://schemas.openxmlformats.org/drawingml/2006/main" xmlns:r="http://schemas.openxmlformats.org/officeDocument/2006/relationships" xmlns:p="http://schemas.openxmlformats.org/presentationml/2006/main" showMasterSp="0" showMasterPhAnim="0">
   <p:cSld>
     <p:spTree>
       <p:nvGrpSpPr>
-        <p:cNvPr id="93" name="Shape 93"/>
+        <p:cNvPr id="1" name="Shape 93"/>
         <p:cNvGrpSpPr/>
         <p:nvPr/>
       </p:nvGrpSpPr>
@@ -1685,9 +1732,11 @@
       <p:sp>
         <p:nvSpPr>
           <p:cNvPr id="94" name="Google Shape;94;p6:notes"/>
-          <p:cNvSpPr/>
+          <p:cNvSpPr>
+            <a:spLocks noGrp="1" noRot="1" noChangeAspect="1"/>
+          </p:cNvSpPr>
           <p:nvPr>
-            <p:ph idx="2" type="sldImg"/>
+            <p:ph type="sldImg" idx="2"/>
           </p:nvPr>
         </p:nvSpPr>
         <p:spPr>
@@ -1696,9 +1745,13 @@
             <a:ext cx="6096000" cy="3429000"/>
           </a:xfrm>
           <a:custGeom>
-            <a:rect b="b" l="l" r="r" t="t"/>
+            <a:avLst/>
+            <a:gdLst/>
+            <a:ahLst/>
+            <a:cxnLst/>
+            <a:rect l="l" t="t" r="r" b="b"/>
             <a:pathLst>
-              <a:path extrusionOk="0" h="120000" w="120000">
+              <a:path w="120000" h="120000" extrusionOk="0">
                 <a:moveTo>
                   <a:pt x="0" y="0"/>
                 </a:moveTo>
@@ -1716,23 +1769,25 @@
             </a:pathLst>
           </a:custGeom>
           <a:noFill/>
-          <a:ln cap="flat" cmpd="sng" w="9525">
+          <a:ln w="9525" cap="flat" cmpd="sng">
             <a:solidFill>
               <a:srgbClr val="000000"/>
             </a:solidFill>
             <a:prstDash val="solid"/>
             <a:round/>
-            <a:headEnd len="sm" w="sm" type="none"/>
-            <a:tailEnd len="sm" w="sm" type="none"/>
+            <a:headEnd type="none" w="sm" len="sm"/>
+            <a:tailEnd type="none" w="sm" len="sm"/>
           </a:ln>
         </p:spPr>
       </p:sp>
       <p:sp>
         <p:nvSpPr>
           <p:cNvPr id="95" name="Google Shape;95;p6:notes"/>
-          <p:cNvSpPr txBox="1"/>
+          <p:cNvSpPr txBox="1">
+            <a:spLocks noGrp="1"/>
+          </p:cNvSpPr>
           <p:nvPr>
-            <p:ph idx="1" type="body"/>
+            <p:ph type="body" idx="1"/>
           </p:nvPr>
         </p:nvSpPr>
         <p:spPr>
@@ -1749,12 +1804,12 @@
           </a:ln>
         </p:spPr>
         <p:txBody>
-          <a:bodyPr anchorCtr="0" anchor="t" bIns="91425" lIns="91425" spcFirstLastPara="1" rIns="91425" wrap="square" tIns="91425">
+          <a:bodyPr spcFirstLastPara="1" wrap="square" lIns="91425" tIns="91425" rIns="91425" bIns="91425" anchor="t" anchorCtr="0">
             <a:noAutofit/>
           </a:bodyPr>
           <a:lstStyle/>
           <a:p>
-            <a:pPr indent="0" lvl="0" marL="0" rtl="0" algn="l">
+            <a:pPr marL="0" lvl="0" indent="0" algn="l" rtl="0">
               <a:lnSpc>
                 <a:spcPct val="100000"/>
               </a:lnSpc>
@@ -1767,9 +1822,6 @@
               <a:buSzPts val="1100"/>
               <a:buNone/>
             </a:pPr>
-            <a:r>
-              <a:t/>
-            </a:r>
             <a:endParaRPr/>
           </a:p>
         </p:txBody>
@@ -1783,11 +1835,11 @@
 </file>
 
 <file path=ppt/notesSlides/notesSlide8.xml><?xml version="1.0" encoding="utf-8"?>
-<p:notes xmlns:a="http://schemas.openxmlformats.org/drawingml/2006/main" xmlns:r="http://schemas.openxmlformats.org/officeDocument/2006/relationships" xmlns:mc="http://schemas.openxmlformats.org/markup-compatibility/2006" xmlns:mv="urn:schemas-microsoft-com:mac:vml" xmlns:p="http://schemas.openxmlformats.org/presentationml/2006/main" xmlns:c="http://schemas.openxmlformats.org/drawingml/2006/chart" xmlns:dgm="http://schemas.openxmlformats.org/drawingml/2006/diagram" xmlns:o="urn:schemas-microsoft-com:office:office" xmlns:v="urn:schemas-microsoft-com:vml" xmlns:pvml="urn:schemas-microsoft-com:office:powerpoint" xmlns:com="http://schemas.openxmlformats.org/drawingml/2006/compatibility" xmlns:p14="http://schemas.microsoft.com/office/powerpoint/2010/main" xmlns:p15="http://schemas.microsoft.com/office/powerpoint/2012/main" xmlns:ahyp="http://schemas.microsoft.com/office/drawing/2018/hyperlinkcolor" showMasterPhAnim="0" showMasterSp="0">
+<p:notes xmlns:a="http://schemas.openxmlformats.org/drawingml/2006/main" xmlns:r="http://schemas.openxmlformats.org/officeDocument/2006/relationships" xmlns:p="http://schemas.openxmlformats.org/presentationml/2006/main" showMasterSp="0" showMasterPhAnim="0">
   <p:cSld>
     <p:spTree>
       <p:nvGrpSpPr>
-        <p:cNvPr id="105" name="Shape 105"/>
+        <p:cNvPr id="1" name="Shape 105"/>
         <p:cNvGrpSpPr/>
         <p:nvPr/>
       </p:nvGrpSpPr>
@@ -1802,9 +1854,11 @@
       <p:sp>
         <p:nvSpPr>
           <p:cNvPr id="106" name="Google Shape;106;p7:notes"/>
-          <p:cNvSpPr/>
+          <p:cNvSpPr>
+            <a:spLocks noGrp="1" noRot="1" noChangeAspect="1"/>
+          </p:cNvSpPr>
           <p:nvPr>
-            <p:ph idx="2" type="sldImg"/>
+            <p:ph type="sldImg" idx="2"/>
           </p:nvPr>
         </p:nvSpPr>
         <p:spPr>
@@ -1813,9 +1867,13 @@
             <a:ext cx="6096000" cy="3429000"/>
           </a:xfrm>
           <a:custGeom>
-            <a:rect b="b" l="l" r="r" t="t"/>
+            <a:avLst/>
+            <a:gdLst/>
+            <a:ahLst/>
+            <a:cxnLst/>
+            <a:rect l="l" t="t" r="r" b="b"/>
             <a:pathLst>
-              <a:path extrusionOk="0" h="120000" w="120000">
+              <a:path w="120000" h="120000" extrusionOk="0">
                 <a:moveTo>
                   <a:pt x="0" y="0"/>
                 </a:moveTo>
@@ -1833,23 +1891,25 @@
             </a:pathLst>
           </a:custGeom>
           <a:noFill/>
-          <a:ln cap="flat" cmpd="sng" w="9525">
+          <a:ln w="9525" cap="flat" cmpd="sng">
             <a:solidFill>
               <a:srgbClr val="000000"/>
             </a:solidFill>
             <a:prstDash val="solid"/>
             <a:round/>
-            <a:headEnd len="sm" w="sm" type="none"/>
-            <a:tailEnd len="sm" w="sm" type="none"/>
+            <a:headEnd type="none" w="sm" len="sm"/>
+            <a:tailEnd type="none" w="sm" len="sm"/>
           </a:ln>
         </p:spPr>
       </p:sp>
       <p:sp>
         <p:nvSpPr>
           <p:cNvPr id="107" name="Google Shape;107;p7:notes"/>
-          <p:cNvSpPr txBox="1"/>
+          <p:cNvSpPr txBox="1">
+            <a:spLocks noGrp="1"/>
+          </p:cNvSpPr>
           <p:nvPr>
-            <p:ph idx="1" type="body"/>
+            <p:ph type="body" idx="1"/>
           </p:nvPr>
         </p:nvSpPr>
         <p:spPr>
@@ -1866,12 +1926,12 @@
           </a:ln>
         </p:spPr>
         <p:txBody>
-          <a:bodyPr anchorCtr="0" anchor="t" bIns="91425" lIns="91425" spcFirstLastPara="1" rIns="91425" wrap="square" tIns="91425">
+          <a:bodyPr spcFirstLastPara="1" wrap="square" lIns="91425" tIns="91425" rIns="91425" bIns="91425" anchor="t" anchorCtr="0">
             <a:noAutofit/>
           </a:bodyPr>
           <a:lstStyle/>
           <a:p>
-            <a:pPr indent="0" lvl="0" marL="0" rtl="0" algn="l">
+            <a:pPr marL="0" lvl="0" indent="0" algn="l" rtl="0">
               <a:lnSpc>
                 <a:spcPct val="100000"/>
               </a:lnSpc>
@@ -1884,9 +1944,6 @@
               <a:buSzPts val="1100"/>
               <a:buNone/>
             </a:pPr>
-            <a:r>
-              <a:t/>
-            </a:r>
             <a:endParaRPr/>
           </a:p>
         </p:txBody>
@@ -1900,11 +1957,11 @@
 </file>
 
 <file path=ppt/notesSlides/notesSlide9.xml><?xml version="1.0" encoding="utf-8"?>
-<p:notes xmlns:a="http://schemas.openxmlformats.org/drawingml/2006/main" xmlns:r="http://schemas.openxmlformats.org/officeDocument/2006/relationships" xmlns:mc="http://schemas.openxmlformats.org/markup-compatibility/2006" xmlns:mv="urn:schemas-microsoft-com:mac:vml" xmlns:p="http://schemas.openxmlformats.org/presentationml/2006/main" xmlns:c="http://schemas.openxmlformats.org/drawingml/2006/chart" xmlns:dgm="http://schemas.openxmlformats.org/drawingml/2006/diagram" xmlns:o="urn:schemas-microsoft-com:office:office" xmlns:v="urn:schemas-microsoft-com:vml" xmlns:pvml="urn:schemas-microsoft-com:office:powerpoint" xmlns:com="http://schemas.openxmlformats.org/drawingml/2006/compatibility" xmlns:p14="http://schemas.microsoft.com/office/powerpoint/2010/main" xmlns:p15="http://schemas.microsoft.com/office/powerpoint/2012/main" xmlns:ahyp="http://schemas.microsoft.com/office/drawing/2018/hyperlinkcolor" showMasterPhAnim="0" showMasterSp="0">
+<p:notes xmlns:a="http://schemas.openxmlformats.org/drawingml/2006/main" xmlns:r="http://schemas.openxmlformats.org/officeDocument/2006/relationships" xmlns:p="http://schemas.openxmlformats.org/presentationml/2006/main" showMasterSp="0" showMasterPhAnim="0">
   <p:cSld>
     <p:spTree>
       <p:nvGrpSpPr>
-        <p:cNvPr id="112" name="Shape 112"/>
+        <p:cNvPr id="1" name="Shape 112"/>
         <p:cNvGrpSpPr/>
         <p:nvPr/>
       </p:nvGrpSpPr>
@@ -1919,9 +1976,11 @@
       <p:sp>
         <p:nvSpPr>
           <p:cNvPr id="113" name="Google Shape;113;p8:notes"/>
-          <p:cNvSpPr/>
+          <p:cNvSpPr>
+            <a:spLocks noGrp="1" noRot="1" noChangeAspect="1"/>
+          </p:cNvSpPr>
           <p:nvPr>
-            <p:ph idx="2" type="sldImg"/>
+            <p:ph type="sldImg" idx="2"/>
           </p:nvPr>
         </p:nvSpPr>
         <p:spPr>
@@ -1930,9 +1989,13 @@
             <a:ext cx="6096000" cy="3429000"/>
           </a:xfrm>
           <a:custGeom>
-            <a:rect b="b" l="l" r="r" t="t"/>
+            <a:avLst/>
+            <a:gdLst/>
+            <a:ahLst/>
+            <a:cxnLst/>
+            <a:rect l="l" t="t" r="r" b="b"/>
             <a:pathLst>
-              <a:path extrusionOk="0" h="120000" w="120000">
+              <a:path w="120000" h="120000" extrusionOk="0">
                 <a:moveTo>
                   <a:pt x="0" y="0"/>
                 </a:moveTo>
@@ -1950,23 +2013,25 @@
             </a:pathLst>
           </a:custGeom>
           <a:noFill/>
-          <a:ln cap="flat" cmpd="sng" w="9525">
+          <a:ln w="9525" cap="flat" cmpd="sng">
             <a:solidFill>
               <a:srgbClr val="000000"/>
             </a:solidFill>
             <a:prstDash val="solid"/>
             <a:round/>
-            <a:headEnd len="sm" w="sm" type="none"/>
-            <a:tailEnd len="sm" w="sm" type="none"/>
+            <a:headEnd type="none" w="sm" len="sm"/>
+            <a:tailEnd type="none" w="sm" len="sm"/>
           </a:ln>
         </p:spPr>
       </p:sp>
       <p:sp>
         <p:nvSpPr>
           <p:cNvPr id="114" name="Google Shape;114;p8:notes"/>
-          <p:cNvSpPr txBox="1"/>
+          <p:cNvSpPr txBox="1">
+            <a:spLocks noGrp="1"/>
+          </p:cNvSpPr>
           <p:nvPr>
-            <p:ph idx="1" type="body"/>
+            <p:ph type="body" idx="1"/>
           </p:nvPr>
         </p:nvSpPr>
         <p:spPr>
@@ -1983,12 +2048,12 @@
           </a:ln>
         </p:spPr>
         <p:txBody>
-          <a:bodyPr anchorCtr="0" anchor="t" bIns="91425" lIns="91425" spcFirstLastPara="1" rIns="91425" wrap="square" tIns="91425">
+          <a:bodyPr spcFirstLastPara="1" wrap="square" lIns="91425" tIns="91425" rIns="91425" bIns="91425" anchor="t" anchorCtr="0">
             <a:noAutofit/>
           </a:bodyPr>
           <a:lstStyle/>
           <a:p>
-            <a:pPr indent="0" lvl="0" marL="0" rtl="0" algn="l">
+            <a:pPr marL="0" lvl="0" indent="0" algn="l" rtl="0">
               <a:lnSpc>
                 <a:spcPct val="100000"/>
               </a:lnSpc>
@@ -2001,9 +2066,6 @@
               <a:buSzPts val="1100"/>
               <a:buNone/>
             </a:pPr>
-            <a:r>
-              <a:t/>
-            </a:r>
             <a:endParaRPr/>
           </a:p>
         </p:txBody>
@@ -2017,11 +2079,11 @@
 </file>
 
 <file path=ppt/slideLayouts/slideLayout1.xml><?xml version="1.0" encoding="utf-8"?>
-<p:sldLayout xmlns:a="http://schemas.openxmlformats.org/drawingml/2006/main" xmlns:r="http://schemas.openxmlformats.org/officeDocument/2006/relationships" xmlns:mc="http://schemas.openxmlformats.org/markup-compatibility/2006" xmlns:mv="urn:schemas-microsoft-com:mac:vml" xmlns:p="http://schemas.openxmlformats.org/presentationml/2006/main" xmlns:c="http://schemas.openxmlformats.org/drawingml/2006/chart" xmlns:dgm="http://schemas.openxmlformats.org/drawingml/2006/diagram" xmlns:o="urn:schemas-microsoft-com:office:office" xmlns:v="urn:schemas-microsoft-com:vml" xmlns:pvml="urn:schemas-microsoft-com:office:powerpoint" xmlns:com="http://schemas.openxmlformats.org/drawingml/2006/compatibility" xmlns:p14="http://schemas.microsoft.com/office/powerpoint/2010/main" xmlns:p15="http://schemas.microsoft.com/office/powerpoint/2012/main" xmlns:ahyp="http://schemas.microsoft.com/office/drawing/2018/hyperlinkcolor" matchingName="Title slide" type="title">
+<p:sldLayout xmlns:a="http://schemas.openxmlformats.org/drawingml/2006/main" xmlns:r="http://schemas.openxmlformats.org/officeDocument/2006/relationships" xmlns:p="http://schemas.openxmlformats.org/presentationml/2006/main" matchingName="Title slide" type="title">
   <p:cSld name="TITLE">
     <p:spTree>
       <p:nvGrpSpPr>
-        <p:cNvPr id="9" name="Shape 9"/>
+        <p:cNvPr id="1" name="Shape 9"/>
         <p:cNvGrpSpPr/>
         <p:nvPr/>
       </p:nvGrpSpPr>
@@ -2036,7 +2098,9 @@
       <p:sp>
         <p:nvSpPr>
           <p:cNvPr id="10" name="Google Shape;10;p11"/>
-          <p:cNvSpPr txBox="1"/>
+          <p:cNvSpPr txBox="1">
+            <a:spLocks noGrp="1"/>
+          </p:cNvSpPr>
           <p:nvPr>
             <p:ph type="ctrTitle"/>
           </p:nvPr>
@@ -2055,7 +2119,7 @@
           </a:ln>
         </p:spPr>
         <p:txBody>
-          <a:bodyPr anchorCtr="0" anchor="b" bIns="91425" lIns="91425" spcFirstLastPara="1" rIns="91425" wrap="square" tIns="91425">
+          <a:bodyPr spcFirstLastPara="1" wrap="square" lIns="91425" tIns="91425" rIns="91425" bIns="91425" anchor="b" anchorCtr="0">
             <a:normAutofit/>
           </a:bodyPr>
           <a:lstStyle>
@@ -2186,15 +2250,19 @@
               <a:defRPr sz="5200"/>
             </a:lvl9pPr>
           </a:lstStyle>
-          <a:p/>
+          <a:p>
+            <a:endParaRPr/>
+          </a:p>
         </p:txBody>
       </p:sp>
       <p:sp>
         <p:nvSpPr>
           <p:cNvPr id="11" name="Google Shape;11;p11"/>
-          <p:cNvSpPr txBox="1"/>
+          <p:cNvSpPr txBox="1">
+            <a:spLocks noGrp="1"/>
+          </p:cNvSpPr>
           <p:nvPr>
-            <p:ph idx="1" type="subTitle"/>
+            <p:ph type="subTitle" idx="1"/>
           </p:nvPr>
         </p:nvSpPr>
         <p:spPr>
@@ -2211,7 +2279,7 @@
           </a:ln>
         </p:spPr>
         <p:txBody>
-          <a:bodyPr anchorCtr="0" anchor="t" bIns="91425" lIns="91425" spcFirstLastPara="1" rIns="91425" wrap="square" tIns="91425">
+          <a:bodyPr spcFirstLastPara="1" wrap="square" lIns="91425" tIns="91425" rIns="91425" bIns="91425" anchor="t" anchorCtr="0">
             <a:normAutofit/>
           </a:bodyPr>
           <a:lstStyle>
@@ -2342,15 +2410,19 @@
               <a:defRPr sz="2800"/>
             </a:lvl9pPr>
           </a:lstStyle>
-          <a:p/>
+          <a:p>
+            <a:endParaRPr/>
+          </a:p>
         </p:txBody>
       </p:sp>
       <p:sp>
         <p:nvSpPr>
           <p:cNvPr id="12" name="Google Shape;12;p11"/>
-          <p:cNvSpPr txBox="1"/>
+          <p:cNvSpPr txBox="1">
+            <a:spLocks noGrp="1"/>
+          </p:cNvSpPr>
           <p:nvPr>
-            <p:ph idx="12" type="sldNum"/>
+            <p:ph type="sldNum" idx="12"/>
           </p:nvPr>
         </p:nvSpPr>
         <p:spPr>
@@ -2367,11 +2439,11 @@
           </a:ln>
         </p:spPr>
         <p:txBody>
-          <a:bodyPr anchorCtr="0" anchor="ctr" bIns="91425" lIns="91425" spcFirstLastPara="1" rIns="91425" wrap="square" tIns="91425">
+          <a:bodyPr spcFirstLastPara="1" wrap="square" lIns="91425" tIns="91425" rIns="91425" bIns="91425" anchor="ctr" anchorCtr="0">
             <a:normAutofit/>
           </a:bodyPr>
           <a:lstStyle>
-            <a:lvl1pPr indent="0" lvl="0" marL="0" marR="0" algn="r">
+            <a:lvl1pPr marL="0" marR="0" lvl="0" indent="0" algn="r">
               <a:lnSpc>
                 <a:spcPct val="100000"/>
               </a:lnSpc>
@@ -2387,7 +2459,7 @@
               <a:buSzPts val="1000"/>
               <a:buFont typeface="Arial"/>
               <a:buNone/>
-              <a:defRPr b="0" i="0" sz="1000" u="none" cap="none" strike="noStrike">
+              <a:defRPr sz="1000" b="0" i="0" u="none" strike="noStrike" cap="none">
                 <a:solidFill>
                   <a:schemeClr val="dk2"/>
                 </a:solidFill>
@@ -2397,7 +2469,7 @@
                 <a:sym typeface="Arial"/>
               </a:defRPr>
             </a:lvl1pPr>
-            <a:lvl2pPr indent="0" lvl="1" marL="0" marR="0" algn="r">
+            <a:lvl2pPr marL="0" marR="0" lvl="1" indent="0" algn="r">
               <a:lnSpc>
                 <a:spcPct val="100000"/>
               </a:lnSpc>
@@ -2413,7 +2485,7 @@
               <a:buSzPts val="1000"/>
               <a:buFont typeface="Arial"/>
               <a:buNone/>
-              <a:defRPr b="0" i="0" sz="1000" u="none" cap="none" strike="noStrike">
+              <a:defRPr sz="1000" b="0" i="0" u="none" strike="noStrike" cap="none">
                 <a:solidFill>
                   <a:schemeClr val="dk2"/>
                 </a:solidFill>
@@ -2423,7 +2495,7 @@
                 <a:sym typeface="Arial"/>
               </a:defRPr>
             </a:lvl2pPr>
-            <a:lvl3pPr indent="0" lvl="2" marL="0" marR="0" algn="r">
+            <a:lvl3pPr marL="0" marR="0" lvl="2" indent="0" algn="r">
               <a:lnSpc>
                 <a:spcPct val="100000"/>
               </a:lnSpc>
@@ -2439,7 +2511,7 @@
               <a:buSzPts val="1000"/>
               <a:buFont typeface="Arial"/>
               <a:buNone/>
-              <a:defRPr b="0" i="0" sz="1000" u="none" cap="none" strike="noStrike">
+              <a:defRPr sz="1000" b="0" i="0" u="none" strike="noStrike" cap="none">
                 <a:solidFill>
                   <a:schemeClr val="dk2"/>
                 </a:solidFill>
@@ -2449,7 +2521,7 @@
                 <a:sym typeface="Arial"/>
               </a:defRPr>
             </a:lvl3pPr>
-            <a:lvl4pPr indent="0" lvl="3" marL="0" marR="0" algn="r">
+            <a:lvl4pPr marL="0" marR="0" lvl="3" indent="0" algn="r">
               <a:lnSpc>
                 <a:spcPct val="100000"/>
               </a:lnSpc>
@@ -2465,7 +2537,7 @@
               <a:buSzPts val="1000"/>
               <a:buFont typeface="Arial"/>
               <a:buNone/>
-              <a:defRPr b="0" i="0" sz="1000" u="none" cap="none" strike="noStrike">
+              <a:defRPr sz="1000" b="0" i="0" u="none" strike="noStrike" cap="none">
                 <a:solidFill>
                   <a:schemeClr val="dk2"/>
                 </a:solidFill>
@@ -2475,7 +2547,7 @@
                 <a:sym typeface="Arial"/>
               </a:defRPr>
             </a:lvl4pPr>
-            <a:lvl5pPr indent="0" lvl="4" marL="0" marR="0" algn="r">
+            <a:lvl5pPr marL="0" marR="0" lvl="4" indent="0" algn="r">
               <a:lnSpc>
                 <a:spcPct val="100000"/>
               </a:lnSpc>
@@ -2491,7 +2563,7 @@
               <a:buSzPts val="1000"/>
               <a:buFont typeface="Arial"/>
               <a:buNone/>
-              <a:defRPr b="0" i="0" sz="1000" u="none" cap="none" strike="noStrike">
+              <a:defRPr sz="1000" b="0" i="0" u="none" strike="noStrike" cap="none">
                 <a:solidFill>
                   <a:schemeClr val="dk2"/>
                 </a:solidFill>
@@ -2501,7 +2573,7 @@
                 <a:sym typeface="Arial"/>
               </a:defRPr>
             </a:lvl5pPr>
-            <a:lvl6pPr indent="0" lvl="5" marL="0" marR="0" algn="r">
+            <a:lvl6pPr marL="0" marR="0" lvl="5" indent="0" algn="r">
               <a:lnSpc>
                 <a:spcPct val="100000"/>
               </a:lnSpc>
@@ -2517,7 +2589,7 @@
               <a:buSzPts val="1000"/>
               <a:buFont typeface="Arial"/>
               <a:buNone/>
-              <a:defRPr b="0" i="0" sz="1000" u="none" cap="none" strike="noStrike">
+              <a:defRPr sz="1000" b="0" i="0" u="none" strike="noStrike" cap="none">
                 <a:solidFill>
                   <a:schemeClr val="dk2"/>
                 </a:solidFill>
@@ -2527,7 +2599,7 @@
                 <a:sym typeface="Arial"/>
               </a:defRPr>
             </a:lvl6pPr>
-            <a:lvl7pPr indent="0" lvl="6" marL="0" marR="0" algn="r">
+            <a:lvl7pPr marL="0" marR="0" lvl="6" indent="0" algn="r">
               <a:lnSpc>
                 <a:spcPct val="100000"/>
               </a:lnSpc>
@@ -2543,7 +2615,7 @@
               <a:buSzPts val="1000"/>
               <a:buFont typeface="Arial"/>
               <a:buNone/>
-              <a:defRPr b="0" i="0" sz="1000" u="none" cap="none" strike="noStrike">
+              <a:defRPr sz="1000" b="0" i="0" u="none" strike="noStrike" cap="none">
                 <a:solidFill>
                   <a:schemeClr val="dk2"/>
                 </a:solidFill>
@@ -2553,7 +2625,7 @@
                 <a:sym typeface="Arial"/>
               </a:defRPr>
             </a:lvl7pPr>
-            <a:lvl8pPr indent="0" lvl="7" marL="0" marR="0" algn="r">
+            <a:lvl8pPr marL="0" marR="0" lvl="7" indent="0" algn="r">
               <a:lnSpc>
                 <a:spcPct val="100000"/>
               </a:lnSpc>
@@ -2569,7 +2641,7 @@
               <a:buSzPts val="1000"/>
               <a:buFont typeface="Arial"/>
               <a:buNone/>
-              <a:defRPr b="0" i="0" sz="1000" u="none" cap="none" strike="noStrike">
+              <a:defRPr sz="1000" b="0" i="0" u="none" strike="noStrike" cap="none">
                 <a:solidFill>
                   <a:schemeClr val="dk2"/>
                 </a:solidFill>
@@ -2579,7 +2651,7 @@
                 <a:sym typeface="Arial"/>
               </a:defRPr>
             </a:lvl8pPr>
-            <a:lvl9pPr indent="0" lvl="8" marL="0" marR="0" algn="r">
+            <a:lvl9pPr marL="0" marR="0" lvl="8" indent="0" algn="r">
               <a:lnSpc>
                 <a:spcPct val="100000"/>
               </a:lnSpc>
@@ -2595,7 +2667,7 @@
               <a:buSzPts val="1000"/>
               <a:buFont typeface="Arial"/>
               <a:buNone/>
-              <a:defRPr b="0" i="0" sz="1000" u="none" cap="none" strike="noStrike">
+              <a:defRPr sz="1000" b="0" i="0" u="none" strike="noStrike" cap="none">
                 <a:solidFill>
                   <a:schemeClr val="dk2"/>
                 </a:solidFill>
@@ -2607,7 +2679,7 @@
             </a:lvl9pPr>
           </a:lstStyle>
           <a:p>
-            <a:pPr indent="0" lvl="0" marL="0" rtl="0" algn="r">
+            <a:pPr marL="0" lvl="0" indent="0" algn="r" rtl="0">
               <a:spcBef>
                 <a:spcPts val="0"/>
               </a:spcBef>
@@ -2618,7 +2690,7 @@
             </a:pPr>
             <a:fld id="{00000000-1234-1234-1234-123412341234}" type="slidenum">
               <a:rPr lang="es-ES"/>
-              <a:t>‹#›</a:t>
+              <a:t>‹Nº›</a:t>
             </a:fld>
             <a:endParaRPr/>
           </a:p>
@@ -2633,11 +2705,11 @@
 </file>
 
 <file path=ppt/slideLayouts/slideLayout10.xml><?xml version="1.0" encoding="utf-8"?>
-<p:sldLayout xmlns:a="http://schemas.openxmlformats.org/drawingml/2006/main" xmlns:r="http://schemas.openxmlformats.org/officeDocument/2006/relationships" xmlns:mc="http://schemas.openxmlformats.org/markup-compatibility/2006" xmlns:mv="urn:schemas-microsoft-com:mac:vml" xmlns:p="http://schemas.openxmlformats.org/presentationml/2006/main" xmlns:c="http://schemas.openxmlformats.org/drawingml/2006/chart" xmlns:dgm="http://schemas.openxmlformats.org/drawingml/2006/diagram" xmlns:o="urn:schemas-microsoft-com:office:office" xmlns:v="urn:schemas-microsoft-com:vml" xmlns:pvml="urn:schemas-microsoft-com:office:powerpoint" xmlns:com="http://schemas.openxmlformats.org/drawingml/2006/compatibility" xmlns:p14="http://schemas.microsoft.com/office/powerpoint/2010/main" xmlns:p15="http://schemas.microsoft.com/office/powerpoint/2012/main" xmlns:ahyp="http://schemas.microsoft.com/office/drawing/2018/hyperlinkcolor" matchingName="Big number">
+<p:sldLayout xmlns:a="http://schemas.openxmlformats.org/drawingml/2006/main" xmlns:r="http://schemas.openxmlformats.org/officeDocument/2006/relationships" xmlns:p="http://schemas.openxmlformats.org/presentationml/2006/main" matchingName="Big number">
   <p:cSld name="BIG_NUMBER">
     <p:spTree>
       <p:nvGrpSpPr>
-        <p:cNvPr id="44" name="Shape 44"/>
+        <p:cNvPr id="1" name="Shape 44"/>
         <p:cNvGrpSpPr/>
         <p:nvPr/>
       </p:nvGrpSpPr>
@@ -2652,9 +2724,11 @@
       <p:sp>
         <p:nvSpPr>
           <p:cNvPr id="45" name="Google Shape;45;p20"/>
-          <p:cNvSpPr txBox="1"/>
+          <p:cNvSpPr txBox="1">
+            <a:spLocks noGrp="1"/>
+          </p:cNvSpPr>
           <p:nvPr>
-            <p:ph hasCustomPrompt="1" type="title"/>
+            <p:ph type="title" hasCustomPrompt="1"/>
           </p:nvPr>
         </p:nvSpPr>
         <p:spPr>
@@ -2671,7 +2745,7 @@
           </a:ln>
         </p:spPr>
         <p:txBody>
-          <a:bodyPr anchorCtr="0" anchor="b" bIns="91425" lIns="91425" spcFirstLastPara="1" rIns="91425" wrap="square" tIns="91425">
+          <a:bodyPr spcFirstLastPara="1" wrap="square" lIns="91425" tIns="91425" rIns="91425" bIns="91425" anchor="b" anchorCtr="0">
             <a:normAutofit/>
           </a:bodyPr>
           <a:lstStyle>
@@ -2812,9 +2886,11 @@
       <p:sp>
         <p:nvSpPr>
           <p:cNvPr id="46" name="Google Shape;46;p20"/>
-          <p:cNvSpPr txBox="1"/>
+          <p:cNvSpPr txBox="1">
+            <a:spLocks noGrp="1"/>
+          </p:cNvSpPr>
           <p:nvPr>
-            <p:ph idx="1" type="body"/>
+            <p:ph type="body" idx="1"/>
           </p:nvPr>
         </p:nvSpPr>
         <p:spPr>
@@ -2831,11 +2907,11 @@
           </a:ln>
         </p:spPr>
         <p:txBody>
-          <a:bodyPr anchorCtr="0" anchor="t" bIns="91425" lIns="91425" spcFirstLastPara="1" rIns="91425" wrap="square" tIns="91425">
+          <a:bodyPr spcFirstLastPara="1" wrap="square" lIns="91425" tIns="91425" rIns="91425" bIns="91425" anchor="t" anchorCtr="0">
             <a:normAutofit/>
           </a:bodyPr>
           <a:lstStyle>
-            <a:lvl1pPr indent="-342900" lvl="0" marL="457200" algn="ctr">
+            <a:lvl1pPr marL="457200" lvl="0" indent="-342900" algn="ctr">
               <a:lnSpc>
                 <a:spcPct val="115000"/>
               </a:lnSpc>
@@ -2849,7 +2925,7 @@
               <a:buChar char="●"/>
               <a:defRPr/>
             </a:lvl1pPr>
-            <a:lvl2pPr indent="-317500" lvl="1" marL="914400" algn="ctr">
+            <a:lvl2pPr marL="914400" lvl="1" indent="-317500" algn="ctr">
               <a:lnSpc>
                 <a:spcPct val="115000"/>
               </a:lnSpc>
@@ -2863,7 +2939,7 @@
               <a:buChar char="○"/>
               <a:defRPr/>
             </a:lvl2pPr>
-            <a:lvl3pPr indent="-317500" lvl="2" marL="1371600" algn="ctr">
+            <a:lvl3pPr marL="1371600" lvl="2" indent="-317500" algn="ctr">
               <a:lnSpc>
                 <a:spcPct val="115000"/>
               </a:lnSpc>
@@ -2877,7 +2953,7 @@
               <a:buChar char="■"/>
               <a:defRPr/>
             </a:lvl3pPr>
-            <a:lvl4pPr indent="-317500" lvl="3" marL="1828800" algn="ctr">
+            <a:lvl4pPr marL="1828800" lvl="3" indent="-317500" algn="ctr">
               <a:lnSpc>
                 <a:spcPct val="115000"/>
               </a:lnSpc>
@@ -2891,7 +2967,7 @@
               <a:buChar char="●"/>
               <a:defRPr/>
             </a:lvl4pPr>
-            <a:lvl5pPr indent="-317500" lvl="4" marL="2286000" algn="ctr">
+            <a:lvl5pPr marL="2286000" lvl="4" indent="-317500" algn="ctr">
               <a:lnSpc>
                 <a:spcPct val="115000"/>
               </a:lnSpc>
@@ -2905,7 +2981,7 @@
               <a:buChar char="○"/>
               <a:defRPr/>
             </a:lvl5pPr>
-            <a:lvl6pPr indent="-317500" lvl="5" marL="2743200" algn="ctr">
+            <a:lvl6pPr marL="2743200" lvl="5" indent="-317500" algn="ctr">
               <a:lnSpc>
                 <a:spcPct val="115000"/>
               </a:lnSpc>
@@ -2919,7 +2995,7 @@
               <a:buChar char="■"/>
               <a:defRPr/>
             </a:lvl6pPr>
-            <a:lvl7pPr indent="-317500" lvl="6" marL="3200400" algn="ctr">
+            <a:lvl7pPr marL="3200400" lvl="6" indent="-317500" algn="ctr">
               <a:lnSpc>
                 <a:spcPct val="115000"/>
               </a:lnSpc>
@@ -2933,7 +3009,7 @@
               <a:buChar char="●"/>
               <a:defRPr/>
             </a:lvl7pPr>
-            <a:lvl8pPr indent="-317500" lvl="7" marL="3657600" algn="ctr">
+            <a:lvl8pPr marL="3657600" lvl="7" indent="-317500" algn="ctr">
               <a:lnSpc>
                 <a:spcPct val="115000"/>
               </a:lnSpc>
@@ -2947,7 +3023,7 @@
               <a:buChar char="○"/>
               <a:defRPr/>
             </a:lvl8pPr>
-            <a:lvl9pPr indent="-317500" lvl="8" marL="4114800" algn="ctr">
+            <a:lvl9pPr marL="4114800" lvl="8" indent="-317500" algn="ctr">
               <a:lnSpc>
                 <a:spcPct val="115000"/>
               </a:lnSpc>
@@ -2962,15 +3038,19 @@
               <a:defRPr/>
             </a:lvl9pPr>
           </a:lstStyle>
-          <a:p/>
+          <a:p>
+            <a:endParaRPr/>
+          </a:p>
         </p:txBody>
       </p:sp>
       <p:sp>
         <p:nvSpPr>
           <p:cNvPr id="47" name="Google Shape;47;p20"/>
-          <p:cNvSpPr txBox="1"/>
+          <p:cNvSpPr txBox="1">
+            <a:spLocks noGrp="1"/>
+          </p:cNvSpPr>
           <p:nvPr>
-            <p:ph idx="12" type="sldNum"/>
+            <p:ph type="sldNum" idx="12"/>
           </p:nvPr>
         </p:nvSpPr>
         <p:spPr>
@@ -2987,11 +3067,11 @@
           </a:ln>
         </p:spPr>
         <p:txBody>
-          <a:bodyPr anchorCtr="0" anchor="ctr" bIns="91425" lIns="91425" spcFirstLastPara="1" rIns="91425" wrap="square" tIns="91425">
+          <a:bodyPr spcFirstLastPara="1" wrap="square" lIns="91425" tIns="91425" rIns="91425" bIns="91425" anchor="ctr" anchorCtr="0">
             <a:normAutofit/>
           </a:bodyPr>
           <a:lstStyle>
-            <a:lvl1pPr indent="0" lvl="0" marL="0" marR="0" algn="r">
+            <a:lvl1pPr marL="0" marR="0" lvl="0" indent="0" algn="r">
               <a:lnSpc>
                 <a:spcPct val="100000"/>
               </a:lnSpc>
@@ -3007,7 +3087,7 @@
               <a:buSzPts val="1000"/>
               <a:buFont typeface="Arial"/>
               <a:buNone/>
-              <a:defRPr b="0" i="0" sz="1000" u="none" cap="none" strike="noStrike">
+              <a:defRPr sz="1000" b="0" i="0" u="none" strike="noStrike" cap="none">
                 <a:solidFill>
                   <a:schemeClr val="dk2"/>
                 </a:solidFill>
@@ -3017,7 +3097,7 @@
                 <a:sym typeface="Arial"/>
               </a:defRPr>
             </a:lvl1pPr>
-            <a:lvl2pPr indent="0" lvl="1" marL="0" marR="0" algn="r">
+            <a:lvl2pPr marL="0" marR="0" lvl="1" indent="0" algn="r">
               <a:lnSpc>
                 <a:spcPct val="100000"/>
               </a:lnSpc>
@@ -3033,7 +3113,7 @@
               <a:buSzPts val="1000"/>
               <a:buFont typeface="Arial"/>
               <a:buNone/>
-              <a:defRPr b="0" i="0" sz="1000" u="none" cap="none" strike="noStrike">
+              <a:defRPr sz="1000" b="0" i="0" u="none" strike="noStrike" cap="none">
                 <a:solidFill>
                   <a:schemeClr val="dk2"/>
                 </a:solidFill>
@@ -3043,7 +3123,7 @@
                 <a:sym typeface="Arial"/>
               </a:defRPr>
             </a:lvl2pPr>
-            <a:lvl3pPr indent="0" lvl="2" marL="0" marR="0" algn="r">
+            <a:lvl3pPr marL="0" marR="0" lvl="2" indent="0" algn="r">
               <a:lnSpc>
                 <a:spcPct val="100000"/>
               </a:lnSpc>
@@ -3059,7 +3139,7 @@
               <a:buSzPts val="1000"/>
               <a:buFont typeface="Arial"/>
               <a:buNone/>
-              <a:defRPr b="0" i="0" sz="1000" u="none" cap="none" strike="noStrike">
+              <a:defRPr sz="1000" b="0" i="0" u="none" strike="noStrike" cap="none">
                 <a:solidFill>
                   <a:schemeClr val="dk2"/>
                 </a:solidFill>
@@ -3069,7 +3149,7 @@
                 <a:sym typeface="Arial"/>
               </a:defRPr>
             </a:lvl3pPr>
-            <a:lvl4pPr indent="0" lvl="3" marL="0" marR="0" algn="r">
+            <a:lvl4pPr marL="0" marR="0" lvl="3" indent="0" algn="r">
               <a:lnSpc>
                 <a:spcPct val="100000"/>
               </a:lnSpc>
@@ -3085,7 +3165,7 @@
               <a:buSzPts val="1000"/>
               <a:buFont typeface="Arial"/>
               <a:buNone/>
-              <a:defRPr b="0" i="0" sz="1000" u="none" cap="none" strike="noStrike">
+              <a:defRPr sz="1000" b="0" i="0" u="none" strike="noStrike" cap="none">
                 <a:solidFill>
                   <a:schemeClr val="dk2"/>
                 </a:solidFill>
@@ -3095,7 +3175,7 @@
                 <a:sym typeface="Arial"/>
               </a:defRPr>
             </a:lvl4pPr>
-            <a:lvl5pPr indent="0" lvl="4" marL="0" marR="0" algn="r">
+            <a:lvl5pPr marL="0" marR="0" lvl="4" indent="0" algn="r">
               <a:lnSpc>
                 <a:spcPct val="100000"/>
               </a:lnSpc>
@@ -3111,7 +3191,7 @@
               <a:buSzPts val="1000"/>
               <a:buFont typeface="Arial"/>
               <a:buNone/>
-              <a:defRPr b="0" i="0" sz="1000" u="none" cap="none" strike="noStrike">
+              <a:defRPr sz="1000" b="0" i="0" u="none" strike="noStrike" cap="none">
                 <a:solidFill>
                   <a:schemeClr val="dk2"/>
                 </a:solidFill>
@@ -3121,7 +3201,7 @@
                 <a:sym typeface="Arial"/>
               </a:defRPr>
             </a:lvl5pPr>
-            <a:lvl6pPr indent="0" lvl="5" marL="0" marR="0" algn="r">
+            <a:lvl6pPr marL="0" marR="0" lvl="5" indent="0" algn="r">
               <a:lnSpc>
                 <a:spcPct val="100000"/>
               </a:lnSpc>
@@ -3137,7 +3217,7 @@
               <a:buSzPts val="1000"/>
               <a:buFont typeface="Arial"/>
               <a:buNone/>
-              <a:defRPr b="0" i="0" sz="1000" u="none" cap="none" strike="noStrike">
+              <a:defRPr sz="1000" b="0" i="0" u="none" strike="noStrike" cap="none">
                 <a:solidFill>
                   <a:schemeClr val="dk2"/>
                 </a:solidFill>
@@ -3147,7 +3227,7 @@
                 <a:sym typeface="Arial"/>
               </a:defRPr>
             </a:lvl6pPr>
-            <a:lvl7pPr indent="0" lvl="6" marL="0" marR="0" algn="r">
+            <a:lvl7pPr marL="0" marR="0" lvl="6" indent="0" algn="r">
               <a:lnSpc>
                 <a:spcPct val="100000"/>
               </a:lnSpc>
@@ -3163,7 +3243,7 @@
               <a:buSzPts val="1000"/>
               <a:buFont typeface="Arial"/>
               <a:buNone/>
-              <a:defRPr b="0" i="0" sz="1000" u="none" cap="none" strike="noStrike">
+              <a:defRPr sz="1000" b="0" i="0" u="none" strike="noStrike" cap="none">
                 <a:solidFill>
                   <a:schemeClr val="dk2"/>
                 </a:solidFill>
@@ -3173,7 +3253,7 @@
                 <a:sym typeface="Arial"/>
               </a:defRPr>
             </a:lvl7pPr>
-            <a:lvl8pPr indent="0" lvl="7" marL="0" marR="0" algn="r">
+            <a:lvl8pPr marL="0" marR="0" lvl="7" indent="0" algn="r">
               <a:lnSpc>
                 <a:spcPct val="100000"/>
               </a:lnSpc>
@@ -3189,7 +3269,7 @@
               <a:buSzPts val="1000"/>
               <a:buFont typeface="Arial"/>
               <a:buNone/>
-              <a:defRPr b="0" i="0" sz="1000" u="none" cap="none" strike="noStrike">
+              <a:defRPr sz="1000" b="0" i="0" u="none" strike="noStrike" cap="none">
                 <a:solidFill>
                   <a:schemeClr val="dk2"/>
                 </a:solidFill>
@@ -3199,7 +3279,7 @@
                 <a:sym typeface="Arial"/>
               </a:defRPr>
             </a:lvl8pPr>
-            <a:lvl9pPr indent="0" lvl="8" marL="0" marR="0" algn="r">
+            <a:lvl9pPr marL="0" marR="0" lvl="8" indent="0" algn="r">
               <a:lnSpc>
                 <a:spcPct val="100000"/>
               </a:lnSpc>
@@ -3215,7 +3295,7 @@
               <a:buSzPts val="1000"/>
               <a:buFont typeface="Arial"/>
               <a:buNone/>
-              <a:defRPr b="0" i="0" sz="1000" u="none" cap="none" strike="noStrike">
+              <a:defRPr sz="1000" b="0" i="0" u="none" strike="noStrike" cap="none">
                 <a:solidFill>
                   <a:schemeClr val="dk2"/>
                 </a:solidFill>
@@ -3227,7 +3307,7 @@
             </a:lvl9pPr>
           </a:lstStyle>
           <a:p>
-            <a:pPr indent="0" lvl="0" marL="0" rtl="0" algn="r">
+            <a:pPr marL="0" lvl="0" indent="0" algn="r" rtl="0">
               <a:spcBef>
                 <a:spcPts val="0"/>
               </a:spcBef>
@@ -3238,7 +3318,7 @@
             </a:pPr>
             <a:fld id="{00000000-1234-1234-1234-123412341234}" type="slidenum">
               <a:rPr lang="es-ES"/>
-              <a:t>‹#›</a:t>
+              <a:t>‹Nº›</a:t>
             </a:fld>
             <a:endParaRPr/>
           </a:p>
@@ -3253,11 +3333,11 @@
 </file>
 
 <file path=ppt/slideLayouts/slideLayout11.xml><?xml version="1.0" encoding="utf-8"?>
-<p:sldLayout xmlns:a="http://schemas.openxmlformats.org/drawingml/2006/main" xmlns:r="http://schemas.openxmlformats.org/officeDocument/2006/relationships" xmlns:mc="http://schemas.openxmlformats.org/markup-compatibility/2006" xmlns:mv="urn:schemas-microsoft-com:mac:vml" xmlns:p="http://schemas.openxmlformats.org/presentationml/2006/main" xmlns:c="http://schemas.openxmlformats.org/drawingml/2006/chart" xmlns:dgm="http://schemas.openxmlformats.org/drawingml/2006/diagram" xmlns:o="urn:schemas-microsoft-com:office:office" xmlns:v="urn:schemas-microsoft-com:vml" xmlns:pvml="urn:schemas-microsoft-com:office:powerpoint" xmlns:com="http://schemas.openxmlformats.org/drawingml/2006/compatibility" xmlns:p14="http://schemas.microsoft.com/office/powerpoint/2010/main" xmlns:p15="http://schemas.microsoft.com/office/powerpoint/2012/main" xmlns:ahyp="http://schemas.microsoft.com/office/drawing/2018/hyperlinkcolor" matchingName="Blank" type="blank">
+<p:sldLayout xmlns:a="http://schemas.openxmlformats.org/drawingml/2006/main" xmlns:r="http://schemas.openxmlformats.org/officeDocument/2006/relationships" xmlns:p="http://schemas.openxmlformats.org/presentationml/2006/main" matchingName="Blank" type="blank">
   <p:cSld name="BLANK">
     <p:spTree>
       <p:nvGrpSpPr>
-        <p:cNvPr id="48" name="Shape 48"/>
+        <p:cNvPr id="1" name="Shape 48"/>
         <p:cNvGrpSpPr/>
         <p:nvPr/>
       </p:nvGrpSpPr>
@@ -3272,9 +3352,11 @@
       <p:sp>
         <p:nvSpPr>
           <p:cNvPr id="49" name="Google Shape;49;p21"/>
-          <p:cNvSpPr txBox="1"/>
+          <p:cNvSpPr txBox="1">
+            <a:spLocks noGrp="1"/>
+          </p:cNvSpPr>
           <p:nvPr>
-            <p:ph idx="12" type="sldNum"/>
+            <p:ph type="sldNum" idx="12"/>
           </p:nvPr>
         </p:nvSpPr>
         <p:spPr>
@@ -3291,11 +3373,11 @@
           </a:ln>
         </p:spPr>
         <p:txBody>
-          <a:bodyPr anchorCtr="0" anchor="ctr" bIns="91425" lIns="91425" spcFirstLastPara="1" rIns="91425" wrap="square" tIns="91425">
+          <a:bodyPr spcFirstLastPara="1" wrap="square" lIns="91425" tIns="91425" rIns="91425" bIns="91425" anchor="ctr" anchorCtr="0">
             <a:normAutofit/>
           </a:bodyPr>
           <a:lstStyle>
-            <a:lvl1pPr indent="0" lvl="0" marL="0" marR="0" algn="r">
+            <a:lvl1pPr marL="0" marR="0" lvl="0" indent="0" algn="r">
               <a:lnSpc>
                 <a:spcPct val="100000"/>
               </a:lnSpc>
@@ -3311,7 +3393,7 @@
               <a:buSzPts val="1000"/>
               <a:buFont typeface="Arial"/>
               <a:buNone/>
-              <a:defRPr b="0" i="0" sz="1000" u="none" cap="none" strike="noStrike">
+              <a:defRPr sz="1000" b="0" i="0" u="none" strike="noStrike" cap="none">
                 <a:solidFill>
                   <a:schemeClr val="dk2"/>
                 </a:solidFill>
@@ -3321,7 +3403,7 @@
                 <a:sym typeface="Arial"/>
               </a:defRPr>
             </a:lvl1pPr>
-            <a:lvl2pPr indent="0" lvl="1" marL="0" marR="0" algn="r">
+            <a:lvl2pPr marL="0" marR="0" lvl="1" indent="0" algn="r">
               <a:lnSpc>
                 <a:spcPct val="100000"/>
               </a:lnSpc>
@@ -3337,7 +3419,7 @@
               <a:buSzPts val="1000"/>
               <a:buFont typeface="Arial"/>
               <a:buNone/>
-              <a:defRPr b="0" i="0" sz="1000" u="none" cap="none" strike="noStrike">
+              <a:defRPr sz="1000" b="0" i="0" u="none" strike="noStrike" cap="none">
                 <a:solidFill>
                   <a:schemeClr val="dk2"/>
                 </a:solidFill>
@@ -3347,7 +3429,7 @@
                 <a:sym typeface="Arial"/>
               </a:defRPr>
             </a:lvl2pPr>
-            <a:lvl3pPr indent="0" lvl="2" marL="0" marR="0" algn="r">
+            <a:lvl3pPr marL="0" marR="0" lvl="2" indent="0" algn="r">
               <a:lnSpc>
                 <a:spcPct val="100000"/>
               </a:lnSpc>
@@ -3363,7 +3445,7 @@
               <a:buSzPts val="1000"/>
               <a:buFont typeface="Arial"/>
               <a:buNone/>
-              <a:defRPr b="0" i="0" sz="1000" u="none" cap="none" strike="noStrike">
+              <a:defRPr sz="1000" b="0" i="0" u="none" strike="noStrike" cap="none">
                 <a:solidFill>
                   <a:schemeClr val="dk2"/>
                 </a:solidFill>
@@ -3373,7 +3455,7 @@
                 <a:sym typeface="Arial"/>
               </a:defRPr>
             </a:lvl3pPr>
-            <a:lvl4pPr indent="0" lvl="3" marL="0" marR="0" algn="r">
+            <a:lvl4pPr marL="0" marR="0" lvl="3" indent="0" algn="r">
               <a:lnSpc>
                 <a:spcPct val="100000"/>
               </a:lnSpc>
@@ -3389,7 +3471,7 @@
               <a:buSzPts val="1000"/>
               <a:buFont typeface="Arial"/>
               <a:buNone/>
-              <a:defRPr b="0" i="0" sz="1000" u="none" cap="none" strike="noStrike">
+              <a:defRPr sz="1000" b="0" i="0" u="none" strike="noStrike" cap="none">
                 <a:solidFill>
                   <a:schemeClr val="dk2"/>
                 </a:solidFill>
@@ -3399,7 +3481,7 @@
                 <a:sym typeface="Arial"/>
               </a:defRPr>
             </a:lvl4pPr>
-            <a:lvl5pPr indent="0" lvl="4" marL="0" marR="0" algn="r">
+            <a:lvl5pPr marL="0" marR="0" lvl="4" indent="0" algn="r">
               <a:lnSpc>
                 <a:spcPct val="100000"/>
               </a:lnSpc>
@@ -3415,7 +3497,7 @@
               <a:buSzPts val="1000"/>
               <a:buFont typeface="Arial"/>
               <a:buNone/>
-              <a:defRPr b="0" i="0" sz="1000" u="none" cap="none" strike="noStrike">
+              <a:defRPr sz="1000" b="0" i="0" u="none" strike="noStrike" cap="none">
                 <a:solidFill>
                   <a:schemeClr val="dk2"/>
                 </a:solidFill>
@@ -3425,7 +3507,7 @@
                 <a:sym typeface="Arial"/>
               </a:defRPr>
             </a:lvl5pPr>
-            <a:lvl6pPr indent="0" lvl="5" marL="0" marR="0" algn="r">
+            <a:lvl6pPr marL="0" marR="0" lvl="5" indent="0" algn="r">
               <a:lnSpc>
                 <a:spcPct val="100000"/>
               </a:lnSpc>
@@ -3441,7 +3523,7 @@
               <a:buSzPts val="1000"/>
               <a:buFont typeface="Arial"/>
               <a:buNone/>
-              <a:defRPr b="0" i="0" sz="1000" u="none" cap="none" strike="noStrike">
+              <a:defRPr sz="1000" b="0" i="0" u="none" strike="noStrike" cap="none">
                 <a:solidFill>
                   <a:schemeClr val="dk2"/>
                 </a:solidFill>
@@ -3451,7 +3533,7 @@
                 <a:sym typeface="Arial"/>
               </a:defRPr>
             </a:lvl6pPr>
-            <a:lvl7pPr indent="0" lvl="6" marL="0" marR="0" algn="r">
+            <a:lvl7pPr marL="0" marR="0" lvl="6" indent="0" algn="r">
               <a:lnSpc>
                 <a:spcPct val="100000"/>
               </a:lnSpc>
@@ -3467,7 +3549,7 @@
               <a:buSzPts val="1000"/>
               <a:buFont typeface="Arial"/>
               <a:buNone/>
-              <a:defRPr b="0" i="0" sz="1000" u="none" cap="none" strike="noStrike">
+              <a:defRPr sz="1000" b="0" i="0" u="none" strike="noStrike" cap="none">
                 <a:solidFill>
                   <a:schemeClr val="dk2"/>
                 </a:solidFill>
@@ -3477,7 +3559,7 @@
                 <a:sym typeface="Arial"/>
               </a:defRPr>
             </a:lvl7pPr>
-            <a:lvl8pPr indent="0" lvl="7" marL="0" marR="0" algn="r">
+            <a:lvl8pPr marL="0" marR="0" lvl="7" indent="0" algn="r">
               <a:lnSpc>
                 <a:spcPct val="100000"/>
               </a:lnSpc>
@@ -3493,7 +3575,7 @@
               <a:buSzPts val="1000"/>
               <a:buFont typeface="Arial"/>
               <a:buNone/>
-              <a:defRPr b="0" i="0" sz="1000" u="none" cap="none" strike="noStrike">
+              <a:defRPr sz="1000" b="0" i="0" u="none" strike="noStrike" cap="none">
                 <a:solidFill>
                   <a:schemeClr val="dk2"/>
                 </a:solidFill>
@@ -3503,7 +3585,7 @@
                 <a:sym typeface="Arial"/>
               </a:defRPr>
             </a:lvl8pPr>
-            <a:lvl9pPr indent="0" lvl="8" marL="0" marR="0" algn="r">
+            <a:lvl9pPr marL="0" marR="0" lvl="8" indent="0" algn="r">
               <a:lnSpc>
                 <a:spcPct val="100000"/>
               </a:lnSpc>
@@ -3519,7 +3601,7 @@
               <a:buSzPts val="1000"/>
               <a:buFont typeface="Arial"/>
               <a:buNone/>
-              <a:defRPr b="0" i="0" sz="1000" u="none" cap="none" strike="noStrike">
+              <a:defRPr sz="1000" b="0" i="0" u="none" strike="noStrike" cap="none">
                 <a:solidFill>
                   <a:schemeClr val="dk2"/>
                 </a:solidFill>
@@ -3531,7 +3613,7 @@
             </a:lvl9pPr>
           </a:lstStyle>
           <a:p>
-            <a:pPr indent="0" lvl="0" marL="0" rtl="0" algn="r">
+            <a:pPr marL="0" lvl="0" indent="0" algn="r" rtl="0">
               <a:spcBef>
                 <a:spcPts val="0"/>
               </a:spcBef>
@@ -3542,7 +3624,7 @@
             </a:pPr>
             <a:fld id="{00000000-1234-1234-1234-123412341234}" type="slidenum">
               <a:rPr lang="es-ES"/>
-              <a:t>‹#›</a:t>
+              <a:t>‹Nº›</a:t>
             </a:fld>
             <a:endParaRPr/>
           </a:p>
@@ -3557,11 +3639,11 @@
 </file>
 
 <file path=ppt/slideLayouts/slideLayout2.xml><?xml version="1.0" encoding="utf-8"?>
-<p:sldLayout xmlns:a="http://schemas.openxmlformats.org/drawingml/2006/main" xmlns:r="http://schemas.openxmlformats.org/officeDocument/2006/relationships" xmlns:mc="http://schemas.openxmlformats.org/markup-compatibility/2006" xmlns:mv="urn:schemas-microsoft-com:mac:vml" xmlns:p="http://schemas.openxmlformats.org/presentationml/2006/main" xmlns:c="http://schemas.openxmlformats.org/drawingml/2006/chart" xmlns:dgm="http://schemas.openxmlformats.org/drawingml/2006/diagram" xmlns:o="urn:schemas-microsoft-com:office:office" xmlns:v="urn:schemas-microsoft-com:vml" xmlns:pvml="urn:schemas-microsoft-com:office:powerpoint" xmlns:com="http://schemas.openxmlformats.org/drawingml/2006/compatibility" xmlns:p14="http://schemas.microsoft.com/office/powerpoint/2010/main" xmlns:p15="http://schemas.microsoft.com/office/powerpoint/2012/main" xmlns:ahyp="http://schemas.microsoft.com/office/drawing/2018/hyperlinkcolor" matchingName="Title and body" type="tx">
+<p:sldLayout xmlns:a="http://schemas.openxmlformats.org/drawingml/2006/main" xmlns:r="http://schemas.openxmlformats.org/officeDocument/2006/relationships" xmlns:p="http://schemas.openxmlformats.org/presentationml/2006/main" matchingName="Title and body" type="tx">
   <p:cSld name="TITLE_AND_BODY">
     <p:spTree>
       <p:nvGrpSpPr>
-        <p:cNvPr id="13" name="Shape 13"/>
+        <p:cNvPr id="1" name="Shape 13"/>
         <p:cNvGrpSpPr/>
         <p:nvPr/>
       </p:nvGrpSpPr>
@@ -3576,7 +3658,9 @@
       <p:sp>
         <p:nvSpPr>
           <p:cNvPr id="14" name="Google Shape;14;p12"/>
-          <p:cNvSpPr txBox="1"/>
+          <p:cNvSpPr txBox="1">
+            <a:spLocks noGrp="1"/>
+          </p:cNvSpPr>
           <p:nvPr>
             <p:ph type="title"/>
           </p:nvPr>
@@ -3595,7 +3679,7 @@
           </a:ln>
         </p:spPr>
         <p:txBody>
-          <a:bodyPr anchorCtr="0" anchor="t" bIns="91425" lIns="91425" spcFirstLastPara="1" rIns="91425" wrap="square" tIns="91425">
+          <a:bodyPr spcFirstLastPara="1" wrap="square" lIns="91425" tIns="91425" rIns="91425" bIns="91425" anchor="t" anchorCtr="0">
             <a:normAutofit/>
           </a:bodyPr>
           <a:lstStyle>
@@ -3726,15 +3810,19 @@
               <a:defRPr/>
             </a:lvl9pPr>
           </a:lstStyle>
-          <a:p/>
+          <a:p>
+            <a:endParaRPr/>
+          </a:p>
         </p:txBody>
       </p:sp>
       <p:sp>
         <p:nvSpPr>
           <p:cNvPr id="15" name="Google Shape;15;p12"/>
-          <p:cNvSpPr txBox="1"/>
+          <p:cNvSpPr txBox="1">
+            <a:spLocks noGrp="1"/>
+          </p:cNvSpPr>
           <p:nvPr>
-            <p:ph idx="1" type="body"/>
+            <p:ph type="body" idx="1"/>
           </p:nvPr>
         </p:nvSpPr>
         <p:spPr>
@@ -3751,11 +3839,11 @@
           </a:ln>
         </p:spPr>
         <p:txBody>
-          <a:bodyPr anchorCtr="0" anchor="t" bIns="91425" lIns="91425" spcFirstLastPara="1" rIns="91425" wrap="square" tIns="91425">
+          <a:bodyPr spcFirstLastPara="1" wrap="square" lIns="91425" tIns="91425" rIns="91425" bIns="91425" anchor="t" anchorCtr="0">
             <a:normAutofit/>
           </a:bodyPr>
           <a:lstStyle>
-            <a:lvl1pPr indent="-342900" lvl="0" marL="457200" algn="l">
+            <a:lvl1pPr marL="457200" lvl="0" indent="-342900" algn="l">
               <a:lnSpc>
                 <a:spcPct val="115000"/>
               </a:lnSpc>
@@ -3769,7 +3857,7 @@
               <a:buChar char="●"/>
               <a:defRPr/>
             </a:lvl1pPr>
-            <a:lvl2pPr indent="-317500" lvl="1" marL="914400" algn="l">
+            <a:lvl2pPr marL="914400" lvl="1" indent="-317500" algn="l">
               <a:lnSpc>
                 <a:spcPct val="115000"/>
               </a:lnSpc>
@@ -3783,7 +3871,7 @@
               <a:buChar char="○"/>
               <a:defRPr/>
             </a:lvl2pPr>
-            <a:lvl3pPr indent="-317500" lvl="2" marL="1371600" algn="l">
+            <a:lvl3pPr marL="1371600" lvl="2" indent="-317500" algn="l">
               <a:lnSpc>
                 <a:spcPct val="115000"/>
               </a:lnSpc>
@@ -3797,7 +3885,7 @@
               <a:buChar char="■"/>
               <a:defRPr/>
             </a:lvl3pPr>
-            <a:lvl4pPr indent="-317500" lvl="3" marL="1828800" algn="l">
+            <a:lvl4pPr marL="1828800" lvl="3" indent="-317500" algn="l">
               <a:lnSpc>
                 <a:spcPct val="115000"/>
               </a:lnSpc>
@@ -3811,7 +3899,7 @@
               <a:buChar char="●"/>
               <a:defRPr/>
             </a:lvl4pPr>
-            <a:lvl5pPr indent="-317500" lvl="4" marL="2286000" algn="l">
+            <a:lvl5pPr marL="2286000" lvl="4" indent="-317500" algn="l">
               <a:lnSpc>
                 <a:spcPct val="115000"/>
               </a:lnSpc>
@@ -3825,7 +3913,7 @@
               <a:buChar char="○"/>
               <a:defRPr/>
             </a:lvl5pPr>
-            <a:lvl6pPr indent="-317500" lvl="5" marL="2743200" algn="l">
+            <a:lvl6pPr marL="2743200" lvl="5" indent="-317500" algn="l">
               <a:lnSpc>
                 <a:spcPct val="115000"/>
               </a:lnSpc>
@@ -3839,7 +3927,7 @@
               <a:buChar char="■"/>
               <a:defRPr/>
             </a:lvl6pPr>
-            <a:lvl7pPr indent="-317500" lvl="6" marL="3200400" algn="l">
+            <a:lvl7pPr marL="3200400" lvl="6" indent="-317500" algn="l">
               <a:lnSpc>
                 <a:spcPct val="115000"/>
               </a:lnSpc>
@@ -3853,7 +3941,7 @@
               <a:buChar char="●"/>
               <a:defRPr/>
             </a:lvl7pPr>
-            <a:lvl8pPr indent="-317500" lvl="7" marL="3657600" algn="l">
+            <a:lvl8pPr marL="3657600" lvl="7" indent="-317500" algn="l">
               <a:lnSpc>
                 <a:spcPct val="115000"/>
               </a:lnSpc>
@@ -3867,7 +3955,7 @@
               <a:buChar char="○"/>
               <a:defRPr/>
             </a:lvl8pPr>
-            <a:lvl9pPr indent="-317500" lvl="8" marL="4114800" algn="l">
+            <a:lvl9pPr marL="4114800" lvl="8" indent="-317500" algn="l">
               <a:lnSpc>
                 <a:spcPct val="115000"/>
               </a:lnSpc>
@@ -3882,15 +3970,19 @@
               <a:defRPr/>
             </a:lvl9pPr>
           </a:lstStyle>
-          <a:p/>
+          <a:p>
+            <a:endParaRPr/>
+          </a:p>
         </p:txBody>
       </p:sp>
       <p:sp>
         <p:nvSpPr>
           <p:cNvPr id="16" name="Google Shape;16;p12"/>
-          <p:cNvSpPr txBox="1"/>
+          <p:cNvSpPr txBox="1">
+            <a:spLocks noGrp="1"/>
+          </p:cNvSpPr>
           <p:nvPr>
-            <p:ph idx="12" type="sldNum"/>
+            <p:ph type="sldNum" idx="12"/>
           </p:nvPr>
         </p:nvSpPr>
         <p:spPr>
@@ -3907,11 +3999,11 @@
           </a:ln>
         </p:spPr>
         <p:txBody>
-          <a:bodyPr anchorCtr="0" anchor="ctr" bIns="91425" lIns="91425" spcFirstLastPara="1" rIns="91425" wrap="square" tIns="91425">
+          <a:bodyPr spcFirstLastPara="1" wrap="square" lIns="91425" tIns="91425" rIns="91425" bIns="91425" anchor="ctr" anchorCtr="0">
             <a:normAutofit/>
           </a:bodyPr>
           <a:lstStyle>
-            <a:lvl1pPr indent="0" lvl="0" marL="0" marR="0" algn="r">
+            <a:lvl1pPr marL="0" marR="0" lvl="0" indent="0" algn="r">
               <a:lnSpc>
                 <a:spcPct val="100000"/>
               </a:lnSpc>
@@ -3927,7 +4019,7 @@
               <a:buSzPts val="1000"/>
               <a:buFont typeface="Arial"/>
               <a:buNone/>
-              <a:defRPr b="0" i="0" sz="1000" u="none" cap="none" strike="noStrike">
+              <a:defRPr sz="1000" b="0" i="0" u="none" strike="noStrike" cap="none">
                 <a:solidFill>
                   <a:schemeClr val="dk2"/>
                 </a:solidFill>
@@ -3937,7 +4029,7 @@
                 <a:sym typeface="Arial"/>
               </a:defRPr>
             </a:lvl1pPr>
-            <a:lvl2pPr indent="0" lvl="1" marL="0" marR="0" algn="r">
+            <a:lvl2pPr marL="0" marR="0" lvl="1" indent="0" algn="r">
               <a:lnSpc>
                 <a:spcPct val="100000"/>
               </a:lnSpc>
@@ -3953,7 +4045,7 @@
               <a:buSzPts val="1000"/>
               <a:buFont typeface="Arial"/>
               <a:buNone/>
-              <a:defRPr b="0" i="0" sz="1000" u="none" cap="none" strike="noStrike">
+              <a:defRPr sz="1000" b="0" i="0" u="none" strike="noStrike" cap="none">
                 <a:solidFill>
                   <a:schemeClr val="dk2"/>
                 </a:solidFill>
@@ -3963,7 +4055,7 @@
                 <a:sym typeface="Arial"/>
               </a:defRPr>
             </a:lvl2pPr>
-            <a:lvl3pPr indent="0" lvl="2" marL="0" marR="0" algn="r">
+            <a:lvl3pPr marL="0" marR="0" lvl="2" indent="0" algn="r">
               <a:lnSpc>
                 <a:spcPct val="100000"/>
               </a:lnSpc>
@@ -3979,7 +4071,7 @@
               <a:buSzPts val="1000"/>
               <a:buFont typeface="Arial"/>
               <a:buNone/>
-              <a:defRPr b="0" i="0" sz="1000" u="none" cap="none" strike="noStrike">
+              <a:defRPr sz="1000" b="0" i="0" u="none" strike="noStrike" cap="none">
                 <a:solidFill>
                   <a:schemeClr val="dk2"/>
                 </a:solidFill>
@@ -3989,7 +4081,7 @@
                 <a:sym typeface="Arial"/>
               </a:defRPr>
             </a:lvl3pPr>
-            <a:lvl4pPr indent="0" lvl="3" marL="0" marR="0" algn="r">
+            <a:lvl4pPr marL="0" marR="0" lvl="3" indent="0" algn="r">
               <a:lnSpc>
                 <a:spcPct val="100000"/>
               </a:lnSpc>
@@ -4005,7 +4097,7 @@
               <a:buSzPts val="1000"/>
               <a:buFont typeface="Arial"/>
               <a:buNone/>
-              <a:defRPr b="0" i="0" sz="1000" u="none" cap="none" strike="noStrike">
+              <a:defRPr sz="1000" b="0" i="0" u="none" strike="noStrike" cap="none">
                 <a:solidFill>
                   <a:schemeClr val="dk2"/>
                 </a:solidFill>
@@ -4015,7 +4107,7 @@
                 <a:sym typeface="Arial"/>
               </a:defRPr>
             </a:lvl4pPr>
-            <a:lvl5pPr indent="0" lvl="4" marL="0" marR="0" algn="r">
+            <a:lvl5pPr marL="0" marR="0" lvl="4" indent="0" algn="r">
               <a:lnSpc>
                 <a:spcPct val="100000"/>
               </a:lnSpc>
@@ -4031,7 +4123,7 @@
               <a:buSzPts val="1000"/>
               <a:buFont typeface="Arial"/>
               <a:buNone/>
-              <a:defRPr b="0" i="0" sz="1000" u="none" cap="none" strike="noStrike">
+              <a:defRPr sz="1000" b="0" i="0" u="none" strike="noStrike" cap="none">
                 <a:solidFill>
                   <a:schemeClr val="dk2"/>
                 </a:solidFill>
@@ -4041,7 +4133,7 @@
                 <a:sym typeface="Arial"/>
               </a:defRPr>
             </a:lvl5pPr>
-            <a:lvl6pPr indent="0" lvl="5" marL="0" marR="0" algn="r">
+            <a:lvl6pPr marL="0" marR="0" lvl="5" indent="0" algn="r">
               <a:lnSpc>
                 <a:spcPct val="100000"/>
               </a:lnSpc>
@@ -4057,7 +4149,7 @@
               <a:buSzPts val="1000"/>
               <a:buFont typeface="Arial"/>
               <a:buNone/>
-              <a:defRPr b="0" i="0" sz="1000" u="none" cap="none" strike="noStrike">
+              <a:defRPr sz="1000" b="0" i="0" u="none" strike="noStrike" cap="none">
                 <a:solidFill>
                   <a:schemeClr val="dk2"/>
                 </a:solidFill>
@@ -4067,7 +4159,7 @@
                 <a:sym typeface="Arial"/>
               </a:defRPr>
             </a:lvl6pPr>
-            <a:lvl7pPr indent="0" lvl="6" marL="0" marR="0" algn="r">
+            <a:lvl7pPr marL="0" marR="0" lvl="6" indent="0" algn="r">
               <a:lnSpc>
                 <a:spcPct val="100000"/>
               </a:lnSpc>
@@ -4083,7 +4175,7 @@
               <a:buSzPts val="1000"/>
               <a:buFont typeface="Arial"/>
               <a:buNone/>
-              <a:defRPr b="0" i="0" sz="1000" u="none" cap="none" strike="noStrike">
+              <a:defRPr sz="1000" b="0" i="0" u="none" strike="noStrike" cap="none">
                 <a:solidFill>
                   <a:schemeClr val="dk2"/>
                 </a:solidFill>
@@ -4093,7 +4185,7 @@
                 <a:sym typeface="Arial"/>
               </a:defRPr>
             </a:lvl7pPr>
-            <a:lvl8pPr indent="0" lvl="7" marL="0" marR="0" algn="r">
+            <a:lvl8pPr marL="0" marR="0" lvl="7" indent="0" algn="r">
               <a:lnSpc>
                 <a:spcPct val="100000"/>
               </a:lnSpc>
@@ -4109,7 +4201,7 @@
               <a:buSzPts val="1000"/>
               <a:buFont typeface="Arial"/>
               <a:buNone/>
-              <a:defRPr b="0" i="0" sz="1000" u="none" cap="none" strike="noStrike">
+              <a:defRPr sz="1000" b="0" i="0" u="none" strike="noStrike" cap="none">
                 <a:solidFill>
                   <a:schemeClr val="dk2"/>
                 </a:solidFill>
@@ -4119,7 +4211,7 @@
                 <a:sym typeface="Arial"/>
               </a:defRPr>
             </a:lvl8pPr>
-            <a:lvl9pPr indent="0" lvl="8" marL="0" marR="0" algn="r">
+            <a:lvl9pPr marL="0" marR="0" lvl="8" indent="0" algn="r">
               <a:lnSpc>
                 <a:spcPct val="100000"/>
               </a:lnSpc>
@@ -4135,7 +4227,7 @@
               <a:buSzPts val="1000"/>
               <a:buFont typeface="Arial"/>
               <a:buNone/>
-              <a:defRPr b="0" i="0" sz="1000" u="none" cap="none" strike="noStrike">
+              <a:defRPr sz="1000" b="0" i="0" u="none" strike="noStrike" cap="none">
                 <a:solidFill>
                   <a:schemeClr val="dk2"/>
                 </a:solidFill>
@@ -4147,7 +4239,7 @@
             </a:lvl9pPr>
           </a:lstStyle>
           <a:p>
-            <a:pPr indent="0" lvl="0" marL="0" rtl="0" algn="r">
+            <a:pPr marL="0" lvl="0" indent="0" algn="r" rtl="0">
               <a:spcBef>
                 <a:spcPts val="0"/>
               </a:spcBef>
@@ -4158,7 +4250,7 @@
             </a:pPr>
             <a:fld id="{00000000-1234-1234-1234-123412341234}" type="slidenum">
               <a:rPr lang="es-ES"/>
-              <a:t>‹#›</a:t>
+              <a:t>‹Nº›</a:t>
             </a:fld>
             <a:endParaRPr/>
           </a:p>
@@ -4173,11 +4265,11 @@
 </file>
 
 <file path=ppt/slideLayouts/slideLayout3.xml><?xml version="1.0" encoding="utf-8"?>
-<p:sldLayout xmlns:a="http://schemas.openxmlformats.org/drawingml/2006/main" xmlns:r="http://schemas.openxmlformats.org/officeDocument/2006/relationships" xmlns:mc="http://schemas.openxmlformats.org/markup-compatibility/2006" xmlns:mv="urn:schemas-microsoft-com:mac:vml" xmlns:p="http://schemas.openxmlformats.org/presentationml/2006/main" xmlns:c="http://schemas.openxmlformats.org/drawingml/2006/chart" xmlns:dgm="http://schemas.openxmlformats.org/drawingml/2006/diagram" xmlns:o="urn:schemas-microsoft-com:office:office" xmlns:v="urn:schemas-microsoft-com:vml" xmlns:pvml="urn:schemas-microsoft-com:office:powerpoint" xmlns:com="http://schemas.openxmlformats.org/drawingml/2006/compatibility" xmlns:p14="http://schemas.microsoft.com/office/powerpoint/2010/main" xmlns:p15="http://schemas.microsoft.com/office/powerpoint/2012/main" xmlns:ahyp="http://schemas.microsoft.com/office/drawing/2018/hyperlinkcolor" matchingName="Section header" type="secHead">
+<p:sldLayout xmlns:a="http://schemas.openxmlformats.org/drawingml/2006/main" xmlns:r="http://schemas.openxmlformats.org/officeDocument/2006/relationships" xmlns:p="http://schemas.openxmlformats.org/presentationml/2006/main" matchingName="Section header" type="secHead">
   <p:cSld name="SECTION_HEADER">
     <p:spTree>
       <p:nvGrpSpPr>
-        <p:cNvPr id="17" name="Shape 17"/>
+        <p:cNvPr id="1" name="Shape 17"/>
         <p:cNvGrpSpPr/>
         <p:nvPr/>
       </p:nvGrpSpPr>
@@ -4192,7 +4284,9 @@
       <p:sp>
         <p:nvSpPr>
           <p:cNvPr id="18" name="Google Shape;18;p13"/>
-          <p:cNvSpPr txBox="1"/>
+          <p:cNvSpPr txBox="1">
+            <a:spLocks noGrp="1"/>
+          </p:cNvSpPr>
           <p:nvPr>
             <p:ph type="title"/>
           </p:nvPr>
@@ -4211,7 +4305,7 @@
           </a:ln>
         </p:spPr>
         <p:txBody>
-          <a:bodyPr anchorCtr="0" anchor="ctr" bIns="91425" lIns="91425" spcFirstLastPara="1" rIns="91425" wrap="square" tIns="91425">
+          <a:bodyPr spcFirstLastPara="1" wrap="square" lIns="91425" tIns="91425" rIns="91425" bIns="91425" anchor="ctr" anchorCtr="0">
             <a:normAutofit/>
           </a:bodyPr>
           <a:lstStyle>
@@ -4342,15 +4436,19 @@
               <a:defRPr sz="3600"/>
             </a:lvl9pPr>
           </a:lstStyle>
-          <a:p/>
+          <a:p>
+            <a:endParaRPr/>
+          </a:p>
         </p:txBody>
       </p:sp>
       <p:sp>
         <p:nvSpPr>
           <p:cNvPr id="19" name="Google Shape;19;p13"/>
-          <p:cNvSpPr txBox="1"/>
+          <p:cNvSpPr txBox="1">
+            <a:spLocks noGrp="1"/>
+          </p:cNvSpPr>
           <p:nvPr>
-            <p:ph idx="12" type="sldNum"/>
+            <p:ph type="sldNum" idx="12"/>
           </p:nvPr>
         </p:nvSpPr>
         <p:spPr>
@@ -4367,11 +4465,11 @@
           </a:ln>
         </p:spPr>
         <p:txBody>
-          <a:bodyPr anchorCtr="0" anchor="ctr" bIns="91425" lIns="91425" spcFirstLastPara="1" rIns="91425" wrap="square" tIns="91425">
+          <a:bodyPr spcFirstLastPara="1" wrap="square" lIns="91425" tIns="91425" rIns="91425" bIns="91425" anchor="ctr" anchorCtr="0">
             <a:normAutofit/>
           </a:bodyPr>
           <a:lstStyle>
-            <a:lvl1pPr indent="0" lvl="0" marL="0" marR="0" algn="r">
+            <a:lvl1pPr marL="0" marR="0" lvl="0" indent="0" algn="r">
               <a:lnSpc>
                 <a:spcPct val="100000"/>
               </a:lnSpc>
@@ -4387,7 +4485,7 @@
               <a:buSzPts val="1000"/>
               <a:buFont typeface="Arial"/>
               <a:buNone/>
-              <a:defRPr b="0" i="0" sz="1000" u="none" cap="none" strike="noStrike">
+              <a:defRPr sz="1000" b="0" i="0" u="none" strike="noStrike" cap="none">
                 <a:solidFill>
                   <a:schemeClr val="dk2"/>
                 </a:solidFill>
@@ -4397,7 +4495,7 @@
                 <a:sym typeface="Arial"/>
               </a:defRPr>
             </a:lvl1pPr>
-            <a:lvl2pPr indent="0" lvl="1" marL="0" marR="0" algn="r">
+            <a:lvl2pPr marL="0" marR="0" lvl="1" indent="0" algn="r">
               <a:lnSpc>
                 <a:spcPct val="100000"/>
               </a:lnSpc>
@@ -4413,7 +4511,7 @@
               <a:buSzPts val="1000"/>
               <a:buFont typeface="Arial"/>
               <a:buNone/>
-              <a:defRPr b="0" i="0" sz="1000" u="none" cap="none" strike="noStrike">
+              <a:defRPr sz="1000" b="0" i="0" u="none" strike="noStrike" cap="none">
                 <a:solidFill>
                   <a:schemeClr val="dk2"/>
                 </a:solidFill>
@@ -4423,7 +4521,7 @@
                 <a:sym typeface="Arial"/>
               </a:defRPr>
             </a:lvl2pPr>
-            <a:lvl3pPr indent="0" lvl="2" marL="0" marR="0" algn="r">
+            <a:lvl3pPr marL="0" marR="0" lvl="2" indent="0" algn="r">
               <a:lnSpc>
                 <a:spcPct val="100000"/>
               </a:lnSpc>
@@ -4439,7 +4537,7 @@
               <a:buSzPts val="1000"/>
               <a:buFont typeface="Arial"/>
               <a:buNone/>
-              <a:defRPr b="0" i="0" sz="1000" u="none" cap="none" strike="noStrike">
+              <a:defRPr sz="1000" b="0" i="0" u="none" strike="noStrike" cap="none">
                 <a:solidFill>
                   <a:schemeClr val="dk2"/>
                 </a:solidFill>
@@ -4449,7 +4547,7 @@
                 <a:sym typeface="Arial"/>
               </a:defRPr>
             </a:lvl3pPr>
-            <a:lvl4pPr indent="0" lvl="3" marL="0" marR="0" algn="r">
+            <a:lvl4pPr marL="0" marR="0" lvl="3" indent="0" algn="r">
               <a:lnSpc>
                 <a:spcPct val="100000"/>
               </a:lnSpc>
@@ -4465,7 +4563,7 @@
               <a:buSzPts val="1000"/>
               <a:buFont typeface="Arial"/>
               <a:buNone/>
-              <a:defRPr b="0" i="0" sz="1000" u="none" cap="none" strike="noStrike">
+              <a:defRPr sz="1000" b="0" i="0" u="none" strike="noStrike" cap="none">
                 <a:solidFill>
                   <a:schemeClr val="dk2"/>
                 </a:solidFill>
@@ -4475,7 +4573,7 @@
                 <a:sym typeface="Arial"/>
               </a:defRPr>
             </a:lvl4pPr>
-            <a:lvl5pPr indent="0" lvl="4" marL="0" marR="0" algn="r">
+            <a:lvl5pPr marL="0" marR="0" lvl="4" indent="0" algn="r">
               <a:lnSpc>
                 <a:spcPct val="100000"/>
               </a:lnSpc>
@@ -4491,7 +4589,7 @@
               <a:buSzPts val="1000"/>
               <a:buFont typeface="Arial"/>
               <a:buNone/>
-              <a:defRPr b="0" i="0" sz="1000" u="none" cap="none" strike="noStrike">
+              <a:defRPr sz="1000" b="0" i="0" u="none" strike="noStrike" cap="none">
                 <a:solidFill>
                   <a:schemeClr val="dk2"/>
                 </a:solidFill>
@@ -4501,7 +4599,7 @@
                 <a:sym typeface="Arial"/>
               </a:defRPr>
             </a:lvl5pPr>
-            <a:lvl6pPr indent="0" lvl="5" marL="0" marR="0" algn="r">
+            <a:lvl6pPr marL="0" marR="0" lvl="5" indent="0" algn="r">
               <a:lnSpc>
                 <a:spcPct val="100000"/>
               </a:lnSpc>
@@ -4517,7 +4615,7 @@
               <a:buSzPts val="1000"/>
               <a:buFont typeface="Arial"/>
               <a:buNone/>
-              <a:defRPr b="0" i="0" sz="1000" u="none" cap="none" strike="noStrike">
+              <a:defRPr sz="1000" b="0" i="0" u="none" strike="noStrike" cap="none">
                 <a:solidFill>
                   <a:schemeClr val="dk2"/>
                 </a:solidFill>
@@ -4527,7 +4625,7 @@
                 <a:sym typeface="Arial"/>
               </a:defRPr>
             </a:lvl6pPr>
-            <a:lvl7pPr indent="0" lvl="6" marL="0" marR="0" algn="r">
+            <a:lvl7pPr marL="0" marR="0" lvl="6" indent="0" algn="r">
               <a:lnSpc>
                 <a:spcPct val="100000"/>
               </a:lnSpc>
@@ -4543,7 +4641,7 @@
               <a:buSzPts val="1000"/>
               <a:buFont typeface="Arial"/>
               <a:buNone/>
-              <a:defRPr b="0" i="0" sz="1000" u="none" cap="none" strike="noStrike">
+              <a:defRPr sz="1000" b="0" i="0" u="none" strike="noStrike" cap="none">
                 <a:solidFill>
                   <a:schemeClr val="dk2"/>
                 </a:solidFill>
@@ -4553,7 +4651,7 @@
                 <a:sym typeface="Arial"/>
               </a:defRPr>
             </a:lvl7pPr>
-            <a:lvl8pPr indent="0" lvl="7" marL="0" marR="0" algn="r">
+            <a:lvl8pPr marL="0" marR="0" lvl="7" indent="0" algn="r">
               <a:lnSpc>
                 <a:spcPct val="100000"/>
               </a:lnSpc>
@@ -4569,7 +4667,7 @@
               <a:buSzPts val="1000"/>
               <a:buFont typeface="Arial"/>
               <a:buNone/>
-              <a:defRPr b="0" i="0" sz="1000" u="none" cap="none" strike="noStrike">
+              <a:defRPr sz="1000" b="0" i="0" u="none" strike="noStrike" cap="none">
                 <a:solidFill>
                   <a:schemeClr val="dk2"/>
                 </a:solidFill>
@@ -4579,7 +4677,7 @@
                 <a:sym typeface="Arial"/>
               </a:defRPr>
             </a:lvl8pPr>
-            <a:lvl9pPr indent="0" lvl="8" marL="0" marR="0" algn="r">
+            <a:lvl9pPr marL="0" marR="0" lvl="8" indent="0" algn="r">
               <a:lnSpc>
                 <a:spcPct val="100000"/>
               </a:lnSpc>
@@ -4595,7 +4693,7 @@
               <a:buSzPts val="1000"/>
               <a:buFont typeface="Arial"/>
               <a:buNone/>
-              <a:defRPr b="0" i="0" sz="1000" u="none" cap="none" strike="noStrike">
+              <a:defRPr sz="1000" b="0" i="0" u="none" strike="noStrike" cap="none">
                 <a:solidFill>
                   <a:schemeClr val="dk2"/>
                 </a:solidFill>
@@ -4607,7 +4705,7 @@
             </a:lvl9pPr>
           </a:lstStyle>
           <a:p>
-            <a:pPr indent="0" lvl="0" marL="0" rtl="0" algn="r">
+            <a:pPr marL="0" lvl="0" indent="0" algn="r" rtl="0">
               <a:spcBef>
                 <a:spcPts val="0"/>
               </a:spcBef>
@@ -4618,7 +4716,7 @@
             </a:pPr>
             <a:fld id="{00000000-1234-1234-1234-123412341234}" type="slidenum">
               <a:rPr lang="es-ES"/>
-              <a:t>‹#›</a:t>
+              <a:t>‹Nº›</a:t>
             </a:fld>
             <a:endParaRPr/>
           </a:p>
@@ -4633,11 +4731,11 @@
 </file>
 
 <file path=ppt/slideLayouts/slideLayout4.xml><?xml version="1.0" encoding="utf-8"?>
-<p:sldLayout xmlns:a="http://schemas.openxmlformats.org/drawingml/2006/main" xmlns:r="http://schemas.openxmlformats.org/officeDocument/2006/relationships" xmlns:mc="http://schemas.openxmlformats.org/markup-compatibility/2006" xmlns:mv="urn:schemas-microsoft-com:mac:vml" xmlns:p="http://schemas.openxmlformats.org/presentationml/2006/main" xmlns:c="http://schemas.openxmlformats.org/drawingml/2006/chart" xmlns:dgm="http://schemas.openxmlformats.org/drawingml/2006/diagram" xmlns:o="urn:schemas-microsoft-com:office:office" xmlns:v="urn:schemas-microsoft-com:vml" xmlns:pvml="urn:schemas-microsoft-com:office:powerpoint" xmlns:com="http://schemas.openxmlformats.org/drawingml/2006/compatibility" xmlns:p14="http://schemas.microsoft.com/office/powerpoint/2010/main" xmlns:p15="http://schemas.microsoft.com/office/powerpoint/2012/main" xmlns:ahyp="http://schemas.microsoft.com/office/drawing/2018/hyperlinkcolor" matchingName="Title and two columns" type="twoColTx">
+<p:sldLayout xmlns:a="http://schemas.openxmlformats.org/drawingml/2006/main" xmlns:r="http://schemas.openxmlformats.org/officeDocument/2006/relationships" xmlns:p="http://schemas.openxmlformats.org/presentationml/2006/main" matchingName="Title and two columns" type="twoColTx">
   <p:cSld name="TITLE_AND_TWO_COLUMNS">
     <p:spTree>
       <p:nvGrpSpPr>
-        <p:cNvPr id="20" name="Shape 20"/>
+        <p:cNvPr id="1" name="Shape 20"/>
         <p:cNvGrpSpPr/>
         <p:nvPr/>
       </p:nvGrpSpPr>
@@ -4652,7 +4750,9 @@
       <p:sp>
         <p:nvSpPr>
           <p:cNvPr id="21" name="Google Shape;21;p14"/>
-          <p:cNvSpPr txBox="1"/>
+          <p:cNvSpPr txBox="1">
+            <a:spLocks noGrp="1"/>
+          </p:cNvSpPr>
           <p:nvPr>
             <p:ph type="title"/>
           </p:nvPr>
@@ -4671,7 +4771,7 @@
           </a:ln>
         </p:spPr>
         <p:txBody>
-          <a:bodyPr anchorCtr="0" anchor="t" bIns="91425" lIns="91425" spcFirstLastPara="1" rIns="91425" wrap="square" tIns="91425">
+          <a:bodyPr spcFirstLastPara="1" wrap="square" lIns="91425" tIns="91425" rIns="91425" bIns="91425" anchor="t" anchorCtr="0">
             <a:normAutofit/>
           </a:bodyPr>
           <a:lstStyle>
@@ -4802,15 +4902,19 @@
               <a:defRPr/>
             </a:lvl9pPr>
           </a:lstStyle>
-          <a:p/>
+          <a:p>
+            <a:endParaRPr/>
+          </a:p>
         </p:txBody>
       </p:sp>
       <p:sp>
         <p:nvSpPr>
           <p:cNvPr id="22" name="Google Shape;22;p14"/>
-          <p:cNvSpPr txBox="1"/>
+          <p:cNvSpPr txBox="1">
+            <a:spLocks noGrp="1"/>
+          </p:cNvSpPr>
           <p:nvPr>
-            <p:ph idx="1" type="body"/>
+            <p:ph type="body" idx="1"/>
           </p:nvPr>
         </p:nvSpPr>
         <p:spPr>
@@ -4827,11 +4931,11 @@
           </a:ln>
         </p:spPr>
         <p:txBody>
-          <a:bodyPr anchorCtr="0" anchor="t" bIns="91425" lIns="91425" spcFirstLastPara="1" rIns="91425" wrap="square" tIns="91425">
+          <a:bodyPr spcFirstLastPara="1" wrap="square" lIns="91425" tIns="91425" rIns="91425" bIns="91425" anchor="t" anchorCtr="0">
             <a:normAutofit/>
           </a:bodyPr>
           <a:lstStyle>
-            <a:lvl1pPr indent="-317500" lvl="0" marL="457200" algn="l">
+            <a:lvl1pPr marL="457200" lvl="0" indent="-317500" algn="l">
               <a:lnSpc>
                 <a:spcPct val="115000"/>
               </a:lnSpc>
@@ -4845,7 +4949,7 @@
               <a:buChar char="●"/>
               <a:defRPr sz="1400"/>
             </a:lvl1pPr>
-            <a:lvl2pPr indent="-304800" lvl="1" marL="914400" algn="l">
+            <a:lvl2pPr marL="914400" lvl="1" indent="-304800" algn="l">
               <a:lnSpc>
                 <a:spcPct val="115000"/>
               </a:lnSpc>
@@ -4859,7 +4963,7 @@
               <a:buChar char="○"/>
               <a:defRPr sz="1200"/>
             </a:lvl2pPr>
-            <a:lvl3pPr indent="-304800" lvl="2" marL="1371600" algn="l">
+            <a:lvl3pPr marL="1371600" lvl="2" indent="-304800" algn="l">
               <a:lnSpc>
                 <a:spcPct val="115000"/>
               </a:lnSpc>
@@ -4873,7 +4977,7 @@
               <a:buChar char="■"/>
               <a:defRPr sz="1200"/>
             </a:lvl3pPr>
-            <a:lvl4pPr indent="-304800" lvl="3" marL="1828800" algn="l">
+            <a:lvl4pPr marL="1828800" lvl="3" indent="-304800" algn="l">
               <a:lnSpc>
                 <a:spcPct val="115000"/>
               </a:lnSpc>
@@ -4887,7 +4991,7 @@
               <a:buChar char="●"/>
               <a:defRPr sz="1200"/>
             </a:lvl4pPr>
-            <a:lvl5pPr indent="-304800" lvl="4" marL="2286000" algn="l">
+            <a:lvl5pPr marL="2286000" lvl="4" indent="-304800" algn="l">
               <a:lnSpc>
                 <a:spcPct val="115000"/>
               </a:lnSpc>
@@ -4901,7 +5005,7 @@
               <a:buChar char="○"/>
               <a:defRPr sz="1200"/>
             </a:lvl5pPr>
-            <a:lvl6pPr indent="-304800" lvl="5" marL="2743200" algn="l">
+            <a:lvl6pPr marL="2743200" lvl="5" indent="-304800" algn="l">
               <a:lnSpc>
                 <a:spcPct val="115000"/>
               </a:lnSpc>
@@ -4915,7 +5019,7 @@
               <a:buChar char="■"/>
               <a:defRPr sz="1200"/>
             </a:lvl6pPr>
-            <a:lvl7pPr indent="-304800" lvl="6" marL="3200400" algn="l">
+            <a:lvl7pPr marL="3200400" lvl="6" indent="-304800" algn="l">
               <a:lnSpc>
                 <a:spcPct val="115000"/>
               </a:lnSpc>
@@ -4929,7 +5033,7 @@
               <a:buChar char="●"/>
               <a:defRPr sz="1200"/>
             </a:lvl7pPr>
-            <a:lvl8pPr indent="-304800" lvl="7" marL="3657600" algn="l">
+            <a:lvl8pPr marL="3657600" lvl="7" indent="-304800" algn="l">
               <a:lnSpc>
                 <a:spcPct val="115000"/>
               </a:lnSpc>
@@ -4943,7 +5047,7 @@
               <a:buChar char="○"/>
               <a:defRPr sz="1200"/>
             </a:lvl8pPr>
-            <a:lvl9pPr indent="-304800" lvl="8" marL="4114800" algn="l">
+            <a:lvl9pPr marL="4114800" lvl="8" indent="-304800" algn="l">
               <a:lnSpc>
                 <a:spcPct val="115000"/>
               </a:lnSpc>
@@ -4958,15 +5062,19 @@
               <a:defRPr sz="1200"/>
             </a:lvl9pPr>
           </a:lstStyle>
-          <a:p/>
+          <a:p>
+            <a:endParaRPr/>
+          </a:p>
         </p:txBody>
       </p:sp>
       <p:sp>
         <p:nvSpPr>
           <p:cNvPr id="23" name="Google Shape;23;p14"/>
-          <p:cNvSpPr txBox="1"/>
+          <p:cNvSpPr txBox="1">
+            <a:spLocks noGrp="1"/>
+          </p:cNvSpPr>
           <p:nvPr>
-            <p:ph idx="2" type="body"/>
+            <p:ph type="body" idx="2"/>
           </p:nvPr>
         </p:nvSpPr>
         <p:spPr>
@@ -4983,11 +5091,11 @@
           </a:ln>
         </p:spPr>
         <p:txBody>
-          <a:bodyPr anchorCtr="0" anchor="t" bIns="91425" lIns="91425" spcFirstLastPara="1" rIns="91425" wrap="square" tIns="91425">
+          <a:bodyPr spcFirstLastPara="1" wrap="square" lIns="91425" tIns="91425" rIns="91425" bIns="91425" anchor="t" anchorCtr="0">
             <a:normAutofit/>
           </a:bodyPr>
           <a:lstStyle>
-            <a:lvl1pPr indent="-317500" lvl="0" marL="457200" algn="l">
+            <a:lvl1pPr marL="457200" lvl="0" indent="-317500" algn="l">
               <a:lnSpc>
                 <a:spcPct val="115000"/>
               </a:lnSpc>
@@ -5001,7 +5109,7 @@
               <a:buChar char="●"/>
               <a:defRPr sz="1400"/>
             </a:lvl1pPr>
-            <a:lvl2pPr indent="-304800" lvl="1" marL="914400" algn="l">
+            <a:lvl2pPr marL="914400" lvl="1" indent="-304800" algn="l">
               <a:lnSpc>
                 <a:spcPct val="115000"/>
               </a:lnSpc>
@@ -5015,7 +5123,7 @@
               <a:buChar char="○"/>
               <a:defRPr sz="1200"/>
             </a:lvl2pPr>
-            <a:lvl3pPr indent="-304800" lvl="2" marL="1371600" algn="l">
+            <a:lvl3pPr marL="1371600" lvl="2" indent="-304800" algn="l">
               <a:lnSpc>
                 <a:spcPct val="115000"/>
               </a:lnSpc>
@@ -5029,7 +5137,7 @@
               <a:buChar char="■"/>
               <a:defRPr sz="1200"/>
             </a:lvl3pPr>
-            <a:lvl4pPr indent="-304800" lvl="3" marL="1828800" algn="l">
+            <a:lvl4pPr marL="1828800" lvl="3" indent="-304800" algn="l">
               <a:lnSpc>
                 <a:spcPct val="115000"/>
               </a:lnSpc>
@@ -5043,7 +5151,7 @@
               <a:buChar char="●"/>
               <a:defRPr sz="1200"/>
             </a:lvl4pPr>
-            <a:lvl5pPr indent="-304800" lvl="4" marL="2286000" algn="l">
+            <a:lvl5pPr marL="2286000" lvl="4" indent="-304800" algn="l">
               <a:lnSpc>
                 <a:spcPct val="115000"/>
               </a:lnSpc>
@@ -5057,7 +5165,7 @@
               <a:buChar char="○"/>
               <a:defRPr sz="1200"/>
             </a:lvl5pPr>
-            <a:lvl6pPr indent="-304800" lvl="5" marL="2743200" algn="l">
+            <a:lvl6pPr marL="2743200" lvl="5" indent="-304800" algn="l">
               <a:lnSpc>
                 <a:spcPct val="115000"/>
               </a:lnSpc>
@@ -5071,7 +5179,7 @@
               <a:buChar char="■"/>
               <a:defRPr sz="1200"/>
             </a:lvl6pPr>
-            <a:lvl7pPr indent="-304800" lvl="6" marL="3200400" algn="l">
+            <a:lvl7pPr marL="3200400" lvl="6" indent="-304800" algn="l">
               <a:lnSpc>
                 <a:spcPct val="115000"/>
               </a:lnSpc>
@@ -5085,7 +5193,7 @@
               <a:buChar char="●"/>
               <a:defRPr sz="1200"/>
             </a:lvl7pPr>
-            <a:lvl8pPr indent="-304800" lvl="7" marL="3657600" algn="l">
+            <a:lvl8pPr marL="3657600" lvl="7" indent="-304800" algn="l">
               <a:lnSpc>
                 <a:spcPct val="115000"/>
               </a:lnSpc>
@@ -5099,7 +5207,7 @@
               <a:buChar char="○"/>
               <a:defRPr sz="1200"/>
             </a:lvl8pPr>
-            <a:lvl9pPr indent="-304800" lvl="8" marL="4114800" algn="l">
+            <a:lvl9pPr marL="4114800" lvl="8" indent="-304800" algn="l">
               <a:lnSpc>
                 <a:spcPct val="115000"/>
               </a:lnSpc>
@@ -5114,15 +5222,19 @@
               <a:defRPr sz="1200"/>
             </a:lvl9pPr>
           </a:lstStyle>
-          <a:p/>
+          <a:p>
+            <a:endParaRPr/>
+          </a:p>
         </p:txBody>
       </p:sp>
       <p:sp>
         <p:nvSpPr>
           <p:cNvPr id="24" name="Google Shape;24;p14"/>
-          <p:cNvSpPr txBox="1"/>
+          <p:cNvSpPr txBox="1">
+            <a:spLocks noGrp="1"/>
+          </p:cNvSpPr>
           <p:nvPr>
-            <p:ph idx="12" type="sldNum"/>
+            <p:ph type="sldNum" idx="12"/>
           </p:nvPr>
         </p:nvSpPr>
         <p:spPr>
@@ -5139,11 +5251,11 @@
           </a:ln>
         </p:spPr>
         <p:txBody>
-          <a:bodyPr anchorCtr="0" anchor="ctr" bIns="91425" lIns="91425" spcFirstLastPara="1" rIns="91425" wrap="square" tIns="91425">
+          <a:bodyPr spcFirstLastPara="1" wrap="square" lIns="91425" tIns="91425" rIns="91425" bIns="91425" anchor="ctr" anchorCtr="0">
             <a:normAutofit/>
           </a:bodyPr>
           <a:lstStyle>
-            <a:lvl1pPr indent="0" lvl="0" marL="0" marR="0" algn="r">
+            <a:lvl1pPr marL="0" marR="0" lvl="0" indent="0" algn="r">
               <a:lnSpc>
                 <a:spcPct val="100000"/>
               </a:lnSpc>
@@ -5159,7 +5271,7 @@
               <a:buSzPts val="1000"/>
               <a:buFont typeface="Arial"/>
               <a:buNone/>
-              <a:defRPr b="0" i="0" sz="1000" u="none" cap="none" strike="noStrike">
+              <a:defRPr sz="1000" b="0" i="0" u="none" strike="noStrike" cap="none">
                 <a:solidFill>
                   <a:schemeClr val="dk2"/>
                 </a:solidFill>
@@ -5169,7 +5281,7 @@
                 <a:sym typeface="Arial"/>
               </a:defRPr>
             </a:lvl1pPr>
-            <a:lvl2pPr indent="0" lvl="1" marL="0" marR="0" algn="r">
+            <a:lvl2pPr marL="0" marR="0" lvl="1" indent="0" algn="r">
               <a:lnSpc>
                 <a:spcPct val="100000"/>
               </a:lnSpc>
@@ -5185,7 +5297,7 @@
               <a:buSzPts val="1000"/>
               <a:buFont typeface="Arial"/>
               <a:buNone/>
-              <a:defRPr b="0" i="0" sz="1000" u="none" cap="none" strike="noStrike">
+              <a:defRPr sz="1000" b="0" i="0" u="none" strike="noStrike" cap="none">
                 <a:solidFill>
                   <a:schemeClr val="dk2"/>
                 </a:solidFill>
@@ -5195,7 +5307,7 @@
                 <a:sym typeface="Arial"/>
               </a:defRPr>
             </a:lvl2pPr>
-            <a:lvl3pPr indent="0" lvl="2" marL="0" marR="0" algn="r">
+            <a:lvl3pPr marL="0" marR="0" lvl="2" indent="0" algn="r">
               <a:lnSpc>
                 <a:spcPct val="100000"/>
               </a:lnSpc>
@@ -5211,7 +5323,7 @@
               <a:buSzPts val="1000"/>
               <a:buFont typeface="Arial"/>
               <a:buNone/>
-              <a:defRPr b="0" i="0" sz="1000" u="none" cap="none" strike="noStrike">
+              <a:defRPr sz="1000" b="0" i="0" u="none" strike="noStrike" cap="none">
                 <a:solidFill>
                   <a:schemeClr val="dk2"/>
                 </a:solidFill>
@@ -5221,7 +5333,7 @@
                 <a:sym typeface="Arial"/>
               </a:defRPr>
             </a:lvl3pPr>
-            <a:lvl4pPr indent="0" lvl="3" marL="0" marR="0" algn="r">
+            <a:lvl4pPr marL="0" marR="0" lvl="3" indent="0" algn="r">
               <a:lnSpc>
                 <a:spcPct val="100000"/>
               </a:lnSpc>
@@ -5237,7 +5349,7 @@
               <a:buSzPts val="1000"/>
               <a:buFont typeface="Arial"/>
               <a:buNone/>
-              <a:defRPr b="0" i="0" sz="1000" u="none" cap="none" strike="noStrike">
+              <a:defRPr sz="1000" b="0" i="0" u="none" strike="noStrike" cap="none">
                 <a:solidFill>
                   <a:schemeClr val="dk2"/>
                 </a:solidFill>
@@ -5247,7 +5359,7 @@
                 <a:sym typeface="Arial"/>
               </a:defRPr>
             </a:lvl4pPr>
-            <a:lvl5pPr indent="0" lvl="4" marL="0" marR="0" algn="r">
+            <a:lvl5pPr marL="0" marR="0" lvl="4" indent="0" algn="r">
               <a:lnSpc>
                 <a:spcPct val="100000"/>
               </a:lnSpc>
@@ -5263,7 +5375,7 @@
               <a:buSzPts val="1000"/>
               <a:buFont typeface="Arial"/>
               <a:buNone/>
-              <a:defRPr b="0" i="0" sz="1000" u="none" cap="none" strike="noStrike">
+              <a:defRPr sz="1000" b="0" i="0" u="none" strike="noStrike" cap="none">
                 <a:solidFill>
                   <a:schemeClr val="dk2"/>
                 </a:solidFill>
@@ -5273,7 +5385,7 @@
                 <a:sym typeface="Arial"/>
               </a:defRPr>
             </a:lvl5pPr>
-            <a:lvl6pPr indent="0" lvl="5" marL="0" marR="0" algn="r">
+            <a:lvl6pPr marL="0" marR="0" lvl="5" indent="0" algn="r">
               <a:lnSpc>
                 <a:spcPct val="100000"/>
               </a:lnSpc>
@@ -5289,7 +5401,7 @@
               <a:buSzPts val="1000"/>
               <a:buFont typeface="Arial"/>
               <a:buNone/>
-              <a:defRPr b="0" i="0" sz="1000" u="none" cap="none" strike="noStrike">
+              <a:defRPr sz="1000" b="0" i="0" u="none" strike="noStrike" cap="none">
                 <a:solidFill>
                   <a:schemeClr val="dk2"/>
                 </a:solidFill>
@@ -5299,7 +5411,7 @@
                 <a:sym typeface="Arial"/>
               </a:defRPr>
             </a:lvl6pPr>
-            <a:lvl7pPr indent="0" lvl="6" marL="0" marR="0" algn="r">
+            <a:lvl7pPr marL="0" marR="0" lvl="6" indent="0" algn="r">
               <a:lnSpc>
                 <a:spcPct val="100000"/>
               </a:lnSpc>
@@ -5315,7 +5427,7 @@
               <a:buSzPts val="1000"/>
               <a:buFont typeface="Arial"/>
               <a:buNone/>
-              <a:defRPr b="0" i="0" sz="1000" u="none" cap="none" strike="noStrike">
+              <a:defRPr sz="1000" b="0" i="0" u="none" strike="noStrike" cap="none">
                 <a:solidFill>
                   <a:schemeClr val="dk2"/>
                 </a:solidFill>
@@ -5325,7 +5437,7 @@
                 <a:sym typeface="Arial"/>
               </a:defRPr>
             </a:lvl7pPr>
-            <a:lvl8pPr indent="0" lvl="7" marL="0" marR="0" algn="r">
+            <a:lvl8pPr marL="0" marR="0" lvl="7" indent="0" algn="r">
               <a:lnSpc>
                 <a:spcPct val="100000"/>
               </a:lnSpc>
@@ -5341,7 +5453,7 @@
               <a:buSzPts val="1000"/>
               <a:buFont typeface="Arial"/>
               <a:buNone/>
-              <a:defRPr b="0" i="0" sz="1000" u="none" cap="none" strike="noStrike">
+              <a:defRPr sz="1000" b="0" i="0" u="none" strike="noStrike" cap="none">
                 <a:solidFill>
                   <a:schemeClr val="dk2"/>
                 </a:solidFill>
@@ -5351,7 +5463,7 @@
                 <a:sym typeface="Arial"/>
               </a:defRPr>
             </a:lvl8pPr>
-            <a:lvl9pPr indent="0" lvl="8" marL="0" marR="0" algn="r">
+            <a:lvl9pPr marL="0" marR="0" lvl="8" indent="0" algn="r">
               <a:lnSpc>
                 <a:spcPct val="100000"/>
               </a:lnSpc>
@@ -5367,7 +5479,7 @@
               <a:buSzPts val="1000"/>
               <a:buFont typeface="Arial"/>
               <a:buNone/>
-              <a:defRPr b="0" i="0" sz="1000" u="none" cap="none" strike="noStrike">
+              <a:defRPr sz="1000" b="0" i="0" u="none" strike="noStrike" cap="none">
                 <a:solidFill>
                   <a:schemeClr val="dk2"/>
                 </a:solidFill>
@@ -5379,7 +5491,7 @@
             </a:lvl9pPr>
           </a:lstStyle>
           <a:p>
-            <a:pPr indent="0" lvl="0" marL="0" rtl="0" algn="r">
+            <a:pPr marL="0" lvl="0" indent="0" algn="r" rtl="0">
               <a:spcBef>
                 <a:spcPts val="0"/>
               </a:spcBef>
@@ -5390,7 +5502,7 @@
             </a:pPr>
             <a:fld id="{00000000-1234-1234-1234-123412341234}" type="slidenum">
               <a:rPr lang="es-ES"/>
-              <a:t>‹#›</a:t>
+              <a:t>‹Nº›</a:t>
             </a:fld>
             <a:endParaRPr/>
           </a:p>
@@ -5405,11 +5517,11 @@
 </file>
 
 <file path=ppt/slideLayouts/slideLayout5.xml><?xml version="1.0" encoding="utf-8"?>
-<p:sldLayout xmlns:a="http://schemas.openxmlformats.org/drawingml/2006/main" xmlns:r="http://schemas.openxmlformats.org/officeDocument/2006/relationships" xmlns:mc="http://schemas.openxmlformats.org/markup-compatibility/2006" xmlns:mv="urn:schemas-microsoft-com:mac:vml" xmlns:p="http://schemas.openxmlformats.org/presentationml/2006/main" xmlns:c="http://schemas.openxmlformats.org/drawingml/2006/chart" xmlns:dgm="http://schemas.openxmlformats.org/drawingml/2006/diagram" xmlns:o="urn:schemas-microsoft-com:office:office" xmlns:v="urn:schemas-microsoft-com:vml" xmlns:pvml="urn:schemas-microsoft-com:office:powerpoint" xmlns:com="http://schemas.openxmlformats.org/drawingml/2006/compatibility" xmlns:p14="http://schemas.microsoft.com/office/powerpoint/2010/main" xmlns:p15="http://schemas.microsoft.com/office/powerpoint/2012/main" xmlns:ahyp="http://schemas.microsoft.com/office/drawing/2018/hyperlinkcolor" matchingName="Title only" type="titleOnly">
+<p:sldLayout xmlns:a="http://schemas.openxmlformats.org/drawingml/2006/main" xmlns:r="http://schemas.openxmlformats.org/officeDocument/2006/relationships" xmlns:p="http://schemas.openxmlformats.org/presentationml/2006/main" matchingName="Title only" type="titleOnly">
   <p:cSld name="TITLE_ONLY">
     <p:spTree>
       <p:nvGrpSpPr>
-        <p:cNvPr id="25" name="Shape 25"/>
+        <p:cNvPr id="1" name="Shape 25"/>
         <p:cNvGrpSpPr/>
         <p:nvPr/>
       </p:nvGrpSpPr>
@@ -5424,7 +5536,9 @@
       <p:sp>
         <p:nvSpPr>
           <p:cNvPr id="26" name="Google Shape;26;p15"/>
-          <p:cNvSpPr txBox="1"/>
+          <p:cNvSpPr txBox="1">
+            <a:spLocks noGrp="1"/>
+          </p:cNvSpPr>
           <p:nvPr>
             <p:ph type="title"/>
           </p:nvPr>
@@ -5443,7 +5557,7 @@
           </a:ln>
         </p:spPr>
         <p:txBody>
-          <a:bodyPr anchorCtr="0" anchor="t" bIns="91425" lIns="91425" spcFirstLastPara="1" rIns="91425" wrap="square" tIns="91425">
+          <a:bodyPr spcFirstLastPara="1" wrap="square" lIns="91425" tIns="91425" rIns="91425" bIns="91425" anchor="t" anchorCtr="0">
             <a:normAutofit/>
           </a:bodyPr>
           <a:lstStyle>
@@ -5574,15 +5688,19 @@
               <a:defRPr/>
             </a:lvl9pPr>
           </a:lstStyle>
-          <a:p/>
+          <a:p>
+            <a:endParaRPr/>
+          </a:p>
         </p:txBody>
       </p:sp>
       <p:sp>
         <p:nvSpPr>
           <p:cNvPr id="27" name="Google Shape;27;p15"/>
-          <p:cNvSpPr txBox="1"/>
+          <p:cNvSpPr txBox="1">
+            <a:spLocks noGrp="1"/>
+          </p:cNvSpPr>
           <p:nvPr>
-            <p:ph idx="12" type="sldNum"/>
+            <p:ph type="sldNum" idx="12"/>
           </p:nvPr>
         </p:nvSpPr>
         <p:spPr>
@@ -5599,11 +5717,11 @@
           </a:ln>
         </p:spPr>
         <p:txBody>
-          <a:bodyPr anchorCtr="0" anchor="ctr" bIns="91425" lIns="91425" spcFirstLastPara="1" rIns="91425" wrap="square" tIns="91425">
+          <a:bodyPr spcFirstLastPara="1" wrap="square" lIns="91425" tIns="91425" rIns="91425" bIns="91425" anchor="ctr" anchorCtr="0">
             <a:normAutofit/>
           </a:bodyPr>
           <a:lstStyle>
-            <a:lvl1pPr indent="0" lvl="0" marL="0" marR="0" algn="r">
+            <a:lvl1pPr marL="0" marR="0" lvl="0" indent="0" algn="r">
               <a:lnSpc>
                 <a:spcPct val="100000"/>
               </a:lnSpc>
@@ -5619,7 +5737,7 @@
               <a:buSzPts val="1000"/>
               <a:buFont typeface="Arial"/>
               <a:buNone/>
-              <a:defRPr b="0" i="0" sz="1000" u="none" cap="none" strike="noStrike">
+              <a:defRPr sz="1000" b="0" i="0" u="none" strike="noStrike" cap="none">
                 <a:solidFill>
                   <a:schemeClr val="dk2"/>
                 </a:solidFill>
@@ -5629,7 +5747,7 @@
                 <a:sym typeface="Arial"/>
               </a:defRPr>
             </a:lvl1pPr>
-            <a:lvl2pPr indent="0" lvl="1" marL="0" marR="0" algn="r">
+            <a:lvl2pPr marL="0" marR="0" lvl="1" indent="0" algn="r">
               <a:lnSpc>
                 <a:spcPct val="100000"/>
               </a:lnSpc>
@@ -5645,7 +5763,7 @@
               <a:buSzPts val="1000"/>
               <a:buFont typeface="Arial"/>
               <a:buNone/>
-              <a:defRPr b="0" i="0" sz="1000" u="none" cap="none" strike="noStrike">
+              <a:defRPr sz="1000" b="0" i="0" u="none" strike="noStrike" cap="none">
                 <a:solidFill>
                   <a:schemeClr val="dk2"/>
                 </a:solidFill>
@@ -5655,7 +5773,7 @@
                 <a:sym typeface="Arial"/>
               </a:defRPr>
             </a:lvl2pPr>
-            <a:lvl3pPr indent="0" lvl="2" marL="0" marR="0" algn="r">
+            <a:lvl3pPr marL="0" marR="0" lvl="2" indent="0" algn="r">
               <a:lnSpc>
                 <a:spcPct val="100000"/>
               </a:lnSpc>
@@ -5671,7 +5789,7 @@
               <a:buSzPts val="1000"/>
               <a:buFont typeface="Arial"/>
               <a:buNone/>
-              <a:defRPr b="0" i="0" sz="1000" u="none" cap="none" strike="noStrike">
+              <a:defRPr sz="1000" b="0" i="0" u="none" strike="noStrike" cap="none">
                 <a:solidFill>
                   <a:schemeClr val="dk2"/>
                 </a:solidFill>
@@ -5681,7 +5799,7 @@
                 <a:sym typeface="Arial"/>
               </a:defRPr>
             </a:lvl3pPr>
-            <a:lvl4pPr indent="0" lvl="3" marL="0" marR="0" algn="r">
+            <a:lvl4pPr marL="0" marR="0" lvl="3" indent="0" algn="r">
               <a:lnSpc>
                 <a:spcPct val="100000"/>
               </a:lnSpc>
@@ -5697,7 +5815,7 @@
               <a:buSzPts val="1000"/>
               <a:buFont typeface="Arial"/>
               <a:buNone/>
-              <a:defRPr b="0" i="0" sz="1000" u="none" cap="none" strike="noStrike">
+              <a:defRPr sz="1000" b="0" i="0" u="none" strike="noStrike" cap="none">
                 <a:solidFill>
                   <a:schemeClr val="dk2"/>
                 </a:solidFill>
@@ -5707,7 +5825,7 @@
                 <a:sym typeface="Arial"/>
               </a:defRPr>
             </a:lvl4pPr>
-            <a:lvl5pPr indent="0" lvl="4" marL="0" marR="0" algn="r">
+            <a:lvl5pPr marL="0" marR="0" lvl="4" indent="0" algn="r">
               <a:lnSpc>
                 <a:spcPct val="100000"/>
               </a:lnSpc>
@@ -5723,7 +5841,7 @@
               <a:buSzPts val="1000"/>
               <a:buFont typeface="Arial"/>
               <a:buNone/>
-              <a:defRPr b="0" i="0" sz="1000" u="none" cap="none" strike="noStrike">
+              <a:defRPr sz="1000" b="0" i="0" u="none" strike="noStrike" cap="none">
                 <a:solidFill>
                   <a:schemeClr val="dk2"/>
                 </a:solidFill>
@@ -5733,7 +5851,7 @@
                 <a:sym typeface="Arial"/>
               </a:defRPr>
             </a:lvl5pPr>
-            <a:lvl6pPr indent="0" lvl="5" marL="0" marR="0" algn="r">
+            <a:lvl6pPr marL="0" marR="0" lvl="5" indent="0" algn="r">
               <a:lnSpc>
                 <a:spcPct val="100000"/>
               </a:lnSpc>
@@ -5749,7 +5867,7 @@
               <a:buSzPts val="1000"/>
               <a:buFont typeface="Arial"/>
               <a:buNone/>
-              <a:defRPr b="0" i="0" sz="1000" u="none" cap="none" strike="noStrike">
+              <a:defRPr sz="1000" b="0" i="0" u="none" strike="noStrike" cap="none">
                 <a:solidFill>
                   <a:schemeClr val="dk2"/>
                 </a:solidFill>
@@ -5759,7 +5877,7 @@
                 <a:sym typeface="Arial"/>
               </a:defRPr>
             </a:lvl6pPr>
-            <a:lvl7pPr indent="0" lvl="6" marL="0" marR="0" algn="r">
+            <a:lvl7pPr marL="0" marR="0" lvl="6" indent="0" algn="r">
               <a:lnSpc>
                 <a:spcPct val="100000"/>
               </a:lnSpc>
@@ -5775,7 +5893,7 @@
               <a:buSzPts val="1000"/>
               <a:buFont typeface="Arial"/>
               <a:buNone/>
-              <a:defRPr b="0" i="0" sz="1000" u="none" cap="none" strike="noStrike">
+              <a:defRPr sz="1000" b="0" i="0" u="none" strike="noStrike" cap="none">
                 <a:solidFill>
                   <a:schemeClr val="dk2"/>
                 </a:solidFill>
@@ -5785,7 +5903,7 @@
                 <a:sym typeface="Arial"/>
               </a:defRPr>
             </a:lvl7pPr>
-            <a:lvl8pPr indent="0" lvl="7" marL="0" marR="0" algn="r">
+            <a:lvl8pPr marL="0" marR="0" lvl="7" indent="0" algn="r">
               <a:lnSpc>
                 <a:spcPct val="100000"/>
               </a:lnSpc>
@@ -5801,7 +5919,7 @@
               <a:buSzPts val="1000"/>
               <a:buFont typeface="Arial"/>
               <a:buNone/>
-              <a:defRPr b="0" i="0" sz="1000" u="none" cap="none" strike="noStrike">
+              <a:defRPr sz="1000" b="0" i="0" u="none" strike="noStrike" cap="none">
                 <a:solidFill>
                   <a:schemeClr val="dk2"/>
                 </a:solidFill>
@@ -5811,7 +5929,7 @@
                 <a:sym typeface="Arial"/>
               </a:defRPr>
             </a:lvl8pPr>
-            <a:lvl9pPr indent="0" lvl="8" marL="0" marR="0" algn="r">
+            <a:lvl9pPr marL="0" marR="0" lvl="8" indent="0" algn="r">
               <a:lnSpc>
                 <a:spcPct val="100000"/>
               </a:lnSpc>
@@ -5827,7 +5945,7 @@
               <a:buSzPts val="1000"/>
               <a:buFont typeface="Arial"/>
               <a:buNone/>
-              <a:defRPr b="0" i="0" sz="1000" u="none" cap="none" strike="noStrike">
+              <a:defRPr sz="1000" b="0" i="0" u="none" strike="noStrike" cap="none">
                 <a:solidFill>
                   <a:schemeClr val="dk2"/>
                 </a:solidFill>
@@ -5839,7 +5957,7 @@
             </a:lvl9pPr>
           </a:lstStyle>
           <a:p>
-            <a:pPr indent="0" lvl="0" marL="0" rtl="0" algn="r">
+            <a:pPr marL="0" lvl="0" indent="0" algn="r" rtl="0">
               <a:spcBef>
                 <a:spcPts val="0"/>
               </a:spcBef>
@@ -5850,7 +5968,7 @@
             </a:pPr>
             <a:fld id="{00000000-1234-1234-1234-123412341234}" type="slidenum">
               <a:rPr lang="es-ES"/>
-              <a:t>‹#›</a:t>
+              <a:t>‹Nº›</a:t>
             </a:fld>
             <a:endParaRPr/>
           </a:p>
@@ -5865,11 +5983,11 @@
 </file>
 
 <file path=ppt/slideLayouts/slideLayout6.xml><?xml version="1.0" encoding="utf-8"?>
-<p:sldLayout xmlns:a="http://schemas.openxmlformats.org/drawingml/2006/main" xmlns:r="http://schemas.openxmlformats.org/officeDocument/2006/relationships" xmlns:mc="http://schemas.openxmlformats.org/markup-compatibility/2006" xmlns:mv="urn:schemas-microsoft-com:mac:vml" xmlns:p="http://schemas.openxmlformats.org/presentationml/2006/main" xmlns:c="http://schemas.openxmlformats.org/drawingml/2006/chart" xmlns:dgm="http://schemas.openxmlformats.org/drawingml/2006/diagram" xmlns:o="urn:schemas-microsoft-com:office:office" xmlns:v="urn:schemas-microsoft-com:vml" xmlns:pvml="urn:schemas-microsoft-com:office:powerpoint" xmlns:com="http://schemas.openxmlformats.org/drawingml/2006/compatibility" xmlns:p14="http://schemas.microsoft.com/office/powerpoint/2010/main" xmlns:p15="http://schemas.microsoft.com/office/powerpoint/2012/main" xmlns:ahyp="http://schemas.microsoft.com/office/drawing/2018/hyperlinkcolor" matchingName="One column text">
+<p:sldLayout xmlns:a="http://schemas.openxmlformats.org/drawingml/2006/main" xmlns:r="http://schemas.openxmlformats.org/officeDocument/2006/relationships" xmlns:p="http://schemas.openxmlformats.org/presentationml/2006/main" matchingName="One column text">
   <p:cSld name="ONE_COLUMN_TEXT">
     <p:spTree>
       <p:nvGrpSpPr>
-        <p:cNvPr id="28" name="Shape 28"/>
+        <p:cNvPr id="1" name="Shape 28"/>
         <p:cNvGrpSpPr/>
         <p:nvPr/>
       </p:nvGrpSpPr>
@@ -5884,7 +6002,9 @@
       <p:sp>
         <p:nvSpPr>
           <p:cNvPr id="29" name="Google Shape;29;p16"/>
-          <p:cNvSpPr txBox="1"/>
+          <p:cNvSpPr txBox="1">
+            <a:spLocks noGrp="1"/>
+          </p:cNvSpPr>
           <p:nvPr>
             <p:ph type="title"/>
           </p:nvPr>
@@ -5903,7 +6023,7 @@
           </a:ln>
         </p:spPr>
         <p:txBody>
-          <a:bodyPr anchorCtr="0" anchor="b" bIns="91425" lIns="91425" spcFirstLastPara="1" rIns="91425" wrap="square" tIns="91425">
+          <a:bodyPr spcFirstLastPara="1" wrap="square" lIns="91425" tIns="91425" rIns="91425" bIns="91425" anchor="b" anchorCtr="0">
             <a:normAutofit/>
           </a:bodyPr>
           <a:lstStyle>
@@ -6034,15 +6154,19 @@
               <a:defRPr sz="2400"/>
             </a:lvl9pPr>
           </a:lstStyle>
-          <a:p/>
+          <a:p>
+            <a:endParaRPr/>
+          </a:p>
         </p:txBody>
       </p:sp>
       <p:sp>
         <p:nvSpPr>
           <p:cNvPr id="30" name="Google Shape;30;p16"/>
-          <p:cNvSpPr txBox="1"/>
+          <p:cNvSpPr txBox="1">
+            <a:spLocks noGrp="1"/>
+          </p:cNvSpPr>
           <p:nvPr>
-            <p:ph idx="1" type="body"/>
+            <p:ph type="body" idx="1"/>
           </p:nvPr>
         </p:nvSpPr>
         <p:spPr>
@@ -6059,11 +6183,11 @@
           </a:ln>
         </p:spPr>
         <p:txBody>
-          <a:bodyPr anchorCtr="0" anchor="t" bIns="91425" lIns="91425" spcFirstLastPara="1" rIns="91425" wrap="square" tIns="91425">
+          <a:bodyPr spcFirstLastPara="1" wrap="square" lIns="91425" tIns="91425" rIns="91425" bIns="91425" anchor="t" anchorCtr="0">
             <a:normAutofit/>
           </a:bodyPr>
           <a:lstStyle>
-            <a:lvl1pPr indent="-304800" lvl="0" marL="457200" algn="l">
+            <a:lvl1pPr marL="457200" lvl="0" indent="-304800" algn="l">
               <a:lnSpc>
                 <a:spcPct val="115000"/>
               </a:lnSpc>
@@ -6077,7 +6201,7 @@
               <a:buChar char="●"/>
               <a:defRPr sz="1200"/>
             </a:lvl1pPr>
-            <a:lvl2pPr indent="-304800" lvl="1" marL="914400" algn="l">
+            <a:lvl2pPr marL="914400" lvl="1" indent="-304800" algn="l">
               <a:lnSpc>
                 <a:spcPct val="115000"/>
               </a:lnSpc>
@@ -6091,7 +6215,7 @@
               <a:buChar char="○"/>
               <a:defRPr sz="1200"/>
             </a:lvl2pPr>
-            <a:lvl3pPr indent="-304800" lvl="2" marL="1371600" algn="l">
+            <a:lvl3pPr marL="1371600" lvl="2" indent="-304800" algn="l">
               <a:lnSpc>
                 <a:spcPct val="115000"/>
               </a:lnSpc>
@@ -6105,7 +6229,7 @@
               <a:buChar char="■"/>
               <a:defRPr sz="1200"/>
             </a:lvl3pPr>
-            <a:lvl4pPr indent="-304800" lvl="3" marL="1828800" algn="l">
+            <a:lvl4pPr marL="1828800" lvl="3" indent="-304800" algn="l">
               <a:lnSpc>
                 <a:spcPct val="115000"/>
               </a:lnSpc>
@@ -6119,7 +6243,7 @@
               <a:buChar char="●"/>
               <a:defRPr sz="1200"/>
             </a:lvl4pPr>
-            <a:lvl5pPr indent="-304800" lvl="4" marL="2286000" algn="l">
+            <a:lvl5pPr marL="2286000" lvl="4" indent="-304800" algn="l">
               <a:lnSpc>
                 <a:spcPct val="115000"/>
               </a:lnSpc>
@@ -6133,7 +6257,7 @@
               <a:buChar char="○"/>
               <a:defRPr sz="1200"/>
             </a:lvl5pPr>
-            <a:lvl6pPr indent="-304800" lvl="5" marL="2743200" algn="l">
+            <a:lvl6pPr marL="2743200" lvl="5" indent="-304800" algn="l">
               <a:lnSpc>
                 <a:spcPct val="115000"/>
               </a:lnSpc>
@@ -6147,7 +6271,7 @@
               <a:buChar char="■"/>
               <a:defRPr sz="1200"/>
             </a:lvl6pPr>
-            <a:lvl7pPr indent="-304800" lvl="6" marL="3200400" algn="l">
+            <a:lvl7pPr marL="3200400" lvl="6" indent="-304800" algn="l">
               <a:lnSpc>
                 <a:spcPct val="115000"/>
               </a:lnSpc>
@@ -6161,7 +6285,7 @@
               <a:buChar char="●"/>
               <a:defRPr sz="1200"/>
             </a:lvl7pPr>
-            <a:lvl8pPr indent="-304800" lvl="7" marL="3657600" algn="l">
+            <a:lvl8pPr marL="3657600" lvl="7" indent="-304800" algn="l">
               <a:lnSpc>
                 <a:spcPct val="115000"/>
               </a:lnSpc>
@@ -6175,7 +6299,7 @@
               <a:buChar char="○"/>
               <a:defRPr sz="1200"/>
             </a:lvl8pPr>
-            <a:lvl9pPr indent="-304800" lvl="8" marL="4114800" algn="l">
+            <a:lvl9pPr marL="4114800" lvl="8" indent="-304800" algn="l">
               <a:lnSpc>
                 <a:spcPct val="115000"/>
               </a:lnSpc>
@@ -6190,15 +6314,19 @@
               <a:defRPr sz="1200"/>
             </a:lvl9pPr>
           </a:lstStyle>
-          <a:p/>
+          <a:p>
+            <a:endParaRPr/>
+          </a:p>
         </p:txBody>
       </p:sp>
       <p:sp>
         <p:nvSpPr>
           <p:cNvPr id="31" name="Google Shape;31;p16"/>
-          <p:cNvSpPr txBox="1"/>
+          <p:cNvSpPr txBox="1">
+            <a:spLocks noGrp="1"/>
+          </p:cNvSpPr>
           <p:nvPr>
-            <p:ph idx="12" type="sldNum"/>
+            <p:ph type="sldNum" idx="12"/>
           </p:nvPr>
         </p:nvSpPr>
         <p:spPr>
@@ -6215,11 +6343,11 @@
           </a:ln>
         </p:spPr>
         <p:txBody>
-          <a:bodyPr anchorCtr="0" anchor="ctr" bIns="91425" lIns="91425" spcFirstLastPara="1" rIns="91425" wrap="square" tIns="91425">
+          <a:bodyPr spcFirstLastPara="1" wrap="square" lIns="91425" tIns="91425" rIns="91425" bIns="91425" anchor="ctr" anchorCtr="0">
             <a:normAutofit/>
           </a:bodyPr>
           <a:lstStyle>
-            <a:lvl1pPr indent="0" lvl="0" marL="0" marR="0" algn="r">
+            <a:lvl1pPr marL="0" marR="0" lvl="0" indent="0" algn="r">
               <a:lnSpc>
                 <a:spcPct val="100000"/>
               </a:lnSpc>
@@ -6235,7 +6363,7 @@
               <a:buSzPts val="1000"/>
               <a:buFont typeface="Arial"/>
               <a:buNone/>
-              <a:defRPr b="0" i="0" sz="1000" u="none" cap="none" strike="noStrike">
+              <a:defRPr sz="1000" b="0" i="0" u="none" strike="noStrike" cap="none">
                 <a:solidFill>
                   <a:schemeClr val="dk2"/>
                 </a:solidFill>
@@ -6245,7 +6373,7 @@
                 <a:sym typeface="Arial"/>
               </a:defRPr>
             </a:lvl1pPr>
-            <a:lvl2pPr indent="0" lvl="1" marL="0" marR="0" algn="r">
+            <a:lvl2pPr marL="0" marR="0" lvl="1" indent="0" algn="r">
               <a:lnSpc>
                 <a:spcPct val="100000"/>
               </a:lnSpc>
@@ -6261,7 +6389,7 @@
               <a:buSzPts val="1000"/>
               <a:buFont typeface="Arial"/>
               <a:buNone/>
-              <a:defRPr b="0" i="0" sz="1000" u="none" cap="none" strike="noStrike">
+              <a:defRPr sz="1000" b="0" i="0" u="none" strike="noStrike" cap="none">
                 <a:solidFill>
                   <a:schemeClr val="dk2"/>
                 </a:solidFill>
@@ -6271,7 +6399,7 @@
                 <a:sym typeface="Arial"/>
               </a:defRPr>
             </a:lvl2pPr>
-            <a:lvl3pPr indent="0" lvl="2" marL="0" marR="0" algn="r">
+            <a:lvl3pPr marL="0" marR="0" lvl="2" indent="0" algn="r">
               <a:lnSpc>
                 <a:spcPct val="100000"/>
               </a:lnSpc>
@@ -6287,7 +6415,7 @@
               <a:buSzPts val="1000"/>
               <a:buFont typeface="Arial"/>
               <a:buNone/>
-              <a:defRPr b="0" i="0" sz="1000" u="none" cap="none" strike="noStrike">
+              <a:defRPr sz="1000" b="0" i="0" u="none" strike="noStrike" cap="none">
                 <a:solidFill>
                   <a:schemeClr val="dk2"/>
                 </a:solidFill>
@@ -6297,7 +6425,7 @@
                 <a:sym typeface="Arial"/>
               </a:defRPr>
             </a:lvl3pPr>
-            <a:lvl4pPr indent="0" lvl="3" marL="0" marR="0" algn="r">
+            <a:lvl4pPr marL="0" marR="0" lvl="3" indent="0" algn="r">
               <a:lnSpc>
                 <a:spcPct val="100000"/>
               </a:lnSpc>
@@ -6313,7 +6441,7 @@
               <a:buSzPts val="1000"/>
               <a:buFont typeface="Arial"/>
               <a:buNone/>
-              <a:defRPr b="0" i="0" sz="1000" u="none" cap="none" strike="noStrike">
+              <a:defRPr sz="1000" b="0" i="0" u="none" strike="noStrike" cap="none">
                 <a:solidFill>
                   <a:schemeClr val="dk2"/>
                 </a:solidFill>
@@ -6323,7 +6451,7 @@
                 <a:sym typeface="Arial"/>
               </a:defRPr>
             </a:lvl4pPr>
-            <a:lvl5pPr indent="0" lvl="4" marL="0" marR="0" algn="r">
+            <a:lvl5pPr marL="0" marR="0" lvl="4" indent="0" algn="r">
               <a:lnSpc>
                 <a:spcPct val="100000"/>
               </a:lnSpc>
@@ -6339,7 +6467,7 @@
               <a:buSzPts val="1000"/>
               <a:buFont typeface="Arial"/>
               <a:buNone/>
-              <a:defRPr b="0" i="0" sz="1000" u="none" cap="none" strike="noStrike">
+              <a:defRPr sz="1000" b="0" i="0" u="none" strike="noStrike" cap="none">
                 <a:solidFill>
                   <a:schemeClr val="dk2"/>
                 </a:solidFill>
@@ -6349,7 +6477,7 @@
                 <a:sym typeface="Arial"/>
               </a:defRPr>
             </a:lvl5pPr>
-            <a:lvl6pPr indent="0" lvl="5" marL="0" marR="0" algn="r">
+            <a:lvl6pPr marL="0" marR="0" lvl="5" indent="0" algn="r">
               <a:lnSpc>
                 <a:spcPct val="100000"/>
               </a:lnSpc>
@@ -6365,7 +6493,7 @@
               <a:buSzPts val="1000"/>
               <a:buFont typeface="Arial"/>
               <a:buNone/>
-              <a:defRPr b="0" i="0" sz="1000" u="none" cap="none" strike="noStrike">
+              <a:defRPr sz="1000" b="0" i="0" u="none" strike="noStrike" cap="none">
                 <a:solidFill>
                   <a:schemeClr val="dk2"/>
                 </a:solidFill>
@@ -6375,7 +6503,7 @@
                 <a:sym typeface="Arial"/>
               </a:defRPr>
             </a:lvl6pPr>
-            <a:lvl7pPr indent="0" lvl="6" marL="0" marR="0" algn="r">
+            <a:lvl7pPr marL="0" marR="0" lvl="6" indent="0" algn="r">
               <a:lnSpc>
                 <a:spcPct val="100000"/>
               </a:lnSpc>
@@ -6391,7 +6519,7 @@
               <a:buSzPts val="1000"/>
               <a:buFont typeface="Arial"/>
               <a:buNone/>
-              <a:defRPr b="0" i="0" sz="1000" u="none" cap="none" strike="noStrike">
+              <a:defRPr sz="1000" b="0" i="0" u="none" strike="noStrike" cap="none">
                 <a:solidFill>
                   <a:schemeClr val="dk2"/>
                 </a:solidFill>
@@ -6401,7 +6529,7 @@
                 <a:sym typeface="Arial"/>
               </a:defRPr>
             </a:lvl7pPr>
-            <a:lvl8pPr indent="0" lvl="7" marL="0" marR="0" algn="r">
+            <a:lvl8pPr marL="0" marR="0" lvl="7" indent="0" algn="r">
               <a:lnSpc>
                 <a:spcPct val="100000"/>
               </a:lnSpc>
@@ -6417,7 +6545,7 @@
               <a:buSzPts val="1000"/>
               <a:buFont typeface="Arial"/>
               <a:buNone/>
-              <a:defRPr b="0" i="0" sz="1000" u="none" cap="none" strike="noStrike">
+              <a:defRPr sz="1000" b="0" i="0" u="none" strike="noStrike" cap="none">
                 <a:solidFill>
                   <a:schemeClr val="dk2"/>
                 </a:solidFill>
@@ -6427,7 +6555,7 @@
                 <a:sym typeface="Arial"/>
               </a:defRPr>
             </a:lvl8pPr>
-            <a:lvl9pPr indent="0" lvl="8" marL="0" marR="0" algn="r">
+            <a:lvl9pPr marL="0" marR="0" lvl="8" indent="0" algn="r">
               <a:lnSpc>
                 <a:spcPct val="100000"/>
               </a:lnSpc>
@@ -6443,7 +6571,7 @@
               <a:buSzPts val="1000"/>
               <a:buFont typeface="Arial"/>
               <a:buNone/>
-              <a:defRPr b="0" i="0" sz="1000" u="none" cap="none" strike="noStrike">
+              <a:defRPr sz="1000" b="0" i="0" u="none" strike="noStrike" cap="none">
                 <a:solidFill>
                   <a:schemeClr val="dk2"/>
                 </a:solidFill>
@@ -6455,7 +6583,7 @@
             </a:lvl9pPr>
           </a:lstStyle>
           <a:p>
-            <a:pPr indent="0" lvl="0" marL="0" rtl="0" algn="r">
+            <a:pPr marL="0" lvl="0" indent="0" algn="r" rtl="0">
               <a:spcBef>
                 <a:spcPts val="0"/>
               </a:spcBef>
@@ -6466,7 +6594,7 @@
             </a:pPr>
             <a:fld id="{00000000-1234-1234-1234-123412341234}" type="slidenum">
               <a:rPr lang="es-ES"/>
-              <a:t>‹#›</a:t>
+              <a:t>‹Nº›</a:t>
             </a:fld>
             <a:endParaRPr/>
           </a:p>
@@ -6481,11 +6609,11 @@
 </file>
 
 <file path=ppt/slideLayouts/slideLayout7.xml><?xml version="1.0" encoding="utf-8"?>
-<p:sldLayout xmlns:a="http://schemas.openxmlformats.org/drawingml/2006/main" xmlns:r="http://schemas.openxmlformats.org/officeDocument/2006/relationships" xmlns:mc="http://schemas.openxmlformats.org/markup-compatibility/2006" xmlns:mv="urn:schemas-microsoft-com:mac:vml" xmlns:p="http://schemas.openxmlformats.org/presentationml/2006/main" xmlns:c="http://schemas.openxmlformats.org/drawingml/2006/chart" xmlns:dgm="http://schemas.openxmlformats.org/drawingml/2006/diagram" xmlns:o="urn:schemas-microsoft-com:office:office" xmlns:v="urn:schemas-microsoft-com:vml" xmlns:pvml="urn:schemas-microsoft-com:office:powerpoint" xmlns:com="http://schemas.openxmlformats.org/drawingml/2006/compatibility" xmlns:p14="http://schemas.microsoft.com/office/powerpoint/2010/main" xmlns:p15="http://schemas.microsoft.com/office/powerpoint/2012/main" xmlns:ahyp="http://schemas.microsoft.com/office/drawing/2018/hyperlinkcolor" matchingName="Main point">
+<p:sldLayout xmlns:a="http://schemas.openxmlformats.org/drawingml/2006/main" xmlns:r="http://schemas.openxmlformats.org/officeDocument/2006/relationships" xmlns:p="http://schemas.openxmlformats.org/presentationml/2006/main" matchingName="Main point">
   <p:cSld name="MAIN_POINT">
     <p:spTree>
       <p:nvGrpSpPr>
-        <p:cNvPr id="32" name="Shape 32"/>
+        <p:cNvPr id="1" name="Shape 32"/>
         <p:cNvGrpSpPr/>
         <p:nvPr/>
       </p:nvGrpSpPr>
@@ -6500,7 +6628,9 @@
       <p:sp>
         <p:nvSpPr>
           <p:cNvPr id="33" name="Google Shape;33;p17"/>
-          <p:cNvSpPr txBox="1"/>
+          <p:cNvSpPr txBox="1">
+            <a:spLocks noGrp="1"/>
+          </p:cNvSpPr>
           <p:nvPr>
             <p:ph type="title"/>
           </p:nvPr>
@@ -6519,7 +6649,7 @@
           </a:ln>
         </p:spPr>
         <p:txBody>
-          <a:bodyPr anchorCtr="0" anchor="ctr" bIns="91425" lIns="91425" spcFirstLastPara="1" rIns="91425" wrap="square" tIns="91425">
+          <a:bodyPr spcFirstLastPara="1" wrap="square" lIns="91425" tIns="91425" rIns="91425" bIns="91425" anchor="ctr" anchorCtr="0">
             <a:normAutofit/>
           </a:bodyPr>
           <a:lstStyle>
@@ -6650,15 +6780,19 @@
               <a:defRPr sz="4800"/>
             </a:lvl9pPr>
           </a:lstStyle>
-          <a:p/>
+          <a:p>
+            <a:endParaRPr/>
+          </a:p>
         </p:txBody>
       </p:sp>
       <p:sp>
         <p:nvSpPr>
           <p:cNvPr id="34" name="Google Shape;34;p17"/>
-          <p:cNvSpPr txBox="1"/>
+          <p:cNvSpPr txBox="1">
+            <a:spLocks noGrp="1"/>
+          </p:cNvSpPr>
           <p:nvPr>
-            <p:ph idx="12" type="sldNum"/>
+            <p:ph type="sldNum" idx="12"/>
           </p:nvPr>
         </p:nvSpPr>
         <p:spPr>
@@ -6675,11 +6809,11 @@
           </a:ln>
         </p:spPr>
         <p:txBody>
-          <a:bodyPr anchorCtr="0" anchor="ctr" bIns="91425" lIns="91425" spcFirstLastPara="1" rIns="91425" wrap="square" tIns="91425">
+          <a:bodyPr spcFirstLastPara="1" wrap="square" lIns="91425" tIns="91425" rIns="91425" bIns="91425" anchor="ctr" anchorCtr="0">
             <a:normAutofit/>
           </a:bodyPr>
           <a:lstStyle>
-            <a:lvl1pPr indent="0" lvl="0" marL="0" marR="0" algn="r">
+            <a:lvl1pPr marL="0" marR="0" lvl="0" indent="0" algn="r">
               <a:lnSpc>
                 <a:spcPct val="100000"/>
               </a:lnSpc>
@@ -6695,7 +6829,7 @@
               <a:buSzPts val="1000"/>
               <a:buFont typeface="Arial"/>
               <a:buNone/>
-              <a:defRPr b="0" i="0" sz="1000" u="none" cap="none" strike="noStrike">
+              <a:defRPr sz="1000" b="0" i="0" u="none" strike="noStrike" cap="none">
                 <a:solidFill>
                   <a:schemeClr val="dk2"/>
                 </a:solidFill>
@@ -6705,7 +6839,7 @@
                 <a:sym typeface="Arial"/>
               </a:defRPr>
             </a:lvl1pPr>
-            <a:lvl2pPr indent="0" lvl="1" marL="0" marR="0" algn="r">
+            <a:lvl2pPr marL="0" marR="0" lvl="1" indent="0" algn="r">
               <a:lnSpc>
                 <a:spcPct val="100000"/>
               </a:lnSpc>
@@ -6721,7 +6855,7 @@
               <a:buSzPts val="1000"/>
               <a:buFont typeface="Arial"/>
               <a:buNone/>
-              <a:defRPr b="0" i="0" sz="1000" u="none" cap="none" strike="noStrike">
+              <a:defRPr sz="1000" b="0" i="0" u="none" strike="noStrike" cap="none">
                 <a:solidFill>
                   <a:schemeClr val="dk2"/>
                 </a:solidFill>
@@ -6731,7 +6865,7 @@
                 <a:sym typeface="Arial"/>
               </a:defRPr>
             </a:lvl2pPr>
-            <a:lvl3pPr indent="0" lvl="2" marL="0" marR="0" algn="r">
+            <a:lvl3pPr marL="0" marR="0" lvl="2" indent="0" algn="r">
               <a:lnSpc>
                 <a:spcPct val="100000"/>
               </a:lnSpc>
@@ -6747,7 +6881,7 @@
               <a:buSzPts val="1000"/>
               <a:buFont typeface="Arial"/>
               <a:buNone/>
-              <a:defRPr b="0" i="0" sz="1000" u="none" cap="none" strike="noStrike">
+              <a:defRPr sz="1000" b="0" i="0" u="none" strike="noStrike" cap="none">
                 <a:solidFill>
                   <a:schemeClr val="dk2"/>
                 </a:solidFill>
@@ -6757,7 +6891,7 @@
                 <a:sym typeface="Arial"/>
               </a:defRPr>
             </a:lvl3pPr>
-            <a:lvl4pPr indent="0" lvl="3" marL="0" marR="0" algn="r">
+            <a:lvl4pPr marL="0" marR="0" lvl="3" indent="0" algn="r">
               <a:lnSpc>
                 <a:spcPct val="100000"/>
               </a:lnSpc>
@@ -6773,7 +6907,7 @@
               <a:buSzPts val="1000"/>
               <a:buFont typeface="Arial"/>
               <a:buNone/>
-              <a:defRPr b="0" i="0" sz="1000" u="none" cap="none" strike="noStrike">
+              <a:defRPr sz="1000" b="0" i="0" u="none" strike="noStrike" cap="none">
                 <a:solidFill>
                   <a:schemeClr val="dk2"/>
                 </a:solidFill>
@@ -6783,7 +6917,7 @@
                 <a:sym typeface="Arial"/>
               </a:defRPr>
             </a:lvl4pPr>
-            <a:lvl5pPr indent="0" lvl="4" marL="0" marR="0" algn="r">
+            <a:lvl5pPr marL="0" marR="0" lvl="4" indent="0" algn="r">
               <a:lnSpc>
                 <a:spcPct val="100000"/>
               </a:lnSpc>
@@ -6799,7 +6933,7 @@
               <a:buSzPts val="1000"/>
               <a:buFont typeface="Arial"/>
               <a:buNone/>
-              <a:defRPr b="0" i="0" sz="1000" u="none" cap="none" strike="noStrike">
+              <a:defRPr sz="1000" b="0" i="0" u="none" strike="noStrike" cap="none">
                 <a:solidFill>
                   <a:schemeClr val="dk2"/>
                 </a:solidFill>
@@ -6809,7 +6943,7 @@
                 <a:sym typeface="Arial"/>
               </a:defRPr>
             </a:lvl5pPr>
-            <a:lvl6pPr indent="0" lvl="5" marL="0" marR="0" algn="r">
+            <a:lvl6pPr marL="0" marR="0" lvl="5" indent="0" algn="r">
               <a:lnSpc>
                 <a:spcPct val="100000"/>
               </a:lnSpc>
@@ -6825,7 +6959,7 @@
               <a:buSzPts val="1000"/>
               <a:buFont typeface="Arial"/>
               <a:buNone/>
-              <a:defRPr b="0" i="0" sz="1000" u="none" cap="none" strike="noStrike">
+              <a:defRPr sz="1000" b="0" i="0" u="none" strike="noStrike" cap="none">
                 <a:solidFill>
                   <a:schemeClr val="dk2"/>
                 </a:solidFill>
@@ -6835,7 +6969,7 @@
                 <a:sym typeface="Arial"/>
               </a:defRPr>
             </a:lvl6pPr>
-            <a:lvl7pPr indent="0" lvl="6" marL="0" marR="0" algn="r">
+            <a:lvl7pPr marL="0" marR="0" lvl="6" indent="0" algn="r">
               <a:lnSpc>
                 <a:spcPct val="100000"/>
               </a:lnSpc>
@@ -6851,7 +6985,7 @@
               <a:buSzPts val="1000"/>
               <a:buFont typeface="Arial"/>
               <a:buNone/>
-              <a:defRPr b="0" i="0" sz="1000" u="none" cap="none" strike="noStrike">
+              <a:defRPr sz="1000" b="0" i="0" u="none" strike="noStrike" cap="none">
                 <a:solidFill>
                   <a:schemeClr val="dk2"/>
                 </a:solidFill>
@@ -6861,7 +6995,7 @@
                 <a:sym typeface="Arial"/>
               </a:defRPr>
             </a:lvl7pPr>
-            <a:lvl8pPr indent="0" lvl="7" marL="0" marR="0" algn="r">
+            <a:lvl8pPr marL="0" marR="0" lvl="7" indent="0" algn="r">
               <a:lnSpc>
                 <a:spcPct val="100000"/>
               </a:lnSpc>
@@ -6877,7 +7011,7 @@
               <a:buSzPts val="1000"/>
               <a:buFont typeface="Arial"/>
               <a:buNone/>
-              <a:defRPr b="0" i="0" sz="1000" u="none" cap="none" strike="noStrike">
+              <a:defRPr sz="1000" b="0" i="0" u="none" strike="noStrike" cap="none">
                 <a:solidFill>
                   <a:schemeClr val="dk2"/>
                 </a:solidFill>
@@ -6887,7 +7021,7 @@
                 <a:sym typeface="Arial"/>
               </a:defRPr>
             </a:lvl8pPr>
-            <a:lvl9pPr indent="0" lvl="8" marL="0" marR="0" algn="r">
+            <a:lvl9pPr marL="0" marR="0" lvl="8" indent="0" algn="r">
               <a:lnSpc>
                 <a:spcPct val="100000"/>
               </a:lnSpc>
@@ -6903,7 +7037,7 @@
               <a:buSzPts val="1000"/>
               <a:buFont typeface="Arial"/>
               <a:buNone/>
-              <a:defRPr b="0" i="0" sz="1000" u="none" cap="none" strike="noStrike">
+              <a:defRPr sz="1000" b="0" i="0" u="none" strike="noStrike" cap="none">
                 <a:solidFill>
                   <a:schemeClr val="dk2"/>
                 </a:solidFill>
@@ -6915,7 +7049,7 @@
             </a:lvl9pPr>
           </a:lstStyle>
           <a:p>
-            <a:pPr indent="0" lvl="0" marL="0" rtl="0" algn="r">
+            <a:pPr marL="0" lvl="0" indent="0" algn="r" rtl="0">
               <a:spcBef>
                 <a:spcPts val="0"/>
               </a:spcBef>
@@ -6926,7 +7060,7 @@
             </a:pPr>
             <a:fld id="{00000000-1234-1234-1234-123412341234}" type="slidenum">
               <a:rPr lang="es-ES"/>
-              <a:t>‹#›</a:t>
+              <a:t>‹Nº›</a:t>
             </a:fld>
             <a:endParaRPr/>
           </a:p>
@@ -6941,11 +7075,11 @@
 </file>
 
 <file path=ppt/slideLayouts/slideLayout8.xml><?xml version="1.0" encoding="utf-8"?>
-<p:sldLayout xmlns:a="http://schemas.openxmlformats.org/drawingml/2006/main" xmlns:r="http://schemas.openxmlformats.org/officeDocument/2006/relationships" xmlns:mc="http://schemas.openxmlformats.org/markup-compatibility/2006" xmlns:mv="urn:schemas-microsoft-com:mac:vml" xmlns:p="http://schemas.openxmlformats.org/presentationml/2006/main" xmlns:c="http://schemas.openxmlformats.org/drawingml/2006/chart" xmlns:dgm="http://schemas.openxmlformats.org/drawingml/2006/diagram" xmlns:o="urn:schemas-microsoft-com:office:office" xmlns:v="urn:schemas-microsoft-com:vml" xmlns:pvml="urn:schemas-microsoft-com:office:powerpoint" xmlns:com="http://schemas.openxmlformats.org/drawingml/2006/compatibility" xmlns:p14="http://schemas.microsoft.com/office/powerpoint/2010/main" xmlns:p15="http://schemas.microsoft.com/office/powerpoint/2012/main" xmlns:ahyp="http://schemas.microsoft.com/office/drawing/2018/hyperlinkcolor" matchingName="Section title and description">
+<p:sldLayout xmlns:a="http://schemas.openxmlformats.org/drawingml/2006/main" xmlns:r="http://schemas.openxmlformats.org/officeDocument/2006/relationships" xmlns:p="http://schemas.openxmlformats.org/presentationml/2006/main" matchingName="Section title and description">
   <p:cSld name="SECTION_TITLE_AND_DESCRIPTION">
     <p:spTree>
       <p:nvGrpSpPr>
-        <p:cNvPr id="35" name="Shape 35"/>
+        <p:cNvPr id="1" name="Shape 35"/>
         <p:cNvGrpSpPr/>
         <p:nvPr/>
       </p:nvGrpSpPr>
@@ -6979,12 +7113,12 @@
           </a:ln>
         </p:spPr>
         <p:txBody>
-          <a:bodyPr anchorCtr="0" anchor="ctr" bIns="91425" lIns="91425" spcFirstLastPara="1" rIns="91425" wrap="square" tIns="91425">
+          <a:bodyPr spcFirstLastPara="1" wrap="square" lIns="91425" tIns="91425" rIns="91425" bIns="91425" anchor="ctr" anchorCtr="0">
             <a:noAutofit/>
           </a:bodyPr>
           <a:lstStyle/>
           <a:p>
-            <a:pPr indent="0" lvl="0" marL="0" marR="0" rtl="0" algn="l">
+            <a:pPr marL="0" marR="0" lvl="0" indent="0" algn="l" rtl="0">
               <a:lnSpc>
                 <a:spcPct val="100000"/>
               </a:lnSpc>
@@ -7001,10 +7135,7 @@
               <a:buFont typeface="Arial"/>
               <a:buNone/>
             </a:pPr>
-            <a:r>
-              <a:t/>
-            </a:r>
-            <a:endParaRPr b="0" i="0" sz="1400" u="none" cap="none" strike="noStrike">
+            <a:endParaRPr sz="1400" b="0" i="0" u="none" strike="noStrike" cap="none">
               <a:solidFill>
                 <a:srgbClr val="000000"/>
               </a:solidFill>
@@ -7019,7 +7150,9 @@
       <p:sp>
         <p:nvSpPr>
           <p:cNvPr id="37" name="Google Shape;37;p18"/>
-          <p:cNvSpPr txBox="1"/>
+          <p:cNvSpPr txBox="1">
+            <a:spLocks noGrp="1"/>
+          </p:cNvSpPr>
           <p:nvPr>
             <p:ph type="title"/>
           </p:nvPr>
@@ -7038,7 +7171,7 @@
           </a:ln>
         </p:spPr>
         <p:txBody>
-          <a:bodyPr anchorCtr="0" anchor="b" bIns="91425" lIns="91425" spcFirstLastPara="1" rIns="91425" wrap="square" tIns="91425">
+          <a:bodyPr spcFirstLastPara="1" wrap="square" lIns="91425" tIns="91425" rIns="91425" bIns="91425" anchor="b" anchorCtr="0">
             <a:normAutofit/>
           </a:bodyPr>
           <a:lstStyle>
@@ -7169,15 +7302,19 @@
               <a:defRPr sz="4200"/>
             </a:lvl9pPr>
           </a:lstStyle>
-          <a:p/>
+          <a:p>
+            <a:endParaRPr/>
+          </a:p>
         </p:txBody>
       </p:sp>
       <p:sp>
         <p:nvSpPr>
           <p:cNvPr id="38" name="Google Shape;38;p18"/>
-          <p:cNvSpPr txBox="1"/>
+          <p:cNvSpPr txBox="1">
+            <a:spLocks noGrp="1"/>
+          </p:cNvSpPr>
           <p:nvPr>
-            <p:ph idx="1" type="subTitle"/>
+            <p:ph type="subTitle" idx="1"/>
           </p:nvPr>
         </p:nvSpPr>
         <p:spPr>
@@ -7194,7 +7331,7 @@
           </a:ln>
         </p:spPr>
         <p:txBody>
-          <a:bodyPr anchorCtr="0" anchor="t" bIns="91425" lIns="91425" spcFirstLastPara="1" rIns="91425" wrap="square" tIns="91425">
+          <a:bodyPr spcFirstLastPara="1" wrap="square" lIns="91425" tIns="91425" rIns="91425" bIns="91425" anchor="t" anchorCtr="0">
             <a:normAutofit/>
           </a:bodyPr>
           <a:lstStyle>
@@ -7325,15 +7462,19 @@
               <a:defRPr sz="2100"/>
             </a:lvl9pPr>
           </a:lstStyle>
-          <a:p/>
+          <a:p>
+            <a:endParaRPr/>
+          </a:p>
         </p:txBody>
       </p:sp>
       <p:sp>
         <p:nvSpPr>
           <p:cNvPr id="39" name="Google Shape;39;p18"/>
-          <p:cNvSpPr txBox="1"/>
+          <p:cNvSpPr txBox="1">
+            <a:spLocks noGrp="1"/>
+          </p:cNvSpPr>
           <p:nvPr>
-            <p:ph idx="2" type="body"/>
+            <p:ph type="body" idx="2"/>
           </p:nvPr>
         </p:nvSpPr>
         <p:spPr>
@@ -7350,11 +7491,11 @@
           </a:ln>
         </p:spPr>
         <p:txBody>
-          <a:bodyPr anchorCtr="0" anchor="ctr" bIns="91425" lIns="91425" spcFirstLastPara="1" rIns="91425" wrap="square" tIns="91425">
+          <a:bodyPr spcFirstLastPara="1" wrap="square" lIns="91425" tIns="91425" rIns="91425" bIns="91425" anchor="ctr" anchorCtr="0">
             <a:normAutofit/>
           </a:bodyPr>
           <a:lstStyle>
-            <a:lvl1pPr indent="-342900" lvl="0" marL="457200" algn="l">
+            <a:lvl1pPr marL="457200" lvl="0" indent="-342900" algn="l">
               <a:lnSpc>
                 <a:spcPct val="115000"/>
               </a:lnSpc>
@@ -7368,7 +7509,7 @@
               <a:buChar char="●"/>
               <a:defRPr/>
             </a:lvl1pPr>
-            <a:lvl2pPr indent="-317500" lvl="1" marL="914400" algn="l">
+            <a:lvl2pPr marL="914400" lvl="1" indent="-317500" algn="l">
               <a:lnSpc>
                 <a:spcPct val="115000"/>
               </a:lnSpc>
@@ -7382,7 +7523,7 @@
               <a:buChar char="○"/>
               <a:defRPr/>
             </a:lvl2pPr>
-            <a:lvl3pPr indent="-317500" lvl="2" marL="1371600" algn="l">
+            <a:lvl3pPr marL="1371600" lvl="2" indent="-317500" algn="l">
               <a:lnSpc>
                 <a:spcPct val="115000"/>
               </a:lnSpc>
@@ -7396,7 +7537,7 @@
               <a:buChar char="■"/>
               <a:defRPr/>
             </a:lvl3pPr>
-            <a:lvl4pPr indent="-317500" lvl="3" marL="1828800" algn="l">
+            <a:lvl4pPr marL="1828800" lvl="3" indent="-317500" algn="l">
               <a:lnSpc>
                 <a:spcPct val="115000"/>
               </a:lnSpc>
@@ -7410,7 +7551,7 @@
               <a:buChar char="●"/>
               <a:defRPr/>
             </a:lvl4pPr>
-            <a:lvl5pPr indent="-317500" lvl="4" marL="2286000" algn="l">
+            <a:lvl5pPr marL="2286000" lvl="4" indent="-317500" algn="l">
               <a:lnSpc>
                 <a:spcPct val="115000"/>
               </a:lnSpc>
@@ -7424,7 +7565,7 @@
               <a:buChar char="○"/>
               <a:defRPr/>
             </a:lvl5pPr>
-            <a:lvl6pPr indent="-317500" lvl="5" marL="2743200" algn="l">
+            <a:lvl6pPr marL="2743200" lvl="5" indent="-317500" algn="l">
               <a:lnSpc>
                 <a:spcPct val="115000"/>
               </a:lnSpc>
@@ -7438,7 +7579,7 @@
               <a:buChar char="■"/>
               <a:defRPr/>
             </a:lvl6pPr>
-            <a:lvl7pPr indent="-317500" lvl="6" marL="3200400" algn="l">
+            <a:lvl7pPr marL="3200400" lvl="6" indent="-317500" algn="l">
               <a:lnSpc>
                 <a:spcPct val="115000"/>
               </a:lnSpc>
@@ -7452,7 +7593,7 @@
               <a:buChar char="●"/>
               <a:defRPr/>
             </a:lvl7pPr>
-            <a:lvl8pPr indent="-317500" lvl="7" marL="3657600" algn="l">
+            <a:lvl8pPr marL="3657600" lvl="7" indent="-317500" algn="l">
               <a:lnSpc>
                 <a:spcPct val="115000"/>
               </a:lnSpc>
@@ -7466,7 +7607,7 @@
               <a:buChar char="○"/>
               <a:defRPr/>
             </a:lvl8pPr>
-            <a:lvl9pPr indent="-317500" lvl="8" marL="4114800" algn="l">
+            <a:lvl9pPr marL="4114800" lvl="8" indent="-317500" algn="l">
               <a:lnSpc>
                 <a:spcPct val="115000"/>
               </a:lnSpc>
@@ -7481,15 +7622,19 @@
               <a:defRPr/>
             </a:lvl9pPr>
           </a:lstStyle>
-          <a:p/>
+          <a:p>
+            <a:endParaRPr/>
+          </a:p>
         </p:txBody>
       </p:sp>
       <p:sp>
         <p:nvSpPr>
           <p:cNvPr id="40" name="Google Shape;40;p18"/>
-          <p:cNvSpPr txBox="1"/>
+          <p:cNvSpPr txBox="1">
+            <a:spLocks noGrp="1"/>
+          </p:cNvSpPr>
           <p:nvPr>
-            <p:ph idx="12" type="sldNum"/>
+            <p:ph type="sldNum" idx="12"/>
           </p:nvPr>
         </p:nvSpPr>
         <p:spPr>
@@ -7506,11 +7651,11 @@
           </a:ln>
         </p:spPr>
         <p:txBody>
-          <a:bodyPr anchorCtr="0" anchor="ctr" bIns="91425" lIns="91425" spcFirstLastPara="1" rIns="91425" wrap="square" tIns="91425">
+          <a:bodyPr spcFirstLastPara="1" wrap="square" lIns="91425" tIns="91425" rIns="91425" bIns="91425" anchor="ctr" anchorCtr="0">
             <a:normAutofit/>
           </a:bodyPr>
           <a:lstStyle>
-            <a:lvl1pPr indent="0" lvl="0" marL="0" marR="0" algn="r">
+            <a:lvl1pPr marL="0" marR="0" lvl="0" indent="0" algn="r">
               <a:lnSpc>
                 <a:spcPct val="100000"/>
               </a:lnSpc>
@@ -7526,7 +7671,7 @@
               <a:buSzPts val="1000"/>
               <a:buFont typeface="Arial"/>
               <a:buNone/>
-              <a:defRPr b="0" i="0" sz="1000" u="none" cap="none" strike="noStrike">
+              <a:defRPr sz="1000" b="0" i="0" u="none" strike="noStrike" cap="none">
                 <a:solidFill>
                   <a:schemeClr val="dk2"/>
                 </a:solidFill>
@@ -7536,7 +7681,7 @@
                 <a:sym typeface="Arial"/>
               </a:defRPr>
             </a:lvl1pPr>
-            <a:lvl2pPr indent="0" lvl="1" marL="0" marR="0" algn="r">
+            <a:lvl2pPr marL="0" marR="0" lvl="1" indent="0" algn="r">
               <a:lnSpc>
                 <a:spcPct val="100000"/>
               </a:lnSpc>
@@ -7552,7 +7697,7 @@
               <a:buSzPts val="1000"/>
               <a:buFont typeface="Arial"/>
               <a:buNone/>
-              <a:defRPr b="0" i="0" sz="1000" u="none" cap="none" strike="noStrike">
+              <a:defRPr sz="1000" b="0" i="0" u="none" strike="noStrike" cap="none">
                 <a:solidFill>
                   <a:schemeClr val="dk2"/>
                 </a:solidFill>
@@ -7562,7 +7707,7 @@
                 <a:sym typeface="Arial"/>
               </a:defRPr>
             </a:lvl2pPr>
-            <a:lvl3pPr indent="0" lvl="2" marL="0" marR="0" algn="r">
+            <a:lvl3pPr marL="0" marR="0" lvl="2" indent="0" algn="r">
               <a:lnSpc>
                 <a:spcPct val="100000"/>
               </a:lnSpc>
@@ -7578,7 +7723,7 @@
               <a:buSzPts val="1000"/>
               <a:buFont typeface="Arial"/>
               <a:buNone/>
-              <a:defRPr b="0" i="0" sz="1000" u="none" cap="none" strike="noStrike">
+              <a:defRPr sz="1000" b="0" i="0" u="none" strike="noStrike" cap="none">
                 <a:solidFill>
                   <a:schemeClr val="dk2"/>
                 </a:solidFill>
@@ -7588,7 +7733,7 @@
                 <a:sym typeface="Arial"/>
               </a:defRPr>
             </a:lvl3pPr>
-            <a:lvl4pPr indent="0" lvl="3" marL="0" marR="0" algn="r">
+            <a:lvl4pPr marL="0" marR="0" lvl="3" indent="0" algn="r">
               <a:lnSpc>
                 <a:spcPct val="100000"/>
               </a:lnSpc>
@@ -7604,7 +7749,7 @@
               <a:buSzPts val="1000"/>
               <a:buFont typeface="Arial"/>
               <a:buNone/>
-              <a:defRPr b="0" i="0" sz="1000" u="none" cap="none" strike="noStrike">
+              <a:defRPr sz="1000" b="0" i="0" u="none" strike="noStrike" cap="none">
                 <a:solidFill>
                   <a:schemeClr val="dk2"/>
                 </a:solidFill>
@@ -7614,7 +7759,7 @@
                 <a:sym typeface="Arial"/>
               </a:defRPr>
             </a:lvl4pPr>
-            <a:lvl5pPr indent="0" lvl="4" marL="0" marR="0" algn="r">
+            <a:lvl5pPr marL="0" marR="0" lvl="4" indent="0" algn="r">
               <a:lnSpc>
                 <a:spcPct val="100000"/>
               </a:lnSpc>
@@ -7630,7 +7775,7 @@
               <a:buSzPts val="1000"/>
               <a:buFont typeface="Arial"/>
               <a:buNone/>
-              <a:defRPr b="0" i="0" sz="1000" u="none" cap="none" strike="noStrike">
+              <a:defRPr sz="1000" b="0" i="0" u="none" strike="noStrike" cap="none">
                 <a:solidFill>
                   <a:schemeClr val="dk2"/>
                 </a:solidFill>
@@ -7640,7 +7785,7 @@
                 <a:sym typeface="Arial"/>
               </a:defRPr>
             </a:lvl5pPr>
-            <a:lvl6pPr indent="0" lvl="5" marL="0" marR="0" algn="r">
+            <a:lvl6pPr marL="0" marR="0" lvl="5" indent="0" algn="r">
               <a:lnSpc>
                 <a:spcPct val="100000"/>
               </a:lnSpc>
@@ -7656,7 +7801,7 @@
               <a:buSzPts val="1000"/>
               <a:buFont typeface="Arial"/>
               <a:buNone/>
-              <a:defRPr b="0" i="0" sz="1000" u="none" cap="none" strike="noStrike">
+              <a:defRPr sz="1000" b="0" i="0" u="none" strike="noStrike" cap="none">
                 <a:solidFill>
                   <a:schemeClr val="dk2"/>
                 </a:solidFill>
@@ -7666,7 +7811,7 @@
                 <a:sym typeface="Arial"/>
               </a:defRPr>
             </a:lvl6pPr>
-            <a:lvl7pPr indent="0" lvl="6" marL="0" marR="0" algn="r">
+            <a:lvl7pPr marL="0" marR="0" lvl="6" indent="0" algn="r">
               <a:lnSpc>
                 <a:spcPct val="100000"/>
               </a:lnSpc>
@@ -7682,7 +7827,7 @@
               <a:buSzPts val="1000"/>
               <a:buFont typeface="Arial"/>
               <a:buNone/>
-              <a:defRPr b="0" i="0" sz="1000" u="none" cap="none" strike="noStrike">
+              <a:defRPr sz="1000" b="0" i="0" u="none" strike="noStrike" cap="none">
                 <a:solidFill>
                   <a:schemeClr val="dk2"/>
                 </a:solidFill>
@@ -7692,7 +7837,7 @@
                 <a:sym typeface="Arial"/>
               </a:defRPr>
             </a:lvl7pPr>
-            <a:lvl8pPr indent="0" lvl="7" marL="0" marR="0" algn="r">
+            <a:lvl8pPr marL="0" marR="0" lvl="7" indent="0" algn="r">
               <a:lnSpc>
                 <a:spcPct val="100000"/>
               </a:lnSpc>
@@ -7708,7 +7853,7 @@
               <a:buSzPts val="1000"/>
               <a:buFont typeface="Arial"/>
               <a:buNone/>
-              <a:defRPr b="0" i="0" sz="1000" u="none" cap="none" strike="noStrike">
+              <a:defRPr sz="1000" b="0" i="0" u="none" strike="noStrike" cap="none">
                 <a:solidFill>
                   <a:schemeClr val="dk2"/>
                 </a:solidFill>
@@ -7718,7 +7863,7 @@
                 <a:sym typeface="Arial"/>
               </a:defRPr>
             </a:lvl8pPr>
-            <a:lvl9pPr indent="0" lvl="8" marL="0" marR="0" algn="r">
+            <a:lvl9pPr marL="0" marR="0" lvl="8" indent="0" algn="r">
               <a:lnSpc>
                 <a:spcPct val="100000"/>
               </a:lnSpc>
@@ -7734,7 +7879,7 @@
               <a:buSzPts val="1000"/>
               <a:buFont typeface="Arial"/>
               <a:buNone/>
-              <a:defRPr b="0" i="0" sz="1000" u="none" cap="none" strike="noStrike">
+              <a:defRPr sz="1000" b="0" i="0" u="none" strike="noStrike" cap="none">
                 <a:solidFill>
                   <a:schemeClr val="dk2"/>
                 </a:solidFill>
@@ -7746,7 +7891,7 @@
             </a:lvl9pPr>
           </a:lstStyle>
           <a:p>
-            <a:pPr indent="0" lvl="0" marL="0" rtl="0" algn="r">
+            <a:pPr marL="0" lvl="0" indent="0" algn="r" rtl="0">
               <a:spcBef>
                 <a:spcPts val="0"/>
               </a:spcBef>
@@ -7757,7 +7902,7 @@
             </a:pPr>
             <a:fld id="{00000000-1234-1234-1234-123412341234}" type="slidenum">
               <a:rPr lang="es-ES"/>
-              <a:t>‹#›</a:t>
+              <a:t>‹Nº›</a:t>
             </a:fld>
             <a:endParaRPr/>
           </a:p>
@@ -7772,11 +7917,11 @@
 </file>
 
 <file path=ppt/slideLayouts/slideLayout9.xml><?xml version="1.0" encoding="utf-8"?>
-<p:sldLayout xmlns:a="http://schemas.openxmlformats.org/drawingml/2006/main" xmlns:r="http://schemas.openxmlformats.org/officeDocument/2006/relationships" xmlns:mc="http://schemas.openxmlformats.org/markup-compatibility/2006" xmlns:mv="urn:schemas-microsoft-com:mac:vml" xmlns:p="http://schemas.openxmlformats.org/presentationml/2006/main" xmlns:c="http://schemas.openxmlformats.org/drawingml/2006/chart" xmlns:dgm="http://schemas.openxmlformats.org/drawingml/2006/diagram" xmlns:o="urn:schemas-microsoft-com:office:office" xmlns:v="urn:schemas-microsoft-com:vml" xmlns:pvml="urn:schemas-microsoft-com:office:powerpoint" xmlns:com="http://schemas.openxmlformats.org/drawingml/2006/compatibility" xmlns:p14="http://schemas.microsoft.com/office/powerpoint/2010/main" xmlns:p15="http://schemas.microsoft.com/office/powerpoint/2012/main" xmlns:ahyp="http://schemas.microsoft.com/office/drawing/2018/hyperlinkcolor" matchingName="Caption">
+<p:sldLayout xmlns:a="http://schemas.openxmlformats.org/drawingml/2006/main" xmlns:r="http://schemas.openxmlformats.org/officeDocument/2006/relationships" xmlns:p="http://schemas.openxmlformats.org/presentationml/2006/main" matchingName="Caption">
   <p:cSld name="CAPTION_ONLY">
     <p:spTree>
       <p:nvGrpSpPr>
-        <p:cNvPr id="41" name="Shape 41"/>
+        <p:cNvPr id="1" name="Shape 41"/>
         <p:cNvGrpSpPr/>
         <p:nvPr/>
       </p:nvGrpSpPr>
@@ -7791,9 +7936,11 @@
       <p:sp>
         <p:nvSpPr>
           <p:cNvPr id="42" name="Google Shape;42;p19"/>
-          <p:cNvSpPr txBox="1"/>
+          <p:cNvSpPr txBox="1">
+            <a:spLocks noGrp="1"/>
+          </p:cNvSpPr>
           <p:nvPr>
-            <p:ph idx="1" type="body"/>
+            <p:ph type="body" idx="1"/>
           </p:nvPr>
         </p:nvSpPr>
         <p:spPr>
@@ -7810,11 +7957,11 @@
           </a:ln>
         </p:spPr>
         <p:txBody>
-          <a:bodyPr anchorCtr="0" anchor="ctr" bIns="91425" lIns="91425" spcFirstLastPara="1" rIns="91425" wrap="square" tIns="91425">
+          <a:bodyPr spcFirstLastPara="1" wrap="square" lIns="91425" tIns="91425" rIns="91425" bIns="91425" anchor="ctr" anchorCtr="0">
             <a:normAutofit/>
           </a:bodyPr>
           <a:lstStyle>
-            <a:lvl1pPr indent="-228600" lvl="0" marL="457200" algn="l">
+            <a:lvl1pPr marL="457200" lvl="0" indent="-228600" algn="l">
               <a:lnSpc>
                 <a:spcPct val="100000"/>
               </a:lnSpc>
@@ -7829,15 +7976,19 @@
               <a:defRPr/>
             </a:lvl1pPr>
           </a:lstStyle>
-          <a:p/>
+          <a:p>
+            <a:endParaRPr/>
+          </a:p>
         </p:txBody>
       </p:sp>
       <p:sp>
         <p:nvSpPr>
           <p:cNvPr id="43" name="Google Shape;43;p19"/>
-          <p:cNvSpPr txBox="1"/>
+          <p:cNvSpPr txBox="1">
+            <a:spLocks noGrp="1"/>
+          </p:cNvSpPr>
           <p:nvPr>
-            <p:ph idx="12" type="sldNum"/>
+            <p:ph type="sldNum" idx="12"/>
           </p:nvPr>
         </p:nvSpPr>
         <p:spPr>
@@ -7854,11 +8005,11 @@
           </a:ln>
         </p:spPr>
         <p:txBody>
-          <a:bodyPr anchorCtr="0" anchor="ctr" bIns="91425" lIns="91425" spcFirstLastPara="1" rIns="91425" wrap="square" tIns="91425">
+          <a:bodyPr spcFirstLastPara="1" wrap="square" lIns="91425" tIns="91425" rIns="91425" bIns="91425" anchor="ctr" anchorCtr="0">
             <a:normAutofit/>
           </a:bodyPr>
           <a:lstStyle>
-            <a:lvl1pPr indent="0" lvl="0" marL="0" marR="0" algn="r">
+            <a:lvl1pPr marL="0" marR="0" lvl="0" indent="0" algn="r">
               <a:lnSpc>
                 <a:spcPct val="100000"/>
               </a:lnSpc>
@@ -7874,7 +8025,7 @@
               <a:buSzPts val="1000"/>
               <a:buFont typeface="Arial"/>
               <a:buNone/>
-              <a:defRPr b="0" i="0" sz="1000" u="none" cap="none" strike="noStrike">
+              <a:defRPr sz="1000" b="0" i="0" u="none" strike="noStrike" cap="none">
                 <a:solidFill>
                   <a:schemeClr val="dk2"/>
                 </a:solidFill>
@@ -7884,7 +8035,7 @@
                 <a:sym typeface="Arial"/>
               </a:defRPr>
             </a:lvl1pPr>
-            <a:lvl2pPr indent="0" lvl="1" marL="0" marR="0" algn="r">
+            <a:lvl2pPr marL="0" marR="0" lvl="1" indent="0" algn="r">
               <a:lnSpc>
                 <a:spcPct val="100000"/>
               </a:lnSpc>
@@ -7900,7 +8051,7 @@
               <a:buSzPts val="1000"/>
               <a:buFont typeface="Arial"/>
               <a:buNone/>
-              <a:defRPr b="0" i="0" sz="1000" u="none" cap="none" strike="noStrike">
+              <a:defRPr sz="1000" b="0" i="0" u="none" strike="noStrike" cap="none">
                 <a:solidFill>
                   <a:schemeClr val="dk2"/>
                 </a:solidFill>
@@ -7910,7 +8061,7 @@
                 <a:sym typeface="Arial"/>
               </a:defRPr>
             </a:lvl2pPr>
-            <a:lvl3pPr indent="0" lvl="2" marL="0" marR="0" algn="r">
+            <a:lvl3pPr marL="0" marR="0" lvl="2" indent="0" algn="r">
               <a:lnSpc>
                 <a:spcPct val="100000"/>
               </a:lnSpc>
@@ -7926,7 +8077,7 @@
               <a:buSzPts val="1000"/>
               <a:buFont typeface="Arial"/>
               <a:buNone/>
-              <a:defRPr b="0" i="0" sz="1000" u="none" cap="none" strike="noStrike">
+              <a:defRPr sz="1000" b="0" i="0" u="none" strike="noStrike" cap="none">
                 <a:solidFill>
                   <a:schemeClr val="dk2"/>
                 </a:solidFill>
@@ -7936,7 +8087,7 @@
                 <a:sym typeface="Arial"/>
               </a:defRPr>
             </a:lvl3pPr>
-            <a:lvl4pPr indent="0" lvl="3" marL="0" marR="0" algn="r">
+            <a:lvl4pPr marL="0" marR="0" lvl="3" indent="0" algn="r">
               <a:lnSpc>
                 <a:spcPct val="100000"/>
               </a:lnSpc>
@@ -7952,7 +8103,7 @@
               <a:buSzPts val="1000"/>
               <a:buFont typeface="Arial"/>
               <a:buNone/>
-              <a:defRPr b="0" i="0" sz="1000" u="none" cap="none" strike="noStrike">
+              <a:defRPr sz="1000" b="0" i="0" u="none" strike="noStrike" cap="none">
                 <a:solidFill>
                   <a:schemeClr val="dk2"/>
                 </a:solidFill>
@@ -7962,7 +8113,7 @@
                 <a:sym typeface="Arial"/>
               </a:defRPr>
             </a:lvl4pPr>
-            <a:lvl5pPr indent="0" lvl="4" marL="0" marR="0" algn="r">
+            <a:lvl5pPr marL="0" marR="0" lvl="4" indent="0" algn="r">
               <a:lnSpc>
                 <a:spcPct val="100000"/>
               </a:lnSpc>
@@ -7978,7 +8129,7 @@
               <a:buSzPts val="1000"/>
               <a:buFont typeface="Arial"/>
               <a:buNone/>
-              <a:defRPr b="0" i="0" sz="1000" u="none" cap="none" strike="noStrike">
+              <a:defRPr sz="1000" b="0" i="0" u="none" strike="noStrike" cap="none">
                 <a:solidFill>
                   <a:schemeClr val="dk2"/>
                 </a:solidFill>
@@ -7988,7 +8139,7 @@
                 <a:sym typeface="Arial"/>
               </a:defRPr>
             </a:lvl5pPr>
-            <a:lvl6pPr indent="0" lvl="5" marL="0" marR="0" algn="r">
+            <a:lvl6pPr marL="0" marR="0" lvl="5" indent="0" algn="r">
               <a:lnSpc>
                 <a:spcPct val="100000"/>
               </a:lnSpc>
@@ -8004,7 +8155,7 @@
               <a:buSzPts val="1000"/>
               <a:buFont typeface="Arial"/>
               <a:buNone/>
-              <a:defRPr b="0" i="0" sz="1000" u="none" cap="none" strike="noStrike">
+              <a:defRPr sz="1000" b="0" i="0" u="none" strike="noStrike" cap="none">
                 <a:solidFill>
                   <a:schemeClr val="dk2"/>
                 </a:solidFill>
@@ -8014,7 +8165,7 @@
                 <a:sym typeface="Arial"/>
               </a:defRPr>
             </a:lvl6pPr>
-            <a:lvl7pPr indent="0" lvl="6" marL="0" marR="0" algn="r">
+            <a:lvl7pPr marL="0" marR="0" lvl="6" indent="0" algn="r">
               <a:lnSpc>
                 <a:spcPct val="100000"/>
               </a:lnSpc>
@@ -8030,7 +8181,7 @@
               <a:buSzPts val="1000"/>
               <a:buFont typeface="Arial"/>
               <a:buNone/>
-              <a:defRPr b="0" i="0" sz="1000" u="none" cap="none" strike="noStrike">
+              <a:defRPr sz="1000" b="0" i="0" u="none" strike="noStrike" cap="none">
                 <a:solidFill>
                   <a:schemeClr val="dk2"/>
                 </a:solidFill>
@@ -8040,7 +8191,7 @@
                 <a:sym typeface="Arial"/>
               </a:defRPr>
             </a:lvl7pPr>
-            <a:lvl8pPr indent="0" lvl="7" marL="0" marR="0" algn="r">
+            <a:lvl8pPr marL="0" marR="0" lvl="7" indent="0" algn="r">
               <a:lnSpc>
                 <a:spcPct val="100000"/>
               </a:lnSpc>
@@ -8056,7 +8207,7 @@
               <a:buSzPts val="1000"/>
               <a:buFont typeface="Arial"/>
               <a:buNone/>
-              <a:defRPr b="0" i="0" sz="1000" u="none" cap="none" strike="noStrike">
+              <a:defRPr sz="1000" b="0" i="0" u="none" strike="noStrike" cap="none">
                 <a:solidFill>
                   <a:schemeClr val="dk2"/>
                 </a:solidFill>
@@ -8066,7 +8217,7 @@
                 <a:sym typeface="Arial"/>
               </a:defRPr>
             </a:lvl8pPr>
-            <a:lvl9pPr indent="0" lvl="8" marL="0" marR="0" algn="r">
+            <a:lvl9pPr marL="0" marR="0" lvl="8" indent="0" algn="r">
               <a:lnSpc>
                 <a:spcPct val="100000"/>
               </a:lnSpc>
@@ -8082,7 +8233,7 @@
               <a:buSzPts val="1000"/>
               <a:buFont typeface="Arial"/>
               <a:buNone/>
-              <a:defRPr b="0" i="0" sz="1000" u="none" cap="none" strike="noStrike">
+              <a:defRPr sz="1000" b="0" i="0" u="none" strike="noStrike" cap="none">
                 <a:solidFill>
                   <a:schemeClr val="dk2"/>
                 </a:solidFill>
@@ -8094,7 +8245,7 @@
             </a:lvl9pPr>
           </a:lstStyle>
           <a:p>
-            <a:pPr indent="0" lvl="0" marL="0" rtl="0" algn="r">
+            <a:pPr marL="0" lvl="0" indent="0" algn="r" rtl="0">
               <a:spcBef>
                 <a:spcPts val="0"/>
               </a:spcBef>
@@ -8105,7 +8256,7 @@
             </a:pPr>
             <a:fld id="{00000000-1234-1234-1234-123412341234}" type="slidenum">
               <a:rPr lang="es-ES"/>
-              <a:t>‹#›</a:t>
+              <a:t>‹Nº›</a:t>
             </a:fld>
             <a:endParaRPr/>
           </a:p>
@@ -8120,23 +8271,24 @@
 </file>
 
 <file path=ppt/slideMasters/slideMaster1.xml><?xml version="1.0" encoding="utf-8"?>
-<p:sldMaster xmlns:a="http://schemas.openxmlformats.org/drawingml/2006/main" xmlns:r="http://schemas.openxmlformats.org/officeDocument/2006/relationships" xmlns:mc="http://schemas.openxmlformats.org/markup-compatibility/2006" xmlns:mv="urn:schemas-microsoft-com:mac:vml" xmlns:p="http://schemas.openxmlformats.org/presentationml/2006/main" xmlns:c="http://schemas.openxmlformats.org/drawingml/2006/chart" xmlns:dgm="http://schemas.openxmlformats.org/drawingml/2006/diagram" xmlns:o="urn:schemas-microsoft-com:office:office" xmlns:v="urn:schemas-microsoft-com:vml" xmlns:pvml="urn:schemas-microsoft-com:office:powerpoint" xmlns:com="http://schemas.openxmlformats.org/drawingml/2006/compatibility" xmlns:p14="http://schemas.microsoft.com/office/powerpoint/2010/main" xmlns:p15="http://schemas.microsoft.com/office/powerpoint/2012/main" xmlns:ahyp="http://schemas.microsoft.com/office/drawing/2018/hyperlinkcolor">
+<p:sldMaster xmlns:a="http://schemas.openxmlformats.org/drawingml/2006/main" xmlns:r="http://schemas.openxmlformats.org/officeDocument/2006/relationships" xmlns:p="http://schemas.openxmlformats.org/presentationml/2006/main">
   <p:cSld name="simple-light-2">
     <p:bg>
       <p:bgPr>
         <a:blipFill>
-          <a:blip r:embed="rId1">
+          <a:blip r:embed="rId13">
             <a:alphaModFix amt="80000"/>
           </a:blip>
           <a:stretch>
             <a:fillRect/>
           </a:stretch>
         </a:blipFill>
+        <a:effectLst/>
       </p:bgPr>
     </p:bg>
     <p:spTree>
       <p:nvGrpSpPr>
-        <p:cNvPr id="5" name="Shape 5"/>
+        <p:cNvPr id="1" name="Shape 5"/>
         <p:cNvGrpSpPr/>
         <p:nvPr/>
       </p:nvGrpSpPr>
@@ -8151,7 +8303,9 @@
       <p:sp>
         <p:nvSpPr>
           <p:cNvPr id="6" name="Google Shape;6;p10"/>
-          <p:cNvSpPr txBox="1"/>
+          <p:cNvSpPr txBox="1">
+            <a:spLocks noGrp="1"/>
+          </p:cNvSpPr>
           <p:nvPr>
             <p:ph type="title"/>
           </p:nvPr>
@@ -8170,11 +8324,11 @@
           </a:ln>
         </p:spPr>
         <p:txBody>
-          <a:bodyPr anchorCtr="0" anchor="t" bIns="91425" lIns="91425" spcFirstLastPara="1" rIns="91425" wrap="square" tIns="91425">
+          <a:bodyPr spcFirstLastPara="1" wrap="square" lIns="91425" tIns="91425" rIns="91425" bIns="91425" anchor="t" anchorCtr="0">
             <a:normAutofit/>
           </a:bodyPr>
           <a:lstStyle>
-            <a:lvl1pPr lvl="0" marR="0" rtl="0" algn="l">
+            <a:lvl1pPr marR="0" lvl="0" algn="l" rtl="0">
               <a:lnSpc>
                 <a:spcPct val="100000"/>
               </a:lnSpc>
@@ -8190,7 +8344,7 @@
               <a:buSzPts val="2800"/>
               <a:buFont typeface="Arial"/>
               <a:buNone/>
-              <a:defRPr b="0" i="0" sz="2800" u="none" cap="none" strike="noStrike">
+              <a:defRPr sz="2800" b="0" i="0" u="none" strike="noStrike" cap="none">
                 <a:solidFill>
                   <a:schemeClr val="dk1"/>
                 </a:solidFill>
@@ -8200,7 +8354,7 @@
                 <a:sym typeface="Arial"/>
               </a:defRPr>
             </a:lvl1pPr>
-            <a:lvl2pPr lvl="1" marR="0" rtl="0" algn="l">
+            <a:lvl2pPr marR="0" lvl="1" algn="l" rtl="0">
               <a:lnSpc>
                 <a:spcPct val="100000"/>
               </a:lnSpc>
@@ -8216,7 +8370,7 @@
               <a:buSzPts val="2800"/>
               <a:buFont typeface="Arial"/>
               <a:buNone/>
-              <a:defRPr b="0" i="0" sz="2800" u="none" cap="none" strike="noStrike">
+              <a:defRPr sz="2800" b="0" i="0" u="none" strike="noStrike" cap="none">
                 <a:solidFill>
                   <a:schemeClr val="dk1"/>
                 </a:solidFill>
@@ -8226,7 +8380,7 @@
                 <a:sym typeface="Arial"/>
               </a:defRPr>
             </a:lvl2pPr>
-            <a:lvl3pPr lvl="2" marR="0" rtl="0" algn="l">
+            <a:lvl3pPr marR="0" lvl="2" algn="l" rtl="0">
               <a:lnSpc>
                 <a:spcPct val="100000"/>
               </a:lnSpc>
@@ -8242,7 +8396,7 @@
               <a:buSzPts val="2800"/>
               <a:buFont typeface="Arial"/>
               <a:buNone/>
-              <a:defRPr b="0" i="0" sz="2800" u="none" cap="none" strike="noStrike">
+              <a:defRPr sz="2800" b="0" i="0" u="none" strike="noStrike" cap="none">
                 <a:solidFill>
                   <a:schemeClr val="dk1"/>
                 </a:solidFill>
@@ -8252,7 +8406,7 @@
                 <a:sym typeface="Arial"/>
               </a:defRPr>
             </a:lvl3pPr>
-            <a:lvl4pPr lvl="3" marR="0" rtl="0" algn="l">
+            <a:lvl4pPr marR="0" lvl="3" algn="l" rtl="0">
               <a:lnSpc>
                 <a:spcPct val="100000"/>
               </a:lnSpc>
@@ -8268,7 +8422,7 @@
               <a:buSzPts val="2800"/>
               <a:buFont typeface="Arial"/>
               <a:buNone/>
-              <a:defRPr b="0" i="0" sz="2800" u="none" cap="none" strike="noStrike">
+              <a:defRPr sz="2800" b="0" i="0" u="none" strike="noStrike" cap="none">
                 <a:solidFill>
                   <a:schemeClr val="dk1"/>
                 </a:solidFill>
@@ -8278,7 +8432,7 @@
                 <a:sym typeface="Arial"/>
               </a:defRPr>
             </a:lvl4pPr>
-            <a:lvl5pPr lvl="4" marR="0" rtl="0" algn="l">
+            <a:lvl5pPr marR="0" lvl="4" algn="l" rtl="0">
               <a:lnSpc>
                 <a:spcPct val="100000"/>
               </a:lnSpc>
@@ -8294,7 +8448,7 @@
               <a:buSzPts val="2800"/>
               <a:buFont typeface="Arial"/>
               <a:buNone/>
-              <a:defRPr b="0" i="0" sz="2800" u="none" cap="none" strike="noStrike">
+              <a:defRPr sz="2800" b="0" i="0" u="none" strike="noStrike" cap="none">
                 <a:solidFill>
                   <a:schemeClr val="dk1"/>
                 </a:solidFill>
@@ -8304,7 +8458,7 @@
                 <a:sym typeface="Arial"/>
               </a:defRPr>
             </a:lvl5pPr>
-            <a:lvl6pPr lvl="5" marR="0" rtl="0" algn="l">
+            <a:lvl6pPr marR="0" lvl="5" algn="l" rtl="0">
               <a:lnSpc>
                 <a:spcPct val="100000"/>
               </a:lnSpc>
@@ -8320,7 +8474,7 @@
               <a:buSzPts val="2800"/>
               <a:buFont typeface="Arial"/>
               <a:buNone/>
-              <a:defRPr b="0" i="0" sz="2800" u="none" cap="none" strike="noStrike">
+              <a:defRPr sz="2800" b="0" i="0" u="none" strike="noStrike" cap="none">
                 <a:solidFill>
                   <a:schemeClr val="dk1"/>
                 </a:solidFill>
@@ -8330,7 +8484,7 @@
                 <a:sym typeface="Arial"/>
               </a:defRPr>
             </a:lvl6pPr>
-            <a:lvl7pPr lvl="6" marR="0" rtl="0" algn="l">
+            <a:lvl7pPr marR="0" lvl="6" algn="l" rtl="0">
               <a:lnSpc>
                 <a:spcPct val="100000"/>
               </a:lnSpc>
@@ -8346,7 +8500,7 @@
               <a:buSzPts val="2800"/>
               <a:buFont typeface="Arial"/>
               <a:buNone/>
-              <a:defRPr b="0" i="0" sz="2800" u="none" cap="none" strike="noStrike">
+              <a:defRPr sz="2800" b="0" i="0" u="none" strike="noStrike" cap="none">
                 <a:solidFill>
                   <a:schemeClr val="dk1"/>
                 </a:solidFill>
@@ -8356,7 +8510,7 @@
                 <a:sym typeface="Arial"/>
               </a:defRPr>
             </a:lvl7pPr>
-            <a:lvl8pPr lvl="7" marR="0" rtl="0" algn="l">
+            <a:lvl8pPr marR="0" lvl="7" algn="l" rtl="0">
               <a:lnSpc>
                 <a:spcPct val="100000"/>
               </a:lnSpc>
@@ -8372,7 +8526,7 @@
               <a:buSzPts val="2800"/>
               <a:buFont typeface="Arial"/>
               <a:buNone/>
-              <a:defRPr b="0" i="0" sz="2800" u="none" cap="none" strike="noStrike">
+              <a:defRPr sz="2800" b="0" i="0" u="none" strike="noStrike" cap="none">
                 <a:solidFill>
                   <a:schemeClr val="dk1"/>
                 </a:solidFill>
@@ -8382,7 +8536,7 @@
                 <a:sym typeface="Arial"/>
               </a:defRPr>
             </a:lvl8pPr>
-            <a:lvl9pPr lvl="8" marR="0" rtl="0" algn="l">
+            <a:lvl9pPr marR="0" lvl="8" algn="l" rtl="0">
               <a:lnSpc>
                 <a:spcPct val="100000"/>
               </a:lnSpc>
@@ -8398,7 +8552,7 @@
               <a:buSzPts val="2800"/>
               <a:buFont typeface="Arial"/>
               <a:buNone/>
-              <a:defRPr b="0" i="0" sz="2800" u="none" cap="none" strike="noStrike">
+              <a:defRPr sz="2800" b="0" i="0" u="none" strike="noStrike" cap="none">
                 <a:solidFill>
                   <a:schemeClr val="dk1"/>
                 </a:solidFill>
@@ -8409,15 +8563,19 @@
               </a:defRPr>
             </a:lvl9pPr>
           </a:lstStyle>
-          <a:p/>
+          <a:p>
+            <a:endParaRPr/>
+          </a:p>
         </p:txBody>
       </p:sp>
       <p:sp>
         <p:nvSpPr>
           <p:cNvPr id="7" name="Google Shape;7;p10"/>
-          <p:cNvSpPr txBox="1"/>
+          <p:cNvSpPr txBox="1">
+            <a:spLocks noGrp="1"/>
+          </p:cNvSpPr>
           <p:nvPr>
-            <p:ph idx="1" type="body"/>
+            <p:ph type="body" idx="1"/>
           </p:nvPr>
         </p:nvSpPr>
         <p:spPr>
@@ -8434,11 +8592,11 @@
           </a:ln>
         </p:spPr>
         <p:txBody>
-          <a:bodyPr anchorCtr="0" anchor="t" bIns="91425" lIns="91425" spcFirstLastPara="1" rIns="91425" wrap="square" tIns="91425">
+          <a:bodyPr spcFirstLastPara="1" wrap="square" lIns="91425" tIns="91425" rIns="91425" bIns="91425" anchor="t" anchorCtr="0">
             <a:normAutofit/>
           </a:bodyPr>
           <a:lstStyle>
-            <a:lvl1pPr indent="-342900" lvl="0" marL="457200" marR="0" rtl="0" algn="l">
+            <a:lvl1pPr marL="457200" marR="0" lvl="0" indent="-342900" algn="l" rtl="0">
               <a:lnSpc>
                 <a:spcPct val="115000"/>
               </a:lnSpc>
@@ -8454,7 +8612,7 @@
               <a:buSzPts val="1800"/>
               <a:buFont typeface="Arial"/>
               <a:buChar char="●"/>
-              <a:defRPr b="0" i="0" sz="1800" u="none" cap="none" strike="noStrike">
+              <a:defRPr sz="1800" b="0" i="0" u="none" strike="noStrike" cap="none">
                 <a:solidFill>
                   <a:schemeClr val="dk2"/>
                 </a:solidFill>
@@ -8464,7 +8622,7 @@
                 <a:sym typeface="Arial"/>
               </a:defRPr>
             </a:lvl1pPr>
-            <a:lvl2pPr indent="-317500" lvl="1" marL="914400" marR="0" rtl="0" algn="l">
+            <a:lvl2pPr marL="914400" marR="0" lvl="1" indent="-317500" algn="l" rtl="0">
               <a:lnSpc>
                 <a:spcPct val="115000"/>
               </a:lnSpc>
@@ -8480,7 +8638,7 @@
               <a:buSzPts val="1400"/>
               <a:buFont typeface="Arial"/>
               <a:buChar char="○"/>
-              <a:defRPr b="0" i="0" sz="1400" u="none" cap="none" strike="noStrike">
+              <a:defRPr sz="1400" b="0" i="0" u="none" strike="noStrike" cap="none">
                 <a:solidFill>
                   <a:schemeClr val="dk2"/>
                 </a:solidFill>
@@ -8490,7 +8648,7 @@
                 <a:sym typeface="Arial"/>
               </a:defRPr>
             </a:lvl2pPr>
-            <a:lvl3pPr indent="-317500" lvl="2" marL="1371600" marR="0" rtl="0" algn="l">
+            <a:lvl3pPr marL="1371600" marR="0" lvl="2" indent="-317500" algn="l" rtl="0">
               <a:lnSpc>
                 <a:spcPct val="115000"/>
               </a:lnSpc>
@@ -8506,7 +8664,7 @@
               <a:buSzPts val="1400"/>
               <a:buFont typeface="Arial"/>
               <a:buChar char="■"/>
-              <a:defRPr b="0" i="0" sz="1400" u="none" cap="none" strike="noStrike">
+              <a:defRPr sz="1400" b="0" i="0" u="none" strike="noStrike" cap="none">
                 <a:solidFill>
                   <a:schemeClr val="dk2"/>
                 </a:solidFill>
@@ -8516,7 +8674,7 @@
                 <a:sym typeface="Arial"/>
               </a:defRPr>
             </a:lvl3pPr>
-            <a:lvl4pPr indent="-317500" lvl="3" marL="1828800" marR="0" rtl="0" algn="l">
+            <a:lvl4pPr marL="1828800" marR="0" lvl="3" indent="-317500" algn="l" rtl="0">
               <a:lnSpc>
                 <a:spcPct val="115000"/>
               </a:lnSpc>
@@ -8532,7 +8690,7 @@
               <a:buSzPts val="1400"/>
               <a:buFont typeface="Arial"/>
               <a:buChar char="●"/>
-              <a:defRPr b="0" i="0" sz="1400" u="none" cap="none" strike="noStrike">
+              <a:defRPr sz="1400" b="0" i="0" u="none" strike="noStrike" cap="none">
                 <a:solidFill>
                   <a:schemeClr val="dk2"/>
                 </a:solidFill>
@@ -8542,7 +8700,7 @@
                 <a:sym typeface="Arial"/>
               </a:defRPr>
             </a:lvl4pPr>
-            <a:lvl5pPr indent="-317500" lvl="4" marL="2286000" marR="0" rtl="0" algn="l">
+            <a:lvl5pPr marL="2286000" marR="0" lvl="4" indent="-317500" algn="l" rtl="0">
               <a:lnSpc>
                 <a:spcPct val="115000"/>
               </a:lnSpc>
@@ -8558,7 +8716,7 @@
               <a:buSzPts val="1400"/>
               <a:buFont typeface="Arial"/>
               <a:buChar char="○"/>
-              <a:defRPr b="0" i="0" sz="1400" u="none" cap="none" strike="noStrike">
+              <a:defRPr sz="1400" b="0" i="0" u="none" strike="noStrike" cap="none">
                 <a:solidFill>
                   <a:schemeClr val="dk2"/>
                 </a:solidFill>
@@ -8568,7 +8726,7 @@
                 <a:sym typeface="Arial"/>
               </a:defRPr>
             </a:lvl5pPr>
-            <a:lvl6pPr indent="-317500" lvl="5" marL="2743200" marR="0" rtl="0" algn="l">
+            <a:lvl6pPr marL="2743200" marR="0" lvl="5" indent="-317500" algn="l" rtl="0">
               <a:lnSpc>
                 <a:spcPct val="115000"/>
               </a:lnSpc>
@@ -8584,7 +8742,7 @@
               <a:buSzPts val="1400"/>
               <a:buFont typeface="Arial"/>
               <a:buChar char="■"/>
-              <a:defRPr b="0" i="0" sz="1400" u="none" cap="none" strike="noStrike">
+              <a:defRPr sz="1400" b="0" i="0" u="none" strike="noStrike" cap="none">
                 <a:solidFill>
                   <a:schemeClr val="dk2"/>
                 </a:solidFill>
@@ -8594,7 +8752,7 @@
                 <a:sym typeface="Arial"/>
               </a:defRPr>
             </a:lvl6pPr>
-            <a:lvl7pPr indent="-317500" lvl="6" marL="3200400" marR="0" rtl="0" algn="l">
+            <a:lvl7pPr marL="3200400" marR="0" lvl="6" indent="-317500" algn="l" rtl="0">
               <a:lnSpc>
                 <a:spcPct val="115000"/>
               </a:lnSpc>
@@ -8610,7 +8768,7 @@
               <a:buSzPts val="1400"/>
               <a:buFont typeface="Arial"/>
               <a:buChar char="●"/>
-              <a:defRPr b="0" i="0" sz="1400" u="none" cap="none" strike="noStrike">
+              <a:defRPr sz="1400" b="0" i="0" u="none" strike="noStrike" cap="none">
                 <a:solidFill>
                   <a:schemeClr val="dk2"/>
                 </a:solidFill>
@@ -8620,7 +8778,7 @@
                 <a:sym typeface="Arial"/>
               </a:defRPr>
             </a:lvl7pPr>
-            <a:lvl8pPr indent="-317500" lvl="7" marL="3657600" marR="0" rtl="0" algn="l">
+            <a:lvl8pPr marL="3657600" marR="0" lvl="7" indent="-317500" algn="l" rtl="0">
               <a:lnSpc>
                 <a:spcPct val="115000"/>
               </a:lnSpc>
@@ -8636,7 +8794,7 @@
               <a:buSzPts val="1400"/>
               <a:buFont typeface="Arial"/>
               <a:buChar char="○"/>
-              <a:defRPr b="0" i="0" sz="1400" u="none" cap="none" strike="noStrike">
+              <a:defRPr sz="1400" b="0" i="0" u="none" strike="noStrike" cap="none">
                 <a:solidFill>
                   <a:schemeClr val="dk2"/>
                 </a:solidFill>
@@ -8646,7 +8804,7 @@
                 <a:sym typeface="Arial"/>
               </a:defRPr>
             </a:lvl8pPr>
-            <a:lvl9pPr indent="-317500" lvl="8" marL="4114800" marR="0" rtl="0" algn="l">
+            <a:lvl9pPr marL="4114800" marR="0" lvl="8" indent="-317500" algn="l" rtl="0">
               <a:lnSpc>
                 <a:spcPct val="115000"/>
               </a:lnSpc>
@@ -8662,7 +8820,7 @@
               <a:buSzPts val="1400"/>
               <a:buFont typeface="Arial"/>
               <a:buChar char="■"/>
-              <a:defRPr b="0" i="0" sz="1400" u="none" cap="none" strike="noStrike">
+              <a:defRPr sz="1400" b="0" i="0" u="none" strike="noStrike" cap="none">
                 <a:solidFill>
                   <a:schemeClr val="dk2"/>
                 </a:solidFill>
@@ -8673,15 +8831,19 @@
               </a:defRPr>
             </a:lvl9pPr>
           </a:lstStyle>
-          <a:p/>
+          <a:p>
+            <a:endParaRPr/>
+          </a:p>
         </p:txBody>
       </p:sp>
       <p:sp>
         <p:nvSpPr>
           <p:cNvPr id="8" name="Google Shape;8;p10"/>
-          <p:cNvSpPr txBox="1"/>
+          <p:cNvSpPr txBox="1">
+            <a:spLocks noGrp="1"/>
+          </p:cNvSpPr>
           <p:nvPr>
-            <p:ph idx="12" type="sldNum"/>
+            <p:ph type="sldNum" idx="12"/>
           </p:nvPr>
         </p:nvSpPr>
         <p:spPr>
@@ -8698,11 +8860,11 @@
           </a:ln>
         </p:spPr>
         <p:txBody>
-          <a:bodyPr anchorCtr="0" anchor="ctr" bIns="91425" lIns="91425" spcFirstLastPara="1" rIns="91425" wrap="square" tIns="91425">
+          <a:bodyPr spcFirstLastPara="1" wrap="square" lIns="91425" tIns="91425" rIns="91425" bIns="91425" anchor="ctr" anchorCtr="0">
             <a:normAutofit/>
           </a:bodyPr>
           <a:lstStyle>
-            <a:lvl1pPr indent="0" lvl="0" marL="0" marR="0" rtl="0" algn="r">
+            <a:lvl1pPr marL="0" marR="0" lvl="0" indent="0" algn="r" rtl="0">
               <a:lnSpc>
                 <a:spcPct val="100000"/>
               </a:lnSpc>
@@ -8718,7 +8880,7 @@
               <a:buSzPts val="1000"/>
               <a:buFont typeface="Arial"/>
               <a:buNone/>
-              <a:defRPr b="0" i="0" sz="1000" u="none" cap="none" strike="noStrike">
+              <a:defRPr sz="1000" b="0" i="0" u="none" strike="noStrike" cap="none">
                 <a:solidFill>
                   <a:schemeClr val="dk2"/>
                 </a:solidFill>
@@ -8728,7 +8890,7 @@
                 <a:sym typeface="Arial"/>
               </a:defRPr>
             </a:lvl1pPr>
-            <a:lvl2pPr indent="0" lvl="1" marL="0" marR="0" rtl="0" algn="r">
+            <a:lvl2pPr marL="0" marR="0" lvl="1" indent="0" algn="r" rtl="0">
               <a:lnSpc>
                 <a:spcPct val="100000"/>
               </a:lnSpc>
@@ -8744,7 +8906,7 @@
               <a:buSzPts val="1000"/>
               <a:buFont typeface="Arial"/>
               <a:buNone/>
-              <a:defRPr b="0" i="0" sz="1000" u="none" cap="none" strike="noStrike">
+              <a:defRPr sz="1000" b="0" i="0" u="none" strike="noStrike" cap="none">
                 <a:solidFill>
                   <a:schemeClr val="dk2"/>
                 </a:solidFill>
@@ -8754,7 +8916,7 @@
                 <a:sym typeface="Arial"/>
               </a:defRPr>
             </a:lvl2pPr>
-            <a:lvl3pPr indent="0" lvl="2" marL="0" marR="0" rtl="0" algn="r">
+            <a:lvl3pPr marL="0" marR="0" lvl="2" indent="0" algn="r" rtl="0">
               <a:lnSpc>
                 <a:spcPct val="100000"/>
               </a:lnSpc>
@@ -8770,7 +8932,7 @@
               <a:buSzPts val="1000"/>
               <a:buFont typeface="Arial"/>
               <a:buNone/>
-              <a:defRPr b="0" i="0" sz="1000" u="none" cap="none" strike="noStrike">
+              <a:defRPr sz="1000" b="0" i="0" u="none" strike="noStrike" cap="none">
                 <a:solidFill>
                   <a:schemeClr val="dk2"/>
                 </a:solidFill>
@@ -8780,7 +8942,7 @@
                 <a:sym typeface="Arial"/>
               </a:defRPr>
             </a:lvl3pPr>
-            <a:lvl4pPr indent="0" lvl="3" marL="0" marR="0" rtl="0" algn="r">
+            <a:lvl4pPr marL="0" marR="0" lvl="3" indent="0" algn="r" rtl="0">
               <a:lnSpc>
                 <a:spcPct val="100000"/>
               </a:lnSpc>
@@ -8796,7 +8958,7 @@
               <a:buSzPts val="1000"/>
               <a:buFont typeface="Arial"/>
               <a:buNone/>
-              <a:defRPr b="0" i="0" sz="1000" u="none" cap="none" strike="noStrike">
+              <a:defRPr sz="1000" b="0" i="0" u="none" strike="noStrike" cap="none">
                 <a:solidFill>
                   <a:schemeClr val="dk2"/>
                 </a:solidFill>
@@ -8806,7 +8968,7 @@
                 <a:sym typeface="Arial"/>
               </a:defRPr>
             </a:lvl4pPr>
-            <a:lvl5pPr indent="0" lvl="4" marL="0" marR="0" rtl="0" algn="r">
+            <a:lvl5pPr marL="0" marR="0" lvl="4" indent="0" algn="r" rtl="0">
               <a:lnSpc>
                 <a:spcPct val="100000"/>
               </a:lnSpc>
@@ -8822,7 +8984,7 @@
               <a:buSzPts val="1000"/>
               <a:buFont typeface="Arial"/>
               <a:buNone/>
-              <a:defRPr b="0" i="0" sz="1000" u="none" cap="none" strike="noStrike">
+              <a:defRPr sz="1000" b="0" i="0" u="none" strike="noStrike" cap="none">
                 <a:solidFill>
                   <a:schemeClr val="dk2"/>
                 </a:solidFill>
@@ -8832,7 +8994,7 @@
                 <a:sym typeface="Arial"/>
               </a:defRPr>
             </a:lvl5pPr>
-            <a:lvl6pPr indent="0" lvl="5" marL="0" marR="0" rtl="0" algn="r">
+            <a:lvl6pPr marL="0" marR="0" lvl="5" indent="0" algn="r" rtl="0">
               <a:lnSpc>
                 <a:spcPct val="100000"/>
               </a:lnSpc>
@@ -8848,7 +9010,7 @@
               <a:buSzPts val="1000"/>
               <a:buFont typeface="Arial"/>
               <a:buNone/>
-              <a:defRPr b="0" i="0" sz="1000" u="none" cap="none" strike="noStrike">
+              <a:defRPr sz="1000" b="0" i="0" u="none" strike="noStrike" cap="none">
                 <a:solidFill>
                   <a:schemeClr val="dk2"/>
                 </a:solidFill>
@@ -8858,7 +9020,7 @@
                 <a:sym typeface="Arial"/>
               </a:defRPr>
             </a:lvl6pPr>
-            <a:lvl7pPr indent="0" lvl="6" marL="0" marR="0" rtl="0" algn="r">
+            <a:lvl7pPr marL="0" marR="0" lvl="6" indent="0" algn="r" rtl="0">
               <a:lnSpc>
                 <a:spcPct val="100000"/>
               </a:lnSpc>
@@ -8874,7 +9036,7 @@
               <a:buSzPts val="1000"/>
               <a:buFont typeface="Arial"/>
               <a:buNone/>
-              <a:defRPr b="0" i="0" sz="1000" u="none" cap="none" strike="noStrike">
+              <a:defRPr sz="1000" b="0" i="0" u="none" strike="noStrike" cap="none">
                 <a:solidFill>
                   <a:schemeClr val="dk2"/>
                 </a:solidFill>
@@ -8884,7 +9046,7 @@
                 <a:sym typeface="Arial"/>
               </a:defRPr>
             </a:lvl7pPr>
-            <a:lvl8pPr indent="0" lvl="7" marL="0" marR="0" rtl="0" algn="r">
+            <a:lvl8pPr marL="0" marR="0" lvl="7" indent="0" algn="r" rtl="0">
               <a:lnSpc>
                 <a:spcPct val="100000"/>
               </a:lnSpc>
@@ -8900,7 +9062,7 @@
               <a:buSzPts val="1000"/>
               <a:buFont typeface="Arial"/>
               <a:buNone/>
-              <a:defRPr b="0" i="0" sz="1000" u="none" cap="none" strike="noStrike">
+              <a:defRPr sz="1000" b="0" i="0" u="none" strike="noStrike" cap="none">
                 <a:solidFill>
                   <a:schemeClr val="dk2"/>
                 </a:solidFill>
@@ -8910,7 +9072,7 @@
                 <a:sym typeface="Arial"/>
               </a:defRPr>
             </a:lvl8pPr>
-            <a:lvl9pPr indent="0" lvl="8" marL="0" marR="0" rtl="0" algn="r">
+            <a:lvl9pPr marL="0" marR="0" lvl="8" indent="0" algn="r" rtl="0">
               <a:lnSpc>
                 <a:spcPct val="100000"/>
               </a:lnSpc>
@@ -8926,7 +9088,7 @@
               <a:buSzPts val="1000"/>
               <a:buFont typeface="Arial"/>
               <a:buNone/>
-              <a:defRPr b="0" i="0" sz="1000" u="none" cap="none" strike="noStrike">
+              <a:defRPr sz="1000" b="0" i="0" u="none" strike="noStrike" cap="none">
                 <a:solidFill>
                   <a:schemeClr val="dk2"/>
                 </a:solidFill>
@@ -8938,7 +9100,7 @@
             </a:lvl9pPr>
           </a:lstStyle>
           <a:p>
-            <a:pPr indent="0" lvl="0" marL="0" rtl="0" algn="r">
+            <a:pPr marL="0" lvl="0" indent="0" algn="r" rtl="0">
               <a:spcBef>
                 <a:spcPts val="0"/>
               </a:spcBef>
@@ -8949,7 +9111,7 @@
             </a:pPr>
             <a:fld id="{00000000-1234-1234-1234-123412341234}" type="slidenum">
               <a:rPr lang="es-ES"/>
-              <a:t>‹#›</a:t>
+              <a:t>‹Nº›</a:t>
             </a:fld>
             <a:endParaRPr/>
           </a:p>
@@ -8957,24 +9119,24 @@
       </p:sp>
     </p:spTree>
   </p:cSld>
-  <p:clrMap accent1="accent1" accent2="accent2" accent3="accent3" accent4="accent4" accent5="accent5" accent6="accent6" bg1="lt1" bg2="dk2" tx1="dk1" tx2="lt2" folHlink="folHlink" hlink="hlink"/>
+  <p:clrMap bg1="lt1" tx1="dk1" bg2="dk2" tx2="lt2" accent1="accent1" accent2="accent2" accent3="accent3" accent4="accent4" accent5="accent5" accent6="accent6" hlink="hlink" folHlink="folHlink"/>
   <p:sldLayoutIdLst>
-    <p:sldLayoutId id="2147483649" r:id="rId2"/>
-    <p:sldLayoutId id="2147483650" r:id="rId3"/>
-    <p:sldLayoutId id="2147483651" r:id="rId4"/>
-    <p:sldLayoutId id="2147483652" r:id="rId5"/>
-    <p:sldLayoutId id="2147483653" r:id="rId6"/>
-    <p:sldLayoutId id="2147483654" r:id="rId7"/>
-    <p:sldLayoutId id="2147483655" r:id="rId8"/>
-    <p:sldLayoutId id="2147483656" r:id="rId9"/>
-    <p:sldLayoutId id="2147483657" r:id="rId10"/>
-    <p:sldLayoutId id="2147483658" r:id="rId11"/>
-    <p:sldLayoutId id="2147483659" r:id="rId12"/>
+    <p:sldLayoutId id="2147483649" r:id="rId1"/>
+    <p:sldLayoutId id="2147483650" r:id="rId2"/>
+    <p:sldLayoutId id="2147483651" r:id="rId3"/>
+    <p:sldLayoutId id="2147483652" r:id="rId4"/>
+    <p:sldLayoutId id="2147483653" r:id="rId5"/>
+    <p:sldLayoutId id="2147483654" r:id="rId6"/>
+    <p:sldLayoutId id="2147483655" r:id="rId7"/>
+    <p:sldLayoutId id="2147483656" r:id="rId8"/>
+    <p:sldLayoutId id="2147483657" r:id="rId9"/>
+    <p:sldLayoutId id="2147483658" r:id="rId10"/>
+    <p:sldLayoutId id="2147483659" r:id="rId11"/>
   </p:sldLayoutIdLst>
-  <p:hf dt="0" ftr="0" hdr="0" sldNum="0"/>
+  <p:hf sldNum="0" hdr="0" ftr="0" dt="0"/>
   <p:txStyles>
     <p:titleStyle>
-      <a:defPPr lvl="0" marR="0" rtl="0" algn="l">
+      <a:defPPr marR="0" lvl="0" algn="l" rtl="0">
         <a:lnSpc>
           <a:spcPct val="100000"/>
         </a:lnSpc>
@@ -8985,7 +9147,7 @@
           <a:spcPts val="0"/>
         </a:spcAft>
       </a:defPPr>
-      <a:lvl1pPr lvl="0" marR="0" rtl="0" algn="l">
+      <a:lvl1pPr marR="0" lvl="0" algn="l" rtl="0">
         <a:lnSpc>
           <a:spcPct val="100000"/>
         </a:lnSpc>
@@ -8999,7 +9161,7 @@
           <a:srgbClr val="000000"/>
         </a:buClr>
         <a:buFont typeface="Arial"/>
-        <a:defRPr b="0" i="0" sz="1400" u="none" cap="none" strike="noStrike">
+        <a:defRPr sz="1400" b="0" i="0" u="none" strike="noStrike" cap="none">
           <a:solidFill>
             <a:srgbClr val="000000"/>
           </a:solidFill>
@@ -9009,7 +9171,7 @@
           <a:sym typeface="Arial"/>
         </a:defRPr>
       </a:lvl1pPr>
-      <a:lvl2pPr lvl="1" marR="0" rtl="0" algn="l">
+      <a:lvl2pPr marR="0" lvl="1" algn="l" rtl="0">
         <a:lnSpc>
           <a:spcPct val="100000"/>
         </a:lnSpc>
@@ -9023,7 +9185,7 @@
           <a:srgbClr val="000000"/>
         </a:buClr>
         <a:buFont typeface="Arial"/>
-        <a:defRPr b="0" i="0" sz="1400" u="none" cap="none" strike="noStrike">
+        <a:defRPr sz="1400" b="0" i="0" u="none" strike="noStrike" cap="none">
           <a:solidFill>
             <a:srgbClr val="000000"/>
           </a:solidFill>
@@ -9033,7 +9195,7 @@
           <a:sym typeface="Arial"/>
         </a:defRPr>
       </a:lvl2pPr>
-      <a:lvl3pPr lvl="2" marR="0" rtl="0" algn="l">
+      <a:lvl3pPr marR="0" lvl="2" algn="l" rtl="0">
         <a:lnSpc>
           <a:spcPct val="100000"/>
         </a:lnSpc>
@@ -9047,7 +9209,7 @@
           <a:srgbClr val="000000"/>
         </a:buClr>
         <a:buFont typeface="Arial"/>
-        <a:defRPr b="0" i="0" sz="1400" u="none" cap="none" strike="noStrike">
+        <a:defRPr sz="1400" b="0" i="0" u="none" strike="noStrike" cap="none">
           <a:solidFill>
             <a:srgbClr val="000000"/>
           </a:solidFill>
@@ -9057,7 +9219,7 @@
           <a:sym typeface="Arial"/>
         </a:defRPr>
       </a:lvl3pPr>
-      <a:lvl4pPr lvl="3" marR="0" rtl="0" algn="l">
+      <a:lvl4pPr marR="0" lvl="3" algn="l" rtl="0">
         <a:lnSpc>
           <a:spcPct val="100000"/>
         </a:lnSpc>
@@ -9071,7 +9233,7 @@
           <a:srgbClr val="000000"/>
         </a:buClr>
         <a:buFont typeface="Arial"/>
-        <a:defRPr b="0" i="0" sz="1400" u="none" cap="none" strike="noStrike">
+        <a:defRPr sz="1400" b="0" i="0" u="none" strike="noStrike" cap="none">
           <a:solidFill>
             <a:srgbClr val="000000"/>
           </a:solidFill>
@@ -9081,7 +9243,7 @@
           <a:sym typeface="Arial"/>
         </a:defRPr>
       </a:lvl4pPr>
-      <a:lvl5pPr lvl="4" marR="0" rtl="0" algn="l">
+      <a:lvl5pPr marR="0" lvl="4" algn="l" rtl="0">
         <a:lnSpc>
           <a:spcPct val="100000"/>
         </a:lnSpc>
@@ -9095,7 +9257,7 @@
           <a:srgbClr val="000000"/>
         </a:buClr>
         <a:buFont typeface="Arial"/>
-        <a:defRPr b="0" i="0" sz="1400" u="none" cap="none" strike="noStrike">
+        <a:defRPr sz="1400" b="0" i="0" u="none" strike="noStrike" cap="none">
           <a:solidFill>
             <a:srgbClr val="000000"/>
           </a:solidFill>
@@ -9105,7 +9267,7 @@
           <a:sym typeface="Arial"/>
         </a:defRPr>
       </a:lvl5pPr>
-      <a:lvl6pPr lvl="5" marR="0" rtl="0" algn="l">
+      <a:lvl6pPr marR="0" lvl="5" algn="l" rtl="0">
         <a:lnSpc>
           <a:spcPct val="100000"/>
         </a:lnSpc>
@@ -9119,7 +9281,7 @@
           <a:srgbClr val="000000"/>
         </a:buClr>
         <a:buFont typeface="Arial"/>
-        <a:defRPr b="0" i="0" sz="1400" u="none" cap="none" strike="noStrike">
+        <a:defRPr sz="1400" b="0" i="0" u="none" strike="noStrike" cap="none">
           <a:solidFill>
             <a:srgbClr val="000000"/>
           </a:solidFill>
@@ -9129,7 +9291,7 @@
           <a:sym typeface="Arial"/>
         </a:defRPr>
       </a:lvl6pPr>
-      <a:lvl7pPr lvl="6" marR="0" rtl="0" algn="l">
+      <a:lvl7pPr marR="0" lvl="6" algn="l" rtl="0">
         <a:lnSpc>
           <a:spcPct val="100000"/>
         </a:lnSpc>
@@ -9143,7 +9305,7 @@
           <a:srgbClr val="000000"/>
         </a:buClr>
         <a:buFont typeface="Arial"/>
-        <a:defRPr b="0" i="0" sz="1400" u="none" cap="none" strike="noStrike">
+        <a:defRPr sz="1400" b="0" i="0" u="none" strike="noStrike" cap="none">
           <a:solidFill>
             <a:srgbClr val="000000"/>
           </a:solidFill>
@@ -9153,7 +9315,7 @@
           <a:sym typeface="Arial"/>
         </a:defRPr>
       </a:lvl7pPr>
-      <a:lvl8pPr lvl="7" marR="0" rtl="0" algn="l">
+      <a:lvl8pPr marR="0" lvl="7" algn="l" rtl="0">
         <a:lnSpc>
           <a:spcPct val="100000"/>
         </a:lnSpc>
@@ -9167,7 +9329,7 @@
           <a:srgbClr val="000000"/>
         </a:buClr>
         <a:buFont typeface="Arial"/>
-        <a:defRPr b="0" i="0" sz="1400" u="none" cap="none" strike="noStrike">
+        <a:defRPr sz="1400" b="0" i="0" u="none" strike="noStrike" cap="none">
           <a:solidFill>
             <a:srgbClr val="000000"/>
           </a:solidFill>
@@ -9177,7 +9339,7 @@
           <a:sym typeface="Arial"/>
         </a:defRPr>
       </a:lvl8pPr>
-      <a:lvl9pPr lvl="8" marR="0" rtl="0" algn="l">
+      <a:lvl9pPr marR="0" lvl="8" algn="l" rtl="0">
         <a:lnSpc>
           <a:spcPct val="100000"/>
         </a:lnSpc>
@@ -9191,7 +9353,7 @@
           <a:srgbClr val="000000"/>
         </a:buClr>
         <a:buFont typeface="Arial"/>
-        <a:defRPr b="0" i="0" sz="1400" u="none" cap="none" strike="noStrike">
+        <a:defRPr sz="1400" b="0" i="0" u="none" strike="noStrike" cap="none">
           <a:solidFill>
             <a:srgbClr val="000000"/>
           </a:solidFill>
@@ -9203,7 +9365,7 @@
       </a:lvl9pPr>
     </p:titleStyle>
     <p:bodyStyle>
-      <a:defPPr lvl="0" marR="0" rtl="0" algn="l">
+      <a:defPPr marR="0" lvl="0" algn="l" rtl="0">
         <a:lnSpc>
           <a:spcPct val="100000"/>
         </a:lnSpc>
@@ -9214,7 +9376,7 @@
           <a:spcPts val="0"/>
         </a:spcAft>
       </a:defPPr>
-      <a:lvl1pPr lvl="0" marR="0" rtl="0" algn="l">
+      <a:lvl1pPr marR="0" lvl="0" algn="l" rtl="0">
         <a:lnSpc>
           <a:spcPct val="100000"/>
         </a:lnSpc>
@@ -9228,7 +9390,7 @@
           <a:srgbClr val="000000"/>
         </a:buClr>
         <a:buFont typeface="Arial"/>
-        <a:defRPr b="0" i="0" sz="1400" u="none" cap="none" strike="noStrike">
+        <a:defRPr sz="1400" b="0" i="0" u="none" strike="noStrike" cap="none">
           <a:solidFill>
             <a:srgbClr val="000000"/>
           </a:solidFill>
@@ -9238,7 +9400,7 @@
           <a:sym typeface="Arial"/>
         </a:defRPr>
       </a:lvl1pPr>
-      <a:lvl2pPr lvl="1" marR="0" rtl="0" algn="l">
+      <a:lvl2pPr marR="0" lvl="1" algn="l" rtl="0">
         <a:lnSpc>
           <a:spcPct val="100000"/>
         </a:lnSpc>
@@ -9252,7 +9414,7 @@
           <a:srgbClr val="000000"/>
         </a:buClr>
         <a:buFont typeface="Arial"/>
-        <a:defRPr b="0" i="0" sz="1400" u="none" cap="none" strike="noStrike">
+        <a:defRPr sz="1400" b="0" i="0" u="none" strike="noStrike" cap="none">
           <a:solidFill>
             <a:srgbClr val="000000"/>
           </a:solidFill>
@@ -9262,7 +9424,7 @@
           <a:sym typeface="Arial"/>
         </a:defRPr>
       </a:lvl2pPr>
-      <a:lvl3pPr lvl="2" marR="0" rtl="0" algn="l">
+      <a:lvl3pPr marR="0" lvl="2" algn="l" rtl="0">
         <a:lnSpc>
           <a:spcPct val="100000"/>
         </a:lnSpc>
@@ -9276,7 +9438,7 @@
           <a:srgbClr val="000000"/>
         </a:buClr>
         <a:buFont typeface="Arial"/>
-        <a:defRPr b="0" i="0" sz="1400" u="none" cap="none" strike="noStrike">
+        <a:defRPr sz="1400" b="0" i="0" u="none" strike="noStrike" cap="none">
           <a:solidFill>
             <a:srgbClr val="000000"/>
           </a:solidFill>
@@ -9286,7 +9448,7 @@
           <a:sym typeface="Arial"/>
         </a:defRPr>
       </a:lvl3pPr>
-      <a:lvl4pPr lvl="3" marR="0" rtl="0" algn="l">
+      <a:lvl4pPr marR="0" lvl="3" algn="l" rtl="0">
         <a:lnSpc>
           <a:spcPct val="100000"/>
         </a:lnSpc>
@@ -9300,7 +9462,7 @@
           <a:srgbClr val="000000"/>
         </a:buClr>
         <a:buFont typeface="Arial"/>
-        <a:defRPr b="0" i="0" sz="1400" u="none" cap="none" strike="noStrike">
+        <a:defRPr sz="1400" b="0" i="0" u="none" strike="noStrike" cap="none">
           <a:solidFill>
             <a:srgbClr val="000000"/>
           </a:solidFill>
@@ -9310,7 +9472,7 @@
           <a:sym typeface="Arial"/>
         </a:defRPr>
       </a:lvl4pPr>
-      <a:lvl5pPr lvl="4" marR="0" rtl="0" algn="l">
+      <a:lvl5pPr marR="0" lvl="4" algn="l" rtl="0">
         <a:lnSpc>
           <a:spcPct val="100000"/>
         </a:lnSpc>
@@ -9324,7 +9486,7 @@
           <a:srgbClr val="000000"/>
         </a:buClr>
         <a:buFont typeface="Arial"/>
-        <a:defRPr b="0" i="0" sz="1400" u="none" cap="none" strike="noStrike">
+        <a:defRPr sz="1400" b="0" i="0" u="none" strike="noStrike" cap="none">
           <a:solidFill>
             <a:srgbClr val="000000"/>
           </a:solidFill>
@@ -9334,7 +9496,7 @@
           <a:sym typeface="Arial"/>
         </a:defRPr>
       </a:lvl5pPr>
-      <a:lvl6pPr lvl="5" marR="0" rtl="0" algn="l">
+      <a:lvl6pPr marR="0" lvl="5" algn="l" rtl="0">
         <a:lnSpc>
           <a:spcPct val="100000"/>
         </a:lnSpc>
@@ -9348,7 +9510,7 @@
           <a:srgbClr val="000000"/>
         </a:buClr>
         <a:buFont typeface="Arial"/>
-        <a:defRPr b="0" i="0" sz="1400" u="none" cap="none" strike="noStrike">
+        <a:defRPr sz="1400" b="0" i="0" u="none" strike="noStrike" cap="none">
           <a:solidFill>
             <a:srgbClr val="000000"/>
           </a:solidFill>
@@ -9358,7 +9520,7 @@
           <a:sym typeface="Arial"/>
         </a:defRPr>
       </a:lvl6pPr>
-      <a:lvl7pPr lvl="6" marR="0" rtl="0" algn="l">
+      <a:lvl7pPr marR="0" lvl="6" algn="l" rtl="0">
         <a:lnSpc>
           <a:spcPct val="100000"/>
         </a:lnSpc>
@@ -9372,7 +9534,7 @@
           <a:srgbClr val="000000"/>
         </a:buClr>
         <a:buFont typeface="Arial"/>
-        <a:defRPr b="0" i="0" sz="1400" u="none" cap="none" strike="noStrike">
+        <a:defRPr sz="1400" b="0" i="0" u="none" strike="noStrike" cap="none">
           <a:solidFill>
             <a:srgbClr val="000000"/>
           </a:solidFill>
@@ -9382,7 +9544,7 @@
           <a:sym typeface="Arial"/>
         </a:defRPr>
       </a:lvl7pPr>
-      <a:lvl8pPr lvl="7" marR="0" rtl="0" algn="l">
+      <a:lvl8pPr marR="0" lvl="7" algn="l" rtl="0">
         <a:lnSpc>
           <a:spcPct val="100000"/>
         </a:lnSpc>
@@ -9396,7 +9558,7 @@
           <a:srgbClr val="000000"/>
         </a:buClr>
         <a:buFont typeface="Arial"/>
-        <a:defRPr b="0" i="0" sz="1400" u="none" cap="none" strike="noStrike">
+        <a:defRPr sz="1400" b="0" i="0" u="none" strike="noStrike" cap="none">
           <a:solidFill>
             <a:srgbClr val="000000"/>
           </a:solidFill>
@@ -9406,7 +9568,7 @@
           <a:sym typeface="Arial"/>
         </a:defRPr>
       </a:lvl8pPr>
-      <a:lvl9pPr lvl="8" marR="0" rtl="0" algn="l">
+      <a:lvl9pPr marR="0" lvl="8" algn="l" rtl="0">
         <a:lnSpc>
           <a:spcPct val="100000"/>
         </a:lnSpc>
@@ -9420,7 +9582,7 @@
           <a:srgbClr val="000000"/>
         </a:buClr>
         <a:buFont typeface="Arial"/>
-        <a:defRPr b="0" i="0" sz="1400" u="none" cap="none" strike="noStrike">
+        <a:defRPr sz="1400" b="0" i="0" u="none" strike="noStrike" cap="none">
           <a:solidFill>
             <a:srgbClr val="000000"/>
           </a:solidFill>
@@ -9432,7 +9594,7 @@
       </a:lvl9pPr>
     </p:bodyStyle>
     <p:otherStyle>
-      <a:defPPr lvl="0" marR="0" rtl="0" algn="l">
+      <a:defPPr marR="0" lvl="0" algn="l" rtl="0">
         <a:lnSpc>
           <a:spcPct val="100000"/>
         </a:lnSpc>
@@ -9443,7 +9605,7 @@
           <a:spcPts val="0"/>
         </a:spcAft>
       </a:defPPr>
-      <a:lvl1pPr lvl="0" marR="0" rtl="0" algn="l">
+      <a:lvl1pPr marR="0" lvl="0" algn="l" rtl="0">
         <a:lnSpc>
           <a:spcPct val="100000"/>
         </a:lnSpc>
@@ -9457,7 +9619,7 @@
           <a:srgbClr val="000000"/>
         </a:buClr>
         <a:buFont typeface="Arial"/>
-        <a:defRPr b="0" i="0" sz="1400" u="none" cap="none" strike="noStrike">
+        <a:defRPr sz="1400" b="0" i="0" u="none" strike="noStrike" cap="none">
           <a:solidFill>
             <a:srgbClr val="000000"/>
           </a:solidFill>
@@ -9467,7 +9629,7 @@
           <a:sym typeface="Arial"/>
         </a:defRPr>
       </a:lvl1pPr>
-      <a:lvl2pPr lvl="1" marR="0" rtl="0" algn="l">
+      <a:lvl2pPr marR="0" lvl="1" algn="l" rtl="0">
         <a:lnSpc>
           <a:spcPct val="100000"/>
         </a:lnSpc>
@@ -9481,7 +9643,7 @@
           <a:srgbClr val="000000"/>
         </a:buClr>
         <a:buFont typeface="Arial"/>
-        <a:defRPr b="0" i="0" sz="1400" u="none" cap="none" strike="noStrike">
+        <a:defRPr sz="1400" b="0" i="0" u="none" strike="noStrike" cap="none">
           <a:solidFill>
             <a:srgbClr val="000000"/>
           </a:solidFill>
@@ -9491,7 +9653,7 @@
           <a:sym typeface="Arial"/>
         </a:defRPr>
       </a:lvl2pPr>
-      <a:lvl3pPr lvl="2" marR="0" rtl="0" algn="l">
+      <a:lvl3pPr marR="0" lvl="2" algn="l" rtl="0">
         <a:lnSpc>
           <a:spcPct val="100000"/>
         </a:lnSpc>
@@ -9505,7 +9667,7 @@
           <a:srgbClr val="000000"/>
         </a:buClr>
         <a:buFont typeface="Arial"/>
-        <a:defRPr b="0" i="0" sz="1400" u="none" cap="none" strike="noStrike">
+        <a:defRPr sz="1400" b="0" i="0" u="none" strike="noStrike" cap="none">
           <a:solidFill>
             <a:srgbClr val="000000"/>
           </a:solidFill>
@@ -9515,7 +9677,7 @@
           <a:sym typeface="Arial"/>
         </a:defRPr>
       </a:lvl3pPr>
-      <a:lvl4pPr lvl="3" marR="0" rtl="0" algn="l">
+      <a:lvl4pPr marR="0" lvl="3" algn="l" rtl="0">
         <a:lnSpc>
           <a:spcPct val="100000"/>
         </a:lnSpc>
@@ -9529,7 +9691,7 @@
           <a:srgbClr val="000000"/>
         </a:buClr>
         <a:buFont typeface="Arial"/>
-        <a:defRPr b="0" i="0" sz="1400" u="none" cap="none" strike="noStrike">
+        <a:defRPr sz="1400" b="0" i="0" u="none" strike="noStrike" cap="none">
           <a:solidFill>
             <a:srgbClr val="000000"/>
           </a:solidFill>
@@ -9539,7 +9701,7 @@
           <a:sym typeface="Arial"/>
         </a:defRPr>
       </a:lvl4pPr>
-      <a:lvl5pPr lvl="4" marR="0" rtl="0" algn="l">
+      <a:lvl5pPr marR="0" lvl="4" algn="l" rtl="0">
         <a:lnSpc>
           <a:spcPct val="100000"/>
         </a:lnSpc>
@@ -9553,7 +9715,7 @@
           <a:srgbClr val="000000"/>
         </a:buClr>
         <a:buFont typeface="Arial"/>
-        <a:defRPr b="0" i="0" sz="1400" u="none" cap="none" strike="noStrike">
+        <a:defRPr sz="1400" b="0" i="0" u="none" strike="noStrike" cap="none">
           <a:solidFill>
             <a:srgbClr val="000000"/>
           </a:solidFill>
@@ -9563,7 +9725,7 @@
           <a:sym typeface="Arial"/>
         </a:defRPr>
       </a:lvl5pPr>
-      <a:lvl6pPr lvl="5" marR="0" rtl="0" algn="l">
+      <a:lvl6pPr marR="0" lvl="5" algn="l" rtl="0">
         <a:lnSpc>
           <a:spcPct val="100000"/>
         </a:lnSpc>
@@ -9577,7 +9739,7 @@
           <a:srgbClr val="000000"/>
         </a:buClr>
         <a:buFont typeface="Arial"/>
-        <a:defRPr b="0" i="0" sz="1400" u="none" cap="none" strike="noStrike">
+        <a:defRPr sz="1400" b="0" i="0" u="none" strike="noStrike" cap="none">
           <a:solidFill>
             <a:srgbClr val="000000"/>
           </a:solidFill>
@@ -9587,7 +9749,7 @@
           <a:sym typeface="Arial"/>
         </a:defRPr>
       </a:lvl6pPr>
-      <a:lvl7pPr lvl="6" marR="0" rtl="0" algn="l">
+      <a:lvl7pPr marR="0" lvl="6" algn="l" rtl="0">
         <a:lnSpc>
           <a:spcPct val="100000"/>
         </a:lnSpc>
@@ -9601,7 +9763,7 @@
           <a:srgbClr val="000000"/>
         </a:buClr>
         <a:buFont typeface="Arial"/>
-        <a:defRPr b="0" i="0" sz="1400" u="none" cap="none" strike="noStrike">
+        <a:defRPr sz="1400" b="0" i="0" u="none" strike="noStrike" cap="none">
           <a:solidFill>
             <a:srgbClr val="000000"/>
           </a:solidFill>
@@ -9611,7 +9773,7 @@
           <a:sym typeface="Arial"/>
         </a:defRPr>
       </a:lvl7pPr>
-      <a:lvl8pPr lvl="7" marR="0" rtl="0" algn="l">
+      <a:lvl8pPr marR="0" lvl="7" algn="l" rtl="0">
         <a:lnSpc>
           <a:spcPct val="100000"/>
         </a:lnSpc>
@@ -9625,7 +9787,7 @@
           <a:srgbClr val="000000"/>
         </a:buClr>
         <a:buFont typeface="Arial"/>
-        <a:defRPr b="0" i="0" sz="1400" u="none" cap="none" strike="noStrike">
+        <a:defRPr sz="1400" b="0" i="0" u="none" strike="noStrike" cap="none">
           <a:solidFill>
             <a:srgbClr val="000000"/>
           </a:solidFill>
@@ -9635,7 +9797,7 @@
           <a:sym typeface="Arial"/>
         </a:defRPr>
       </a:lvl8pPr>
-      <a:lvl9pPr lvl="8" marR="0" rtl="0" algn="l">
+      <a:lvl9pPr marR="0" lvl="8" algn="l" rtl="0">
         <a:lnSpc>
           <a:spcPct val="100000"/>
         </a:lnSpc>
@@ -9649,7 +9811,7 @@
           <a:srgbClr val="000000"/>
         </a:buClr>
         <a:buFont typeface="Arial"/>
-        <a:defRPr b="0" i="0" sz="1400" u="none" cap="none" strike="noStrike">
+        <a:defRPr sz="1400" b="0" i="0" u="none" strike="noStrike" cap="none">
           <a:solidFill>
             <a:srgbClr val="000000"/>
           </a:solidFill>
@@ -9665,7 +9827,7 @@
 </file>
 
 <file path=ppt/slides/slide1.xml><?xml version="1.0" encoding="utf-8"?>
-<p:sld xmlns:a="http://schemas.openxmlformats.org/drawingml/2006/main" xmlns:r="http://schemas.openxmlformats.org/officeDocument/2006/relationships" xmlns:mc="http://schemas.openxmlformats.org/markup-compatibility/2006" xmlns:mv="urn:schemas-microsoft-com:mac:vml" xmlns:p="http://schemas.openxmlformats.org/presentationml/2006/main" xmlns:c="http://schemas.openxmlformats.org/drawingml/2006/chart" xmlns:dgm="http://schemas.openxmlformats.org/drawingml/2006/diagram" xmlns:o="urn:schemas-microsoft-com:office:office" xmlns:v="urn:schemas-microsoft-com:vml" xmlns:pvml="urn:schemas-microsoft-com:office:powerpoint" xmlns:com="http://schemas.openxmlformats.org/drawingml/2006/compatibility" xmlns:p14="http://schemas.microsoft.com/office/powerpoint/2010/main" xmlns:p15="http://schemas.microsoft.com/office/powerpoint/2012/main" xmlns:ahyp="http://schemas.microsoft.com/office/drawing/2018/hyperlinkcolor">
+<p:sld xmlns:a="http://schemas.openxmlformats.org/drawingml/2006/main" xmlns:r="http://schemas.openxmlformats.org/officeDocument/2006/relationships" xmlns:p="http://schemas.openxmlformats.org/presentationml/2006/main">
   <p:cSld>
     <p:bg>
       <p:bgPr>
@@ -9677,11 +9839,12 @@
             <a:fillRect/>
           </a:stretch>
         </a:blipFill>
+        <a:effectLst/>
       </p:bgPr>
     </p:bg>
     <p:spTree>
       <p:nvGrpSpPr>
-        <p:cNvPr id="53" name="Shape 53"/>
+        <p:cNvPr id="1" name="Shape 53"/>
         <p:cNvGrpSpPr/>
         <p:nvPr/>
       </p:nvGrpSpPr>
@@ -9696,7 +9859,9 @@
       <p:sp>
         <p:nvSpPr>
           <p:cNvPr id="54" name="Google Shape;54;p1"/>
-          <p:cNvSpPr txBox="1"/>
+          <p:cNvSpPr txBox="1">
+            <a:spLocks noGrp="1"/>
+          </p:cNvSpPr>
           <p:nvPr>
             <p:ph type="ctrTitle"/>
           </p:nvPr>
@@ -9715,12 +9880,12 @@
           </a:ln>
         </p:spPr>
         <p:txBody>
-          <a:bodyPr anchorCtr="0" anchor="b" bIns="91425" lIns="91425" spcFirstLastPara="1" rIns="91425" wrap="square" tIns="91425">
+          <a:bodyPr spcFirstLastPara="1" wrap="square" lIns="91425" tIns="91425" rIns="91425" bIns="91425" anchor="b" anchorCtr="0">
             <a:normAutofit/>
           </a:bodyPr>
           <a:lstStyle/>
           <a:p>
-            <a:pPr indent="0" lvl="0" marL="0" rtl="0" algn="ctr">
+            <a:pPr marL="0" lvl="0" indent="0" algn="ctr" rtl="0">
               <a:lnSpc>
                 <a:spcPct val="100000"/>
               </a:lnSpc>
@@ -9760,9 +9925,11 @@
       <p:sp>
         <p:nvSpPr>
           <p:cNvPr id="55" name="Google Shape;55;p1"/>
-          <p:cNvSpPr txBox="1"/>
+          <p:cNvSpPr txBox="1">
+            <a:spLocks noGrp="1"/>
+          </p:cNvSpPr>
           <p:nvPr>
-            <p:ph idx="1" type="subTitle"/>
+            <p:ph type="subTitle" idx="1"/>
           </p:nvPr>
         </p:nvSpPr>
         <p:spPr>
@@ -9779,12 +9946,12 @@
           </a:ln>
         </p:spPr>
         <p:txBody>
-          <a:bodyPr anchorCtr="0" anchor="t" bIns="91425" lIns="91425" spcFirstLastPara="1" rIns="91425" wrap="square" tIns="91425">
+          <a:bodyPr spcFirstLastPara="1" wrap="square" lIns="91425" tIns="91425" rIns="91425" bIns="91425" anchor="t" anchorCtr="0">
             <a:normAutofit/>
           </a:bodyPr>
           <a:lstStyle/>
           <a:p>
-            <a:pPr indent="0" lvl="0" marL="0" rtl="0" algn="ctr">
+            <a:pPr marL="0" lvl="0" indent="0" algn="ctr" rtl="0">
               <a:lnSpc>
                 <a:spcPct val="100000"/>
               </a:lnSpc>
@@ -9807,19 +9974,7 @@
                 <a:cs typeface="Arial Black"/>
                 <a:sym typeface="Arial Black"/>
               </a:rPr>
-              <a:t>Team Challenge 🡪 Funcione</a:t>
-            </a:r>
-            <a:r>
-              <a:rPr lang="es-ES" sz="1800">
-                <a:solidFill>
-                  <a:srgbClr val="F4FF8D"/>
-                </a:solidFill>
-                <a:latin typeface="Arial Black"/>
-                <a:ea typeface="Arial Black"/>
-                <a:cs typeface="Arial Black"/>
-                <a:sym typeface="Arial Black"/>
-              </a:rPr>
-              <a:t>s toolbox_ML</a:t>
+              <a:t>Team Challenge 🡪 Funciones toolbox_ML</a:t>
             </a:r>
             <a:endParaRPr sz="1800">
               <a:solidFill>
@@ -9832,7 +9987,7 @@
             </a:endParaRPr>
           </a:p>
           <a:p>
-            <a:pPr indent="0" lvl="0" marL="0" rtl="0" algn="ctr">
+            <a:pPr marL="0" lvl="0" indent="0" algn="ctr" rtl="0">
               <a:lnSpc>
                 <a:spcPct val="100000"/>
               </a:lnSpc>
@@ -9845,9 +10000,6 @@
               <a:buSzPts val="2800"/>
               <a:buNone/>
             </a:pPr>
-            <a:r>
-              <a:t/>
-            </a:r>
             <a:endParaRPr sz="1800">
               <a:solidFill>
                 <a:srgbClr val="F4FF8D"/>
@@ -9880,12 +10032,12 @@
           </a:ln>
         </p:spPr>
         <p:txBody>
-          <a:bodyPr anchorCtr="0" anchor="t" bIns="91425" lIns="91425" spcFirstLastPara="1" rIns="91425" wrap="square" tIns="91425">
+          <a:bodyPr spcFirstLastPara="1" wrap="square" lIns="91425" tIns="91425" rIns="91425" bIns="91425" anchor="t" anchorCtr="0">
             <a:normAutofit lnSpcReduction="20000"/>
           </a:bodyPr>
           <a:lstStyle/>
           <a:p>
-            <a:pPr indent="0" lvl="0" marL="0" marR="0" rtl="0" algn="ctr">
+            <a:pPr marL="0" marR="0" lvl="0" indent="0" algn="ctr" rtl="0">
               <a:lnSpc>
                 <a:spcPct val="100000"/>
               </a:lnSpc>
@@ -9903,7 +10055,7 @@
               <a:buNone/>
             </a:pPr>
             <a:r>
-              <a:rPr b="0" i="0" lang="es-ES" sz="1800" u="none" cap="none" strike="noStrike">
+              <a:rPr lang="es-ES" sz="1800" b="0" i="0" u="none" strike="noStrike" cap="none">
                 <a:solidFill>
                   <a:srgbClr val="F4FF8D"/>
                 </a:solidFill>
@@ -9917,7 +10069,7 @@
             <a:endParaRPr/>
           </a:p>
           <a:p>
-            <a:pPr indent="0" lvl="0" marL="0" marR="0" rtl="0" algn="ctr">
+            <a:pPr marL="0" marR="0" lvl="0" indent="0" algn="ctr" rtl="0">
               <a:lnSpc>
                 <a:spcPct val="100000"/>
               </a:lnSpc>
@@ -9935,7 +10087,7 @@
               <a:buNone/>
             </a:pPr>
             <a:r>
-              <a:rPr b="0" i="0" lang="es-ES" sz="1800" u="none" cap="none" strike="noStrike">
+              <a:rPr lang="es-ES" sz="1800" b="0" i="0" u="none" strike="noStrike" cap="none">
                 <a:solidFill>
                   <a:srgbClr val="F4FF8D"/>
                 </a:solidFill>
@@ -9949,7 +10101,7 @@
             <a:endParaRPr/>
           </a:p>
           <a:p>
-            <a:pPr indent="0" lvl="0" marL="0" marR="0" rtl="0" algn="ctr">
+            <a:pPr marL="0" marR="0" lvl="0" indent="0" algn="ctr" rtl="0">
               <a:lnSpc>
                 <a:spcPct val="100000"/>
               </a:lnSpc>
@@ -9967,7 +10119,7 @@
               <a:buNone/>
             </a:pPr>
             <a:r>
-              <a:rPr b="0" i="0" lang="es-ES" sz="1800" u="none" cap="none" strike="noStrike">
+              <a:rPr lang="es-ES" sz="1800" b="0" i="0" u="none" strike="noStrike" cap="none">
                 <a:solidFill>
                   <a:srgbClr val="F4FF8D"/>
                 </a:solidFill>
@@ -9981,7 +10133,7 @@
             <a:endParaRPr/>
           </a:p>
           <a:p>
-            <a:pPr indent="0" lvl="0" marL="0" marR="0" rtl="0" algn="ctr">
+            <a:pPr marL="0" marR="0" lvl="0" indent="0" algn="ctr" rtl="0">
               <a:lnSpc>
                 <a:spcPct val="100000"/>
               </a:lnSpc>
@@ -9999,7 +10151,7 @@
               <a:buNone/>
             </a:pPr>
             <a:r>
-              <a:rPr b="0" i="0" lang="es-ES" sz="1800" u="none" cap="none" strike="noStrike">
+              <a:rPr lang="es-ES" sz="1800" b="0" i="0" u="none" strike="noStrike" cap="none">
                 <a:solidFill>
                   <a:srgbClr val="F4FF8D"/>
                 </a:solidFill>
@@ -10013,7 +10165,7 @@
             <a:endParaRPr/>
           </a:p>
           <a:p>
-            <a:pPr indent="0" lvl="0" marL="0" marR="0" rtl="0" algn="ctr">
+            <a:pPr marL="0" marR="0" lvl="0" indent="0" algn="ctr" rtl="0">
               <a:lnSpc>
                 <a:spcPct val="100000"/>
               </a:lnSpc>
@@ -10031,7 +10183,7 @@
               <a:buNone/>
             </a:pPr>
             <a:r>
-              <a:rPr b="0" i="0" lang="es-ES" sz="1800" u="none" cap="none" strike="noStrike">
+              <a:rPr lang="es-ES" sz="1800" b="0" i="0" u="none" strike="noStrike" cap="none">
                 <a:solidFill>
                   <a:srgbClr val="F4FF8D"/>
                 </a:solidFill>
@@ -10045,7 +10197,7 @@
             <a:endParaRPr/>
           </a:p>
           <a:p>
-            <a:pPr indent="0" lvl="0" marL="0" marR="0" rtl="0" algn="ctr">
+            <a:pPr marL="0" marR="0" lvl="0" indent="0" algn="ctr" rtl="0">
               <a:lnSpc>
                 <a:spcPct val="100000"/>
               </a:lnSpc>
@@ -10063,7 +10215,7 @@
               <a:buNone/>
             </a:pPr>
             <a:r>
-              <a:rPr b="0" i="0" lang="es-ES" sz="1800" u="none" cap="none" strike="noStrike">
+              <a:rPr lang="es-ES" sz="1800" b="0" i="0" u="none" strike="noStrike" cap="none">
                 <a:solidFill>
                   <a:srgbClr val="F4FF8D"/>
                 </a:solidFill>
@@ -10074,7 +10226,7 @@
               </a:rPr>
               <a:t>Antonio Herrera</a:t>
             </a:r>
-            <a:endParaRPr b="0" i="0" sz="1800" u="none" cap="none" strike="noStrike">
+            <a:endParaRPr sz="1800" b="0" i="0" u="none" strike="noStrike" cap="none">
               <a:solidFill>
                 <a:srgbClr val="F4FF8D"/>
               </a:solidFill>
@@ -10095,7 +10247,7 @@
 </file>
 
 <file path=ppt/slides/slide10.xml><?xml version="1.0" encoding="utf-8"?>
-<p:sld xmlns:a="http://schemas.openxmlformats.org/drawingml/2006/main" xmlns:r="http://schemas.openxmlformats.org/officeDocument/2006/relationships" xmlns:mc="http://schemas.openxmlformats.org/markup-compatibility/2006" xmlns:mv="urn:schemas-microsoft-com:mac:vml" xmlns:p="http://schemas.openxmlformats.org/presentationml/2006/main" xmlns:c="http://schemas.openxmlformats.org/drawingml/2006/chart" xmlns:dgm="http://schemas.openxmlformats.org/drawingml/2006/diagram" xmlns:o="urn:schemas-microsoft-com:office:office" xmlns:v="urn:schemas-microsoft-com:vml" xmlns:pvml="urn:schemas-microsoft-com:office:powerpoint" xmlns:com="http://schemas.openxmlformats.org/drawingml/2006/compatibility" xmlns:p14="http://schemas.microsoft.com/office/powerpoint/2010/main" xmlns:p15="http://schemas.microsoft.com/office/powerpoint/2012/main" xmlns:ahyp="http://schemas.microsoft.com/office/drawing/2018/hyperlinkcolor">
+<p:sld xmlns:a="http://schemas.openxmlformats.org/drawingml/2006/main" xmlns:r="http://schemas.openxmlformats.org/officeDocument/2006/relationships" xmlns:p="http://schemas.openxmlformats.org/presentationml/2006/main">
   <p:cSld>
     <p:bg>
       <p:bgPr>
@@ -10107,11 +10259,12 @@
             <a:fillRect/>
           </a:stretch>
         </a:blipFill>
+        <a:effectLst/>
       </p:bgPr>
     </p:bg>
     <p:spTree>
       <p:nvGrpSpPr>
-        <p:cNvPr id="126" name="Shape 126"/>
+        <p:cNvPr id="1" name="Shape 126"/>
         <p:cNvGrpSpPr/>
         <p:nvPr/>
       </p:nvGrpSpPr>
@@ -10126,7 +10279,9 @@
       <p:sp>
         <p:nvSpPr>
           <p:cNvPr id="127" name="Google Shape;127;p9"/>
-          <p:cNvSpPr txBox="1"/>
+          <p:cNvSpPr txBox="1">
+            <a:spLocks noGrp="1"/>
+          </p:cNvSpPr>
           <p:nvPr>
             <p:ph type="ctrTitle"/>
           </p:nvPr>
@@ -10145,12 +10300,12 @@
           </a:ln>
         </p:spPr>
         <p:txBody>
-          <a:bodyPr anchorCtr="0" anchor="b" bIns="91425" lIns="91425" spcFirstLastPara="1" rIns="91425" wrap="square" tIns="91425">
+          <a:bodyPr spcFirstLastPara="1" wrap="square" lIns="91425" tIns="91425" rIns="91425" bIns="91425" anchor="b" anchorCtr="0">
             <a:normAutofit/>
           </a:bodyPr>
           <a:lstStyle/>
           <a:p>
-            <a:pPr indent="0" lvl="0" marL="0" rtl="0" algn="ctr">
+            <a:pPr marL="0" lvl="0" indent="0" algn="ctr" rtl="0">
               <a:lnSpc>
                 <a:spcPct val="100000"/>
               </a:lnSpc>
@@ -10190,9 +10345,11 @@
       <p:sp>
         <p:nvSpPr>
           <p:cNvPr id="128" name="Google Shape;128;p9"/>
-          <p:cNvSpPr txBox="1"/>
+          <p:cNvSpPr txBox="1">
+            <a:spLocks noGrp="1"/>
+          </p:cNvSpPr>
           <p:nvPr>
-            <p:ph idx="1" type="subTitle"/>
+            <p:ph type="subTitle" idx="1"/>
           </p:nvPr>
         </p:nvSpPr>
         <p:spPr>
@@ -10209,12 +10366,12 @@
           </a:ln>
         </p:spPr>
         <p:txBody>
-          <a:bodyPr anchorCtr="0" anchor="t" bIns="91425" lIns="91425" spcFirstLastPara="1" rIns="91425" wrap="square" tIns="91425">
+          <a:bodyPr spcFirstLastPara="1" wrap="square" lIns="91425" tIns="91425" rIns="91425" bIns="91425" anchor="t" anchorCtr="0">
             <a:normAutofit fontScale="85000" lnSpcReduction="20000"/>
           </a:bodyPr>
           <a:lstStyle/>
           <a:p>
-            <a:pPr indent="0" lvl="0" marL="0" rtl="0" algn="ctr">
+            <a:pPr marL="0" lvl="0" indent="0" algn="ctr" rtl="0">
               <a:lnSpc>
                 <a:spcPct val="100000"/>
               </a:lnSpc>
@@ -10242,7 +10399,7 @@
             <a:endParaRPr/>
           </a:p>
           <a:p>
-            <a:pPr indent="0" lvl="0" marL="0" rtl="0" algn="ctr">
+            <a:pPr marL="0" lvl="0" indent="0" algn="ctr" rtl="0">
               <a:lnSpc>
                 <a:spcPct val="100000"/>
               </a:lnSpc>
@@ -10270,7 +10427,7 @@
             <a:endParaRPr/>
           </a:p>
           <a:p>
-            <a:pPr indent="0" lvl="0" marL="0" rtl="0" algn="ctr">
+            <a:pPr marL="0" lvl="0" indent="0" algn="ctr" rtl="0">
               <a:lnSpc>
                 <a:spcPct val="100000"/>
               </a:lnSpc>
@@ -10298,7 +10455,7 @@
             <a:endParaRPr/>
           </a:p>
           <a:p>
-            <a:pPr indent="0" lvl="0" marL="0" rtl="0" algn="ctr">
+            <a:pPr marL="0" lvl="0" indent="0" algn="ctr" rtl="0">
               <a:lnSpc>
                 <a:spcPct val="100000"/>
               </a:lnSpc>
@@ -10326,7 +10483,7 @@
             <a:endParaRPr/>
           </a:p>
           <a:p>
-            <a:pPr indent="0" lvl="0" marL="0" rtl="0" algn="ctr">
+            <a:pPr marL="0" lvl="0" indent="0" algn="ctr" rtl="0">
               <a:lnSpc>
                 <a:spcPct val="100000"/>
               </a:lnSpc>
@@ -10354,7 +10511,7 @@
             <a:endParaRPr/>
           </a:p>
           <a:p>
-            <a:pPr indent="0" lvl="0" marL="0" rtl="0" algn="ctr">
+            <a:pPr marL="0" lvl="0" indent="0" algn="ctr" rtl="0">
               <a:lnSpc>
                 <a:spcPct val="100000"/>
               </a:lnSpc>
@@ -10400,11 +10557,11 @@
 </file>
 
 <file path=ppt/slides/slide2.xml><?xml version="1.0" encoding="utf-8"?>
-<p:sld xmlns:a="http://schemas.openxmlformats.org/drawingml/2006/main" xmlns:r="http://schemas.openxmlformats.org/officeDocument/2006/relationships" xmlns:mc="http://schemas.openxmlformats.org/markup-compatibility/2006" xmlns:mv="urn:schemas-microsoft-com:mac:vml" xmlns:p="http://schemas.openxmlformats.org/presentationml/2006/main" xmlns:c="http://schemas.openxmlformats.org/drawingml/2006/chart" xmlns:dgm="http://schemas.openxmlformats.org/drawingml/2006/diagram" xmlns:o="urn:schemas-microsoft-com:office:office" xmlns:v="urn:schemas-microsoft-com:vml" xmlns:pvml="urn:schemas-microsoft-com:office:powerpoint" xmlns:com="http://schemas.openxmlformats.org/drawingml/2006/compatibility" xmlns:p14="http://schemas.microsoft.com/office/powerpoint/2010/main" xmlns:p15="http://schemas.microsoft.com/office/powerpoint/2012/main" xmlns:ahyp="http://schemas.microsoft.com/office/drawing/2018/hyperlinkcolor">
+<p:sld xmlns:a="http://schemas.openxmlformats.org/drawingml/2006/main" xmlns:r="http://schemas.openxmlformats.org/officeDocument/2006/relationships" xmlns:p="http://schemas.openxmlformats.org/presentationml/2006/main">
   <p:cSld>
     <p:spTree>
       <p:nvGrpSpPr>
-        <p:cNvPr id="60" name="Shape 60"/>
+        <p:cNvPr id="1" name="Shape 60"/>
         <p:cNvGrpSpPr/>
         <p:nvPr/>
       </p:nvGrpSpPr>
@@ -10419,7 +10576,9 @@
       <p:sp>
         <p:nvSpPr>
           <p:cNvPr id="61" name="Google Shape;61;p2"/>
-          <p:cNvSpPr txBox="1"/>
+          <p:cNvSpPr txBox="1">
+            <a:spLocks noGrp="1"/>
+          </p:cNvSpPr>
           <p:nvPr>
             <p:ph type="title"/>
           </p:nvPr>
@@ -10438,12 +10597,12 @@
           </a:ln>
         </p:spPr>
         <p:txBody>
-          <a:bodyPr anchorCtr="0" anchor="t" bIns="91425" lIns="91425" spcFirstLastPara="1" rIns="91425" wrap="square" tIns="91425">
+          <a:bodyPr spcFirstLastPara="1" wrap="square" lIns="91425" tIns="91425" rIns="91425" bIns="91425" anchor="t" anchorCtr="0">
             <a:noAutofit/>
           </a:bodyPr>
           <a:lstStyle/>
           <a:p>
-            <a:pPr indent="0" lvl="0" marL="0" rtl="0" algn="l">
+            <a:pPr marL="0" lvl="0" indent="0" algn="l" rtl="0">
               <a:lnSpc>
                 <a:spcPct val="100000"/>
               </a:lnSpc>
@@ -10457,7 +10616,7 @@
               <a:buNone/>
             </a:pPr>
             <a:r>
-              <a:rPr b="1" lang="es-ES" sz="2500">
+              <a:rPr lang="es-ES" sz="2500" b="1">
                 <a:solidFill>
                   <a:schemeClr val="lt1"/>
                 </a:solidFill>
@@ -10468,7 +10627,7 @@
               </a:rPr>
               <a:t>describe_df</a:t>
             </a:r>
-            <a:endParaRPr b="1" sz="2500">
+            <a:endParaRPr sz="2500" b="1">
               <a:solidFill>
                 <a:schemeClr val="lt1"/>
               </a:solidFill>
@@ -10490,7 +10649,7 @@
           <a:blip r:embed="rId3">
             <a:alphaModFix/>
           </a:blip>
-          <a:srcRect b="0" l="0" r="0" t="0"/>
+          <a:srcRect/>
           <a:stretch/>
         </p:blipFill>
         <p:spPr>
@@ -10500,23 +10659,23 @@
           </a:xfrm>
           <a:prstGeom prst="roundRect">
             <a:avLst>
-              <a:gd fmla="val 4167" name="adj"/>
+              <a:gd name="adj" fmla="val 4167"/>
             </a:avLst>
           </a:prstGeom>
           <a:solidFill>
             <a:srgbClr val="FFFFFF"/>
           </a:solidFill>
-          <a:ln cap="sq" cmpd="sng" w="9525">
+          <a:ln w="9525" cap="sq" cmpd="sng">
             <a:solidFill>
               <a:srgbClr val="EAEAEA"/>
             </a:solidFill>
             <a:prstDash val="solid"/>
             <a:miter lim="800000"/>
-            <a:headEnd len="sm" w="sm" type="none"/>
-            <a:tailEnd len="sm" w="sm" type="none"/>
+            <a:headEnd type="none" w="sm" len="sm"/>
+            <a:tailEnd type="none" w="sm" len="sm"/>
           </a:ln>
           <a:effectLst>
-            <a:reflection blurRad="0" dir="5400000" dist="5000" endA="0" endPos="28000" kx="0" rotWithShape="0" algn="bl" stA="33000" stPos="0" sy="-100000" ky="0"/>
+            <a:reflection stA="33000" endPos="28000" dist="5000" dir="5400000" sy="-100000" algn="bl" rotWithShape="0"/>
           </a:effectLst>
         </p:spPr>
       </p:pic>
@@ -10529,11 +10688,11 @@
 </file>
 
 <file path=ppt/slides/slide3.xml><?xml version="1.0" encoding="utf-8"?>
-<p:sld xmlns:a="http://schemas.openxmlformats.org/drawingml/2006/main" xmlns:r="http://schemas.openxmlformats.org/officeDocument/2006/relationships" xmlns:mc="http://schemas.openxmlformats.org/markup-compatibility/2006" xmlns:mv="urn:schemas-microsoft-com:mac:vml" xmlns:p="http://schemas.openxmlformats.org/presentationml/2006/main" xmlns:c="http://schemas.openxmlformats.org/drawingml/2006/chart" xmlns:dgm="http://schemas.openxmlformats.org/drawingml/2006/diagram" xmlns:o="urn:schemas-microsoft-com:office:office" xmlns:v="urn:schemas-microsoft-com:vml" xmlns:pvml="urn:schemas-microsoft-com:office:powerpoint" xmlns:com="http://schemas.openxmlformats.org/drawingml/2006/compatibility" xmlns:p14="http://schemas.microsoft.com/office/powerpoint/2010/main" xmlns:p15="http://schemas.microsoft.com/office/powerpoint/2012/main" xmlns:ahyp="http://schemas.microsoft.com/office/drawing/2018/hyperlinkcolor">
+<p:sld xmlns:a="http://schemas.openxmlformats.org/drawingml/2006/main" xmlns:r="http://schemas.openxmlformats.org/officeDocument/2006/relationships" xmlns:p="http://schemas.openxmlformats.org/presentationml/2006/main">
   <p:cSld>
     <p:spTree>
       <p:nvGrpSpPr>
-        <p:cNvPr id="66" name="Shape 66"/>
+        <p:cNvPr id="1" name="Shape 66"/>
         <p:cNvGrpSpPr/>
         <p:nvPr/>
       </p:nvGrpSpPr>
@@ -10548,7 +10707,9 @@
       <p:sp>
         <p:nvSpPr>
           <p:cNvPr id="67" name="Google Shape;67;p3"/>
-          <p:cNvSpPr txBox="1"/>
+          <p:cNvSpPr txBox="1">
+            <a:spLocks noGrp="1"/>
+          </p:cNvSpPr>
           <p:nvPr>
             <p:ph type="title"/>
           </p:nvPr>
@@ -10567,12 +10728,12 @@
           </a:ln>
         </p:spPr>
         <p:txBody>
-          <a:bodyPr anchorCtr="0" anchor="t" bIns="91425" lIns="91425" spcFirstLastPara="1" rIns="91425" wrap="square" tIns="91425">
+          <a:bodyPr spcFirstLastPara="1" wrap="square" lIns="91425" tIns="91425" rIns="91425" bIns="91425" anchor="t" anchorCtr="0">
             <a:noAutofit/>
           </a:bodyPr>
           <a:lstStyle/>
           <a:p>
-            <a:pPr indent="0" lvl="0" marL="0" rtl="0" algn="l">
+            <a:pPr marL="0" lvl="0" indent="0" algn="l" rtl="0">
               <a:lnSpc>
                 <a:spcPct val="100000"/>
               </a:lnSpc>
@@ -10586,7 +10747,7 @@
               <a:buNone/>
             </a:pPr>
             <a:r>
-              <a:rPr b="1" lang="es-ES" sz="2500">
+              <a:rPr lang="es-ES" sz="2500" b="1">
                 <a:solidFill>
                   <a:schemeClr val="lt1"/>
                 </a:solidFill>
@@ -10597,7 +10758,7 @@
               </a:rPr>
               <a:t>tipifica_variables</a:t>
             </a:r>
-            <a:endParaRPr b="1" sz="2500">
+            <a:endParaRPr sz="2500" b="1">
               <a:solidFill>
                 <a:schemeClr val="lt1"/>
               </a:solidFill>
@@ -10619,7 +10780,7 @@
           <a:blip r:embed="rId3">
             <a:alphaModFix/>
           </a:blip>
-          <a:srcRect b="0" l="0" r="0" t="0"/>
+          <a:srcRect/>
           <a:stretch/>
         </p:blipFill>
         <p:spPr>
@@ -10629,23 +10790,23 @@
           </a:xfrm>
           <a:prstGeom prst="roundRect">
             <a:avLst>
-              <a:gd fmla="val 4167" name="adj"/>
+              <a:gd name="adj" fmla="val 4167"/>
             </a:avLst>
           </a:prstGeom>
           <a:solidFill>
             <a:srgbClr val="FFFFFF"/>
           </a:solidFill>
-          <a:ln cap="sq" cmpd="sng" w="9525">
+          <a:ln w="9525" cap="sq" cmpd="sng">
             <a:solidFill>
               <a:srgbClr val="EAEAEA"/>
             </a:solidFill>
             <a:prstDash val="solid"/>
             <a:miter lim="800000"/>
-            <a:headEnd len="sm" w="sm" type="none"/>
-            <a:tailEnd len="sm" w="sm" type="none"/>
+            <a:headEnd type="none" w="sm" len="sm"/>
+            <a:tailEnd type="none" w="sm" len="sm"/>
           </a:ln>
           <a:effectLst>
-            <a:reflection blurRad="0" dir="5400000" dist="5000" endA="0" endPos="28000" kx="0" rotWithShape="0" algn="bl" stA="33000" stPos="0" sy="-100000" ky="0"/>
+            <a:reflection stA="33000" endPos="28000" dist="5000" dir="5400000" sy="-100000" algn="bl" rotWithShape="0"/>
           </a:effectLst>
         </p:spPr>
       </p:pic>
@@ -10658,11 +10819,11 @@
 </file>
 
 <file path=ppt/slides/slide4.xml><?xml version="1.0" encoding="utf-8"?>
-<p:sld xmlns:a="http://schemas.openxmlformats.org/drawingml/2006/main" xmlns:r="http://schemas.openxmlformats.org/officeDocument/2006/relationships" xmlns:mc="http://schemas.openxmlformats.org/markup-compatibility/2006" xmlns:mv="urn:schemas-microsoft-com:mac:vml" xmlns:p="http://schemas.openxmlformats.org/presentationml/2006/main" xmlns:c="http://schemas.openxmlformats.org/drawingml/2006/chart" xmlns:dgm="http://schemas.openxmlformats.org/drawingml/2006/diagram" xmlns:o="urn:schemas-microsoft-com:office:office" xmlns:v="urn:schemas-microsoft-com:vml" xmlns:pvml="urn:schemas-microsoft-com:office:powerpoint" xmlns:com="http://schemas.openxmlformats.org/drawingml/2006/compatibility" xmlns:p14="http://schemas.microsoft.com/office/powerpoint/2010/main" xmlns:p15="http://schemas.microsoft.com/office/powerpoint/2012/main" xmlns:ahyp="http://schemas.microsoft.com/office/drawing/2018/hyperlinkcolor">
+<p:sld xmlns:a="http://schemas.openxmlformats.org/drawingml/2006/main" xmlns:r="http://schemas.openxmlformats.org/officeDocument/2006/relationships" xmlns:p="http://schemas.openxmlformats.org/presentationml/2006/main">
   <p:cSld>
     <p:spTree>
       <p:nvGrpSpPr>
-        <p:cNvPr id="72" name="Shape 72"/>
+        <p:cNvPr id="1" name="Shape 72"/>
         <p:cNvGrpSpPr/>
         <p:nvPr/>
       </p:nvGrpSpPr>
@@ -10677,7 +10838,9 @@
       <p:sp>
         <p:nvSpPr>
           <p:cNvPr id="73" name="Google Shape;73;p4"/>
-          <p:cNvSpPr txBox="1"/>
+          <p:cNvSpPr txBox="1">
+            <a:spLocks noGrp="1"/>
+          </p:cNvSpPr>
           <p:nvPr>
             <p:ph type="title"/>
           </p:nvPr>
@@ -10696,12 +10859,12 @@
           </a:ln>
         </p:spPr>
         <p:txBody>
-          <a:bodyPr anchorCtr="0" anchor="t" bIns="91425" lIns="91425" spcFirstLastPara="1" rIns="91425" wrap="square" tIns="91425">
+          <a:bodyPr spcFirstLastPara="1" wrap="square" lIns="91425" tIns="91425" rIns="91425" bIns="91425" anchor="t" anchorCtr="0">
             <a:noAutofit/>
           </a:bodyPr>
           <a:lstStyle/>
           <a:p>
-            <a:pPr indent="0" lvl="0" marL="0" rtl="0" algn="l">
+            <a:pPr marL="0" lvl="0" indent="0" algn="l" rtl="0">
               <a:lnSpc>
                 <a:spcPct val="100000"/>
               </a:lnSpc>
@@ -10715,7 +10878,7 @@
               <a:buNone/>
             </a:pPr>
             <a:r>
-              <a:rPr b="1" lang="es-ES" sz="2500">
+              <a:rPr lang="es-ES" sz="2500" b="1">
                 <a:solidFill>
                   <a:schemeClr val="lt1"/>
                 </a:solidFill>
@@ -10726,7 +10889,7 @@
               </a:rPr>
               <a:t>get_features_num_regression</a:t>
             </a:r>
-            <a:endParaRPr b="1" sz="2500">
+            <a:endParaRPr sz="2500" b="1">
               <a:solidFill>
                 <a:schemeClr val="lt1"/>
               </a:solidFill>
@@ -10765,7 +10928,7 @@
             <a:noFill/>
           </a:ln>
           <a:effectLst>
-            <a:reflection blurRad="0" dir="5400000" dist="85725" endA="0" endPos="30000" fadeDir="5400012" kx="0" rotWithShape="0" algn="bl" stA="30000" stPos="0" sy="-100000" ky="0"/>
+            <a:reflection stA="30000" endPos="30000" dist="85725" dir="5400000" fadeDir="5400012" sy="-100000" algn="bl" rotWithShape="0"/>
           </a:effectLst>
         </p:spPr>
       </p:pic>
@@ -10784,14 +10947,14 @@
             <a:avLst/>
           </a:prstGeom>
           <a:noFill/>
-          <a:ln cap="flat" cmpd="sng" w="9525">
+          <a:ln w="9525" cap="flat" cmpd="sng">
             <a:solidFill>
               <a:schemeClr val="dk2"/>
             </a:solidFill>
             <a:prstDash val="solid"/>
             <a:round/>
-            <a:headEnd len="med" w="med" type="none"/>
-            <a:tailEnd len="med" w="med" type="none"/>
+            <a:headEnd type="none" w="med" len="med"/>
+            <a:tailEnd type="none" w="med" len="med"/>
           </a:ln>
         </p:spPr>
       </p:cxnSp>
@@ -10804,11 +10967,11 @@
 </file>
 
 <file path=ppt/slides/slide5.xml><?xml version="1.0" encoding="utf-8"?>
-<p:sld xmlns:a="http://schemas.openxmlformats.org/drawingml/2006/main" xmlns:r="http://schemas.openxmlformats.org/officeDocument/2006/relationships" xmlns:mc="http://schemas.openxmlformats.org/markup-compatibility/2006" xmlns:mv="urn:schemas-microsoft-com:mac:vml" xmlns:p="http://schemas.openxmlformats.org/presentationml/2006/main" xmlns:c="http://schemas.openxmlformats.org/drawingml/2006/chart" xmlns:dgm="http://schemas.openxmlformats.org/drawingml/2006/diagram" xmlns:o="urn:schemas-microsoft-com:office:office" xmlns:v="urn:schemas-microsoft-com:vml" xmlns:pvml="urn:schemas-microsoft-com:office:powerpoint" xmlns:com="http://schemas.openxmlformats.org/drawingml/2006/compatibility" xmlns:p14="http://schemas.microsoft.com/office/powerpoint/2010/main" xmlns:p15="http://schemas.microsoft.com/office/powerpoint/2012/main" xmlns:ahyp="http://schemas.microsoft.com/office/drawing/2018/hyperlinkcolor">
+<p:sld xmlns:a="http://schemas.openxmlformats.org/drawingml/2006/main" xmlns:r="http://schemas.openxmlformats.org/officeDocument/2006/relationships" xmlns:p="http://schemas.openxmlformats.org/presentationml/2006/main">
   <p:cSld>
     <p:spTree>
       <p:nvGrpSpPr>
-        <p:cNvPr id="79" name="Shape 79"/>
+        <p:cNvPr id="1" name="Shape 79"/>
         <p:cNvGrpSpPr/>
         <p:nvPr/>
       </p:nvGrpSpPr>
@@ -10823,7 +10986,9 @@
       <p:sp>
         <p:nvSpPr>
           <p:cNvPr id="80" name="Google Shape;80;g32a2a586186_0_5"/>
-          <p:cNvSpPr txBox="1"/>
+          <p:cNvSpPr txBox="1">
+            <a:spLocks noGrp="1"/>
+          </p:cNvSpPr>
           <p:nvPr>
             <p:ph type="title"/>
           </p:nvPr>
@@ -10842,12 +11007,12 @@
           </a:ln>
         </p:spPr>
         <p:txBody>
-          <a:bodyPr anchorCtr="0" anchor="t" bIns="91425" lIns="91425" spcFirstLastPara="1" rIns="91425" wrap="square" tIns="91425">
+          <a:bodyPr spcFirstLastPara="1" wrap="square" lIns="91425" tIns="91425" rIns="91425" bIns="91425" anchor="t" anchorCtr="0">
             <a:noAutofit/>
           </a:bodyPr>
           <a:lstStyle/>
           <a:p>
-            <a:pPr indent="0" lvl="0" marL="0" rtl="0" algn="l">
+            <a:pPr marL="0" lvl="0" indent="0" algn="l" rtl="0">
               <a:lnSpc>
                 <a:spcPct val="100000"/>
               </a:lnSpc>
@@ -10861,7 +11026,7 @@
               <a:buNone/>
             </a:pPr>
             <a:r>
-              <a:rPr b="1" lang="es-ES" sz="2500">
+              <a:rPr lang="es-ES" sz="2500" b="1">
                 <a:solidFill>
                   <a:schemeClr val="lt1"/>
                 </a:solidFill>
@@ -10872,7 +11037,7 @@
               </a:rPr>
               <a:t>get_features_num_regression</a:t>
             </a:r>
-            <a:endParaRPr b="1" sz="2500">
+            <a:endParaRPr sz="2500" b="1">
               <a:solidFill>
                 <a:schemeClr val="lt1"/>
               </a:solidFill>
@@ -10911,7 +11076,7 @@
             <a:noFill/>
           </a:ln>
           <a:effectLst>
-            <a:reflection blurRad="0" dir="5400000" dist="133350" endA="0" endPos="30000" fadeDir="5400012" kx="0" rotWithShape="0" algn="bl" stA="30000" stPos="0" sy="-100000" ky="0"/>
+            <a:reflection stA="30000" endPos="30000" dist="133350" dir="5400000" fadeDir="5400012" sy="-100000" algn="bl" rotWithShape="0"/>
           </a:effectLst>
         </p:spPr>
       </p:pic>
@@ -10942,7 +11107,7 @@
             <a:noFill/>
           </a:ln>
           <a:effectLst>
-            <a:reflection blurRad="0" dir="5400000" dist="133350" endA="0" endPos="30000" fadeDir="5400012" kx="0" rotWithShape="0" algn="bl" stA="30000" stPos="0" sy="-100000" ky="0"/>
+            <a:reflection stA="30000" endPos="30000" dist="133350" dir="5400000" fadeDir="5400012" sy="-100000" algn="bl" rotWithShape="0"/>
           </a:effectLst>
         </p:spPr>
       </p:pic>
@@ -10966,12 +11131,12 @@
           </a:ln>
         </p:spPr>
         <p:txBody>
-          <a:bodyPr anchorCtr="0" anchor="t" bIns="91425" lIns="91425" spcFirstLastPara="1" rIns="91425" wrap="square" tIns="91425">
+          <a:bodyPr spcFirstLastPara="1" wrap="square" lIns="91425" tIns="91425" rIns="91425" bIns="91425" anchor="t" anchorCtr="0">
             <a:noAutofit/>
           </a:bodyPr>
           <a:lstStyle/>
           <a:p>
-            <a:pPr indent="0" lvl="0" marL="0" rtl="0" algn="l">
+            <a:pPr marL="0" lvl="0" indent="0" algn="l" rtl="0">
               <a:spcBef>
                 <a:spcPts val="0"/>
               </a:spcBef>
@@ -10981,14 +11146,14 @@
               <a:buNone/>
             </a:pPr>
             <a:r>
-              <a:rPr b="1" lang="es-ES" sz="2300">
+              <a:rPr lang="es-ES" sz="2300" b="1">
                 <a:solidFill>
                   <a:schemeClr val="lt1"/>
                 </a:solidFill>
               </a:rPr>
               <a:t>1</a:t>
             </a:r>
-            <a:endParaRPr b="1" sz="2300">
+            <a:endParaRPr sz="2300" b="1">
               <a:solidFill>
                 <a:schemeClr val="lt1"/>
               </a:solidFill>
@@ -11016,12 +11181,12 @@
           </a:ln>
         </p:spPr>
         <p:txBody>
-          <a:bodyPr anchorCtr="0" anchor="t" bIns="91425" lIns="91425" spcFirstLastPara="1" rIns="91425" wrap="square" tIns="91425">
+          <a:bodyPr spcFirstLastPara="1" wrap="square" lIns="91425" tIns="91425" rIns="91425" bIns="91425" anchor="t" anchorCtr="0">
             <a:noAutofit/>
           </a:bodyPr>
           <a:lstStyle/>
           <a:p>
-            <a:pPr indent="0" lvl="0" marL="0" rtl="0" algn="l">
+            <a:pPr marL="0" lvl="0" indent="0" algn="l" rtl="0">
               <a:spcBef>
                 <a:spcPts val="0"/>
               </a:spcBef>
@@ -11031,14 +11196,14 @@
               <a:buNone/>
             </a:pPr>
             <a:r>
-              <a:rPr b="1" lang="es-ES" sz="2200">
+              <a:rPr lang="es-ES" sz="2200" b="1">
                 <a:solidFill>
                   <a:schemeClr val="lt1"/>
                 </a:solidFill>
               </a:rPr>
               <a:t>2</a:t>
             </a:r>
-            <a:endParaRPr b="1" sz="2500">
+            <a:endParaRPr sz="2500" b="1">
               <a:solidFill>
                 <a:schemeClr val="lt1"/>
               </a:solidFill>
@@ -11055,11 +11220,11 @@
 </file>
 
 <file path=ppt/slides/slide6.xml><?xml version="1.0" encoding="utf-8"?>
-<p:sld xmlns:a="http://schemas.openxmlformats.org/drawingml/2006/main" xmlns:r="http://schemas.openxmlformats.org/officeDocument/2006/relationships" xmlns:mc="http://schemas.openxmlformats.org/markup-compatibility/2006" xmlns:mv="urn:schemas-microsoft-com:mac:vml" xmlns:p="http://schemas.openxmlformats.org/presentationml/2006/main" xmlns:c="http://schemas.openxmlformats.org/drawingml/2006/chart" xmlns:dgm="http://schemas.openxmlformats.org/drawingml/2006/diagram" xmlns:o="urn:schemas-microsoft-com:office:office" xmlns:v="urn:schemas-microsoft-com:vml" xmlns:pvml="urn:schemas-microsoft-com:office:powerpoint" xmlns:com="http://schemas.openxmlformats.org/drawingml/2006/compatibility" xmlns:p14="http://schemas.microsoft.com/office/powerpoint/2010/main" xmlns:p15="http://schemas.microsoft.com/office/powerpoint/2012/main" xmlns:ahyp="http://schemas.microsoft.com/office/drawing/2018/hyperlinkcolor">
+<p:sld xmlns:a="http://schemas.openxmlformats.org/drawingml/2006/main" xmlns:r="http://schemas.openxmlformats.org/officeDocument/2006/relationships" xmlns:p="http://schemas.openxmlformats.org/presentationml/2006/main">
   <p:cSld>
     <p:spTree>
       <p:nvGrpSpPr>
-        <p:cNvPr id="88" name="Shape 88"/>
+        <p:cNvPr id="1" name="Shape 88"/>
         <p:cNvGrpSpPr/>
         <p:nvPr/>
       </p:nvGrpSpPr>
@@ -11074,7 +11239,9 @@
       <p:sp>
         <p:nvSpPr>
           <p:cNvPr id="89" name="Google Shape;89;p5"/>
-          <p:cNvSpPr txBox="1"/>
+          <p:cNvSpPr txBox="1">
+            <a:spLocks noGrp="1"/>
+          </p:cNvSpPr>
           <p:nvPr>
             <p:ph type="title"/>
           </p:nvPr>
@@ -11093,12 +11260,12 @@
           </a:ln>
         </p:spPr>
         <p:txBody>
-          <a:bodyPr anchorCtr="0" anchor="t" bIns="91425" lIns="91425" spcFirstLastPara="1" rIns="91425" wrap="square" tIns="91425">
+          <a:bodyPr spcFirstLastPara="1" wrap="square" lIns="91425" tIns="91425" rIns="91425" bIns="91425" anchor="t" anchorCtr="0">
             <a:noAutofit/>
           </a:bodyPr>
           <a:lstStyle/>
           <a:p>
-            <a:pPr indent="0" lvl="0" marL="0" rtl="0" algn="l">
+            <a:pPr marL="0" lvl="0" indent="0" algn="l" rtl="0">
               <a:lnSpc>
                 <a:spcPct val="100000"/>
               </a:lnSpc>
@@ -11112,7 +11279,7 @@
               <a:buNone/>
             </a:pPr>
             <a:r>
-              <a:rPr b="1" lang="es-ES" sz="2500">
+              <a:rPr lang="es-ES" sz="2500" b="1">
                 <a:solidFill>
                   <a:schemeClr val="lt1"/>
                 </a:solidFill>
@@ -11123,7 +11290,7 @@
               </a:rPr>
               <a:t>plot_features_num_regression</a:t>
             </a:r>
-            <a:endParaRPr b="1" sz="2500">
+            <a:endParaRPr sz="2500" b="1">
               <a:solidFill>
                 <a:schemeClr val="lt1"/>
               </a:solidFill>
@@ -11159,7 +11326,7 @@
             <a:blip r:embed="rId3">
               <a:alphaModFix/>
             </a:blip>
-            <a:srcRect b="0" l="0" r="0" t="0"/>
+            <a:srcRect/>
             <a:stretch/>
           </p:blipFill>
           <p:spPr>
@@ -11169,23 +11336,23 @@
             </a:xfrm>
             <a:prstGeom prst="roundRect">
               <a:avLst>
-                <a:gd fmla="val 4167" name="adj"/>
+                <a:gd name="adj" fmla="val 4167"/>
               </a:avLst>
             </a:prstGeom>
             <a:solidFill>
               <a:srgbClr val="FFFFFF"/>
             </a:solidFill>
-            <a:ln cap="sq" cmpd="sng" w="9525">
+            <a:ln w="9525" cap="sq" cmpd="sng">
               <a:solidFill>
                 <a:srgbClr val="EAEAEA"/>
               </a:solidFill>
               <a:prstDash val="solid"/>
               <a:miter lim="800000"/>
-              <a:headEnd len="sm" w="sm" type="none"/>
-              <a:tailEnd len="sm" w="sm" type="none"/>
+              <a:headEnd type="none" w="sm" len="sm"/>
+              <a:tailEnd type="none" w="sm" len="sm"/>
             </a:ln>
             <a:effectLst>
-              <a:reflection blurRad="0" dir="5400000" dist="5000" endA="0" endPos="28000" kx="0" rotWithShape="0" algn="bl" stA="33000" stPos="0" sy="-100000" ky="0"/>
+              <a:reflection stA="33000" endPos="28000" dist="5000" dir="5400000" sy="-100000" algn="bl" rotWithShape="0"/>
             </a:effectLst>
           </p:spPr>
         </p:pic>
@@ -11199,7 +11366,7 @@
             <a:blip r:embed="rId4">
               <a:alphaModFix/>
             </a:blip>
-            <a:srcRect b="52548" l="1647" r="5831" t="46068"/>
+            <a:srcRect l="1647" t="46068" r="5831" b="52548"/>
             <a:stretch/>
           </p:blipFill>
           <p:spPr>
@@ -11226,11 +11393,11 @@
 </file>
 
 <file path=ppt/slides/slide7.xml><?xml version="1.0" encoding="utf-8"?>
-<p:sld xmlns:a="http://schemas.openxmlformats.org/drawingml/2006/main" xmlns:r="http://schemas.openxmlformats.org/officeDocument/2006/relationships" xmlns:mc="http://schemas.openxmlformats.org/markup-compatibility/2006" xmlns:mv="urn:schemas-microsoft-com:mac:vml" xmlns:p="http://schemas.openxmlformats.org/presentationml/2006/main" xmlns:c="http://schemas.openxmlformats.org/drawingml/2006/chart" xmlns:dgm="http://schemas.openxmlformats.org/drawingml/2006/diagram" xmlns:o="urn:schemas-microsoft-com:office:office" xmlns:v="urn:schemas-microsoft-com:vml" xmlns:pvml="urn:schemas-microsoft-com:office:powerpoint" xmlns:com="http://schemas.openxmlformats.org/drawingml/2006/compatibility" xmlns:p14="http://schemas.microsoft.com/office/powerpoint/2010/main" xmlns:p15="http://schemas.microsoft.com/office/powerpoint/2012/main" xmlns:ahyp="http://schemas.microsoft.com/office/drawing/2018/hyperlinkcolor">
+<p:sld xmlns:a="http://schemas.openxmlformats.org/drawingml/2006/main" xmlns:r="http://schemas.openxmlformats.org/officeDocument/2006/relationships" xmlns:p="http://schemas.openxmlformats.org/presentationml/2006/main">
   <p:cSld>
     <p:spTree>
       <p:nvGrpSpPr>
-        <p:cNvPr id="96" name="Shape 96"/>
+        <p:cNvPr id="1" name="Shape 96"/>
         <p:cNvGrpSpPr/>
         <p:nvPr/>
       </p:nvGrpSpPr>
@@ -11245,7 +11412,9 @@
       <p:sp>
         <p:nvSpPr>
           <p:cNvPr id="97" name="Google Shape;97;p6"/>
-          <p:cNvSpPr txBox="1"/>
+          <p:cNvSpPr txBox="1">
+            <a:spLocks noGrp="1"/>
+          </p:cNvSpPr>
           <p:nvPr>
             <p:ph type="title"/>
           </p:nvPr>
@@ -11264,12 +11433,12 @@
           </a:ln>
         </p:spPr>
         <p:txBody>
-          <a:bodyPr anchorCtr="0" anchor="t" bIns="91425" lIns="91425" spcFirstLastPara="1" rIns="91425" wrap="square" tIns="91425">
+          <a:bodyPr spcFirstLastPara="1" wrap="square" lIns="91425" tIns="91425" rIns="91425" bIns="91425" anchor="t" anchorCtr="0">
             <a:noAutofit/>
           </a:bodyPr>
           <a:lstStyle/>
           <a:p>
-            <a:pPr indent="0" lvl="0" marL="0" rtl="0" algn="l">
+            <a:pPr marL="0" lvl="0" indent="0" algn="l" rtl="0">
               <a:lnSpc>
                 <a:spcPct val="100000"/>
               </a:lnSpc>
@@ -11283,7 +11452,7 @@
               <a:buNone/>
             </a:pPr>
             <a:r>
-              <a:rPr b="1" lang="es-ES" sz="2500">
+              <a:rPr lang="es-ES" sz="2500" b="1">
                 <a:solidFill>
                   <a:schemeClr val="lt1"/>
                 </a:solidFill>
@@ -11294,7 +11463,7 @@
               </a:rPr>
               <a:t>plot_features_num_regression</a:t>
             </a:r>
-            <a:endParaRPr b="1" sz="2500">
+            <a:endParaRPr sz="2500" b="1">
               <a:solidFill>
                 <a:schemeClr val="lt1"/>
               </a:solidFill>
@@ -11316,7 +11485,7 @@
           <a:blip r:embed="rId3">
             <a:alphaModFix/>
           </a:blip>
-          <a:srcRect b="0" l="0" r="0" t="0"/>
+          <a:srcRect/>
           <a:stretch/>
         </p:blipFill>
         <p:spPr>
@@ -11326,23 +11495,23 @@
           </a:xfrm>
           <a:prstGeom prst="roundRect">
             <a:avLst>
-              <a:gd fmla="val 4167" name="adj"/>
+              <a:gd name="adj" fmla="val 4167"/>
             </a:avLst>
           </a:prstGeom>
           <a:solidFill>
             <a:srgbClr val="FFFFFF"/>
           </a:solidFill>
-          <a:ln cap="sq" cmpd="sng" w="9525">
+          <a:ln w="9525" cap="sq" cmpd="sng">
             <a:solidFill>
               <a:srgbClr val="EAEAEA"/>
             </a:solidFill>
             <a:prstDash val="solid"/>
             <a:miter lim="800000"/>
-            <a:headEnd len="sm" w="sm" type="none"/>
-            <a:tailEnd len="sm" w="sm" type="none"/>
+            <a:headEnd type="none" w="sm" len="sm"/>
+            <a:tailEnd type="none" w="sm" len="sm"/>
           </a:ln>
           <a:effectLst>
-            <a:reflection blurRad="0" dir="5400000" dist="5000" endA="0" endPos="28000" kx="0" rotWithShape="0" algn="bl" stA="33000" stPos="0" sy="-100000" ky="0"/>
+            <a:reflection stA="33000" endPos="28000" dist="5000" dir="5400000" sy="-100000" algn="bl" rotWithShape="0"/>
           </a:effectLst>
         </p:spPr>
       </p:pic>
@@ -11359,28 +11528,28 @@
           </a:xfrm>
           <a:prstGeom prst="rightBrace">
             <a:avLst>
-              <a:gd fmla="val 8333" name="adj1"/>
-              <a:gd fmla="val 50680" name="adj2"/>
+              <a:gd name="adj1" fmla="val 8333"/>
+              <a:gd name="adj2" fmla="val 50680"/>
             </a:avLst>
           </a:prstGeom>
           <a:noFill/>
-          <a:ln cap="flat" cmpd="sng" w="28575">
+          <a:ln w="28575" cap="flat" cmpd="sng">
             <a:solidFill>
               <a:schemeClr val="lt1"/>
             </a:solidFill>
             <a:prstDash val="solid"/>
             <a:round/>
-            <a:headEnd len="sm" w="sm" type="none"/>
-            <a:tailEnd len="sm" w="sm" type="none"/>
+            <a:headEnd type="none" w="sm" len="sm"/>
+            <a:tailEnd type="none" w="sm" len="sm"/>
           </a:ln>
         </p:spPr>
         <p:txBody>
-          <a:bodyPr anchorCtr="0" anchor="ctr" bIns="45700" lIns="91425" spcFirstLastPara="1" rIns="91425" wrap="square" tIns="45700">
+          <a:bodyPr spcFirstLastPara="1" wrap="square" lIns="91425" tIns="45700" rIns="91425" bIns="45700" anchor="ctr" anchorCtr="0">
             <a:noAutofit/>
           </a:bodyPr>
           <a:lstStyle/>
           <a:p>
-            <a:pPr indent="0" lvl="0" marL="0" marR="0" rtl="0" algn="ctr">
+            <a:pPr marL="0" marR="0" lvl="0" indent="0" algn="ctr" rtl="0">
               <a:lnSpc>
                 <a:spcPct val="100000"/>
               </a:lnSpc>
@@ -11392,10 +11561,7 @@
               </a:spcAft>
               <a:buNone/>
             </a:pPr>
-            <a:r>
-              <a:t/>
-            </a:r>
-            <a:endParaRPr b="0" i="0" sz="1400" u="none" cap="none" strike="noStrike">
+            <a:endParaRPr sz="1400" b="0" i="0" u="none" strike="noStrike" cap="none">
               <a:solidFill>
                 <a:schemeClr val="dk1"/>
               </a:solidFill>
@@ -11427,12 +11593,12 @@
           </a:ln>
         </p:spPr>
         <p:txBody>
-          <a:bodyPr anchorCtr="0" anchor="t" bIns="45700" lIns="91425" spcFirstLastPara="1" rIns="91425" wrap="square" tIns="45700">
+          <a:bodyPr spcFirstLastPara="1" wrap="square" lIns="91425" tIns="45700" rIns="91425" bIns="45700" anchor="t" anchorCtr="0">
             <a:spAutoFit/>
           </a:bodyPr>
           <a:lstStyle/>
           <a:p>
-            <a:pPr indent="0" lvl="0" marL="0" marR="0" rtl="0" algn="l">
+            <a:pPr marL="0" marR="0" lvl="0" indent="0" algn="l" rtl="0">
               <a:lnSpc>
                 <a:spcPct val="100000"/>
               </a:lnSpc>
@@ -11445,7 +11611,7 @@
               <a:buNone/>
             </a:pPr>
             <a:r>
-              <a:rPr b="1" i="0" lang="es-ES" sz="1400" u="none" cap="none" strike="noStrike">
+              <a:rPr lang="es-ES" sz="1400" b="1" i="0" u="none" strike="noStrike" cap="none">
                 <a:solidFill>
                   <a:schemeClr val="lt1"/>
                 </a:solidFill>
@@ -11480,12 +11646,12 @@
           </a:ln>
         </p:spPr>
         <p:txBody>
-          <a:bodyPr anchorCtr="0" anchor="t" bIns="45700" lIns="91425" spcFirstLastPara="1" rIns="91425" wrap="square" tIns="45700">
+          <a:bodyPr spcFirstLastPara="1" wrap="square" lIns="91425" tIns="45700" rIns="91425" bIns="45700" anchor="t" anchorCtr="0">
             <a:spAutoFit/>
           </a:bodyPr>
           <a:lstStyle/>
           <a:p>
-            <a:pPr indent="0" lvl="0" marL="0" marR="0" rtl="0" algn="l">
+            <a:pPr marL="0" marR="0" lvl="0" indent="0" algn="l" rtl="0">
               <a:lnSpc>
                 <a:spcPct val="100000"/>
               </a:lnSpc>
@@ -11498,7 +11664,7 @@
               <a:buNone/>
             </a:pPr>
             <a:r>
-              <a:rPr b="1" i="0" lang="es-ES" sz="1400" u="none" cap="none" strike="noStrike">
+              <a:rPr lang="es-ES" sz="1400" b="1" i="0" u="none" strike="noStrike" cap="none">
                 <a:solidFill>
                   <a:schemeClr val="lt1"/>
                 </a:solidFill>
@@ -11530,14 +11696,14 @@
             <a:avLst/>
           </a:prstGeom>
           <a:noFill/>
-          <a:ln cap="flat" cmpd="sng" w="28575">
+          <a:ln w="28575" cap="flat" cmpd="sng">
             <a:solidFill>
               <a:schemeClr val="lt1"/>
             </a:solidFill>
             <a:prstDash val="solid"/>
             <a:round/>
-            <a:headEnd len="sm" w="sm" type="none"/>
-            <a:tailEnd len="sm" w="sm" type="none"/>
+            <a:headEnd type="none" w="sm" len="sm"/>
+            <a:tailEnd type="none" w="sm" len="sm"/>
           </a:ln>
         </p:spPr>
       </p:cxnSp>
@@ -11554,28 +11720,28 @@
           </a:xfrm>
           <a:prstGeom prst="rightBrace">
             <a:avLst>
-              <a:gd fmla="val 8333" name="adj1"/>
-              <a:gd fmla="val 50680" name="adj2"/>
+              <a:gd name="adj1" fmla="val 8333"/>
+              <a:gd name="adj2" fmla="val 50680"/>
             </a:avLst>
           </a:prstGeom>
           <a:noFill/>
-          <a:ln cap="flat" cmpd="sng" w="28575">
+          <a:ln w="28575" cap="flat" cmpd="sng">
             <a:solidFill>
               <a:schemeClr val="lt1"/>
             </a:solidFill>
             <a:prstDash val="solid"/>
             <a:round/>
-            <a:headEnd len="sm" w="sm" type="none"/>
-            <a:tailEnd len="sm" w="sm" type="none"/>
+            <a:headEnd type="none" w="sm" len="sm"/>
+            <a:tailEnd type="none" w="sm" len="sm"/>
           </a:ln>
         </p:spPr>
         <p:txBody>
-          <a:bodyPr anchorCtr="0" anchor="ctr" bIns="45700" lIns="91425" spcFirstLastPara="1" rIns="91425" wrap="square" tIns="45700">
+          <a:bodyPr spcFirstLastPara="1" wrap="square" lIns="91425" tIns="45700" rIns="91425" bIns="45700" anchor="ctr" anchorCtr="0">
             <a:noAutofit/>
           </a:bodyPr>
           <a:lstStyle/>
           <a:p>
-            <a:pPr indent="0" lvl="0" marL="0" marR="0" rtl="0" algn="ctr">
+            <a:pPr marL="0" marR="0" lvl="0" indent="0" algn="ctr" rtl="0">
               <a:lnSpc>
                 <a:spcPct val="100000"/>
               </a:lnSpc>
@@ -11587,10 +11753,7 @@
               </a:spcAft>
               <a:buNone/>
             </a:pPr>
-            <a:r>
-              <a:t/>
-            </a:r>
-            <a:endParaRPr b="0" i="0" sz="1400" u="none" cap="none" strike="noStrike">
+            <a:endParaRPr sz="1400" b="0" i="0" u="none" strike="noStrike" cap="none">
               <a:solidFill>
                 <a:schemeClr val="dk1"/>
               </a:solidFill>
@@ -11622,12 +11785,12 @@
           </a:ln>
         </p:spPr>
         <p:txBody>
-          <a:bodyPr anchorCtr="0" anchor="t" bIns="45700" lIns="91425" spcFirstLastPara="1" rIns="91425" wrap="square" tIns="45700">
+          <a:bodyPr spcFirstLastPara="1" wrap="square" lIns="91425" tIns="45700" rIns="91425" bIns="45700" anchor="t" anchorCtr="0">
             <a:spAutoFit/>
           </a:bodyPr>
           <a:lstStyle/>
           <a:p>
-            <a:pPr indent="0" lvl="0" marL="0" marR="0" rtl="0" algn="l">
+            <a:pPr marL="0" marR="0" lvl="0" indent="0" algn="l" rtl="0">
               <a:lnSpc>
                 <a:spcPct val="100000"/>
               </a:lnSpc>
@@ -11640,7 +11803,7 @@
               <a:buNone/>
             </a:pPr>
             <a:r>
-              <a:rPr b="1" i="0" lang="es-ES" sz="1400" u="none" cap="none" strike="noStrike">
+              <a:rPr lang="es-ES" sz="1400" b="1" i="0" u="none" strike="noStrike" cap="none">
                 <a:solidFill>
                   <a:schemeClr val="lt1"/>
                 </a:solidFill>
@@ -11664,11 +11827,11 @@
 </file>
 
 <file path=ppt/slides/slide8.xml><?xml version="1.0" encoding="utf-8"?>
-<p:sld xmlns:a="http://schemas.openxmlformats.org/drawingml/2006/main" xmlns:r="http://schemas.openxmlformats.org/officeDocument/2006/relationships" xmlns:mc="http://schemas.openxmlformats.org/markup-compatibility/2006" xmlns:mv="urn:schemas-microsoft-com:mac:vml" xmlns:p="http://schemas.openxmlformats.org/presentationml/2006/main" xmlns:c="http://schemas.openxmlformats.org/drawingml/2006/chart" xmlns:dgm="http://schemas.openxmlformats.org/drawingml/2006/diagram" xmlns:o="urn:schemas-microsoft-com:office:office" xmlns:v="urn:schemas-microsoft-com:vml" xmlns:pvml="urn:schemas-microsoft-com:office:powerpoint" xmlns:com="http://schemas.openxmlformats.org/drawingml/2006/compatibility" xmlns:p14="http://schemas.microsoft.com/office/powerpoint/2010/main" xmlns:p15="http://schemas.microsoft.com/office/powerpoint/2012/main" xmlns:ahyp="http://schemas.microsoft.com/office/drawing/2018/hyperlinkcolor">
+<p:sld xmlns:a="http://schemas.openxmlformats.org/drawingml/2006/main" xmlns:r="http://schemas.openxmlformats.org/officeDocument/2006/relationships" xmlns:p="http://schemas.openxmlformats.org/presentationml/2006/main">
   <p:cSld>
     <p:spTree>
       <p:nvGrpSpPr>
-        <p:cNvPr id="108" name="Shape 108"/>
+        <p:cNvPr id="1" name="Shape 108"/>
         <p:cNvGrpSpPr/>
         <p:nvPr/>
       </p:nvGrpSpPr>
@@ -11683,7 +11846,9 @@
       <p:sp>
         <p:nvSpPr>
           <p:cNvPr id="109" name="Google Shape;109;p7"/>
-          <p:cNvSpPr txBox="1"/>
+          <p:cNvSpPr txBox="1">
+            <a:spLocks noGrp="1"/>
+          </p:cNvSpPr>
           <p:nvPr>
             <p:ph type="title"/>
           </p:nvPr>
@@ -11702,12 +11867,12 @@
           </a:ln>
         </p:spPr>
         <p:txBody>
-          <a:bodyPr anchorCtr="0" anchor="t" bIns="91425" lIns="91425" spcFirstLastPara="1" rIns="91425" wrap="square" tIns="91425">
+          <a:bodyPr spcFirstLastPara="1" wrap="square" lIns="91425" tIns="91425" rIns="91425" bIns="91425" anchor="t" anchorCtr="0">
             <a:normAutofit fontScale="90000"/>
           </a:bodyPr>
           <a:lstStyle/>
           <a:p>
-            <a:pPr indent="0" lvl="0" marL="0" rtl="0" algn="l">
+            <a:pPr marL="0" lvl="0" indent="0" algn="l" rtl="0">
               <a:lnSpc>
                 <a:spcPct val="100000"/>
               </a:lnSpc>
@@ -11758,7 +11923,7 @@
           <a:blip r:embed="rId3">
             <a:alphaModFix/>
           </a:blip>
-          <a:srcRect b="0" l="0" r="0" t="0"/>
+          <a:srcRect/>
           <a:stretch/>
         </p:blipFill>
         <p:spPr>
@@ -11768,23 +11933,23 @@
           </a:xfrm>
           <a:prstGeom prst="roundRect">
             <a:avLst>
-              <a:gd fmla="val 4167" name="adj"/>
+              <a:gd name="adj" fmla="val 4167"/>
             </a:avLst>
           </a:prstGeom>
           <a:solidFill>
             <a:srgbClr val="FFFFFF"/>
           </a:solidFill>
-          <a:ln cap="sq" cmpd="sng" w="9525">
+          <a:ln w="9525" cap="sq" cmpd="sng">
             <a:solidFill>
               <a:srgbClr val="EAEAEA"/>
             </a:solidFill>
             <a:prstDash val="solid"/>
             <a:miter lim="800000"/>
-            <a:headEnd len="sm" w="sm" type="none"/>
-            <a:tailEnd len="sm" w="sm" type="none"/>
+            <a:headEnd type="none" w="sm" len="sm"/>
+            <a:tailEnd type="none" w="sm" len="sm"/>
           </a:ln>
           <a:effectLst>
-            <a:reflection blurRad="0" dir="5400000" dist="5000" endA="0" endPos="28000" kx="0" rotWithShape="0" algn="bl" stA="33000" stPos="0" sy="-100000" ky="0"/>
+            <a:reflection stA="33000" endPos="28000" dist="5000" dir="5400000" sy="-100000" algn="bl" rotWithShape="0"/>
           </a:effectLst>
         </p:spPr>
       </p:pic>
@@ -11798,7 +11963,7 @@
           <a:blip r:embed="rId4">
             <a:alphaModFix/>
           </a:blip>
-          <a:srcRect b="0" l="0" r="0" t="0"/>
+          <a:srcRect/>
           <a:stretch/>
         </p:blipFill>
         <p:spPr>
@@ -11808,23 +11973,23 @@
           </a:xfrm>
           <a:prstGeom prst="roundRect">
             <a:avLst>
-              <a:gd fmla="val 4167" name="adj"/>
+              <a:gd name="adj" fmla="val 4167"/>
             </a:avLst>
           </a:prstGeom>
           <a:solidFill>
             <a:srgbClr val="FFFFFF"/>
           </a:solidFill>
-          <a:ln cap="sq" cmpd="sng" w="9525">
+          <a:ln w="9525" cap="sq" cmpd="sng">
             <a:solidFill>
               <a:srgbClr val="EAEAEA"/>
             </a:solidFill>
             <a:prstDash val="solid"/>
             <a:miter lim="800000"/>
-            <a:headEnd len="sm" w="sm" type="none"/>
-            <a:tailEnd len="sm" w="sm" type="none"/>
+            <a:headEnd type="none" w="sm" len="sm"/>
+            <a:tailEnd type="none" w="sm" len="sm"/>
           </a:ln>
           <a:effectLst>
-            <a:reflection blurRad="0" dir="5400000" dist="5000" endA="0" endPos="28000" kx="0" rotWithShape="0" algn="bl" stA="33000" stPos="0" sy="-100000" ky="0"/>
+            <a:reflection stA="33000" endPos="28000" dist="5000" dir="5400000" sy="-100000" algn="bl" rotWithShape="0"/>
           </a:effectLst>
         </p:spPr>
       </p:pic>
@@ -11837,11 +12002,11 @@
 </file>
 
 <file path=ppt/slides/slide9.xml><?xml version="1.0" encoding="utf-8"?>
-<p:sld xmlns:a="http://schemas.openxmlformats.org/drawingml/2006/main" xmlns:r="http://schemas.openxmlformats.org/officeDocument/2006/relationships" xmlns:mc="http://schemas.openxmlformats.org/markup-compatibility/2006" xmlns:mv="urn:schemas-microsoft-com:mac:vml" xmlns:p="http://schemas.openxmlformats.org/presentationml/2006/main" xmlns:c="http://schemas.openxmlformats.org/drawingml/2006/chart" xmlns:dgm="http://schemas.openxmlformats.org/drawingml/2006/diagram" xmlns:o="urn:schemas-microsoft-com:office:office" xmlns:v="urn:schemas-microsoft-com:vml" xmlns:pvml="urn:schemas-microsoft-com:office:powerpoint" xmlns:com="http://schemas.openxmlformats.org/drawingml/2006/compatibility" xmlns:p14="http://schemas.microsoft.com/office/powerpoint/2010/main" xmlns:p15="http://schemas.microsoft.com/office/powerpoint/2012/main" xmlns:ahyp="http://schemas.microsoft.com/office/drawing/2018/hyperlinkcolor">
+<p:sld xmlns:a="http://schemas.openxmlformats.org/drawingml/2006/main" xmlns:r="http://schemas.openxmlformats.org/officeDocument/2006/relationships" xmlns:p="http://schemas.openxmlformats.org/presentationml/2006/main">
   <p:cSld>
     <p:spTree>
       <p:nvGrpSpPr>
-        <p:cNvPr id="115" name="Shape 115"/>
+        <p:cNvPr id="1" name="Shape 115"/>
         <p:cNvGrpSpPr/>
         <p:nvPr/>
       </p:nvGrpSpPr>
@@ -11856,7 +12021,9 @@
       <p:sp>
         <p:nvSpPr>
           <p:cNvPr id="116" name="Google Shape;116;p8"/>
-          <p:cNvSpPr txBox="1"/>
+          <p:cNvSpPr txBox="1">
+            <a:spLocks noGrp="1"/>
+          </p:cNvSpPr>
           <p:nvPr>
             <p:ph type="title"/>
           </p:nvPr>
@@ -11875,12 +12042,12 @@
           </a:ln>
         </p:spPr>
         <p:txBody>
-          <a:bodyPr anchorCtr="0" anchor="t" bIns="91425" lIns="91425" spcFirstLastPara="1" rIns="91425" wrap="square" tIns="91425">
+          <a:bodyPr spcFirstLastPara="1" wrap="square" lIns="91425" tIns="91425" rIns="91425" bIns="91425" anchor="t" anchorCtr="0">
             <a:normAutofit fontScale="90000"/>
           </a:bodyPr>
           <a:lstStyle/>
           <a:p>
-            <a:pPr indent="0" lvl="0" marL="0" rtl="0" algn="l">
+            <a:pPr marL="0" lvl="0" indent="0" algn="l" rtl="0">
               <a:lnSpc>
                 <a:spcPct val="100000"/>
               </a:lnSpc>
@@ -11931,7 +12098,7 @@
           <a:blip r:embed="rId3">
             <a:alphaModFix/>
           </a:blip>
-          <a:srcRect b="0" l="0" r="0" t="0"/>
+          <a:srcRect/>
           <a:stretch/>
         </p:blipFill>
         <p:spPr>
@@ -11941,23 +12108,23 @@
           </a:xfrm>
           <a:prstGeom prst="roundRect">
             <a:avLst>
-              <a:gd fmla="val 4167" name="adj"/>
+              <a:gd name="adj" fmla="val 4167"/>
             </a:avLst>
           </a:prstGeom>
           <a:solidFill>
             <a:srgbClr val="FFFFFF"/>
           </a:solidFill>
-          <a:ln cap="sq" cmpd="sng" w="9525">
+          <a:ln w="9525" cap="sq" cmpd="sng">
             <a:solidFill>
               <a:srgbClr val="EAEAEA"/>
             </a:solidFill>
             <a:prstDash val="solid"/>
             <a:miter lim="800000"/>
-            <a:headEnd len="sm" w="sm" type="none"/>
-            <a:tailEnd len="sm" w="sm" type="none"/>
+            <a:headEnd type="none" w="sm" len="sm"/>
+            <a:tailEnd type="none" w="sm" len="sm"/>
           </a:ln>
           <a:effectLst>
-            <a:reflection blurRad="0" dir="5400000" dist="5000" endA="0" endPos="28000" kx="0" rotWithShape="0" algn="bl" stA="33000" stPos="0" sy="-100000" ky="0"/>
+            <a:reflection stA="33000" endPos="28000" dist="5000" dir="5400000" sy="-100000" algn="bl" rotWithShape="0"/>
           </a:effectLst>
         </p:spPr>
       </p:pic>
@@ -11971,7 +12138,7 @@
           <a:blip r:embed="rId4">
             <a:alphaModFix/>
           </a:blip>
-          <a:srcRect b="0" l="0" r="0" t="0"/>
+          <a:srcRect/>
           <a:stretch/>
         </p:blipFill>
         <p:spPr>
@@ -11981,23 +12148,23 @@
           </a:xfrm>
           <a:prstGeom prst="roundRect">
             <a:avLst>
-              <a:gd fmla="val 4167" name="adj"/>
+              <a:gd name="adj" fmla="val 4167"/>
             </a:avLst>
           </a:prstGeom>
           <a:solidFill>
             <a:srgbClr val="FFFFFF"/>
           </a:solidFill>
-          <a:ln cap="sq" cmpd="sng" w="9525">
+          <a:ln w="9525" cap="sq" cmpd="sng">
             <a:solidFill>
               <a:srgbClr val="EAEAEA"/>
             </a:solidFill>
             <a:prstDash val="solid"/>
             <a:miter lim="800000"/>
-            <a:headEnd len="sm" w="sm" type="none"/>
-            <a:tailEnd len="sm" w="sm" type="none"/>
+            <a:headEnd type="none" w="sm" len="sm"/>
+            <a:tailEnd type="none" w="sm" len="sm"/>
           </a:ln>
           <a:effectLst>
-            <a:reflection blurRad="0" dir="5400000" dist="5000" endA="0" endPos="28000" kx="0" rotWithShape="0" algn="bl" stA="33000" stPos="0" sy="-100000" ky="0"/>
+            <a:reflection stA="33000" endPos="28000" dist="5000" dir="5400000" sy="-100000" algn="bl" rotWithShape="0"/>
           </a:effectLst>
         </p:spPr>
       </p:pic>
@@ -12011,7 +12178,7 @@
           <a:blip r:embed="rId5">
             <a:alphaModFix/>
           </a:blip>
-          <a:srcRect b="0" l="0" r="0" t="0"/>
+          <a:srcRect/>
           <a:stretch/>
         </p:blipFill>
         <p:spPr>
@@ -12021,23 +12188,23 @@
           </a:xfrm>
           <a:prstGeom prst="roundRect">
             <a:avLst>
-              <a:gd fmla="val 4167" name="adj"/>
+              <a:gd name="adj" fmla="val 4167"/>
             </a:avLst>
           </a:prstGeom>
           <a:solidFill>
             <a:srgbClr val="FFFFFF"/>
           </a:solidFill>
-          <a:ln cap="sq" cmpd="sng" w="9525">
+          <a:ln w="9525" cap="sq" cmpd="sng">
             <a:solidFill>
               <a:srgbClr val="EAEAEA"/>
             </a:solidFill>
             <a:prstDash val="solid"/>
             <a:miter lim="800000"/>
-            <a:headEnd len="sm" w="sm" type="none"/>
-            <a:tailEnd len="sm" w="sm" type="none"/>
+            <a:headEnd type="none" w="sm" len="sm"/>
+            <a:tailEnd type="none" w="sm" len="sm"/>
           </a:ln>
           <a:effectLst>
-            <a:reflection blurRad="0" dir="5400000" dist="5000" endA="0" endPos="28000" kx="0" rotWithShape="0" algn="bl" stA="33000" stPos="0" sy="-100000" ky="0"/>
+            <a:reflection stA="33000" endPos="28000" dist="5000" dir="5400000" sy="-100000" algn="bl" rotWithShape="0"/>
           </a:effectLst>
         </p:spPr>
       </p:pic>
@@ -12061,12 +12228,12 @@
           </a:ln>
         </p:spPr>
         <p:txBody>
-          <a:bodyPr anchorCtr="0" anchor="t" bIns="45700" lIns="91425" spcFirstLastPara="1" rIns="91425" wrap="square" tIns="45700">
+          <a:bodyPr spcFirstLastPara="1" wrap="square" lIns="91425" tIns="45700" rIns="91425" bIns="45700" anchor="t" anchorCtr="0">
             <a:spAutoFit/>
           </a:bodyPr>
           <a:lstStyle/>
           <a:p>
-            <a:pPr indent="0" lvl="0" marL="0" marR="0" rtl="0" algn="l">
+            <a:pPr marL="0" marR="0" lvl="0" indent="0" algn="l" rtl="0">
               <a:lnSpc>
                 <a:spcPct val="100000"/>
               </a:lnSpc>
@@ -12079,7 +12246,7 @@
               <a:buNone/>
             </a:pPr>
             <a:r>
-              <a:rPr b="1" i="0" lang="es-ES" sz="1400" u="none" cap="none" strike="noStrike">
+              <a:rPr lang="es-ES" sz="1400" b="1" i="0" u="none" strike="noStrike" cap="none">
                 <a:solidFill>
                   <a:schemeClr val="lt1"/>
                 </a:solidFill>
@@ -12114,12 +12281,12 @@
           </a:ln>
         </p:spPr>
         <p:txBody>
-          <a:bodyPr anchorCtr="0" anchor="t" bIns="45700" lIns="91425" spcFirstLastPara="1" rIns="91425" wrap="square" tIns="45700">
+          <a:bodyPr spcFirstLastPara="1" wrap="square" lIns="91425" tIns="45700" rIns="91425" bIns="45700" anchor="t" anchorCtr="0">
             <a:spAutoFit/>
           </a:bodyPr>
           <a:lstStyle/>
           <a:p>
-            <a:pPr indent="0" lvl="0" marL="0" marR="0" rtl="0" algn="l">
+            <a:pPr marL="0" marR="0" lvl="0" indent="0" algn="l" rtl="0">
               <a:lnSpc>
                 <a:spcPct val="100000"/>
               </a:lnSpc>
@@ -12132,7 +12299,7 @@
               <a:buNone/>
             </a:pPr>
             <a:r>
-              <a:rPr b="1" i="0" lang="es-ES" sz="1400" u="none" cap="none" strike="noStrike">
+              <a:rPr lang="es-ES" sz="1400" b="1" i="0" u="none" strike="noStrike" cap="none">
                 <a:solidFill>
                   <a:schemeClr val="lt1"/>
                 </a:solidFill>
@@ -12167,12 +12334,12 @@
           </a:ln>
         </p:spPr>
         <p:txBody>
-          <a:bodyPr anchorCtr="0" anchor="t" bIns="45700" lIns="91425" spcFirstLastPara="1" rIns="91425" wrap="square" tIns="45700">
+          <a:bodyPr spcFirstLastPara="1" wrap="square" lIns="91425" tIns="45700" rIns="91425" bIns="45700" anchor="t" anchorCtr="0">
             <a:spAutoFit/>
           </a:bodyPr>
           <a:lstStyle/>
           <a:p>
-            <a:pPr indent="0" lvl="0" marL="0" marR="0" rtl="0" algn="l">
+            <a:pPr marL="0" marR="0" lvl="0" indent="0" algn="l" rtl="0">
               <a:lnSpc>
                 <a:spcPct val="100000"/>
               </a:lnSpc>
@@ -12185,7 +12352,7 @@
               <a:buNone/>
             </a:pPr>
             <a:r>
-              <a:rPr b="1" i="0" lang="es-ES" sz="1400" u="none" cap="none" strike="noStrike">
+              <a:rPr lang="es-ES" sz="1400" b="1" i="0" u="none" strike="noStrike" cap="none">
                 <a:solidFill>
                   <a:schemeClr val="lt1"/>
                 </a:solidFill>
@@ -12209,7 +12376,288 @@
 </file>
 
 <file path=ppt/theme/theme1.xml><?xml version="1.0" encoding="utf-8"?>
-<a:theme xmlns:a="http://schemas.openxmlformats.org/drawingml/2006/main" xmlns:r="http://schemas.openxmlformats.org/officeDocument/2006/relationships">
+<a:theme xmlns:a="http://schemas.openxmlformats.org/drawingml/2006/main" name="Simple Light">
+  <a:themeElements>
+    <a:clrScheme name="Simple Light">
+      <a:dk1>
+        <a:srgbClr val="000000"/>
+      </a:dk1>
+      <a:lt1>
+        <a:srgbClr val="FFFFFF"/>
+      </a:lt1>
+      <a:dk2>
+        <a:srgbClr val="595959"/>
+      </a:dk2>
+      <a:lt2>
+        <a:srgbClr val="EEEEEE"/>
+      </a:lt2>
+      <a:accent1>
+        <a:srgbClr val="4285F4"/>
+      </a:accent1>
+      <a:accent2>
+        <a:srgbClr val="212121"/>
+      </a:accent2>
+      <a:accent3>
+        <a:srgbClr val="78909C"/>
+      </a:accent3>
+      <a:accent4>
+        <a:srgbClr val="FFAB40"/>
+      </a:accent4>
+      <a:accent5>
+        <a:srgbClr val="0097A7"/>
+      </a:accent5>
+      <a:accent6>
+        <a:srgbClr val="EEFF41"/>
+      </a:accent6>
+      <a:hlink>
+        <a:srgbClr val="0097A7"/>
+      </a:hlink>
+      <a:folHlink>
+        <a:srgbClr val="0097A7"/>
+      </a:folHlink>
+    </a:clrScheme>
+    <a:fontScheme name="Office">
+      <a:majorFont>
+        <a:latin typeface="Arial"/>
+        <a:ea typeface=""/>
+        <a:cs typeface=""/>
+        <a:font script="Jpan" typeface="ＭＳ Ｐゴシック"/>
+        <a:font script="Hang" typeface="맑은 고딕"/>
+        <a:font script="Hans" typeface="宋体"/>
+        <a:font script="Hant" typeface="新細明體"/>
+        <a:font script="Arab" typeface="Times New Roman"/>
+        <a:font script="Hebr" typeface="Times New Roman"/>
+        <a:font script="Thai" typeface="Angsana New"/>
+        <a:font script="Ethi" typeface="Nyala"/>
+        <a:font script="Beng" typeface="Vrinda"/>
+        <a:font script="Gujr" typeface="Shruti"/>
+        <a:font script="Khmr" typeface="MoolBoran"/>
+        <a:font script="Knda" typeface="Tunga"/>
+        <a:font script="Guru" typeface="Raavi"/>
+        <a:font script="Cans" typeface="Euphemia"/>
+        <a:font script="Cher" typeface="Plantagenet Cherokee"/>
+        <a:font script="Yiii" typeface="Microsoft Yi Baiti"/>
+        <a:font script="Tibt" typeface="Microsoft Himalaya"/>
+        <a:font script="Thaa" typeface="MV Boli"/>
+        <a:font script="Deva" typeface="Mangal"/>
+        <a:font script="Telu" typeface="Gautami"/>
+        <a:font script="Taml" typeface="Latha"/>
+        <a:font script="Syrc" typeface="Estrangelo Edessa"/>
+        <a:font script="Orya" typeface="Kalinga"/>
+        <a:font script="Mlym" typeface="Kartika"/>
+        <a:font script="Laoo" typeface="DokChampa"/>
+        <a:font script="Sinh" typeface="Iskoola Pota"/>
+        <a:font script="Mong" typeface="Mongolian Baiti"/>
+        <a:font script="Viet" typeface="Times New Roman"/>
+        <a:font script="Uigh" typeface="Microsoft Uighur"/>
+        <a:font script="Geor" typeface="Sylfaen"/>
+      </a:majorFont>
+      <a:minorFont>
+        <a:latin typeface="Arial"/>
+        <a:ea typeface=""/>
+        <a:cs typeface=""/>
+        <a:font script="Jpan" typeface="ＭＳ Ｐゴシック"/>
+        <a:font script="Hang" typeface="맑은 고딕"/>
+        <a:font script="Hans" typeface="宋体"/>
+        <a:font script="Hant" typeface="新細明體"/>
+        <a:font script="Arab" typeface="Arial"/>
+        <a:font script="Hebr" typeface="Arial"/>
+        <a:font script="Thai" typeface="Cordia New"/>
+        <a:font script="Ethi" typeface="Nyala"/>
+        <a:font script="Beng" typeface="Vrinda"/>
+        <a:font script="Gujr" typeface="Shruti"/>
+        <a:font script="Khmr" typeface="DaunPenh"/>
+        <a:font script="Knda" typeface="Tunga"/>
+        <a:font script="Guru" typeface="Raavi"/>
+        <a:font script="Cans" typeface="Euphemia"/>
+        <a:font script="Cher" typeface="Plantagenet Cherokee"/>
+        <a:font script="Yiii" typeface="Microsoft Yi Baiti"/>
+        <a:font script="Tibt" typeface="Microsoft Himalaya"/>
+        <a:font script="Thaa" typeface="MV Boli"/>
+        <a:font script="Deva" typeface="Mangal"/>
+        <a:font script="Telu" typeface="Gautami"/>
+        <a:font script="Taml" typeface="Latha"/>
+        <a:font script="Syrc" typeface="Estrangelo Edessa"/>
+        <a:font script="Orya" typeface="Kalinga"/>
+        <a:font script="Mlym" typeface="Kartika"/>
+        <a:font script="Laoo" typeface="DokChampa"/>
+        <a:font script="Sinh" typeface="Iskoola Pota"/>
+        <a:font script="Mong" typeface="Mongolian Baiti"/>
+        <a:font script="Viet" typeface="Arial"/>
+        <a:font script="Uigh" typeface="Microsoft Uighur"/>
+        <a:font script="Geor" typeface="Sylfaen"/>
+      </a:minorFont>
+    </a:fontScheme>
+    <a:fmtScheme name="Office">
+      <a:fillStyleLst>
+        <a:solidFill>
+          <a:schemeClr val="phClr"/>
+        </a:solidFill>
+        <a:gradFill rotWithShape="1">
+          <a:gsLst>
+            <a:gs pos="0">
+              <a:schemeClr val="phClr">
+                <a:tint val="50000"/>
+                <a:satMod val="300000"/>
+              </a:schemeClr>
+            </a:gs>
+            <a:gs pos="35000">
+              <a:schemeClr val="phClr">
+                <a:tint val="37000"/>
+                <a:satMod val="300000"/>
+              </a:schemeClr>
+            </a:gs>
+            <a:gs pos="100000">
+              <a:schemeClr val="phClr">
+                <a:tint val="15000"/>
+                <a:satMod val="350000"/>
+              </a:schemeClr>
+            </a:gs>
+          </a:gsLst>
+          <a:lin ang="16200000" scaled="1"/>
+        </a:gradFill>
+        <a:gradFill rotWithShape="1">
+          <a:gsLst>
+            <a:gs pos="0">
+              <a:schemeClr val="phClr">
+                <a:tint val="100000"/>
+                <a:shade val="100000"/>
+                <a:satMod val="130000"/>
+              </a:schemeClr>
+            </a:gs>
+            <a:gs pos="100000">
+              <a:schemeClr val="phClr">
+                <a:tint val="50000"/>
+                <a:shade val="100000"/>
+                <a:satMod val="350000"/>
+              </a:schemeClr>
+            </a:gs>
+          </a:gsLst>
+          <a:lin ang="16200000" scaled="0"/>
+        </a:gradFill>
+      </a:fillStyleLst>
+      <a:lnStyleLst>
+        <a:ln w="9525" cap="flat" cmpd="sng" algn="ctr">
+          <a:solidFill>
+            <a:schemeClr val="phClr">
+              <a:shade val="95000"/>
+              <a:satMod val="105000"/>
+            </a:schemeClr>
+          </a:solidFill>
+          <a:prstDash val="solid"/>
+        </a:ln>
+        <a:ln w="25400" cap="flat" cmpd="sng" algn="ctr">
+          <a:solidFill>
+            <a:schemeClr val="phClr"/>
+          </a:solidFill>
+          <a:prstDash val="solid"/>
+        </a:ln>
+        <a:ln w="38100" cap="flat" cmpd="sng" algn="ctr">
+          <a:solidFill>
+            <a:schemeClr val="phClr"/>
+          </a:solidFill>
+          <a:prstDash val="solid"/>
+        </a:ln>
+      </a:lnStyleLst>
+      <a:effectStyleLst>
+        <a:effectStyle>
+          <a:effectLst>
+            <a:outerShdw blurRad="40000" dist="20000" dir="5400000" rotWithShape="0">
+              <a:srgbClr val="000000">
+                <a:alpha val="38000"/>
+              </a:srgbClr>
+            </a:outerShdw>
+          </a:effectLst>
+        </a:effectStyle>
+        <a:effectStyle>
+          <a:effectLst>
+            <a:outerShdw blurRad="40000" dist="23000" dir="5400000" rotWithShape="0">
+              <a:srgbClr val="000000">
+                <a:alpha val="35000"/>
+              </a:srgbClr>
+            </a:outerShdw>
+          </a:effectLst>
+        </a:effectStyle>
+        <a:effectStyle>
+          <a:effectLst>
+            <a:outerShdw blurRad="40000" dist="23000" dir="5400000" rotWithShape="0">
+              <a:srgbClr val="000000">
+                <a:alpha val="35000"/>
+              </a:srgbClr>
+            </a:outerShdw>
+          </a:effectLst>
+          <a:scene3d>
+            <a:camera prst="orthographicFront">
+              <a:rot lat="0" lon="0" rev="0"/>
+            </a:camera>
+            <a:lightRig rig="threePt" dir="t">
+              <a:rot lat="0" lon="0" rev="1200000"/>
+            </a:lightRig>
+          </a:scene3d>
+          <a:sp3d>
+            <a:bevelT w="63500" h="25400"/>
+          </a:sp3d>
+        </a:effectStyle>
+      </a:effectStyleLst>
+      <a:bgFillStyleLst>
+        <a:solidFill>
+          <a:schemeClr val="phClr"/>
+        </a:solidFill>
+        <a:gradFill rotWithShape="1">
+          <a:gsLst>
+            <a:gs pos="0">
+              <a:schemeClr val="phClr">
+                <a:tint val="40000"/>
+                <a:satMod val="350000"/>
+              </a:schemeClr>
+            </a:gs>
+            <a:gs pos="40000">
+              <a:schemeClr val="phClr">
+                <a:tint val="45000"/>
+                <a:shade val="99000"/>
+                <a:satMod val="350000"/>
+              </a:schemeClr>
+            </a:gs>
+            <a:gs pos="100000">
+              <a:schemeClr val="phClr">
+                <a:shade val="20000"/>
+                <a:satMod val="255000"/>
+              </a:schemeClr>
+            </a:gs>
+          </a:gsLst>
+          <a:path path="circle">
+            <a:fillToRect l="50000" t="-80000" r="50000" b="180000"/>
+          </a:path>
+        </a:gradFill>
+        <a:gradFill rotWithShape="1">
+          <a:gsLst>
+            <a:gs pos="0">
+              <a:schemeClr val="phClr">
+                <a:tint val="80000"/>
+                <a:satMod val="300000"/>
+              </a:schemeClr>
+            </a:gs>
+            <a:gs pos="100000">
+              <a:schemeClr val="phClr">
+                <a:shade val="30000"/>
+                <a:satMod val="200000"/>
+              </a:schemeClr>
+            </a:gs>
+          </a:gsLst>
+          <a:path path="circle">
+            <a:fillToRect l="50000" t="50000" r="50000" b="50000"/>
+          </a:path>
+        </a:gradFill>
+      </a:bgFillStyleLst>
+    </a:fmtScheme>
+  </a:themeElements>
+  <a:objectDefaults/>
+  <a:extraClrSchemeLst/>
+</a:theme>
+</file>
+
+<file path=ppt/theme/theme2.xml><?xml version="1.0" encoding="utf-8"?>
+<a:theme xmlns:a="http://schemas.openxmlformats.org/drawingml/2006/main">
   <a:themeElements>
     <a:clrScheme name="Default">
       <a:dk1>
@@ -12484,284 +12932,7 @@
       </a:bgFillStyleLst>
     </a:fmtScheme>
   </a:themeElements>
-</a:theme>
-</file>
-
-<file path=ppt/theme/theme2.xml><?xml version="1.0" encoding="utf-8"?>
-<a:theme xmlns:a="http://schemas.openxmlformats.org/drawingml/2006/main" xmlns:r="http://schemas.openxmlformats.org/officeDocument/2006/relationships" name="Simple Light">
-  <a:themeElements>
-    <a:clrScheme name="Simple Light">
-      <a:dk1>
-        <a:srgbClr val="000000"/>
-      </a:dk1>
-      <a:lt1>
-        <a:srgbClr val="FFFFFF"/>
-      </a:lt1>
-      <a:dk2>
-        <a:srgbClr val="595959"/>
-      </a:dk2>
-      <a:lt2>
-        <a:srgbClr val="EEEEEE"/>
-      </a:lt2>
-      <a:accent1>
-        <a:srgbClr val="4285F4"/>
-      </a:accent1>
-      <a:accent2>
-        <a:srgbClr val="212121"/>
-      </a:accent2>
-      <a:accent3>
-        <a:srgbClr val="78909C"/>
-      </a:accent3>
-      <a:accent4>
-        <a:srgbClr val="FFAB40"/>
-      </a:accent4>
-      <a:accent5>
-        <a:srgbClr val="0097A7"/>
-      </a:accent5>
-      <a:accent6>
-        <a:srgbClr val="EEFF41"/>
-      </a:accent6>
-      <a:hlink>
-        <a:srgbClr val="0097A7"/>
-      </a:hlink>
-      <a:folHlink>
-        <a:srgbClr val="0097A7"/>
-      </a:folHlink>
-    </a:clrScheme>
-    <a:fontScheme name="Office">
-      <a:majorFont>
-        <a:latin typeface="Arial"/>
-        <a:ea typeface=""/>
-        <a:cs typeface=""/>
-        <a:font script="Jpan" typeface="ＭＳ Ｐゴシック"/>
-        <a:font script="Hang" typeface="맑은 고딕"/>
-        <a:font script="Hans" typeface="宋体"/>
-        <a:font script="Hant" typeface="新細明體"/>
-        <a:font script="Arab" typeface="Times New Roman"/>
-        <a:font script="Hebr" typeface="Times New Roman"/>
-        <a:font script="Thai" typeface="Angsana New"/>
-        <a:font script="Ethi" typeface="Nyala"/>
-        <a:font script="Beng" typeface="Vrinda"/>
-        <a:font script="Gujr" typeface="Shruti"/>
-        <a:font script="Khmr" typeface="MoolBoran"/>
-        <a:font script="Knda" typeface="Tunga"/>
-        <a:font script="Guru" typeface="Raavi"/>
-        <a:font script="Cans" typeface="Euphemia"/>
-        <a:font script="Cher" typeface="Plantagenet Cherokee"/>
-        <a:font script="Yiii" typeface="Microsoft Yi Baiti"/>
-        <a:font script="Tibt" typeface="Microsoft Himalaya"/>
-        <a:font script="Thaa" typeface="MV Boli"/>
-        <a:font script="Deva" typeface="Mangal"/>
-        <a:font script="Telu" typeface="Gautami"/>
-        <a:font script="Taml" typeface="Latha"/>
-        <a:font script="Syrc" typeface="Estrangelo Edessa"/>
-        <a:font script="Orya" typeface="Kalinga"/>
-        <a:font script="Mlym" typeface="Kartika"/>
-        <a:font script="Laoo" typeface="DokChampa"/>
-        <a:font script="Sinh" typeface="Iskoola Pota"/>
-        <a:font script="Mong" typeface="Mongolian Baiti"/>
-        <a:font script="Viet" typeface="Times New Roman"/>
-        <a:font script="Uigh" typeface="Microsoft Uighur"/>
-        <a:font script="Geor" typeface="Sylfaen"/>
-      </a:majorFont>
-      <a:minorFont>
-        <a:latin typeface="Arial"/>
-        <a:ea typeface=""/>
-        <a:cs typeface=""/>
-        <a:font script="Jpan" typeface="ＭＳ Ｐゴシック"/>
-        <a:font script="Hang" typeface="맑은 고딕"/>
-        <a:font script="Hans" typeface="宋体"/>
-        <a:font script="Hant" typeface="新細明體"/>
-        <a:font script="Arab" typeface="Arial"/>
-        <a:font script="Hebr" typeface="Arial"/>
-        <a:font script="Thai" typeface="Cordia New"/>
-        <a:font script="Ethi" typeface="Nyala"/>
-        <a:font script="Beng" typeface="Vrinda"/>
-        <a:font script="Gujr" typeface="Shruti"/>
-        <a:font script="Khmr" typeface="DaunPenh"/>
-        <a:font script="Knda" typeface="Tunga"/>
-        <a:font script="Guru" typeface="Raavi"/>
-        <a:font script="Cans" typeface="Euphemia"/>
-        <a:font script="Cher" typeface="Plantagenet Cherokee"/>
-        <a:font script="Yiii" typeface="Microsoft Yi Baiti"/>
-        <a:font script="Tibt" typeface="Microsoft Himalaya"/>
-        <a:font script="Thaa" typeface="MV Boli"/>
-        <a:font script="Deva" typeface="Mangal"/>
-        <a:font script="Telu" typeface="Gautami"/>
-        <a:font script="Taml" typeface="Latha"/>
-        <a:font script="Syrc" typeface="Estrangelo Edessa"/>
-        <a:font script="Orya" typeface="Kalinga"/>
-        <a:font script="Mlym" typeface="Kartika"/>
-        <a:font script="Laoo" typeface="DokChampa"/>
-        <a:font script="Sinh" typeface="Iskoola Pota"/>
-        <a:font script="Mong" typeface="Mongolian Baiti"/>
-        <a:font script="Viet" typeface="Arial"/>
-        <a:font script="Uigh" typeface="Microsoft Uighur"/>
-        <a:font script="Geor" typeface="Sylfaen"/>
-      </a:minorFont>
-    </a:fontScheme>
-    <a:fmtScheme name="Office">
-      <a:fillStyleLst>
-        <a:solidFill>
-          <a:schemeClr val="phClr"/>
-        </a:solidFill>
-        <a:gradFill rotWithShape="1">
-          <a:gsLst>
-            <a:gs pos="0">
-              <a:schemeClr val="phClr">
-                <a:tint val="50000"/>
-                <a:satMod val="300000"/>
-              </a:schemeClr>
-            </a:gs>
-            <a:gs pos="35000">
-              <a:schemeClr val="phClr">
-                <a:tint val="37000"/>
-                <a:satMod val="300000"/>
-              </a:schemeClr>
-            </a:gs>
-            <a:gs pos="100000">
-              <a:schemeClr val="phClr">
-                <a:tint val="15000"/>
-                <a:satMod val="350000"/>
-              </a:schemeClr>
-            </a:gs>
-          </a:gsLst>
-          <a:lin ang="16200000" scaled="1"/>
-        </a:gradFill>
-        <a:gradFill rotWithShape="1">
-          <a:gsLst>
-            <a:gs pos="0">
-              <a:schemeClr val="phClr">
-                <a:tint val="100000"/>
-                <a:shade val="100000"/>
-                <a:satMod val="130000"/>
-              </a:schemeClr>
-            </a:gs>
-            <a:gs pos="100000">
-              <a:schemeClr val="phClr">
-                <a:tint val="50000"/>
-                <a:shade val="100000"/>
-                <a:satMod val="350000"/>
-              </a:schemeClr>
-            </a:gs>
-          </a:gsLst>
-          <a:lin ang="16200000" scaled="0"/>
-        </a:gradFill>
-      </a:fillStyleLst>
-      <a:lnStyleLst>
-        <a:ln w="9525" cap="flat" cmpd="sng" algn="ctr">
-          <a:solidFill>
-            <a:schemeClr val="phClr">
-              <a:shade val="95000"/>
-              <a:satMod val="105000"/>
-            </a:schemeClr>
-          </a:solidFill>
-          <a:prstDash val="solid"/>
-        </a:ln>
-        <a:ln w="25400" cap="flat" cmpd="sng" algn="ctr">
-          <a:solidFill>
-            <a:schemeClr val="phClr"/>
-          </a:solidFill>
-          <a:prstDash val="solid"/>
-        </a:ln>
-        <a:ln w="38100" cap="flat" cmpd="sng" algn="ctr">
-          <a:solidFill>
-            <a:schemeClr val="phClr"/>
-          </a:solidFill>
-          <a:prstDash val="solid"/>
-        </a:ln>
-      </a:lnStyleLst>
-      <a:effectStyleLst>
-        <a:effectStyle>
-          <a:effectLst>
-            <a:outerShdw blurRad="40000" dist="20000" dir="5400000" rotWithShape="0">
-              <a:srgbClr val="000000">
-                <a:alpha val="38000"/>
-              </a:srgbClr>
-            </a:outerShdw>
-          </a:effectLst>
-        </a:effectStyle>
-        <a:effectStyle>
-          <a:effectLst>
-            <a:outerShdw blurRad="40000" dist="23000" dir="5400000" rotWithShape="0">
-              <a:srgbClr val="000000">
-                <a:alpha val="35000"/>
-              </a:srgbClr>
-            </a:outerShdw>
-          </a:effectLst>
-        </a:effectStyle>
-        <a:effectStyle>
-          <a:effectLst>
-            <a:outerShdw blurRad="40000" dist="23000" dir="5400000" rotWithShape="0">
-              <a:srgbClr val="000000">
-                <a:alpha val="35000"/>
-              </a:srgbClr>
-            </a:outerShdw>
-          </a:effectLst>
-          <a:scene3d>
-            <a:camera prst="orthographicFront">
-              <a:rot lat="0" lon="0" rev="0"/>
-            </a:camera>
-            <a:lightRig rig="threePt" dir="t">
-              <a:rot lat="0" lon="0" rev="1200000"/>
-            </a:lightRig>
-          </a:scene3d>
-          <a:sp3d>
-            <a:bevelT w="63500" h="25400"/>
-          </a:sp3d>
-        </a:effectStyle>
-      </a:effectStyleLst>
-      <a:bgFillStyleLst>
-        <a:solidFill>
-          <a:schemeClr val="phClr"/>
-        </a:solidFill>
-        <a:gradFill rotWithShape="1">
-          <a:gsLst>
-            <a:gs pos="0">
-              <a:schemeClr val="phClr">
-                <a:tint val="40000"/>
-                <a:satMod val="350000"/>
-              </a:schemeClr>
-            </a:gs>
-            <a:gs pos="40000">
-              <a:schemeClr val="phClr">
-                <a:tint val="45000"/>
-                <a:shade val="99000"/>
-                <a:satMod val="350000"/>
-              </a:schemeClr>
-            </a:gs>
-            <a:gs pos="100000">
-              <a:schemeClr val="phClr">
-                <a:shade val="20000"/>
-                <a:satMod val="255000"/>
-              </a:schemeClr>
-            </a:gs>
-          </a:gsLst>
-          <a:path path="circle">
-            <a:fillToRect l="50000" t="-80000" r="50000" b="180000"/>
-          </a:path>
-        </a:gradFill>
-        <a:gradFill rotWithShape="1">
-          <a:gsLst>
-            <a:gs pos="0">
-              <a:schemeClr val="phClr">
-                <a:tint val="80000"/>
-                <a:satMod val="300000"/>
-              </a:schemeClr>
-            </a:gs>
-            <a:gs pos="100000">
-              <a:schemeClr val="phClr">
-                <a:shade val="30000"/>
-                <a:satMod val="200000"/>
-              </a:schemeClr>
-            </a:gs>
-          </a:gsLst>
-          <a:path path="circle">
-            <a:fillToRect l="50000" t="50000" r="50000" b="50000"/>
-          </a:path>
-        </a:gradFill>
-      </a:bgFillStyleLst>
-    </a:fmtScheme>
-  </a:themeElements>
+  <a:objectDefaults/>
+  <a:extraClrSchemeLst/>
 </a:theme>
 </file>